--- a/Predicting the Presence of Cancer in Breast Cancer Cells.pptx
+++ b/Predicting the Presence of Cancer in Breast Cancer Cells.pptx
@@ -10732,8 +10732,8 @@
         </p:nvSpPr>
         <p:spPr>
           <a:xfrm>
-            <a:off x="1297500" y="1567550"/>
-            <a:ext cx="7038900" cy="2911200"/>
+            <a:off x="1158525" y="1307850"/>
+            <a:ext cx="7720200" cy="3645900"/>
           </a:xfrm>
           <a:prstGeom prst="rect">
             <a:avLst/>
@@ -10834,13 +10834,29 @@
                 <a:spcPts val="1200"/>
               </a:spcBef>
               <a:spcAft>
-                <a:spcPts val="1200"/>
+                <a:spcPts val="0"/>
               </a:spcAft>
               <a:buNone/>
             </a:pPr>
             <a:r>
               <a:rPr lang="en"/>
               <a:t>Interactive Visualization: Tableau</a:t>
+            </a:r>
+            <a:endParaRPr/>
+          </a:p>
+          <a:p>
+            <a:pPr indent="0" lvl="0" marL="0" rtl="0" algn="l">
+              <a:spcBef>
+                <a:spcPts val="1200"/>
+              </a:spcBef>
+              <a:spcAft>
+                <a:spcPts val="1200"/>
+              </a:spcAft>
+              <a:buNone/>
+            </a:pPr>
+            <a:r>
+              <a:rPr lang="en"/>
+              <a:t>	For the dashboard we created, we used Tableau to create a drop down menu of the different graphs we created in order to allow the user to have a better grasp of how different features affect the diagnosis of the patient’s sample.</a:t>
             </a:r>
             <a:endParaRPr/>
           </a:p>
@@ -13752,6 +13768,285 @@
 </file>
 
 <file path=ppt/theme/theme1.xml><?xml version="1.0" encoding="utf-8"?>
+<a:theme xmlns:a="http://schemas.openxmlformats.org/drawingml/2006/main" xmlns:r="http://schemas.openxmlformats.org/officeDocument/2006/relationships" name="Focus">
+  <a:themeElements>
+    <a:clrScheme name="Focus">
+      <a:dk1>
+        <a:srgbClr val="1B212C"/>
+      </a:dk1>
+      <a:lt1>
+        <a:srgbClr val="FFFFFF"/>
+      </a:lt1>
+      <a:dk2>
+        <a:srgbClr val="D9D9D9"/>
+      </a:dk2>
+      <a:lt2>
+        <a:srgbClr val="82C7A5"/>
+      </a:lt2>
+      <a:accent1>
+        <a:srgbClr val="0145AC"/>
+      </a:accent1>
+      <a:accent2>
+        <a:srgbClr val="EECE1A"/>
+      </a:accent2>
+      <a:accent3>
+        <a:srgbClr val="4E5567"/>
+      </a:accent3>
+      <a:accent4>
+        <a:srgbClr val="F4D6AD"/>
+      </a:accent4>
+      <a:accent5>
+        <a:srgbClr val="7890CD"/>
+      </a:accent5>
+      <a:accent6>
+        <a:srgbClr val="F15E22"/>
+      </a:accent6>
+      <a:hlink>
+        <a:srgbClr val="7890CD"/>
+      </a:hlink>
+      <a:folHlink>
+        <a:srgbClr val="7890CD"/>
+      </a:folHlink>
+    </a:clrScheme>
+    <a:fontScheme name="Office">
+      <a:majorFont>
+        <a:latin typeface="Arial"/>
+        <a:ea typeface=""/>
+        <a:cs typeface=""/>
+        <a:font script="Jpan" typeface="ＭＳ Ｐゴシック"/>
+        <a:font script="Hang" typeface="맑은 고딕"/>
+        <a:font script="Hans" typeface="宋体"/>
+        <a:font script="Hant" typeface="新細明體"/>
+        <a:font script="Arab" typeface="Times New Roman"/>
+        <a:font script="Hebr" typeface="Times New Roman"/>
+        <a:font script="Thai" typeface="Angsana New"/>
+        <a:font script="Ethi" typeface="Nyala"/>
+        <a:font script="Beng" typeface="Vrinda"/>
+        <a:font script="Gujr" typeface="Shruti"/>
+        <a:font script="Khmr" typeface="MoolBoran"/>
+        <a:font script="Knda" typeface="Tunga"/>
+        <a:font script="Guru" typeface="Raavi"/>
+        <a:font script="Cans" typeface="Euphemia"/>
+        <a:font script="Cher" typeface="Plantagenet Cherokee"/>
+        <a:font script="Yiii" typeface="Microsoft Yi Baiti"/>
+        <a:font script="Tibt" typeface="Microsoft Himalaya"/>
+        <a:font script="Thaa" typeface="MV Boli"/>
+        <a:font script="Deva" typeface="Mangal"/>
+        <a:font script="Telu" typeface="Gautami"/>
+        <a:font script="Taml" typeface="Latha"/>
+        <a:font script="Syrc" typeface="Estrangelo Edessa"/>
+        <a:font script="Orya" typeface="Kalinga"/>
+        <a:font script="Mlym" typeface="Kartika"/>
+        <a:font script="Laoo" typeface="DokChampa"/>
+        <a:font script="Sinh" typeface="Iskoola Pota"/>
+        <a:font script="Mong" typeface="Mongolian Baiti"/>
+        <a:font script="Viet" typeface="Times New Roman"/>
+        <a:font script="Uigh" typeface="Microsoft Uighur"/>
+        <a:font script="Geor" typeface="Sylfaen"/>
+      </a:majorFont>
+      <a:minorFont>
+        <a:latin typeface="Arial"/>
+        <a:ea typeface=""/>
+        <a:cs typeface=""/>
+        <a:font script="Jpan" typeface="ＭＳ Ｐゴシック"/>
+        <a:font script="Hang" typeface="맑은 고딕"/>
+        <a:font script="Hans" typeface="宋体"/>
+        <a:font script="Hant" typeface="新細明體"/>
+        <a:font script="Arab" typeface="Arial"/>
+        <a:font script="Hebr" typeface="Arial"/>
+        <a:font script="Thai" typeface="Cordia New"/>
+        <a:font script="Ethi" typeface="Nyala"/>
+        <a:font script="Beng" typeface="Vrinda"/>
+        <a:font script="Gujr" typeface="Shruti"/>
+        <a:font script="Khmr" typeface="DaunPenh"/>
+        <a:font script="Knda" typeface="Tunga"/>
+        <a:font script="Guru" typeface="Raavi"/>
+        <a:font script="Cans" typeface="Euphemia"/>
+        <a:font script="Cher" typeface="Plantagenet Cherokee"/>
+        <a:font script="Yiii" typeface="Microsoft Yi Baiti"/>
+        <a:font script="Tibt" typeface="Microsoft Himalaya"/>
+        <a:font script="Thaa" typeface="MV Boli"/>
+        <a:font script="Deva" typeface="Mangal"/>
+        <a:font script="Telu" typeface="Gautami"/>
+        <a:font script="Taml" typeface="Latha"/>
+        <a:font script="Syrc" typeface="Estrangelo Edessa"/>
+        <a:font script="Orya" typeface="Kalinga"/>
+        <a:font script="Mlym" typeface="Kartika"/>
+        <a:font script="Laoo" typeface="DokChampa"/>
+        <a:font script="Sinh" typeface="Iskoola Pota"/>
+        <a:font script="Mong" typeface="Mongolian Baiti"/>
+        <a:font script="Viet" typeface="Arial"/>
+        <a:font script="Uigh" typeface="Microsoft Uighur"/>
+        <a:font script="Geor" typeface="Sylfaen"/>
+      </a:minorFont>
+    </a:fontScheme>
+    <a:fmtScheme name="Office">
+      <a:fillStyleLst>
+        <a:solidFill>
+          <a:schemeClr val="phClr"/>
+        </a:solidFill>
+        <a:gradFill rotWithShape="1">
+          <a:gsLst>
+            <a:gs pos="0">
+              <a:schemeClr val="phClr">
+                <a:tint val="50000"/>
+                <a:satMod val="300000"/>
+              </a:schemeClr>
+            </a:gs>
+            <a:gs pos="35000">
+              <a:schemeClr val="phClr">
+                <a:tint val="37000"/>
+                <a:satMod val="300000"/>
+              </a:schemeClr>
+            </a:gs>
+            <a:gs pos="100000">
+              <a:schemeClr val="phClr">
+                <a:tint val="15000"/>
+                <a:satMod val="350000"/>
+              </a:schemeClr>
+            </a:gs>
+          </a:gsLst>
+          <a:lin ang="16200000" scaled="1"/>
+        </a:gradFill>
+        <a:gradFill rotWithShape="1">
+          <a:gsLst>
+            <a:gs pos="0">
+              <a:schemeClr val="phClr">
+                <a:tint val="100000"/>
+                <a:shade val="100000"/>
+                <a:satMod val="130000"/>
+              </a:schemeClr>
+            </a:gs>
+            <a:gs pos="100000">
+              <a:schemeClr val="phClr">
+                <a:tint val="50000"/>
+                <a:shade val="100000"/>
+                <a:satMod val="350000"/>
+              </a:schemeClr>
+            </a:gs>
+          </a:gsLst>
+          <a:lin ang="16200000" scaled="0"/>
+        </a:gradFill>
+      </a:fillStyleLst>
+      <a:lnStyleLst>
+        <a:ln w="9525" cap="flat" cmpd="sng" algn="ctr">
+          <a:solidFill>
+            <a:schemeClr val="phClr">
+              <a:shade val="95000"/>
+              <a:satMod val="105000"/>
+            </a:schemeClr>
+          </a:solidFill>
+          <a:prstDash val="solid"/>
+        </a:ln>
+        <a:ln w="25400" cap="flat" cmpd="sng" algn="ctr">
+          <a:solidFill>
+            <a:schemeClr val="phClr"/>
+          </a:solidFill>
+          <a:prstDash val="solid"/>
+        </a:ln>
+        <a:ln w="38100" cap="flat" cmpd="sng" algn="ctr">
+          <a:solidFill>
+            <a:schemeClr val="phClr"/>
+          </a:solidFill>
+          <a:prstDash val="solid"/>
+        </a:ln>
+      </a:lnStyleLst>
+      <a:effectStyleLst>
+        <a:effectStyle>
+          <a:effectLst>
+            <a:outerShdw blurRad="40000" dist="20000" dir="5400000" rotWithShape="0">
+              <a:srgbClr val="000000">
+                <a:alpha val="38000"/>
+              </a:srgbClr>
+            </a:outerShdw>
+          </a:effectLst>
+        </a:effectStyle>
+        <a:effectStyle>
+          <a:effectLst>
+            <a:outerShdw blurRad="40000" dist="23000" dir="5400000" rotWithShape="0">
+              <a:srgbClr val="000000">
+                <a:alpha val="35000"/>
+              </a:srgbClr>
+            </a:outerShdw>
+          </a:effectLst>
+        </a:effectStyle>
+        <a:effectStyle>
+          <a:effectLst>
+            <a:outerShdw blurRad="40000" dist="23000" dir="5400000" rotWithShape="0">
+              <a:srgbClr val="000000">
+                <a:alpha val="35000"/>
+              </a:srgbClr>
+            </a:outerShdw>
+          </a:effectLst>
+          <a:scene3d>
+            <a:camera prst="orthographicFront">
+              <a:rot lat="0" lon="0" rev="0"/>
+            </a:camera>
+            <a:lightRig rig="threePt" dir="t">
+              <a:rot lat="0" lon="0" rev="1200000"/>
+            </a:lightRig>
+          </a:scene3d>
+          <a:sp3d>
+            <a:bevelT w="63500" h="25400"/>
+          </a:sp3d>
+        </a:effectStyle>
+      </a:effectStyleLst>
+      <a:bgFillStyleLst>
+        <a:solidFill>
+          <a:schemeClr val="phClr"/>
+        </a:solidFill>
+        <a:gradFill rotWithShape="1">
+          <a:gsLst>
+            <a:gs pos="0">
+              <a:schemeClr val="phClr">
+                <a:tint val="40000"/>
+                <a:satMod val="350000"/>
+              </a:schemeClr>
+            </a:gs>
+            <a:gs pos="40000">
+              <a:schemeClr val="phClr">
+                <a:tint val="45000"/>
+                <a:shade val="99000"/>
+                <a:satMod val="350000"/>
+              </a:schemeClr>
+            </a:gs>
+            <a:gs pos="100000">
+              <a:schemeClr val="phClr">
+                <a:shade val="20000"/>
+                <a:satMod val="255000"/>
+              </a:schemeClr>
+            </a:gs>
+          </a:gsLst>
+          <a:path path="circle">
+            <a:fillToRect l="50000" t="-80000" r="50000" b="180000"/>
+          </a:path>
+        </a:gradFill>
+        <a:gradFill rotWithShape="1">
+          <a:gsLst>
+            <a:gs pos="0">
+              <a:schemeClr val="phClr">
+                <a:tint val="80000"/>
+                <a:satMod val="300000"/>
+              </a:schemeClr>
+            </a:gs>
+            <a:gs pos="100000">
+              <a:schemeClr val="phClr">
+                <a:shade val="30000"/>
+                <a:satMod val="200000"/>
+              </a:schemeClr>
+            </a:gs>
+          </a:gsLst>
+          <a:path path="circle">
+            <a:fillToRect l="50000" t="50000" r="50000" b="50000"/>
+          </a:path>
+        </a:gradFill>
+      </a:bgFillStyleLst>
+    </a:fmtScheme>
+  </a:themeElements>
+</a:theme>
+</file>
+
+<file path=ppt/theme/theme2.xml><?xml version="1.0" encoding="utf-8"?>
 <a:theme xmlns:a="http://schemas.openxmlformats.org/drawingml/2006/main" xmlns:r="http://schemas.openxmlformats.org/officeDocument/2006/relationships">
   <a:themeElements>
     <a:clrScheme name="Default">
@@ -14028,283 +14323,4 @@
     </a:fmtScheme>
   </a:themeElements>
 </a:theme>
-</file>
-
-<file path=ppt/theme/theme2.xml><?xml version="1.0" encoding="utf-8"?>
-<a:theme xmlns:a="http://schemas.openxmlformats.org/drawingml/2006/main" xmlns:r="http://schemas.openxmlformats.org/officeDocument/2006/relationships" name="Focus">
-  <a:themeElements>
-    <a:clrScheme name="Focus">
-      <a:dk1>
-        <a:srgbClr val="1B212C"/>
-      </a:dk1>
-      <a:lt1>
-        <a:srgbClr val="FFFFFF"/>
-      </a:lt1>
-      <a:dk2>
-        <a:srgbClr val="D9D9D9"/>
-      </a:dk2>
-      <a:lt2>
-        <a:srgbClr val="82C7A5"/>
-      </a:lt2>
-      <a:accent1>
-        <a:srgbClr val="0145AC"/>
-      </a:accent1>
-      <a:accent2>
-        <a:srgbClr val="EECE1A"/>
-      </a:accent2>
-      <a:accent3>
-        <a:srgbClr val="4E5567"/>
-      </a:accent3>
-      <a:accent4>
-        <a:srgbClr val="F4D6AD"/>
-      </a:accent4>
-      <a:accent5>
-        <a:srgbClr val="7890CD"/>
-      </a:accent5>
-      <a:accent6>
-        <a:srgbClr val="F15E22"/>
-      </a:accent6>
-      <a:hlink>
-        <a:srgbClr val="7890CD"/>
-      </a:hlink>
-      <a:folHlink>
-        <a:srgbClr val="7890CD"/>
-      </a:folHlink>
-    </a:clrScheme>
-    <a:fontScheme name="Office">
-      <a:majorFont>
-        <a:latin typeface="Arial"/>
-        <a:ea typeface=""/>
-        <a:cs typeface=""/>
-        <a:font script="Jpan" typeface="ＭＳ Ｐゴシック"/>
-        <a:font script="Hang" typeface="맑은 고딕"/>
-        <a:font script="Hans" typeface="宋体"/>
-        <a:font script="Hant" typeface="新細明體"/>
-        <a:font script="Arab" typeface="Times New Roman"/>
-        <a:font script="Hebr" typeface="Times New Roman"/>
-        <a:font script="Thai" typeface="Angsana New"/>
-        <a:font script="Ethi" typeface="Nyala"/>
-        <a:font script="Beng" typeface="Vrinda"/>
-        <a:font script="Gujr" typeface="Shruti"/>
-        <a:font script="Khmr" typeface="MoolBoran"/>
-        <a:font script="Knda" typeface="Tunga"/>
-        <a:font script="Guru" typeface="Raavi"/>
-        <a:font script="Cans" typeface="Euphemia"/>
-        <a:font script="Cher" typeface="Plantagenet Cherokee"/>
-        <a:font script="Yiii" typeface="Microsoft Yi Baiti"/>
-        <a:font script="Tibt" typeface="Microsoft Himalaya"/>
-        <a:font script="Thaa" typeface="MV Boli"/>
-        <a:font script="Deva" typeface="Mangal"/>
-        <a:font script="Telu" typeface="Gautami"/>
-        <a:font script="Taml" typeface="Latha"/>
-        <a:font script="Syrc" typeface="Estrangelo Edessa"/>
-        <a:font script="Orya" typeface="Kalinga"/>
-        <a:font script="Mlym" typeface="Kartika"/>
-        <a:font script="Laoo" typeface="DokChampa"/>
-        <a:font script="Sinh" typeface="Iskoola Pota"/>
-        <a:font script="Mong" typeface="Mongolian Baiti"/>
-        <a:font script="Viet" typeface="Times New Roman"/>
-        <a:font script="Uigh" typeface="Microsoft Uighur"/>
-        <a:font script="Geor" typeface="Sylfaen"/>
-      </a:majorFont>
-      <a:minorFont>
-        <a:latin typeface="Arial"/>
-        <a:ea typeface=""/>
-        <a:cs typeface=""/>
-        <a:font script="Jpan" typeface="ＭＳ Ｐゴシック"/>
-        <a:font script="Hang" typeface="맑은 고딕"/>
-        <a:font script="Hans" typeface="宋体"/>
-        <a:font script="Hant" typeface="新細明體"/>
-        <a:font script="Arab" typeface="Arial"/>
-        <a:font script="Hebr" typeface="Arial"/>
-        <a:font script="Thai" typeface="Cordia New"/>
-        <a:font script="Ethi" typeface="Nyala"/>
-        <a:font script="Beng" typeface="Vrinda"/>
-        <a:font script="Gujr" typeface="Shruti"/>
-        <a:font script="Khmr" typeface="DaunPenh"/>
-        <a:font script="Knda" typeface="Tunga"/>
-        <a:font script="Guru" typeface="Raavi"/>
-        <a:font script="Cans" typeface="Euphemia"/>
-        <a:font script="Cher" typeface="Plantagenet Cherokee"/>
-        <a:font script="Yiii" typeface="Microsoft Yi Baiti"/>
-        <a:font script="Tibt" typeface="Microsoft Himalaya"/>
-        <a:font script="Thaa" typeface="MV Boli"/>
-        <a:font script="Deva" typeface="Mangal"/>
-        <a:font script="Telu" typeface="Gautami"/>
-        <a:font script="Taml" typeface="Latha"/>
-        <a:font script="Syrc" typeface="Estrangelo Edessa"/>
-        <a:font script="Orya" typeface="Kalinga"/>
-        <a:font script="Mlym" typeface="Kartika"/>
-        <a:font script="Laoo" typeface="DokChampa"/>
-        <a:font script="Sinh" typeface="Iskoola Pota"/>
-        <a:font script="Mong" typeface="Mongolian Baiti"/>
-        <a:font script="Viet" typeface="Arial"/>
-        <a:font script="Uigh" typeface="Microsoft Uighur"/>
-        <a:font script="Geor" typeface="Sylfaen"/>
-      </a:minorFont>
-    </a:fontScheme>
-    <a:fmtScheme name="Office">
-      <a:fillStyleLst>
-        <a:solidFill>
-          <a:schemeClr val="phClr"/>
-        </a:solidFill>
-        <a:gradFill rotWithShape="1">
-          <a:gsLst>
-            <a:gs pos="0">
-              <a:schemeClr val="phClr">
-                <a:tint val="50000"/>
-                <a:satMod val="300000"/>
-              </a:schemeClr>
-            </a:gs>
-            <a:gs pos="35000">
-              <a:schemeClr val="phClr">
-                <a:tint val="37000"/>
-                <a:satMod val="300000"/>
-              </a:schemeClr>
-            </a:gs>
-            <a:gs pos="100000">
-              <a:schemeClr val="phClr">
-                <a:tint val="15000"/>
-                <a:satMod val="350000"/>
-              </a:schemeClr>
-            </a:gs>
-          </a:gsLst>
-          <a:lin ang="16200000" scaled="1"/>
-        </a:gradFill>
-        <a:gradFill rotWithShape="1">
-          <a:gsLst>
-            <a:gs pos="0">
-              <a:schemeClr val="phClr">
-                <a:tint val="100000"/>
-                <a:shade val="100000"/>
-                <a:satMod val="130000"/>
-              </a:schemeClr>
-            </a:gs>
-            <a:gs pos="100000">
-              <a:schemeClr val="phClr">
-                <a:tint val="50000"/>
-                <a:shade val="100000"/>
-                <a:satMod val="350000"/>
-              </a:schemeClr>
-            </a:gs>
-          </a:gsLst>
-          <a:lin ang="16200000" scaled="0"/>
-        </a:gradFill>
-      </a:fillStyleLst>
-      <a:lnStyleLst>
-        <a:ln w="9525" cap="flat" cmpd="sng" algn="ctr">
-          <a:solidFill>
-            <a:schemeClr val="phClr">
-              <a:shade val="95000"/>
-              <a:satMod val="105000"/>
-            </a:schemeClr>
-          </a:solidFill>
-          <a:prstDash val="solid"/>
-        </a:ln>
-        <a:ln w="25400" cap="flat" cmpd="sng" algn="ctr">
-          <a:solidFill>
-            <a:schemeClr val="phClr"/>
-          </a:solidFill>
-          <a:prstDash val="solid"/>
-        </a:ln>
-        <a:ln w="38100" cap="flat" cmpd="sng" algn="ctr">
-          <a:solidFill>
-            <a:schemeClr val="phClr"/>
-          </a:solidFill>
-          <a:prstDash val="solid"/>
-        </a:ln>
-      </a:lnStyleLst>
-      <a:effectStyleLst>
-        <a:effectStyle>
-          <a:effectLst>
-            <a:outerShdw blurRad="40000" dist="20000" dir="5400000" rotWithShape="0">
-              <a:srgbClr val="000000">
-                <a:alpha val="38000"/>
-              </a:srgbClr>
-            </a:outerShdw>
-          </a:effectLst>
-        </a:effectStyle>
-        <a:effectStyle>
-          <a:effectLst>
-            <a:outerShdw blurRad="40000" dist="23000" dir="5400000" rotWithShape="0">
-              <a:srgbClr val="000000">
-                <a:alpha val="35000"/>
-              </a:srgbClr>
-            </a:outerShdw>
-          </a:effectLst>
-        </a:effectStyle>
-        <a:effectStyle>
-          <a:effectLst>
-            <a:outerShdw blurRad="40000" dist="23000" dir="5400000" rotWithShape="0">
-              <a:srgbClr val="000000">
-                <a:alpha val="35000"/>
-              </a:srgbClr>
-            </a:outerShdw>
-          </a:effectLst>
-          <a:scene3d>
-            <a:camera prst="orthographicFront">
-              <a:rot lat="0" lon="0" rev="0"/>
-            </a:camera>
-            <a:lightRig rig="threePt" dir="t">
-              <a:rot lat="0" lon="0" rev="1200000"/>
-            </a:lightRig>
-          </a:scene3d>
-          <a:sp3d>
-            <a:bevelT w="63500" h="25400"/>
-          </a:sp3d>
-        </a:effectStyle>
-      </a:effectStyleLst>
-      <a:bgFillStyleLst>
-        <a:solidFill>
-          <a:schemeClr val="phClr"/>
-        </a:solidFill>
-        <a:gradFill rotWithShape="1">
-          <a:gsLst>
-            <a:gs pos="0">
-              <a:schemeClr val="phClr">
-                <a:tint val="40000"/>
-                <a:satMod val="350000"/>
-              </a:schemeClr>
-            </a:gs>
-            <a:gs pos="40000">
-              <a:schemeClr val="phClr">
-                <a:tint val="45000"/>
-                <a:shade val="99000"/>
-                <a:satMod val="350000"/>
-              </a:schemeClr>
-            </a:gs>
-            <a:gs pos="100000">
-              <a:schemeClr val="phClr">
-                <a:shade val="20000"/>
-                <a:satMod val="255000"/>
-              </a:schemeClr>
-            </a:gs>
-          </a:gsLst>
-          <a:path path="circle">
-            <a:fillToRect l="50000" t="-80000" r="50000" b="180000"/>
-          </a:path>
-        </a:gradFill>
-        <a:gradFill rotWithShape="1">
-          <a:gsLst>
-            <a:gs pos="0">
-              <a:schemeClr val="phClr">
-                <a:tint val="80000"/>
-                <a:satMod val="300000"/>
-              </a:schemeClr>
-            </a:gs>
-            <a:gs pos="100000">
-              <a:schemeClr val="phClr">
-                <a:shade val="30000"/>
-                <a:satMod val="200000"/>
-              </a:schemeClr>
-            </a:gs>
-          </a:gsLst>
-          <a:path path="circle">
-            <a:fillToRect l="50000" t="50000" r="50000" b="50000"/>
-          </a:path>
-        </a:gradFill>
-      </a:bgFillStyleLst>
-    </a:fmtScheme>
-  </a:themeElements>
-</a:theme>
 </file>
--- a/Predicting the Presence of Cancer in Breast Cancer Cells.pptx
+++ b/Predicting the Presence of Cancer in Breast Cancer Cells.pptx
@@ -10741,7 +10741,7 @@
         </p:spPr>
         <p:txBody>
           <a:bodyPr anchorCtr="0" anchor="t" bIns="91425" lIns="91425" spcFirstLastPara="1" rIns="91425" wrap="square" tIns="91425">
-            <a:normAutofit lnSpcReduction="10000"/>
+            <a:normAutofit lnSpcReduction="20000"/>
           </a:bodyPr>
           <a:lstStyle/>
           <a:p>
@@ -10755,10 +10755,10 @@
               <a:buNone/>
             </a:pPr>
             <a:r>
-              <a:rPr lang="en"/>
+              <a:rPr b="1" lang="en" sz="1500"/>
               <a:t>Machine Learning Model: Google Colab - Python, Pandas, PySpark, and Matplot</a:t>
             </a:r>
-            <a:endParaRPr/>
+            <a:endParaRPr b="1" sz="1500"/>
           </a:p>
           <a:p>
             <a:pPr indent="457200" lvl="0" marL="0" rtl="0" algn="l">
@@ -10787,14 +10787,14 @@
               <a:buNone/>
             </a:pPr>
             <a:r>
-              <a:rPr lang="en"/>
+              <a:rPr b="1" lang="en" sz="1500"/>
               <a:t>DataBase: AWS - RDS and S3 &amp; </a:t>
             </a:r>
             <a:r>
-              <a:rPr lang="en"/>
+              <a:rPr b="1" lang="en" sz="1500"/>
               <a:t>Postgres</a:t>
             </a:r>
-            <a:endParaRPr/>
+            <a:endParaRPr b="1" sz="1500"/>
           </a:p>
           <a:p>
             <a:pPr indent="0" lvl="0" marL="0" rtl="0" algn="l">
@@ -10839,10 +10839,10 @@
               <a:buNone/>
             </a:pPr>
             <a:r>
-              <a:rPr lang="en"/>
+              <a:rPr b="1" lang="en" sz="1500"/>
               <a:t>Interactive Visualization: Tableau</a:t>
             </a:r>
-            <a:endParaRPr/>
+            <a:endParaRPr b="1" sz="1500"/>
           </a:p>
           <a:p>
             <a:pPr indent="0" lvl="0" marL="0" rtl="0" algn="l">
@@ -13640,18 +13640,18 @@
               <a:buNone/>
             </a:pPr>
             <a:r>
-              <a:rPr lang="en"/>
+              <a:rPr lang="en" sz="2622"/>
               <a:t>What we learned from our </a:t>
             </a:r>
             <a:r>
-              <a:rPr lang="en"/>
+              <a:rPr lang="en" sz="2622"/>
               <a:t>Machine</a:t>
             </a:r>
             <a:r>
-              <a:rPr lang="en"/>
+              <a:rPr lang="en" sz="2622"/>
               <a:t> Learning Model…</a:t>
             </a:r>
-            <a:endParaRPr/>
+            <a:endParaRPr sz="2622"/>
           </a:p>
         </p:txBody>
       </p:sp>
@@ -13688,21 +13688,21 @@
               <a:buNone/>
             </a:pPr>
             <a:r>
-              <a:rPr lang="en"/>
+              <a:rPr lang="en" sz="1500"/>
               <a:t>We ran both a Linear and </a:t>
             </a:r>
             <a:r>
-              <a:rPr lang="en"/>
+              <a:rPr lang="en" sz="1500"/>
               <a:t>Logistic</a:t>
             </a:r>
             <a:r>
-              <a:rPr lang="en"/>
+              <a:rPr lang="en" sz="1500"/>
               <a:t> Regression Models to determine which was better for predicting cancer based off the list of features provided.</a:t>
             </a:r>
-            <a:endParaRPr/>
+            <a:endParaRPr sz="1500"/>
           </a:p>
           <a:p>
-            <a:pPr indent="0" lvl="0" marL="0" rtl="0" algn="l">
+            <a:pPr indent="0" lvl="0" marL="457200" marR="917728" rtl="0" algn="l">
               <a:spcBef>
                 <a:spcPts val="1200"/>
               </a:spcBef>
@@ -13712,21 +13712,29 @@
               <a:buNone/>
             </a:pPr>
             <a:r>
-              <a:rPr lang="en"/>
+              <a:rPr lang="en" sz="1500"/>
               <a:t>For the Linear Regression, we </a:t>
             </a:r>
             <a:r>
-              <a:rPr lang="en"/>
+              <a:rPr lang="en" sz="1500"/>
               <a:t>achieved</a:t>
             </a:r>
             <a:r>
-              <a:rPr lang="en"/>
-              <a:t> an 84.27% accuracy score which is considered acceptable.</a:t>
+              <a:rPr lang="en" sz="1500"/>
+              <a:t> an </a:t>
             </a:r>
-            <a:endParaRPr/>
+            <a:r>
+              <a:rPr b="1" lang="en" sz="1500"/>
+              <a:t>84.27%</a:t>
+            </a:r>
+            <a:r>
+              <a:rPr lang="en" sz="1500"/>
+              <a:t> accuracy score which is considered acceptable.</a:t>
+            </a:r>
+            <a:endParaRPr sz="1500"/>
           </a:p>
           <a:p>
-            <a:pPr indent="0" lvl="0" marL="0" rtl="0" algn="l">
+            <a:pPr indent="0" lvl="0" marL="457200" marR="917728" rtl="0" algn="l">
               <a:spcBef>
                 <a:spcPts val="1200"/>
               </a:spcBef>
@@ -13736,26 +13744,34 @@
               <a:buNone/>
             </a:pPr>
             <a:r>
-              <a:rPr lang="en"/>
+              <a:rPr lang="en" sz="1500"/>
               <a:t>For Logistic Regression, we </a:t>
             </a:r>
             <a:r>
-              <a:rPr lang="en"/>
+              <a:rPr lang="en" sz="1500"/>
               <a:t>received</a:t>
             </a:r>
             <a:r>
-              <a:rPr lang="en"/>
-              <a:t> a 97.09% accuracy score meaning that a Logistic Regression is a very reliable model to use to predict </a:t>
+              <a:rPr lang="en" sz="1500"/>
+              <a:t> a </a:t>
             </a:r>
             <a:r>
-              <a:rPr lang="en"/>
+              <a:rPr b="1" lang="en" sz="1500"/>
+              <a:t>97.09%</a:t>
+            </a:r>
+            <a:r>
+              <a:rPr lang="en" sz="1500"/>
+              <a:t> accuracy score meaning that a Logistic Regression is a very reliable model to use to predict </a:t>
+            </a:r>
+            <a:r>
+              <a:rPr lang="en" sz="1500"/>
               <a:t>whether</a:t>
             </a:r>
             <a:r>
-              <a:rPr lang="en"/>
+              <a:rPr lang="en" sz="1500"/>
               <a:t> someone has cancer based off the list of features we have provided the model.</a:t>
             </a:r>
-            <a:endParaRPr/>
+            <a:endParaRPr sz="1500"/>
           </a:p>
         </p:txBody>
       </p:sp>

--- a/Predicting the Presence of Cancer in Breast Cancer Cells.pptx
+++ b/Predicting the Presence of Cancer in Breast Cancer Cells.pptx
@@ -822,7 +822,7 @@
   <p:cSld>
     <p:spTree>
       <p:nvGrpSpPr>
-        <p:cNvPr id="210" name="Shape 210"/>
+        <p:cNvPr id="211" name="Shape 211"/>
         <p:cNvGrpSpPr/>
         <p:nvPr/>
       </p:nvGrpSpPr>
@@ -836,7 +836,7 @@
       </p:grpSpPr>
       <p:sp>
         <p:nvSpPr>
-          <p:cNvPr id="211" name="Google Shape;211;g12cae811305_0_49:notes"/>
+          <p:cNvPr id="212" name="Google Shape;212;g12cae811305_0_49:notes"/>
           <p:cNvSpPr/>
           <p:nvPr>
             <p:ph idx="2" type="sldImg"/>
@@ -871,7 +871,7 @@
       </p:sp>
       <p:sp>
         <p:nvSpPr>
-          <p:cNvPr id="212" name="Google Shape;212;g12cae811305_0_49:notes"/>
+          <p:cNvPr id="213" name="Google Shape;213;g12cae811305_0_49:notes"/>
           <p:cNvSpPr txBox="1"/>
           <p:nvPr>
             <p:ph idx="1" type="body"/>
@@ -1119,7 +1119,7 @@
   <p:cSld>
     <p:spTree>
       <p:nvGrpSpPr>
-        <p:cNvPr id="154" name="Shape 154"/>
+        <p:cNvPr id="155" name="Shape 155"/>
         <p:cNvGrpSpPr/>
         <p:nvPr/>
       </p:nvGrpSpPr>
@@ -1133,7 +1133,7 @@
       </p:grpSpPr>
       <p:sp>
         <p:nvSpPr>
-          <p:cNvPr id="155" name="Google Shape;155;g12cae811305_0_0:notes"/>
+          <p:cNvPr id="156" name="Google Shape;156;g12cae811305_0_0:notes"/>
           <p:cNvSpPr/>
           <p:nvPr>
             <p:ph idx="2" type="sldImg"/>
@@ -1168,7 +1168,7 @@
       </p:sp>
       <p:sp>
         <p:nvSpPr>
-          <p:cNvPr id="156" name="Google Shape;156;g12cae811305_0_0:notes"/>
+          <p:cNvPr id="157" name="Google Shape;157;g12cae811305_0_0:notes"/>
           <p:cNvSpPr txBox="1"/>
           <p:nvPr>
             <p:ph idx="1" type="body"/>
@@ -1866,7 +1866,7 @@
   <p:cSld>
     <p:spTree>
       <p:nvGrpSpPr>
-        <p:cNvPr id="161" name="Shape 161"/>
+        <p:cNvPr id="162" name="Shape 162"/>
         <p:cNvGrpSpPr/>
         <p:nvPr/>
       </p:nvGrpSpPr>
@@ -1880,7 +1880,7 @@
       </p:grpSpPr>
       <p:sp>
         <p:nvSpPr>
-          <p:cNvPr id="162" name="Google Shape;162;g12cae811305_0_5:notes"/>
+          <p:cNvPr id="163" name="Google Shape;163;g12cae811305_0_5:notes"/>
           <p:cNvSpPr/>
           <p:nvPr>
             <p:ph idx="2" type="sldImg"/>
@@ -1915,7 +1915,7 @@
       </p:sp>
       <p:sp>
         <p:nvSpPr>
-          <p:cNvPr id="163" name="Google Shape;163;g12cae811305_0_5:notes"/>
+          <p:cNvPr id="164" name="Google Shape;164;g12cae811305_0_5:notes"/>
           <p:cNvSpPr txBox="1"/>
           <p:nvPr>
             <p:ph idx="1" type="body"/>
@@ -1965,7 +1965,7 @@
   <p:cSld>
     <p:spTree>
       <p:nvGrpSpPr>
-        <p:cNvPr id="167" name="Shape 167"/>
+        <p:cNvPr id="168" name="Shape 168"/>
         <p:cNvGrpSpPr/>
         <p:nvPr/>
       </p:nvGrpSpPr>
@@ -1979,7 +1979,7 @@
       </p:grpSpPr>
       <p:sp>
         <p:nvSpPr>
-          <p:cNvPr id="168" name="Google Shape;168;g12cae811305_0_10:notes"/>
+          <p:cNvPr id="169" name="Google Shape;169;g12cae811305_0_10:notes"/>
           <p:cNvSpPr/>
           <p:nvPr>
             <p:ph idx="2" type="sldImg"/>
@@ -2014,7 +2014,7 @@
       </p:sp>
       <p:sp>
         <p:nvSpPr>
-          <p:cNvPr id="169" name="Google Shape;169;g12cae811305_0_10:notes"/>
+          <p:cNvPr id="170" name="Google Shape;170;g12cae811305_0_10:notes"/>
           <p:cNvSpPr txBox="1"/>
           <p:nvPr>
             <p:ph idx="1" type="body"/>
@@ -2064,7 +2064,7 @@
   <p:cSld>
     <p:spTree>
       <p:nvGrpSpPr>
-        <p:cNvPr id="180" name="Shape 180"/>
+        <p:cNvPr id="181" name="Shape 181"/>
         <p:cNvGrpSpPr/>
         <p:nvPr/>
       </p:nvGrpSpPr>
@@ -2078,7 +2078,7 @@
       </p:grpSpPr>
       <p:sp>
         <p:nvSpPr>
-          <p:cNvPr id="181" name="Google Shape;181;g12cae811305_0_22:notes"/>
+          <p:cNvPr id="182" name="Google Shape;182;g12cae811305_0_22:notes"/>
           <p:cNvSpPr/>
           <p:nvPr>
             <p:ph idx="2" type="sldImg"/>
@@ -2113,7 +2113,7 @@
       </p:sp>
       <p:sp>
         <p:nvSpPr>
-          <p:cNvPr id="182" name="Google Shape;182;g12cae811305_0_22:notes"/>
+          <p:cNvPr id="183" name="Google Shape;183;g12cae811305_0_22:notes"/>
           <p:cNvSpPr txBox="1"/>
           <p:nvPr>
             <p:ph idx="1" type="body"/>
@@ -2163,7 +2163,7 @@
   <p:cSld>
     <p:spTree>
       <p:nvGrpSpPr>
-        <p:cNvPr id="188" name="Shape 188"/>
+        <p:cNvPr id="189" name="Shape 189"/>
         <p:cNvGrpSpPr/>
         <p:nvPr/>
       </p:nvGrpSpPr>
@@ -2177,7 +2177,7 @@
       </p:grpSpPr>
       <p:sp>
         <p:nvSpPr>
-          <p:cNvPr id="189" name="Google Shape;189;g12cae811305_0_29:notes"/>
+          <p:cNvPr id="190" name="Google Shape;190;g12cae811305_0_29:notes"/>
           <p:cNvSpPr/>
           <p:nvPr>
             <p:ph idx="2" type="sldImg"/>
@@ -2212,7 +2212,7 @@
       </p:sp>
       <p:sp>
         <p:nvSpPr>
-          <p:cNvPr id="190" name="Google Shape;190;g12cae811305_0_29:notes"/>
+          <p:cNvPr id="191" name="Google Shape;191;g12cae811305_0_29:notes"/>
           <p:cNvSpPr txBox="1"/>
           <p:nvPr>
             <p:ph idx="1" type="body"/>
@@ -2262,7 +2262,7 @@
   <p:cSld>
     <p:spTree>
       <p:nvGrpSpPr>
-        <p:cNvPr id="204" name="Shape 204"/>
+        <p:cNvPr id="205" name="Shape 205"/>
         <p:cNvGrpSpPr/>
         <p:nvPr/>
       </p:nvGrpSpPr>
@@ -2276,7 +2276,7 @@
       </p:grpSpPr>
       <p:sp>
         <p:nvSpPr>
-          <p:cNvPr id="205" name="Google Shape;205;g12cae811305_0_44:notes"/>
+          <p:cNvPr id="206" name="Google Shape;206;g12cae811305_0_44:notes"/>
           <p:cNvSpPr/>
           <p:nvPr>
             <p:ph idx="2" type="sldImg"/>
@@ -2311,7 +2311,7 @@
       </p:sp>
       <p:sp>
         <p:nvSpPr>
-          <p:cNvPr id="206" name="Google Shape;206;g12cae811305_0_44:notes"/>
+          <p:cNvPr id="207" name="Google Shape;207;g12cae811305_0_44:notes"/>
           <p:cNvSpPr txBox="1"/>
           <p:nvPr>
             <p:ph idx="1" type="body"/>
@@ -10657,7 +10657,7 @@
   <p:cSld>
     <p:spTree>
       <p:nvGrpSpPr>
-        <p:cNvPr id="213" name="Shape 213"/>
+        <p:cNvPr id="214" name="Shape 214"/>
         <p:cNvGrpSpPr/>
         <p:nvPr/>
       </p:nvGrpSpPr>
@@ -10671,7 +10671,7 @@
       </p:grpSpPr>
       <p:sp>
         <p:nvSpPr>
-          <p:cNvPr id="214" name="Google Shape;214;p22"/>
+          <p:cNvPr id="215" name="Google Shape;215;p22"/>
           <p:cNvSpPr txBox="1"/>
           <p:nvPr>
             <p:ph type="title"/>
@@ -10724,7 +10724,7 @@
       </p:sp>
       <p:sp>
         <p:nvSpPr>
-          <p:cNvPr id="215" name="Google Shape;215;p22"/>
+          <p:cNvPr id="216" name="Google Shape;216;p22"/>
           <p:cNvSpPr txBox="1"/>
           <p:nvPr>
             <p:ph idx="1" type="body"/>
@@ -11538,6 +11538,56 @@
           </a:ln>
         </p:spPr>
       </p:pic>
+      <p:sp>
+        <p:nvSpPr>
+          <p:cNvPr id="154" name="Google Shape;154;p15"/>
+          <p:cNvSpPr txBox="1"/>
+          <p:nvPr/>
+        </p:nvSpPr>
+        <p:spPr>
+          <a:xfrm>
+            <a:off x="138150" y="3630350"/>
+            <a:ext cx="3000000" cy="276900"/>
+          </a:xfrm>
+          <a:prstGeom prst="rect">
+            <a:avLst/>
+          </a:prstGeom>
+          <a:noFill/>
+          <a:ln>
+            <a:noFill/>
+          </a:ln>
+        </p:spPr>
+        <p:txBody>
+          <a:bodyPr anchorCtr="0" anchor="t" bIns="91425" lIns="91425" spcFirstLastPara="1" rIns="91425" wrap="square" tIns="91425">
+            <a:spAutoFit/>
+          </a:bodyPr>
+          <a:lstStyle/>
+          <a:p>
+            <a:pPr indent="0" lvl="0" marL="0" rtl="0" algn="l">
+              <a:spcBef>
+                <a:spcPts val="0"/>
+              </a:spcBef>
+              <a:spcAft>
+                <a:spcPts val="0"/>
+              </a:spcAft>
+              <a:buNone/>
+            </a:pPr>
+            <a:r>
+              <a:rPr lang="en" sz="600">
+                <a:solidFill>
+                  <a:schemeClr val="lt1"/>
+                </a:solidFill>
+                <a:latin typeface="Lato"/>
+                <a:ea typeface="Lato"/>
+                <a:cs typeface="Lato"/>
+                <a:sym typeface="Lato"/>
+              </a:rPr>
+              <a:t>https://www.cell.com/fulltext/S0092-8674(11)00127-9</a:t>
+            </a:r>
+            <a:endParaRPr sz="1100"/>
+          </a:p>
+        </p:txBody>
+      </p:sp>
     </p:spTree>
   </p:cSld>
   <p:clrMapOvr>
@@ -11551,7 +11601,7 @@
   <p:cSld>
     <p:spTree>
       <p:nvGrpSpPr>
-        <p:cNvPr id="157" name="Shape 157"/>
+        <p:cNvPr id="158" name="Shape 158"/>
         <p:cNvGrpSpPr/>
         <p:nvPr/>
       </p:nvGrpSpPr>
@@ -11565,7 +11615,7 @@
       </p:grpSpPr>
       <p:sp>
         <p:nvSpPr>
-          <p:cNvPr id="158" name="Google Shape;158;p16"/>
+          <p:cNvPr id="159" name="Google Shape;159;p16"/>
           <p:cNvSpPr txBox="1"/>
           <p:nvPr>
             <p:ph type="title"/>
@@ -11605,7 +11655,7 @@
       </p:sp>
       <p:sp>
         <p:nvSpPr>
-          <p:cNvPr id="159" name="Google Shape;159;p16"/>
+          <p:cNvPr id="160" name="Google Shape;160;p16"/>
           <p:cNvSpPr txBox="1"/>
           <p:nvPr>
             <p:ph idx="1" type="body"/>
@@ -11747,7 +11797,7 @@
       </p:sp>
       <p:pic>
         <p:nvPicPr>
-          <p:cNvPr id="160" name="Google Shape;160;p16"/>
+          <p:cNvPr id="161" name="Google Shape;161;p16"/>
           <p:cNvPicPr preferRelativeResize="0"/>
           <p:nvPr/>
         </p:nvPicPr>
@@ -11786,7 +11836,7 @@
   <p:cSld>
     <p:spTree>
       <p:nvGrpSpPr>
-        <p:cNvPr id="164" name="Shape 164"/>
+        <p:cNvPr id="165" name="Shape 165"/>
         <p:cNvGrpSpPr/>
         <p:nvPr/>
       </p:nvGrpSpPr>
@@ -11800,7 +11850,7 @@
       </p:grpSpPr>
       <p:sp>
         <p:nvSpPr>
-          <p:cNvPr id="165" name="Google Shape;165;p17"/>
+          <p:cNvPr id="166" name="Google Shape;166;p17"/>
           <p:cNvSpPr txBox="1"/>
           <p:nvPr>
             <p:ph type="title"/>
@@ -11840,7 +11890,7 @@
       </p:sp>
       <p:sp>
         <p:nvSpPr>
-          <p:cNvPr id="166" name="Google Shape;166;p17"/>
+          <p:cNvPr id="167" name="Google Shape;167;p17"/>
           <p:cNvSpPr txBox="1"/>
           <p:nvPr>
             <p:ph idx="1" type="body"/>
@@ -11957,7 +12007,7 @@
   <p:cSld>
     <p:spTree>
       <p:nvGrpSpPr>
-        <p:cNvPr id="170" name="Shape 170"/>
+        <p:cNvPr id="171" name="Shape 171"/>
         <p:cNvGrpSpPr/>
         <p:nvPr/>
       </p:nvGrpSpPr>
@@ -11971,7 +12021,7 @@
       </p:grpSpPr>
       <p:sp>
         <p:nvSpPr>
-          <p:cNvPr id="171" name="Google Shape;171;p18"/>
+          <p:cNvPr id="172" name="Google Shape;172;p18"/>
           <p:cNvSpPr txBox="1"/>
           <p:nvPr>
             <p:ph type="title"/>
@@ -12011,7 +12061,7 @@
       </p:sp>
       <p:sp>
         <p:nvSpPr>
-          <p:cNvPr id="172" name="Google Shape;172;p18"/>
+          <p:cNvPr id="173" name="Google Shape;173;p18"/>
           <p:cNvSpPr txBox="1"/>
           <p:nvPr>
             <p:ph idx="1" type="body"/>
@@ -12149,7 +12199,7 @@
       </p:sp>
       <p:pic>
         <p:nvPicPr>
-          <p:cNvPr id="173" name="Google Shape;173;p18"/>
+          <p:cNvPr id="174" name="Google Shape;174;p18"/>
           <p:cNvPicPr preferRelativeResize="0"/>
           <p:nvPr/>
         </p:nvPicPr>
@@ -12177,7 +12227,7 @@
       </p:pic>
       <p:pic>
         <p:nvPicPr>
-          <p:cNvPr id="174" name="Google Shape;174;p18"/>
+          <p:cNvPr id="175" name="Google Shape;175;p18"/>
           <p:cNvPicPr preferRelativeResize="0"/>
           <p:nvPr/>
         </p:nvPicPr>
@@ -12205,7 +12255,7 @@
       </p:pic>
       <p:pic>
         <p:nvPicPr>
-          <p:cNvPr id="175" name="Google Shape;175;p18"/>
+          <p:cNvPr id="176" name="Google Shape;176;p18"/>
           <p:cNvPicPr preferRelativeResize="0"/>
           <p:nvPr/>
         </p:nvPicPr>
@@ -12233,7 +12283,7 @@
       </p:pic>
       <p:pic>
         <p:nvPicPr>
-          <p:cNvPr id="176" name="Google Shape;176;p18"/>
+          <p:cNvPr id="177" name="Google Shape;177;p18"/>
           <p:cNvPicPr preferRelativeResize="0"/>
           <p:nvPr/>
         </p:nvPicPr>
@@ -12261,7 +12311,7 @@
       </p:pic>
       <p:sp>
         <p:nvSpPr>
-          <p:cNvPr id="177" name="Google Shape;177;p18"/>
+          <p:cNvPr id="178" name="Google Shape;178;p18"/>
           <p:cNvSpPr txBox="1"/>
           <p:nvPr/>
         </p:nvSpPr>
@@ -12470,7 +12520,7 @@
       </p:sp>
       <p:sp>
         <p:nvSpPr>
-          <p:cNvPr id="178" name="Google Shape;178;p18"/>
+          <p:cNvPr id="179" name="Google Shape;179;p18"/>
           <p:cNvSpPr txBox="1"/>
           <p:nvPr/>
         </p:nvSpPr>
@@ -12528,7 +12578,7 @@
       </p:sp>
       <p:sp>
         <p:nvSpPr>
-          <p:cNvPr id="179" name="Google Shape;179;p18"/>
+          <p:cNvPr id="180" name="Google Shape;180;p18"/>
           <p:cNvSpPr txBox="1"/>
           <p:nvPr/>
         </p:nvSpPr>
@@ -12597,7 +12647,7 @@
   <p:cSld>
     <p:spTree>
       <p:nvGrpSpPr>
-        <p:cNvPr id="183" name="Shape 183"/>
+        <p:cNvPr id="184" name="Shape 184"/>
         <p:cNvGrpSpPr/>
         <p:nvPr/>
       </p:nvGrpSpPr>
@@ -12611,7 +12661,7 @@
       </p:grpSpPr>
       <p:sp>
         <p:nvSpPr>
-          <p:cNvPr id="184" name="Google Shape;184;p19"/>
+          <p:cNvPr id="185" name="Google Shape;185;p19"/>
           <p:cNvSpPr txBox="1"/>
           <p:nvPr>
             <p:ph type="title"/>
@@ -12666,7 +12716,7 @@
       </p:sp>
       <p:sp>
         <p:nvSpPr>
-          <p:cNvPr id="185" name="Google Shape;185;p19"/>
+          <p:cNvPr id="186" name="Google Shape;186;p19"/>
           <p:cNvSpPr txBox="1"/>
           <p:nvPr>
             <p:ph idx="1" type="body"/>
@@ -12735,6 +12785,24 @@
               <a:buNone/>
             </a:pPr>
             <a:r>
+              <a:t/>
+            </a:r>
+            <a:endParaRPr sz="1200"/>
+          </a:p>
+          <a:p>
+            <a:pPr indent="0" lvl="0" marL="0" rtl="0" algn="l">
+              <a:lnSpc>
+                <a:spcPct val="100000"/>
+              </a:lnSpc>
+              <a:spcBef>
+                <a:spcPts val="0"/>
+              </a:spcBef>
+              <a:spcAft>
+                <a:spcPts val="0"/>
+              </a:spcAft>
+              <a:buNone/>
+            </a:pPr>
+            <a:r>
               <a:rPr lang="en" sz="1200"/>
               <a:t>The figure to the right provides the correlation of all our features against themselves by shading does of high correlation closer to the color Purple and those with less correlation white or light red. </a:t>
             </a:r>
@@ -12944,7 +13012,7 @@
       </p:sp>
       <p:pic>
         <p:nvPicPr>
-          <p:cNvPr id="186" name="Google Shape;186;p19"/>
+          <p:cNvPr id="187" name="Google Shape;187;p19"/>
           <p:cNvPicPr preferRelativeResize="0"/>
           <p:nvPr/>
         </p:nvPicPr>
@@ -12972,7 +13040,7 @@
       </p:pic>
       <p:sp>
         <p:nvSpPr>
-          <p:cNvPr id="187" name="Google Shape;187;p19"/>
+          <p:cNvPr id="188" name="Google Shape;188;p19"/>
           <p:cNvSpPr txBox="1"/>
           <p:nvPr/>
         </p:nvSpPr>
@@ -13041,7 +13109,7 @@
   <p:cSld>
     <p:spTree>
       <p:nvGrpSpPr>
-        <p:cNvPr id="191" name="Shape 191"/>
+        <p:cNvPr id="192" name="Shape 192"/>
         <p:cNvGrpSpPr/>
         <p:nvPr/>
       </p:nvGrpSpPr>
@@ -13055,7 +13123,7 @@
       </p:grpSpPr>
       <p:sp>
         <p:nvSpPr>
-          <p:cNvPr id="192" name="Google Shape;192;p20"/>
+          <p:cNvPr id="193" name="Google Shape;193;p20"/>
           <p:cNvSpPr txBox="1"/>
           <p:nvPr>
             <p:ph type="title"/>
@@ -13110,7 +13178,7 @@
       </p:sp>
       <p:sp>
         <p:nvSpPr>
-          <p:cNvPr id="193" name="Google Shape;193;p20"/>
+          <p:cNvPr id="194" name="Google Shape;194;p20"/>
           <p:cNvSpPr txBox="1"/>
           <p:nvPr>
             <p:ph idx="1" type="body"/>
@@ -13165,7 +13233,7 @@
       </p:sp>
       <p:sp>
         <p:nvSpPr>
-          <p:cNvPr id="194" name="Google Shape;194;p20"/>
+          <p:cNvPr id="195" name="Google Shape;195;p20"/>
           <p:cNvSpPr txBox="1"/>
           <p:nvPr/>
         </p:nvSpPr>
@@ -13278,7 +13346,7 @@
       </p:sp>
       <p:pic>
         <p:nvPicPr>
-          <p:cNvPr id="195" name="Google Shape;195;p20"/>
+          <p:cNvPr id="196" name="Google Shape;196;p20"/>
           <p:cNvPicPr preferRelativeResize="0"/>
           <p:nvPr/>
         </p:nvPicPr>
@@ -13305,7 +13373,7 @@
       </p:pic>
       <p:pic>
         <p:nvPicPr>
-          <p:cNvPr id="196" name="Google Shape;196;p20"/>
+          <p:cNvPr id="197" name="Google Shape;197;p20"/>
           <p:cNvPicPr preferRelativeResize="0"/>
           <p:nvPr/>
         </p:nvPicPr>
@@ -13332,7 +13400,7 @@
       </p:pic>
       <p:pic>
         <p:nvPicPr>
-          <p:cNvPr id="197" name="Google Shape;197;p20"/>
+          <p:cNvPr id="198" name="Google Shape;198;p20"/>
           <p:cNvPicPr preferRelativeResize="0"/>
           <p:nvPr/>
         </p:nvPicPr>
@@ -13359,7 +13427,7 @@
       </p:pic>
       <p:pic>
         <p:nvPicPr>
-          <p:cNvPr id="198" name="Google Shape;198;p20"/>
+          <p:cNvPr id="199" name="Google Shape;199;p20"/>
           <p:cNvPicPr preferRelativeResize="0"/>
           <p:nvPr/>
         </p:nvPicPr>
@@ -13386,7 +13454,7 @@
       </p:pic>
       <p:pic>
         <p:nvPicPr>
-          <p:cNvPr id="199" name="Google Shape;199;p20"/>
+          <p:cNvPr id="200" name="Google Shape;200;p20"/>
           <p:cNvPicPr preferRelativeResize="0"/>
           <p:nvPr/>
         </p:nvPicPr>
@@ -13413,7 +13481,7 @@
       </p:pic>
       <p:pic>
         <p:nvPicPr>
-          <p:cNvPr id="200" name="Google Shape;200;p20"/>
+          <p:cNvPr id="201" name="Google Shape;201;p20"/>
           <p:cNvPicPr preferRelativeResize="0"/>
           <p:nvPr/>
         </p:nvPicPr>
@@ -13440,7 +13508,7 @@
       </p:pic>
       <p:pic>
         <p:nvPicPr>
-          <p:cNvPr id="201" name="Google Shape;201;p20"/>
+          <p:cNvPr id="202" name="Google Shape;202;p20"/>
           <p:cNvPicPr preferRelativeResize="0"/>
           <p:nvPr/>
         </p:nvPicPr>
@@ -13468,7 +13536,7 @@
       </p:pic>
       <p:sp>
         <p:nvSpPr>
-          <p:cNvPr id="202" name="Google Shape;202;p20"/>
+          <p:cNvPr id="203" name="Google Shape;203;p20"/>
           <p:cNvSpPr txBox="1"/>
           <p:nvPr/>
         </p:nvSpPr>
@@ -13526,7 +13594,7 @@
       </p:sp>
       <p:sp>
         <p:nvSpPr>
-          <p:cNvPr id="203" name="Google Shape;203;p20"/>
+          <p:cNvPr id="204" name="Google Shape;204;p20"/>
           <p:cNvSpPr txBox="1"/>
           <p:nvPr/>
         </p:nvSpPr>
@@ -13595,7 +13663,7 @@
   <p:cSld>
     <p:spTree>
       <p:nvGrpSpPr>
-        <p:cNvPr id="207" name="Shape 207"/>
+        <p:cNvPr id="208" name="Shape 208"/>
         <p:cNvGrpSpPr/>
         <p:nvPr/>
       </p:nvGrpSpPr>
@@ -13609,7 +13677,7 @@
       </p:grpSpPr>
       <p:sp>
         <p:nvSpPr>
-          <p:cNvPr id="208" name="Google Shape;208;p21"/>
+          <p:cNvPr id="209" name="Google Shape;209;p21"/>
           <p:cNvSpPr txBox="1"/>
           <p:nvPr>
             <p:ph type="title"/>
@@ -13657,7 +13725,7 @@
       </p:sp>
       <p:sp>
         <p:nvSpPr>
-          <p:cNvPr id="209" name="Google Shape;209;p21"/>
+          <p:cNvPr id="210" name="Google Shape;210;p21"/>
           <p:cNvSpPr txBox="1"/>
           <p:nvPr>
             <p:ph idx="1" type="body"/>

--- a/Predicting the Presence of Cancer in Breast Cancer Cells.pptx
+++ b/Predicting the Presence of Cancer in Breast Cancer Cells.pptx
@@ -18,30 +18,32 @@
     <p:sldId id="263" r:id="rId13"/>
     <p:sldId id="264" r:id="rId14"/>
     <p:sldId id="265" r:id="rId15"/>
+    <p:sldId id="266" r:id="rId16"/>
+    <p:sldId id="267" r:id="rId17"/>
   </p:sldIdLst>
   <p:sldSz cy="5143500" cx="9144000"/>
   <p:notesSz cx="6858000" cy="9144000"/>
   <p:embeddedFontLst>
     <p:embeddedFont>
       <p:font typeface="Roboto"/>
-      <p:regular r:id="rId16"/>
-      <p:bold r:id="rId17"/>
-      <p:italic r:id="rId18"/>
-      <p:boldItalic r:id="rId19"/>
+      <p:regular r:id="rId18"/>
+      <p:bold r:id="rId19"/>
+      <p:italic r:id="rId20"/>
+      <p:boldItalic r:id="rId21"/>
     </p:embeddedFont>
     <p:embeddedFont>
       <p:font typeface="Montserrat"/>
-      <p:regular r:id="rId20"/>
-      <p:bold r:id="rId21"/>
-      <p:italic r:id="rId22"/>
-      <p:boldItalic r:id="rId23"/>
+      <p:regular r:id="rId22"/>
+      <p:bold r:id="rId23"/>
+      <p:italic r:id="rId24"/>
+      <p:boldItalic r:id="rId25"/>
     </p:embeddedFont>
     <p:embeddedFont>
       <p:font typeface="Lato"/>
-      <p:regular r:id="rId24"/>
-      <p:bold r:id="rId25"/>
-      <p:italic r:id="rId26"/>
-      <p:boldItalic r:id="rId27"/>
+      <p:regular r:id="rId26"/>
+      <p:bold r:id="rId27"/>
+      <p:italic r:id="rId28"/>
+      <p:boldItalic r:id="rId29"/>
     </p:embeddedFont>
   </p:embeddedFontLst>
   <p:defaultTextStyle>
@@ -822,7 +824,7 @@
   <p:cSld>
     <p:spTree>
       <p:nvGrpSpPr>
-        <p:cNvPr id="211" name="Shape 211"/>
+        <p:cNvPr id="213" name="Shape 213"/>
         <p:cNvGrpSpPr/>
         <p:nvPr/>
       </p:nvGrpSpPr>
@@ -836,7 +838,7 @@
       </p:grpSpPr>
       <p:sp>
         <p:nvSpPr>
-          <p:cNvPr id="212" name="Google Shape;212;g12cae811305_0_49:notes"/>
+          <p:cNvPr id="214" name="Google Shape;214;g12d9ec015e5_0_5:notes"/>
           <p:cNvSpPr/>
           <p:nvPr>
             <p:ph idx="2" type="sldImg"/>
@@ -871,7 +873,7 @@
       </p:sp>
       <p:sp>
         <p:nvSpPr>
-          <p:cNvPr id="213" name="Google Shape;213;g12cae811305_0_49:notes"/>
+          <p:cNvPr id="215" name="Google Shape;215;g12d9ec015e5_0_5:notes"/>
           <p:cNvSpPr txBox="1"/>
           <p:nvPr>
             <p:ph idx="1" type="body"/>
@@ -902,7 +904,534 @@
               <a:buNone/>
             </a:pPr>
             <a:r>
+              <a:rPr lang="en"/>
+              <a:t>Thinking about it simply, we know that cancer cells are often characterized by its size so we decided to drop the radius, perimeter, and area features from our data.</a:t>
+            </a:r>
+            <a:endParaRPr/>
+          </a:p>
+          <a:p>
+            <a:pPr indent="0" lvl="0" marL="0" rtl="0" algn="l">
+              <a:spcBef>
+                <a:spcPts val="0"/>
+              </a:spcBef>
+              <a:spcAft>
+                <a:spcPts val="0"/>
+              </a:spcAft>
+              <a:buNone/>
+            </a:pPr>
+            <a:r>
+              <a:rPr lang="en"/>
+              <a:t>From there, we ran the </a:t>
+            </a:r>
+            <a:r>
+              <a:rPr lang="en"/>
+              <a:t>logistic</a:t>
+            </a:r>
+            <a:r>
+              <a:rPr lang="en"/>
+              <a:t> model again to see if there was any change in the outcomes.</a:t>
+            </a:r>
+            <a:endParaRPr/>
+          </a:p>
+          <a:p>
+            <a:pPr indent="0" lvl="0" marL="0" rtl="0" algn="l">
+              <a:spcBef>
+                <a:spcPts val="0"/>
+              </a:spcBef>
+              <a:spcAft>
+                <a:spcPts val="0"/>
+              </a:spcAft>
+              <a:buNone/>
+            </a:pPr>
+            <a:r>
+              <a:rPr lang="en"/>
+              <a:t>T</a:t>
+            </a:r>
+            <a:endParaRPr/>
+          </a:p>
+          <a:p>
+            <a:pPr indent="0" lvl="0" marL="0" rtl="0" algn="l">
+              <a:spcBef>
+                <a:spcPts val="0"/>
+              </a:spcBef>
+              <a:spcAft>
+                <a:spcPts val="0"/>
+              </a:spcAft>
+              <a:buNone/>
+            </a:pPr>
+            <a:r>
               <a:t/>
+            </a:r>
+            <a:endParaRPr/>
+          </a:p>
+        </p:txBody>
+      </p:sp>
+    </p:spTree>
+  </p:cSld>
+  <p:clrMapOvr>
+    <a:masterClrMapping/>
+  </p:clrMapOvr>
+</p:notes>
+</file>
+
+<file path=ppt/notesSlides/notesSlide11.xml><?xml version="1.0" encoding="utf-8"?>
+<p:notes xmlns:a="http://schemas.openxmlformats.org/drawingml/2006/main" xmlns:r="http://schemas.openxmlformats.org/officeDocument/2006/relationships" xmlns:mc="http://schemas.openxmlformats.org/markup-compatibility/2006" xmlns:mv="urn:schemas-microsoft-com:mac:vml" xmlns:p="http://schemas.openxmlformats.org/presentationml/2006/main" xmlns:c="http://schemas.openxmlformats.org/drawingml/2006/chart" xmlns:dgm="http://schemas.openxmlformats.org/drawingml/2006/diagram" xmlns:o="urn:schemas-microsoft-com:office:office" xmlns:v="urn:schemas-microsoft-com:vml" xmlns:pvml="urn:schemas-microsoft-com:office:powerpoint" xmlns:com="http://schemas.openxmlformats.org/drawingml/2006/compatibility" xmlns:p14="http://schemas.microsoft.com/office/powerpoint/2010/main" xmlns:p15="http://schemas.microsoft.com/office/powerpoint/2012/main" xmlns:ahyp="http://schemas.microsoft.com/office/drawing/2018/hyperlinkcolor" showMasterPhAnim="0" showMasterSp="0">
+  <p:cSld>
+    <p:spTree>
+      <p:nvGrpSpPr>
+        <p:cNvPr id="219" name="Shape 219"/>
+        <p:cNvGrpSpPr/>
+        <p:nvPr/>
+      </p:nvGrpSpPr>
+      <p:grpSpPr>
+        <a:xfrm>
+          <a:off x="0" y="0"/>
+          <a:ext cx="0" cy="0"/>
+          <a:chOff x="0" y="0"/>
+          <a:chExt cx="0" cy="0"/>
+        </a:xfrm>
+      </p:grpSpPr>
+      <p:sp>
+        <p:nvSpPr>
+          <p:cNvPr id="220" name="Google Shape;220;g12d9ec015e5_0_10:notes"/>
+          <p:cNvSpPr/>
+          <p:nvPr>
+            <p:ph idx="2" type="sldImg"/>
+          </p:nvPr>
+        </p:nvSpPr>
+        <p:spPr>
+          <a:xfrm>
+            <a:off x="381300" y="685800"/>
+            <a:ext cx="6096000" cy="3429000"/>
+          </a:xfrm>
+          <a:custGeom>
+            <a:rect b="b" l="l" r="r" t="t"/>
+            <a:pathLst>
+              <a:path extrusionOk="0" h="120000" w="120000">
+                <a:moveTo>
+                  <a:pt x="0" y="0"/>
+                </a:moveTo>
+                <a:lnTo>
+                  <a:pt x="120000" y="0"/>
+                </a:lnTo>
+                <a:lnTo>
+                  <a:pt x="120000" y="120000"/>
+                </a:lnTo>
+                <a:lnTo>
+                  <a:pt x="0" y="120000"/>
+                </a:lnTo>
+                <a:close/>
+              </a:path>
+            </a:pathLst>
+          </a:custGeom>
+        </p:spPr>
+      </p:sp>
+      <p:sp>
+        <p:nvSpPr>
+          <p:cNvPr id="221" name="Google Shape;221;g12d9ec015e5_0_10:notes"/>
+          <p:cNvSpPr txBox="1"/>
+          <p:nvPr>
+            <p:ph idx="1" type="body"/>
+          </p:nvPr>
+        </p:nvSpPr>
+        <p:spPr>
+          <a:xfrm>
+            <a:off x="685800" y="4343400"/>
+            <a:ext cx="5486400" cy="4114800"/>
+          </a:xfrm>
+          <a:prstGeom prst="rect">
+            <a:avLst/>
+          </a:prstGeom>
+        </p:spPr>
+        <p:txBody>
+          <a:bodyPr anchorCtr="0" anchor="t" bIns="91425" lIns="91425" spcFirstLastPara="1" rIns="91425" wrap="square" tIns="91425">
+            <a:noAutofit/>
+          </a:bodyPr>
+          <a:lstStyle/>
+          <a:p>
+            <a:pPr indent="0" lvl="0" marL="0" rtl="0" algn="l">
+              <a:spcBef>
+                <a:spcPts val="0"/>
+              </a:spcBef>
+              <a:spcAft>
+                <a:spcPts val="0"/>
+              </a:spcAft>
+              <a:buClr>
+                <a:schemeClr val="dk1"/>
+              </a:buClr>
+              <a:buSzPts val="1100"/>
+              <a:buFont typeface="Arial"/>
+              <a:buNone/>
+            </a:pPr>
+            <a:r>
+              <a:rPr lang="en">
+                <a:solidFill>
+                  <a:schemeClr val="dk1"/>
+                </a:solidFill>
+              </a:rPr>
+              <a:t>After running the new regression, we achieved an accuracy score of 93% which is only 4 points less than the previous regression. This indicated to us that size was not as important as a factor in predicting whether the patient has a malignant or benign tumor. </a:t>
+            </a:r>
+            <a:endParaRPr>
+              <a:solidFill>
+                <a:schemeClr val="dk1"/>
+              </a:solidFill>
+            </a:endParaRPr>
+          </a:p>
+          <a:p>
+            <a:pPr indent="0" lvl="0" marL="0" rtl="0" algn="l">
+              <a:spcBef>
+                <a:spcPts val="0"/>
+              </a:spcBef>
+              <a:spcAft>
+                <a:spcPts val="0"/>
+              </a:spcAft>
+              <a:buClr>
+                <a:schemeClr val="dk1"/>
+              </a:buClr>
+              <a:buSzPts val="1100"/>
+              <a:buFont typeface="Arial"/>
+              <a:buNone/>
+            </a:pPr>
+            <a:r>
+              <a:rPr lang="en">
+                <a:solidFill>
+                  <a:schemeClr val="dk1"/>
+                </a:solidFill>
+              </a:rPr>
+              <a:t>There are other factors in the dataset that are significant indicators of cancer.</a:t>
+            </a:r>
+            <a:endParaRPr>
+              <a:solidFill>
+                <a:schemeClr val="dk1"/>
+              </a:solidFill>
+            </a:endParaRPr>
+          </a:p>
+          <a:p>
+            <a:pPr indent="0" lvl="0" marL="0" rtl="0" algn="l">
+              <a:spcBef>
+                <a:spcPts val="0"/>
+              </a:spcBef>
+              <a:spcAft>
+                <a:spcPts val="0"/>
+              </a:spcAft>
+              <a:buClr>
+                <a:schemeClr val="dk1"/>
+              </a:buClr>
+              <a:buSzPts val="1100"/>
+              <a:buFont typeface="Arial"/>
+              <a:buNone/>
+            </a:pPr>
+            <a:r>
+              <a:rPr lang="en">
+                <a:solidFill>
+                  <a:schemeClr val="dk1"/>
+                </a:solidFill>
+              </a:rPr>
+              <a:t>A more in depth analysis would need to conducted to determine if using the majority of the features lead to the model being so accurate or if there just a few that are significant indicators of cancer.</a:t>
+            </a:r>
+            <a:endParaRPr>
+              <a:solidFill>
+                <a:schemeClr val="dk1"/>
+              </a:solidFill>
+            </a:endParaRPr>
+          </a:p>
+        </p:txBody>
+      </p:sp>
+    </p:spTree>
+  </p:cSld>
+  <p:clrMapOvr>
+    <a:masterClrMapping/>
+  </p:clrMapOvr>
+</p:notes>
+</file>
+
+<file path=ppt/notesSlides/notesSlide12.xml><?xml version="1.0" encoding="utf-8"?>
+<p:notes xmlns:a="http://schemas.openxmlformats.org/drawingml/2006/main" xmlns:r="http://schemas.openxmlformats.org/officeDocument/2006/relationships" xmlns:mc="http://schemas.openxmlformats.org/markup-compatibility/2006" xmlns:mv="urn:schemas-microsoft-com:mac:vml" xmlns:p="http://schemas.openxmlformats.org/presentationml/2006/main" xmlns:c="http://schemas.openxmlformats.org/drawingml/2006/chart" xmlns:dgm="http://schemas.openxmlformats.org/drawingml/2006/diagram" xmlns:o="urn:schemas-microsoft-com:office:office" xmlns:v="urn:schemas-microsoft-com:vml" xmlns:pvml="urn:schemas-microsoft-com:office:powerpoint" xmlns:com="http://schemas.openxmlformats.org/drawingml/2006/compatibility" xmlns:p14="http://schemas.microsoft.com/office/powerpoint/2010/main" xmlns:p15="http://schemas.microsoft.com/office/powerpoint/2012/main" xmlns:ahyp="http://schemas.microsoft.com/office/drawing/2018/hyperlinkcolor" showMasterPhAnim="0" showMasterSp="0">
+  <p:cSld>
+    <p:spTree>
+      <p:nvGrpSpPr>
+        <p:cNvPr id="225" name="Shape 225"/>
+        <p:cNvGrpSpPr/>
+        <p:nvPr/>
+      </p:nvGrpSpPr>
+      <p:grpSpPr>
+        <a:xfrm>
+          <a:off x="0" y="0"/>
+          <a:ext cx="0" cy="0"/>
+          <a:chOff x="0" y="0"/>
+          <a:chExt cx="0" cy="0"/>
+        </a:xfrm>
+      </p:grpSpPr>
+      <p:sp>
+        <p:nvSpPr>
+          <p:cNvPr id="226" name="Google Shape;226;g12cae811305_0_49:notes"/>
+          <p:cNvSpPr/>
+          <p:nvPr>
+            <p:ph idx="2" type="sldImg"/>
+          </p:nvPr>
+        </p:nvSpPr>
+        <p:spPr>
+          <a:xfrm>
+            <a:off x="381300" y="685800"/>
+            <a:ext cx="6096000" cy="3429000"/>
+          </a:xfrm>
+          <a:custGeom>
+            <a:rect b="b" l="l" r="r" t="t"/>
+            <a:pathLst>
+              <a:path extrusionOk="0" h="120000" w="120000">
+                <a:moveTo>
+                  <a:pt x="0" y="0"/>
+                </a:moveTo>
+                <a:lnTo>
+                  <a:pt x="120000" y="0"/>
+                </a:lnTo>
+                <a:lnTo>
+                  <a:pt x="120000" y="120000"/>
+                </a:lnTo>
+                <a:lnTo>
+                  <a:pt x="0" y="120000"/>
+                </a:lnTo>
+                <a:close/>
+              </a:path>
+            </a:pathLst>
+          </a:custGeom>
+        </p:spPr>
+      </p:sp>
+      <p:sp>
+        <p:nvSpPr>
+          <p:cNvPr id="227" name="Google Shape;227;g12cae811305_0_49:notes"/>
+          <p:cNvSpPr txBox="1"/>
+          <p:nvPr>
+            <p:ph idx="1" type="body"/>
+          </p:nvPr>
+        </p:nvSpPr>
+        <p:spPr>
+          <a:xfrm>
+            <a:off x="685800" y="4343400"/>
+            <a:ext cx="5486400" cy="4114800"/>
+          </a:xfrm>
+          <a:prstGeom prst="rect">
+            <a:avLst/>
+          </a:prstGeom>
+        </p:spPr>
+        <p:txBody>
+          <a:bodyPr anchorCtr="0" anchor="t" bIns="91425" lIns="91425" spcFirstLastPara="1" rIns="91425" wrap="square" tIns="91425">
+            <a:noAutofit/>
+          </a:bodyPr>
+          <a:lstStyle/>
+          <a:p>
+            <a:pPr indent="0" lvl="0" marL="0" rtl="0" algn="l">
+              <a:spcBef>
+                <a:spcPts val="0"/>
+              </a:spcBef>
+              <a:spcAft>
+                <a:spcPts val="0"/>
+              </a:spcAft>
+              <a:buNone/>
+            </a:pPr>
+            <a:r>
+              <a:rPr lang="en"/>
+              <a:t>Machine Learning Model:</a:t>
+            </a:r>
+            <a:endParaRPr/>
+          </a:p>
+          <a:p>
+            <a:pPr indent="-298450" lvl="0" marL="457200" rtl="0" algn="l">
+              <a:spcBef>
+                <a:spcPts val="0"/>
+              </a:spcBef>
+              <a:spcAft>
+                <a:spcPts val="0"/>
+              </a:spcAft>
+              <a:buSzPts val="1100"/>
+              <a:buChar char="●"/>
+            </a:pPr>
+            <a:r>
+              <a:rPr lang="en"/>
+              <a:t>For our machine learning model, we used Google Colab to write all our code so we can share it amongst all the people in our group since it uses the Cloud to save all our work and it allows us to load packages with ease.</a:t>
+            </a:r>
+            <a:endParaRPr/>
+          </a:p>
+          <a:p>
+            <a:pPr indent="-298450" lvl="1" marL="914400" rtl="0" algn="l">
+              <a:spcBef>
+                <a:spcPts val="0"/>
+              </a:spcBef>
+              <a:spcAft>
+                <a:spcPts val="0"/>
+              </a:spcAft>
+              <a:buSzPts val="1100"/>
+              <a:buChar char="○"/>
+            </a:pPr>
+            <a:r>
+              <a:rPr lang="en"/>
+              <a:t>Languages</a:t>
+            </a:r>
+            <a:endParaRPr/>
+          </a:p>
+          <a:p>
+            <a:pPr indent="-298450" lvl="2" marL="1371600" rtl="0" algn="l">
+              <a:spcBef>
+                <a:spcPts val="0"/>
+              </a:spcBef>
+              <a:spcAft>
+                <a:spcPts val="0"/>
+              </a:spcAft>
+              <a:buSzPts val="1100"/>
+              <a:buChar char="■"/>
+            </a:pPr>
+            <a:r>
+              <a:rPr lang="en"/>
+              <a:t>To build our </a:t>
+            </a:r>
+            <a:r>
+              <a:rPr lang="en"/>
+              <a:t>machine learning model, we used the language Python. Within Python, we used Pandas, PySpark, and Matplotlib.</a:t>
+            </a:r>
+            <a:endParaRPr/>
+          </a:p>
+          <a:p>
+            <a:pPr indent="-298450" lvl="3" marL="1828800" rtl="0" algn="l">
+              <a:spcBef>
+                <a:spcPts val="0"/>
+              </a:spcBef>
+              <a:spcAft>
+                <a:spcPts val="0"/>
+              </a:spcAft>
+              <a:buSzPts val="1100"/>
+              <a:buChar char="●"/>
+            </a:pPr>
+            <a:r>
+              <a:rPr lang="en"/>
+              <a:t>Pandas allows us to load a CSV file with all the data we are trying to analyze directly into our notebook. From there we can create tables and dataframes with our data to conduct our analysis.</a:t>
+            </a:r>
+            <a:endParaRPr/>
+          </a:p>
+          <a:p>
+            <a:pPr indent="-298450" lvl="3" marL="1828800" rtl="0" algn="l">
+              <a:spcBef>
+                <a:spcPts val="0"/>
+              </a:spcBef>
+              <a:spcAft>
+                <a:spcPts val="0"/>
+              </a:spcAft>
+              <a:buSzPts val="1100"/>
+              <a:buChar char="●"/>
+            </a:pPr>
+            <a:r>
+              <a:rPr lang="en"/>
+              <a:t>PySpark allows us to load our data from Amazon Web Services into our notebook over the cloud. Similarly to Pandas, we were able to create schemas to visualize the data in table formatting.</a:t>
+            </a:r>
+            <a:endParaRPr/>
+          </a:p>
+          <a:p>
+            <a:pPr indent="-298450" lvl="3" marL="1828800" rtl="0" algn="l">
+              <a:spcBef>
+                <a:spcPts val="0"/>
+              </a:spcBef>
+              <a:spcAft>
+                <a:spcPts val="0"/>
+              </a:spcAft>
+              <a:buSzPts val="1100"/>
+              <a:buChar char="●"/>
+            </a:pPr>
+            <a:r>
+              <a:rPr lang="en"/>
+              <a:t>Matplotlib and Seaborn are programs that allowed us to create visualizations of our analysis so we could further comprehend what the data is telling us. The visual graphs and charts used in our presentation were created using these programs.</a:t>
+            </a:r>
+            <a:endParaRPr/>
+          </a:p>
+          <a:p>
+            <a:pPr indent="0" lvl="0" marL="0" rtl="0" algn="l">
+              <a:spcBef>
+                <a:spcPts val="0"/>
+              </a:spcBef>
+              <a:spcAft>
+                <a:spcPts val="0"/>
+              </a:spcAft>
+              <a:buNone/>
+            </a:pPr>
+            <a:r>
+              <a:t/>
+            </a:r>
+            <a:endParaRPr/>
+          </a:p>
+          <a:p>
+            <a:pPr indent="0" lvl="0" marL="0" rtl="0" algn="l">
+              <a:spcBef>
+                <a:spcPts val="0"/>
+              </a:spcBef>
+              <a:spcAft>
+                <a:spcPts val="0"/>
+              </a:spcAft>
+              <a:buNone/>
+            </a:pPr>
+            <a:r>
+              <a:rPr lang="en"/>
+              <a:t>DataBase:</a:t>
+            </a:r>
+            <a:endParaRPr/>
+          </a:p>
+          <a:p>
+            <a:pPr indent="0" lvl="0" marL="0" rtl="0" algn="l">
+              <a:spcBef>
+                <a:spcPts val="0"/>
+              </a:spcBef>
+              <a:spcAft>
+                <a:spcPts val="0"/>
+              </a:spcAft>
+              <a:buNone/>
+            </a:pPr>
+            <a:r>
+              <a:rPr lang="en"/>
+              <a:t>Read from slide</a:t>
+            </a:r>
+            <a:endParaRPr/>
+          </a:p>
+          <a:p>
+            <a:pPr indent="0" lvl="0" marL="0" rtl="0" algn="l">
+              <a:spcBef>
+                <a:spcPts val="0"/>
+              </a:spcBef>
+              <a:spcAft>
+                <a:spcPts val="0"/>
+              </a:spcAft>
+              <a:buNone/>
+            </a:pPr>
+            <a:r>
+              <a:t/>
+            </a:r>
+            <a:endParaRPr/>
+          </a:p>
+          <a:p>
+            <a:pPr indent="0" lvl="0" marL="0" rtl="0" algn="l">
+              <a:spcBef>
+                <a:spcPts val="0"/>
+              </a:spcBef>
+              <a:spcAft>
+                <a:spcPts val="0"/>
+              </a:spcAft>
+              <a:buNone/>
+            </a:pPr>
+            <a:r>
+              <a:rPr lang="en"/>
+              <a:t>Interactive Visualization:</a:t>
+            </a:r>
+            <a:endParaRPr/>
+          </a:p>
+          <a:p>
+            <a:pPr indent="0" lvl="0" marL="0" rtl="0" algn="l">
+              <a:spcBef>
+                <a:spcPts val="0"/>
+              </a:spcBef>
+              <a:spcAft>
+                <a:spcPts val="0"/>
+              </a:spcAft>
+              <a:buNone/>
+            </a:pPr>
+            <a:r>
+              <a:rPr lang="en"/>
+              <a:t>Read from slide</a:t>
             </a:r>
             <a:endParaRPr/>
           </a:p>
@@ -1001,7 +1530,60 @@
               <a:buNone/>
             </a:pPr>
             <a:r>
-              <a:t/>
+              <a:rPr lang="en"/>
+              <a:t>Breast cancer is the most common type of cancer in women following skin cancer. </a:t>
+            </a:r>
+            <a:endParaRPr/>
+          </a:p>
+          <a:p>
+            <a:pPr indent="0" lvl="0" marL="0" rtl="0" algn="l">
+              <a:spcBef>
+                <a:spcPts val="0"/>
+              </a:spcBef>
+              <a:spcAft>
+                <a:spcPts val="0"/>
+              </a:spcAft>
+              <a:buNone/>
+            </a:pPr>
+            <a:r>
+              <a:rPr lang="en"/>
+              <a:t>About 30% or 1 in 3 women with new cases of cancer will be diagnosed with breast cancer. In the year 2022, 287,850 new cases of invasive breast cancer will be diagnosed </a:t>
+            </a:r>
+            <a:r>
+              <a:rPr lang="en">
+                <a:solidFill>
+                  <a:schemeClr val="dk1"/>
+                </a:solidFill>
+              </a:rPr>
+              <a:t>in the United States</a:t>
+            </a:r>
+            <a:r>
+              <a:rPr lang="en"/>
+              <a:t>.</a:t>
+            </a:r>
+            <a:endParaRPr/>
+          </a:p>
+          <a:p>
+            <a:pPr indent="0" lvl="0" marL="0" rtl="0" algn="l">
+              <a:spcBef>
+                <a:spcPts val="0"/>
+              </a:spcBef>
+              <a:spcAft>
+                <a:spcPts val="0"/>
+              </a:spcAft>
+              <a:buNone/>
+            </a:pPr>
+            <a:r>
+              <a:rPr lang="en"/>
+              <a:t>The reason why breast cancer is deadly is the relative closeness to the lymph nodes found in the armpits. If the cancer cells spread to the lymph nodes, they can easily spread throughout the body using the lymphatic and </a:t>
+            </a:r>
+            <a:r>
+              <a:rPr lang="en"/>
+              <a:t>vascular</a:t>
+            </a:r>
+            <a:r>
+              <a:rPr lang="en"/>
+              <a:t> system.</a:t>
             </a:r>
             <a:endParaRPr/>
           </a:p>
@@ -1100,7 +1682,88 @@
               <a:buNone/>
             </a:pPr>
             <a:r>
-              <a:t/>
+              <a:rPr lang="en"/>
+              <a:t>Before we get into the analysis part, let’s discuss what would actually be considered cancer.</a:t>
+            </a:r>
+            <a:endParaRPr/>
+          </a:p>
+          <a:p>
+            <a:pPr indent="0" lvl="0" marL="0" rtl="0" algn="l">
+              <a:spcBef>
+                <a:spcPts val="0"/>
+              </a:spcBef>
+              <a:spcAft>
+                <a:spcPts val="0"/>
+              </a:spcAft>
+              <a:buNone/>
+            </a:pPr>
+            <a:r>
+              <a:rPr lang="en"/>
+              <a:t>A person can have a tumor, but it does not necessarily mean they have cancer; the tumor can either be benign or malignant. Benign </a:t>
+            </a:r>
+            <a:r>
+              <a:rPr lang="en"/>
+              <a:t>meaning</a:t>
+            </a:r>
+            <a:r>
+              <a:rPr lang="en"/>
+              <a:t> it is not cancerous and malignant meaning it is cancerous.</a:t>
+            </a:r>
+            <a:endParaRPr/>
+          </a:p>
+          <a:p>
+            <a:pPr indent="0" lvl="0" marL="0" rtl="0" algn="l">
+              <a:spcBef>
+                <a:spcPts val="0"/>
+              </a:spcBef>
+              <a:spcAft>
+                <a:spcPts val="0"/>
+              </a:spcAft>
+              <a:buNone/>
+            </a:pPr>
+            <a:r>
+              <a:rPr lang="en"/>
+              <a:t>A tumor are normal cells who have gone through several changes in order to </a:t>
+            </a:r>
+            <a:r>
+              <a:rPr lang="en"/>
+              <a:t>achieve</a:t>
+            </a:r>
+            <a:r>
+              <a:rPr lang="en"/>
+              <a:t> the ability to grow outside its normal restraints.</a:t>
+            </a:r>
+            <a:endParaRPr/>
+          </a:p>
+          <a:p>
+            <a:pPr indent="0" lvl="0" marL="0" rtl="0" algn="l">
+              <a:spcBef>
+                <a:spcPts val="0"/>
+              </a:spcBef>
+              <a:spcAft>
+                <a:spcPts val="0"/>
+              </a:spcAft>
+              <a:buNone/>
+            </a:pPr>
+            <a:r>
+              <a:rPr lang="en"/>
+              <a:t>Simply put, one mutated cell does not mean mean it is cancer; there are other factors involved in the cells mutation over several generations that would lead to the cell to grow into cancerous tissue</a:t>
+            </a:r>
+            <a:endParaRPr/>
+          </a:p>
+          <a:p>
+            <a:pPr indent="0" lvl="0" marL="0" rtl="0" algn="l">
+              <a:spcBef>
+                <a:spcPts val="0"/>
+              </a:spcBef>
+              <a:spcAft>
+                <a:spcPts val="0"/>
+              </a:spcAft>
+              <a:buNone/>
+            </a:pPr>
+            <a:r>
+              <a:rPr lang="en"/>
+              <a:t>The figure shown shows the steps a cell and its daughter cells need to take to become cancerous.</a:t>
             </a:r>
             <a:endParaRPr/>
           </a:p>
@@ -1207,18 +1870,6 @@
               <a:buNone/>
             </a:pPr>
             <a:r>
-              <a:rPr lang="en" sz="1135" u="sng">
-                <a:solidFill>
-                  <a:schemeClr val="dk1"/>
-                </a:solidFill>
-                <a:latin typeface="Lato"/>
-                <a:ea typeface="Lato"/>
-                <a:cs typeface="Lato"/>
-                <a:sym typeface="Lato"/>
-              </a:rPr>
-              <a:t>Radius</a:t>
-            </a:r>
-            <a:r>
               <a:rPr lang="en" sz="1135">
                 <a:solidFill>
                   <a:schemeClr val="dk1"/>
@@ -1228,7 +1879,7 @@
                 <a:cs typeface="Lato"/>
                 <a:sym typeface="Lato"/>
               </a:rPr>
-              <a:t> =  mean of distances from center to points on the perimeter</a:t>
+              <a:t>Our dataset consists of measurements taken of cells using FNA, or fine needle aspiration, from people with suspected tumors.</a:t>
             </a:r>
             <a:endParaRPr sz="1135">
               <a:solidFill>
@@ -1259,28 +1910,7 @@
               <a:buNone/>
             </a:pPr>
             <a:r>
-              <a:rPr lang="en" sz="1135" u="sng">
-                <a:solidFill>
-                  <a:schemeClr val="dk1"/>
-                </a:solidFill>
-                <a:latin typeface="Lato"/>
-                <a:ea typeface="Lato"/>
-                <a:cs typeface="Lato"/>
-                <a:sym typeface="Lato"/>
-              </a:rPr>
-              <a:t>Texture</a:t>
-            </a:r>
-            <a:r>
-              <a:rPr lang="en" sz="1135">
-                <a:solidFill>
-                  <a:schemeClr val="dk1"/>
-                </a:solidFill>
-                <a:latin typeface="Lato"/>
-                <a:ea typeface="Lato"/>
-                <a:cs typeface="Lato"/>
-                <a:sym typeface="Lato"/>
-              </a:rPr>
-              <a:t> = standard deviation of gray-scale values</a:t>
+              <a:t/>
             </a:r>
             <a:endParaRPr sz="1135">
               <a:solidFill>
@@ -1311,6 +1941,125 @@
               <a:buNone/>
             </a:pPr>
             <a:r>
+              <a:rPr lang="en" sz="1135">
+                <a:solidFill>
+                  <a:schemeClr val="dk1"/>
+                </a:solidFill>
+                <a:latin typeface="Lato"/>
+                <a:ea typeface="Lato"/>
+                <a:cs typeface="Lato"/>
+                <a:sym typeface="Lato"/>
+              </a:rPr>
+              <a:t>The </a:t>
+            </a:r>
+            <a:r>
+              <a:rPr lang="en" sz="1135">
+                <a:solidFill>
+                  <a:schemeClr val="dk1"/>
+                </a:solidFill>
+                <a:latin typeface="Lato"/>
+                <a:ea typeface="Lato"/>
+                <a:cs typeface="Lato"/>
+                <a:sym typeface="Lato"/>
+              </a:rPr>
+              <a:t>measurements</a:t>
+            </a:r>
+            <a:r>
+              <a:rPr lang="en" sz="1135">
+                <a:solidFill>
+                  <a:schemeClr val="dk1"/>
+                </a:solidFill>
+                <a:latin typeface="Lato"/>
+                <a:ea typeface="Lato"/>
+                <a:cs typeface="Lato"/>
+                <a:sym typeface="Lato"/>
+              </a:rPr>
+              <a:t> that were focused on were</a:t>
+            </a:r>
+            <a:r>
+              <a:rPr lang="en">
+                <a:solidFill>
+                  <a:schemeClr val="dk1"/>
+                </a:solidFill>
+                <a:latin typeface="Lato"/>
+                <a:ea typeface="Lato"/>
+                <a:cs typeface="Lato"/>
+                <a:sym typeface="Lato"/>
+              </a:rPr>
+              <a:t> </a:t>
+            </a:r>
+            <a:r>
+              <a:rPr lang="en">
+                <a:solidFill>
+                  <a:schemeClr val="dk1"/>
+                </a:solidFill>
+                <a:latin typeface="Lato"/>
+                <a:ea typeface="Lato"/>
+                <a:cs typeface="Lato"/>
+                <a:sym typeface="Lato"/>
+              </a:rPr>
+              <a:t>Radius, Texture, Perimeter, Area,  Smoothness, Compactness, Concavity, Concave Points, Symmetry, and Fractal Dimension</a:t>
+            </a:r>
+            <a:endParaRPr>
+              <a:solidFill>
+                <a:schemeClr val="dk1"/>
+              </a:solidFill>
+              <a:latin typeface="Lato"/>
+              <a:ea typeface="Lato"/>
+              <a:cs typeface="Lato"/>
+              <a:sym typeface="Lato"/>
+            </a:endParaRPr>
+          </a:p>
+          <a:p>
+            <a:pPr indent="0" lvl="0" marL="0" rtl="0" algn="l">
+              <a:lnSpc>
+                <a:spcPct val="95000"/>
+              </a:lnSpc>
+              <a:spcBef>
+                <a:spcPts val="0"/>
+              </a:spcBef>
+              <a:spcAft>
+                <a:spcPts val="0"/>
+              </a:spcAft>
+              <a:buClr>
+                <a:schemeClr val="dk1"/>
+              </a:buClr>
+              <a:buSzPts val="935"/>
+              <a:buFont typeface="Arial"/>
+              <a:buNone/>
+            </a:pPr>
+            <a:r>
+              <a:t/>
+            </a:r>
+            <a:endParaRPr>
+              <a:solidFill>
+                <a:schemeClr val="dk1"/>
+              </a:solidFill>
+              <a:latin typeface="Lato"/>
+              <a:ea typeface="Lato"/>
+              <a:cs typeface="Lato"/>
+              <a:sym typeface="Lato"/>
+            </a:endParaRPr>
+          </a:p>
+          <a:p>
+            <a:pPr indent="0" lvl="0" marL="0" rtl="0" algn="l">
+              <a:lnSpc>
+                <a:spcPct val="95000"/>
+              </a:lnSpc>
+              <a:spcBef>
+                <a:spcPts val="0"/>
+              </a:spcBef>
+              <a:spcAft>
+                <a:spcPts val="0"/>
+              </a:spcAft>
+              <a:buClr>
+                <a:schemeClr val="dk1"/>
+              </a:buClr>
+              <a:buSzPts val="935"/>
+              <a:buFont typeface="Arial"/>
+              <a:buNone/>
+            </a:pPr>
+            <a:r>
               <a:rPr lang="en" sz="1135" u="sng">
                 <a:solidFill>
                   <a:schemeClr val="dk1"/>
@@ -1320,7 +2069,7 @@
                 <a:cs typeface="Lato"/>
                 <a:sym typeface="Lato"/>
               </a:rPr>
-              <a:t>Perimeter</a:t>
+              <a:t>Radius</a:t>
             </a:r>
             <a:r>
               <a:rPr lang="en" sz="1135">
@@ -1332,7 +2081,7 @@
                 <a:cs typeface="Lato"/>
                 <a:sym typeface="Lato"/>
               </a:rPr>
-              <a:t> = the distance around the edge of a shape of the cell.</a:t>
+              <a:t> =  mean of distances from center to points on the perimeter</a:t>
             </a:r>
             <a:endParaRPr sz="1135">
               <a:solidFill>
@@ -1372,7 +2121,7 @@
                 <a:cs typeface="Lato"/>
                 <a:sym typeface="Lato"/>
               </a:rPr>
-              <a:t>Area</a:t>
+              <a:t>Texture</a:t>
             </a:r>
             <a:r>
               <a:rPr lang="en" sz="1135">
@@ -1384,7 +2133,7 @@
                 <a:cs typeface="Lato"/>
                 <a:sym typeface="Lato"/>
               </a:rPr>
-              <a:t> =  area based on the cell’s perimeter</a:t>
+              <a:t> = standard deviation of gray-scale values</a:t>
             </a:r>
             <a:endParaRPr sz="1135">
               <a:solidFill>
@@ -1424,7 +2173,7 @@
                 <a:cs typeface="Lato"/>
                 <a:sym typeface="Lato"/>
               </a:rPr>
-              <a:t>Smoothness</a:t>
+              <a:t>Perimeter</a:t>
             </a:r>
             <a:r>
               <a:rPr lang="en" sz="1135">
@@ -1436,7 +2185,7 @@
                 <a:cs typeface="Lato"/>
                 <a:sym typeface="Lato"/>
               </a:rPr>
-              <a:t> =  local variation in radius lengths</a:t>
+              <a:t> = the distance around the edge of a shape of the cell.</a:t>
             </a:r>
             <a:endParaRPr sz="1135">
               <a:solidFill>
@@ -1476,7 +2225,7 @@
                 <a:cs typeface="Lato"/>
                 <a:sym typeface="Lato"/>
               </a:rPr>
-              <a:t>Compactness</a:t>
+              <a:t>Area</a:t>
             </a:r>
             <a:r>
               <a:rPr lang="en" sz="1135">
@@ -1488,7 +2237,7 @@
                 <a:cs typeface="Lato"/>
                 <a:sym typeface="Lato"/>
               </a:rPr>
-              <a:t> = perimeter^2 / area - 1.0</a:t>
+              <a:t> =  area based on the cell’s perimeter</a:t>
             </a:r>
             <a:endParaRPr sz="1135">
               <a:solidFill>
@@ -1528,7 +2277,7 @@
                 <a:cs typeface="Lato"/>
                 <a:sym typeface="Lato"/>
               </a:rPr>
-              <a:t>Concavity</a:t>
+              <a:t>Smoothness</a:t>
             </a:r>
             <a:r>
               <a:rPr lang="en" sz="1135">
@@ -1540,7 +2289,7 @@
                 <a:cs typeface="Lato"/>
                 <a:sym typeface="Lato"/>
               </a:rPr>
-              <a:t> = severity of concave portions of the contour</a:t>
+              <a:t> =  local variation in radius lengths</a:t>
             </a:r>
             <a:endParaRPr sz="1135">
               <a:solidFill>
@@ -1580,7 +2329,7 @@
                 <a:cs typeface="Lato"/>
                 <a:sym typeface="Lato"/>
               </a:rPr>
-              <a:t>concave points</a:t>
+              <a:t>Compactness</a:t>
             </a:r>
             <a:r>
               <a:rPr lang="en" sz="1135">
@@ -1592,7 +2341,7 @@
                 <a:cs typeface="Lato"/>
                 <a:sym typeface="Lato"/>
               </a:rPr>
-              <a:t> = number of concave portions of the contour</a:t>
+              <a:t> = perimeter^2 / area - 1.0</a:t>
             </a:r>
             <a:endParaRPr sz="1135">
               <a:solidFill>
@@ -1632,7 +2381,7 @@
                 <a:cs typeface="Lato"/>
                 <a:sym typeface="Lato"/>
               </a:rPr>
-              <a:t>Symmetry</a:t>
+              <a:t>Concavity</a:t>
             </a:r>
             <a:r>
               <a:rPr lang="en" sz="1135">
@@ -1644,7 +2393,7 @@
                 <a:cs typeface="Lato"/>
                 <a:sym typeface="Lato"/>
               </a:rPr>
-              <a:t> = cell symmetry based on mean radius</a:t>
+              <a:t> = severity of concave portions of the contour</a:t>
             </a:r>
             <a:endParaRPr sz="1135">
               <a:solidFill>
@@ -1684,6 +2433,110 @@
                 <a:cs typeface="Lato"/>
                 <a:sym typeface="Lato"/>
               </a:rPr>
+              <a:t>concave points</a:t>
+            </a:r>
+            <a:r>
+              <a:rPr lang="en" sz="1135">
+                <a:solidFill>
+                  <a:schemeClr val="dk1"/>
+                </a:solidFill>
+                <a:latin typeface="Lato"/>
+                <a:ea typeface="Lato"/>
+                <a:cs typeface="Lato"/>
+                <a:sym typeface="Lato"/>
+              </a:rPr>
+              <a:t> = number of concave portions of the contour</a:t>
+            </a:r>
+            <a:endParaRPr sz="1135">
+              <a:solidFill>
+                <a:schemeClr val="dk1"/>
+              </a:solidFill>
+              <a:latin typeface="Lato"/>
+              <a:ea typeface="Lato"/>
+              <a:cs typeface="Lato"/>
+              <a:sym typeface="Lato"/>
+            </a:endParaRPr>
+          </a:p>
+          <a:p>
+            <a:pPr indent="0" lvl="0" marL="0" rtl="0" algn="l">
+              <a:lnSpc>
+                <a:spcPct val="95000"/>
+              </a:lnSpc>
+              <a:spcBef>
+                <a:spcPts val="0"/>
+              </a:spcBef>
+              <a:spcAft>
+                <a:spcPts val="0"/>
+              </a:spcAft>
+              <a:buClr>
+                <a:schemeClr val="dk1"/>
+              </a:buClr>
+              <a:buSzPts val="935"/>
+              <a:buFont typeface="Arial"/>
+              <a:buNone/>
+            </a:pPr>
+            <a:r>
+              <a:rPr lang="en" sz="1135" u="sng">
+                <a:solidFill>
+                  <a:schemeClr val="dk1"/>
+                </a:solidFill>
+                <a:latin typeface="Lato"/>
+                <a:ea typeface="Lato"/>
+                <a:cs typeface="Lato"/>
+                <a:sym typeface="Lato"/>
+              </a:rPr>
+              <a:t>Symmetry</a:t>
+            </a:r>
+            <a:r>
+              <a:rPr lang="en" sz="1135">
+                <a:solidFill>
+                  <a:schemeClr val="dk1"/>
+                </a:solidFill>
+                <a:latin typeface="Lato"/>
+                <a:ea typeface="Lato"/>
+                <a:cs typeface="Lato"/>
+                <a:sym typeface="Lato"/>
+              </a:rPr>
+              <a:t> = cell symmetry based on mean radius</a:t>
+            </a:r>
+            <a:endParaRPr sz="1135">
+              <a:solidFill>
+                <a:schemeClr val="dk1"/>
+              </a:solidFill>
+              <a:latin typeface="Lato"/>
+              <a:ea typeface="Lato"/>
+              <a:cs typeface="Lato"/>
+              <a:sym typeface="Lato"/>
+            </a:endParaRPr>
+          </a:p>
+          <a:p>
+            <a:pPr indent="0" lvl="0" marL="0" rtl="0" algn="l">
+              <a:lnSpc>
+                <a:spcPct val="95000"/>
+              </a:lnSpc>
+              <a:spcBef>
+                <a:spcPts val="0"/>
+              </a:spcBef>
+              <a:spcAft>
+                <a:spcPts val="0"/>
+              </a:spcAft>
+              <a:buClr>
+                <a:schemeClr val="dk1"/>
+              </a:buClr>
+              <a:buSzPts val="935"/>
+              <a:buFont typeface="Arial"/>
+              <a:buNone/>
+            </a:pPr>
+            <a:r>
+              <a:rPr lang="en" sz="1135" u="sng">
+                <a:solidFill>
+                  <a:schemeClr val="dk1"/>
+                </a:solidFill>
+                <a:latin typeface="Lato"/>
+                <a:ea typeface="Lato"/>
+                <a:cs typeface="Lato"/>
+                <a:sym typeface="Lato"/>
+              </a:rPr>
               <a:t>fractal dimension</a:t>
             </a:r>
             <a:r>
@@ -1727,18 +2580,9 @@
               <a:buNone/>
             </a:pPr>
             <a:r>
-              <a:rPr lang="en" sz="1520">
-                <a:solidFill>
-                  <a:schemeClr val="lt1"/>
-                </a:solidFill>
-                <a:latin typeface="Lato"/>
-                <a:ea typeface="Lato"/>
-                <a:cs typeface="Lato"/>
-                <a:sym typeface="Lato"/>
-              </a:rPr>
-              <a:t>These values were computed by the using thse images from each sample. We inherited the data after it was manipulated to reflect the mean of each measure, the standard error, and the mean of the largest or “worst” of these features. This process was surely to create a standardization of the values since each measure would have a different standard of measurement.ss</a:t>
-            </a:r>
-            <a:endParaRPr sz="1135">
+              <a:t/>
+            </a:r>
+            <a:endParaRPr>
               <a:solidFill>
                 <a:schemeClr val="dk1"/>
               </a:solidFill>
@@ -1767,9 +2611,9 @@
               <a:buNone/>
             </a:pPr>
             <a:r>
-              <a:rPr lang="en" sz="1520">
+              <a:rPr lang="en">
                 <a:solidFill>
-                  <a:schemeClr val="lt1"/>
+                  <a:schemeClr val="dk1"/>
                 </a:solidFill>
                 <a:latin typeface="Lato"/>
                 <a:ea typeface="Lato"/>
@@ -1778,7 +2622,7 @@
               </a:rPr>
               <a:t>These values were computed by the using the images from each sample. We inherited the data after it was manipulated to reflect the mean of each measure, the standard error, and the mean of the largest or “worst” of these features. This process was surely to create a standardization of the values since each measure would have a different standard of measurement.</a:t>
             </a:r>
-            <a:endParaRPr sz="1135">
+            <a:endParaRPr>
               <a:solidFill>
                 <a:schemeClr val="dk1"/>
               </a:solidFill>
@@ -1787,69 +2631,6 @@
               <a:cs typeface="Lato"/>
               <a:sym typeface="Lato"/>
             </a:endParaRPr>
-          </a:p>
-          <a:p>
-            <a:pPr indent="0" lvl="0" marL="0" rtl="0" algn="l">
-              <a:lnSpc>
-                <a:spcPct val="80000"/>
-              </a:lnSpc>
-              <a:spcBef>
-                <a:spcPts val="0"/>
-              </a:spcBef>
-              <a:spcAft>
-                <a:spcPts val="0"/>
-              </a:spcAft>
-              <a:buClr>
-                <a:schemeClr val="dk1"/>
-              </a:buClr>
-              <a:buSzPts val="935"/>
-              <a:buFont typeface="Arial"/>
-              <a:buNone/>
-            </a:pPr>
-            <a:r>
-              <a:t/>
-            </a:r>
-            <a:endParaRPr sz="1220">
-              <a:solidFill>
-                <a:schemeClr val="dk1"/>
-              </a:solidFill>
-              <a:latin typeface="Lato"/>
-              <a:ea typeface="Lato"/>
-              <a:cs typeface="Lato"/>
-              <a:sym typeface="Lato"/>
-            </a:endParaRPr>
-          </a:p>
-          <a:p>
-            <a:pPr indent="0" lvl="0" marL="0" rtl="0" algn="l">
-              <a:lnSpc>
-                <a:spcPct val="80000"/>
-              </a:lnSpc>
-              <a:spcBef>
-                <a:spcPts val="0"/>
-              </a:spcBef>
-              <a:spcAft>
-                <a:spcPts val="0"/>
-              </a:spcAft>
-              <a:buClr>
-                <a:schemeClr val="dk1"/>
-              </a:buClr>
-              <a:buSzPts val="935"/>
-              <a:buFont typeface="Arial"/>
-              <a:buNone/>
-            </a:pPr>
-            <a:r>
-              <a:rPr lang="en" sz="1520">
-                <a:solidFill>
-                  <a:schemeClr val="lt1"/>
-                </a:solidFill>
-                <a:latin typeface="Lato"/>
-                <a:ea typeface="Lato"/>
-                <a:cs typeface="Lato"/>
-                <a:sym typeface="Lato"/>
-              </a:rPr>
-              <a:t>These values were computed by the using the images from each sample. We inherited the data after it was manipulated to reflect the mean of each measure, the standard error, and the mean of the largest or “worst” of these features. This process was surely to create a standardization of the values since each measure would have a different standard of measurement.</a:t>
-            </a:r>
-            <a:endParaRPr/>
           </a:p>
         </p:txBody>
       </p:sp>
@@ -1866,7 +2647,7 @@
   <p:cSld>
     <p:spTree>
       <p:nvGrpSpPr>
-        <p:cNvPr id="162" name="Shape 162"/>
+        <p:cNvPr id="163" name="Shape 163"/>
         <p:cNvGrpSpPr/>
         <p:nvPr/>
       </p:nvGrpSpPr>
@@ -1880,7 +2661,7 @@
       </p:grpSpPr>
       <p:sp>
         <p:nvSpPr>
-          <p:cNvPr id="163" name="Google Shape;163;g12cae811305_0_5:notes"/>
+          <p:cNvPr id="164" name="Google Shape;164;g12cae811305_0_5:notes"/>
           <p:cNvSpPr/>
           <p:nvPr>
             <p:ph idx="2" type="sldImg"/>
@@ -1915,7 +2696,7 @@
       </p:sp>
       <p:sp>
         <p:nvSpPr>
-          <p:cNvPr id="164" name="Google Shape;164;g12cae811305_0_5:notes"/>
+          <p:cNvPr id="165" name="Google Shape;165;g12cae811305_0_5:notes"/>
           <p:cNvSpPr txBox="1"/>
           <p:nvPr>
             <p:ph idx="1" type="body"/>
@@ -1946,7 +2727,8 @@
               <a:buNone/>
             </a:pPr>
             <a:r>
-              <a:t/>
+              <a:rPr lang="en"/>
+              <a:t>Read the slide</a:t>
             </a:r>
             <a:endParaRPr/>
           </a:p>
@@ -1965,7 +2747,7 @@
   <p:cSld>
     <p:spTree>
       <p:nvGrpSpPr>
-        <p:cNvPr id="168" name="Shape 168"/>
+        <p:cNvPr id="169" name="Shape 169"/>
         <p:cNvGrpSpPr/>
         <p:nvPr/>
       </p:nvGrpSpPr>
@@ -1979,7 +2761,7 @@
       </p:grpSpPr>
       <p:sp>
         <p:nvSpPr>
-          <p:cNvPr id="169" name="Google Shape;169;g12cae811305_0_10:notes"/>
+          <p:cNvPr id="170" name="Google Shape;170;g12cae811305_0_10:notes"/>
           <p:cNvSpPr/>
           <p:nvPr>
             <p:ph idx="2" type="sldImg"/>
@@ -2014,7 +2796,7 @@
       </p:sp>
       <p:sp>
         <p:nvSpPr>
-          <p:cNvPr id="170" name="Google Shape;170;g12cae811305_0_10:notes"/>
+          <p:cNvPr id="171" name="Google Shape;171;g12cae811305_0_10:notes"/>
           <p:cNvSpPr txBox="1"/>
           <p:nvPr>
             <p:ph idx="1" type="body"/>
@@ -2045,7 +2827,32 @@
               <a:buNone/>
             </a:pPr>
             <a:r>
-              <a:t/>
+              <a:rPr lang="en"/>
+              <a:t>Our initial exploratory of the data allowed us to find correlation between certain features within our dataset.</a:t>
+            </a:r>
+            <a:endParaRPr/>
+          </a:p>
+          <a:p>
+            <a:pPr indent="0" lvl="0" marL="0" rtl="0" algn="l">
+              <a:spcBef>
+                <a:spcPts val="0"/>
+              </a:spcBef>
+              <a:spcAft>
+                <a:spcPts val="0"/>
+              </a:spcAft>
+              <a:buNone/>
+            </a:pPr>
+            <a:r>
+              <a:rPr lang="en"/>
+              <a:t>From there we decided to run a linear regression model on those features and then we decided to run a </a:t>
+            </a:r>
+            <a:r>
+              <a:rPr lang="en"/>
+              <a:t>logistic</a:t>
+            </a:r>
+            <a:r>
+              <a:rPr lang="en"/>
+              <a:t> regression on all the features in our dataset.</a:t>
             </a:r>
             <a:endParaRPr/>
           </a:p>
@@ -2064,7 +2871,7 @@
   <p:cSld>
     <p:spTree>
       <p:nvGrpSpPr>
-        <p:cNvPr id="181" name="Shape 181"/>
+        <p:cNvPr id="182" name="Shape 182"/>
         <p:cNvGrpSpPr/>
         <p:nvPr/>
       </p:nvGrpSpPr>
@@ -2078,7 +2885,7 @@
       </p:grpSpPr>
       <p:sp>
         <p:nvSpPr>
-          <p:cNvPr id="182" name="Google Shape;182;g12cae811305_0_22:notes"/>
+          <p:cNvPr id="183" name="Google Shape;183;g12cae811305_0_22:notes"/>
           <p:cNvSpPr/>
           <p:nvPr>
             <p:ph idx="2" type="sldImg"/>
@@ -2113,7 +2920,7 @@
       </p:sp>
       <p:sp>
         <p:nvSpPr>
-          <p:cNvPr id="183" name="Google Shape;183;g12cae811305_0_22:notes"/>
+          <p:cNvPr id="184" name="Google Shape;184;g12cae811305_0_22:notes"/>
           <p:cNvSpPr txBox="1"/>
           <p:nvPr>
             <p:ph idx="1" type="body"/>
@@ -2144,9 +2951,63 @@
               <a:buNone/>
             </a:pPr>
             <a:r>
-              <a:t/>
-            </a:r>
-            <a:endParaRPr/>
+              <a:rPr lang="en">
+                <a:solidFill>
+                  <a:schemeClr val="dk1"/>
+                </a:solidFill>
+                <a:latin typeface="Lato"/>
+                <a:ea typeface="Lato"/>
+                <a:cs typeface="Lato"/>
+                <a:sym typeface="Lato"/>
+              </a:rPr>
+              <a:t>The figure to the right provides the correlation of all our features against themselves by shading does of high correlation closer to the color Purple and those with less correlation white or light red.</a:t>
+            </a:r>
+            <a:endParaRPr>
+              <a:solidFill>
+                <a:schemeClr val="dk1"/>
+              </a:solidFill>
+              <a:latin typeface="Lato"/>
+              <a:ea typeface="Lato"/>
+              <a:cs typeface="Lato"/>
+              <a:sym typeface="Lato"/>
+            </a:endParaRPr>
+          </a:p>
+          <a:p>
+            <a:pPr indent="0" lvl="0" marL="0" rtl="0" algn="l">
+              <a:spcBef>
+                <a:spcPts val="0"/>
+              </a:spcBef>
+              <a:spcAft>
+                <a:spcPts val="0"/>
+              </a:spcAft>
+              <a:buClr>
+                <a:schemeClr val="dk1"/>
+              </a:buClr>
+              <a:buSzPts val="1100"/>
+              <a:buFont typeface="Arial"/>
+              <a:buNone/>
+            </a:pPr>
+            <a:r>
+              <a:rPr lang="en">
+                <a:solidFill>
+                  <a:schemeClr val="dk1"/>
+                </a:solidFill>
+                <a:latin typeface="Lato"/>
+                <a:ea typeface="Lato"/>
+                <a:cs typeface="Lato"/>
+                <a:sym typeface="Lato"/>
+              </a:rPr>
+              <a:t>From looking at the heat map, we created tables based off the features that have the features that correlate with each other the most</a:t>
+            </a:r>
+            <a:endParaRPr>
+              <a:solidFill>
+                <a:schemeClr val="dk1"/>
+              </a:solidFill>
+              <a:latin typeface="Lato"/>
+              <a:ea typeface="Lato"/>
+              <a:cs typeface="Lato"/>
+              <a:sym typeface="Lato"/>
+            </a:endParaRPr>
           </a:p>
         </p:txBody>
       </p:sp>
@@ -2163,7 +3024,7 @@
   <p:cSld>
     <p:spTree>
       <p:nvGrpSpPr>
-        <p:cNvPr id="189" name="Shape 189"/>
+        <p:cNvPr id="191" name="Shape 191"/>
         <p:cNvGrpSpPr/>
         <p:nvPr/>
       </p:nvGrpSpPr>
@@ -2177,7 +3038,7 @@
       </p:grpSpPr>
       <p:sp>
         <p:nvSpPr>
-          <p:cNvPr id="190" name="Google Shape;190;g12cae811305_0_29:notes"/>
+          <p:cNvPr id="192" name="Google Shape;192;g12cae811305_0_29:notes"/>
           <p:cNvSpPr/>
           <p:nvPr>
             <p:ph idx="2" type="sldImg"/>
@@ -2212,7 +3073,7 @@
       </p:sp>
       <p:sp>
         <p:nvSpPr>
-          <p:cNvPr id="191" name="Google Shape;191;g12cae811305_0_29:notes"/>
+          <p:cNvPr id="193" name="Google Shape;193;g12cae811305_0_29:notes"/>
           <p:cNvSpPr txBox="1"/>
           <p:nvPr>
             <p:ph idx="1" type="body"/>
@@ -2243,7 +3104,24 @@
               <a:buNone/>
             </a:pPr>
             <a:r>
-              <a:t/>
+              <a:rPr lang="en"/>
+              <a:t>After running the classification report and the confusion matrix, we can see that the model was </a:t>
+            </a:r>
+            <a:r>
+              <a:rPr lang="en"/>
+              <a:t>extremely</a:t>
+            </a:r>
+            <a:r>
+              <a:rPr lang="en"/>
+              <a:t> accurate </a:t>
+            </a:r>
+            <a:r>
+              <a:rPr lang="en"/>
+              <a:t>across</a:t>
+            </a:r>
+            <a:r>
+              <a:rPr lang="en"/>
+              <a:t> all the fields. From there, we ran our accuracy scores.</a:t>
             </a:r>
             <a:endParaRPr/>
           </a:p>
@@ -2262,7 +3140,7 @@
   <p:cSld>
     <p:spTree>
       <p:nvGrpSpPr>
-        <p:cNvPr id="205" name="Shape 205"/>
+        <p:cNvPr id="207" name="Shape 207"/>
         <p:cNvGrpSpPr/>
         <p:nvPr/>
       </p:nvGrpSpPr>
@@ -2276,7 +3154,7 @@
       </p:grpSpPr>
       <p:sp>
         <p:nvSpPr>
-          <p:cNvPr id="206" name="Google Shape;206;g12cae811305_0_44:notes"/>
+          <p:cNvPr id="208" name="Google Shape;208;g12cae811305_0_44:notes"/>
           <p:cNvSpPr/>
           <p:nvPr>
             <p:ph idx="2" type="sldImg"/>
@@ -2311,7 +3189,7 @@
       </p:sp>
       <p:sp>
         <p:nvSpPr>
-          <p:cNvPr id="207" name="Google Shape;207;g12cae811305_0_44:notes"/>
+          <p:cNvPr id="209" name="Google Shape;209;g12cae811305_0_44:notes"/>
           <p:cNvSpPr txBox="1"/>
           <p:nvPr>
             <p:ph idx="1" type="body"/>
@@ -2342,7 +3220,47 @@
               <a:buNone/>
             </a:pPr>
             <a:r>
+              <a:rPr lang="en"/>
+              <a:t>Read slide</a:t>
+            </a:r>
+            <a:endParaRPr/>
+          </a:p>
+          <a:p>
+            <a:pPr indent="0" lvl="0" marL="0" rtl="0" algn="l">
+              <a:spcBef>
+                <a:spcPts val="0"/>
+              </a:spcBef>
+              <a:spcAft>
+                <a:spcPts val="0"/>
+              </a:spcAft>
+              <a:buNone/>
+            </a:pPr>
+            <a:r>
               <a:t/>
+            </a:r>
+            <a:endParaRPr/>
+          </a:p>
+          <a:p>
+            <a:pPr indent="0" lvl="0" marL="0" rtl="0" algn="l">
+              <a:spcBef>
+                <a:spcPts val="0"/>
+              </a:spcBef>
+              <a:spcAft>
+                <a:spcPts val="0"/>
+              </a:spcAft>
+              <a:buNone/>
+            </a:pPr>
+            <a:r>
+              <a:rPr lang="en"/>
+              <a:t>Unsure why our accuracy score for the </a:t>
+            </a:r>
+            <a:r>
+              <a:rPr lang="en"/>
+              <a:t>logistic</a:t>
+            </a:r>
+            <a:r>
+              <a:rPr lang="en"/>
+              <a:t> regression accuracy score was so high, we put our heads back together to try and determine what exactly in our data was leading our model to be so accurate.</a:t>
             </a:r>
             <a:endParaRPr/>
           </a:p>
@@ -10657,7 +11575,7 @@
   <p:cSld>
     <p:spTree>
       <p:nvGrpSpPr>
-        <p:cNvPr id="214" name="Shape 214"/>
+        <p:cNvPr id="216" name="Shape 216"/>
         <p:cNvGrpSpPr/>
         <p:nvPr/>
       </p:nvGrpSpPr>
@@ -10671,7 +11589,276 @@
       </p:grpSpPr>
       <p:sp>
         <p:nvSpPr>
-          <p:cNvPr id="215" name="Google Shape;215;p22"/>
+          <p:cNvPr id="217" name="Google Shape;217;p22"/>
+          <p:cNvSpPr txBox="1"/>
+          <p:nvPr>
+            <p:ph type="title"/>
+          </p:nvPr>
+        </p:nvSpPr>
+        <p:spPr>
+          <a:xfrm>
+            <a:off x="1297500" y="393750"/>
+            <a:ext cx="7038900" cy="914100"/>
+          </a:xfrm>
+          <a:prstGeom prst="rect">
+            <a:avLst/>
+          </a:prstGeom>
+        </p:spPr>
+        <p:txBody>
+          <a:bodyPr anchorCtr="0" anchor="t" bIns="91425" lIns="91425" spcFirstLastPara="1" rIns="91425" wrap="square" tIns="91425">
+            <a:normAutofit/>
+          </a:bodyPr>
+          <a:lstStyle/>
+          <a:p>
+            <a:pPr indent="0" lvl="0" marL="0" rtl="0" algn="l">
+              <a:spcBef>
+                <a:spcPts val="0"/>
+              </a:spcBef>
+              <a:spcAft>
+                <a:spcPts val="0"/>
+              </a:spcAft>
+              <a:buNone/>
+            </a:pPr>
+            <a:r>
+              <a:rPr lang="en"/>
+              <a:t>Further</a:t>
+            </a:r>
+            <a:r>
+              <a:rPr lang="en"/>
+              <a:t> Exploratory</a:t>
+            </a:r>
+            <a:endParaRPr/>
+          </a:p>
+        </p:txBody>
+      </p:sp>
+      <p:sp>
+        <p:nvSpPr>
+          <p:cNvPr id="218" name="Google Shape;218;p22"/>
+          <p:cNvSpPr txBox="1"/>
+          <p:nvPr>
+            <p:ph idx="1" type="body"/>
+          </p:nvPr>
+        </p:nvSpPr>
+        <p:spPr>
+          <a:xfrm>
+            <a:off x="1297500" y="1567550"/>
+            <a:ext cx="7038900" cy="2911200"/>
+          </a:xfrm>
+          <a:prstGeom prst="rect">
+            <a:avLst/>
+          </a:prstGeom>
+        </p:spPr>
+        <p:txBody>
+          <a:bodyPr anchorCtr="0" anchor="t" bIns="91425" lIns="91425" spcFirstLastPara="1" rIns="91425" wrap="square" tIns="91425">
+            <a:normAutofit/>
+          </a:bodyPr>
+          <a:lstStyle/>
+          <a:p>
+            <a:pPr indent="0" lvl="0" marL="0" rtl="0" algn="l">
+              <a:spcBef>
+                <a:spcPts val="0"/>
+              </a:spcBef>
+              <a:spcAft>
+                <a:spcPts val="0"/>
+              </a:spcAft>
+              <a:buNone/>
+            </a:pPr>
+            <a:r>
+              <a:rPr lang="en"/>
+              <a:t>We went back to our dataframe and dropped all the features that </a:t>
+            </a:r>
+            <a:r>
+              <a:rPr lang="en"/>
+              <a:t>involved</a:t>
+            </a:r>
+            <a:r>
+              <a:rPr lang="en"/>
+              <a:t> size.</a:t>
+            </a:r>
+            <a:endParaRPr/>
+          </a:p>
+          <a:p>
+            <a:pPr indent="0" lvl="0" marL="0" rtl="0" algn="l">
+              <a:spcBef>
+                <a:spcPts val="1200"/>
+              </a:spcBef>
+              <a:spcAft>
+                <a:spcPts val="0"/>
+              </a:spcAft>
+              <a:buNone/>
+            </a:pPr>
+            <a:r>
+              <a:rPr lang="en"/>
+              <a:t>Those features include:</a:t>
+            </a:r>
+            <a:endParaRPr/>
+          </a:p>
+          <a:p>
+            <a:pPr indent="0" lvl="0" marL="0" rtl="0" algn="l">
+              <a:spcBef>
+                <a:spcPts val="1200"/>
+              </a:spcBef>
+              <a:spcAft>
+                <a:spcPts val="1200"/>
+              </a:spcAft>
+              <a:buNone/>
+            </a:pPr>
+            <a:r>
+              <a:rPr lang="en"/>
+              <a:t>radius_mean, radius_worst, area_mean, area_worst, perimeter_mean, perimeter_worst</a:t>
+            </a:r>
+            <a:endParaRPr/>
+          </a:p>
+        </p:txBody>
+      </p:sp>
+    </p:spTree>
+  </p:cSld>
+  <p:clrMapOvr>
+    <a:masterClrMapping/>
+  </p:clrMapOvr>
+</p:sld>
+</file>
+
+<file path=ppt/slides/slide11.xml><?xml version="1.0" encoding="utf-8"?>
+<p:sld xmlns:a="http://schemas.openxmlformats.org/drawingml/2006/main" xmlns:r="http://schemas.openxmlformats.org/officeDocument/2006/relationships" xmlns:mc="http://schemas.openxmlformats.org/markup-compatibility/2006" xmlns:mv="urn:schemas-microsoft-com:mac:vml" xmlns:p="http://schemas.openxmlformats.org/presentationml/2006/main" xmlns:c="http://schemas.openxmlformats.org/drawingml/2006/chart" xmlns:dgm="http://schemas.openxmlformats.org/drawingml/2006/diagram" xmlns:o="urn:schemas-microsoft-com:office:office" xmlns:v="urn:schemas-microsoft-com:vml" xmlns:pvml="urn:schemas-microsoft-com:office:powerpoint" xmlns:com="http://schemas.openxmlformats.org/drawingml/2006/compatibility" xmlns:p14="http://schemas.microsoft.com/office/powerpoint/2010/main" xmlns:p15="http://schemas.microsoft.com/office/powerpoint/2012/main" xmlns:ahyp="http://schemas.microsoft.com/office/drawing/2018/hyperlinkcolor">
+  <p:cSld>
+    <p:spTree>
+      <p:nvGrpSpPr>
+        <p:cNvPr id="222" name="Shape 222"/>
+        <p:cNvGrpSpPr/>
+        <p:nvPr/>
+      </p:nvGrpSpPr>
+      <p:grpSpPr>
+        <a:xfrm>
+          <a:off x="0" y="0"/>
+          <a:ext cx="0" cy="0"/>
+          <a:chOff x="0" y="0"/>
+          <a:chExt cx="0" cy="0"/>
+        </a:xfrm>
+      </p:grpSpPr>
+      <p:sp>
+        <p:nvSpPr>
+          <p:cNvPr id="223" name="Google Shape;223;p23"/>
+          <p:cNvSpPr txBox="1"/>
+          <p:nvPr>
+            <p:ph type="title"/>
+          </p:nvPr>
+        </p:nvSpPr>
+        <p:spPr>
+          <a:xfrm>
+            <a:off x="1297500" y="393750"/>
+            <a:ext cx="7038900" cy="914100"/>
+          </a:xfrm>
+          <a:prstGeom prst="rect">
+            <a:avLst/>
+          </a:prstGeom>
+        </p:spPr>
+        <p:txBody>
+          <a:bodyPr anchorCtr="0" anchor="t" bIns="91425" lIns="91425" spcFirstLastPara="1" rIns="91425" wrap="square" tIns="91425">
+            <a:normAutofit/>
+          </a:bodyPr>
+          <a:lstStyle/>
+          <a:p>
+            <a:pPr indent="0" lvl="0" marL="0" rtl="0" algn="l">
+              <a:spcBef>
+                <a:spcPts val="0"/>
+              </a:spcBef>
+              <a:spcAft>
+                <a:spcPts val="0"/>
+              </a:spcAft>
+              <a:buNone/>
+            </a:pPr>
+            <a:r>
+              <a:rPr lang="en"/>
+              <a:t>After our adjustments</a:t>
+            </a:r>
+            <a:endParaRPr/>
+          </a:p>
+        </p:txBody>
+      </p:sp>
+      <p:sp>
+        <p:nvSpPr>
+          <p:cNvPr id="224" name="Google Shape;224;p23"/>
+          <p:cNvSpPr txBox="1"/>
+          <p:nvPr>
+            <p:ph idx="1" type="body"/>
+          </p:nvPr>
+        </p:nvSpPr>
+        <p:spPr>
+          <a:xfrm>
+            <a:off x="1297500" y="1567550"/>
+            <a:ext cx="7038900" cy="2911200"/>
+          </a:xfrm>
+          <a:prstGeom prst="rect">
+            <a:avLst/>
+          </a:prstGeom>
+        </p:spPr>
+        <p:txBody>
+          <a:bodyPr anchorCtr="0" anchor="t" bIns="91425" lIns="91425" spcFirstLastPara="1" rIns="91425" wrap="square" tIns="91425">
+            <a:normAutofit/>
+          </a:bodyPr>
+          <a:lstStyle/>
+          <a:p>
+            <a:pPr indent="0" lvl="0" marL="0" rtl="0" algn="l">
+              <a:spcBef>
+                <a:spcPts val="0"/>
+              </a:spcBef>
+              <a:spcAft>
+                <a:spcPts val="0"/>
+              </a:spcAft>
+              <a:buNone/>
+            </a:pPr>
+            <a:r>
+              <a:rPr lang="en"/>
+              <a:t>The second time around, we ran another logistic regression. This time the accuracy score we achieved was 93%, just a mere 4 points less than the regression we ran with the size features. This leads us to believe there are other features that also have a strong indication of cancer besides just size.</a:t>
+            </a:r>
+            <a:endParaRPr/>
+          </a:p>
+          <a:p>
+            <a:pPr indent="0" lvl="0" marL="0" rtl="0" algn="l">
+              <a:spcBef>
+                <a:spcPts val="1200"/>
+              </a:spcBef>
+              <a:spcAft>
+                <a:spcPts val="1200"/>
+              </a:spcAft>
+              <a:buNone/>
+            </a:pPr>
+            <a:r>
+              <a:t/>
+            </a:r>
+            <a:endParaRPr/>
+          </a:p>
+        </p:txBody>
+      </p:sp>
+    </p:spTree>
+  </p:cSld>
+  <p:clrMapOvr>
+    <a:masterClrMapping/>
+  </p:clrMapOvr>
+</p:sld>
+</file>
+
+<file path=ppt/slides/slide12.xml><?xml version="1.0" encoding="utf-8"?>
+<p:sld xmlns:a="http://schemas.openxmlformats.org/drawingml/2006/main" xmlns:r="http://schemas.openxmlformats.org/officeDocument/2006/relationships" xmlns:mc="http://schemas.openxmlformats.org/markup-compatibility/2006" xmlns:mv="urn:schemas-microsoft-com:mac:vml" xmlns:p="http://schemas.openxmlformats.org/presentationml/2006/main" xmlns:c="http://schemas.openxmlformats.org/drawingml/2006/chart" xmlns:dgm="http://schemas.openxmlformats.org/drawingml/2006/diagram" xmlns:o="urn:schemas-microsoft-com:office:office" xmlns:v="urn:schemas-microsoft-com:vml" xmlns:pvml="urn:schemas-microsoft-com:office:powerpoint" xmlns:com="http://schemas.openxmlformats.org/drawingml/2006/compatibility" xmlns:p14="http://schemas.microsoft.com/office/powerpoint/2010/main" xmlns:p15="http://schemas.microsoft.com/office/powerpoint/2012/main" xmlns:ahyp="http://schemas.microsoft.com/office/drawing/2018/hyperlinkcolor">
+  <p:cSld>
+    <p:spTree>
+      <p:nvGrpSpPr>
+        <p:cNvPr id="228" name="Shape 228"/>
+        <p:cNvGrpSpPr/>
+        <p:nvPr/>
+      </p:nvGrpSpPr>
+      <p:grpSpPr>
+        <a:xfrm>
+          <a:off x="0" y="0"/>
+          <a:ext cx="0" cy="0"/>
+          <a:chOff x="0" y="0"/>
+          <a:chExt cx="0" cy="0"/>
+        </a:xfrm>
+      </p:grpSpPr>
+      <p:sp>
+        <p:nvSpPr>
+          <p:cNvPr id="229" name="Google Shape;229;p24"/>
           <p:cNvSpPr txBox="1"/>
           <p:nvPr>
             <p:ph type="title"/>
@@ -10724,7 +11911,7 @@
       </p:sp>
       <p:sp>
         <p:nvSpPr>
-          <p:cNvPr id="216" name="Google Shape;216;p22"/>
+          <p:cNvPr id="230" name="Google Shape;230;p24"/>
           <p:cNvSpPr txBox="1"/>
           <p:nvPr>
             <p:ph idx="1" type="body"/>
@@ -10741,7 +11928,7 @@
         </p:spPr>
         <p:txBody>
           <a:bodyPr anchorCtr="0" anchor="t" bIns="91425" lIns="91425" spcFirstLastPara="1" rIns="91425" wrap="square" tIns="91425">
-            <a:normAutofit lnSpcReduction="20000"/>
+            <a:normAutofit fontScale="92500"/>
           </a:bodyPr>
           <a:lstStyle/>
           <a:p>
@@ -10756,7 +11943,7 @@
             </a:pPr>
             <a:r>
               <a:rPr b="1" lang="en" sz="1500"/>
-              <a:t>Machine Learning Model: Google Colab - Python, Pandas, PySpark, and Matplot</a:t>
+              <a:t>Machine Learning Model: Google Colab - Python, Pandas, PySpark, and Matplotlib/Seaborn</a:t>
             </a:r>
             <a:endParaRPr b="1" sz="1500"/>
           </a:p>
@@ -11663,8 +12850,8 @@
         </p:nvSpPr>
         <p:spPr>
           <a:xfrm>
-            <a:off x="1191500" y="939900"/>
-            <a:ext cx="4203600" cy="4043700"/>
+            <a:off x="1093275" y="1610213"/>
+            <a:ext cx="4203600" cy="2283600"/>
           </a:xfrm>
           <a:prstGeom prst="rect">
             <a:avLst/>
@@ -11770,26 +12957,6 @@
             </a:pPr>
             <a:r>
               <a:t/>
-            </a:r>
-            <a:endParaRPr sz="1520"/>
-          </a:p>
-          <a:p>
-            <a:pPr indent="0" lvl="0" marL="0" rtl="0" algn="l">
-              <a:lnSpc>
-                <a:spcPct val="80000"/>
-              </a:lnSpc>
-              <a:spcBef>
-                <a:spcPts val="0"/>
-              </a:spcBef>
-              <a:spcAft>
-                <a:spcPts val="0"/>
-              </a:spcAft>
-              <a:buSzPts val="935"/>
-              <a:buNone/>
-            </a:pPr>
-            <a:r>
-              <a:rPr lang="en" sz="1520"/>
-              <a:t>These values were computed by the using the images from each sample. We inherited the data after it was manipulated to reflect the mean of each measure, the standard error, and the mean of the largest or “worst” of these features. This process was surely to create a standardization of the values since each measure would have a different standard of measurement.</a:t>
             </a:r>
             <a:endParaRPr sz="1604"/>
           </a:p>
@@ -11823,6 +12990,64 @@
           </a:ln>
         </p:spPr>
       </p:pic>
+      <p:sp>
+        <p:nvSpPr>
+          <p:cNvPr id="162" name="Google Shape;162;p16"/>
+          <p:cNvSpPr txBox="1"/>
+          <p:nvPr/>
+        </p:nvSpPr>
+        <p:spPr>
+          <a:xfrm>
+            <a:off x="5458950" y="4039450"/>
+            <a:ext cx="2847900" cy="276900"/>
+          </a:xfrm>
+          <a:prstGeom prst="rect">
+            <a:avLst/>
+          </a:prstGeom>
+          <a:noFill/>
+          <a:ln>
+            <a:noFill/>
+          </a:ln>
+        </p:spPr>
+        <p:txBody>
+          <a:bodyPr anchorCtr="0" anchor="t" bIns="91425" lIns="91425" spcFirstLastPara="1" rIns="91425" wrap="square" tIns="91425">
+            <a:spAutoFit/>
+          </a:bodyPr>
+          <a:lstStyle/>
+          <a:p>
+            <a:pPr indent="0" lvl="0" marL="0" rtl="0" algn="l">
+              <a:spcBef>
+                <a:spcPts val="0"/>
+              </a:spcBef>
+              <a:spcAft>
+                <a:spcPts val="0"/>
+              </a:spcAft>
+              <a:buNone/>
+            </a:pPr>
+            <a:r>
+              <a:rPr lang="en" sz="600">
+                <a:solidFill>
+                  <a:schemeClr val="lt1"/>
+                </a:solidFill>
+                <a:latin typeface="Lato"/>
+                <a:ea typeface="Lato"/>
+                <a:cs typeface="Lato"/>
+                <a:sym typeface="Lato"/>
+              </a:rPr>
+              <a:t>https://www.cancer.gov/about-cancer/understanding/what-is-cancer</a:t>
+            </a:r>
+            <a:endParaRPr sz="600">
+              <a:solidFill>
+                <a:schemeClr val="lt1"/>
+              </a:solidFill>
+              <a:latin typeface="Lato"/>
+              <a:ea typeface="Lato"/>
+              <a:cs typeface="Lato"/>
+              <a:sym typeface="Lato"/>
+            </a:endParaRPr>
+          </a:p>
+        </p:txBody>
+      </p:sp>
     </p:spTree>
   </p:cSld>
   <p:clrMapOvr>
@@ -11836,7 +13061,7 @@
   <p:cSld>
     <p:spTree>
       <p:nvGrpSpPr>
-        <p:cNvPr id="165" name="Shape 165"/>
+        <p:cNvPr id="166" name="Shape 166"/>
         <p:cNvGrpSpPr/>
         <p:nvPr/>
       </p:nvGrpSpPr>
@@ -11850,7 +13075,7 @@
       </p:grpSpPr>
       <p:sp>
         <p:nvSpPr>
-          <p:cNvPr id="166" name="Google Shape;166;p17"/>
+          <p:cNvPr id="167" name="Google Shape;167;p17"/>
           <p:cNvSpPr txBox="1"/>
           <p:nvPr>
             <p:ph type="title"/>
@@ -11890,7 +13115,7 @@
       </p:sp>
       <p:sp>
         <p:nvSpPr>
-          <p:cNvPr id="167" name="Google Shape;167;p17"/>
+          <p:cNvPr id="168" name="Google Shape;168;p17"/>
           <p:cNvSpPr txBox="1"/>
           <p:nvPr>
             <p:ph idx="1" type="body"/>
@@ -11939,7 +13164,7 @@
             </a:pPr>
             <a:r>
               <a:rPr lang="en" sz="1500"/>
-              <a:t>And after examining our data, which features have the greatest likelihood of predicting malignancy?</a:t>
+              <a:t>After examining our data, which features have the greatest likelihood of predicting malignancy?</a:t>
             </a:r>
             <a:endParaRPr sz="1500"/>
           </a:p>
@@ -12007,7 +13232,7 @@
   <p:cSld>
     <p:spTree>
       <p:nvGrpSpPr>
-        <p:cNvPr id="171" name="Shape 171"/>
+        <p:cNvPr id="172" name="Shape 172"/>
         <p:cNvGrpSpPr/>
         <p:nvPr/>
       </p:nvGrpSpPr>
@@ -12021,7 +13246,7 @@
       </p:grpSpPr>
       <p:sp>
         <p:nvSpPr>
-          <p:cNvPr id="172" name="Google Shape;172;p18"/>
+          <p:cNvPr id="173" name="Google Shape;173;p18"/>
           <p:cNvSpPr txBox="1"/>
           <p:nvPr>
             <p:ph type="title"/>
@@ -12061,7 +13286,7 @@
       </p:sp>
       <p:sp>
         <p:nvSpPr>
-          <p:cNvPr id="173" name="Google Shape;173;p18"/>
+          <p:cNvPr id="174" name="Google Shape;174;p18"/>
           <p:cNvSpPr txBox="1"/>
           <p:nvPr>
             <p:ph idx="1" type="body"/>
@@ -12199,7 +13424,7 @@
       </p:sp>
       <p:pic>
         <p:nvPicPr>
-          <p:cNvPr id="174" name="Google Shape;174;p18"/>
+          <p:cNvPr id="175" name="Google Shape;175;p18"/>
           <p:cNvPicPr preferRelativeResize="0"/>
           <p:nvPr/>
         </p:nvPicPr>
@@ -12227,7 +13452,7 @@
       </p:pic>
       <p:pic>
         <p:nvPicPr>
-          <p:cNvPr id="175" name="Google Shape;175;p18"/>
+          <p:cNvPr id="176" name="Google Shape;176;p18"/>
           <p:cNvPicPr preferRelativeResize="0"/>
           <p:nvPr/>
         </p:nvPicPr>
@@ -12255,7 +13480,7 @@
       </p:pic>
       <p:pic>
         <p:nvPicPr>
-          <p:cNvPr id="176" name="Google Shape;176;p18"/>
+          <p:cNvPr id="177" name="Google Shape;177;p18"/>
           <p:cNvPicPr preferRelativeResize="0"/>
           <p:nvPr/>
         </p:nvPicPr>
@@ -12283,7 +13508,7 @@
       </p:pic>
       <p:pic>
         <p:nvPicPr>
-          <p:cNvPr id="177" name="Google Shape;177;p18"/>
+          <p:cNvPr id="178" name="Google Shape;178;p18"/>
           <p:cNvPicPr preferRelativeResize="0"/>
           <p:nvPr/>
         </p:nvPicPr>
@@ -12311,7 +13536,7 @@
       </p:pic>
       <p:sp>
         <p:nvSpPr>
-          <p:cNvPr id="178" name="Google Shape;178;p18"/>
+          <p:cNvPr id="179" name="Google Shape;179;p18"/>
           <p:cNvSpPr txBox="1"/>
           <p:nvPr/>
         </p:nvSpPr>
@@ -12520,7 +13745,7 @@
       </p:sp>
       <p:sp>
         <p:nvSpPr>
-          <p:cNvPr id="179" name="Google Shape;179;p18"/>
+          <p:cNvPr id="180" name="Google Shape;180;p18"/>
           <p:cNvSpPr txBox="1"/>
           <p:nvPr/>
         </p:nvSpPr>
@@ -12578,7 +13803,7 @@
       </p:sp>
       <p:sp>
         <p:nvSpPr>
-          <p:cNvPr id="180" name="Google Shape;180;p18"/>
+          <p:cNvPr id="181" name="Google Shape;181;p18"/>
           <p:cNvSpPr txBox="1"/>
           <p:nvPr/>
         </p:nvSpPr>
@@ -12647,7 +13872,7 @@
   <p:cSld>
     <p:spTree>
       <p:nvGrpSpPr>
-        <p:cNvPr id="184" name="Shape 184"/>
+        <p:cNvPr id="185" name="Shape 185"/>
         <p:cNvGrpSpPr/>
         <p:nvPr/>
       </p:nvGrpSpPr>
@@ -12661,7 +13886,7 @@
       </p:grpSpPr>
       <p:sp>
         <p:nvSpPr>
-          <p:cNvPr id="185" name="Google Shape;185;p19"/>
+          <p:cNvPr id="186" name="Google Shape;186;p19"/>
           <p:cNvSpPr txBox="1"/>
           <p:nvPr>
             <p:ph type="title"/>
@@ -12716,7 +13941,7 @@
       </p:sp>
       <p:sp>
         <p:nvSpPr>
-          <p:cNvPr id="186" name="Google Shape;186;p19"/>
+          <p:cNvPr id="187" name="Google Shape;187;p19"/>
           <p:cNvSpPr txBox="1"/>
           <p:nvPr>
             <p:ph idx="1" type="body"/>
@@ -12804,7 +14029,7 @@
             </a:pPr>
             <a:r>
               <a:rPr lang="en" sz="1200"/>
-              <a:t>The figure to the right provides the correlation of all our features against themselves by shading does of high correlation closer to the color Purple and those with less correlation white or light red. </a:t>
+              <a:t>The results draw our attention to the hot spots were we can eliminate features that are vs themselves, since those would clearly have a high correlation. </a:t>
             </a:r>
             <a:endParaRPr sz="1200"/>
           </a:p>
@@ -12822,43 +14047,6 @@
               <a:buNone/>
             </a:pPr>
             <a:r>
-              <a:t/>
-            </a:r>
-            <a:endParaRPr sz="1200"/>
-          </a:p>
-          <a:p>
-            <a:pPr indent="0" lvl="0" marL="0" rtl="0" algn="l">
-              <a:lnSpc>
-                <a:spcPct val="100000"/>
-              </a:lnSpc>
-              <a:spcBef>
-                <a:spcPts val="0"/>
-              </a:spcBef>
-              <a:spcAft>
-                <a:spcPts val="0"/>
-              </a:spcAft>
-              <a:buNone/>
-            </a:pPr>
-            <a:r>
-              <a:rPr lang="en" sz="1200"/>
-              <a:t>The results draw our attention to the hot spots were we can eliminate features that are vs themselves, since those would clearly have a high correlation. </a:t>
-            </a:r>
-            <a:endParaRPr sz="1200"/>
-          </a:p>
-          <a:p>
-            <a:pPr indent="0" lvl="0" marL="0" rtl="0" algn="l">
-              <a:lnSpc>
-                <a:spcPct val="100000"/>
-              </a:lnSpc>
-              <a:spcBef>
-                <a:spcPts val="0"/>
-              </a:spcBef>
-              <a:spcAft>
-                <a:spcPts val="0"/>
-              </a:spcAft>
-              <a:buNone/>
-            </a:pPr>
-            <a:r>
               <a:rPr lang="en" sz="1200"/>
               <a:t>Here’s a list of the tables we will build using what we found from the heatmap:</a:t>
             </a:r>
@@ -13012,7 +14200,7 @@
       </p:sp>
       <p:pic>
         <p:nvPicPr>
-          <p:cNvPr id="187" name="Google Shape;187;p19"/>
+          <p:cNvPr id="188" name="Google Shape;188;p19"/>
           <p:cNvPicPr preferRelativeResize="0"/>
           <p:nvPr/>
         </p:nvPicPr>
@@ -13040,7 +14228,7 @@
       </p:pic>
       <p:sp>
         <p:nvSpPr>
-          <p:cNvPr id="188" name="Google Shape;188;p19"/>
+          <p:cNvPr id="189" name="Google Shape;189;p19"/>
           <p:cNvSpPr txBox="1"/>
           <p:nvPr/>
         </p:nvSpPr>
@@ -13096,6 +14284,32 @@
           </a:p>
         </p:txBody>
       </p:sp>
+      <p:cxnSp>
+        <p:nvCxnSpPr>
+          <p:cNvPr id="190" name="Google Shape;190;p19"/>
+          <p:cNvCxnSpPr/>
+          <p:nvPr/>
+        </p:nvCxnSpPr>
+        <p:spPr>
+          <a:xfrm>
+            <a:off x="757138" y="2040075"/>
+            <a:ext cx="2127300" cy="2058600"/>
+          </a:xfrm>
+          <a:prstGeom prst="straightConnector1">
+            <a:avLst/>
+          </a:prstGeom>
+          <a:noFill/>
+          <a:ln cap="flat" cmpd="sng" w="19050">
+            <a:solidFill>
+              <a:srgbClr val="00FFFF"/>
+            </a:solidFill>
+            <a:prstDash val="solid"/>
+            <a:round/>
+            <a:headEnd len="med" w="med" type="none"/>
+            <a:tailEnd len="med" w="med" type="none"/>
+          </a:ln>
+        </p:spPr>
+      </p:cxnSp>
     </p:spTree>
   </p:cSld>
   <p:clrMapOvr>
@@ -13109,7 +14323,7 @@
   <p:cSld>
     <p:spTree>
       <p:nvGrpSpPr>
-        <p:cNvPr id="192" name="Shape 192"/>
+        <p:cNvPr id="194" name="Shape 194"/>
         <p:cNvGrpSpPr/>
         <p:nvPr/>
       </p:nvGrpSpPr>
@@ -13123,7 +14337,7 @@
       </p:grpSpPr>
       <p:sp>
         <p:nvSpPr>
-          <p:cNvPr id="193" name="Google Shape;193;p20"/>
+          <p:cNvPr id="195" name="Google Shape;195;p20"/>
           <p:cNvSpPr txBox="1"/>
           <p:nvPr>
             <p:ph type="title"/>
@@ -13178,7 +14392,7 @@
       </p:sp>
       <p:sp>
         <p:nvSpPr>
-          <p:cNvPr id="194" name="Google Shape;194;p20"/>
+          <p:cNvPr id="196" name="Google Shape;196;p20"/>
           <p:cNvSpPr txBox="1"/>
           <p:nvPr>
             <p:ph idx="1" type="body"/>
@@ -13233,7 +14447,7 @@
       </p:sp>
       <p:sp>
         <p:nvSpPr>
-          <p:cNvPr id="195" name="Google Shape;195;p20"/>
+          <p:cNvPr id="197" name="Google Shape;197;p20"/>
           <p:cNvSpPr txBox="1"/>
           <p:nvPr/>
         </p:nvSpPr>
@@ -13275,7 +14489,7 @@
                 <a:cs typeface="Lato"/>
                 <a:sym typeface="Lato"/>
               </a:rPr>
-              <a:t>With the above results being so high in each field, our goal is to further test our model using some of the techniques covered during our machine learning module to assess the sensitivity, accuracy, and precision. </a:t>
+              <a:t>With the above results being so high in each field, our goal was to further test our model using some of the techniques covered during our machine learning module to assess the sensitivity, accuracy, and precision. </a:t>
             </a:r>
             <a:endParaRPr sz="1200">
               <a:solidFill>
@@ -13346,7 +14560,7 @@
       </p:sp>
       <p:pic>
         <p:nvPicPr>
-          <p:cNvPr id="196" name="Google Shape;196;p20"/>
+          <p:cNvPr id="198" name="Google Shape;198;p20"/>
           <p:cNvPicPr preferRelativeResize="0"/>
           <p:nvPr/>
         </p:nvPicPr>
@@ -13373,7 +14587,7 @@
       </p:pic>
       <p:pic>
         <p:nvPicPr>
-          <p:cNvPr id="197" name="Google Shape;197;p20"/>
+          <p:cNvPr id="199" name="Google Shape;199;p20"/>
           <p:cNvPicPr preferRelativeResize="0"/>
           <p:nvPr/>
         </p:nvPicPr>
@@ -13400,7 +14614,7 @@
       </p:pic>
       <p:pic>
         <p:nvPicPr>
-          <p:cNvPr id="198" name="Google Shape;198;p20"/>
+          <p:cNvPr id="200" name="Google Shape;200;p20"/>
           <p:cNvPicPr preferRelativeResize="0"/>
           <p:nvPr/>
         </p:nvPicPr>
@@ -13427,7 +14641,7 @@
       </p:pic>
       <p:pic>
         <p:nvPicPr>
-          <p:cNvPr id="199" name="Google Shape;199;p20"/>
+          <p:cNvPr id="201" name="Google Shape;201;p20"/>
           <p:cNvPicPr preferRelativeResize="0"/>
           <p:nvPr/>
         </p:nvPicPr>
@@ -13454,7 +14668,7 @@
       </p:pic>
       <p:pic>
         <p:nvPicPr>
-          <p:cNvPr id="200" name="Google Shape;200;p20"/>
+          <p:cNvPr id="202" name="Google Shape;202;p20"/>
           <p:cNvPicPr preferRelativeResize="0"/>
           <p:nvPr/>
         </p:nvPicPr>
@@ -13481,7 +14695,7 @@
       </p:pic>
       <p:pic>
         <p:nvPicPr>
-          <p:cNvPr id="201" name="Google Shape;201;p20"/>
+          <p:cNvPr id="203" name="Google Shape;203;p20"/>
           <p:cNvPicPr preferRelativeResize="0"/>
           <p:nvPr/>
         </p:nvPicPr>
@@ -13508,7 +14722,7 @@
       </p:pic>
       <p:pic>
         <p:nvPicPr>
-          <p:cNvPr id="202" name="Google Shape;202;p20"/>
+          <p:cNvPr id="204" name="Google Shape;204;p20"/>
           <p:cNvPicPr preferRelativeResize="0"/>
           <p:nvPr/>
         </p:nvPicPr>
@@ -13536,7 +14750,7 @@
       </p:pic>
       <p:sp>
         <p:nvSpPr>
-          <p:cNvPr id="203" name="Google Shape;203;p20"/>
+          <p:cNvPr id="205" name="Google Shape;205;p20"/>
           <p:cNvSpPr txBox="1"/>
           <p:nvPr/>
         </p:nvSpPr>
@@ -13594,7 +14808,7 @@
       </p:sp>
       <p:sp>
         <p:nvSpPr>
-          <p:cNvPr id="204" name="Google Shape;204;p20"/>
+          <p:cNvPr id="206" name="Google Shape;206;p20"/>
           <p:cNvSpPr txBox="1"/>
           <p:nvPr/>
         </p:nvSpPr>
@@ -13663,7 +14877,7 @@
   <p:cSld>
     <p:spTree>
       <p:nvGrpSpPr>
-        <p:cNvPr id="208" name="Shape 208"/>
+        <p:cNvPr id="210" name="Shape 210"/>
         <p:cNvGrpSpPr/>
         <p:nvPr/>
       </p:nvGrpSpPr>
@@ -13677,7 +14891,7 @@
       </p:grpSpPr>
       <p:sp>
         <p:nvSpPr>
-          <p:cNvPr id="209" name="Google Shape;209;p21"/>
+          <p:cNvPr id="211" name="Google Shape;211;p21"/>
           <p:cNvSpPr txBox="1"/>
           <p:nvPr>
             <p:ph type="title"/>
@@ -13725,7 +14939,7 @@
       </p:sp>
       <p:sp>
         <p:nvSpPr>
-          <p:cNvPr id="210" name="Google Shape;210;p21"/>
+          <p:cNvPr id="212" name="Google Shape;212;p21"/>
           <p:cNvSpPr txBox="1"/>
           <p:nvPr>
             <p:ph idx="1" type="body"/>
@@ -13852,6 +15066,285 @@
 </file>
 
 <file path=ppt/theme/theme1.xml><?xml version="1.0" encoding="utf-8"?>
+<a:theme xmlns:a="http://schemas.openxmlformats.org/drawingml/2006/main" xmlns:r="http://schemas.openxmlformats.org/officeDocument/2006/relationships">
+  <a:themeElements>
+    <a:clrScheme name="Default">
+      <a:dk1>
+        <a:srgbClr val="000000"/>
+      </a:dk1>
+      <a:lt1>
+        <a:srgbClr val="FFFFFF"/>
+      </a:lt1>
+      <a:dk2>
+        <a:srgbClr val="158158"/>
+      </a:dk2>
+      <a:lt2>
+        <a:srgbClr val="F3F3F3"/>
+      </a:lt2>
+      <a:accent1>
+        <a:srgbClr val="058DC7"/>
+      </a:accent1>
+      <a:accent2>
+        <a:srgbClr val="50B432"/>
+      </a:accent2>
+      <a:accent3>
+        <a:srgbClr val="ED561B"/>
+      </a:accent3>
+      <a:accent4>
+        <a:srgbClr val="EDEF00"/>
+      </a:accent4>
+      <a:accent5>
+        <a:srgbClr val="24CBE5"/>
+      </a:accent5>
+      <a:accent6>
+        <a:srgbClr val="64E572"/>
+      </a:accent6>
+      <a:hlink>
+        <a:srgbClr val="2200CC"/>
+      </a:hlink>
+      <a:folHlink>
+        <a:srgbClr val="551A8B"/>
+      </a:folHlink>
+    </a:clrScheme>
+    <a:fontScheme name="Office">
+      <a:majorFont>
+        <a:latin typeface="Arial"/>
+        <a:ea typeface=""/>
+        <a:cs typeface=""/>
+        <a:font script="Jpan" typeface="ＭＳ Ｐゴシック"/>
+        <a:font script="Hang" typeface="맑은 고딕"/>
+        <a:font script="Hans" typeface="宋体"/>
+        <a:font script="Hant" typeface="新細明體"/>
+        <a:font script="Arab" typeface="Times New Roman"/>
+        <a:font script="Hebr" typeface="Times New Roman"/>
+        <a:font script="Thai" typeface="Angsana New"/>
+        <a:font script="Ethi" typeface="Nyala"/>
+        <a:font script="Beng" typeface="Vrinda"/>
+        <a:font script="Gujr" typeface="Shruti"/>
+        <a:font script="Khmr" typeface="MoolBoran"/>
+        <a:font script="Knda" typeface="Tunga"/>
+        <a:font script="Guru" typeface="Raavi"/>
+        <a:font script="Cans" typeface="Euphemia"/>
+        <a:font script="Cher" typeface="Plantagenet Cherokee"/>
+        <a:font script="Yiii" typeface="Microsoft Yi Baiti"/>
+        <a:font script="Tibt" typeface="Microsoft Himalaya"/>
+        <a:font script="Thaa" typeface="MV Boli"/>
+        <a:font script="Deva" typeface="Mangal"/>
+        <a:font script="Telu" typeface="Gautami"/>
+        <a:font script="Taml" typeface="Latha"/>
+        <a:font script="Syrc" typeface="Estrangelo Edessa"/>
+        <a:font script="Orya" typeface="Kalinga"/>
+        <a:font script="Mlym" typeface="Kartika"/>
+        <a:font script="Laoo" typeface="DokChampa"/>
+        <a:font script="Sinh" typeface="Iskoola Pota"/>
+        <a:font script="Mong" typeface="Mongolian Baiti"/>
+        <a:font script="Viet" typeface="Times New Roman"/>
+        <a:font script="Uigh" typeface="Microsoft Uighur"/>
+        <a:font script="Geor" typeface="Sylfaen"/>
+      </a:majorFont>
+      <a:minorFont>
+        <a:latin typeface="Arial"/>
+        <a:ea typeface=""/>
+        <a:cs typeface=""/>
+        <a:font script="Jpan" typeface="ＭＳ Ｐゴシック"/>
+        <a:font script="Hang" typeface="맑은 고딕"/>
+        <a:font script="Hans" typeface="宋体"/>
+        <a:font script="Hant" typeface="新細明體"/>
+        <a:font script="Arab" typeface="Arial"/>
+        <a:font script="Hebr" typeface="Arial"/>
+        <a:font script="Thai" typeface="Cordia New"/>
+        <a:font script="Ethi" typeface="Nyala"/>
+        <a:font script="Beng" typeface="Vrinda"/>
+        <a:font script="Gujr" typeface="Shruti"/>
+        <a:font script="Khmr" typeface="DaunPenh"/>
+        <a:font script="Knda" typeface="Tunga"/>
+        <a:font script="Guru" typeface="Raavi"/>
+        <a:font script="Cans" typeface="Euphemia"/>
+        <a:font script="Cher" typeface="Plantagenet Cherokee"/>
+        <a:font script="Yiii" typeface="Microsoft Yi Baiti"/>
+        <a:font script="Tibt" typeface="Microsoft Himalaya"/>
+        <a:font script="Thaa" typeface="MV Boli"/>
+        <a:font script="Deva" typeface="Mangal"/>
+        <a:font script="Telu" typeface="Gautami"/>
+        <a:font script="Taml" typeface="Latha"/>
+        <a:font script="Syrc" typeface="Estrangelo Edessa"/>
+        <a:font script="Orya" typeface="Kalinga"/>
+        <a:font script="Mlym" typeface="Kartika"/>
+        <a:font script="Laoo" typeface="DokChampa"/>
+        <a:font script="Sinh" typeface="Iskoola Pota"/>
+        <a:font script="Mong" typeface="Mongolian Baiti"/>
+        <a:font script="Viet" typeface="Arial"/>
+        <a:font script="Uigh" typeface="Microsoft Uighur"/>
+        <a:font script="Geor" typeface="Sylfaen"/>
+      </a:minorFont>
+    </a:fontScheme>
+    <a:fmtScheme name="Office">
+      <a:fillStyleLst>
+        <a:solidFill>
+          <a:schemeClr val="phClr"/>
+        </a:solidFill>
+        <a:gradFill rotWithShape="1">
+          <a:gsLst>
+            <a:gs pos="0">
+              <a:schemeClr val="phClr">
+                <a:tint val="50000"/>
+                <a:satMod val="300000"/>
+              </a:schemeClr>
+            </a:gs>
+            <a:gs pos="35000">
+              <a:schemeClr val="phClr">
+                <a:tint val="37000"/>
+                <a:satMod val="300000"/>
+              </a:schemeClr>
+            </a:gs>
+            <a:gs pos="100000">
+              <a:schemeClr val="phClr">
+                <a:tint val="15000"/>
+                <a:satMod val="350000"/>
+              </a:schemeClr>
+            </a:gs>
+          </a:gsLst>
+          <a:lin ang="16200000" scaled="1"/>
+        </a:gradFill>
+        <a:gradFill rotWithShape="1">
+          <a:gsLst>
+            <a:gs pos="0">
+              <a:schemeClr val="phClr">
+                <a:tint val="100000"/>
+                <a:shade val="100000"/>
+                <a:satMod val="130000"/>
+              </a:schemeClr>
+            </a:gs>
+            <a:gs pos="100000">
+              <a:schemeClr val="phClr">
+                <a:tint val="50000"/>
+                <a:shade val="100000"/>
+                <a:satMod val="350000"/>
+              </a:schemeClr>
+            </a:gs>
+          </a:gsLst>
+          <a:lin ang="16200000" scaled="0"/>
+        </a:gradFill>
+      </a:fillStyleLst>
+      <a:lnStyleLst>
+        <a:ln w="9525" cap="flat" cmpd="sng" algn="ctr">
+          <a:solidFill>
+            <a:schemeClr val="phClr">
+              <a:shade val="95000"/>
+              <a:satMod val="105000"/>
+            </a:schemeClr>
+          </a:solidFill>
+          <a:prstDash val="solid"/>
+        </a:ln>
+        <a:ln w="25400" cap="flat" cmpd="sng" algn="ctr">
+          <a:solidFill>
+            <a:schemeClr val="phClr"/>
+          </a:solidFill>
+          <a:prstDash val="solid"/>
+        </a:ln>
+        <a:ln w="38100" cap="flat" cmpd="sng" algn="ctr">
+          <a:solidFill>
+            <a:schemeClr val="phClr"/>
+          </a:solidFill>
+          <a:prstDash val="solid"/>
+        </a:ln>
+      </a:lnStyleLst>
+      <a:effectStyleLst>
+        <a:effectStyle>
+          <a:effectLst>
+            <a:outerShdw blurRad="40000" dist="20000" dir="5400000" rotWithShape="0">
+              <a:srgbClr val="000000">
+                <a:alpha val="38000"/>
+              </a:srgbClr>
+            </a:outerShdw>
+          </a:effectLst>
+        </a:effectStyle>
+        <a:effectStyle>
+          <a:effectLst>
+            <a:outerShdw blurRad="40000" dist="23000" dir="5400000" rotWithShape="0">
+              <a:srgbClr val="000000">
+                <a:alpha val="35000"/>
+              </a:srgbClr>
+            </a:outerShdw>
+          </a:effectLst>
+        </a:effectStyle>
+        <a:effectStyle>
+          <a:effectLst>
+            <a:outerShdw blurRad="40000" dist="23000" dir="5400000" rotWithShape="0">
+              <a:srgbClr val="000000">
+                <a:alpha val="35000"/>
+              </a:srgbClr>
+            </a:outerShdw>
+          </a:effectLst>
+          <a:scene3d>
+            <a:camera prst="orthographicFront">
+              <a:rot lat="0" lon="0" rev="0"/>
+            </a:camera>
+            <a:lightRig rig="threePt" dir="t">
+              <a:rot lat="0" lon="0" rev="1200000"/>
+            </a:lightRig>
+          </a:scene3d>
+          <a:sp3d>
+            <a:bevelT w="63500" h="25400"/>
+          </a:sp3d>
+        </a:effectStyle>
+      </a:effectStyleLst>
+      <a:bgFillStyleLst>
+        <a:solidFill>
+          <a:schemeClr val="phClr"/>
+        </a:solidFill>
+        <a:gradFill rotWithShape="1">
+          <a:gsLst>
+            <a:gs pos="0">
+              <a:schemeClr val="phClr">
+                <a:tint val="40000"/>
+                <a:satMod val="350000"/>
+              </a:schemeClr>
+            </a:gs>
+            <a:gs pos="40000">
+              <a:schemeClr val="phClr">
+                <a:tint val="45000"/>
+                <a:shade val="99000"/>
+                <a:satMod val="350000"/>
+              </a:schemeClr>
+            </a:gs>
+            <a:gs pos="100000">
+              <a:schemeClr val="phClr">
+                <a:shade val="20000"/>
+                <a:satMod val="255000"/>
+              </a:schemeClr>
+            </a:gs>
+          </a:gsLst>
+          <a:path path="circle">
+            <a:fillToRect l="50000" t="-80000" r="50000" b="180000"/>
+          </a:path>
+        </a:gradFill>
+        <a:gradFill rotWithShape="1">
+          <a:gsLst>
+            <a:gs pos="0">
+              <a:schemeClr val="phClr">
+                <a:tint val="80000"/>
+                <a:satMod val="300000"/>
+              </a:schemeClr>
+            </a:gs>
+            <a:gs pos="100000">
+              <a:schemeClr val="phClr">
+                <a:shade val="30000"/>
+                <a:satMod val="200000"/>
+              </a:schemeClr>
+            </a:gs>
+          </a:gsLst>
+          <a:path path="circle">
+            <a:fillToRect l="50000" t="50000" r="50000" b="50000"/>
+          </a:path>
+        </a:gradFill>
+      </a:bgFillStyleLst>
+    </a:fmtScheme>
+  </a:themeElements>
+</a:theme>
+</file>
+
+<file path=ppt/theme/theme2.xml><?xml version="1.0" encoding="utf-8"?>
 <a:theme xmlns:a="http://schemas.openxmlformats.org/drawingml/2006/main" xmlns:r="http://schemas.openxmlformats.org/officeDocument/2006/relationships" name="Focus">
   <a:themeElements>
     <a:clrScheme name="Focus">
@@ -14128,283 +15621,4 @@
     </a:fmtScheme>
   </a:themeElements>
 </a:theme>
-</file>
-
-<file path=ppt/theme/theme2.xml><?xml version="1.0" encoding="utf-8"?>
-<a:theme xmlns:a="http://schemas.openxmlformats.org/drawingml/2006/main" xmlns:r="http://schemas.openxmlformats.org/officeDocument/2006/relationships">
-  <a:themeElements>
-    <a:clrScheme name="Default">
-      <a:dk1>
-        <a:srgbClr val="000000"/>
-      </a:dk1>
-      <a:lt1>
-        <a:srgbClr val="FFFFFF"/>
-      </a:lt1>
-      <a:dk2>
-        <a:srgbClr val="158158"/>
-      </a:dk2>
-      <a:lt2>
-        <a:srgbClr val="F3F3F3"/>
-      </a:lt2>
-      <a:accent1>
-        <a:srgbClr val="058DC7"/>
-      </a:accent1>
-      <a:accent2>
-        <a:srgbClr val="50B432"/>
-      </a:accent2>
-      <a:accent3>
-        <a:srgbClr val="ED561B"/>
-      </a:accent3>
-      <a:accent4>
-        <a:srgbClr val="EDEF00"/>
-      </a:accent4>
-      <a:accent5>
-        <a:srgbClr val="24CBE5"/>
-      </a:accent5>
-      <a:accent6>
-        <a:srgbClr val="64E572"/>
-      </a:accent6>
-      <a:hlink>
-        <a:srgbClr val="2200CC"/>
-      </a:hlink>
-      <a:folHlink>
-        <a:srgbClr val="551A8B"/>
-      </a:folHlink>
-    </a:clrScheme>
-    <a:fontScheme name="Office">
-      <a:majorFont>
-        <a:latin typeface="Arial"/>
-        <a:ea typeface=""/>
-        <a:cs typeface=""/>
-        <a:font script="Jpan" typeface="ＭＳ Ｐゴシック"/>
-        <a:font script="Hang" typeface="맑은 고딕"/>
-        <a:font script="Hans" typeface="宋体"/>
-        <a:font script="Hant" typeface="新細明體"/>
-        <a:font script="Arab" typeface="Times New Roman"/>
-        <a:font script="Hebr" typeface="Times New Roman"/>
-        <a:font script="Thai" typeface="Angsana New"/>
-        <a:font script="Ethi" typeface="Nyala"/>
-        <a:font script="Beng" typeface="Vrinda"/>
-        <a:font script="Gujr" typeface="Shruti"/>
-        <a:font script="Khmr" typeface="MoolBoran"/>
-        <a:font script="Knda" typeface="Tunga"/>
-        <a:font script="Guru" typeface="Raavi"/>
-        <a:font script="Cans" typeface="Euphemia"/>
-        <a:font script="Cher" typeface="Plantagenet Cherokee"/>
-        <a:font script="Yiii" typeface="Microsoft Yi Baiti"/>
-        <a:font script="Tibt" typeface="Microsoft Himalaya"/>
-        <a:font script="Thaa" typeface="MV Boli"/>
-        <a:font script="Deva" typeface="Mangal"/>
-        <a:font script="Telu" typeface="Gautami"/>
-        <a:font script="Taml" typeface="Latha"/>
-        <a:font script="Syrc" typeface="Estrangelo Edessa"/>
-        <a:font script="Orya" typeface="Kalinga"/>
-        <a:font script="Mlym" typeface="Kartika"/>
-        <a:font script="Laoo" typeface="DokChampa"/>
-        <a:font script="Sinh" typeface="Iskoola Pota"/>
-        <a:font script="Mong" typeface="Mongolian Baiti"/>
-        <a:font script="Viet" typeface="Times New Roman"/>
-        <a:font script="Uigh" typeface="Microsoft Uighur"/>
-        <a:font script="Geor" typeface="Sylfaen"/>
-      </a:majorFont>
-      <a:minorFont>
-        <a:latin typeface="Arial"/>
-        <a:ea typeface=""/>
-        <a:cs typeface=""/>
-        <a:font script="Jpan" typeface="ＭＳ Ｐゴシック"/>
-        <a:font script="Hang" typeface="맑은 고딕"/>
-        <a:font script="Hans" typeface="宋体"/>
-        <a:font script="Hant" typeface="新細明體"/>
-        <a:font script="Arab" typeface="Arial"/>
-        <a:font script="Hebr" typeface="Arial"/>
-        <a:font script="Thai" typeface="Cordia New"/>
-        <a:font script="Ethi" typeface="Nyala"/>
-        <a:font script="Beng" typeface="Vrinda"/>
-        <a:font script="Gujr" typeface="Shruti"/>
-        <a:font script="Khmr" typeface="DaunPenh"/>
-        <a:font script="Knda" typeface="Tunga"/>
-        <a:font script="Guru" typeface="Raavi"/>
-        <a:font script="Cans" typeface="Euphemia"/>
-        <a:font script="Cher" typeface="Plantagenet Cherokee"/>
-        <a:font script="Yiii" typeface="Microsoft Yi Baiti"/>
-        <a:font script="Tibt" typeface="Microsoft Himalaya"/>
-        <a:font script="Thaa" typeface="MV Boli"/>
-        <a:font script="Deva" typeface="Mangal"/>
-        <a:font script="Telu" typeface="Gautami"/>
-        <a:font script="Taml" typeface="Latha"/>
-        <a:font script="Syrc" typeface="Estrangelo Edessa"/>
-        <a:font script="Orya" typeface="Kalinga"/>
-        <a:font script="Mlym" typeface="Kartika"/>
-        <a:font script="Laoo" typeface="DokChampa"/>
-        <a:font script="Sinh" typeface="Iskoola Pota"/>
-        <a:font script="Mong" typeface="Mongolian Baiti"/>
-        <a:font script="Viet" typeface="Arial"/>
-        <a:font script="Uigh" typeface="Microsoft Uighur"/>
-        <a:font script="Geor" typeface="Sylfaen"/>
-      </a:minorFont>
-    </a:fontScheme>
-    <a:fmtScheme name="Office">
-      <a:fillStyleLst>
-        <a:solidFill>
-          <a:schemeClr val="phClr"/>
-        </a:solidFill>
-        <a:gradFill rotWithShape="1">
-          <a:gsLst>
-            <a:gs pos="0">
-              <a:schemeClr val="phClr">
-                <a:tint val="50000"/>
-                <a:satMod val="300000"/>
-              </a:schemeClr>
-            </a:gs>
-            <a:gs pos="35000">
-              <a:schemeClr val="phClr">
-                <a:tint val="37000"/>
-                <a:satMod val="300000"/>
-              </a:schemeClr>
-            </a:gs>
-            <a:gs pos="100000">
-              <a:schemeClr val="phClr">
-                <a:tint val="15000"/>
-                <a:satMod val="350000"/>
-              </a:schemeClr>
-            </a:gs>
-          </a:gsLst>
-          <a:lin ang="16200000" scaled="1"/>
-        </a:gradFill>
-        <a:gradFill rotWithShape="1">
-          <a:gsLst>
-            <a:gs pos="0">
-              <a:schemeClr val="phClr">
-                <a:tint val="100000"/>
-                <a:shade val="100000"/>
-                <a:satMod val="130000"/>
-              </a:schemeClr>
-            </a:gs>
-            <a:gs pos="100000">
-              <a:schemeClr val="phClr">
-                <a:tint val="50000"/>
-                <a:shade val="100000"/>
-                <a:satMod val="350000"/>
-              </a:schemeClr>
-            </a:gs>
-          </a:gsLst>
-          <a:lin ang="16200000" scaled="0"/>
-        </a:gradFill>
-      </a:fillStyleLst>
-      <a:lnStyleLst>
-        <a:ln w="9525" cap="flat" cmpd="sng" algn="ctr">
-          <a:solidFill>
-            <a:schemeClr val="phClr">
-              <a:shade val="95000"/>
-              <a:satMod val="105000"/>
-            </a:schemeClr>
-          </a:solidFill>
-          <a:prstDash val="solid"/>
-        </a:ln>
-        <a:ln w="25400" cap="flat" cmpd="sng" algn="ctr">
-          <a:solidFill>
-            <a:schemeClr val="phClr"/>
-          </a:solidFill>
-          <a:prstDash val="solid"/>
-        </a:ln>
-        <a:ln w="38100" cap="flat" cmpd="sng" algn="ctr">
-          <a:solidFill>
-            <a:schemeClr val="phClr"/>
-          </a:solidFill>
-          <a:prstDash val="solid"/>
-        </a:ln>
-      </a:lnStyleLst>
-      <a:effectStyleLst>
-        <a:effectStyle>
-          <a:effectLst>
-            <a:outerShdw blurRad="40000" dist="20000" dir="5400000" rotWithShape="0">
-              <a:srgbClr val="000000">
-                <a:alpha val="38000"/>
-              </a:srgbClr>
-            </a:outerShdw>
-          </a:effectLst>
-        </a:effectStyle>
-        <a:effectStyle>
-          <a:effectLst>
-            <a:outerShdw blurRad="40000" dist="23000" dir="5400000" rotWithShape="0">
-              <a:srgbClr val="000000">
-                <a:alpha val="35000"/>
-              </a:srgbClr>
-            </a:outerShdw>
-          </a:effectLst>
-        </a:effectStyle>
-        <a:effectStyle>
-          <a:effectLst>
-            <a:outerShdw blurRad="40000" dist="23000" dir="5400000" rotWithShape="0">
-              <a:srgbClr val="000000">
-                <a:alpha val="35000"/>
-              </a:srgbClr>
-            </a:outerShdw>
-          </a:effectLst>
-          <a:scene3d>
-            <a:camera prst="orthographicFront">
-              <a:rot lat="0" lon="0" rev="0"/>
-            </a:camera>
-            <a:lightRig rig="threePt" dir="t">
-              <a:rot lat="0" lon="0" rev="1200000"/>
-            </a:lightRig>
-          </a:scene3d>
-          <a:sp3d>
-            <a:bevelT w="63500" h="25400"/>
-          </a:sp3d>
-        </a:effectStyle>
-      </a:effectStyleLst>
-      <a:bgFillStyleLst>
-        <a:solidFill>
-          <a:schemeClr val="phClr"/>
-        </a:solidFill>
-        <a:gradFill rotWithShape="1">
-          <a:gsLst>
-            <a:gs pos="0">
-              <a:schemeClr val="phClr">
-                <a:tint val="40000"/>
-                <a:satMod val="350000"/>
-              </a:schemeClr>
-            </a:gs>
-            <a:gs pos="40000">
-              <a:schemeClr val="phClr">
-                <a:tint val="45000"/>
-                <a:shade val="99000"/>
-                <a:satMod val="350000"/>
-              </a:schemeClr>
-            </a:gs>
-            <a:gs pos="100000">
-              <a:schemeClr val="phClr">
-                <a:shade val="20000"/>
-                <a:satMod val="255000"/>
-              </a:schemeClr>
-            </a:gs>
-          </a:gsLst>
-          <a:path path="circle">
-            <a:fillToRect l="50000" t="-80000" r="50000" b="180000"/>
-          </a:path>
-        </a:gradFill>
-        <a:gradFill rotWithShape="1">
-          <a:gsLst>
-            <a:gs pos="0">
-              <a:schemeClr val="phClr">
-                <a:tint val="80000"/>
-                <a:satMod val="300000"/>
-              </a:schemeClr>
-            </a:gs>
-            <a:gs pos="100000">
-              <a:schemeClr val="phClr">
-                <a:shade val="30000"/>
-                <a:satMod val="200000"/>
-              </a:schemeClr>
-            </a:gs>
-          </a:gsLst>
-          <a:path path="circle">
-            <a:fillToRect l="50000" t="50000" r="50000" b="50000"/>
-          </a:path>
-        </a:gradFill>
-      </a:bgFillStyleLst>
-    </a:fmtScheme>
-  </a:themeElements>
-</a:theme>
 </file>
--- a/Predicting the Presence of Cancer in Breast Cancer Cells.pptx
+++ b/Predicting the Presence of Cancer in Breast Cancer Cells.pptx
@@ -20,30 +20,34 @@
     <p:sldId id="265" r:id="rId15"/>
     <p:sldId id="266" r:id="rId16"/>
     <p:sldId id="267" r:id="rId17"/>
+    <p:sldId id="268" r:id="rId18"/>
+    <p:sldId id="269" r:id="rId19"/>
+    <p:sldId id="270" r:id="rId20"/>
+    <p:sldId id="271" r:id="rId21"/>
   </p:sldIdLst>
   <p:sldSz cy="5143500" cx="9144000"/>
   <p:notesSz cx="6858000" cy="9144000"/>
   <p:embeddedFontLst>
     <p:embeddedFont>
       <p:font typeface="Roboto"/>
-      <p:regular r:id="rId18"/>
-      <p:bold r:id="rId19"/>
-      <p:italic r:id="rId20"/>
-      <p:boldItalic r:id="rId21"/>
-    </p:embeddedFont>
-    <p:embeddedFont>
-      <p:font typeface="Montserrat"/>
       <p:regular r:id="rId22"/>
       <p:bold r:id="rId23"/>
       <p:italic r:id="rId24"/>
       <p:boldItalic r:id="rId25"/>
     </p:embeddedFont>
     <p:embeddedFont>
-      <p:font typeface="Lato"/>
+      <p:font typeface="Montserrat"/>
       <p:regular r:id="rId26"/>
       <p:bold r:id="rId27"/>
       <p:italic r:id="rId28"/>
       <p:boldItalic r:id="rId29"/>
+    </p:embeddedFont>
+    <p:embeddedFont>
+      <p:font typeface="Lato"/>
+      <p:regular r:id="rId30"/>
+      <p:bold r:id="rId31"/>
+      <p:italic r:id="rId32"/>
+      <p:boldItalic r:id="rId33"/>
     </p:embeddedFont>
   </p:embeddedFontLst>
   <p:defaultTextStyle>
@@ -805,7 +809,8 @@
               <a:buNone/>
             </a:pPr>
             <a:r>
-              <a:t/>
+              <a:rPr lang="en"/>
+              <a:t>MacKenzie</a:t>
             </a:r>
             <a:endParaRPr/>
           </a:p>
@@ -824,7 +829,7 @@
   <p:cSld>
     <p:spTree>
       <p:nvGrpSpPr>
-        <p:cNvPr id="213" name="Shape 213"/>
+        <p:cNvPr id="214" name="Shape 214"/>
         <p:cNvGrpSpPr/>
         <p:nvPr/>
       </p:nvGrpSpPr>
@@ -838,7 +843,7 @@
       </p:grpSpPr>
       <p:sp>
         <p:nvSpPr>
-          <p:cNvPr id="214" name="Google Shape;214;g12d9ec015e5_0_5:notes"/>
+          <p:cNvPr id="215" name="Google Shape;215;g12e5ee9067f_0_2:notes"/>
           <p:cNvSpPr/>
           <p:nvPr>
             <p:ph idx="2" type="sldImg"/>
@@ -873,7 +878,7 @@
       </p:sp>
       <p:sp>
         <p:nvSpPr>
-          <p:cNvPr id="215" name="Google Shape;215;g12d9ec015e5_0_5:notes"/>
+          <p:cNvPr id="216" name="Google Shape;216;g12e5ee9067f_0_2:notes"/>
           <p:cNvSpPr txBox="1"/>
           <p:nvPr>
             <p:ph idx="1" type="body"/>
@@ -905,62 +910,7 @@
             </a:pPr>
             <a:r>
               <a:rPr lang="en"/>
-              <a:t>Thinking about it simply, we know that cancer cells are often characterized by its size so we decided to drop the radius, perimeter, and area features from our data.</a:t>
-            </a:r>
-            <a:endParaRPr/>
-          </a:p>
-          <a:p>
-            <a:pPr indent="0" lvl="0" marL="0" rtl="0" algn="l">
-              <a:spcBef>
-                <a:spcPts val="0"/>
-              </a:spcBef>
-              <a:spcAft>
-                <a:spcPts val="0"/>
-              </a:spcAft>
-              <a:buNone/>
-            </a:pPr>
-            <a:r>
-              <a:rPr lang="en"/>
-              <a:t>From there, we ran the </a:t>
-            </a:r>
-            <a:r>
-              <a:rPr lang="en"/>
-              <a:t>logistic</a:t>
-            </a:r>
-            <a:r>
-              <a:rPr lang="en"/>
-              <a:t> model again to see if there was any change in the outcomes.</a:t>
-            </a:r>
-            <a:endParaRPr/>
-          </a:p>
-          <a:p>
-            <a:pPr indent="0" lvl="0" marL="0" rtl="0" algn="l">
-              <a:spcBef>
-                <a:spcPts val="0"/>
-              </a:spcBef>
-              <a:spcAft>
-                <a:spcPts val="0"/>
-              </a:spcAft>
-              <a:buNone/>
-            </a:pPr>
-            <a:r>
-              <a:rPr lang="en"/>
-              <a:t>T</a:t>
-            </a:r>
-            <a:endParaRPr/>
-          </a:p>
-          <a:p>
-            <a:pPr indent="0" lvl="0" marL="0" rtl="0" algn="l">
-              <a:spcBef>
-                <a:spcPts val="0"/>
-              </a:spcBef>
-              <a:spcAft>
-                <a:spcPts val="0"/>
-              </a:spcAft>
-              <a:buNone/>
-            </a:pPr>
-            <a:r>
-              <a:t/>
+              <a:t>Kenny</a:t>
             </a:r>
             <a:endParaRPr/>
           </a:p>
@@ -979,7 +929,7 @@
   <p:cSld>
     <p:spTree>
       <p:nvGrpSpPr>
-        <p:cNvPr id="219" name="Shape 219"/>
+        <p:cNvPr id="220" name="Shape 220"/>
         <p:cNvGrpSpPr/>
         <p:nvPr/>
       </p:nvGrpSpPr>
@@ -993,7 +943,7 @@
       </p:grpSpPr>
       <p:sp>
         <p:nvSpPr>
-          <p:cNvPr id="220" name="Google Shape;220;g12d9ec015e5_0_10:notes"/>
+          <p:cNvPr id="221" name="Google Shape;221;g12cae811305_0_44:notes"/>
           <p:cNvSpPr/>
           <p:nvPr>
             <p:ph idx="2" type="sldImg"/>
@@ -1028,7 +978,7 @@
       </p:sp>
       <p:sp>
         <p:nvSpPr>
-          <p:cNvPr id="221" name="Google Shape;221;g12d9ec015e5_0_10:notes"/>
+          <p:cNvPr id="222" name="Google Shape;222;g12cae811305_0_44:notes"/>
           <p:cNvSpPr txBox="1"/>
           <p:nvPr>
             <p:ph idx="1" type="body"/>
@@ -1056,26 +1006,13 @@
               <a:spcAft>
                 <a:spcPts val="0"/>
               </a:spcAft>
-              <a:buClr>
-                <a:schemeClr val="dk1"/>
-              </a:buClr>
-              <a:buSzPts val="1100"/>
-              <a:buFont typeface="Arial"/>
-              <a:buNone/>
-            </a:pPr>
-            <a:r>
-              <a:rPr lang="en">
-                <a:solidFill>
-                  <a:schemeClr val="dk1"/>
-                </a:solidFill>
-              </a:rPr>
-              <a:t>After running the new regression, we achieved an accuracy score of 93% which is only 4 points less than the previous regression. This indicated to us that size was not as important as a factor in predicting whether the patient has a malignant or benign tumor. </a:t>
-            </a:r>
-            <a:endParaRPr>
-              <a:solidFill>
-                <a:schemeClr val="dk1"/>
-              </a:solidFill>
-            </a:endParaRPr>
+              <a:buNone/>
+            </a:pPr>
+            <a:r>
+              <a:rPr lang="en"/>
+              <a:t>Kenny</a:t>
+            </a:r>
+            <a:endParaRPr/>
           </a:p>
           <a:p>
             <a:pPr indent="0" lvl="0" marL="0" rtl="0" algn="l">
@@ -1085,26 +1022,12 @@
               <a:spcAft>
                 <a:spcPts val="0"/>
               </a:spcAft>
-              <a:buClr>
-                <a:schemeClr val="dk1"/>
-              </a:buClr>
-              <a:buSzPts val="1100"/>
-              <a:buFont typeface="Arial"/>
-              <a:buNone/>
-            </a:pPr>
-            <a:r>
-              <a:rPr lang="en">
-                <a:solidFill>
-                  <a:schemeClr val="dk1"/>
-                </a:solidFill>
-              </a:rPr>
-              <a:t>There are other factors in the dataset that are significant indicators of cancer.</a:t>
-            </a:r>
-            <a:endParaRPr>
-              <a:solidFill>
-                <a:schemeClr val="dk1"/>
-              </a:solidFill>
-            </a:endParaRPr>
+              <a:buNone/>
+            </a:pPr>
+            <a:r>
+              <a:t/>
+            </a:r>
+            <a:endParaRPr/>
           </a:p>
           <a:p>
             <a:pPr indent="0" lvl="0" marL="0" rtl="0" algn="l">
@@ -1114,26 +1037,52 @@
               <a:spcAft>
                 <a:spcPts val="0"/>
               </a:spcAft>
-              <a:buClr>
-                <a:schemeClr val="dk1"/>
-              </a:buClr>
-              <a:buSzPts val="1100"/>
-              <a:buFont typeface="Arial"/>
-              <a:buNone/>
-            </a:pPr>
-            <a:r>
-              <a:rPr lang="en">
-                <a:solidFill>
-                  <a:schemeClr val="dk1"/>
-                </a:solidFill>
-              </a:rPr>
-              <a:t>A more in depth analysis would need to conducted to determine if using the majority of the features lead to the model being so accurate or if there just a few that are significant indicators of cancer.</a:t>
-            </a:r>
-            <a:endParaRPr>
-              <a:solidFill>
-                <a:schemeClr val="dk1"/>
-              </a:solidFill>
-            </a:endParaRPr>
+              <a:buNone/>
+            </a:pPr>
+            <a:r>
+              <a:rPr lang="en"/>
+              <a:t>Read slide</a:t>
+            </a:r>
+            <a:endParaRPr/>
+          </a:p>
+          <a:p>
+            <a:pPr indent="0" lvl="0" marL="0" rtl="0" algn="l">
+              <a:spcBef>
+                <a:spcPts val="0"/>
+              </a:spcBef>
+              <a:spcAft>
+                <a:spcPts val="0"/>
+              </a:spcAft>
+              <a:buNone/>
+            </a:pPr>
+            <a:r>
+              <a:t/>
+            </a:r>
+            <a:endParaRPr/>
+          </a:p>
+          <a:p>
+            <a:pPr indent="0" lvl="0" marL="0" rtl="0" algn="l">
+              <a:spcBef>
+                <a:spcPts val="0"/>
+              </a:spcBef>
+              <a:spcAft>
+                <a:spcPts val="0"/>
+              </a:spcAft>
+              <a:buNone/>
+            </a:pPr>
+            <a:r>
+              <a:rPr lang="en"/>
+              <a:t>Unsure why our accuracy score for the </a:t>
+            </a:r>
+            <a:r>
+              <a:rPr lang="en"/>
+              <a:t>logistic</a:t>
+            </a:r>
+            <a:r>
+              <a:rPr lang="en"/>
+              <a:t> regression accuracy score was so high, we put our heads back together to try and determine what exactly in our data was leading our model to be so accurate.</a:t>
+            </a:r>
+            <a:endParaRPr/>
           </a:p>
         </p:txBody>
       </p:sp>
@@ -1150,7 +1099,7 @@
   <p:cSld>
     <p:spTree>
       <p:nvGrpSpPr>
-        <p:cNvPr id="225" name="Shape 225"/>
+        <p:cNvPr id="226" name="Shape 226"/>
         <p:cNvGrpSpPr/>
         <p:nvPr/>
       </p:nvGrpSpPr>
@@ -1164,7 +1113,7 @@
       </p:grpSpPr>
       <p:sp>
         <p:nvSpPr>
-          <p:cNvPr id="226" name="Google Shape;226;g12cae811305_0_49:notes"/>
+          <p:cNvPr id="227" name="Google Shape;227;g12d9ec015e5_0_5:notes"/>
           <p:cNvSpPr/>
           <p:nvPr>
             <p:ph idx="2" type="sldImg"/>
@@ -1199,7 +1148,7 @@
       </p:sp>
       <p:sp>
         <p:nvSpPr>
-          <p:cNvPr id="227" name="Google Shape;227;g12cae811305_0_49:notes"/>
+          <p:cNvPr id="228" name="Google Shape;228;g12d9ec015e5_0_5:notes"/>
           <p:cNvSpPr txBox="1"/>
           <p:nvPr>
             <p:ph idx="1" type="body"/>
@@ -1231,116 +1180,724 @@
             </a:pPr>
             <a:r>
               <a:rPr lang="en"/>
-              <a:t>Machine Learning Model:</a:t>
+              <a:t>David</a:t>
             </a:r>
             <a:endParaRPr/>
           </a:p>
           <a:p>
-            <a:pPr indent="-298450" lvl="0" marL="457200" rtl="0" algn="l">
-              <a:spcBef>
-                <a:spcPts val="0"/>
-              </a:spcBef>
-              <a:spcAft>
-                <a:spcPts val="0"/>
-              </a:spcAft>
+            <a:pPr indent="0" lvl="0" marL="0" rtl="0" algn="l">
+              <a:spcBef>
+                <a:spcPts val="0"/>
+              </a:spcBef>
+              <a:spcAft>
+                <a:spcPts val="0"/>
+              </a:spcAft>
+              <a:buNone/>
+            </a:pPr>
+            <a:r>
+              <a:t/>
+            </a:r>
+            <a:endParaRPr/>
+          </a:p>
+          <a:p>
+            <a:pPr indent="0" lvl="0" marL="0" rtl="0" algn="l">
+              <a:spcBef>
+                <a:spcPts val="0"/>
+              </a:spcBef>
+              <a:spcAft>
+                <a:spcPts val="0"/>
+              </a:spcAft>
+              <a:buNone/>
+            </a:pPr>
+            <a:r>
+              <a:rPr lang="en"/>
+              <a:t>Thinking about it simply, we know that cancer cells are often characterized by its size so we decided to drop the radius, perimeter, and area features from our data.</a:t>
+            </a:r>
+            <a:endParaRPr/>
+          </a:p>
+          <a:p>
+            <a:pPr indent="0" lvl="0" marL="0" rtl="0" algn="l">
+              <a:spcBef>
+                <a:spcPts val="0"/>
+              </a:spcBef>
+              <a:spcAft>
+                <a:spcPts val="0"/>
+              </a:spcAft>
+              <a:buNone/>
+            </a:pPr>
+            <a:r>
+              <a:rPr lang="en"/>
+              <a:t>To double check our train of thought, we </a:t>
+            </a:r>
+            <a:r>
+              <a:rPr lang="en"/>
+              <a:t>referred</a:t>
+            </a:r>
+            <a:r>
+              <a:rPr lang="en"/>
+              <a:t> back to the heat map to see if there were strong </a:t>
+            </a:r>
+            <a:r>
+              <a:rPr lang="en"/>
+              <a:t>correlations</a:t>
+            </a:r>
+            <a:r>
+              <a:rPr lang="en"/>
+              <a:t> between these size features</a:t>
+            </a:r>
+            <a:endParaRPr/>
+          </a:p>
+          <a:p>
+            <a:pPr indent="0" lvl="0" marL="0" rtl="0" algn="l">
+              <a:spcBef>
+                <a:spcPts val="0"/>
+              </a:spcBef>
+              <a:spcAft>
+                <a:spcPts val="0"/>
+              </a:spcAft>
+              <a:buNone/>
+            </a:pPr>
+            <a:r>
+              <a:rPr lang="en"/>
+              <a:t>From there, we ran the </a:t>
+            </a:r>
+            <a:r>
+              <a:rPr lang="en"/>
+              <a:t>logistic</a:t>
+            </a:r>
+            <a:r>
+              <a:rPr lang="en"/>
+              <a:t> model again to see if there was any change in the outcomes.</a:t>
+            </a:r>
+            <a:endParaRPr/>
+          </a:p>
+          <a:p>
+            <a:pPr indent="0" lvl="0" marL="0" rtl="0" algn="l">
+              <a:spcBef>
+                <a:spcPts val="0"/>
+              </a:spcBef>
+              <a:spcAft>
+                <a:spcPts val="0"/>
+              </a:spcAft>
+              <a:buNone/>
+            </a:pPr>
+            <a:r>
+              <a:t/>
+            </a:r>
+            <a:endParaRPr/>
+          </a:p>
+        </p:txBody>
+      </p:sp>
+    </p:spTree>
+  </p:cSld>
+  <p:clrMapOvr>
+    <a:masterClrMapping/>
+  </p:clrMapOvr>
+</p:notes>
+</file>
+
+<file path=ppt/notesSlides/notesSlide13.xml><?xml version="1.0" encoding="utf-8"?>
+<p:notes xmlns:a="http://schemas.openxmlformats.org/drawingml/2006/main" xmlns:r="http://schemas.openxmlformats.org/officeDocument/2006/relationships" xmlns:mc="http://schemas.openxmlformats.org/markup-compatibility/2006" xmlns:mv="urn:schemas-microsoft-com:mac:vml" xmlns:p="http://schemas.openxmlformats.org/presentationml/2006/main" xmlns:c="http://schemas.openxmlformats.org/drawingml/2006/chart" xmlns:dgm="http://schemas.openxmlformats.org/drawingml/2006/diagram" xmlns:o="urn:schemas-microsoft-com:office:office" xmlns:v="urn:schemas-microsoft-com:vml" xmlns:pvml="urn:schemas-microsoft-com:office:powerpoint" xmlns:com="http://schemas.openxmlformats.org/drawingml/2006/compatibility" xmlns:p14="http://schemas.microsoft.com/office/powerpoint/2010/main" xmlns:p15="http://schemas.microsoft.com/office/powerpoint/2012/main" xmlns:ahyp="http://schemas.microsoft.com/office/drawing/2018/hyperlinkcolor" showMasterPhAnim="0" showMasterSp="0">
+  <p:cSld>
+    <p:spTree>
+      <p:nvGrpSpPr>
+        <p:cNvPr id="233" name="Shape 233"/>
+        <p:cNvGrpSpPr/>
+        <p:nvPr/>
+      </p:nvGrpSpPr>
+      <p:grpSpPr>
+        <a:xfrm>
+          <a:off x="0" y="0"/>
+          <a:ext cx="0" cy="0"/>
+          <a:chOff x="0" y="0"/>
+          <a:chExt cx="0" cy="0"/>
+        </a:xfrm>
+      </p:grpSpPr>
+      <p:sp>
+        <p:nvSpPr>
+          <p:cNvPr id="234" name="Google Shape;234;g12d9ec015e5_0_10:notes"/>
+          <p:cNvSpPr/>
+          <p:nvPr>
+            <p:ph idx="2" type="sldImg"/>
+          </p:nvPr>
+        </p:nvSpPr>
+        <p:spPr>
+          <a:xfrm>
+            <a:off x="381300" y="685800"/>
+            <a:ext cx="6096000" cy="3429000"/>
+          </a:xfrm>
+          <a:custGeom>
+            <a:rect b="b" l="l" r="r" t="t"/>
+            <a:pathLst>
+              <a:path extrusionOk="0" h="120000" w="120000">
+                <a:moveTo>
+                  <a:pt x="0" y="0"/>
+                </a:moveTo>
+                <a:lnTo>
+                  <a:pt x="120000" y="0"/>
+                </a:lnTo>
+                <a:lnTo>
+                  <a:pt x="120000" y="120000"/>
+                </a:lnTo>
+                <a:lnTo>
+                  <a:pt x="0" y="120000"/>
+                </a:lnTo>
+                <a:close/>
+              </a:path>
+            </a:pathLst>
+          </a:custGeom>
+        </p:spPr>
+      </p:sp>
+      <p:sp>
+        <p:nvSpPr>
+          <p:cNvPr id="235" name="Google Shape;235;g12d9ec015e5_0_10:notes"/>
+          <p:cNvSpPr txBox="1"/>
+          <p:nvPr>
+            <p:ph idx="1" type="body"/>
+          </p:nvPr>
+        </p:nvSpPr>
+        <p:spPr>
+          <a:xfrm>
+            <a:off x="685800" y="4343400"/>
+            <a:ext cx="5486400" cy="4114800"/>
+          </a:xfrm>
+          <a:prstGeom prst="rect">
+            <a:avLst/>
+          </a:prstGeom>
+        </p:spPr>
+        <p:txBody>
+          <a:bodyPr anchorCtr="0" anchor="t" bIns="91425" lIns="91425" spcFirstLastPara="1" rIns="91425" wrap="square" tIns="91425">
+            <a:noAutofit/>
+          </a:bodyPr>
+          <a:lstStyle/>
+          <a:p>
+            <a:pPr indent="0" lvl="0" marL="0" rtl="0" algn="l">
+              <a:spcBef>
+                <a:spcPts val="0"/>
+              </a:spcBef>
+              <a:spcAft>
+                <a:spcPts val="0"/>
+              </a:spcAft>
+              <a:buClr>
+                <a:schemeClr val="dk1"/>
+              </a:buClr>
               <a:buSzPts val="1100"/>
-              <a:buChar char="●"/>
-            </a:pPr>
-            <a:r>
-              <a:rPr lang="en"/>
-              <a:t>For our machine learning model, we used Google Colab to write all our code so we can share it amongst all the people in our group since it uses the Cloud to save all our work and it allows us to load packages with ease.</a:t>
+              <a:buFont typeface="Arial"/>
+              <a:buNone/>
+            </a:pPr>
+            <a:r>
+              <a:rPr lang="en">
+                <a:solidFill>
+                  <a:schemeClr val="dk1"/>
+                </a:solidFill>
+              </a:rPr>
+              <a:t>David</a:t>
+            </a:r>
+            <a:endParaRPr>
+              <a:solidFill>
+                <a:schemeClr val="dk1"/>
+              </a:solidFill>
+            </a:endParaRPr>
+          </a:p>
+          <a:p>
+            <a:pPr indent="0" lvl="0" marL="0" rtl="0" algn="l">
+              <a:spcBef>
+                <a:spcPts val="0"/>
+              </a:spcBef>
+              <a:spcAft>
+                <a:spcPts val="0"/>
+              </a:spcAft>
+              <a:buClr>
+                <a:schemeClr val="dk1"/>
+              </a:buClr>
+              <a:buSzPts val="1100"/>
+              <a:buFont typeface="Arial"/>
+              <a:buNone/>
+            </a:pPr>
+            <a:r>
+              <a:t/>
+            </a:r>
+            <a:endParaRPr>
+              <a:solidFill>
+                <a:schemeClr val="dk1"/>
+              </a:solidFill>
+            </a:endParaRPr>
+          </a:p>
+          <a:p>
+            <a:pPr indent="0" lvl="0" marL="0" rtl="0" algn="l">
+              <a:spcBef>
+                <a:spcPts val="0"/>
+              </a:spcBef>
+              <a:spcAft>
+                <a:spcPts val="0"/>
+              </a:spcAft>
+              <a:buClr>
+                <a:schemeClr val="dk1"/>
+              </a:buClr>
+              <a:buSzPts val="1100"/>
+              <a:buFont typeface="Arial"/>
+              <a:buNone/>
+            </a:pPr>
+            <a:r>
+              <a:rPr lang="en">
+                <a:solidFill>
+                  <a:schemeClr val="dk1"/>
+                </a:solidFill>
+              </a:rPr>
+              <a:t>After running the new regression, we achieved an accuracy score of 93% which is only 4 points less than the previous regression. This indicated to us that size was not as important as a factor in predicting whether the patient has a malignant or benign tumor. </a:t>
+            </a:r>
+            <a:endParaRPr>
+              <a:solidFill>
+                <a:schemeClr val="dk1"/>
+              </a:solidFill>
+            </a:endParaRPr>
+          </a:p>
+          <a:p>
+            <a:pPr indent="0" lvl="0" marL="0" rtl="0" algn="l">
+              <a:spcBef>
+                <a:spcPts val="0"/>
+              </a:spcBef>
+              <a:spcAft>
+                <a:spcPts val="0"/>
+              </a:spcAft>
+              <a:buClr>
+                <a:schemeClr val="dk1"/>
+              </a:buClr>
+              <a:buSzPts val="1100"/>
+              <a:buFont typeface="Arial"/>
+              <a:buNone/>
+            </a:pPr>
+            <a:r>
+              <a:rPr lang="en">
+                <a:solidFill>
+                  <a:schemeClr val="dk1"/>
+                </a:solidFill>
+              </a:rPr>
+              <a:t>There are other factors in the dataset that are significant indicators of cancer.</a:t>
+            </a:r>
+            <a:endParaRPr>
+              <a:solidFill>
+                <a:schemeClr val="dk1"/>
+              </a:solidFill>
+            </a:endParaRPr>
+          </a:p>
+          <a:p>
+            <a:pPr indent="0" lvl="0" marL="0" rtl="0" algn="l">
+              <a:spcBef>
+                <a:spcPts val="0"/>
+              </a:spcBef>
+              <a:spcAft>
+                <a:spcPts val="0"/>
+              </a:spcAft>
+              <a:buClr>
+                <a:schemeClr val="dk1"/>
+              </a:buClr>
+              <a:buSzPts val="1100"/>
+              <a:buFont typeface="Arial"/>
+              <a:buNone/>
+            </a:pPr>
+            <a:r>
+              <a:rPr lang="en">
+                <a:solidFill>
+                  <a:schemeClr val="dk1"/>
+                </a:solidFill>
+              </a:rPr>
+              <a:t>A more in depth analysis would need to conducted to determine if using the majority of the features lead to the model being so accurate or if there just a few that are significant indicators of cancer.</a:t>
+            </a:r>
+            <a:endParaRPr>
+              <a:solidFill>
+                <a:schemeClr val="dk1"/>
+              </a:solidFill>
+            </a:endParaRPr>
+          </a:p>
+          <a:p>
+            <a:pPr indent="0" lvl="0" marL="0" rtl="0" algn="l">
+              <a:spcBef>
+                <a:spcPts val="0"/>
+              </a:spcBef>
+              <a:spcAft>
+                <a:spcPts val="0"/>
+              </a:spcAft>
+              <a:buClr>
+                <a:schemeClr val="dk1"/>
+              </a:buClr>
+              <a:buSzPts val="1100"/>
+              <a:buFont typeface="Arial"/>
+              <a:buNone/>
+            </a:pPr>
+            <a:r>
+              <a:t/>
+            </a:r>
+            <a:endParaRPr>
+              <a:solidFill>
+                <a:schemeClr val="dk1"/>
+              </a:solidFill>
+            </a:endParaRPr>
+          </a:p>
+          <a:p>
+            <a:pPr indent="0" lvl="0" marL="0" rtl="0" algn="l">
+              <a:spcBef>
+                <a:spcPts val="0"/>
+              </a:spcBef>
+              <a:spcAft>
+                <a:spcPts val="0"/>
+              </a:spcAft>
+              <a:buClr>
+                <a:schemeClr val="dk1"/>
+              </a:buClr>
+              <a:buSzPts val="1100"/>
+              <a:buFont typeface="Arial"/>
+              <a:buNone/>
+            </a:pPr>
+            <a:r>
+              <a:rPr lang="en">
+                <a:solidFill>
+                  <a:schemeClr val="dk1"/>
+                </a:solidFill>
+              </a:rPr>
+              <a:t>79%</a:t>
+            </a:r>
+            <a:endParaRPr>
+              <a:solidFill>
+                <a:schemeClr val="dk1"/>
+              </a:solidFill>
+            </a:endParaRPr>
+          </a:p>
+          <a:p>
+            <a:pPr indent="0" lvl="0" marL="0" rtl="0" algn="l">
+              <a:spcBef>
+                <a:spcPts val="0"/>
+              </a:spcBef>
+              <a:spcAft>
+                <a:spcPts val="0"/>
+              </a:spcAft>
+              <a:buClr>
+                <a:schemeClr val="dk1"/>
+              </a:buClr>
+              <a:buSzPts val="1100"/>
+              <a:buFont typeface="Arial"/>
+              <a:buNone/>
+            </a:pPr>
+            <a:r>
+              <a:t/>
+            </a:r>
+            <a:endParaRPr>
+              <a:solidFill>
+                <a:schemeClr val="dk1"/>
+              </a:solidFill>
+            </a:endParaRPr>
+          </a:p>
+          <a:p>
+            <a:pPr indent="0" lvl="0" marL="0" rtl="0" algn="l">
+              <a:spcBef>
+                <a:spcPts val="0"/>
+              </a:spcBef>
+              <a:spcAft>
+                <a:spcPts val="0"/>
+              </a:spcAft>
+              <a:buClr>
+                <a:schemeClr val="dk1"/>
+              </a:buClr>
+              <a:buSzPts val="1100"/>
+              <a:buFont typeface="Arial"/>
+              <a:buNone/>
+            </a:pPr>
+            <a:r>
+              <a:rPr lang="en">
+                <a:solidFill>
+                  <a:schemeClr val="dk1"/>
+                </a:solidFill>
+              </a:rPr>
+              <a:t>Size have linear correlation</a:t>
+            </a:r>
+            <a:endParaRPr>
+              <a:solidFill>
+                <a:schemeClr val="dk1"/>
+              </a:solidFill>
+            </a:endParaRPr>
+          </a:p>
+        </p:txBody>
+      </p:sp>
+    </p:spTree>
+  </p:cSld>
+  <p:clrMapOvr>
+    <a:masterClrMapping/>
+  </p:clrMapOvr>
+</p:notes>
+</file>
+
+<file path=ppt/notesSlides/notesSlide14.xml><?xml version="1.0" encoding="utf-8"?>
+<p:notes xmlns:a="http://schemas.openxmlformats.org/drawingml/2006/main" xmlns:r="http://schemas.openxmlformats.org/officeDocument/2006/relationships" xmlns:mc="http://schemas.openxmlformats.org/markup-compatibility/2006" xmlns:mv="urn:schemas-microsoft-com:mac:vml" xmlns:p="http://schemas.openxmlformats.org/presentationml/2006/main" xmlns:c="http://schemas.openxmlformats.org/drawingml/2006/chart" xmlns:dgm="http://schemas.openxmlformats.org/drawingml/2006/diagram" xmlns:o="urn:schemas-microsoft-com:office:office" xmlns:v="urn:schemas-microsoft-com:vml" xmlns:pvml="urn:schemas-microsoft-com:office:powerpoint" xmlns:com="http://schemas.openxmlformats.org/drawingml/2006/compatibility" xmlns:p14="http://schemas.microsoft.com/office/powerpoint/2010/main" xmlns:p15="http://schemas.microsoft.com/office/powerpoint/2012/main" xmlns:ahyp="http://schemas.microsoft.com/office/drawing/2018/hyperlinkcolor" showMasterPhAnim="0" showMasterSp="0">
+  <p:cSld>
+    <p:spTree>
+      <p:nvGrpSpPr>
+        <p:cNvPr id="239" name="Shape 239"/>
+        <p:cNvGrpSpPr/>
+        <p:nvPr/>
+      </p:nvGrpSpPr>
+      <p:grpSpPr>
+        <a:xfrm>
+          <a:off x="0" y="0"/>
+          <a:ext cx="0" cy="0"/>
+          <a:chOff x="0" y="0"/>
+          <a:chExt cx="0" cy="0"/>
+        </a:xfrm>
+      </p:grpSpPr>
+      <p:sp>
+        <p:nvSpPr>
+          <p:cNvPr id="240" name="Google Shape;240;g12e5ee9067f_0_24:notes"/>
+          <p:cNvSpPr/>
+          <p:nvPr>
+            <p:ph idx="2" type="sldImg"/>
+          </p:nvPr>
+        </p:nvSpPr>
+        <p:spPr>
+          <a:xfrm>
+            <a:off x="381300" y="685800"/>
+            <a:ext cx="6096000" cy="3429000"/>
+          </a:xfrm>
+          <a:custGeom>
+            <a:rect b="b" l="l" r="r" t="t"/>
+            <a:pathLst>
+              <a:path extrusionOk="0" h="120000" w="120000">
+                <a:moveTo>
+                  <a:pt x="0" y="0"/>
+                </a:moveTo>
+                <a:lnTo>
+                  <a:pt x="120000" y="0"/>
+                </a:lnTo>
+                <a:lnTo>
+                  <a:pt x="120000" y="120000"/>
+                </a:lnTo>
+                <a:lnTo>
+                  <a:pt x="0" y="120000"/>
+                </a:lnTo>
+                <a:close/>
+              </a:path>
+            </a:pathLst>
+          </a:custGeom>
+        </p:spPr>
+      </p:sp>
+      <p:sp>
+        <p:nvSpPr>
+          <p:cNvPr id="241" name="Google Shape;241;g12e5ee9067f_0_24:notes"/>
+          <p:cNvSpPr txBox="1"/>
+          <p:nvPr>
+            <p:ph idx="1" type="body"/>
+          </p:nvPr>
+        </p:nvSpPr>
+        <p:spPr>
+          <a:xfrm>
+            <a:off x="685800" y="4343400"/>
+            <a:ext cx="5486400" cy="4114800"/>
+          </a:xfrm>
+          <a:prstGeom prst="rect">
+            <a:avLst/>
+          </a:prstGeom>
+        </p:spPr>
+        <p:txBody>
+          <a:bodyPr anchorCtr="0" anchor="t" bIns="91425" lIns="91425" spcFirstLastPara="1" rIns="91425" wrap="square" tIns="91425">
+            <a:noAutofit/>
+          </a:bodyPr>
+          <a:lstStyle/>
+          <a:p>
+            <a:pPr indent="0" lvl="0" marL="0" rtl="0" algn="l">
+              <a:spcBef>
+                <a:spcPts val="0"/>
+              </a:spcBef>
+              <a:spcAft>
+                <a:spcPts val="0"/>
+              </a:spcAft>
+              <a:buNone/>
+            </a:pPr>
+            <a:r>
+              <a:t/>
             </a:r>
             <a:endParaRPr/>
           </a:p>
-          <a:p>
-            <a:pPr indent="-298450" lvl="1" marL="914400" rtl="0" algn="l">
-              <a:spcBef>
-                <a:spcPts val="0"/>
-              </a:spcBef>
-              <a:spcAft>
-                <a:spcPts val="0"/>
-              </a:spcAft>
-              <a:buSzPts val="1100"/>
-              <a:buChar char="○"/>
-            </a:pPr>
-            <a:r>
-              <a:rPr lang="en"/>
-              <a:t>Languages</a:t>
+        </p:txBody>
+      </p:sp>
+    </p:spTree>
+  </p:cSld>
+  <p:clrMapOvr>
+    <a:masterClrMapping/>
+  </p:clrMapOvr>
+</p:notes>
+</file>
+
+<file path=ppt/notesSlides/notesSlide15.xml><?xml version="1.0" encoding="utf-8"?>
+<p:notes xmlns:a="http://schemas.openxmlformats.org/drawingml/2006/main" xmlns:r="http://schemas.openxmlformats.org/officeDocument/2006/relationships" xmlns:mc="http://schemas.openxmlformats.org/markup-compatibility/2006" xmlns:mv="urn:schemas-microsoft-com:mac:vml" xmlns:p="http://schemas.openxmlformats.org/presentationml/2006/main" xmlns:c="http://schemas.openxmlformats.org/drawingml/2006/chart" xmlns:dgm="http://schemas.openxmlformats.org/drawingml/2006/diagram" xmlns:o="urn:schemas-microsoft-com:office:office" xmlns:v="urn:schemas-microsoft-com:vml" xmlns:pvml="urn:schemas-microsoft-com:office:powerpoint" xmlns:com="http://schemas.openxmlformats.org/drawingml/2006/compatibility" xmlns:p14="http://schemas.microsoft.com/office/powerpoint/2010/main" xmlns:p15="http://schemas.microsoft.com/office/powerpoint/2012/main" xmlns:ahyp="http://schemas.microsoft.com/office/drawing/2018/hyperlinkcolor" showMasterPhAnim="0" showMasterSp="0">
+  <p:cSld>
+    <p:spTree>
+      <p:nvGrpSpPr>
+        <p:cNvPr id="245" name="Shape 245"/>
+        <p:cNvGrpSpPr/>
+        <p:nvPr/>
+      </p:nvGrpSpPr>
+      <p:grpSpPr>
+        <a:xfrm>
+          <a:off x="0" y="0"/>
+          <a:ext cx="0" cy="0"/>
+          <a:chOff x="0" y="0"/>
+          <a:chExt cx="0" cy="0"/>
+        </a:xfrm>
+      </p:grpSpPr>
+      <p:sp>
+        <p:nvSpPr>
+          <p:cNvPr id="246" name="Google Shape;246;g12e5ee9067f_0_19:notes"/>
+          <p:cNvSpPr/>
+          <p:nvPr>
+            <p:ph idx="2" type="sldImg"/>
+          </p:nvPr>
+        </p:nvSpPr>
+        <p:spPr>
+          <a:xfrm>
+            <a:off x="381300" y="685800"/>
+            <a:ext cx="6096000" cy="3429000"/>
+          </a:xfrm>
+          <a:custGeom>
+            <a:rect b="b" l="l" r="r" t="t"/>
+            <a:pathLst>
+              <a:path extrusionOk="0" h="120000" w="120000">
+                <a:moveTo>
+                  <a:pt x="0" y="0"/>
+                </a:moveTo>
+                <a:lnTo>
+                  <a:pt x="120000" y="0"/>
+                </a:lnTo>
+                <a:lnTo>
+                  <a:pt x="120000" y="120000"/>
+                </a:lnTo>
+                <a:lnTo>
+                  <a:pt x="0" y="120000"/>
+                </a:lnTo>
+                <a:close/>
+              </a:path>
+            </a:pathLst>
+          </a:custGeom>
+        </p:spPr>
+      </p:sp>
+      <p:sp>
+        <p:nvSpPr>
+          <p:cNvPr id="247" name="Google Shape;247;g12e5ee9067f_0_19:notes"/>
+          <p:cNvSpPr txBox="1"/>
+          <p:nvPr>
+            <p:ph idx="1" type="body"/>
+          </p:nvPr>
+        </p:nvSpPr>
+        <p:spPr>
+          <a:xfrm>
+            <a:off x="685800" y="4343400"/>
+            <a:ext cx="5486400" cy="4114800"/>
+          </a:xfrm>
+          <a:prstGeom prst="rect">
+            <a:avLst/>
+          </a:prstGeom>
+        </p:spPr>
+        <p:txBody>
+          <a:bodyPr anchorCtr="0" anchor="t" bIns="91425" lIns="91425" spcFirstLastPara="1" rIns="91425" wrap="square" tIns="91425">
+            <a:noAutofit/>
+          </a:bodyPr>
+          <a:lstStyle/>
+          <a:p>
+            <a:pPr indent="0" lvl="0" marL="0" rtl="0" algn="l">
+              <a:spcBef>
+                <a:spcPts val="0"/>
+              </a:spcBef>
+              <a:spcAft>
+                <a:spcPts val="0"/>
+              </a:spcAft>
+              <a:buNone/>
+            </a:pPr>
+            <a:r>
+              <a:t/>
             </a:r>
             <a:endParaRPr/>
           </a:p>
-          <a:p>
-            <a:pPr indent="-298450" lvl="2" marL="1371600" rtl="0" algn="l">
-              <a:spcBef>
-                <a:spcPts val="0"/>
-              </a:spcBef>
-              <a:spcAft>
-                <a:spcPts val="0"/>
-              </a:spcAft>
-              <a:buSzPts val="1100"/>
-              <a:buChar char="■"/>
-            </a:pPr>
-            <a:r>
-              <a:rPr lang="en"/>
-              <a:t>To build our </a:t>
-            </a:r>
-            <a:r>
-              <a:rPr lang="en"/>
-              <a:t>machine learning model, we used the language Python. Within Python, we used Pandas, PySpark, and Matplotlib.</a:t>
-            </a:r>
-            <a:endParaRPr/>
-          </a:p>
-          <a:p>
-            <a:pPr indent="-298450" lvl="3" marL="1828800" rtl="0" algn="l">
-              <a:spcBef>
-                <a:spcPts val="0"/>
-              </a:spcBef>
-              <a:spcAft>
-                <a:spcPts val="0"/>
-              </a:spcAft>
-              <a:buSzPts val="1100"/>
-              <a:buChar char="●"/>
-            </a:pPr>
-            <a:r>
-              <a:rPr lang="en"/>
-              <a:t>Pandas allows us to load a CSV file with all the data we are trying to analyze directly into our notebook. From there we can create tables and dataframes with our data to conduct our analysis.</a:t>
-            </a:r>
-            <a:endParaRPr/>
-          </a:p>
-          <a:p>
-            <a:pPr indent="-298450" lvl="3" marL="1828800" rtl="0" algn="l">
-              <a:spcBef>
-                <a:spcPts val="0"/>
-              </a:spcBef>
-              <a:spcAft>
-                <a:spcPts val="0"/>
-              </a:spcAft>
-              <a:buSzPts val="1100"/>
-              <a:buChar char="●"/>
-            </a:pPr>
-            <a:r>
-              <a:rPr lang="en"/>
-              <a:t>PySpark allows us to load our data from Amazon Web Services into our notebook over the cloud. Similarly to Pandas, we were able to create schemas to visualize the data in table formatting.</a:t>
-            </a:r>
-            <a:endParaRPr/>
-          </a:p>
-          <a:p>
-            <a:pPr indent="-298450" lvl="3" marL="1828800" rtl="0" algn="l">
-              <a:spcBef>
-                <a:spcPts val="0"/>
-              </a:spcBef>
-              <a:spcAft>
-                <a:spcPts val="0"/>
-              </a:spcAft>
-              <a:buSzPts val="1100"/>
-              <a:buChar char="●"/>
-            </a:pPr>
-            <a:r>
-              <a:rPr lang="en"/>
-              <a:t>Matplotlib and Seaborn are programs that allowed us to create visualizations of our analysis so we could further comprehend what the data is telling us. The visual graphs and charts used in our presentation were created using these programs.</a:t>
-            </a:r>
-            <a:endParaRPr/>
-          </a:p>
+        </p:txBody>
+      </p:sp>
+    </p:spTree>
+  </p:cSld>
+  <p:clrMapOvr>
+    <a:masterClrMapping/>
+  </p:clrMapOvr>
+</p:notes>
+</file>
+
+<file path=ppt/notesSlides/notesSlide16.xml><?xml version="1.0" encoding="utf-8"?>
+<p:notes xmlns:a="http://schemas.openxmlformats.org/drawingml/2006/main" xmlns:r="http://schemas.openxmlformats.org/officeDocument/2006/relationships" xmlns:mc="http://schemas.openxmlformats.org/markup-compatibility/2006" xmlns:mv="urn:schemas-microsoft-com:mac:vml" xmlns:p="http://schemas.openxmlformats.org/presentationml/2006/main" xmlns:c="http://schemas.openxmlformats.org/drawingml/2006/chart" xmlns:dgm="http://schemas.openxmlformats.org/drawingml/2006/diagram" xmlns:o="urn:schemas-microsoft-com:office:office" xmlns:v="urn:schemas-microsoft-com:vml" xmlns:pvml="urn:schemas-microsoft-com:office:powerpoint" xmlns:com="http://schemas.openxmlformats.org/drawingml/2006/compatibility" xmlns:p14="http://schemas.microsoft.com/office/powerpoint/2010/main" xmlns:p15="http://schemas.microsoft.com/office/powerpoint/2012/main" xmlns:ahyp="http://schemas.microsoft.com/office/drawing/2018/hyperlinkcolor" showMasterPhAnim="0" showMasterSp="0">
+  <p:cSld>
+    <p:spTree>
+      <p:nvGrpSpPr>
+        <p:cNvPr id="251" name="Shape 251"/>
+        <p:cNvGrpSpPr/>
+        <p:nvPr/>
+      </p:nvGrpSpPr>
+      <p:grpSpPr>
+        <a:xfrm>
+          <a:off x="0" y="0"/>
+          <a:ext cx="0" cy="0"/>
+          <a:chOff x="0" y="0"/>
+          <a:chExt cx="0" cy="0"/>
+        </a:xfrm>
+      </p:grpSpPr>
+      <p:sp>
+        <p:nvSpPr>
+          <p:cNvPr id="252" name="Google Shape;252;g12e5ee9067f_0_14:notes"/>
+          <p:cNvSpPr/>
+          <p:nvPr>
+            <p:ph idx="2" type="sldImg"/>
+          </p:nvPr>
+        </p:nvSpPr>
+        <p:spPr>
+          <a:xfrm>
+            <a:off x="381300" y="685800"/>
+            <a:ext cx="6096000" cy="3429000"/>
+          </a:xfrm>
+          <a:custGeom>
+            <a:rect b="b" l="l" r="r" t="t"/>
+            <a:pathLst>
+              <a:path extrusionOk="0" h="120000" w="120000">
+                <a:moveTo>
+                  <a:pt x="0" y="0"/>
+                </a:moveTo>
+                <a:lnTo>
+                  <a:pt x="120000" y="0"/>
+                </a:lnTo>
+                <a:lnTo>
+                  <a:pt x="120000" y="120000"/>
+                </a:lnTo>
+                <a:lnTo>
+                  <a:pt x="0" y="120000"/>
+                </a:lnTo>
+                <a:close/>
+              </a:path>
+            </a:pathLst>
+          </a:custGeom>
+        </p:spPr>
+      </p:sp>
+      <p:sp>
+        <p:nvSpPr>
+          <p:cNvPr id="253" name="Google Shape;253;g12e5ee9067f_0_14:notes"/>
+          <p:cNvSpPr txBox="1"/>
+          <p:nvPr>
+            <p:ph idx="1" type="body"/>
+          </p:nvPr>
+        </p:nvSpPr>
+        <p:spPr>
+          <a:xfrm>
+            <a:off x="685800" y="4343400"/>
+            <a:ext cx="5486400" cy="4114800"/>
+          </a:xfrm>
+          <a:prstGeom prst="rect">
+            <a:avLst/>
+          </a:prstGeom>
+        </p:spPr>
+        <p:txBody>
+          <a:bodyPr anchorCtr="0" anchor="t" bIns="91425" lIns="91425" spcFirstLastPara="1" rIns="91425" wrap="square" tIns="91425">
+            <a:noAutofit/>
+          </a:bodyPr>
+          <a:lstStyle/>
           <a:p>
             <a:pPr indent="0" lvl="0" marL="0" rtl="0" algn="l">
               <a:spcBef>
@@ -1353,85 +1910,6 @@
             </a:pPr>
             <a:r>
               <a:t/>
-            </a:r>
-            <a:endParaRPr/>
-          </a:p>
-          <a:p>
-            <a:pPr indent="0" lvl="0" marL="0" rtl="0" algn="l">
-              <a:spcBef>
-                <a:spcPts val="0"/>
-              </a:spcBef>
-              <a:spcAft>
-                <a:spcPts val="0"/>
-              </a:spcAft>
-              <a:buNone/>
-            </a:pPr>
-            <a:r>
-              <a:rPr lang="en"/>
-              <a:t>DataBase:</a:t>
-            </a:r>
-            <a:endParaRPr/>
-          </a:p>
-          <a:p>
-            <a:pPr indent="0" lvl="0" marL="0" rtl="0" algn="l">
-              <a:spcBef>
-                <a:spcPts val="0"/>
-              </a:spcBef>
-              <a:spcAft>
-                <a:spcPts val="0"/>
-              </a:spcAft>
-              <a:buNone/>
-            </a:pPr>
-            <a:r>
-              <a:rPr lang="en"/>
-              <a:t>Read from slide</a:t>
-            </a:r>
-            <a:endParaRPr/>
-          </a:p>
-          <a:p>
-            <a:pPr indent="0" lvl="0" marL="0" rtl="0" algn="l">
-              <a:spcBef>
-                <a:spcPts val="0"/>
-              </a:spcBef>
-              <a:spcAft>
-                <a:spcPts val="0"/>
-              </a:spcAft>
-              <a:buNone/>
-            </a:pPr>
-            <a:r>
-              <a:t/>
-            </a:r>
-            <a:endParaRPr/>
-          </a:p>
-          <a:p>
-            <a:pPr indent="0" lvl="0" marL="0" rtl="0" algn="l">
-              <a:spcBef>
-                <a:spcPts val="0"/>
-              </a:spcBef>
-              <a:spcAft>
-                <a:spcPts val="0"/>
-              </a:spcAft>
-              <a:buNone/>
-            </a:pPr>
-            <a:r>
-              <a:rPr lang="en"/>
-              <a:t>Interactive Visualization:</a:t>
-            </a:r>
-            <a:endParaRPr/>
-          </a:p>
-          <a:p>
-            <a:pPr indent="0" lvl="0" marL="0" rtl="0" algn="l">
-              <a:spcBef>
-                <a:spcPts val="0"/>
-              </a:spcBef>
-              <a:spcAft>
-                <a:spcPts val="0"/>
-              </a:spcAft>
-              <a:buNone/>
-            </a:pPr>
-            <a:r>
-              <a:rPr lang="en"/>
-              <a:t>Read from slide</a:t>
             </a:r>
             <a:endParaRPr/>
           </a:p>
@@ -1531,6 +2009,37 @@
             </a:pPr>
             <a:r>
               <a:rPr lang="en"/>
+              <a:t>MacKenzie</a:t>
+            </a:r>
+            <a:endParaRPr/>
+          </a:p>
+          <a:p>
+            <a:pPr indent="0" lvl="0" marL="0" rtl="0" algn="l">
+              <a:spcBef>
+                <a:spcPts val="0"/>
+              </a:spcBef>
+              <a:spcAft>
+                <a:spcPts val="0"/>
+              </a:spcAft>
+              <a:buNone/>
+            </a:pPr>
+            <a:r>
+              <a:t/>
+            </a:r>
+            <a:endParaRPr/>
+          </a:p>
+          <a:p>
+            <a:pPr indent="0" lvl="0" marL="0" rtl="0" algn="l">
+              <a:spcBef>
+                <a:spcPts val="0"/>
+              </a:spcBef>
+              <a:spcAft>
+                <a:spcPts val="0"/>
+              </a:spcAft>
+              <a:buNone/>
+            </a:pPr>
+            <a:r>
+              <a:rPr lang="en"/>
               <a:t>Breast cancer is the most common type of cancer in women following skin cancer. </a:t>
             </a:r>
             <a:endParaRPr/>
@@ -1683,6 +2192,37 @@
             </a:pPr>
             <a:r>
               <a:rPr lang="en"/>
+              <a:t>MacKenzie</a:t>
+            </a:r>
+            <a:endParaRPr/>
+          </a:p>
+          <a:p>
+            <a:pPr indent="0" lvl="0" marL="0" rtl="0" algn="l">
+              <a:spcBef>
+                <a:spcPts val="0"/>
+              </a:spcBef>
+              <a:spcAft>
+                <a:spcPts val="0"/>
+              </a:spcAft>
+              <a:buNone/>
+            </a:pPr>
+            <a:r>
+              <a:t/>
+            </a:r>
+            <a:endParaRPr/>
+          </a:p>
+          <a:p>
+            <a:pPr indent="0" lvl="0" marL="0" rtl="0" algn="l">
+              <a:spcBef>
+                <a:spcPts val="0"/>
+              </a:spcBef>
+              <a:spcAft>
+                <a:spcPts val="0"/>
+              </a:spcAft>
+              <a:buNone/>
+            </a:pPr>
+            <a:r>
+              <a:rPr lang="en"/>
               <a:t>Before we get into the analysis part, let’s discuss what would actually be considered cancer.</a:t>
             </a:r>
             <a:endParaRPr/>
@@ -1747,7 +2287,7 @@
             </a:pPr>
             <a:r>
               <a:rPr lang="en"/>
-              <a:t>Simply put, one mutated cell does not mean mean it is cancer; there are other factors involved in the cells mutation over several generations that would lead to the cell to grow into cancerous tissue</a:t>
+              <a:t>Simply put, one mutated cell does not mean mean it is cancer; there are other factors involved in the cells mutation over several generations that would lead to the cell to grow into cancerous tissue.</a:t>
             </a:r>
             <a:endParaRPr/>
           </a:p>
@@ -1762,8 +2302,7 @@
               <a:buNone/>
             </a:pPr>
             <a:r>
-              <a:rPr lang="en"/>
-              <a:t>The figure shown shows the steps a cell and its daughter cells need to take to become cancerous.</a:t>
+              <a:t/>
             </a:r>
             <a:endParaRPr/>
           </a:p>
@@ -1879,7 +2418,182 @@
                 <a:cs typeface="Lato"/>
                 <a:sym typeface="Lato"/>
               </a:rPr>
+              <a:t>MacKenzie</a:t>
+            </a:r>
+            <a:endParaRPr sz="1135">
+              <a:solidFill>
+                <a:schemeClr val="dk1"/>
+              </a:solidFill>
+              <a:latin typeface="Lato"/>
+              <a:ea typeface="Lato"/>
+              <a:cs typeface="Lato"/>
+              <a:sym typeface="Lato"/>
+            </a:endParaRPr>
+          </a:p>
+          <a:p>
+            <a:pPr indent="0" lvl="0" marL="0" rtl="0" algn="l">
+              <a:lnSpc>
+                <a:spcPct val="95000"/>
+              </a:lnSpc>
+              <a:spcBef>
+                <a:spcPts val="0"/>
+              </a:spcBef>
+              <a:spcAft>
+                <a:spcPts val="0"/>
+              </a:spcAft>
+              <a:buClr>
+                <a:schemeClr val="dk1"/>
+              </a:buClr>
+              <a:buSzPts val="935"/>
+              <a:buFont typeface="Arial"/>
+              <a:buNone/>
+            </a:pPr>
+            <a:r>
+              <a:t/>
+            </a:r>
+            <a:endParaRPr sz="1135">
+              <a:solidFill>
+                <a:schemeClr val="dk1"/>
+              </a:solidFill>
+              <a:latin typeface="Lato"/>
+              <a:ea typeface="Lato"/>
+              <a:cs typeface="Lato"/>
+              <a:sym typeface="Lato"/>
+            </a:endParaRPr>
+          </a:p>
+          <a:p>
+            <a:pPr indent="0" lvl="0" marL="0" rtl="0" algn="l">
+              <a:lnSpc>
+                <a:spcPct val="95000"/>
+              </a:lnSpc>
+              <a:spcBef>
+                <a:spcPts val="0"/>
+              </a:spcBef>
+              <a:spcAft>
+                <a:spcPts val="0"/>
+              </a:spcAft>
+              <a:buClr>
+                <a:schemeClr val="dk1"/>
+              </a:buClr>
+              <a:buSzPts val="935"/>
+              <a:buFont typeface="Arial"/>
+              <a:buNone/>
+            </a:pPr>
+            <a:r>
+              <a:rPr lang="en" sz="1135">
+                <a:solidFill>
+                  <a:schemeClr val="dk1"/>
+                </a:solidFill>
+                <a:latin typeface="Lato"/>
+                <a:ea typeface="Lato"/>
+                <a:cs typeface="Lato"/>
+                <a:sym typeface="Lato"/>
+              </a:rPr>
               <a:t>Our dataset consists of measurements taken of cells using FNA, or fine needle aspiration, from people with suspected tumors.</a:t>
+            </a:r>
+            <a:endParaRPr sz="1135">
+              <a:solidFill>
+                <a:schemeClr val="dk1"/>
+              </a:solidFill>
+              <a:latin typeface="Lato"/>
+              <a:ea typeface="Lato"/>
+              <a:cs typeface="Lato"/>
+              <a:sym typeface="Lato"/>
+            </a:endParaRPr>
+          </a:p>
+          <a:p>
+            <a:pPr indent="0" lvl="0" marL="0" rtl="0" algn="l">
+              <a:lnSpc>
+                <a:spcPct val="95000"/>
+              </a:lnSpc>
+              <a:spcBef>
+                <a:spcPts val="0"/>
+              </a:spcBef>
+              <a:spcAft>
+                <a:spcPts val="0"/>
+              </a:spcAft>
+              <a:buClr>
+                <a:schemeClr val="dk1"/>
+              </a:buClr>
+              <a:buSzPts val="935"/>
+              <a:buFont typeface="Arial"/>
+              <a:buNone/>
+            </a:pPr>
+            <a:r>
+              <a:rPr lang="en" sz="1135">
+                <a:solidFill>
+                  <a:schemeClr val="dk1"/>
+                </a:solidFill>
+                <a:latin typeface="Lato"/>
+                <a:ea typeface="Lato"/>
+                <a:cs typeface="Lato"/>
+                <a:sym typeface="Lato"/>
+              </a:rPr>
+              <a:t>The image to the right shows how each sample would have been taken from each patient using this method.</a:t>
+            </a:r>
+            <a:endParaRPr sz="1135">
+              <a:solidFill>
+                <a:schemeClr val="dk1"/>
+              </a:solidFill>
+              <a:latin typeface="Lato"/>
+              <a:ea typeface="Lato"/>
+              <a:cs typeface="Lato"/>
+              <a:sym typeface="Lato"/>
+            </a:endParaRPr>
+          </a:p>
+          <a:p>
+            <a:pPr indent="0" lvl="0" marL="0" rtl="0" algn="l">
+              <a:lnSpc>
+                <a:spcPct val="95000"/>
+              </a:lnSpc>
+              <a:spcBef>
+                <a:spcPts val="0"/>
+              </a:spcBef>
+              <a:spcAft>
+                <a:spcPts val="0"/>
+              </a:spcAft>
+              <a:buClr>
+                <a:schemeClr val="dk1"/>
+              </a:buClr>
+              <a:buSzPts val="935"/>
+              <a:buFont typeface="Arial"/>
+              <a:buNone/>
+            </a:pPr>
+            <a:r>
+              <a:rPr lang="en" sz="1135">
+                <a:solidFill>
+                  <a:schemeClr val="dk1"/>
+                </a:solidFill>
+                <a:latin typeface="Lato"/>
+                <a:ea typeface="Lato"/>
+                <a:cs typeface="Lato"/>
+                <a:sym typeface="Lato"/>
+              </a:rPr>
+              <a:t>The ultrasound would locate the tumor within the breast tissue and then be used to guide the needle to the desired location to </a:t>
+            </a:r>
+            <a:r>
+              <a:rPr lang="en" sz="1135">
+                <a:solidFill>
+                  <a:schemeClr val="dk1"/>
+                </a:solidFill>
+                <a:latin typeface="Lato"/>
+                <a:ea typeface="Lato"/>
+                <a:cs typeface="Lato"/>
+                <a:sym typeface="Lato"/>
+              </a:rPr>
+              <a:t>acquire</a:t>
+            </a:r>
+            <a:r>
+              <a:rPr lang="en" sz="1135">
+                <a:solidFill>
+                  <a:schemeClr val="dk1"/>
+                </a:solidFill>
+                <a:latin typeface="Lato"/>
+                <a:ea typeface="Lato"/>
+                <a:cs typeface="Lato"/>
+                <a:sym typeface="Lato"/>
+              </a:rPr>
+              <a:t> the sample.</a:t>
             </a:r>
             <a:endParaRPr sz="1135">
               <a:solidFill>
@@ -2647,7 +3361,7 @@
   <p:cSld>
     <p:spTree>
       <p:nvGrpSpPr>
-        <p:cNvPr id="163" name="Shape 163"/>
+        <p:cNvPr id="164" name="Shape 164"/>
         <p:cNvGrpSpPr/>
         <p:nvPr/>
       </p:nvGrpSpPr>
@@ -2661,7 +3375,7 @@
       </p:grpSpPr>
       <p:sp>
         <p:nvSpPr>
-          <p:cNvPr id="164" name="Google Shape;164;g12cae811305_0_5:notes"/>
+          <p:cNvPr id="165" name="Google Shape;165;g12cae811305_0_5:notes"/>
           <p:cNvSpPr/>
           <p:nvPr>
             <p:ph idx="2" type="sldImg"/>
@@ -2696,7 +3410,7 @@
       </p:sp>
       <p:sp>
         <p:nvSpPr>
-          <p:cNvPr id="165" name="Google Shape;165;g12cae811305_0_5:notes"/>
+          <p:cNvPr id="166" name="Google Shape;166;g12cae811305_0_5:notes"/>
           <p:cNvSpPr txBox="1"/>
           <p:nvPr>
             <p:ph idx="1" type="body"/>
@@ -2728,6 +3442,37 @@
             </a:pPr>
             <a:r>
               <a:rPr lang="en"/>
+              <a:t>Bryan</a:t>
+            </a:r>
+            <a:endParaRPr/>
+          </a:p>
+          <a:p>
+            <a:pPr indent="0" lvl="0" marL="0" rtl="0" algn="l">
+              <a:spcBef>
+                <a:spcPts val="0"/>
+              </a:spcBef>
+              <a:spcAft>
+                <a:spcPts val="0"/>
+              </a:spcAft>
+              <a:buNone/>
+            </a:pPr>
+            <a:r>
+              <a:t/>
+            </a:r>
+            <a:endParaRPr/>
+          </a:p>
+          <a:p>
+            <a:pPr indent="0" lvl="0" marL="0" rtl="0" algn="l">
+              <a:spcBef>
+                <a:spcPts val="0"/>
+              </a:spcBef>
+              <a:spcAft>
+                <a:spcPts val="0"/>
+              </a:spcAft>
+              <a:buNone/>
+            </a:pPr>
+            <a:r>
+              <a:rPr lang="en"/>
               <a:t>Read the slide</a:t>
             </a:r>
             <a:endParaRPr/>
@@ -2747,7 +3492,7 @@
   <p:cSld>
     <p:spTree>
       <p:nvGrpSpPr>
-        <p:cNvPr id="169" name="Shape 169"/>
+        <p:cNvPr id="170" name="Shape 170"/>
         <p:cNvGrpSpPr/>
         <p:nvPr/>
       </p:nvGrpSpPr>
@@ -2761,7 +3506,7 @@
       </p:grpSpPr>
       <p:sp>
         <p:nvSpPr>
-          <p:cNvPr id="170" name="Google Shape;170;g12cae811305_0_10:notes"/>
+          <p:cNvPr id="171" name="Google Shape;171;g12cae811305_0_49:notes"/>
           <p:cNvSpPr/>
           <p:nvPr>
             <p:ph idx="2" type="sldImg"/>
@@ -2796,7 +3541,7 @@
       </p:sp>
       <p:sp>
         <p:nvSpPr>
-          <p:cNvPr id="171" name="Google Shape;171;g12cae811305_0_10:notes"/>
+          <p:cNvPr id="172" name="Google Shape;172;g12cae811305_0_49:notes"/>
           <p:cNvSpPr txBox="1"/>
           <p:nvPr>
             <p:ph idx="1" type="body"/>
@@ -2828,7 +3573,7 @@
             </a:pPr>
             <a:r>
               <a:rPr lang="en"/>
-              <a:t>Our initial exploratory of the data allowed us to find correlation between certain features within our dataset.</a:t>
+              <a:t>Bryan</a:t>
             </a:r>
             <a:endParaRPr/>
           </a:p>
@@ -2843,16 +3588,223 @@
               <a:buNone/>
             </a:pPr>
             <a:r>
+              <a:t/>
+            </a:r>
+            <a:endParaRPr/>
+          </a:p>
+          <a:p>
+            <a:pPr indent="0" lvl="0" marL="0" rtl="0" algn="l">
+              <a:spcBef>
+                <a:spcPts val="0"/>
+              </a:spcBef>
+              <a:spcAft>
+                <a:spcPts val="0"/>
+              </a:spcAft>
+              <a:buNone/>
+            </a:pPr>
+            <a:r>
               <a:rPr lang="en"/>
-              <a:t>From there we decided to run a linear regression model on those features and then we decided to run a </a:t>
-            </a:r>
+              <a:t>Machine Learning Model:</a:t>
+            </a:r>
+            <a:endParaRPr/>
+          </a:p>
+          <a:p>
+            <a:pPr indent="-298450" lvl="0" marL="457200" rtl="0" algn="l">
+              <a:spcBef>
+                <a:spcPts val="0"/>
+              </a:spcBef>
+              <a:spcAft>
+                <a:spcPts val="0"/>
+              </a:spcAft>
+              <a:buSzPts val="1100"/>
+              <a:buChar char="●"/>
+            </a:pPr>
             <a:r>
               <a:rPr lang="en"/>
-              <a:t>logistic</a:t>
-            </a:r>
+              <a:t>For our machine learning model, we used Google Colab to write all our code so we can share it amongst all the people in our group since it uses the Cloud to save all our work and it allows us to load packages with ease.</a:t>
+            </a:r>
+            <a:endParaRPr/>
+          </a:p>
+          <a:p>
+            <a:pPr indent="-298450" lvl="1" marL="914400" rtl="0" algn="l">
+              <a:spcBef>
+                <a:spcPts val="0"/>
+              </a:spcBef>
+              <a:spcAft>
+                <a:spcPts val="0"/>
+              </a:spcAft>
+              <a:buSzPts val="1100"/>
+              <a:buChar char="○"/>
+            </a:pPr>
             <a:r>
               <a:rPr lang="en"/>
-              <a:t> regression on all the features in our dataset.</a:t>
+              <a:t>Languages</a:t>
+            </a:r>
+            <a:endParaRPr/>
+          </a:p>
+          <a:p>
+            <a:pPr indent="-298450" lvl="2" marL="1371600" rtl="0" algn="l">
+              <a:spcBef>
+                <a:spcPts val="0"/>
+              </a:spcBef>
+              <a:spcAft>
+                <a:spcPts val="0"/>
+              </a:spcAft>
+              <a:buSzPts val="1100"/>
+              <a:buChar char="■"/>
+            </a:pPr>
+            <a:r>
+              <a:rPr lang="en"/>
+              <a:t>To build our </a:t>
+            </a:r>
+            <a:r>
+              <a:rPr lang="en"/>
+              <a:t>machine learning model, we used the language Python. Within Python, we used Pandas, PySpark, and Matplotlib.</a:t>
+            </a:r>
+            <a:endParaRPr/>
+          </a:p>
+          <a:p>
+            <a:pPr indent="-298450" lvl="3" marL="1828800" rtl="0" algn="l">
+              <a:spcBef>
+                <a:spcPts val="0"/>
+              </a:spcBef>
+              <a:spcAft>
+                <a:spcPts val="0"/>
+              </a:spcAft>
+              <a:buSzPts val="1100"/>
+              <a:buChar char="●"/>
+            </a:pPr>
+            <a:r>
+              <a:rPr lang="en"/>
+              <a:t>Pandas allows us to load a CSV file with all the data we are trying to analyze directly into our notebook. From there we can create tables and dataframes with our data to conduct our analysis.</a:t>
+            </a:r>
+            <a:endParaRPr/>
+          </a:p>
+          <a:p>
+            <a:pPr indent="-298450" lvl="3" marL="1828800" rtl="0" algn="l">
+              <a:spcBef>
+                <a:spcPts val="0"/>
+              </a:spcBef>
+              <a:spcAft>
+                <a:spcPts val="0"/>
+              </a:spcAft>
+              <a:buSzPts val="1100"/>
+              <a:buChar char="●"/>
+            </a:pPr>
+            <a:r>
+              <a:rPr lang="en"/>
+              <a:t>PySpark allows us to load our data from Amazon Web Services into our notebook over the cloud. Similarly to Pandas, we were able to create schemas to visualize the data in table formatting.</a:t>
+            </a:r>
+            <a:endParaRPr/>
+          </a:p>
+          <a:p>
+            <a:pPr indent="-298450" lvl="3" marL="1828800" rtl="0" algn="l">
+              <a:spcBef>
+                <a:spcPts val="0"/>
+              </a:spcBef>
+              <a:spcAft>
+                <a:spcPts val="0"/>
+              </a:spcAft>
+              <a:buSzPts val="1100"/>
+              <a:buChar char="●"/>
+            </a:pPr>
+            <a:r>
+              <a:rPr lang="en"/>
+              <a:t>Matplotlib and Seaborn are programs that allowed us to create visualizations of our analysis so we could further comprehend what the data is telling us. The visual graphs and charts used in our presentation were created using these programs.</a:t>
+            </a:r>
+            <a:endParaRPr/>
+          </a:p>
+          <a:p>
+            <a:pPr indent="0" lvl="0" marL="0" rtl="0" algn="l">
+              <a:spcBef>
+                <a:spcPts val="0"/>
+              </a:spcBef>
+              <a:spcAft>
+                <a:spcPts val="0"/>
+              </a:spcAft>
+              <a:buNone/>
+            </a:pPr>
+            <a:r>
+              <a:t/>
+            </a:r>
+            <a:endParaRPr/>
+          </a:p>
+          <a:p>
+            <a:pPr indent="0" lvl="0" marL="0" rtl="0" algn="l">
+              <a:spcBef>
+                <a:spcPts val="0"/>
+              </a:spcBef>
+              <a:spcAft>
+                <a:spcPts val="0"/>
+              </a:spcAft>
+              <a:buNone/>
+            </a:pPr>
+            <a:r>
+              <a:rPr lang="en"/>
+              <a:t>DataBase:</a:t>
+            </a:r>
+            <a:endParaRPr/>
+          </a:p>
+          <a:p>
+            <a:pPr indent="0" lvl="0" marL="0" rtl="0" algn="l">
+              <a:spcBef>
+                <a:spcPts val="0"/>
+              </a:spcBef>
+              <a:spcAft>
+                <a:spcPts val="0"/>
+              </a:spcAft>
+              <a:buNone/>
+            </a:pPr>
+            <a:r>
+              <a:rPr lang="en"/>
+              <a:t>Read from slide</a:t>
+            </a:r>
+            <a:endParaRPr/>
+          </a:p>
+          <a:p>
+            <a:pPr indent="0" lvl="0" marL="0" rtl="0" algn="l">
+              <a:spcBef>
+                <a:spcPts val="0"/>
+              </a:spcBef>
+              <a:spcAft>
+                <a:spcPts val="0"/>
+              </a:spcAft>
+              <a:buNone/>
+            </a:pPr>
+            <a:r>
+              <a:t/>
+            </a:r>
+            <a:endParaRPr/>
+          </a:p>
+          <a:p>
+            <a:pPr indent="0" lvl="0" marL="0" rtl="0" algn="l">
+              <a:spcBef>
+                <a:spcPts val="0"/>
+              </a:spcBef>
+              <a:spcAft>
+                <a:spcPts val="0"/>
+              </a:spcAft>
+              <a:buNone/>
+            </a:pPr>
+            <a:r>
+              <a:rPr lang="en"/>
+              <a:t>Interactive Visualization:</a:t>
+            </a:r>
+            <a:endParaRPr/>
+          </a:p>
+          <a:p>
+            <a:pPr indent="0" lvl="0" marL="0" rtl="0" algn="l">
+              <a:spcBef>
+                <a:spcPts val="0"/>
+              </a:spcBef>
+              <a:spcAft>
+                <a:spcPts val="0"/>
+              </a:spcAft>
+              <a:buNone/>
+            </a:pPr>
+            <a:r>
+              <a:rPr lang="en"/>
+              <a:t>Read from slide</a:t>
             </a:r>
             <a:endParaRPr/>
           </a:p>
@@ -2871,7 +3823,7 @@
   <p:cSld>
     <p:spTree>
       <p:nvGrpSpPr>
-        <p:cNvPr id="182" name="Shape 182"/>
+        <p:cNvPr id="176" name="Shape 176"/>
         <p:cNvGrpSpPr/>
         <p:nvPr/>
       </p:nvGrpSpPr>
@@ -2885,7 +3837,7 @@
       </p:grpSpPr>
       <p:sp>
         <p:nvSpPr>
-          <p:cNvPr id="183" name="Google Shape;183;g12cae811305_0_22:notes"/>
+          <p:cNvPr id="177" name="Google Shape;177;g12cae811305_0_10:notes"/>
           <p:cNvSpPr/>
           <p:nvPr>
             <p:ph idx="2" type="sldImg"/>
@@ -2920,7 +3872,7 @@
       </p:sp>
       <p:sp>
         <p:nvSpPr>
-          <p:cNvPr id="184" name="Google Shape;184;g12cae811305_0_22:notes"/>
+          <p:cNvPr id="178" name="Google Shape;178;g12cae811305_0_10:notes"/>
           <p:cNvSpPr txBox="1"/>
           <p:nvPr>
             <p:ph idx="1" type="body"/>
@@ -2951,26 +3903,10 @@
               <a:buNone/>
             </a:pPr>
             <a:r>
-              <a:rPr lang="en">
-                <a:solidFill>
-                  <a:schemeClr val="dk1"/>
-                </a:solidFill>
-                <a:latin typeface="Lato"/>
-                <a:ea typeface="Lato"/>
-                <a:cs typeface="Lato"/>
-                <a:sym typeface="Lato"/>
-              </a:rPr>
-              <a:t>The figure to the right provides the correlation of all our features against themselves by shading does of high correlation closer to the color Purple and those with less correlation white or light red.</a:t>
-            </a:r>
-            <a:endParaRPr>
-              <a:solidFill>
-                <a:schemeClr val="dk1"/>
-              </a:solidFill>
-              <a:latin typeface="Lato"/>
-              <a:ea typeface="Lato"/>
-              <a:cs typeface="Lato"/>
-              <a:sym typeface="Lato"/>
-            </a:endParaRPr>
+              <a:rPr lang="en"/>
+              <a:t>Bryan</a:t>
+            </a:r>
+            <a:endParaRPr/>
           </a:p>
           <a:p>
             <a:pPr indent="0" lvl="0" marL="0" rtl="0" algn="l">
@@ -2980,34 +3916,52 @@
               <a:spcAft>
                 <a:spcPts val="0"/>
               </a:spcAft>
-              <a:buClr>
-                <a:schemeClr val="dk1"/>
-              </a:buClr>
-              <a:buSzPts val="1100"/>
-              <a:buFont typeface="Arial"/>
-              <a:buNone/>
-            </a:pPr>
-            <a:r>
-              <a:rPr lang="en">
-                <a:solidFill>
-                  <a:schemeClr val="dk1"/>
-                </a:solidFill>
-                <a:latin typeface="Lato"/>
-                <a:ea typeface="Lato"/>
-                <a:cs typeface="Lato"/>
-                <a:sym typeface="Lato"/>
-              </a:rPr>
-              <a:t>From looking at the heat map, we created tables based off the features that have the features that correlate with each other the most</a:t>
-            </a:r>
-            <a:endParaRPr>
-              <a:solidFill>
-                <a:schemeClr val="dk1"/>
-              </a:solidFill>
-              <a:latin typeface="Lato"/>
-              <a:ea typeface="Lato"/>
-              <a:cs typeface="Lato"/>
-              <a:sym typeface="Lato"/>
-            </a:endParaRPr>
+              <a:buNone/>
+            </a:pPr>
+            <a:r>
+              <a:t/>
+            </a:r>
+            <a:endParaRPr/>
+          </a:p>
+          <a:p>
+            <a:pPr indent="0" lvl="0" marL="0" rtl="0" algn="l">
+              <a:spcBef>
+                <a:spcPts val="0"/>
+              </a:spcBef>
+              <a:spcAft>
+                <a:spcPts val="0"/>
+              </a:spcAft>
+              <a:buNone/>
+            </a:pPr>
+            <a:r>
+              <a:rPr lang="en"/>
+              <a:t>Our initial exploratory of the data allowed us to find correlation between certain features within our dataset.</a:t>
+            </a:r>
+            <a:endParaRPr/>
+          </a:p>
+          <a:p>
+            <a:pPr indent="0" lvl="0" marL="0" rtl="0" algn="l">
+              <a:spcBef>
+                <a:spcPts val="0"/>
+              </a:spcBef>
+              <a:spcAft>
+                <a:spcPts val="0"/>
+              </a:spcAft>
+              <a:buNone/>
+            </a:pPr>
+            <a:r>
+              <a:rPr lang="en"/>
+              <a:t>From there we decided to run a linear regression model on those features and then we decided to run a </a:t>
+            </a:r>
+            <a:r>
+              <a:rPr lang="en"/>
+              <a:t>logistic</a:t>
+            </a:r>
+            <a:r>
+              <a:rPr lang="en"/>
+              <a:t> regression on all the features in our dataset.</a:t>
+            </a:r>
+            <a:endParaRPr/>
           </a:p>
         </p:txBody>
       </p:sp>
@@ -3024,7 +3978,7 @@
   <p:cSld>
     <p:spTree>
       <p:nvGrpSpPr>
-        <p:cNvPr id="191" name="Shape 191"/>
+        <p:cNvPr id="189" name="Shape 189"/>
         <p:cNvGrpSpPr/>
         <p:nvPr/>
       </p:nvGrpSpPr>
@@ -3038,7 +3992,7 @@
       </p:grpSpPr>
       <p:sp>
         <p:nvSpPr>
-          <p:cNvPr id="192" name="Google Shape;192;g12cae811305_0_29:notes"/>
+          <p:cNvPr id="190" name="Google Shape;190;g12cae811305_0_22:notes"/>
           <p:cNvSpPr/>
           <p:nvPr>
             <p:ph idx="2" type="sldImg"/>
@@ -3073,7 +4027,7 @@
       </p:sp>
       <p:sp>
         <p:nvSpPr>
-          <p:cNvPr id="193" name="Google Shape;193;g12cae811305_0_29:notes"/>
+          <p:cNvPr id="191" name="Google Shape;191;g12cae811305_0_22:notes"/>
           <p:cNvSpPr txBox="1"/>
           <p:nvPr>
             <p:ph idx="1" type="body"/>
@@ -3104,26 +4058,118 @@
               <a:buNone/>
             </a:pPr>
             <a:r>
-              <a:rPr lang="en"/>
-              <a:t>After running the classification report and the confusion matrix, we can see that the model was </a:t>
-            </a:r>
-            <a:r>
-              <a:rPr lang="en"/>
-              <a:t>extremely</a:t>
-            </a:r>
-            <a:r>
-              <a:rPr lang="en"/>
-              <a:t> accurate </a:t>
-            </a:r>
-            <a:r>
-              <a:rPr lang="en"/>
-              <a:t>across</a:t>
-            </a:r>
-            <a:r>
-              <a:rPr lang="en"/>
-              <a:t> all the fields. From there, we ran our accuracy scores.</a:t>
-            </a:r>
-            <a:endParaRPr/>
+              <a:rPr lang="en">
+                <a:solidFill>
+                  <a:schemeClr val="dk1"/>
+                </a:solidFill>
+                <a:latin typeface="Lato"/>
+                <a:ea typeface="Lato"/>
+                <a:cs typeface="Lato"/>
+                <a:sym typeface="Lato"/>
+              </a:rPr>
+              <a:t>Kenny </a:t>
+            </a:r>
+            <a:endParaRPr>
+              <a:solidFill>
+                <a:schemeClr val="dk1"/>
+              </a:solidFill>
+              <a:latin typeface="Lato"/>
+              <a:ea typeface="Lato"/>
+              <a:cs typeface="Lato"/>
+              <a:sym typeface="Lato"/>
+            </a:endParaRPr>
+          </a:p>
+          <a:p>
+            <a:pPr indent="0" lvl="0" marL="0" rtl="0" algn="l">
+              <a:spcBef>
+                <a:spcPts val="0"/>
+              </a:spcBef>
+              <a:spcAft>
+                <a:spcPts val="0"/>
+              </a:spcAft>
+              <a:buNone/>
+            </a:pPr>
+            <a:r>
+              <a:t/>
+            </a:r>
+            <a:endParaRPr>
+              <a:solidFill>
+                <a:schemeClr val="dk1"/>
+              </a:solidFill>
+              <a:latin typeface="Lato"/>
+              <a:ea typeface="Lato"/>
+              <a:cs typeface="Lato"/>
+              <a:sym typeface="Lato"/>
+            </a:endParaRPr>
+          </a:p>
+          <a:p>
+            <a:pPr indent="0" lvl="0" marL="0" rtl="0" algn="l">
+              <a:spcBef>
+                <a:spcPts val="0"/>
+              </a:spcBef>
+              <a:spcAft>
+                <a:spcPts val="0"/>
+              </a:spcAft>
+              <a:buNone/>
+            </a:pPr>
+            <a:r>
+              <a:rPr lang="en">
+                <a:solidFill>
+                  <a:schemeClr val="dk1"/>
+                </a:solidFill>
+                <a:latin typeface="Lato"/>
+                <a:ea typeface="Lato"/>
+                <a:cs typeface="Lato"/>
+                <a:sym typeface="Lato"/>
+              </a:rPr>
+              <a:t>The figure to the right provides the correlation of all our features against themselves by shading does of high correlation closer to the color Purple and those with less correlation white or light red.</a:t>
+            </a:r>
+            <a:endParaRPr>
+              <a:solidFill>
+                <a:schemeClr val="dk1"/>
+              </a:solidFill>
+              <a:latin typeface="Lato"/>
+              <a:ea typeface="Lato"/>
+              <a:cs typeface="Lato"/>
+              <a:sym typeface="Lato"/>
+            </a:endParaRPr>
+          </a:p>
+          <a:p>
+            <a:pPr indent="0" lvl="0" marL="0" rtl="0" algn="l">
+              <a:spcBef>
+                <a:spcPts val="0"/>
+              </a:spcBef>
+              <a:spcAft>
+                <a:spcPts val="0"/>
+              </a:spcAft>
+              <a:buClr>
+                <a:schemeClr val="dk1"/>
+              </a:buClr>
+              <a:buSzPts val="1100"/>
+              <a:buFont typeface="Arial"/>
+              <a:buNone/>
+            </a:pPr>
+            <a:r>
+              <a:rPr lang="en">
+                <a:solidFill>
+                  <a:schemeClr val="dk1"/>
+                </a:solidFill>
+                <a:latin typeface="Lato"/>
+                <a:ea typeface="Lato"/>
+                <a:cs typeface="Lato"/>
+                <a:sym typeface="Lato"/>
+              </a:rPr>
+              <a:t>From looking at the heat map, we created tables based off the features that have the features that correlate with each other the most</a:t>
+            </a:r>
+            <a:endParaRPr>
+              <a:solidFill>
+                <a:schemeClr val="dk1"/>
+              </a:solidFill>
+              <a:latin typeface="Lato"/>
+              <a:ea typeface="Lato"/>
+              <a:cs typeface="Lato"/>
+              <a:sym typeface="Lato"/>
+            </a:endParaRPr>
           </a:p>
         </p:txBody>
       </p:sp>
@@ -3140,7 +4186,7 @@
   <p:cSld>
     <p:spTree>
       <p:nvGrpSpPr>
-        <p:cNvPr id="207" name="Shape 207"/>
+        <p:cNvPr id="198" name="Shape 198"/>
         <p:cNvGrpSpPr/>
         <p:nvPr/>
       </p:nvGrpSpPr>
@@ -3154,7 +4200,7 @@
       </p:grpSpPr>
       <p:sp>
         <p:nvSpPr>
-          <p:cNvPr id="208" name="Google Shape;208;g12cae811305_0_44:notes"/>
+          <p:cNvPr id="199" name="Google Shape;199;g12cae811305_0_29:notes"/>
           <p:cNvSpPr/>
           <p:nvPr>
             <p:ph idx="2" type="sldImg"/>
@@ -3189,7 +4235,7 @@
       </p:sp>
       <p:sp>
         <p:nvSpPr>
-          <p:cNvPr id="209" name="Google Shape;209;g12cae811305_0_44:notes"/>
+          <p:cNvPr id="200" name="Google Shape;200;g12cae811305_0_29:notes"/>
           <p:cNvSpPr txBox="1"/>
           <p:nvPr>
             <p:ph idx="1" type="body"/>
@@ -3221,7 +4267,7 @@
             </a:pPr>
             <a:r>
               <a:rPr lang="en"/>
-              <a:t>Read slide</a:t>
+              <a:t>Kenny</a:t>
             </a:r>
             <a:endParaRPr/>
           </a:p>
@@ -3252,15 +4298,62 @@
             </a:pPr>
             <a:r>
               <a:rPr lang="en"/>
-              <a:t>Unsure why our accuracy score for the </a:t>
+              <a:t>Within the confusion matrix, the positive prediction, </a:t>
             </a:r>
             <a:r>
               <a:rPr lang="en"/>
-              <a:t>logistic</a:t>
+              <a:t>labeled</a:t>
             </a:r>
             <a:r>
               <a:rPr lang="en"/>
-              <a:t> regression accuracy score was so high, we put our heads back together to try and determine what exactly in our data was leading our model to be so accurate.</a:t>
+              <a:t> 0, is malignant tumor and negative is a benign tumor, labeled 1.</a:t>
+            </a:r>
+            <a:endParaRPr/>
+          </a:p>
+          <a:p>
+            <a:pPr indent="0" lvl="0" marL="0" rtl="0" algn="l">
+              <a:spcBef>
+                <a:spcPts val="0"/>
+              </a:spcBef>
+              <a:spcAft>
+                <a:spcPts val="0"/>
+              </a:spcAft>
+              <a:buNone/>
+            </a:pPr>
+            <a:r>
+              <a:t/>
+            </a:r>
+            <a:endParaRPr/>
+          </a:p>
+          <a:p>
+            <a:pPr indent="0" lvl="0" marL="0" rtl="0" algn="l">
+              <a:spcBef>
+                <a:spcPts val="0"/>
+              </a:spcBef>
+              <a:spcAft>
+                <a:spcPts val="0"/>
+              </a:spcAft>
+              <a:buNone/>
+            </a:pPr>
+            <a:r>
+              <a:rPr lang="en"/>
+              <a:t>After running the classification report and the confusion matrix, we can see that the model was </a:t>
+            </a:r>
+            <a:r>
+              <a:rPr lang="en"/>
+              <a:t>extremely</a:t>
+            </a:r>
+            <a:r>
+              <a:rPr lang="en"/>
+              <a:t> accurate </a:t>
+            </a:r>
+            <a:r>
+              <a:rPr lang="en"/>
+              <a:t>across</a:t>
+            </a:r>
+            <a:r>
+              <a:rPr lang="en"/>
+              <a:t> all the fields. From there, we ran our accuracy scores.</a:t>
             </a:r>
             <a:endParaRPr/>
           </a:p>
@@ -11575,7 +12668,7 @@
   <p:cSld>
     <p:spTree>
       <p:nvGrpSpPr>
-        <p:cNvPr id="216" name="Shape 216"/>
+        <p:cNvPr id="217" name="Shape 217"/>
         <p:cNvGrpSpPr/>
         <p:nvPr/>
       </p:nvGrpSpPr>
@@ -11589,7 +12682,7 @@
       </p:grpSpPr>
       <p:sp>
         <p:nvSpPr>
-          <p:cNvPr id="217" name="Google Shape;217;p22"/>
+          <p:cNvPr id="218" name="Google Shape;218;p22"/>
           <p:cNvSpPr txBox="1"/>
           <p:nvPr>
             <p:ph type="title"/>
@@ -11621,11 +12714,7 @@
             </a:pPr>
             <a:r>
               <a:rPr lang="en"/>
-              <a:t>Further</a:t>
-            </a:r>
-            <a:r>
-              <a:rPr lang="en"/>
-              <a:t> Exploratory</a:t>
+              <a:t>Interactive Dashboard</a:t>
             </a:r>
             <a:endParaRPr/>
           </a:p>
@@ -11633,7 +12722,129 @@
       </p:sp>
       <p:sp>
         <p:nvSpPr>
-          <p:cNvPr id="218" name="Google Shape;218;p22"/>
+          <p:cNvPr id="219" name="Google Shape;219;p22"/>
+          <p:cNvSpPr txBox="1"/>
+          <p:nvPr>
+            <p:ph idx="1" type="body"/>
+          </p:nvPr>
+        </p:nvSpPr>
+        <p:spPr>
+          <a:xfrm>
+            <a:off x="1297500" y="1558625"/>
+            <a:ext cx="7038900" cy="2911200"/>
+          </a:xfrm>
+          <a:prstGeom prst="rect">
+            <a:avLst/>
+          </a:prstGeom>
+        </p:spPr>
+        <p:txBody>
+          <a:bodyPr anchorCtr="0" anchor="t" bIns="91425" lIns="91425" spcFirstLastPara="1" rIns="91425" wrap="square" tIns="91425">
+            <a:normAutofit/>
+          </a:bodyPr>
+          <a:lstStyle/>
+          <a:p>
+            <a:pPr indent="0" lvl="0" marL="0" rtl="0" algn="ctr">
+              <a:spcBef>
+                <a:spcPts val="0"/>
+              </a:spcBef>
+              <a:spcAft>
+                <a:spcPts val="1200"/>
+              </a:spcAft>
+              <a:buNone/>
+            </a:pPr>
+            <a:r>
+              <a:rPr lang="en" sz="2000" u="sng">
+                <a:solidFill>
+                  <a:schemeClr val="hlink"/>
+                </a:solidFill>
+                <a:hlinkClick r:id="rId3"/>
+              </a:rPr>
+              <a:t>Interactive Tableau Dashboard</a:t>
+            </a:r>
+            <a:r>
+              <a:rPr lang="en" sz="2000"/>
+              <a:t> </a:t>
+            </a:r>
+            <a:endParaRPr sz="2000"/>
+          </a:p>
+        </p:txBody>
+      </p:sp>
+    </p:spTree>
+  </p:cSld>
+  <p:clrMapOvr>
+    <a:masterClrMapping/>
+  </p:clrMapOvr>
+</p:sld>
+</file>
+
+<file path=ppt/slides/slide11.xml><?xml version="1.0" encoding="utf-8"?>
+<p:sld xmlns:a="http://schemas.openxmlformats.org/drawingml/2006/main" xmlns:r="http://schemas.openxmlformats.org/officeDocument/2006/relationships" xmlns:mc="http://schemas.openxmlformats.org/markup-compatibility/2006" xmlns:mv="urn:schemas-microsoft-com:mac:vml" xmlns:p="http://schemas.openxmlformats.org/presentationml/2006/main" xmlns:c="http://schemas.openxmlformats.org/drawingml/2006/chart" xmlns:dgm="http://schemas.openxmlformats.org/drawingml/2006/diagram" xmlns:o="urn:schemas-microsoft-com:office:office" xmlns:v="urn:schemas-microsoft-com:vml" xmlns:pvml="urn:schemas-microsoft-com:office:powerpoint" xmlns:com="http://schemas.openxmlformats.org/drawingml/2006/compatibility" xmlns:p14="http://schemas.microsoft.com/office/powerpoint/2010/main" xmlns:p15="http://schemas.microsoft.com/office/powerpoint/2012/main" xmlns:ahyp="http://schemas.microsoft.com/office/drawing/2018/hyperlinkcolor">
+  <p:cSld>
+    <p:spTree>
+      <p:nvGrpSpPr>
+        <p:cNvPr id="223" name="Shape 223"/>
+        <p:cNvGrpSpPr/>
+        <p:nvPr/>
+      </p:nvGrpSpPr>
+      <p:grpSpPr>
+        <a:xfrm>
+          <a:off x="0" y="0"/>
+          <a:ext cx="0" cy="0"/>
+          <a:chOff x="0" y="0"/>
+          <a:chExt cx="0" cy="0"/>
+        </a:xfrm>
+      </p:grpSpPr>
+      <p:sp>
+        <p:nvSpPr>
+          <p:cNvPr id="224" name="Google Shape;224;p23"/>
+          <p:cNvSpPr txBox="1"/>
+          <p:nvPr>
+            <p:ph type="title"/>
+          </p:nvPr>
+        </p:nvSpPr>
+        <p:spPr>
+          <a:xfrm>
+            <a:off x="1297500" y="393750"/>
+            <a:ext cx="7038900" cy="914100"/>
+          </a:xfrm>
+          <a:prstGeom prst="rect">
+            <a:avLst/>
+          </a:prstGeom>
+        </p:spPr>
+        <p:txBody>
+          <a:bodyPr anchorCtr="0" anchor="t" bIns="91425" lIns="91425" spcFirstLastPara="1" rIns="91425" wrap="square" tIns="91425">
+            <a:normAutofit fontScale="90000"/>
+          </a:bodyPr>
+          <a:lstStyle/>
+          <a:p>
+            <a:pPr indent="0" lvl="0" marL="0" rtl="0" algn="l">
+              <a:spcBef>
+                <a:spcPts val="0"/>
+              </a:spcBef>
+              <a:spcAft>
+                <a:spcPts val="0"/>
+              </a:spcAft>
+              <a:buNone/>
+            </a:pPr>
+            <a:r>
+              <a:rPr lang="en" sz="2622"/>
+              <a:t>What we learned from our </a:t>
+            </a:r>
+            <a:r>
+              <a:rPr lang="en" sz="2622"/>
+              <a:t>Machine</a:t>
+            </a:r>
+            <a:r>
+              <a:rPr lang="en" sz="2622"/>
+              <a:t> Learning Model…</a:t>
+            </a:r>
+            <a:endParaRPr sz="2622"/>
+          </a:p>
+        </p:txBody>
+      </p:sp>
+      <p:sp>
+        <p:nvSpPr>
+          <p:cNvPr id="225" name="Google Shape;225;p23"/>
           <p:cNvSpPr txBox="1"/>
           <p:nvPr>
             <p:ph idx="1" type="body"/>
@@ -11664,21 +12875,21 @@
               <a:buNone/>
             </a:pPr>
             <a:r>
-              <a:rPr lang="en"/>
-              <a:t>We went back to our dataframe and dropped all the features that </a:t>
-            </a:r>
-            <a:r>
-              <a:rPr lang="en"/>
-              <a:t>involved</a:t>
-            </a:r>
-            <a:r>
-              <a:rPr lang="en"/>
-              <a:t> size.</a:t>
-            </a:r>
-            <a:endParaRPr/>
-          </a:p>
-          <a:p>
-            <a:pPr indent="0" lvl="0" marL="0" rtl="0" algn="l">
+              <a:rPr lang="en" sz="1500"/>
+              <a:t>We ran both a Linear and </a:t>
+            </a:r>
+            <a:r>
+              <a:rPr lang="en" sz="1500"/>
+              <a:t>Logistic</a:t>
+            </a:r>
+            <a:r>
+              <a:rPr lang="en" sz="1500"/>
+              <a:t> Regression Models to determine which was better for predicting cancer based off the list of features provided.</a:t>
+            </a:r>
+            <a:endParaRPr sz="1500"/>
+          </a:p>
+          <a:p>
+            <a:pPr indent="0" lvl="0" marL="457200" marR="917728" rtl="0" algn="l">
               <a:spcBef>
                 <a:spcPts val="1200"/>
               </a:spcBef>
@@ -11688,13 +12899,29 @@
               <a:buNone/>
             </a:pPr>
             <a:r>
-              <a:rPr lang="en"/>
-              <a:t>Those features include:</a:t>
-            </a:r>
-            <a:endParaRPr/>
-          </a:p>
-          <a:p>
-            <a:pPr indent="0" lvl="0" marL="0" rtl="0" algn="l">
+              <a:rPr lang="en" sz="1500"/>
+              <a:t>For the Linear Regression, we </a:t>
+            </a:r>
+            <a:r>
+              <a:rPr lang="en" sz="1500"/>
+              <a:t>achieved</a:t>
+            </a:r>
+            <a:r>
+              <a:rPr lang="en" sz="1500"/>
+              <a:t> an </a:t>
+            </a:r>
+            <a:r>
+              <a:rPr b="1" lang="en" sz="1500"/>
+              <a:t>84.27%</a:t>
+            </a:r>
+            <a:r>
+              <a:rPr lang="en" sz="1500"/>
+              <a:t> accuracy score which is considered acceptable.</a:t>
+            </a:r>
+            <a:endParaRPr sz="1500"/>
+          </a:p>
+          <a:p>
+            <a:pPr indent="0" lvl="0" marL="457200" marR="917728" rtl="0" algn="l">
               <a:spcBef>
                 <a:spcPts val="1200"/>
               </a:spcBef>
@@ -11704,10 +12931,34 @@
               <a:buNone/>
             </a:pPr>
             <a:r>
-              <a:rPr lang="en"/>
-              <a:t>radius_mean, radius_worst, area_mean, area_worst, perimeter_mean, perimeter_worst</a:t>
-            </a:r>
-            <a:endParaRPr/>
+              <a:rPr lang="en" sz="1500"/>
+              <a:t>For Logistic Regression, we </a:t>
+            </a:r>
+            <a:r>
+              <a:rPr lang="en" sz="1500"/>
+              <a:t>received</a:t>
+            </a:r>
+            <a:r>
+              <a:rPr lang="en" sz="1500"/>
+              <a:t> a </a:t>
+            </a:r>
+            <a:r>
+              <a:rPr b="1" lang="en" sz="1500"/>
+              <a:t>97.09%</a:t>
+            </a:r>
+            <a:r>
+              <a:rPr lang="en" sz="1500"/>
+              <a:t> accuracy score meaning that a Logistic Regression is a very reliable model to use to predict </a:t>
+            </a:r>
+            <a:r>
+              <a:rPr lang="en" sz="1500"/>
+              <a:t>whether</a:t>
+            </a:r>
+            <a:r>
+              <a:rPr lang="en" sz="1500"/>
+              <a:t> someone has cancer based off the list of features we have provided the model.</a:t>
+            </a:r>
+            <a:endParaRPr sz="1500"/>
           </a:p>
         </p:txBody>
       </p:sp>
@@ -11719,12 +12970,12 @@
 </p:sld>
 </file>
 
-<file path=ppt/slides/slide11.xml><?xml version="1.0" encoding="utf-8"?>
+<file path=ppt/slides/slide12.xml><?xml version="1.0" encoding="utf-8"?>
 <p:sld xmlns:a="http://schemas.openxmlformats.org/drawingml/2006/main" xmlns:r="http://schemas.openxmlformats.org/officeDocument/2006/relationships" xmlns:mc="http://schemas.openxmlformats.org/markup-compatibility/2006" xmlns:mv="urn:schemas-microsoft-com:mac:vml" xmlns:p="http://schemas.openxmlformats.org/presentationml/2006/main" xmlns:c="http://schemas.openxmlformats.org/drawingml/2006/chart" xmlns:dgm="http://schemas.openxmlformats.org/drawingml/2006/diagram" xmlns:o="urn:schemas-microsoft-com:office:office" xmlns:v="urn:schemas-microsoft-com:vml" xmlns:pvml="urn:schemas-microsoft-com:office:powerpoint" xmlns:com="http://schemas.openxmlformats.org/drawingml/2006/compatibility" xmlns:p14="http://schemas.microsoft.com/office/powerpoint/2010/main" xmlns:p15="http://schemas.microsoft.com/office/powerpoint/2012/main" xmlns:ahyp="http://schemas.microsoft.com/office/drawing/2018/hyperlinkcolor">
   <p:cSld>
     <p:spTree>
       <p:nvGrpSpPr>
-        <p:cNvPr id="222" name="Shape 222"/>
+        <p:cNvPr id="229" name="Shape 229"/>
         <p:cNvGrpSpPr/>
         <p:nvPr/>
       </p:nvGrpSpPr>
@@ -11738,7 +12989,7 @@
       </p:grpSpPr>
       <p:sp>
         <p:nvSpPr>
-          <p:cNvPr id="223" name="Google Shape;223;p23"/>
+          <p:cNvPr id="230" name="Google Shape;230;p24"/>
           <p:cNvSpPr txBox="1"/>
           <p:nvPr>
             <p:ph type="title"/>
@@ -11770,7 +13021,11 @@
             </a:pPr>
             <a:r>
               <a:rPr lang="en"/>
-              <a:t>After our adjustments</a:t>
+              <a:t>Further</a:t>
+            </a:r>
+            <a:r>
+              <a:rPr lang="en"/>
+              <a:t> Exploratory</a:t>
             </a:r>
             <a:endParaRPr/>
           </a:p>
@@ -11778,7 +13033,205 @@
       </p:sp>
       <p:sp>
         <p:nvSpPr>
-          <p:cNvPr id="224" name="Google Shape;224;p23"/>
+          <p:cNvPr id="231" name="Google Shape;231;p24"/>
+          <p:cNvSpPr txBox="1"/>
+          <p:nvPr>
+            <p:ph idx="1" type="body"/>
+          </p:nvPr>
+        </p:nvSpPr>
+        <p:spPr>
+          <a:xfrm>
+            <a:off x="3777250" y="1567550"/>
+            <a:ext cx="4559100" cy="2911200"/>
+          </a:xfrm>
+          <a:prstGeom prst="rect">
+            <a:avLst/>
+          </a:prstGeom>
+        </p:spPr>
+        <p:txBody>
+          <a:bodyPr anchorCtr="0" anchor="t" bIns="91425" lIns="91425" spcFirstLastPara="1" rIns="91425" wrap="square" tIns="91425">
+            <a:normAutofit/>
+          </a:bodyPr>
+          <a:lstStyle/>
+          <a:p>
+            <a:pPr indent="0" lvl="0" marL="0" rtl="0" algn="l">
+              <a:spcBef>
+                <a:spcPts val="0"/>
+              </a:spcBef>
+              <a:spcAft>
+                <a:spcPts val="0"/>
+              </a:spcAft>
+              <a:buNone/>
+            </a:pPr>
+            <a:r>
+              <a:rPr lang="en" sz="1400"/>
+              <a:t>We went back to our dataframe and dropped all the features that </a:t>
+            </a:r>
+            <a:r>
+              <a:rPr lang="en" sz="1400"/>
+              <a:t>involved</a:t>
+            </a:r>
+            <a:r>
+              <a:rPr lang="en" sz="1400"/>
+              <a:t> size.</a:t>
+            </a:r>
+            <a:endParaRPr sz="1400"/>
+          </a:p>
+          <a:p>
+            <a:pPr indent="0" lvl="0" marL="0" rtl="0" algn="l">
+              <a:lnSpc>
+                <a:spcPct val="95000"/>
+              </a:lnSpc>
+              <a:spcBef>
+                <a:spcPts val="1200"/>
+              </a:spcBef>
+              <a:spcAft>
+                <a:spcPts val="0"/>
+              </a:spcAft>
+              <a:buNone/>
+            </a:pPr>
+            <a:r>
+              <a:rPr lang="en" sz="1400"/>
+              <a:t>Those features include:</a:t>
+            </a:r>
+            <a:endParaRPr sz="1400"/>
+          </a:p>
+          <a:p>
+            <a:pPr indent="0" lvl="0" marL="0" rtl="0" algn="l">
+              <a:lnSpc>
+                <a:spcPct val="95000"/>
+              </a:lnSpc>
+              <a:spcBef>
+                <a:spcPts val="1200"/>
+              </a:spcBef>
+              <a:spcAft>
+                <a:spcPts val="0"/>
+              </a:spcAft>
+              <a:buNone/>
+            </a:pPr>
+            <a:r>
+              <a:rPr b="1" lang="en" sz="1500"/>
+              <a:t>radius_mean, radius_worst, area_mean, area_worst, perimeter_mean, perimeter_worst</a:t>
+            </a:r>
+            <a:endParaRPr b="1" sz="1500"/>
+          </a:p>
+          <a:p>
+            <a:pPr indent="0" lvl="0" marL="0" rtl="0" algn="l">
+              <a:lnSpc>
+                <a:spcPct val="95000"/>
+              </a:lnSpc>
+              <a:spcBef>
+                <a:spcPts val="1200"/>
+              </a:spcBef>
+              <a:spcAft>
+                <a:spcPts val="1200"/>
+              </a:spcAft>
+              <a:buNone/>
+            </a:pPr>
+            <a:r>
+              <a:rPr lang="en"/>
+              <a:t>This look the original 20 features we started with and brought it down to 14 total.</a:t>
+            </a:r>
+            <a:endParaRPr/>
+          </a:p>
+        </p:txBody>
+      </p:sp>
+      <p:pic>
+        <p:nvPicPr>
+          <p:cNvPr id="232" name="Google Shape;232;p24"/>
+          <p:cNvPicPr preferRelativeResize="0"/>
+          <p:nvPr/>
+        </p:nvPicPr>
+        <p:blipFill>
+          <a:blip r:embed="rId3">
+            <a:alphaModFix/>
+          </a:blip>
+          <a:stretch>
+            <a:fillRect/>
+          </a:stretch>
+        </p:blipFill>
+        <p:spPr>
+          <a:xfrm>
+            <a:off x="312550" y="1542524"/>
+            <a:ext cx="3342850" cy="2961249"/>
+          </a:xfrm>
+          <a:prstGeom prst="rect">
+            <a:avLst/>
+          </a:prstGeom>
+          <a:noFill/>
+          <a:ln>
+            <a:noFill/>
+          </a:ln>
+        </p:spPr>
+      </p:pic>
+    </p:spTree>
+  </p:cSld>
+  <p:clrMapOvr>
+    <a:masterClrMapping/>
+  </p:clrMapOvr>
+</p:sld>
+</file>
+
+<file path=ppt/slides/slide13.xml><?xml version="1.0" encoding="utf-8"?>
+<p:sld xmlns:a="http://schemas.openxmlformats.org/drawingml/2006/main" xmlns:r="http://schemas.openxmlformats.org/officeDocument/2006/relationships" xmlns:mc="http://schemas.openxmlformats.org/markup-compatibility/2006" xmlns:mv="urn:schemas-microsoft-com:mac:vml" xmlns:p="http://schemas.openxmlformats.org/presentationml/2006/main" xmlns:c="http://schemas.openxmlformats.org/drawingml/2006/chart" xmlns:dgm="http://schemas.openxmlformats.org/drawingml/2006/diagram" xmlns:o="urn:schemas-microsoft-com:office:office" xmlns:v="urn:schemas-microsoft-com:vml" xmlns:pvml="urn:schemas-microsoft-com:office:powerpoint" xmlns:com="http://schemas.openxmlformats.org/drawingml/2006/compatibility" xmlns:p14="http://schemas.microsoft.com/office/powerpoint/2010/main" xmlns:p15="http://schemas.microsoft.com/office/powerpoint/2012/main" xmlns:ahyp="http://schemas.microsoft.com/office/drawing/2018/hyperlinkcolor">
+  <p:cSld>
+    <p:spTree>
+      <p:nvGrpSpPr>
+        <p:cNvPr id="236" name="Shape 236"/>
+        <p:cNvGrpSpPr/>
+        <p:nvPr/>
+      </p:nvGrpSpPr>
+      <p:grpSpPr>
+        <a:xfrm>
+          <a:off x="0" y="0"/>
+          <a:ext cx="0" cy="0"/>
+          <a:chOff x="0" y="0"/>
+          <a:chExt cx="0" cy="0"/>
+        </a:xfrm>
+      </p:grpSpPr>
+      <p:sp>
+        <p:nvSpPr>
+          <p:cNvPr id="237" name="Google Shape;237;p25"/>
+          <p:cNvSpPr txBox="1"/>
+          <p:nvPr>
+            <p:ph type="title"/>
+          </p:nvPr>
+        </p:nvSpPr>
+        <p:spPr>
+          <a:xfrm>
+            <a:off x="1297500" y="393750"/>
+            <a:ext cx="7038900" cy="914100"/>
+          </a:xfrm>
+          <a:prstGeom prst="rect">
+            <a:avLst/>
+          </a:prstGeom>
+        </p:spPr>
+        <p:txBody>
+          <a:bodyPr anchorCtr="0" anchor="t" bIns="91425" lIns="91425" spcFirstLastPara="1" rIns="91425" wrap="square" tIns="91425">
+            <a:normAutofit/>
+          </a:bodyPr>
+          <a:lstStyle/>
+          <a:p>
+            <a:pPr indent="0" lvl="0" marL="0" rtl="0" algn="l">
+              <a:spcBef>
+                <a:spcPts val="0"/>
+              </a:spcBef>
+              <a:spcAft>
+                <a:spcPts val="0"/>
+              </a:spcAft>
+              <a:buNone/>
+            </a:pPr>
+            <a:r>
+              <a:rPr lang="en"/>
+              <a:t>After our adjustments</a:t>
+            </a:r>
+            <a:endParaRPr/>
+          </a:p>
+        </p:txBody>
+      </p:sp>
+      <p:sp>
+        <p:nvSpPr>
+          <p:cNvPr id="238" name="Google Shape;238;p25"/>
           <p:cNvSpPr txBox="1"/>
           <p:nvPr>
             <p:ph idx="1" type="body"/>
@@ -11810,7 +13263,7 @@
             </a:pPr>
             <a:r>
               <a:rPr lang="en"/>
-              <a:t>The second time around, we ran another logistic regression. This time the accuracy score we achieved was 93%, just a mere 4 points less than the regression we ran with the size features. This leads us to believe there are other features that also have a strong indication of cancer besides just size.</a:t>
+              <a:t>The second time around, we ran another logistic regression. This time the accuracy score we achieved was__%, just a mere _ points less than the regression we ran with the size features. This leads us to believe there are other features that also have a strong indication of cancer besides just size.</a:t>
             </a:r>
             <a:endParaRPr/>
           </a:p>
@@ -11839,12 +13292,12 @@
 </p:sld>
 </file>
 
-<file path=ppt/slides/slide12.xml><?xml version="1.0" encoding="utf-8"?>
+<file path=ppt/slides/slide14.xml><?xml version="1.0" encoding="utf-8"?>
 <p:sld xmlns:a="http://schemas.openxmlformats.org/drawingml/2006/main" xmlns:r="http://schemas.openxmlformats.org/officeDocument/2006/relationships" xmlns:mc="http://schemas.openxmlformats.org/markup-compatibility/2006" xmlns:mv="urn:schemas-microsoft-com:mac:vml" xmlns:p="http://schemas.openxmlformats.org/presentationml/2006/main" xmlns:c="http://schemas.openxmlformats.org/drawingml/2006/chart" xmlns:dgm="http://schemas.openxmlformats.org/drawingml/2006/diagram" xmlns:o="urn:schemas-microsoft-com:office:office" xmlns:v="urn:schemas-microsoft-com:vml" xmlns:pvml="urn:schemas-microsoft-com:office:powerpoint" xmlns:com="http://schemas.openxmlformats.org/drawingml/2006/compatibility" xmlns:p14="http://schemas.microsoft.com/office/powerpoint/2010/main" xmlns:p15="http://schemas.microsoft.com/office/powerpoint/2012/main" xmlns:ahyp="http://schemas.microsoft.com/office/drawing/2018/hyperlinkcolor">
   <p:cSld>
     <p:spTree>
       <p:nvGrpSpPr>
-        <p:cNvPr id="228" name="Shape 228"/>
+        <p:cNvPr id="242" name="Shape 242"/>
         <p:cNvGrpSpPr/>
         <p:nvPr/>
       </p:nvGrpSpPr>
@@ -11858,7 +13311,7 @@
       </p:grpSpPr>
       <p:sp>
         <p:nvSpPr>
-          <p:cNvPr id="229" name="Google Shape;229;p24"/>
+          <p:cNvPr id="243" name="Google Shape;243;p26"/>
           <p:cNvSpPr txBox="1"/>
           <p:nvPr>
             <p:ph type="title"/>
@@ -11875,7 +13328,7 @@
         </p:spPr>
         <p:txBody>
           <a:bodyPr anchorCtr="0" anchor="t" bIns="91425" lIns="91425" spcFirstLastPara="1" rIns="91425" wrap="square" tIns="91425">
-            <a:normAutofit fontScale="90000"/>
+            <a:normAutofit/>
           </a:bodyPr>
           <a:lstStyle/>
           <a:p>
@@ -11890,20 +13343,11 @@
             </a:pPr>
             <a:r>
               <a:rPr lang="en"/>
-              <a:t>Recount of </a:t>
-            </a:r>
-            <a:r>
-              <a:rPr lang="en" sz="1500">
-                <a:latin typeface="Roboto"/>
-                <a:ea typeface="Roboto"/>
-                <a:cs typeface="Roboto"/>
-                <a:sym typeface="Roboto"/>
-              </a:rPr>
-              <a:t> </a:t>
+              <a:t>Recommendations</a:t>
             </a:r>
             <a:r>
               <a:rPr lang="en"/>
-              <a:t>Technologies, Tools, Languages, and Algorithms</a:t>
+              <a:t> for the Future</a:t>
             </a:r>
             <a:endParaRPr/>
           </a:p>
@@ -11911,7 +13355,7 @@
       </p:sp>
       <p:sp>
         <p:nvSpPr>
-          <p:cNvPr id="230" name="Google Shape;230;p24"/>
+          <p:cNvPr id="244" name="Google Shape;244;p26"/>
           <p:cNvSpPr txBox="1"/>
           <p:nvPr>
             <p:ph idx="1" type="body"/>
@@ -11919,8 +13363,8 @@
         </p:nvSpPr>
         <p:spPr>
           <a:xfrm>
-            <a:off x="1158525" y="1307850"/>
-            <a:ext cx="7720200" cy="3645900"/>
+            <a:off x="1297500" y="1567550"/>
+            <a:ext cx="7038900" cy="2911200"/>
           </a:xfrm>
           <a:prstGeom prst="rect">
             <a:avLst/>
@@ -11928,7 +13372,7 @@
         </p:spPr>
         <p:txBody>
           <a:bodyPr anchorCtr="0" anchor="t" bIns="91425" lIns="91425" spcFirstLastPara="1" rIns="91425" wrap="square" tIns="91425">
-            <a:normAutofit fontScale="92500"/>
+            <a:normAutofit/>
           </a:bodyPr>
           <a:lstStyle/>
           <a:p>
@@ -11937,20 +13381,68 @@
                 <a:spcPts val="0"/>
               </a:spcBef>
               <a:spcAft>
-                <a:spcPts val="0"/>
-              </a:spcAft>
-              <a:buNone/>
-            </a:pPr>
-            <a:r>
-              <a:rPr b="1" lang="en" sz="1500"/>
-              <a:t>Machine Learning Model: Google Colab - Python, Pandas, PySpark, and Matplotlib/Seaborn</a:t>
-            </a:r>
-            <a:endParaRPr b="1" sz="1500"/>
-          </a:p>
-          <a:p>
-            <a:pPr indent="457200" lvl="0" marL="0" rtl="0" algn="l">
-              <a:spcBef>
                 <a:spcPts val="1200"/>
+              </a:spcAft>
+              <a:buNone/>
+            </a:pPr>
+            <a:r>
+              <a:t/>
+            </a:r>
+            <a:endParaRPr/>
+          </a:p>
+        </p:txBody>
+      </p:sp>
+    </p:spTree>
+  </p:cSld>
+  <p:clrMapOvr>
+    <a:masterClrMapping/>
+  </p:clrMapOvr>
+</p:sld>
+</file>
+
+<file path=ppt/slides/slide15.xml><?xml version="1.0" encoding="utf-8"?>
+<p:sld xmlns:a="http://schemas.openxmlformats.org/drawingml/2006/main" xmlns:r="http://schemas.openxmlformats.org/officeDocument/2006/relationships" xmlns:mc="http://schemas.openxmlformats.org/markup-compatibility/2006" xmlns:mv="urn:schemas-microsoft-com:mac:vml" xmlns:p="http://schemas.openxmlformats.org/presentationml/2006/main" xmlns:c="http://schemas.openxmlformats.org/drawingml/2006/chart" xmlns:dgm="http://schemas.openxmlformats.org/drawingml/2006/diagram" xmlns:o="urn:schemas-microsoft-com:office:office" xmlns:v="urn:schemas-microsoft-com:vml" xmlns:pvml="urn:schemas-microsoft-com:office:powerpoint" xmlns:com="http://schemas.openxmlformats.org/drawingml/2006/compatibility" xmlns:p14="http://schemas.microsoft.com/office/powerpoint/2010/main" xmlns:p15="http://schemas.microsoft.com/office/powerpoint/2012/main" xmlns:ahyp="http://schemas.microsoft.com/office/drawing/2018/hyperlinkcolor">
+  <p:cSld>
+    <p:spTree>
+      <p:nvGrpSpPr>
+        <p:cNvPr id="248" name="Shape 248"/>
+        <p:cNvGrpSpPr/>
+        <p:nvPr/>
+      </p:nvGrpSpPr>
+      <p:grpSpPr>
+        <a:xfrm>
+          <a:off x="0" y="0"/>
+          <a:ext cx="0" cy="0"/>
+          <a:chOff x="0" y="0"/>
+          <a:chExt cx="0" cy="0"/>
+        </a:xfrm>
+      </p:grpSpPr>
+      <p:sp>
+        <p:nvSpPr>
+          <p:cNvPr id="249" name="Google Shape;249;p27"/>
+          <p:cNvSpPr txBox="1"/>
+          <p:nvPr>
+            <p:ph type="title"/>
+          </p:nvPr>
+        </p:nvSpPr>
+        <p:spPr>
+          <a:xfrm>
+            <a:off x="1297500" y="393750"/>
+            <a:ext cx="7038900" cy="914100"/>
+          </a:xfrm>
+          <a:prstGeom prst="rect">
+            <a:avLst/>
+          </a:prstGeom>
+        </p:spPr>
+        <p:txBody>
+          <a:bodyPr anchorCtr="0" anchor="t" bIns="91425" lIns="91425" spcFirstLastPara="1" rIns="91425" wrap="square" tIns="91425">
+            <a:normAutofit/>
+          </a:bodyPr>
+          <a:lstStyle/>
+          <a:p>
+            <a:pPr indent="0" lvl="0" marL="0" rtl="0" algn="l">
+              <a:spcBef>
+                <a:spcPts val="0"/>
               </a:spcBef>
               <a:spcAft>
                 <a:spcPts val="0"/>
@@ -11959,34 +13451,106 @@
             </a:pPr>
             <a:r>
               <a:rPr lang="en"/>
-              <a:t>For ease of sharing amongst all four members, we used Google Colab to write and build our Machine Learning Model. This would also allow us to easily upload the DataBase through the cloud easier with Amazon Web Services (AWS).</a:t>
+              <a:t>What we would have done </a:t>
+            </a:r>
+            <a:r>
+              <a:rPr lang="en"/>
+              <a:t>differently</a:t>
             </a:r>
             <a:endParaRPr/>
           </a:p>
+        </p:txBody>
+      </p:sp>
+      <p:sp>
+        <p:nvSpPr>
+          <p:cNvPr id="250" name="Google Shape;250;p27"/>
+          <p:cNvSpPr txBox="1"/>
+          <p:nvPr>
+            <p:ph idx="1" type="body"/>
+          </p:nvPr>
+        </p:nvSpPr>
+        <p:spPr>
+          <a:xfrm>
+            <a:off x="1297500" y="1567550"/>
+            <a:ext cx="7038900" cy="2911200"/>
+          </a:xfrm>
+          <a:prstGeom prst="rect">
+            <a:avLst/>
+          </a:prstGeom>
+        </p:spPr>
+        <p:txBody>
+          <a:bodyPr anchorCtr="0" anchor="t" bIns="91425" lIns="91425" spcFirstLastPara="1" rIns="91425" wrap="square" tIns="91425">
+            <a:normAutofit/>
+          </a:bodyPr>
+          <a:lstStyle/>
           <a:p>
             <a:pPr indent="0" lvl="0" marL="0" rtl="0" algn="l">
               <a:spcBef>
+                <a:spcPts val="0"/>
+              </a:spcBef>
+              <a:spcAft>
                 <a:spcPts val="1200"/>
-              </a:spcBef>
-              <a:spcAft>
-                <a:spcPts val="0"/>
-              </a:spcAft>
-              <a:buNone/>
-            </a:pPr>
-            <a:r>
-              <a:rPr b="1" lang="en" sz="1500"/>
-              <a:t>DataBase: AWS - RDS and S3 &amp; </a:t>
-            </a:r>
-            <a:r>
-              <a:rPr b="1" lang="en" sz="1500"/>
-              <a:t>Postgres</a:t>
-            </a:r>
-            <a:endParaRPr b="1" sz="1500"/>
-          </a:p>
+              </a:spcAft>
+              <a:buNone/>
+            </a:pPr>
+            <a:r>
+              <a:t/>
+            </a:r>
+            <a:endParaRPr/>
+          </a:p>
+        </p:txBody>
+      </p:sp>
+    </p:spTree>
+  </p:cSld>
+  <p:clrMapOvr>
+    <a:masterClrMapping/>
+  </p:clrMapOvr>
+</p:sld>
+</file>
+
+<file path=ppt/slides/slide16.xml><?xml version="1.0" encoding="utf-8"?>
+<p:sld xmlns:a="http://schemas.openxmlformats.org/drawingml/2006/main" xmlns:r="http://schemas.openxmlformats.org/officeDocument/2006/relationships" xmlns:mc="http://schemas.openxmlformats.org/markup-compatibility/2006" xmlns:mv="urn:schemas-microsoft-com:mac:vml" xmlns:p="http://schemas.openxmlformats.org/presentationml/2006/main" xmlns:c="http://schemas.openxmlformats.org/drawingml/2006/chart" xmlns:dgm="http://schemas.openxmlformats.org/drawingml/2006/diagram" xmlns:o="urn:schemas-microsoft-com:office:office" xmlns:v="urn:schemas-microsoft-com:vml" xmlns:pvml="urn:schemas-microsoft-com:office:powerpoint" xmlns:com="http://schemas.openxmlformats.org/drawingml/2006/compatibility" xmlns:p14="http://schemas.microsoft.com/office/powerpoint/2010/main" xmlns:p15="http://schemas.microsoft.com/office/powerpoint/2012/main" xmlns:ahyp="http://schemas.microsoft.com/office/drawing/2018/hyperlinkcolor">
+  <p:cSld>
+    <p:spTree>
+      <p:nvGrpSpPr>
+        <p:cNvPr id="254" name="Shape 254"/>
+        <p:cNvGrpSpPr/>
+        <p:nvPr/>
+      </p:nvGrpSpPr>
+      <p:grpSpPr>
+        <a:xfrm>
+          <a:off x="0" y="0"/>
+          <a:ext cx="0" cy="0"/>
+          <a:chOff x="0" y="0"/>
+          <a:chExt cx="0" cy="0"/>
+        </a:xfrm>
+      </p:grpSpPr>
+      <p:sp>
+        <p:nvSpPr>
+          <p:cNvPr id="255" name="Google Shape;255;p28"/>
+          <p:cNvSpPr txBox="1"/>
+          <p:nvPr>
+            <p:ph type="title"/>
+          </p:nvPr>
+        </p:nvSpPr>
+        <p:spPr>
+          <a:xfrm>
+            <a:off x="1297500" y="393750"/>
+            <a:ext cx="7038900" cy="914100"/>
+          </a:xfrm>
+          <a:prstGeom prst="rect">
+            <a:avLst/>
+          </a:prstGeom>
+        </p:spPr>
+        <p:txBody>
+          <a:bodyPr anchorCtr="0" anchor="t" bIns="91425" lIns="91425" spcFirstLastPara="1" rIns="91425" wrap="square" tIns="91425">
+            <a:normAutofit/>
+          </a:bodyPr>
+          <a:lstStyle/>
           <a:p>
             <a:pPr indent="0" lvl="0" marL="0" rtl="0" algn="l">
               <a:spcBef>
-                <a:spcPts val="1200"/>
+                <a:spcPts val="0"/>
               </a:spcBef>
               <a:spcAft>
                 <a:spcPts val="0"/>
@@ -11995,55 +13559,7 @@
             </a:pPr>
             <a:r>
               <a:rPr lang="en"/>
-              <a:t>	As stated previously, AWS was used to </a:t>
-            </a:r>
-            <a:r>
-              <a:rPr lang="en"/>
-              <a:t>easily</a:t>
-            </a:r>
-            <a:r>
-              <a:rPr lang="en"/>
-              <a:t> add the DataBase to our notebook. With AWS, we connected to the Database locally with </a:t>
-            </a:r>
-            <a:r>
-              <a:rPr lang="en"/>
-              <a:t>Postgres</a:t>
-            </a:r>
-            <a:r>
-              <a:rPr lang="en"/>
-              <a:t> to create the tables we used for this model. After the tables were created, we loaded them back to AWS, which can then be added to our notebook on Google Colab</a:t>
-            </a:r>
-            <a:endParaRPr/>
-          </a:p>
-          <a:p>
-            <a:pPr indent="0" lvl="0" marL="0" rtl="0" algn="l">
-              <a:spcBef>
-                <a:spcPts val="1200"/>
-              </a:spcBef>
-              <a:spcAft>
-                <a:spcPts val="0"/>
-              </a:spcAft>
-              <a:buNone/>
-            </a:pPr>
-            <a:r>
-              <a:rPr b="1" lang="en" sz="1500"/>
-              <a:t>Interactive Visualization: Tableau</a:t>
-            </a:r>
-            <a:endParaRPr b="1" sz="1500"/>
-          </a:p>
-          <a:p>
-            <a:pPr indent="0" lvl="0" marL="0" rtl="0" algn="l">
-              <a:spcBef>
-                <a:spcPts val="1200"/>
-              </a:spcBef>
-              <a:spcAft>
-                <a:spcPts val="1200"/>
-              </a:spcAft>
-              <a:buNone/>
-            </a:pPr>
-            <a:r>
-              <a:rPr lang="en"/>
-              <a:t>	For the dashboard we created, we used Tableau to create a drop down menu of the different graphs we created in order to allow the user to have a better grasp of how different features affect the diagnosis of the patient’s sample.</a:t>
+              <a:t>Questions</a:t>
             </a:r>
             <a:endParaRPr/>
           </a:p>
@@ -12476,7 +13992,7 @@
         </p:nvSpPr>
         <p:spPr>
           <a:xfrm>
-            <a:off x="2157150" y="1005250"/>
+            <a:off x="2594700" y="1005250"/>
             <a:ext cx="6179400" cy="1054800"/>
           </a:xfrm>
           <a:prstGeom prst="rect">
@@ -12515,7 +14031,7 @@
                 <a:cs typeface="Lato"/>
                 <a:sym typeface="Lato"/>
               </a:rPr>
-              <a:t>Before moving forward, it is important to cover a few details about tumor cells and how they’re distinguishable from normal cells.</a:t>
+              <a:t>Before moving forward, it is important to cover a few details about tumor cells and how they’re distinguishable from normal healthy cells.</a:t>
             </a:r>
             <a:endParaRPr>
               <a:solidFill>
@@ -12538,7 +14054,7 @@
         <p:spPr>
           <a:xfrm>
             <a:off x="3232875" y="1697600"/>
-            <a:ext cx="5796300" cy="2986200"/>
+            <a:ext cx="5796300" cy="1939500"/>
           </a:xfrm>
           <a:prstGeom prst="rect">
             <a:avLst/>
@@ -12630,61 +14146,6 @@
             <a:r>
               <a:t/>
             </a:r>
-            <a:endParaRPr sz="1700">
-              <a:solidFill>
-                <a:srgbClr val="FFFFFF"/>
-              </a:solidFill>
-              <a:latin typeface="Lato"/>
-              <a:ea typeface="Lato"/>
-              <a:cs typeface="Lato"/>
-              <a:sym typeface="Lato"/>
-            </a:endParaRPr>
-          </a:p>
-          <a:p>
-            <a:pPr indent="0" lvl="0" marL="0" rtl="0" algn="l">
-              <a:spcBef>
-                <a:spcPts val="0"/>
-              </a:spcBef>
-              <a:spcAft>
-                <a:spcPts val="0"/>
-              </a:spcAft>
-              <a:buNone/>
-            </a:pPr>
-            <a:r>
-              <a:rPr lang="en" sz="1700">
-                <a:solidFill>
-                  <a:srgbClr val="FFFFFF"/>
-                </a:solidFill>
-                <a:latin typeface="Lato"/>
-                <a:ea typeface="Lato"/>
-                <a:cs typeface="Lato"/>
-                <a:sym typeface="Lato"/>
-              </a:rPr>
-              <a:t>The figure to the left shows the hallmarks of cancer, which are steps a cell and its daughter cells would need to accomplish in order to become cancer cells.</a:t>
-            </a:r>
-            <a:endParaRPr sz="1700">
-              <a:solidFill>
-                <a:srgbClr val="FFFFFF"/>
-              </a:solidFill>
-              <a:latin typeface="Lato"/>
-              <a:ea typeface="Lato"/>
-              <a:cs typeface="Lato"/>
-              <a:sym typeface="Lato"/>
-            </a:endParaRPr>
-          </a:p>
-          <a:p>
-            <a:pPr indent="0" lvl="0" marL="0" rtl="0" algn="l">
-              <a:spcBef>
-                <a:spcPts val="0"/>
-              </a:spcBef>
-              <a:spcAft>
-                <a:spcPts val="0"/>
-              </a:spcAft>
-              <a:buNone/>
-            </a:pPr>
-            <a:r>
-              <a:t/>
-            </a:r>
             <a:endParaRPr sz="1200">
               <a:solidFill>
                 <a:srgbClr val="FFFFFF"/>
@@ -12697,43 +14158,15 @@
           </a:p>
         </p:txBody>
       </p:sp>
-      <p:pic>
-        <p:nvPicPr>
-          <p:cNvPr id="153" name="Google Shape;153;p15"/>
-          <p:cNvPicPr preferRelativeResize="0"/>
-          <p:nvPr/>
-        </p:nvPicPr>
-        <p:blipFill>
-          <a:blip r:embed="rId3">
-            <a:alphaModFix amt="82000"/>
-          </a:blip>
-          <a:stretch>
-            <a:fillRect/>
-          </a:stretch>
-        </p:blipFill>
-        <p:spPr>
-          <a:xfrm>
-            <a:off x="122475" y="1809150"/>
-            <a:ext cx="3031350" cy="1821200"/>
-          </a:xfrm>
-          <a:prstGeom prst="rect">
-            <a:avLst/>
-          </a:prstGeom>
-          <a:noFill/>
-          <a:ln>
-            <a:noFill/>
-          </a:ln>
-        </p:spPr>
-      </p:pic>
       <p:sp>
         <p:nvSpPr>
-          <p:cNvPr id="154" name="Google Shape;154;p15"/>
+          <p:cNvPr id="153" name="Google Shape;153;p15"/>
           <p:cNvSpPr txBox="1"/>
           <p:nvPr/>
         </p:nvSpPr>
         <p:spPr>
           <a:xfrm>
-            <a:off x="138150" y="3630350"/>
+            <a:off x="79700" y="3952200"/>
             <a:ext cx="3000000" cy="276900"/>
           </a:xfrm>
           <a:prstGeom prst="rect">
@@ -12769,12 +14202,48 @@
                 <a:cs typeface="Lato"/>
                 <a:sym typeface="Lato"/>
               </a:rPr>
-              <a:t>https://www.cell.com/fulltext/S0092-8674(11)00127-9</a:t>
-            </a:r>
-            <a:endParaRPr sz="1100"/>
+              <a:t>https://www.verywellhealth.com/cancer-cells-vs-normal-cells-2248794</a:t>
+            </a:r>
+            <a:endParaRPr sz="600">
+              <a:solidFill>
+                <a:schemeClr val="lt1"/>
+              </a:solidFill>
+              <a:latin typeface="Lato"/>
+              <a:ea typeface="Lato"/>
+              <a:cs typeface="Lato"/>
+              <a:sym typeface="Lato"/>
+            </a:endParaRPr>
           </a:p>
         </p:txBody>
       </p:sp>
+      <p:pic>
+        <p:nvPicPr>
+          <p:cNvPr id="154" name="Google Shape;154;p15"/>
+          <p:cNvPicPr preferRelativeResize="0"/>
+          <p:nvPr/>
+        </p:nvPicPr>
+        <p:blipFill>
+          <a:blip r:embed="rId3">
+            <a:alphaModFix/>
+          </a:blip>
+          <a:stretch>
+            <a:fillRect/>
+          </a:stretch>
+        </p:blipFill>
+        <p:spPr>
+          <a:xfrm>
+            <a:off x="79700" y="1576550"/>
+            <a:ext cx="3095626" cy="2322300"/>
+          </a:xfrm>
+          <a:prstGeom prst="rect">
+            <a:avLst/>
+          </a:prstGeom>
+          <a:noFill/>
+          <a:ln>
+            <a:noFill/>
+          </a:ln>
+        </p:spPr>
+      </p:pic>
     </p:spTree>
   </p:cSld>
   <p:clrMapOvr>
@@ -12850,8 +14319,8 @@
         </p:nvSpPr>
         <p:spPr>
           <a:xfrm>
-            <a:off x="1093275" y="1610213"/>
-            <a:ext cx="4203600" cy="2283600"/>
+            <a:off x="1093275" y="1214452"/>
+            <a:ext cx="4203600" cy="2679300"/>
           </a:xfrm>
           <a:prstGeom prst="rect">
             <a:avLst/>
@@ -12877,10 +14346,10 @@
               <a:buNone/>
             </a:pPr>
             <a:r>
-              <a:rPr lang="en" sz="1604"/>
+              <a:rPr lang="en" sz="1704"/>
               <a:t>The measures used to create our dataset were created through the use of FNA (fine needle aspiration) samples of individuals with suspected tumors.</a:t>
             </a:r>
-            <a:endParaRPr sz="1604"/>
+            <a:endParaRPr sz="1704"/>
           </a:p>
           <a:p>
             <a:pPr indent="0" lvl="0" marL="0" rtl="0" algn="l">
@@ -12899,7 +14368,7 @@
             <a:r>
               <a:t/>
             </a:r>
-            <a:endParaRPr sz="1604"/>
+            <a:endParaRPr sz="1704"/>
           </a:p>
           <a:p>
             <a:pPr indent="0" lvl="0" marL="0" rtl="0" algn="l">
@@ -12916,10 +14385,10 @@
               <a:buNone/>
             </a:pPr>
             <a:r>
-              <a:rPr lang="en" sz="1604"/>
+              <a:rPr lang="en" sz="1704"/>
               <a:t>The measures we used are as follows:</a:t>
             </a:r>
-            <a:endParaRPr sz="1604"/>
+            <a:endParaRPr sz="1704"/>
           </a:p>
           <a:p>
             <a:pPr indent="0" lvl="0" marL="0" rtl="0" algn="l">
@@ -12936,10 +14405,10 @@
               <a:buNone/>
             </a:pPr>
             <a:r>
-              <a:rPr b="1" lang="en" sz="1535"/>
+              <a:rPr b="1" lang="en" sz="1635"/>
               <a:t>Radius, Texture, Perimeter, Area,  Smoothness, Compactness, Concavity, Concave Points, Symmetry, and Fractal Dimension</a:t>
             </a:r>
-            <a:endParaRPr b="1" sz="1535"/>
+            <a:endParaRPr b="1" sz="1635"/>
           </a:p>
           <a:p>
             <a:pPr indent="0" lvl="0" marL="0" rtl="0" algn="l">
@@ -12958,47 +14427,19 @@
             <a:r>
               <a:t/>
             </a:r>
-            <a:endParaRPr sz="1604"/>
+            <a:endParaRPr sz="1704"/>
           </a:p>
         </p:txBody>
       </p:sp>
-      <p:pic>
-        <p:nvPicPr>
-          <p:cNvPr id="161" name="Google Shape;161;p16"/>
-          <p:cNvPicPr preferRelativeResize="0"/>
-          <p:nvPr/>
-        </p:nvPicPr>
-        <p:blipFill>
-          <a:blip r:embed="rId3">
-            <a:alphaModFix/>
-          </a:blip>
-          <a:stretch>
-            <a:fillRect/>
-          </a:stretch>
-        </p:blipFill>
-        <p:spPr>
-          <a:xfrm>
-            <a:off x="5395100" y="1569087"/>
-            <a:ext cx="3548850" cy="2365875"/>
-          </a:xfrm>
-          <a:prstGeom prst="rect">
-            <a:avLst/>
-          </a:prstGeom>
-          <a:noFill/>
-          <a:ln>
-            <a:noFill/>
-          </a:ln>
-        </p:spPr>
-      </p:pic>
       <p:sp>
         <p:nvSpPr>
-          <p:cNvPr id="162" name="Google Shape;162;p16"/>
+          <p:cNvPr id="161" name="Google Shape;161;p16"/>
           <p:cNvSpPr txBox="1"/>
           <p:nvPr/>
         </p:nvSpPr>
         <p:spPr>
           <a:xfrm>
-            <a:off x="5458950" y="4039450"/>
+            <a:off x="5271250" y="3555700"/>
             <a:ext cx="2847900" cy="276900"/>
           </a:xfrm>
           <a:prstGeom prst="rect">
@@ -13025,6 +14466,83 @@
               <a:buNone/>
             </a:pPr>
             <a:r>
+              <a:t/>
+            </a:r>
+            <a:endParaRPr sz="600">
+              <a:solidFill>
+                <a:schemeClr val="lt1"/>
+              </a:solidFill>
+              <a:latin typeface="Lato"/>
+              <a:ea typeface="Lato"/>
+              <a:cs typeface="Lato"/>
+              <a:sym typeface="Lato"/>
+            </a:endParaRPr>
+          </a:p>
+        </p:txBody>
+      </p:sp>
+      <p:pic>
+        <p:nvPicPr>
+          <p:cNvPr id="162" name="Google Shape;162;p16"/>
+          <p:cNvPicPr preferRelativeResize="0"/>
+          <p:nvPr/>
+        </p:nvPicPr>
+        <p:blipFill>
+          <a:blip r:embed="rId3">
+            <a:alphaModFix/>
+          </a:blip>
+          <a:stretch>
+            <a:fillRect/>
+          </a:stretch>
+        </p:blipFill>
+        <p:spPr>
+          <a:xfrm>
+            <a:off x="5725875" y="1030975"/>
+            <a:ext cx="2610525" cy="2632875"/>
+          </a:xfrm>
+          <a:prstGeom prst="rect">
+            <a:avLst/>
+          </a:prstGeom>
+          <a:noFill/>
+          <a:ln>
+            <a:noFill/>
+          </a:ln>
+        </p:spPr>
+      </p:pic>
+      <p:sp>
+        <p:nvSpPr>
+          <p:cNvPr id="163" name="Google Shape;163;p16"/>
+          <p:cNvSpPr txBox="1"/>
+          <p:nvPr/>
+        </p:nvSpPr>
+        <p:spPr>
+          <a:xfrm>
+            <a:off x="5725875" y="3714750"/>
+            <a:ext cx="3000000" cy="369300"/>
+          </a:xfrm>
+          <a:prstGeom prst="rect">
+            <a:avLst/>
+          </a:prstGeom>
+          <a:noFill/>
+          <a:ln>
+            <a:noFill/>
+          </a:ln>
+        </p:spPr>
+        <p:txBody>
+          <a:bodyPr anchorCtr="0" anchor="t" bIns="91425" lIns="91425" spcFirstLastPara="1" rIns="91425" wrap="square" tIns="91425">
+            <a:spAutoFit/>
+          </a:bodyPr>
+          <a:lstStyle/>
+          <a:p>
+            <a:pPr indent="0" lvl="0" marL="0" rtl="0" algn="l">
+              <a:spcBef>
+                <a:spcPts val="0"/>
+              </a:spcBef>
+              <a:spcAft>
+                <a:spcPts val="0"/>
+              </a:spcAft>
+              <a:buNone/>
+            </a:pPr>
+            <a:r>
               <a:rPr lang="en" sz="600">
                 <a:solidFill>
                   <a:schemeClr val="lt1"/>
@@ -13034,17 +14552,9 @@
                 <a:cs typeface="Lato"/>
                 <a:sym typeface="Lato"/>
               </a:rPr>
-              <a:t>https://www.cancer.gov/about-cancer/understanding/what-is-cancer</a:t>
-            </a:r>
-            <a:endParaRPr sz="600">
-              <a:solidFill>
-                <a:schemeClr val="lt1"/>
-              </a:solidFill>
-              <a:latin typeface="Lato"/>
-              <a:ea typeface="Lato"/>
-              <a:cs typeface="Lato"/>
-              <a:sym typeface="Lato"/>
-            </a:endParaRPr>
+              <a:t>https://www.cancer.org/cancer/breast-cancer/screening-tests-and-early-detection/breast-biopsy/fine-needle-aspiration-biopsy-of-the-breast.html</a:t>
+            </a:r>
+            <a:endParaRPr sz="1100"/>
           </a:p>
         </p:txBody>
       </p:sp>
@@ -13061,7 +14571,7 @@
   <p:cSld>
     <p:spTree>
       <p:nvGrpSpPr>
-        <p:cNvPr id="166" name="Shape 166"/>
+        <p:cNvPr id="167" name="Shape 167"/>
         <p:cNvGrpSpPr/>
         <p:nvPr/>
       </p:nvGrpSpPr>
@@ -13075,7 +14585,7 @@
       </p:grpSpPr>
       <p:sp>
         <p:nvSpPr>
-          <p:cNvPr id="167" name="Google Shape;167;p17"/>
+          <p:cNvPr id="168" name="Google Shape;168;p17"/>
           <p:cNvSpPr txBox="1"/>
           <p:nvPr>
             <p:ph type="title"/>
@@ -13115,7 +14625,7 @@
       </p:sp>
       <p:sp>
         <p:nvSpPr>
-          <p:cNvPr id="168" name="Google Shape;168;p17"/>
+          <p:cNvPr id="169" name="Google Shape;169;p17"/>
           <p:cNvSpPr txBox="1"/>
           <p:nvPr>
             <p:ph idx="1" type="body"/>
@@ -13124,7 +14634,7 @@
         <p:spPr>
           <a:xfrm>
             <a:off x="1297500" y="1367725"/>
-            <a:ext cx="7038900" cy="2911200"/>
+            <a:ext cx="7038900" cy="3775800"/>
           </a:xfrm>
           <a:prstGeom prst="rect">
             <a:avLst/>
@@ -13147,12 +14657,30 @@
             </a:pPr>
             <a:r>
               <a:rPr lang="en" sz="1700"/>
-              <a:t>Our goal is to apply the power of machine learning models to identify the likelihood that a tumor could either be benign or malignant. To this, we first need to answer the following questions:</a:t>
+              <a:t>Our goal is to apply the power of machine learning models to identify the likelihood that a tumor could either be benign or malignant. To accomplish this, we first need to answer the following questions:</a:t>
             </a:r>
             <a:endParaRPr sz="1700"/>
           </a:p>
           <a:p>
+            <a:pPr indent="0" lvl="0" marL="0" rtl="0" algn="l">
+              <a:spcBef>
+                <a:spcPts val="1200"/>
+              </a:spcBef>
+              <a:spcAft>
+                <a:spcPts val="0"/>
+              </a:spcAft>
+              <a:buNone/>
+            </a:pPr>
+            <a:r>
+              <a:t/>
+            </a:r>
+            <a:endParaRPr sz="1700"/>
+          </a:p>
+          <a:p>
             <a:pPr indent="-323850" lvl="0" marL="457200" rtl="0" algn="l">
+              <a:lnSpc>
+                <a:spcPct val="200000"/>
+              </a:lnSpc>
               <a:spcBef>
                 <a:spcPts val="1200"/>
               </a:spcBef>
@@ -13164,12 +14692,15 @@
             </a:pPr>
             <a:r>
               <a:rPr lang="en" sz="1500"/>
-              <a:t>After examining our data, which features have the greatest likelihood of predicting malignancy?</a:t>
+              <a:t>Which features have the greatest likelihood of predicting malignancy?</a:t>
             </a:r>
             <a:endParaRPr sz="1500"/>
           </a:p>
           <a:p>
             <a:pPr indent="-323850" lvl="0" marL="457200" rtl="0" algn="l">
+              <a:lnSpc>
+                <a:spcPct val="200000"/>
+              </a:lnSpc>
               <a:spcBef>
                 <a:spcPts val="0"/>
               </a:spcBef>
@@ -13187,6 +14718,9 @@
           </a:p>
           <a:p>
             <a:pPr indent="-323850" lvl="0" marL="457200" rtl="0" algn="l">
+              <a:lnSpc>
+                <a:spcPct val="200000"/>
+              </a:lnSpc>
               <a:spcBef>
                 <a:spcPts val="0"/>
               </a:spcBef>
@@ -13232,7 +14766,7 @@
   <p:cSld>
     <p:spTree>
       <p:nvGrpSpPr>
-        <p:cNvPr id="172" name="Shape 172"/>
+        <p:cNvPr id="173" name="Shape 173"/>
         <p:cNvGrpSpPr/>
         <p:nvPr/>
       </p:nvGrpSpPr>
@@ -13246,7 +14780,225 @@
       </p:grpSpPr>
       <p:sp>
         <p:nvSpPr>
-          <p:cNvPr id="173" name="Google Shape;173;p18"/>
+          <p:cNvPr id="174" name="Google Shape;174;p18"/>
+          <p:cNvSpPr txBox="1"/>
+          <p:nvPr>
+            <p:ph type="title"/>
+          </p:nvPr>
+        </p:nvSpPr>
+        <p:spPr>
+          <a:xfrm>
+            <a:off x="1297500" y="393750"/>
+            <a:ext cx="7038900" cy="914100"/>
+          </a:xfrm>
+          <a:prstGeom prst="rect">
+            <a:avLst/>
+          </a:prstGeom>
+        </p:spPr>
+        <p:txBody>
+          <a:bodyPr anchorCtr="0" anchor="t" bIns="91425" lIns="91425" spcFirstLastPara="1" rIns="91425" wrap="square" tIns="91425">
+            <a:normAutofit fontScale="90000"/>
+          </a:bodyPr>
+          <a:lstStyle/>
+          <a:p>
+            <a:pPr indent="0" lvl="0" marL="0" rtl="0" algn="l">
+              <a:spcBef>
+                <a:spcPts val="0"/>
+              </a:spcBef>
+              <a:spcAft>
+                <a:spcPts val="0"/>
+              </a:spcAft>
+              <a:buNone/>
+            </a:pPr>
+            <a:r>
+              <a:rPr lang="en"/>
+              <a:t>Recount of </a:t>
+            </a:r>
+            <a:r>
+              <a:rPr lang="en" sz="1500">
+                <a:latin typeface="Roboto"/>
+                <a:ea typeface="Roboto"/>
+                <a:cs typeface="Roboto"/>
+                <a:sym typeface="Roboto"/>
+              </a:rPr>
+              <a:t> </a:t>
+            </a:r>
+            <a:r>
+              <a:rPr lang="en"/>
+              <a:t>Technologies, Tools, Languages, and Algorithms</a:t>
+            </a:r>
+            <a:endParaRPr/>
+          </a:p>
+        </p:txBody>
+      </p:sp>
+      <p:sp>
+        <p:nvSpPr>
+          <p:cNvPr id="175" name="Google Shape;175;p18"/>
+          <p:cNvSpPr txBox="1"/>
+          <p:nvPr>
+            <p:ph idx="1" type="body"/>
+          </p:nvPr>
+        </p:nvSpPr>
+        <p:spPr>
+          <a:xfrm>
+            <a:off x="1158525" y="1307850"/>
+            <a:ext cx="7720200" cy="3645900"/>
+          </a:xfrm>
+          <a:prstGeom prst="rect">
+            <a:avLst/>
+          </a:prstGeom>
+        </p:spPr>
+        <p:txBody>
+          <a:bodyPr anchorCtr="0" anchor="t" bIns="91425" lIns="91425" spcFirstLastPara="1" rIns="91425" wrap="square" tIns="91425">
+            <a:normAutofit fontScale="92500"/>
+          </a:bodyPr>
+          <a:lstStyle/>
+          <a:p>
+            <a:pPr indent="0" lvl="0" marL="0" rtl="0" algn="l">
+              <a:spcBef>
+                <a:spcPts val="0"/>
+              </a:spcBef>
+              <a:spcAft>
+                <a:spcPts val="0"/>
+              </a:spcAft>
+              <a:buNone/>
+            </a:pPr>
+            <a:r>
+              <a:rPr b="1" lang="en" sz="1500"/>
+              <a:t>Machine Learning Model: Google Colab - Python, Pandas, PySpark, and Matplotlib/Seaborn</a:t>
+            </a:r>
+            <a:endParaRPr b="1" sz="1500"/>
+          </a:p>
+          <a:p>
+            <a:pPr indent="457200" lvl="0" marL="0" rtl="0" algn="l">
+              <a:spcBef>
+                <a:spcPts val="1200"/>
+              </a:spcBef>
+              <a:spcAft>
+                <a:spcPts val="0"/>
+              </a:spcAft>
+              <a:buNone/>
+            </a:pPr>
+            <a:r>
+              <a:rPr lang="en"/>
+              <a:t>For ease of sharing amongst all four members, we used Google Colab to write and build our Machine Learning Model. This would also allow us to easily upload the DataBase through the cloud easier with Amazon Web Services (AWS).</a:t>
+            </a:r>
+            <a:endParaRPr/>
+          </a:p>
+          <a:p>
+            <a:pPr indent="0" lvl="0" marL="0" rtl="0" algn="l">
+              <a:spcBef>
+                <a:spcPts val="1200"/>
+              </a:spcBef>
+              <a:spcAft>
+                <a:spcPts val="0"/>
+              </a:spcAft>
+              <a:buNone/>
+            </a:pPr>
+            <a:r>
+              <a:rPr b="1" lang="en" sz="1500"/>
+              <a:t>DataBase: AWS - RDS and S3 &amp; </a:t>
+            </a:r>
+            <a:r>
+              <a:rPr b="1" lang="en" sz="1500"/>
+              <a:t>Postgres</a:t>
+            </a:r>
+            <a:endParaRPr b="1" sz="1500"/>
+          </a:p>
+          <a:p>
+            <a:pPr indent="0" lvl="0" marL="0" rtl="0" algn="l">
+              <a:spcBef>
+                <a:spcPts val="1200"/>
+              </a:spcBef>
+              <a:spcAft>
+                <a:spcPts val="0"/>
+              </a:spcAft>
+              <a:buNone/>
+            </a:pPr>
+            <a:r>
+              <a:rPr lang="en"/>
+              <a:t>	As stated previously, AWS was used to </a:t>
+            </a:r>
+            <a:r>
+              <a:rPr lang="en"/>
+              <a:t>easily</a:t>
+            </a:r>
+            <a:r>
+              <a:rPr lang="en"/>
+              <a:t> add the DataBase to our notebook. With AWS, we connected to the Database locally with </a:t>
+            </a:r>
+            <a:r>
+              <a:rPr lang="en"/>
+              <a:t>Postgres</a:t>
+            </a:r>
+            <a:r>
+              <a:rPr lang="en"/>
+              <a:t> to create the tables we used for this model. After the tables were created, we loaded them back to AWS, which can then be added to our notebook on Google Colab</a:t>
+            </a:r>
+            <a:endParaRPr/>
+          </a:p>
+          <a:p>
+            <a:pPr indent="0" lvl="0" marL="0" rtl="0" algn="l">
+              <a:spcBef>
+                <a:spcPts val="1200"/>
+              </a:spcBef>
+              <a:spcAft>
+                <a:spcPts val="0"/>
+              </a:spcAft>
+              <a:buNone/>
+            </a:pPr>
+            <a:r>
+              <a:rPr b="1" lang="en" sz="1500"/>
+              <a:t>Interactive Visualization: Tableau</a:t>
+            </a:r>
+            <a:endParaRPr b="1" sz="1500"/>
+          </a:p>
+          <a:p>
+            <a:pPr indent="0" lvl="0" marL="0" rtl="0" algn="l">
+              <a:spcBef>
+                <a:spcPts val="1200"/>
+              </a:spcBef>
+              <a:spcAft>
+                <a:spcPts val="1200"/>
+              </a:spcAft>
+              <a:buNone/>
+            </a:pPr>
+            <a:r>
+              <a:rPr lang="en"/>
+              <a:t>	For the dashboard we created, we used Tableau to create a drop down menu of the different graphs we created in order to allow the user to have a better grasp of how different features affect the diagnosis of the patient’s sample.</a:t>
+            </a:r>
+            <a:endParaRPr/>
+          </a:p>
+        </p:txBody>
+      </p:sp>
+    </p:spTree>
+  </p:cSld>
+  <p:clrMapOvr>
+    <a:masterClrMapping/>
+  </p:clrMapOvr>
+</p:sld>
+</file>
+
+<file path=ppt/slides/slide7.xml><?xml version="1.0" encoding="utf-8"?>
+<p:sld xmlns:a="http://schemas.openxmlformats.org/drawingml/2006/main" xmlns:r="http://schemas.openxmlformats.org/officeDocument/2006/relationships" xmlns:mc="http://schemas.openxmlformats.org/markup-compatibility/2006" xmlns:mv="urn:schemas-microsoft-com:mac:vml" xmlns:p="http://schemas.openxmlformats.org/presentationml/2006/main" xmlns:c="http://schemas.openxmlformats.org/drawingml/2006/chart" xmlns:dgm="http://schemas.openxmlformats.org/drawingml/2006/diagram" xmlns:o="urn:schemas-microsoft-com:office:office" xmlns:v="urn:schemas-microsoft-com:vml" xmlns:pvml="urn:schemas-microsoft-com:office:powerpoint" xmlns:com="http://schemas.openxmlformats.org/drawingml/2006/compatibility" xmlns:p14="http://schemas.microsoft.com/office/powerpoint/2010/main" xmlns:p15="http://schemas.microsoft.com/office/powerpoint/2012/main" xmlns:ahyp="http://schemas.microsoft.com/office/drawing/2018/hyperlinkcolor">
+  <p:cSld>
+    <p:spTree>
+      <p:nvGrpSpPr>
+        <p:cNvPr id="179" name="Shape 179"/>
+        <p:cNvGrpSpPr/>
+        <p:nvPr/>
+      </p:nvGrpSpPr>
+      <p:grpSpPr>
+        <a:xfrm>
+          <a:off x="0" y="0"/>
+          <a:ext cx="0" cy="0"/>
+          <a:chOff x="0" y="0"/>
+          <a:chExt cx="0" cy="0"/>
+        </a:xfrm>
+      </p:grpSpPr>
+      <p:sp>
+        <p:nvSpPr>
+          <p:cNvPr id="180" name="Google Shape;180;p19"/>
           <p:cNvSpPr txBox="1"/>
           <p:nvPr>
             <p:ph type="title"/>
@@ -13286,7 +15038,7 @@
       </p:sp>
       <p:sp>
         <p:nvSpPr>
-          <p:cNvPr id="174" name="Google Shape;174;p18"/>
+          <p:cNvPr id="181" name="Google Shape;181;p19"/>
           <p:cNvSpPr txBox="1"/>
           <p:nvPr>
             <p:ph idx="1" type="body"/>
@@ -13424,7 +15176,7 @@
       </p:sp>
       <p:pic>
         <p:nvPicPr>
-          <p:cNvPr id="175" name="Google Shape;175;p18"/>
+          <p:cNvPr id="182" name="Google Shape;182;p19"/>
           <p:cNvPicPr preferRelativeResize="0"/>
           <p:nvPr/>
         </p:nvPicPr>
@@ -13452,7 +15204,7 @@
       </p:pic>
       <p:pic>
         <p:nvPicPr>
-          <p:cNvPr id="176" name="Google Shape;176;p18"/>
+          <p:cNvPr id="183" name="Google Shape;183;p19"/>
           <p:cNvPicPr preferRelativeResize="0"/>
           <p:nvPr/>
         </p:nvPicPr>
@@ -13480,7 +15232,7 @@
       </p:pic>
       <p:pic>
         <p:nvPicPr>
-          <p:cNvPr id="177" name="Google Shape;177;p18"/>
+          <p:cNvPr id="184" name="Google Shape;184;p19"/>
           <p:cNvPicPr preferRelativeResize="0"/>
           <p:nvPr/>
         </p:nvPicPr>
@@ -13508,7 +15260,7 @@
       </p:pic>
       <p:pic>
         <p:nvPicPr>
-          <p:cNvPr id="178" name="Google Shape;178;p18"/>
+          <p:cNvPr id="185" name="Google Shape;185;p19"/>
           <p:cNvPicPr preferRelativeResize="0"/>
           <p:nvPr/>
         </p:nvPicPr>
@@ -13536,7 +15288,7 @@
       </p:pic>
       <p:sp>
         <p:nvSpPr>
-          <p:cNvPr id="179" name="Google Shape;179;p18"/>
+          <p:cNvPr id="186" name="Google Shape;186;p19"/>
           <p:cNvSpPr txBox="1"/>
           <p:nvPr/>
         </p:nvSpPr>
@@ -13745,7 +15497,7 @@
       </p:sp>
       <p:sp>
         <p:nvSpPr>
-          <p:cNvPr id="180" name="Google Shape;180;p18"/>
+          <p:cNvPr id="187" name="Google Shape;187;p19"/>
           <p:cNvSpPr txBox="1"/>
           <p:nvPr/>
         </p:nvSpPr>
@@ -13803,7 +15555,7 @@
       </p:sp>
       <p:sp>
         <p:nvSpPr>
-          <p:cNvPr id="181" name="Google Shape;181;p18"/>
+          <p:cNvPr id="188" name="Google Shape;188;p19"/>
           <p:cNvSpPr txBox="1"/>
           <p:nvPr/>
         </p:nvSpPr>
@@ -13867,12 +15619,12 @@
 </p:sld>
 </file>
 
-<file path=ppt/slides/slide7.xml><?xml version="1.0" encoding="utf-8"?>
+<file path=ppt/slides/slide8.xml><?xml version="1.0" encoding="utf-8"?>
 <p:sld xmlns:a="http://schemas.openxmlformats.org/drawingml/2006/main" xmlns:r="http://schemas.openxmlformats.org/officeDocument/2006/relationships" xmlns:mc="http://schemas.openxmlformats.org/markup-compatibility/2006" xmlns:mv="urn:schemas-microsoft-com:mac:vml" xmlns:p="http://schemas.openxmlformats.org/presentationml/2006/main" xmlns:c="http://schemas.openxmlformats.org/drawingml/2006/chart" xmlns:dgm="http://schemas.openxmlformats.org/drawingml/2006/diagram" xmlns:o="urn:schemas-microsoft-com:office:office" xmlns:v="urn:schemas-microsoft-com:vml" xmlns:pvml="urn:schemas-microsoft-com:office:powerpoint" xmlns:com="http://schemas.openxmlformats.org/drawingml/2006/compatibility" xmlns:p14="http://schemas.microsoft.com/office/powerpoint/2010/main" xmlns:p15="http://schemas.microsoft.com/office/powerpoint/2012/main" xmlns:ahyp="http://schemas.microsoft.com/office/drawing/2018/hyperlinkcolor">
   <p:cSld>
     <p:spTree>
       <p:nvGrpSpPr>
-        <p:cNvPr id="185" name="Shape 185"/>
+        <p:cNvPr id="192" name="Shape 192"/>
         <p:cNvGrpSpPr/>
         <p:nvPr/>
       </p:nvGrpSpPr>
@@ -13886,7 +15638,7 @@
       </p:grpSpPr>
       <p:sp>
         <p:nvSpPr>
-          <p:cNvPr id="186" name="Google Shape;186;p19"/>
+          <p:cNvPr id="193" name="Google Shape;193;p20"/>
           <p:cNvSpPr txBox="1"/>
           <p:nvPr>
             <p:ph type="title"/>
@@ -13941,7 +15693,7 @@
       </p:sp>
       <p:sp>
         <p:nvSpPr>
-          <p:cNvPr id="187" name="Google Shape;187;p19"/>
+          <p:cNvPr id="194" name="Google Shape;194;p20"/>
           <p:cNvSpPr txBox="1"/>
           <p:nvPr>
             <p:ph idx="1" type="body"/>
@@ -14200,7 +15952,7 @@
       </p:sp>
       <p:pic>
         <p:nvPicPr>
-          <p:cNvPr id="188" name="Google Shape;188;p19"/>
+          <p:cNvPr id="195" name="Google Shape;195;p20"/>
           <p:cNvPicPr preferRelativeResize="0"/>
           <p:nvPr/>
         </p:nvPicPr>
@@ -14228,7 +15980,7 @@
       </p:pic>
       <p:sp>
         <p:nvSpPr>
-          <p:cNvPr id="189" name="Google Shape;189;p19"/>
+          <p:cNvPr id="196" name="Google Shape;196;p20"/>
           <p:cNvSpPr txBox="1"/>
           <p:nvPr/>
         </p:nvSpPr>
@@ -14286,7 +16038,7 @@
       </p:sp>
       <p:cxnSp>
         <p:nvCxnSpPr>
-          <p:cNvPr id="190" name="Google Shape;190;p19"/>
+          <p:cNvPr id="197" name="Google Shape;197;p20"/>
           <p:cNvCxnSpPr/>
           <p:nvPr/>
         </p:nvCxnSpPr>
@@ -14318,12 +16070,12 @@
 </p:sld>
 </file>
 
-<file path=ppt/slides/slide8.xml><?xml version="1.0" encoding="utf-8"?>
+<file path=ppt/slides/slide9.xml><?xml version="1.0" encoding="utf-8"?>
 <p:sld xmlns:a="http://schemas.openxmlformats.org/drawingml/2006/main" xmlns:r="http://schemas.openxmlformats.org/officeDocument/2006/relationships" xmlns:mc="http://schemas.openxmlformats.org/markup-compatibility/2006" xmlns:mv="urn:schemas-microsoft-com:mac:vml" xmlns:p="http://schemas.openxmlformats.org/presentationml/2006/main" xmlns:c="http://schemas.openxmlformats.org/drawingml/2006/chart" xmlns:dgm="http://schemas.openxmlformats.org/drawingml/2006/diagram" xmlns:o="urn:schemas-microsoft-com:office:office" xmlns:v="urn:schemas-microsoft-com:vml" xmlns:pvml="urn:schemas-microsoft-com:office:powerpoint" xmlns:com="http://schemas.openxmlformats.org/drawingml/2006/compatibility" xmlns:p14="http://schemas.microsoft.com/office/powerpoint/2010/main" xmlns:p15="http://schemas.microsoft.com/office/powerpoint/2012/main" xmlns:ahyp="http://schemas.microsoft.com/office/drawing/2018/hyperlinkcolor">
   <p:cSld>
     <p:spTree>
       <p:nvGrpSpPr>
-        <p:cNvPr id="194" name="Shape 194"/>
+        <p:cNvPr id="201" name="Shape 201"/>
         <p:cNvGrpSpPr/>
         <p:nvPr/>
       </p:nvGrpSpPr>
@@ -14337,7 +16089,7 @@
       </p:grpSpPr>
       <p:sp>
         <p:nvSpPr>
-          <p:cNvPr id="195" name="Google Shape;195;p20"/>
+          <p:cNvPr id="202" name="Google Shape;202;p21"/>
           <p:cNvSpPr txBox="1"/>
           <p:nvPr>
             <p:ph type="title"/>
@@ -14392,7 +16144,7 @@
       </p:sp>
       <p:sp>
         <p:nvSpPr>
-          <p:cNvPr id="196" name="Google Shape;196;p20"/>
+          <p:cNvPr id="203" name="Google Shape;203;p21"/>
           <p:cNvSpPr txBox="1"/>
           <p:nvPr>
             <p:ph idx="1" type="body"/>
@@ -14447,7 +16199,7 @@
       </p:sp>
       <p:sp>
         <p:nvSpPr>
-          <p:cNvPr id="197" name="Google Shape;197;p20"/>
+          <p:cNvPr id="204" name="Google Shape;204;p21"/>
           <p:cNvSpPr txBox="1"/>
           <p:nvPr/>
         </p:nvSpPr>
@@ -14560,7 +16312,7 @@
       </p:sp>
       <p:pic>
         <p:nvPicPr>
-          <p:cNvPr id="198" name="Google Shape;198;p20"/>
+          <p:cNvPr id="205" name="Google Shape;205;p21"/>
           <p:cNvPicPr preferRelativeResize="0"/>
           <p:nvPr/>
         </p:nvPicPr>
@@ -14587,7 +16339,7 @@
       </p:pic>
       <p:pic>
         <p:nvPicPr>
-          <p:cNvPr id="199" name="Google Shape;199;p20"/>
+          <p:cNvPr id="206" name="Google Shape;206;p21"/>
           <p:cNvPicPr preferRelativeResize="0"/>
           <p:nvPr/>
         </p:nvPicPr>
@@ -14614,7 +16366,7 @@
       </p:pic>
       <p:pic>
         <p:nvPicPr>
-          <p:cNvPr id="200" name="Google Shape;200;p20"/>
+          <p:cNvPr id="207" name="Google Shape;207;p21"/>
           <p:cNvPicPr preferRelativeResize="0"/>
           <p:nvPr/>
         </p:nvPicPr>
@@ -14641,7 +16393,7 @@
       </p:pic>
       <p:pic>
         <p:nvPicPr>
-          <p:cNvPr id="201" name="Google Shape;201;p20"/>
+          <p:cNvPr id="208" name="Google Shape;208;p21"/>
           <p:cNvPicPr preferRelativeResize="0"/>
           <p:nvPr/>
         </p:nvPicPr>
@@ -14668,7 +16420,7 @@
       </p:pic>
       <p:pic>
         <p:nvPicPr>
-          <p:cNvPr id="202" name="Google Shape;202;p20"/>
+          <p:cNvPr id="209" name="Google Shape;209;p21"/>
           <p:cNvPicPr preferRelativeResize="0"/>
           <p:nvPr/>
         </p:nvPicPr>
@@ -14695,7 +16447,7 @@
       </p:pic>
       <p:pic>
         <p:nvPicPr>
-          <p:cNvPr id="203" name="Google Shape;203;p20"/>
+          <p:cNvPr id="210" name="Google Shape;210;p21"/>
           <p:cNvPicPr preferRelativeResize="0"/>
           <p:nvPr/>
         </p:nvPicPr>
@@ -14722,7 +16474,7 @@
       </p:pic>
       <p:pic>
         <p:nvPicPr>
-          <p:cNvPr id="204" name="Google Shape;204;p20"/>
+          <p:cNvPr id="211" name="Google Shape;211;p21"/>
           <p:cNvPicPr preferRelativeResize="0"/>
           <p:nvPr/>
         </p:nvPicPr>
@@ -14750,7 +16502,7 @@
       </p:pic>
       <p:sp>
         <p:nvSpPr>
-          <p:cNvPr id="205" name="Google Shape;205;p20"/>
+          <p:cNvPr id="212" name="Google Shape;212;p21"/>
           <p:cNvSpPr txBox="1"/>
           <p:nvPr/>
         </p:nvSpPr>
@@ -14808,7 +16560,7 @@
       </p:sp>
       <p:sp>
         <p:nvSpPr>
-          <p:cNvPr id="206" name="Google Shape;206;p20"/>
+          <p:cNvPr id="213" name="Google Shape;213;p21"/>
           <p:cNvSpPr txBox="1"/>
           <p:nvPr/>
         </p:nvSpPr>
@@ -14872,200 +16624,286 @@
 </p:sld>
 </file>
 
-<file path=ppt/slides/slide9.xml><?xml version="1.0" encoding="utf-8"?>
-<p:sld xmlns:a="http://schemas.openxmlformats.org/drawingml/2006/main" xmlns:r="http://schemas.openxmlformats.org/officeDocument/2006/relationships" xmlns:mc="http://schemas.openxmlformats.org/markup-compatibility/2006" xmlns:mv="urn:schemas-microsoft-com:mac:vml" xmlns:p="http://schemas.openxmlformats.org/presentationml/2006/main" xmlns:c="http://schemas.openxmlformats.org/drawingml/2006/chart" xmlns:dgm="http://schemas.openxmlformats.org/drawingml/2006/diagram" xmlns:o="urn:schemas-microsoft-com:office:office" xmlns:v="urn:schemas-microsoft-com:vml" xmlns:pvml="urn:schemas-microsoft-com:office:powerpoint" xmlns:com="http://schemas.openxmlformats.org/drawingml/2006/compatibility" xmlns:p14="http://schemas.microsoft.com/office/powerpoint/2010/main" xmlns:p15="http://schemas.microsoft.com/office/powerpoint/2012/main" xmlns:ahyp="http://schemas.microsoft.com/office/drawing/2018/hyperlinkcolor">
-  <p:cSld>
-    <p:spTree>
-      <p:nvGrpSpPr>
-        <p:cNvPr id="210" name="Shape 210"/>
-        <p:cNvGrpSpPr/>
-        <p:nvPr/>
-      </p:nvGrpSpPr>
-      <p:grpSpPr>
-        <a:xfrm>
-          <a:off x="0" y="0"/>
-          <a:ext cx="0" cy="0"/>
-          <a:chOff x="0" y="0"/>
-          <a:chExt cx="0" cy="0"/>
-        </a:xfrm>
-      </p:grpSpPr>
-      <p:sp>
-        <p:nvSpPr>
-          <p:cNvPr id="211" name="Google Shape;211;p21"/>
-          <p:cNvSpPr txBox="1"/>
-          <p:nvPr>
-            <p:ph type="title"/>
-          </p:nvPr>
-        </p:nvSpPr>
-        <p:spPr>
-          <a:xfrm>
-            <a:off x="1297500" y="393750"/>
-            <a:ext cx="7038900" cy="914100"/>
-          </a:xfrm>
-          <a:prstGeom prst="rect">
-            <a:avLst/>
-          </a:prstGeom>
-        </p:spPr>
-        <p:txBody>
-          <a:bodyPr anchorCtr="0" anchor="t" bIns="91425" lIns="91425" spcFirstLastPara="1" rIns="91425" wrap="square" tIns="91425">
-            <a:normAutofit fontScale="90000"/>
-          </a:bodyPr>
-          <a:lstStyle/>
-          <a:p>
-            <a:pPr indent="0" lvl="0" marL="0" rtl="0" algn="l">
-              <a:spcBef>
-                <a:spcPts val="0"/>
-              </a:spcBef>
-              <a:spcAft>
-                <a:spcPts val="0"/>
-              </a:spcAft>
-              <a:buNone/>
-            </a:pPr>
-            <a:r>
-              <a:rPr lang="en" sz="2622"/>
-              <a:t>What we learned from our </a:t>
-            </a:r>
-            <a:r>
-              <a:rPr lang="en" sz="2622"/>
-              <a:t>Machine</a:t>
-            </a:r>
-            <a:r>
-              <a:rPr lang="en" sz="2622"/>
-              <a:t> Learning Model…</a:t>
-            </a:r>
-            <a:endParaRPr sz="2622"/>
-          </a:p>
-        </p:txBody>
-      </p:sp>
-      <p:sp>
-        <p:nvSpPr>
-          <p:cNvPr id="212" name="Google Shape;212;p21"/>
-          <p:cNvSpPr txBox="1"/>
-          <p:nvPr>
-            <p:ph idx="1" type="body"/>
-          </p:nvPr>
-        </p:nvSpPr>
-        <p:spPr>
-          <a:xfrm>
-            <a:off x="1297500" y="1567550"/>
-            <a:ext cx="7038900" cy="2911200"/>
-          </a:xfrm>
-          <a:prstGeom prst="rect">
-            <a:avLst/>
-          </a:prstGeom>
-        </p:spPr>
-        <p:txBody>
-          <a:bodyPr anchorCtr="0" anchor="t" bIns="91425" lIns="91425" spcFirstLastPara="1" rIns="91425" wrap="square" tIns="91425">
-            <a:normAutofit/>
-          </a:bodyPr>
-          <a:lstStyle/>
-          <a:p>
-            <a:pPr indent="0" lvl="0" marL="0" rtl="0" algn="l">
-              <a:spcBef>
-                <a:spcPts val="0"/>
-              </a:spcBef>
-              <a:spcAft>
-                <a:spcPts val="0"/>
-              </a:spcAft>
-              <a:buNone/>
-            </a:pPr>
-            <a:r>
-              <a:rPr lang="en" sz="1500"/>
-              <a:t>We ran both a Linear and </a:t>
-            </a:r>
-            <a:r>
-              <a:rPr lang="en" sz="1500"/>
-              <a:t>Logistic</a:t>
-            </a:r>
-            <a:r>
-              <a:rPr lang="en" sz="1500"/>
-              <a:t> Regression Models to determine which was better for predicting cancer based off the list of features provided.</a:t>
-            </a:r>
-            <a:endParaRPr sz="1500"/>
-          </a:p>
-          <a:p>
-            <a:pPr indent="0" lvl="0" marL="457200" marR="917728" rtl="0" algn="l">
-              <a:spcBef>
-                <a:spcPts val="1200"/>
-              </a:spcBef>
-              <a:spcAft>
-                <a:spcPts val="0"/>
-              </a:spcAft>
-              <a:buNone/>
-            </a:pPr>
-            <a:r>
-              <a:rPr lang="en" sz="1500"/>
-              <a:t>For the Linear Regression, we </a:t>
-            </a:r>
-            <a:r>
-              <a:rPr lang="en" sz="1500"/>
-              <a:t>achieved</a:t>
-            </a:r>
-            <a:r>
-              <a:rPr lang="en" sz="1500"/>
-              <a:t> an </a:t>
-            </a:r>
-            <a:r>
-              <a:rPr b="1" lang="en" sz="1500"/>
-              <a:t>84.27%</a:t>
-            </a:r>
-            <a:r>
-              <a:rPr lang="en" sz="1500"/>
-              <a:t> accuracy score which is considered acceptable.</a:t>
-            </a:r>
-            <a:endParaRPr sz="1500"/>
-          </a:p>
-          <a:p>
-            <a:pPr indent="0" lvl="0" marL="457200" marR="917728" rtl="0" algn="l">
-              <a:spcBef>
-                <a:spcPts val="1200"/>
-              </a:spcBef>
-              <a:spcAft>
-                <a:spcPts val="1200"/>
-              </a:spcAft>
-              <a:buNone/>
-            </a:pPr>
-            <a:r>
-              <a:rPr lang="en" sz="1500"/>
-              <a:t>For Logistic Regression, we </a:t>
-            </a:r>
-            <a:r>
-              <a:rPr lang="en" sz="1500"/>
-              <a:t>received</a:t>
-            </a:r>
-            <a:r>
-              <a:rPr lang="en" sz="1500"/>
-              <a:t> a </a:t>
-            </a:r>
-            <a:r>
-              <a:rPr b="1" lang="en" sz="1500"/>
-              <a:t>97.09%</a:t>
-            </a:r>
-            <a:r>
-              <a:rPr lang="en" sz="1500"/>
-              <a:t> accuracy score meaning that a Logistic Regression is a very reliable model to use to predict </a:t>
-            </a:r>
-            <a:r>
-              <a:rPr lang="en" sz="1500"/>
-              <a:t>whether</a:t>
-            </a:r>
-            <a:r>
-              <a:rPr lang="en" sz="1500"/>
-              <a:t> someone has cancer based off the list of features we have provided the model.</a:t>
-            </a:r>
-            <a:endParaRPr sz="1500"/>
-          </a:p>
-        </p:txBody>
-      </p:sp>
-    </p:spTree>
-  </p:cSld>
-  <p:clrMapOvr>
-    <a:masterClrMapping/>
-  </p:clrMapOvr>
-</p:sld>
+<file path=ppt/theme/theme1.xml><?xml version="1.0" encoding="utf-8"?>
+<a:theme xmlns:a="http://schemas.openxmlformats.org/drawingml/2006/main" xmlns:r="http://schemas.openxmlformats.org/officeDocument/2006/relationships" name="Focus">
+  <a:themeElements>
+    <a:clrScheme name="Focus">
+      <a:dk1>
+        <a:srgbClr val="1B212C"/>
+      </a:dk1>
+      <a:lt1>
+        <a:srgbClr val="FFFFFF"/>
+      </a:lt1>
+      <a:dk2>
+        <a:srgbClr val="D9D9D9"/>
+      </a:dk2>
+      <a:lt2>
+        <a:srgbClr val="82C7A5"/>
+      </a:lt2>
+      <a:accent1>
+        <a:srgbClr val="0145AC"/>
+      </a:accent1>
+      <a:accent2>
+        <a:srgbClr val="EECE1A"/>
+      </a:accent2>
+      <a:accent3>
+        <a:srgbClr val="4E5567"/>
+      </a:accent3>
+      <a:accent4>
+        <a:srgbClr val="F4D6AD"/>
+      </a:accent4>
+      <a:accent5>
+        <a:srgbClr val="7890CD"/>
+      </a:accent5>
+      <a:accent6>
+        <a:srgbClr val="F15E22"/>
+      </a:accent6>
+      <a:hlink>
+        <a:srgbClr val="7890CD"/>
+      </a:hlink>
+      <a:folHlink>
+        <a:srgbClr val="7890CD"/>
+      </a:folHlink>
+    </a:clrScheme>
+    <a:fontScheme name="Office">
+      <a:majorFont>
+        <a:latin typeface="Arial"/>
+        <a:ea typeface=""/>
+        <a:cs typeface=""/>
+        <a:font script="Jpan" typeface="ＭＳ Ｐゴシック"/>
+        <a:font script="Hang" typeface="맑은 고딕"/>
+        <a:font script="Hans" typeface="宋体"/>
+        <a:font script="Hant" typeface="新細明體"/>
+        <a:font script="Arab" typeface="Times New Roman"/>
+        <a:font script="Hebr" typeface="Times New Roman"/>
+        <a:font script="Thai" typeface="Angsana New"/>
+        <a:font script="Ethi" typeface="Nyala"/>
+        <a:font script="Beng" typeface="Vrinda"/>
+        <a:font script="Gujr" typeface="Shruti"/>
+        <a:font script="Khmr" typeface="MoolBoran"/>
+        <a:font script="Knda" typeface="Tunga"/>
+        <a:font script="Guru" typeface="Raavi"/>
+        <a:font script="Cans" typeface="Euphemia"/>
+        <a:font script="Cher" typeface="Plantagenet Cherokee"/>
+        <a:font script="Yiii" typeface="Microsoft Yi Baiti"/>
+        <a:font script="Tibt" typeface="Microsoft Himalaya"/>
+        <a:font script="Thaa" typeface="MV Boli"/>
+        <a:font script="Deva" typeface="Mangal"/>
+        <a:font script="Telu" typeface="Gautami"/>
+        <a:font script="Taml" typeface="Latha"/>
+        <a:font script="Syrc" typeface="Estrangelo Edessa"/>
+        <a:font script="Orya" typeface="Kalinga"/>
+        <a:font script="Mlym" typeface="Kartika"/>
+        <a:font script="Laoo" typeface="DokChampa"/>
+        <a:font script="Sinh" typeface="Iskoola Pota"/>
+        <a:font script="Mong" typeface="Mongolian Baiti"/>
+        <a:font script="Viet" typeface="Times New Roman"/>
+        <a:font script="Uigh" typeface="Microsoft Uighur"/>
+        <a:font script="Geor" typeface="Sylfaen"/>
+      </a:majorFont>
+      <a:minorFont>
+        <a:latin typeface="Arial"/>
+        <a:ea typeface=""/>
+        <a:cs typeface=""/>
+        <a:font script="Jpan" typeface="ＭＳ Ｐゴシック"/>
+        <a:font script="Hang" typeface="맑은 고딕"/>
+        <a:font script="Hans" typeface="宋体"/>
+        <a:font script="Hant" typeface="新細明體"/>
+        <a:font script="Arab" typeface="Arial"/>
+        <a:font script="Hebr" typeface="Arial"/>
+        <a:font script="Thai" typeface="Cordia New"/>
+        <a:font script="Ethi" typeface="Nyala"/>
+        <a:font script="Beng" typeface="Vrinda"/>
+        <a:font script="Gujr" typeface="Shruti"/>
+        <a:font script="Khmr" typeface="DaunPenh"/>
+        <a:font script="Knda" typeface="Tunga"/>
+        <a:font script="Guru" typeface="Raavi"/>
+        <a:font script="Cans" typeface="Euphemia"/>
+        <a:font script="Cher" typeface="Plantagenet Cherokee"/>
+        <a:font script="Yiii" typeface="Microsoft Yi Baiti"/>
+        <a:font script="Tibt" typeface="Microsoft Himalaya"/>
+        <a:font script="Thaa" typeface="MV Boli"/>
+        <a:font script="Deva" typeface="Mangal"/>
+        <a:font script="Telu" typeface="Gautami"/>
+        <a:font script="Taml" typeface="Latha"/>
+        <a:font script="Syrc" typeface="Estrangelo Edessa"/>
+        <a:font script="Orya" typeface="Kalinga"/>
+        <a:font script="Mlym" typeface="Kartika"/>
+        <a:font script="Laoo" typeface="DokChampa"/>
+        <a:font script="Sinh" typeface="Iskoola Pota"/>
+        <a:font script="Mong" typeface="Mongolian Baiti"/>
+        <a:font script="Viet" typeface="Arial"/>
+        <a:font script="Uigh" typeface="Microsoft Uighur"/>
+        <a:font script="Geor" typeface="Sylfaen"/>
+      </a:minorFont>
+    </a:fontScheme>
+    <a:fmtScheme name="Office">
+      <a:fillStyleLst>
+        <a:solidFill>
+          <a:schemeClr val="phClr"/>
+        </a:solidFill>
+        <a:gradFill rotWithShape="1">
+          <a:gsLst>
+            <a:gs pos="0">
+              <a:schemeClr val="phClr">
+                <a:tint val="50000"/>
+                <a:satMod val="300000"/>
+              </a:schemeClr>
+            </a:gs>
+            <a:gs pos="35000">
+              <a:schemeClr val="phClr">
+                <a:tint val="37000"/>
+                <a:satMod val="300000"/>
+              </a:schemeClr>
+            </a:gs>
+            <a:gs pos="100000">
+              <a:schemeClr val="phClr">
+                <a:tint val="15000"/>
+                <a:satMod val="350000"/>
+              </a:schemeClr>
+            </a:gs>
+          </a:gsLst>
+          <a:lin ang="16200000" scaled="1"/>
+        </a:gradFill>
+        <a:gradFill rotWithShape="1">
+          <a:gsLst>
+            <a:gs pos="0">
+              <a:schemeClr val="phClr">
+                <a:tint val="100000"/>
+                <a:shade val="100000"/>
+                <a:satMod val="130000"/>
+              </a:schemeClr>
+            </a:gs>
+            <a:gs pos="100000">
+              <a:schemeClr val="phClr">
+                <a:tint val="50000"/>
+                <a:shade val="100000"/>
+                <a:satMod val="350000"/>
+              </a:schemeClr>
+            </a:gs>
+          </a:gsLst>
+          <a:lin ang="16200000" scaled="0"/>
+        </a:gradFill>
+      </a:fillStyleLst>
+      <a:lnStyleLst>
+        <a:ln w="9525" cap="flat" cmpd="sng" algn="ctr">
+          <a:solidFill>
+            <a:schemeClr val="phClr">
+              <a:shade val="95000"/>
+              <a:satMod val="105000"/>
+            </a:schemeClr>
+          </a:solidFill>
+          <a:prstDash val="solid"/>
+        </a:ln>
+        <a:ln w="25400" cap="flat" cmpd="sng" algn="ctr">
+          <a:solidFill>
+            <a:schemeClr val="phClr"/>
+          </a:solidFill>
+          <a:prstDash val="solid"/>
+        </a:ln>
+        <a:ln w="38100" cap="flat" cmpd="sng" algn="ctr">
+          <a:solidFill>
+            <a:schemeClr val="phClr"/>
+          </a:solidFill>
+          <a:prstDash val="solid"/>
+        </a:ln>
+      </a:lnStyleLst>
+      <a:effectStyleLst>
+        <a:effectStyle>
+          <a:effectLst>
+            <a:outerShdw blurRad="40000" dist="20000" dir="5400000" rotWithShape="0">
+              <a:srgbClr val="000000">
+                <a:alpha val="38000"/>
+              </a:srgbClr>
+            </a:outerShdw>
+          </a:effectLst>
+        </a:effectStyle>
+        <a:effectStyle>
+          <a:effectLst>
+            <a:outerShdw blurRad="40000" dist="23000" dir="5400000" rotWithShape="0">
+              <a:srgbClr val="000000">
+                <a:alpha val="35000"/>
+              </a:srgbClr>
+            </a:outerShdw>
+          </a:effectLst>
+        </a:effectStyle>
+        <a:effectStyle>
+          <a:effectLst>
+            <a:outerShdw blurRad="40000" dist="23000" dir="5400000" rotWithShape="0">
+              <a:srgbClr val="000000">
+                <a:alpha val="35000"/>
+              </a:srgbClr>
+            </a:outerShdw>
+          </a:effectLst>
+          <a:scene3d>
+            <a:camera prst="orthographicFront">
+              <a:rot lat="0" lon="0" rev="0"/>
+            </a:camera>
+            <a:lightRig rig="threePt" dir="t">
+              <a:rot lat="0" lon="0" rev="1200000"/>
+            </a:lightRig>
+          </a:scene3d>
+          <a:sp3d>
+            <a:bevelT w="63500" h="25400"/>
+          </a:sp3d>
+        </a:effectStyle>
+      </a:effectStyleLst>
+      <a:bgFillStyleLst>
+        <a:solidFill>
+          <a:schemeClr val="phClr"/>
+        </a:solidFill>
+        <a:gradFill rotWithShape="1">
+          <a:gsLst>
+            <a:gs pos="0">
+              <a:schemeClr val="phClr">
+                <a:tint val="40000"/>
+                <a:satMod val="350000"/>
+              </a:schemeClr>
+            </a:gs>
+            <a:gs pos="40000">
+              <a:schemeClr val="phClr">
+                <a:tint val="45000"/>
+                <a:shade val="99000"/>
+                <a:satMod val="350000"/>
+              </a:schemeClr>
+            </a:gs>
+            <a:gs pos="100000">
+              <a:schemeClr val="phClr">
+                <a:shade val="20000"/>
+                <a:satMod val="255000"/>
+              </a:schemeClr>
+            </a:gs>
+          </a:gsLst>
+          <a:path path="circle">
+            <a:fillToRect l="50000" t="-80000" r="50000" b="180000"/>
+          </a:path>
+        </a:gradFill>
+        <a:gradFill rotWithShape="1">
+          <a:gsLst>
+            <a:gs pos="0">
+              <a:schemeClr val="phClr">
+                <a:tint val="80000"/>
+                <a:satMod val="300000"/>
+              </a:schemeClr>
+            </a:gs>
+            <a:gs pos="100000">
+              <a:schemeClr val="phClr">
+                <a:shade val="30000"/>
+                <a:satMod val="200000"/>
+              </a:schemeClr>
+            </a:gs>
+          </a:gsLst>
+          <a:path path="circle">
+            <a:fillToRect l="50000" t="50000" r="50000" b="50000"/>
+          </a:path>
+        </a:gradFill>
+      </a:bgFillStyleLst>
+    </a:fmtScheme>
+  </a:themeElements>
+</a:theme>
 </file>
 
-<file path=ppt/theme/theme1.xml><?xml version="1.0" encoding="utf-8"?>
+<file path=ppt/theme/theme2.xml><?xml version="1.0" encoding="utf-8"?>
 <a:theme xmlns:a="http://schemas.openxmlformats.org/drawingml/2006/main" xmlns:r="http://schemas.openxmlformats.org/officeDocument/2006/relationships">
   <a:themeElements>
     <a:clrScheme name="Default">
@@ -15342,283 +17180,4 @@
     </a:fmtScheme>
   </a:themeElements>
 </a:theme>
-</file>
-
-<file path=ppt/theme/theme2.xml><?xml version="1.0" encoding="utf-8"?>
-<a:theme xmlns:a="http://schemas.openxmlformats.org/drawingml/2006/main" xmlns:r="http://schemas.openxmlformats.org/officeDocument/2006/relationships" name="Focus">
-  <a:themeElements>
-    <a:clrScheme name="Focus">
-      <a:dk1>
-        <a:srgbClr val="1B212C"/>
-      </a:dk1>
-      <a:lt1>
-        <a:srgbClr val="FFFFFF"/>
-      </a:lt1>
-      <a:dk2>
-        <a:srgbClr val="D9D9D9"/>
-      </a:dk2>
-      <a:lt2>
-        <a:srgbClr val="82C7A5"/>
-      </a:lt2>
-      <a:accent1>
-        <a:srgbClr val="0145AC"/>
-      </a:accent1>
-      <a:accent2>
-        <a:srgbClr val="EECE1A"/>
-      </a:accent2>
-      <a:accent3>
-        <a:srgbClr val="4E5567"/>
-      </a:accent3>
-      <a:accent4>
-        <a:srgbClr val="F4D6AD"/>
-      </a:accent4>
-      <a:accent5>
-        <a:srgbClr val="7890CD"/>
-      </a:accent5>
-      <a:accent6>
-        <a:srgbClr val="F15E22"/>
-      </a:accent6>
-      <a:hlink>
-        <a:srgbClr val="7890CD"/>
-      </a:hlink>
-      <a:folHlink>
-        <a:srgbClr val="7890CD"/>
-      </a:folHlink>
-    </a:clrScheme>
-    <a:fontScheme name="Office">
-      <a:majorFont>
-        <a:latin typeface="Arial"/>
-        <a:ea typeface=""/>
-        <a:cs typeface=""/>
-        <a:font script="Jpan" typeface="ＭＳ Ｐゴシック"/>
-        <a:font script="Hang" typeface="맑은 고딕"/>
-        <a:font script="Hans" typeface="宋体"/>
-        <a:font script="Hant" typeface="新細明體"/>
-        <a:font script="Arab" typeface="Times New Roman"/>
-        <a:font script="Hebr" typeface="Times New Roman"/>
-        <a:font script="Thai" typeface="Angsana New"/>
-        <a:font script="Ethi" typeface="Nyala"/>
-        <a:font script="Beng" typeface="Vrinda"/>
-        <a:font script="Gujr" typeface="Shruti"/>
-        <a:font script="Khmr" typeface="MoolBoran"/>
-        <a:font script="Knda" typeface="Tunga"/>
-        <a:font script="Guru" typeface="Raavi"/>
-        <a:font script="Cans" typeface="Euphemia"/>
-        <a:font script="Cher" typeface="Plantagenet Cherokee"/>
-        <a:font script="Yiii" typeface="Microsoft Yi Baiti"/>
-        <a:font script="Tibt" typeface="Microsoft Himalaya"/>
-        <a:font script="Thaa" typeface="MV Boli"/>
-        <a:font script="Deva" typeface="Mangal"/>
-        <a:font script="Telu" typeface="Gautami"/>
-        <a:font script="Taml" typeface="Latha"/>
-        <a:font script="Syrc" typeface="Estrangelo Edessa"/>
-        <a:font script="Orya" typeface="Kalinga"/>
-        <a:font script="Mlym" typeface="Kartika"/>
-        <a:font script="Laoo" typeface="DokChampa"/>
-        <a:font script="Sinh" typeface="Iskoola Pota"/>
-        <a:font script="Mong" typeface="Mongolian Baiti"/>
-        <a:font script="Viet" typeface="Times New Roman"/>
-        <a:font script="Uigh" typeface="Microsoft Uighur"/>
-        <a:font script="Geor" typeface="Sylfaen"/>
-      </a:majorFont>
-      <a:minorFont>
-        <a:latin typeface="Arial"/>
-        <a:ea typeface=""/>
-        <a:cs typeface=""/>
-        <a:font script="Jpan" typeface="ＭＳ Ｐゴシック"/>
-        <a:font script="Hang" typeface="맑은 고딕"/>
-        <a:font script="Hans" typeface="宋体"/>
-        <a:font script="Hant" typeface="新細明體"/>
-        <a:font script="Arab" typeface="Arial"/>
-        <a:font script="Hebr" typeface="Arial"/>
-        <a:font script="Thai" typeface="Cordia New"/>
-        <a:font script="Ethi" typeface="Nyala"/>
-        <a:font script="Beng" typeface="Vrinda"/>
-        <a:font script="Gujr" typeface="Shruti"/>
-        <a:font script="Khmr" typeface="DaunPenh"/>
-        <a:font script="Knda" typeface="Tunga"/>
-        <a:font script="Guru" typeface="Raavi"/>
-        <a:font script="Cans" typeface="Euphemia"/>
-        <a:font script="Cher" typeface="Plantagenet Cherokee"/>
-        <a:font script="Yiii" typeface="Microsoft Yi Baiti"/>
-        <a:font script="Tibt" typeface="Microsoft Himalaya"/>
-        <a:font script="Thaa" typeface="MV Boli"/>
-        <a:font script="Deva" typeface="Mangal"/>
-        <a:font script="Telu" typeface="Gautami"/>
-        <a:font script="Taml" typeface="Latha"/>
-        <a:font script="Syrc" typeface="Estrangelo Edessa"/>
-        <a:font script="Orya" typeface="Kalinga"/>
-        <a:font script="Mlym" typeface="Kartika"/>
-        <a:font script="Laoo" typeface="DokChampa"/>
-        <a:font script="Sinh" typeface="Iskoola Pota"/>
-        <a:font script="Mong" typeface="Mongolian Baiti"/>
-        <a:font script="Viet" typeface="Arial"/>
-        <a:font script="Uigh" typeface="Microsoft Uighur"/>
-        <a:font script="Geor" typeface="Sylfaen"/>
-      </a:minorFont>
-    </a:fontScheme>
-    <a:fmtScheme name="Office">
-      <a:fillStyleLst>
-        <a:solidFill>
-          <a:schemeClr val="phClr"/>
-        </a:solidFill>
-        <a:gradFill rotWithShape="1">
-          <a:gsLst>
-            <a:gs pos="0">
-              <a:schemeClr val="phClr">
-                <a:tint val="50000"/>
-                <a:satMod val="300000"/>
-              </a:schemeClr>
-            </a:gs>
-            <a:gs pos="35000">
-              <a:schemeClr val="phClr">
-                <a:tint val="37000"/>
-                <a:satMod val="300000"/>
-              </a:schemeClr>
-            </a:gs>
-            <a:gs pos="100000">
-              <a:schemeClr val="phClr">
-                <a:tint val="15000"/>
-                <a:satMod val="350000"/>
-              </a:schemeClr>
-            </a:gs>
-          </a:gsLst>
-          <a:lin ang="16200000" scaled="1"/>
-        </a:gradFill>
-        <a:gradFill rotWithShape="1">
-          <a:gsLst>
-            <a:gs pos="0">
-              <a:schemeClr val="phClr">
-                <a:tint val="100000"/>
-                <a:shade val="100000"/>
-                <a:satMod val="130000"/>
-              </a:schemeClr>
-            </a:gs>
-            <a:gs pos="100000">
-              <a:schemeClr val="phClr">
-                <a:tint val="50000"/>
-                <a:shade val="100000"/>
-                <a:satMod val="350000"/>
-              </a:schemeClr>
-            </a:gs>
-          </a:gsLst>
-          <a:lin ang="16200000" scaled="0"/>
-        </a:gradFill>
-      </a:fillStyleLst>
-      <a:lnStyleLst>
-        <a:ln w="9525" cap="flat" cmpd="sng" algn="ctr">
-          <a:solidFill>
-            <a:schemeClr val="phClr">
-              <a:shade val="95000"/>
-              <a:satMod val="105000"/>
-            </a:schemeClr>
-          </a:solidFill>
-          <a:prstDash val="solid"/>
-        </a:ln>
-        <a:ln w="25400" cap="flat" cmpd="sng" algn="ctr">
-          <a:solidFill>
-            <a:schemeClr val="phClr"/>
-          </a:solidFill>
-          <a:prstDash val="solid"/>
-        </a:ln>
-        <a:ln w="38100" cap="flat" cmpd="sng" algn="ctr">
-          <a:solidFill>
-            <a:schemeClr val="phClr"/>
-          </a:solidFill>
-          <a:prstDash val="solid"/>
-        </a:ln>
-      </a:lnStyleLst>
-      <a:effectStyleLst>
-        <a:effectStyle>
-          <a:effectLst>
-            <a:outerShdw blurRad="40000" dist="20000" dir="5400000" rotWithShape="0">
-              <a:srgbClr val="000000">
-                <a:alpha val="38000"/>
-              </a:srgbClr>
-            </a:outerShdw>
-          </a:effectLst>
-        </a:effectStyle>
-        <a:effectStyle>
-          <a:effectLst>
-            <a:outerShdw blurRad="40000" dist="23000" dir="5400000" rotWithShape="0">
-              <a:srgbClr val="000000">
-                <a:alpha val="35000"/>
-              </a:srgbClr>
-            </a:outerShdw>
-          </a:effectLst>
-        </a:effectStyle>
-        <a:effectStyle>
-          <a:effectLst>
-            <a:outerShdw blurRad="40000" dist="23000" dir="5400000" rotWithShape="0">
-              <a:srgbClr val="000000">
-                <a:alpha val="35000"/>
-              </a:srgbClr>
-            </a:outerShdw>
-          </a:effectLst>
-          <a:scene3d>
-            <a:camera prst="orthographicFront">
-              <a:rot lat="0" lon="0" rev="0"/>
-            </a:camera>
-            <a:lightRig rig="threePt" dir="t">
-              <a:rot lat="0" lon="0" rev="1200000"/>
-            </a:lightRig>
-          </a:scene3d>
-          <a:sp3d>
-            <a:bevelT w="63500" h="25400"/>
-          </a:sp3d>
-        </a:effectStyle>
-      </a:effectStyleLst>
-      <a:bgFillStyleLst>
-        <a:solidFill>
-          <a:schemeClr val="phClr"/>
-        </a:solidFill>
-        <a:gradFill rotWithShape="1">
-          <a:gsLst>
-            <a:gs pos="0">
-              <a:schemeClr val="phClr">
-                <a:tint val="40000"/>
-                <a:satMod val="350000"/>
-              </a:schemeClr>
-            </a:gs>
-            <a:gs pos="40000">
-              <a:schemeClr val="phClr">
-                <a:tint val="45000"/>
-                <a:shade val="99000"/>
-                <a:satMod val="350000"/>
-              </a:schemeClr>
-            </a:gs>
-            <a:gs pos="100000">
-              <a:schemeClr val="phClr">
-                <a:shade val="20000"/>
-                <a:satMod val="255000"/>
-              </a:schemeClr>
-            </a:gs>
-          </a:gsLst>
-          <a:path path="circle">
-            <a:fillToRect l="50000" t="-80000" r="50000" b="180000"/>
-          </a:path>
-        </a:gradFill>
-        <a:gradFill rotWithShape="1">
-          <a:gsLst>
-            <a:gs pos="0">
-              <a:schemeClr val="phClr">
-                <a:tint val="80000"/>
-                <a:satMod val="300000"/>
-              </a:schemeClr>
-            </a:gs>
-            <a:gs pos="100000">
-              <a:schemeClr val="phClr">
-                <a:shade val="30000"/>
-                <a:satMod val="200000"/>
-              </a:schemeClr>
-            </a:gs>
-          </a:gsLst>
-          <a:path path="circle">
-            <a:fillToRect l="50000" t="50000" r="50000" b="50000"/>
-          </a:path>
-        </a:gradFill>
-      </a:bgFillStyleLst>
-    </a:fmtScheme>
-  </a:themeElements>
-</a:theme>
 </file>
--- a/Predicting the Presence of Cancer in Breast Cancer Cells.pptx
+++ b/Predicting the Presence of Cancer in Breast Cancer Cells.pptx
@@ -2,7 +2,7 @@
 <file path=ppt/presentation.xml><?xml version="1.0" encoding="utf-8"?>
 <p:presentation xmlns:a="http://schemas.openxmlformats.org/drawingml/2006/main" xmlns:r="http://schemas.openxmlformats.org/officeDocument/2006/relationships" xmlns:mc="http://schemas.openxmlformats.org/markup-compatibility/2006" xmlns:mv="urn:schemas-microsoft-com:mac:vml" xmlns:p="http://schemas.openxmlformats.org/presentationml/2006/main" xmlns:c="http://schemas.openxmlformats.org/drawingml/2006/chart" xmlns:dgm="http://schemas.openxmlformats.org/drawingml/2006/diagram" xmlns:o="urn:schemas-microsoft-com:office:office" xmlns:v="urn:schemas-microsoft-com:vml" xmlns:pvml="urn:schemas-microsoft-com:office:powerpoint" xmlns:com="http://schemas.openxmlformats.org/drawingml/2006/compatibility" xmlns:p14="http://schemas.microsoft.com/office/powerpoint/2010/main" xmlns:p15="http://schemas.microsoft.com/office/powerpoint/2012/main" xmlns:ahyp="http://schemas.microsoft.com/office/drawing/2018/hyperlinkcolor" autoCompressPictures="0" embedTrueTypeFonts="1" strictFirstAndLastChars="0" saveSubsetFonts="1">
   <p:sldMasterIdLst>
-    <p:sldMasterId id="2147483659" r:id="rId4"/>
+    <p:sldMasterId id="2147483660" r:id="rId4"/>
   </p:sldMasterIdLst>
   <p:notesMasterIdLst>
     <p:notesMasterId r:id="rId5"/>
@@ -24,30 +24,32 @@
     <p:sldId id="269" r:id="rId19"/>
     <p:sldId id="270" r:id="rId20"/>
     <p:sldId id="271" r:id="rId21"/>
+    <p:sldId id="272" r:id="rId22"/>
+    <p:sldId id="273" r:id="rId23"/>
   </p:sldIdLst>
   <p:sldSz cy="5143500" cx="9144000"/>
   <p:notesSz cx="6858000" cy="9144000"/>
   <p:embeddedFontLst>
     <p:embeddedFont>
       <p:font typeface="Roboto"/>
-      <p:regular r:id="rId22"/>
-      <p:bold r:id="rId23"/>
-      <p:italic r:id="rId24"/>
-      <p:boldItalic r:id="rId25"/>
+      <p:regular r:id="rId24"/>
+      <p:bold r:id="rId25"/>
+      <p:italic r:id="rId26"/>
+      <p:boldItalic r:id="rId27"/>
     </p:embeddedFont>
     <p:embeddedFont>
       <p:font typeface="Montserrat"/>
-      <p:regular r:id="rId26"/>
-      <p:bold r:id="rId27"/>
-      <p:italic r:id="rId28"/>
-      <p:boldItalic r:id="rId29"/>
+      <p:regular r:id="rId28"/>
+      <p:bold r:id="rId29"/>
+      <p:italic r:id="rId30"/>
+      <p:boldItalic r:id="rId31"/>
     </p:embeddedFont>
     <p:embeddedFont>
       <p:font typeface="Lato"/>
-      <p:regular r:id="rId30"/>
-      <p:bold r:id="rId31"/>
-      <p:italic r:id="rId32"/>
-      <p:boldItalic r:id="rId33"/>
+      <p:regular r:id="rId32"/>
+      <p:bold r:id="rId33"/>
+      <p:italic r:id="rId34"/>
+      <p:boldItalic r:id="rId35"/>
     </p:embeddedFont>
   </p:embeddedFontLst>
   <p:defaultTextStyle>
@@ -729,7 +731,7 @@
   <p:cSld>
     <p:spTree>
       <p:nvGrpSpPr>
-        <p:cNvPr id="130" name="Shape 130"/>
+        <p:cNvPr id="136" name="Shape 136"/>
         <p:cNvGrpSpPr/>
         <p:nvPr/>
       </p:nvGrpSpPr>
@@ -743,7 +745,7 @@
       </p:grpSpPr>
       <p:sp>
         <p:nvSpPr>
-          <p:cNvPr id="131" name="Google Shape;131;p:notes"/>
+          <p:cNvPr id="137" name="Google Shape;137;p:notes"/>
           <p:cNvSpPr/>
           <p:nvPr>
             <p:ph idx="2" type="sldImg"/>
@@ -778,7 +780,7 @@
       </p:sp>
       <p:sp>
         <p:nvSpPr>
-          <p:cNvPr id="132" name="Google Shape;132;p:notes"/>
+          <p:cNvPr id="138" name="Google Shape;138;p:notes"/>
           <p:cNvSpPr txBox="1"/>
           <p:nvPr>
             <p:ph idx="1" type="body"/>
@@ -829,7 +831,7 @@
   <p:cSld>
     <p:spTree>
       <p:nvGrpSpPr>
-        <p:cNvPr id="214" name="Shape 214"/>
+        <p:cNvPr id="209" name="Shape 209"/>
         <p:cNvGrpSpPr/>
         <p:nvPr/>
       </p:nvGrpSpPr>
@@ -843,7 +845,7 @@
       </p:grpSpPr>
       <p:sp>
         <p:nvSpPr>
-          <p:cNvPr id="215" name="Google Shape;215;g12e5ee9067f_0_2:notes"/>
+          <p:cNvPr id="210" name="Google Shape;210;g12cae811305_0_29:notes"/>
           <p:cNvSpPr/>
           <p:nvPr>
             <p:ph idx="2" type="sldImg"/>
@@ -878,7 +880,7 @@
       </p:sp>
       <p:sp>
         <p:nvSpPr>
-          <p:cNvPr id="216" name="Google Shape;216;g12e5ee9067f_0_2:notes"/>
+          <p:cNvPr id="211" name="Google Shape;211;g12cae811305_0_29:notes"/>
           <p:cNvSpPr txBox="1"/>
           <p:nvPr>
             <p:ph idx="1" type="body"/>
@@ -914,6 +916,92 @@
             </a:r>
             <a:endParaRPr/>
           </a:p>
+          <a:p>
+            <a:pPr indent="0" lvl="0" marL="0" rtl="0" algn="l">
+              <a:spcBef>
+                <a:spcPts val="0"/>
+              </a:spcBef>
+              <a:spcAft>
+                <a:spcPts val="0"/>
+              </a:spcAft>
+              <a:buNone/>
+            </a:pPr>
+            <a:r>
+              <a:t/>
+            </a:r>
+            <a:endParaRPr/>
+          </a:p>
+          <a:p>
+            <a:pPr indent="0" lvl="0" marL="0" rtl="0" algn="l">
+              <a:spcBef>
+                <a:spcPts val="0"/>
+              </a:spcBef>
+              <a:spcAft>
+                <a:spcPts val="0"/>
+              </a:spcAft>
+              <a:buNone/>
+            </a:pPr>
+            <a:r>
+              <a:rPr lang="en"/>
+              <a:t>Within the confusion matrix, the positive prediction, </a:t>
+            </a:r>
+            <a:r>
+              <a:rPr lang="en"/>
+              <a:t>labeled</a:t>
+            </a:r>
+            <a:r>
+              <a:rPr lang="en"/>
+              <a:t> 0, is malignant tumor and negative is a benign tumor, labeled 1.</a:t>
+            </a:r>
+            <a:endParaRPr/>
+          </a:p>
+          <a:p>
+            <a:pPr indent="0" lvl="0" marL="0" rtl="0" algn="l">
+              <a:spcBef>
+                <a:spcPts val="0"/>
+              </a:spcBef>
+              <a:spcAft>
+                <a:spcPts val="0"/>
+              </a:spcAft>
+              <a:buNone/>
+            </a:pPr>
+            <a:r>
+              <a:t/>
+            </a:r>
+            <a:endParaRPr/>
+          </a:p>
+          <a:p>
+            <a:pPr indent="0" lvl="0" marL="0" rtl="0" algn="l">
+              <a:spcBef>
+                <a:spcPts val="0"/>
+              </a:spcBef>
+              <a:spcAft>
+                <a:spcPts val="0"/>
+              </a:spcAft>
+              <a:buNone/>
+            </a:pPr>
+            <a:r>
+              <a:rPr lang="en"/>
+              <a:t>After running the classification report and the confusion matrix, we can see that the model was </a:t>
+            </a:r>
+            <a:r>
+              <a:rPr lang="en"/>
+              <a:t>extremely</a:t>
+            </a:r>
+            <a:r>
+              <a:rPr lang="en"/>
+              <a:t> accurate </a:t>
+            </a:r>
+            <a:r>
+              <a:rPr lang="en"/>
+              <a:t>across</a:t>
+            </a:r>
+            <a:r>
+              <a:rPr lang="en"/>
+              <a:t> all the fields. From there, we ran our accuracy scores.</a:t>
+            </a:r>
+            <a:endParaRPr/>
+          </a:p>
         </p:txBody>
       </p:sp>
     </p:spTree>
@@ -929,7 +1017,7 @@
   <p:cSld>
     <p:spTree>
       <p:nvGrpSpPr>
-        <p:cNvPr id="220" name="Shape 220"/>
+        <p:cNvPr id="225" name="Shape 225"/>
         <p:cNvGrpSpPr/>
         <p:nvPr/>
       </p:nvGrpSpPr>
@@ -943,7 +1031,7 @@
       </p:grpSpPr>
       <p:sp>
         <p:nvSpPr>
-          <p:cNvPr id="221" name="Google Shape;221;g12cae811305_0_44:notes"/>
+          <p:cNvPr id="226" name="Google Shape;226;g12e5ee9067f_0_2:notes"/>
           <p:cNvSpPr/>
           <p:nvPr>
             <p:ph idx="2" type="sldImg"/>
@@ -978,7 +1066,7 @@
       </p:sp>
       <p:sp>
         <p:nvSpPr>
-          <p:cNvPr id="222" name="Google Shape;222;g12cae811305_0_44:notes"/>
+          <p:cNvPr id="227" name="Google Shape;227;g12e5ee9067f_0_2:notes"/>
           <p:cNvSpPr txBox="1"/>
           <p:nvPr>
             <p:ph idx="1" type="body"/>
@@ -1014,76 +1102,6 @@
             </a:r>
             <a:endParaRPr/>
           </a:p>
-          <a:p>
-            <a:pPr indent="0" lvl="0" marL="0" rtl="0" algn="l">
-              <a:spcBef>
-                <a:spcPts val="0"/>
-              </a:spcBef>
-              <a:spcAft>
-                <a:spcPts val="0"/>
-              </a:spcAft>
-              <a:buNone/>
-            </a:pPr>
-            <a:r>
-              <a:t/>
-            </a:r>
-            <a:endParaRPr/>
-          </a:p>
-          <a:p>
-            <a:pPr indent="0" lvl="0" marL="0" rtl="0" algn="l">
-              <a:spcBef>
-                <a:spcPts val="0"/>
-              </a:spcBef>
-              <a:spcAft>
-                <a:spcPts val="0"/>
-              </a:spcAft>
-              <a:buNone/>
-            </a:pPr>
-            <a:r>
-              <a:rPr lang="en"/>
-              <a:t>Read slide</a:t>
-            </a:r>
-            <a:endParaRPr/>
-          </a:p>
-          <a:p>
-            <a:pPr indent="0" lvl="0" marL="0" rtl="0" algn="l">
-              <a:spcBef>
-                <a:spcPts val="0"/>
-              </a:spcBef>
-              <a:spcAft>
-                <a:spcPts val="0"/>
-              </a:spcAft>
-              <a:buNone/>
-            </a:pPr>
-            <a:r>
-              <a:t/>
-            </a:r>
-            <a:endParaRPr/>
-          </a:p>
-          <a:p>
-            <a:pPr indent="0" lvl="0" marL="0" rtl="0" algn="l">
-              <a:spcBef>
-                <a:spcPts val="0"/>
-              </a:spcBef>
-              <a:spcAft>
-                <a:spcPts val="0"/>
-              </a:spcAft>
-              <a:buNone/>
-            </a:pPr>
-            <a:r>
-              <a:rPr lang="en"/>
-              <a:t>Unsure why our accuracy score for the </a:t>
-            </a:r>
-            <a:r>
-              <a:rPr lang="en"/>
-              <a:t>logistic</a:t>
-            </a:r>
-            <a:r>
-              <a:rPr lang="en"/>
-              <a:t> regression accuracy score was so high, we put our heads back together to try and determine what exactly in our data was leading our model to be so accurate.</a:t>
-            </a:r>
-            <a:endParaRPr/>
-          </a:p>
         </p:txBody>
       </p:sp>
     </p:spTree>
@@ -1099,7 +1117,7 @@
   <p:cSld>
     <p:spTree>
       <p:nvGrpSpPr>
-        <p:cNvPr id="226" name="Shape 226"/>
+        <p:cNvPr id="231" name="Shape 231"/>
         <p:cNvGrpSpPr/>
         <p:nvPr/>
       </p:nvGrpSpPr>
@@ -1113,7 +1131,7 @@
       </p:grpSpPr>
       <p:sp>
         <p:nvSpPr>
-          <p:cNvPr id="227" name="Google Shape;227;g12d9ec015e5_0_5:notes"/>
+          <p:cNvPr id="232" name="Google Shape;232;g12cae811305_0_44:notes"/>
           <p:cNvSpPr/>
           <p:nvPr>
             <p:ph idx="2" type="sldImg"/>
@@ -1148,7 +1166,7 @@
       </p:sp>
       <p:sp>
         <p:nvSpPr>
-          <p:cNvPr id="228" name="Google Shape;228;g12d9ec015e5_0_5:notes"/>
+          <p:cNvPr id="233" name="Google Shape;233;g12cae811305_0_44:notes"/>
           <p:cNvSpPr txBox="1"/>
           <p:nvPr>
             <p:ph idx="1" type="body"/>
@@ -1180,7 +1198,7 @@
             </a:pPr>
             <a:r>
               <a:rPr lang="en"/>
-              <a:t>David</a:t>
+              <a:t>Kenny</a:t>
             </a:r>
             <a:endParaRPr/>
           </a:p>
@@ -1211,7 +1229,7 @@
             </a:pPr>
             <a:r>
               <a:rPr lang="en"/>
-              <a:t>Thinking about it simply, we know that cancer cells are often characterized by its size so we decided to drop the radius, perimeter, and area features from our data.</a:t>
+              <a:t>Read slide</a:t>
             </a:r>
             <a:endParaRPr/>
           </a:p>
@@ -1226,40 +1244,23 @@
               <a:buNone/>
             </a:pPr>
             <a:r>
+              <a:t/>
+            </a:r>
+            <a:endParaRPr/>
+          </a:p>
+          <a:p>
+            <a:pPr indent="0" lvl="0" marL="0" rtl="0" algn="l">
+              <a:spcBef>
+                <a:spcPts val="0"/>
+              </a:spcBef>
+              <a:spcAft>
+                <a:spcPts val="0"/>
+              </a:spcAft>
+              <a:buNone/>
+            </a:pPr>
+            <a:r>
               <a:rPr lang="en"/>
-              <a:t>To double check our train of thought, we </a:t>
-            </a:r>
-            <a:r>
-              <a:rPr lang="en"/>
-              <a:t>referred</a:t>
-            </a:r>
-            <a:r>
-              <a:rPr lang="en"/>
-              <a:t> back to the heat map to see if there were strong </a:t>
-            </a:r>
-            <a:r>
-              <a:rPr lang="en"/>
-              <a:t>correlations</a:t>
-            </a:r>
-            <a:r>
-              <a:rPr lang="en"/>
-              <a:t> between these size features</a:t>
-            </a:r>
-            <a:endParaRPr/>
-          </a:p>
-          <a:p>
-            <a:pPr indent="0" lvl="0" marL="0" rtl="0" algn="l">
-              <a:spcBef>
-                <a:spcPts val="0"/>
-              </a:spcBef>
-              <a:spcAft>
-                <a:spcPts val="0"/>
-              </a:spcAft>
-              <a:buNone/>
-            </a:pPr>
-            <a:r>
-              <a:rPr lang="en"/>
-              <a:t>From there, we ran the </a:t>
+              <a:t>Unsure why our accuracy score for the </a:t>
             </a:r>
             <a:r>
               <a:rPr lang="en"/>
@@ -1267,22 +1268,7 @@
             </a:r>
             <a:r>
               <a:rPr lang="en"/>
-              <a:t> model again to see if there was any change in the outcomes.</a:t>
-            </a:r>
-            <a:endParaRPr/>
-          </a:p>
-          <a:p>
-            <a:pPr indent="0" lvl="0" marL="0" rtl="0" algn="l">
-              <a:spcBef>
-                <a:spcPts val="0"/>
-              </a:spcBef>
-              <a:spcAft>
-                <a:spcPts val="0"/>
-              </a:spcAft>
-              <a:buNone/>
-            </a:pPr>
-            <a:r>
-              <a:t/>
+              <a:t> regression accuracy score was so high, we put our heads back together to try and determine what exactly in our data was leading our model to be so accurate.</a:t>
             </a:r>
             <a:endParaRPr/>
           </a:p>
@@ -1301,7 +1287,7 @@
   <p:cSld>
     <p:spTree>
       <p:nvGrpSpPr>
-        <p:cNvPr id="233" name="Shape 233"/>
+        <p:cNvPr id="237" name="Shape 237"/>
         <p:cNvGrpSpPr/>
         <p:nvPr/>
       </p:nvGrpSpPr>
@@ -1315,7 +1301,7 @@
       </p:grpSpPr>
       <p:sp>
         <p:nvSpPr>
-          <p:cNvPr id="234" name="Google Shape;234;g12d9ec015e5_0_10:notes"/>
+          <p:cNvPr id="238" name="Google Shape;238;g12d9ec015e5_0_5:notes"/>
           <p:cNvSpPr/>
           <p:nvPr>
             <p:ph idx="2" type="sldImg"/>
@@ -1350,7 +1336,7 @@
       </p:sp>
       <p:sp>
         <p:nvSpPr>
-          <p:cNvPr id="235" name="Google Shape;235;g12d9ec015e5_0_10:notes"/>
+          <p:cNvPr id="239" name="Google Shape;239;g12d9ec015e5_0_5:notes"/>
           <p:cNvSpPr txBox="1"/>
           <p:nvPr>
             <p:ph idx="1" type="body"/>
@@ -1378,20 +1364,171 @@
               <a:spcAft>
                 <a:spcPts val="0"/>
               </a:spcAft>
-              <a:buClr>
-                <a:schemeClr val="dk1"/>
-              </a:buClr>
-              <a:buSzPts val="1100"/>
-              <a:buFont typeface="Arial"/>
-              <a:buNone/>
-            </a:pPr>
-            <a:r>
-              <a:rPr lang="en">
+              <a:buNone/>
+            </a:pPr>
+            <a:r>
+              <a:rPr lang="en"/>
+              <a:t>David</a:t>
+            </a:r>
+            <a:endParaRPr/>
+          </a:p>
+          <a:p>
+            <a:pPr indent="0" lvl="0" marL="0" rtl="0" algn="l">
+              <a:spcBef>
+                <a:spcPts val="0"/>
+              </a:spcBef>
+              <a:spcAft>
+                <a:spcPts val="0"/>
+              </a:spcAft>
+              <a:buNone/>
+            </a:pPr>
+            <a:r>
+              <a:t/>
+            </a:r>
+            <a:endParaRPr/>
+          </a:p>
+          <a:p>
+            <a:pPr indent="0" lvl="0" marL="0" rtl="0" algn="l">
+              <a:spcBef>
+                <a:spcPts val="0"/>
+              </a:spcBef>
+              <a:spcAft>
+                <a:spcPts val="0"/>
+              </a:spcAft>
+              <a:buNone/>
+            </a:pPr>
+            <a:r>
+              <a:rPr lang="en"/>
+              <a:t>On our first run of our Machine learning models, we did not know what to expect nor did we anticipate the accuracy score to be so high. In part, we needed to understand the science and process of the procedure in order to understand our data better. Our second exploratory analysis revealed some obvious patterns that we missed on our first attempt. </a:t>
+            </a:r>
+            <a:endParaRPr/>
+          </a:p>
+          <a:p>
+            <a:pPr indent="0" lvl="0" marL="0" rtl="0" algn="l">
+              <a:spcBef>
+                <a:spcPts val="0"/>
+              </a:spcBef>
+              <a:spcAft>
+                <a:spcPts val="0"/>
+              </a:spcAft>
+              <a:buNone/>
+            </a:pPr>
+            <a:r>
+              <a:rPr lang="en"/>
+              <a:t>The 2D figure on the Left shows how the features of Concavity_worst and Compactness_worst are correlated to one another, however, in our heatmap these two feature rarely interact with other features compared to our cell size features.</a:t>
+            </a:r>
+            <a:endParaRPr/>
+          </a:p>
+          <a:p>
+            <a:pPr indent="0" lvl="0" marL="0" rtl="0" algn="l">
+              <a:spcBef>
+                <a:spcPts val="0"/>
+              </a:spcBef>
+              <a:spcAft>
+                <a:spcPts val="0"/>
+              </a:spcAft>
+              <a:buNone/>
+            </a:pPr>
+            <a:r>
+              <a:rPr lang="en"/>
+              <a:t>The 3D figure to the Right shows the same results but the Area_mean was added. Here we see the role that cell size plays in detecting benign tumors from malignant.</a:t>
+            </a:r>
+            <a:endParaRPr/>
+          </a:p>
+          <a:p>
+            <a:pPr indent="0" lvl="0" marL="0" rtl="0" algn="l">
+              <a:lnSpc>
+                <a:spcPct val="95000"/>
+              </a:lnSpc>
+              <a:spcBef>
+                <a:spcPts val="0"/>
+              </a:spcBef>
+              <a:spcAft>
+                <a:spcPts val="0"/>
+              </a:spcAft>
+              <a:buNone/>
+            </a:pPr>
+            <a:r>
+              <a:rPr lang="en" sz="1000">
                 <a:solidFill>
                   <a:schemeClr val="dk1"/>
                 </a:solidFill>
+                <a:latin typeface="Lato"/>
+                <a:ea typeface="Lato"/>
+                <a:cs typeface="Lato"/>
+                <a:sym typeface="Lato"/>
               </a:rPr>
-              <a:t>David</a:t>
+              <a:t>X = Area_mean</a:t>
+            </a:r>
+            <a:endParaRPr sz="1000">
+              <a:solidFill>
+                <a:schemeClr val="dk1"/>
+              </a:solidFill>
+              <a:latin typeface="Lato"/>
+              <a:ea typeface="Lato"/>
+              <a:cs typeface="Lato"/>
+              <a:sym typeface="Lato"/>
+            </a:endParaRPr>
+          </a:p>
+          <a:p>
+            <a:pPr indent="0" lvl="0" marL="0" rtl="0" algn="l">
+              <a:lnSpc>
+                <a:spcPct val="95000"/>
+              </a:lnSpc>
+              <a:spcBef>
+                <a:spcPts val="0"/>
+              </a:spcBef>
+              <a:spcAft>
+                <a:spcPts val="0"/>
+              </a:spcAft>
+              <a:buNone/>
+            </a:pPr>
+            <a:r>
+              <a:rPr lang="en" sz="1000">
+                <a:solidFill>
+                  <a:schemeClr val="dk1"/>
+                </a:solidFill>
+                <a:latin typeface="Lato"/>
+                <a:ea typeface="Lato"/>
+                <a:cs typeface="Lato"/>
+                <a:sym typeface="Lato"/>
+              </a:rPr>
+              <a:t>Y = Concavity_worst</a:t>
+            </a:r>
+            <a:endParaRPr sz="1000">
+              <a:solidFill>
+                <a:schemeClr val="dk1"/>
+              </a:solidFill>
+              <a:latin typeface="Lato"/>
+              <a:ea typeface="Lato"/>
+              <a:cs typeface="Lato"/>
+              <a:sym typeface="Lato"/>
+            </a:endParaRPr>
+          </a:p>
+          <a:p>
+            <a:pPr indent="0" lvl="0" marL="0" rtl="0" algn="l">
+              <a:lnSpc>
+                <a:spcPct val="95000"/>
+              </a:lnSpc>
+              <a:spcBef>
+                <a:spcPts val="0"/>
+              </a:spcBef>
+              <a:spcAft>
+                <a:spcPts val="0"/>
+              </a:spcAft>
+              <a:buNone/>
+            </a:pPr>
+            <a:r>
+              <a:rPr lang="en" sz="1000">
+                <a:solidFill>
+                  <a:schemeClr val="dk1"/>
+                </a:solidFill>
+                <a:latin typeface="Lato"/>
+                <a:ea typeface="Lato"/>
+                <a:cs typeface="Lato"/>
+                <a:sym typeface="Lato"/>
+              </a:rPr>
+              <a:t>Z= Compactness_worst</a:t>
             </a:r>
             <a:endParaRPr>
               <a:solidFill>
@@ -1407,21 +1544,17 @@
               <a:spcAft>
                 <a:spcPts val="0"/>
               </a:spcAft>
-              <a:buClr>
-                <a:schemeClr val="dk1"/>
-              </a:buClr>
-              <a:buSzPts val="1100"/>
-              <a:buFont typeface="Arial"/>
-              <a:buNone/>
-            </a:pPr>
-            <a:r>
-              <a:t/>
-            </a:r>
-            <a:endParaRPr>
-              <a:solidFill>
-                <a:schemeClr val="dk1"/>
-              </a:solidFill>
-            </a:endParaRPr>
+              <a:buNone/>
+            </a:pPr>
+            <a:r>
+              <a:rPr lang="en"/>
+              <a:t>Naturally,</a:t>
+            </a:r>
+            <a:r>
+              <a:rPr lang="en"/>
+              <a:t> we understand that as a cell mutates, or proteins denature and cause a cascade of unusual cell behavior, the growth of the cell becomes unstable. </a:t>
+            </a:r>
+            <a:endParaRPr/>
           </a:p>
           <a:p>
             <a:pPr indent="0" lvl="0" marL="0" rtl="0" algn="l">
@@ -1431,190 +1564,13 @@
               <a:spcAft>
                 <a:spcPts val="0"/>
               </a:spcAft>
-              <a:buClr>
-                <a:schemeClr val="dk1"/>
-              </a:buClr>
-              <a:buSzPts val="1100"/>
-              <a:buFont typeface="Arial"/>
-              <a:buNone/>
-            </a:pPr>
-            <a:r>
-              <a:rPr lang="en">
-                <a:solidFill>
-                  <a:schemeClr val="dk1"/>
-                </a:solidFill>
-              </a:rPr>
-              <a:t>After running the new regression, we achieved an accuracy score of 93% which is only 4 points less than the previous regression. This indicated to us that size was not as important as a factor in predicting whether the patient has a malignant or benign tumor. </a:t>
-            </a:r>
-            <a:endParaRPr>
-              <a:solidFill>
-                <a:schemeClr val="dk1"/>
-              </a:solidFill>
-            </a:endParaRPr>
-          </a:p>
-          <a:p>
-            <a:pPr indent="0" lvl="0" marL="0" rtl="0" algn="l">
-              <a:spcBef>
-                <a:spcPts val="0"/>
-              </a:spcBef>
-              <a:spcAft>
-                <a:spcPts val="0"/>
-              </a:spcAft>
-              <a:buClr>
-                <a:schemeClr val="dk1"/>
-              </a:buClr>
-              <a:buSzPts val="1100"/>
-              <a:buFont typeface="Arial"/>
-              <a:buNone/>
-            </a:pPr>
-            <a:r>
-              <a:rPr lang="en">
-                <a:solidFill>
-                  <a:schemeClr val="dk1"/>
-                </a:solidFill>
-              </a:rPr>
-              <a:t>There are other factors in the dataset that are significant indicators of cancer.</a:t>
-            </a:r>
-            <a:endParaRPr>
-              <a:solidFill>
-                <a:schemeClr val="dk1"/>
-              </a:solidFill>
-            </a:endParaRPr>
-          </a:p>
-          <a:p>
-            <a:pPr indent="0" lvl="0" marL="0" rtl="0" algn="l">
-              <a:spcBef>
-                <a:spcPts val="0"/>
-              </a:spcBef>
-              <a:spcAft>
-                <a:spcPts val="0"/>
-              </a:spcAft>
-              <a:buClr>
-                <a:schemeClr val="dk1"/>
-              </a:buClr>
-              <a:buSzPts val="1100"/>
-              <a:buFont typeface="Arial"/>
-              <a:buNone/>
-            </a:pPr>
-            <a:r>
-              <a:rPr lang="en">
-                <a:solidFill>
-                  <a:schemeClr val="dk1"/>
-                </a:solidFill>
-              </a:rPr>
-              <a:t>A more in depth analysis would need to conducted to determine if using the majority of the features lead to the model being so accurate or if there just a few that are significant indicators of cancer.</a:t>
-            </a:r>
-            <a:endParaRPr>
-              <a:solidFill>
-                <a:schemeClr val="dk1"/>
-              </a:solidFill>
-            </a:endParaRPr>
-          </a:p>
-          <a:p>
-            <a:pPr indent="0" lvl="0" marL="0" rtl="0" algn="l">
-              <a:spcBef>
-                <a:spcPts val="0"/>
-              </a:spcBef>
-              <a:spcAft>
-                <a:spcPts val="0"/>
-              </a:spcAft>
-              <a:buClr>
-                <a:schemeClr val="dk1"/>
-              </a:buClr>
-              <a:buSzPts val="1100"/>
-              <a:buFont typeface="Arial"/>
-              <a:buNone/>
-            </a:pPr>
-            <a:r>
-              <a:t/>
-            </a:r>
-            <a:endParaRPr>
-              <a:solidFill>
-                <a:schemeClr val="dk1"/>
-              </a:solidFill>
-            </a:endParaRPr>
-          </a:p>
-          <a:p>
-            <a:pPr indent="0" lvl="0" marL="0" rtl="0" algn="l">
-              <a:spcBef>
-                <a:spcPts val="0"/>
-              </a:spcBef>
-              <a:spcAft>
-                <a:spcPts val="0"/>
-              </a:spcAft>
-              <a:buClr>
-                <a:schemeClr val="dk1"/>
-              </a:buClr>
-              <a:buSzPts val="1100"/>
-              <a:buFont typeface="Arial"/>
-              <a:buNone/>
-            </a:pPr>
-            <a:r>
-              <a:rPr lang="en">
-                <a:solidFill>
-                  <a:schemeClr val="dk1"/>
-                </a:solidFill>
-              </a:rPr>
-              <a:t>79%</a:t>
-            </a:r>
-            <a:endParaRPr>
-              <a:solidFill>
-                <a:schemeClr val="dk1"/>
-              </a:solidFill>
-            </a:endParaRPr>
-          </a:p>
-          <a:p>
-            <a:pPr indent="0" lvl="0" marL="0" rtl="0" algn="l">
-              <a:spcBef>
-                <a:spcPts val="0"/>
-              </a:spcBef>
-              <a:spcAft>
-                <a:spcPts val="0"/>
-              </a:spcAft>
-              <a:buClr>
-                <a:schemeClr val="dk1"/>
-              </a:buClr>
-              <a:buSzPts val="1100"/>
-              <a:buFont typeface="Arial"/>
-              <a:buNone/>
-            </a:pPr>
-            <a:r>
-              <a:t/>
-            </a:r>
-            <a:endParaRPr>
-              <a:solidFill>
-                <a:schemeClr val="dk1"/>
-              </a:solidFill>
-            </a:endParaRPr>
-          </a:p>
-          <a:p>
-            <a:pPr indent="0" lvl="0" marL="0" rtl="0" algn="l">
-              <a:spcBef>
-                <a:spcPts val="0"/>
-              </a:spcBef>
-              <a:spcAft>
-                <a:spcPts val="0"/>
-              </a:spcAft>
-              <a:buClr>
-                <a:schemeClr val="dk1"/>
-              </a:buClr>
-              <a:buSzPts val="1100"/>
-              <a:buFont typeface="Arial"/>
-              <a:buNone/>
-            </a:pPr>
-            <a:r>
-              <a:rPr lang="en">
-                <a:solidFill>
-                  <a:schemeClr val="dk1"/>
-                </a:solidFill>
-              </a:rPr>
-              <a:t>Size have linear correlation</a:t>
-            </a:r>
-            <a:endParaRPr>
-              <a:solidFill>
-                <a:schemeClr val="dk1"/>
-              </a:solidFill>
-            </a:endParaRPr>
+              <a:buNone/>
+            </a:pPr>
+            <a:r>
+              <a:rPr lang="en"/>
+              <a:t>Therefore, the size of a cell is a strong predictor for whether that tumor cell is malignant or benign. </a:t>
+            </a:r>
+            <a:endParaRPr/>
           </a:p>
         </p:txBody>
       </p:sp>
@@ -1631,7 +1587,7 @@
   <p:cSld>
     <p:spTree>
       <p:nvGrpSpPr>
-        <p:cNvPr id="239" name="Shape 239"/>
+        <p:cNvPr id="246" name="Shape 246"/>
         <p:cNvGrpSpPr/>
         <p:nvPr/>
       </p:nvGrpSpPr>
@@ -1645,7 +1601,7 @@
       </p:grpSpPr>
       <p:sp>
         <p:nvSpPr>
-          <p:cNvPr id="240" name="Google Shape;240;g12e5ee9067f_0_24:notes"/>
+          <p:cNvPr id="247" name="Google Shape;247;g1301070110c_0_2:notes"/>
           <p:cNvSpPr/>
           <p:nvPr>
             <p:ph idx="2" type="sldImg"/>
@@ -1680,7 +1636,7 @@
       </p:sp>
       <p:sp>
         <p:nvSpPr>
-          <p:cNvPr id="241" name="Google Shape;241;g12e5ee9067f_0_24:notes"/>
+          <p:cNvPr id="248" name="Google Shape;248;g1301070110c_0_2:notes"/>
           <p:cNvSpPr txBox="1"/>
           <p:nvPr>
             <p:ph idx="1" type="body"/>
@@ -1711,6 +1667,84 @@
               <a:buNone/>
             </a:pPr>
             <a:r>
+              <a:rPr lang="en"/>
+              <a:t>David</a:t>
+            </a:r>
+            <a:endParaRPr/>
+          </a:p>
+          <a:p>
+            <a:pPr indent="0" lvl="0" marL="0" rtl="0" algn="l">
+              <a:spcBef>
+                <a:spcPts val="0"/>
+              </a:spcBef>
+              <a:spcAft>
+                <a:spcPts val="0"/>
+              </a:spcAft>
+              <a:buNone/>
+            </a:pPr>
+            <a:r>
+              <a:t/>
+            </a:r>
+            <a:endParaRPr/>
+          </a:p>
+          <a:p>
+            <a:pPr indent="0" lvl="0" marL="0" rtl="0" algn="l">
+              <a:spcBef>
+                <a:spcPts val="0"/>
+              </a:spcBef>
+              <a:spcAft>
+                <a:spcPts val="0"/>
+              </a:spcAft>
+              <a:buNone/>
+            </a:pPr>
+            <a:r>
+              <a:rPr lang="en"/>
+              <a:t>Here is another clear example of how the cell size measurement helps classify between malignant and benign tumor cells. </a:t>
+            </a:r>
+            <a:endParaRPr/>
+          </a:p>
+          <a:p>
+            <a:pPr indent="0" lvl="0" marL="0" rtl="0" algn="l">
+              <a:spcBef>
+                <a:spcPts val="0"/>
+              </a:spcBef>
+              <a:spcAft>
+                <a:spcPts val="0"/>
+              </a:spcAft>
+              <a:buNone/>
+            </a:pPr>
+            <a:r>
+              <a:rPr lang="en"/>
+              <a:t>Only, this time the 3D visual aid helps us make the distinction much more clearly than the 2D figure. </a:t>
+            </a:r>
+            <a:endParaRPr/>
+          </a:p>
+          <a:p>
+            <a:pPr indent="0" lvl="0" marL="0" rtl="0" algn="l">
+              <a:spcBef>
+                <a:spcPts val="0"/>
+              </a:spcBef>
+              <a:spcAft>
+                <a:spcPts val="0"/>
+              </a:spcAft>
+              <a:buNone/>
+            </a:pPr>
+            <a:r>
+              <a:t/>
+            </a:r>
+            <a:endParaRPr/>
+          </a:p>
+          <a:p>
+            <a:pPr indent="0" lvl="0" marL="0" rtl="0" algn="l">
+              <a:spcBef>
+                <a:spcPts val="0"/>
+              </a:spcBef>
+              <a:spcAft>
+                <a:spcPts val="0"/>
+              </a:spcAft>
+              <a:buNone/>
+            </a:pPr>
+            <a:r>
               <a:t/>
             </a:r>
             <a:endParaRPr/>
@@ -1730,7 +1764,7 @@
   <p:cSld>
     <p:spTree>
       <p:nvGrpSpPr>
-        <p:cNvPr id="245" name="Shape 245"/>
+        <p:cNvPr id="254" name="Shape 254"/>
         <p:cNvGrpSpPr/>
         <p:nvPr/>
       </p:nvGrpSpPr>
@@ -1744,7 +1778,7 @@
       </p:grpSpPr>
       <p:sp>
         <p:nvSpPr>
-          <p:cNvPr id="246" name="Google Shape;246;g12e5ee9067f_0_19:notes"/>
+          <p:cNvPr id="255" name="Google Shape;255;g12d9ec015e5_0_10:notes"/>
           <p:cNvSpPr/>
           <p:nvPr>
             <p:ph idx="2" type="sldImg"/>
@@ -1779,7 +1813,7 @@
       </p:sp>
       <p:sp>
         <p:nvSpPr>
-          <p:cNvPr id="247" name="Google Shape;247;g12e5ee9067f_0_19:notes"/>
+          <p:cNvPr id="256" name="Google Shape;256;g12d9ec015e5_0_10:notes"/>
           <p:cNvSpPr txBox="1"/>
           <p:nvPr>
             <p:ph idx="1" type="body"/>
@@ -1807,12 +1841,243 @@
               <a:spcAft>
                 <a:spcPts val="0"/>
               </a:spcAft>
+              <a:buClr>
+                <a:schemeClr val="dk1"/>
+              </a:buClr>
+              <a:buSzPts val="1100"/>
+              <a:buFont typeface="Arial"/>
+              <a:buNone/>
+            </a:pPr>
+            <a:r>
+              <a:rPr lang="en">
+                <a:solidFill>
+                  <a:schemeClr val="dk1"/>
+                </a:solidFill>
+              </a:rPr>
+              <a:t>David</a:t>
+            </a:r>
+            <a:endParaRPr>
+              <a:solidFill>
+                <a:schemeClr val="dk1"/>
+              </a:solidFill>
+            </a:endParaRPr>
+          </a:p>
+          <a:p>
+            <a:pPr indent="0" lvl="0" marL="0" rtl="0" algn="l">
+              <a:spcBef>
+                <a:spcPts val="0"/>
+              </a:spcBef>
+              <a:spcAft>
+                <a:spcPts val="0"/>
+              </a:spcAft>
+              <a:buClr>
+                <a:schemeClr val="dk1"/>
+              </a:buClr>
+              <a:buSzPts val="1100"/>
+              <a:buFont typeface="Arial"/>
               <a:buNone/>
             </a:pPr>
             <a:r>
               <a:t/>
             </a:r>
-            <a:endParaRPr/>
+            <a:endParaRPr>
+              <a:solidFill>
+                <a:schemeClr val="dk1"/>
+              </a:solidFill>
+            </a:endParaRPr>
+          </a:p>
+          <a:p>
+            <a:pPr indent="0" lvl="0" marL="0" rtl="0" algn="l">
+              <a:spcBef>
+                <a:spcPts val="0"/>
+              </a:spcBef>
+              <a:spcAft>
+                <a:spcPts val="0"/>
+              </a:spcAft>
+              <a:buClr>
+                <a:schemeClr val="dk1"/>
+              </a:buClr>
+              <a:buSzPts val="1100"/>
+              <a:buFont typeface="Arial"/>
+              <a:buNone/>
+            </a:pPr>
+            <a:r>
+              <a:rPr lang="en">
+                <a:solidFill>
+                  <a:schemeClr val="dk1"/>
+                </a:solidFill>
+              </a:rPr>
+              <a:t>After running the new regression, we achieved an accuracy score of 93% which is only 4 points less than the previous regression. This indicated to us that size was not as important as a factor in predicting whether the patient has a malignant or benign tumor. </a:t>
+            </a:r>
+            <a:endParaRPr>
+              <a:solidFill>
+                <a:schemeClr val="dk1"/>
+              </a:solidFill>
+            </a:endParaRPr>
+          </a:p>
+          <a:p>
+            <a:pPr indent="0" lvl="0" marL="0" rtl="0" algn="l">
+              <a:spcBef>
+                <a:spcPts val="0"/>
+              </a:spcBef>
+              <a:spcAft>
+                <a:spcPts val="0"/>
+              </a:spcAft>
+              <a:buClr>
+                <a:schemeClr val="dk1"/>
+              </a:buClr>
+              <a:buSzPts val="1100"/>
+              <a:buFont typeface="Arial"/>
+              <a:buNone/>
+            </a:pPr>
+            <a:r>
+              <a:rPr lang="en">
+                <a:solidFill>
+                  <a:schemeClr val="dk1"/>
+                </a:solidFill>
+              </a:rPr>
+              <a:t>There are other factors in the dataset that are significant indicators of cancer.</a:t>
+            </a:r>
+            <a:endParaRPr>
+              <a:solidFill>
+                <a:schemeClr val="dk1"/>
+              </a:solidFill>
+            </a:endParaRPr>
+          </a:p>
+          <a:p>
+            <a:pPr indent="0" lvl="0" marL="0" rtl="0" algn="l">
+              <a:spcBef>
+                <a:spcPts val="0"/>
+              </a:spcBef>
+              <a:spcAft>
+                <a:spcPts val="0"/>
+              </a:spcAft>
+              <a:buClr>
+                <a:schemeClr val="dk1"/>
+              </a:buClr>
+              <a:buSzPts val="1100"/>
+              <a:buFont typeface="Arial"/>
+              <a:buNone/>
+            </a:pPr>
+            <a:r>
+              <a:rPr lang="en">
+                <a:solidFill>
+                  <a:schemeClr val="dk1"/>
+                </a:solidFill>
+              </a:rPr>
+              <a:t>A more in depth analysis would need to conducted to determine if using the majority of the features lead to the model being so accurate or if there just a few that are significant indicators of cancer.</a:t>
+            </a:r>
+            <a:endParaRPr>
+              <a:solidFill>
+                <a:schemeClr val="dk1"/>
+              </a:solidFill>
+            </a:endParaRPr>
+          </a:p>
+          <a:p>
+            <a:pPr indent="0" lvl="0" marL="0" rtl="0" algn="l">
+              <a:spcBef>
+                <a:spcPts val="0"/>
+              </a:spcBef>
+              <a:spcAft>
+                <a:spcPts val="0"/>
+              </a:spcAft>
+              <a:buClr>
+                <a:schemeClr val="dk1"/>
+              </a:buClr>
+              <a:buSzPts val="1100"/>
+              <a:buFont typeface="Arial"/>
+              <a:buNone/>
+            </a:pPr>
+            <a:r>
+              <a:t/>
+            </a:r>
+            <a:endParaRPr>
+              <a:solidFill>
+                <a:schemeClr val="dk1"/>
+              </a:solidFill>
+            </a:endParaRPr>
+          </a:p>
+          <a:p>
+            <a:pPr indent="0" lvl="0" marL="0" rtl="0" algn="l">
+              <a:spcBef>
+                <a:spcPts val="0"/>
+              </a:spcBef>
+              <a:spcAft>
+                <a:spcPts val="0"/>
+              </a:spcAft>
+              <a:buClr>
+                <a:schemeClr val="dk1"/>
+              </a:buClr>
+              <a:buSzPts val="1100"/>
+              <a:buFont typeface="Arial"/>
+              <a:buNone/>
+            </a:pPr>
+            <a:r>
+              <a:rPr lang="en">
+                <a:solidFill>
+                  <a:schemeClr val="dk1"/>
+                </a:solidFill>
+              </a:rPr>
+              <a:t>79%</a:t>
+            </a:r>
+            <a:endParaRPr>
+              <a:solidFill>
+                <a:schemeClr val="dk1"/>
+              </a:solidFill>
+            </a:endParaRPr>
+          </a:p>
+          <a:p>
+            <a:pPr indent="0" lvl="0" marL="0" rtl="0" algn="l">
+              <a:spcBef>
+                <a:spcPts val="0"/>
+              </a:spcBef>
+              <a:spcAft>
+                <a:spcPts val="0"/>
+              </a:spcAft>
+              <a:buClr>
+                <a:schemeClr val="dk1"/>
+              </a:buClr>
+              <a:buSzPts val="1100"/>
+              <a:buFont typeface="Arial"/>
+              <a:buNone/>
+            </a:pPr>
+            <a:r>
+              <a:t/>
+            </a:r>
+            <a:endParaRPr>
+              <a:solidFill>
+                <a:schemeClr val="dk1"/>
+              </a:solidFill>
+            </a:endParaRPr>
+          </a:p>
+          <a:p>
+            <a:pPr indent="0" lvl="0" marL="0" rtl="0" algn="l">
+              <a:spcBef>
+                <a:spcPts val="0"/>
+              </a:spcBef>
+              <a:spcAft>
+                <a:spcPts val="0"/>
+              </a:spcAft>
+              <a:buClr>
+                <a:schemeClr val="dk1"/>
+              </a:buClr>
+              <a:buSzPts val="1100"/>
+              <a:buFont typeface="Arial"/>
+              <a:buNone/>
+            </a:pPr>
+            <a:r>
+              <a:rPr lang="en">
+                <a:solidFill>
+                  <a:schemeClr val="dk1"/>
+                </a:solidFill>
+              </a:rPr>
+              <a:t>Size have linear correlation</a:t>
+            </a:r>
+            <a:endParaRPr>
+              <a:solidFill>
+                <a:schemeClr val="dk1"/>
+              </a:solidFill>
+            </a:endParaRPr>
           </a:p>
         </p:txBody>
       </p:sp>
@@ -1829,7 +2094,7 @@
   <p:cSld>
     <p:spTree>
       <p:nvGrpSpPr>
-        <p:cNvPr id="251" name="Shape 251"/>
+        <p:cNvPr id="260" name="Shape 260"/>
         <p:cNvGrpSpPr/>
         <p:nvPr/>
       </p:nvGrpSpPr>
@@ -1843,7 +2108,7 @@
       </p:grpSpPr>
       <p:sp>
         <p:nvSpPr>
-          <p:cNvPr id="252" name="Google Shape;252;g12e5ee9067f_0_14:notes"/>
+          <p:cNvPr id="261" name="Google Shape;261;g12e5ee9067f_0_24:notes"/>
           <p:cNvSpPr/>
           <p:nvPr>
             <p:ph idx="2" type="sldImg"/>
@@ -1878,7 +2143,7 @@
       </p:sp>
       <p:sp>
         <p:nvSpPr>
-          <p:cNvPr id="253" name="Google Shape;253;g12e5ee9067f_0_14:notes"/>
+          <p:cNvPr id="262" name="Google Shape;262;g12e5ee9067f_0_24:notes"/>
           <p:cNvSpPr txBox="1"/>
           <p:nvPr>
             <p:ph idx="1" type="body"/>
@@ -1909,7 +2174,8 @@
               <a:buNone/>
             </a:pPr>
             <a:r>
-              <a:t/>
+              <a:rPr lang="en"/>
+              <a:t>David</a:t>
             </a:r>
             <a:endParaRPr/>
           </a:p>
@@ -1923,12 +2189,12 @@
 </p:notes>
 </file>
 
-<file path=ppt/notesSlides/notesSlide2.xml><?xml version="1.0" encoding="utf-8"?>
+<file path=ppt/notesSlides/notesSlide17.xml><?xml version="1.0" encoding="utf-8"?>
 <p:notes xmlns:a="http://schemas.openxmlformats.org/drawingml/2006/main" xmlns:r="http://schemas.openxmlformats.org/officeDocument/2006/relationships" xmlns:mc="http://schemas.openxmlformats.org/markup-compatibility/2006" xmlns:mv="urn:schemas-microsoft-com:mac:vml" xmlns:p="http://schemas.openxmlformats.org/presentationml/2006/main" xmlns:c="http://schemas.openxmlformats.org/drawingml/2006/chart" xmlns:dgm="http://schemas.openxmlformats.org/drawingml/2006/diagram" xmlns:o="urn:schemas-microsoft-com:office:office" xmlns:v="urn:schemas-microsoft-com:vml" xmlns:pvml="urn:schemas-microsoft-com:office:powerpoint" xmlns:com="http://schemas.openxmlformats.org/drawingml/2006/compatibility" xmlns:p14="http://schemas.microsoft.com/office/powerpoint/2010/main" xmlns:p15="http://schemas.microsoft.com/office/powerpoint/2012/main" xmlns:ahyp="http://schemas.microsoft.com/office/drawing/2018/hyperlinkcolor" showMasterPhAnim="0" showMasterSp="0">
   <p:cSld>
     <p:spTree>
       <p:nvGrpSpPr>
-        <p:cNvPr id="136" name="Shape 136"/>
+        <p:cNvPr id="266" name="Shape 266"/>
         <p:cNvGrpSpPr/>
         <p:nvPr/>
       </p:nvGrpSpPr>
@@ -1942,7 +2208,7 @@
       </p:grpSpPr>
       <p:sp>
         <p:nvSpPr>
-          <p:cNvPr id="137" name="Google Shape;137;g12bd3a27a51_0_125:notes"/>
+          <p:cNvPr id="267" name="Google Shape;267;g12e5ee9067f_0_19:notes"/>
           <p:cNvSpPr/>
           <p:nvPr>
             <p:ph idx="2" type="sldImg"/>
@@ -1977,7 +2243,7 @@
       </p:sp>
       <p:sp>
         <p:nvSpPr>
-          <p:cNvPr id="138" name="Google Shape;138;g12bd3a27a51_0_125:notes"/>
+          <p:cNvPr id="268" name="Google Shape;268;g12e5ee9067f_0_19:notes"/>
           <p:cNvSpPr txBox="1"/>
           <p:nvPr>
             <p:ph idx="1" type="body"/>
@@ -2040,59 +2306,15 @@
             </a:pPr>
             <a:r>
               <a:rPr lang="en"/>
-              <a:t>Breast cancer is the most common type of cancer in women following skin cancer. </a:t>
-            </a:r>
-            <a:endParaRPr/>
-          </a:p>
-          <a:p>
-            <a:pPr indent="0" lvl="0" marL="0" rtl="0" algn="l">
-              <a:spcBef>
-                <a:spcPts val="0"/>
-              </a:spcBef>
-              <a:spcAft>
-                <a:spcPts val="0"/>
-              </a:spcAft>
-              <a:buNone/>
-            </a:pPr>
+              <a:t>For this project, we have all agreed that we </a:t>
+            </a:r>
             <a:r>
               <a:rPr lang="en"/>
-              <a:t>About 30% or 1 in 3 women with new cases of cancer will be diagnosed with breast cancer. In the year 2022, 287,850 new cases of invasive breast cancer will be diagnosed </a:t>
-            </a:r>
-            <a:r>
-              <a:rPr lang="en">
-                <a:solidFill>
-                  <a:schemeClr val="dk1"/>
-                </a:solidFill>
-              </a:rPr>
-              <a:t>in the United States</a:t>
+              <a:t>should</a:t>
             </a:r>
             <a:r>
               <a:rPr lang="en"/>
-              <a:t>.</a:t>
-            </a:r>
-            <a:endParaRPr/>
-          </a:p>
-          <a:p>
-            <a:pPr indent="0" lvl="0" marL="0" rtl="0" algn="l">
-              <a:spcBef>
-                <a:spcPts val="0"/>
-              </a:spcBef>
-              <a:spcAft>
-                <a:spcPts val="0"/>
-              </a:spcAft>
-              <a:buNone/>
-            </a:pPr>
-            <a:r>
-              <a:rPr lang="en"/>
-              <a:t>The reason why breast cancer is deadly is the relative closeness to the lymph nodes found in the armpits. If the cancer cells spread to the lymph nodes, they can easily spread throughout the body using the lymphatic and </a:t>
-            </a:r>
-            <a:r>
-              <a:rPr lang="en"/>
-              <a:t>vascular</a:t>
-            </a:r>
-            <a:r>
-              <a:rPr lang="en"/>
-              <a:t> system.</a:t>
+              <a:t> have gone the extra step in exploring the data even more, allowing us to find which feature or features were leading our Logistic Regression accuracy score to be so high for both the models we built out. This way, we could have informed people who look at our project in the future what types of measurements are the best at predicting whether someone has a benign or malignant tumor.</a:t>
             </a:r>
             <a:endParaRPr/>
           </a:p>
@@ -2106,12 +2328,12 @@
 </p:notes>
 </file>
 
-<file path=ppt/notesSlides/notesSlide3.xml><?xml version="1.0" encoding="utf-8"?>
+<file path=ppt/notesSlides/notesSlide18.xml><?xml version="1.0" encoding="utf-8"?>
 <p:notes xmlns:a="http://schemas.openxmlformats.org/drawingml/2006/main" xmlns:r="http://schemas.openxmlformats.org/officeDocument/2006/relationships" xmlns:mc="http://schemas.openxmlformats.org/markup-compatibility/2006" xmlns:mv="urn:schemas-microsoft-com:mac:vml" xmlns:p="http://schemas.openxmlformats.org/presentationml/2006/main" xmlns:c="http://schemas.openxmlformats.org/drawingml/2006/chart" xmlns:dgm="http://schemas.openxmlformats.org/drawingml/2006/diagram" xmlns:o="urn:schemas-microsoft-com:office:office" xmlns:v="urn:schemas-microsoft-com:vml" xmlns:pvml="urn:schemas-microsoft-com:office:powerpoint" xmlns:com="http://schemas.openxmlformats.org/drawingml/2006/compatibility" xmlns:p14="http://schemas.microsoft.com/office/powerpoint/2010/main" xmlns:p15="http://schemas.microsoft.com/office/powerpoint/2012/main" xmlns:ahyp="http://schemas.microsoft.com/office/drawing/2018/hyperlinkcolor" showMasterPhAnim="0" showMasterSp="0">
   <p:cSld>
     <p:spTree>
       <p:nvGrpSpPr>
-        <p:cNvPr id="145" name="Shape 145"/>
+        <p:cNvPr id="273" name="Shape 273"/>
         <p:cNvGrpSpPr/>
         <p:nvPr/>
       </p:nvGrpSpPr>
@@ -2125,7 +2347,7 @@
       </p:grpSpPr>
       <p:sp>
         <p:nvSpPr>
-          <p:cNvPr id="146" name="Google Shape;146;g12cae811305_0_54:notes"/>
+          <p:cNvPr id="274" name="Google Shape;274;g12e5ee9067f_0_14:notes"/>
           <p:cNvSpPr/>
           <p:nvPr>
             <p:ph idx="2" type="sldImg"/>
@@ -2160,7 +2382,7 @@
       </p:sp>
       <p:sp>
         <p:nvSpPr>
-          <p:cNvPr id="147" name="Google Shape;147;g12cae811305_0_54:notes"/>
+          <p:cNvPr id="275" name="Google Shape;275;g12e5ee9067f_0_14:notes"/>
           <p:cNvSpPr txBox="1"/>
           <p:nvPr>
             <p:ph idx="1" type="body"/>
@@ -2191,117 +2413,6 @@
               <a:buNone/>
             </a:pPr>
             <a:r>
-              <a:rPr lang="en"/>
-              <a:t>MacKenzie</a:t>
-            </a:r>
-            <a:endParaRPr/>
-          </a:p>
-          <a:p>
-            <a:pPr indent="0" lvl="0" marL="0" rtl="0" algn="l">
-              <a:spcBef>
-                <a:spcPts val="0"/>
-              </a:spcBef>
-              <a:spcAft>
-                <a:spcPts val="0"/>
-              </a:spcAft>
-              <a:buNone/>
-            </a:pPr>
-            <a:r>
-              <a:t/>
-            </a:r>
-            <a:endParaRPr/>
-          </a:p>
-          <a:p>
-            <a:pPr indent="0" lvl="0" marL="0" rtl="0" algn="l">
-              <a:spcBef>
-                <a:spcPts val="0"/>
-              </a:spcBef>
-              <a:spcAft>
-                <a:spcPts val="0"/>
-              </a:spcAft>
-              <a:buNone/>
-            </a:pPr>
-            <a:r>
-              <a:rPr lang="en"/>
-              <a:t>Before we get into the analysis part, let’s discuss what would actually be considered cancer.</a:t>
-            </a:r>
-            <a:endParaRPr/>
-          </a:p>
-          <a:p>
-            <a:pPr indent="0" lvl="0" marL="0" rtl="0" algn="l">
-              <a:spcBef>
-                <a:spcPts val="0"/>
-              </a:spcBef>
-              <a:spcAft>
-                <a:spcPts val="0"/>
-              </a:spcAft>
-              <a:buNone/>
-            </a:pPr>
-            <a:r>
-              <a:rPr lang="en"/>
-              <a:t>A person can have a tumor, but it does not necessarily mean they have cancer; the tumor can either be benign or malignant. Benign </a:t>
-            </a:r>
-            <a:r>
-              <a:rPr lang="en"/>
-              <a:t>meaning</a:t>
-            </a:r>
-            <a:r>
-              <a:rPr lang="en"/>
-              <a:t> it is not cancerous and malignant meaning it is cancerous.</a:t>
-            </a:r>
-            <a:endParaRPr/>
-          </a:p>
-          <a:p>
-            <a:pPr indent="0" lvl="0" marL="0" rtl="0" algn="l">
-              <a:spcBef>
-                <a:spcPts val="0"/>
-              </a:spcBef>
-              <a:spcAft>
-                <a:spcPts val="0"/>
-              </a:spcAft>
-              <a:buNone/>
-            </a:pPr>
-            <a:r>
-              <a:rPr lang="en"/>
-              <a:t>A tumor are normal cells who have gone through several changes in order to </a:t>
-            </a:r>
-            <a:r>
-              <a:rPr lang="en"/>
-              <a:t>achieve</a:t>
-            </a:r>
-            <a:r>
-              <a:rPr lang="en"/>
-              <a:t> the ability to grow outside its normal restraints.</a:t>
-            </a:r>
-            <a:endParaRPr/>
-          </a:p>
-          <a:p>
-            <a:pPr indent="0" lvl="0" marL="0" rtl="0" algn="l">
-              <a:spcBef>
-                <a:spcPts val="0"/>
-              </a:spcBef>
-              <a:spcAft>
-                <a:spcPts val="0"/>
-              </a:spcAft>
-              <a:buNone/>
-            </a:pPr>
-            <a:r>
-              <a:rPr lang="en"/>
-              <a:t>Simply put, one mutated cell does not mean mean it is cancer; there are other factors involved in the cells mutation over several generations that would lead to the cell to grow into cancerous tissue.</a:t>
-            </a:r>
-            <a:endParaRPr/>
-          </a:p>
-          <a:p>
-            <a:pPr indent="0" lvl="0" marL="0" rtl="0" algn="l">
-              <a:spcBef>
-                <a:spcPts val="0"/>
-              </a:spcBef>
-              <a:spcAft>
-                <a:spcPts val="0"/>
-              </a:spcAft>
-              <a:buNone/>
-            </a:pPr>
-            <a:r>
               <a:t/>
             </a:r>
             <a:endParaRPr/>
@@ -2316,12 +2427,12 @@
 </p:notes>
 </file>
 
-<file path=ppt/notesSlides/notesSlide4.xml><?xml version="1.0" encoding="utf-8"?>
+<file path=ppt/notesSlides/notesSlide2.xml><?xml version="1.0" encoding="utf-8"?>
 <p:notes xmlns:a="http://schemas.openxmlformats.org/drawingml/2006/main" xmlns:r="http://schemas.openxmlformats.org/officeDocument/2006/relationships" xmlns:mc="http://schemas.openxmlformats.org/markup-compatibility/2006" xmlns:mv="urn:schemas-microsoft-com:mac:vml" xmlns:p="http://schemas.openxmlformats.org/presentationml/2006/main" xmlns:c="http://schemas.openxmlformats.org/drawingml/2006/chart" xmlns:dgm="http://schemas.openxmlformats.org/drawingml/2006/diagram" xmlns:o="urn:schemas-microsoft-com:office:office" xmlns:v="urn:schemas-microsoft-com:vml" xmlns:pvml="urn:schemas-microsoft-com:office:powerpoint" xmlns:com="http://schemas.openxmlformats.org/drawingml/2006/compatibility" xmlns:p14="http://schemas.microsoft.com/office/powerpoint/2010/main" xmlns:p15="http://schemas.microsoft.com/office/powerpoint/2012/main" xmlns:ahyp="http://schemas.microsoft.com/office/drawing/2018/hyperlinkcolor" showMasterPhAnim="0" showMasterSp="0">
   <p:cSld>
     <p:spTree>
       <p:nvGrpSpPr>
-        <p:cNvPr id="155" name="Shape 155"/>
+        <p:cNvPr id="142" name="Shape 142"/>
         <p:cNvGrpSpPr/>
         <p:nvPr/>
       </p:nvGrpSpPr>
@@ -2335,7 +2446,7 @@
       </p:grpSpPr>
       <p:sp>
         <p:nvSpPr>
-          <p:cNvPr id="156" name="Google Shape;156;g12cae811305_0_0:notes"/>
+          <p:cNvPr id="143" name="Google Shape;143;g12bd3a27a51_0_125:notes"/>
           <p:cNvSpPr/>
           <p:nvPr>
             <p:ph idx="2" type="sldImg"/>
@@ -2370,7 +2481,7 @@
       </p:sp>
       <p:sp>
         <p:nvSpPr>
-          <p:cNvPr id="157" name="Google Shape;157;g12cae811305_0_0:notes"/>
+          <p:cNvPr id="144" name="Google Shape;144;g12bd3a27a51_0_125:notes"/>
           <p:cNvSpPr txBox="1"/>
           <p:nvPr>
             <p:ph idx="1" type="body"/>
@@ -2392,959 +2503,102 @@
           <a:lstStyle/>
           <a:p>
             <a:pPr indent="0" lvl="0" marL="0" rtl="0" algn="l">
-              <a:lnSpc>
-                <a:spcPct val="95000"/>
-              </a:lnSpc>
-              <a:spcBef>
-                <a:spcPts val="0"/>
-              </a:spcBef>
-              <a:spcAft>
-                <a:spcPts val="0"/>
-              </a:spcAft>
-              <a:buClr>
-                <a:schemeClr val="dk1"/>
-              </a:buClr>
-              <a:buSzPts val="935"/>
-              <a:buFont typeface="Arial"/>
-              <a:buNone/>
-            </a:pPr>
-            <a:r>
-              <a:rPr lang="en" sz="1135">
-                <a:solidFill>
-                  <a:schemeClr val="dk1"/>
-                </a:solidFill>
-                <a:latin typeface="Lato"/>
-                <a:ea typeface="Lato"/>
-                <a:cs typeface="Lato"/>
-                <a:sym typeface="Lato"/>
-              </a:rPr>
+              <a:spcBef>
+                <a:spcPts val="0"/>
+              </a:spcBef>
+              <a:spcAft>
+                <a:spcPts val="0"/>
+              </a:spcAft>
+              <a:buNone/>
+            </a:pPr>
+            <a:r>
+              <a:rPr lang="en"/>
               <a:t>MacKenzie</a:t>
             </a:r>
-            <a:endParaRPr sz="1135">
-              <a:solidFill>
-                <a:schemeClr val="dk1"/>
-              </a:solidFill>
-              <a:latin typeface="Lato"/>
-              <a:ea typeface="Lato"/>
-              <a:cs typeface="Lato"/>
-              <a:sym typeface="Lato"/>
-            </a:endParaRPr>
+            <a:endParaRPr/>
           </a:p>
           <a:p>
             <a:pPr indent="0" lvl="0" marL="0" rtl="0" algn="l">
-              <a:lnSpc>
-                <a:spcPct val="95000"/>
-              </a:lnSpc>
-              <a:spcBef>
-                <a:spcPts val="0"/>
-              </a:spcBef>
-              <a:spcAft>
-                <a:spcPts val="0"/>
-              </a:spcAft>
-              <a:buClr>
-                <a:schemeClr val="dk1"/>
-              </a:buClr>
-              <a:buSzPts val="935"/>
-              <a:buFont typeface="Arial"/>
+              <a:spcBef>
+                <a:spcPts val="0"/>
+              </a:spcBef>
+              <a:spcAft>
+                <a:spcPts val="0"/>
+              </a:spcAft>
               <a:buNone/>
             </a:pPr>
             <a:r>
               <a:t/>
             </a:r>
-            <a:endParaRPr sz="1135">
-              <a:solidFill>
-                <a:schemeClr val="dk1"/>
-              </a:solidFill>
-              <a:latin typeface="Lato"/>
-              <a:ea typeface="Lato"/>
-              <a:cs typeface="Lato"/>
-              <a:sym typeface="Lato"/>
-            </a:endParaRPr>
+            <a:endParaRPr/>
           </a:p>
           <a:p>
             <a:pPr indent="0" lvl="0" marL="0" rtl="0" algn="l">
-              <a:lnSpc>
-                <a:spcPct val="95000"/>
-              </a:lnSpc>
-              <a:spcBef>
-                <a:spcPts val="0"/>
-              </a:spcBef>
-              <a:spcAft>
-                <a:spcPts val="0"/>
-              </a:spcAft>
-              <a:buClr>
-                <a:schemeClr val="dk1"/>
-              </a:buClr>
-              <a:buSzPts val="935"/>
-              <a:buFont typeface="Arial"/>
-              <a:buNone/>
-            </a:pPr>
-            <a:r>
-              <a:rPr lang="en" sz="1135">
-                <a:solidFill>
-                  <a:schemeClr val="dk1"/>
-                </a:solidFill>
-                <a:latin typeface="Lato"/>
-                <a:ea typeface="Lato"/>
-                <a:cs typeface="Lato"/>
-                <a:sym typeface="Lato"/>
-              </a:rPr>
-              <a:t>Our dataset consists of measurements taken of cells using FNA, or fine needle aspiration, from people with suspected tumors.</a:t>
-            </a:r>
-            <a:endParaRPr sz="1135">
-              <a:solidFill>
-                <a:schemeClr val="dk1"/>
-              </a:solidFill>
-              <a:latin typeface="Lato"/>
-              <a:ea typeface="Lato"/>
-              <a:cs typeface="Lato"/>
-              <a:sym typeface="Lato"/>
-            </a:endParaRPr>
+              <a:spcBef>
+                <a:spcPts val="0"/>
+              </a:spcBef>
+              <a:spcAft>
+                <a:spcPts val="0"/>
+              </a:spcAft>
+              <a:buNone/>
+            </a:pPr>
+            <a:r>
+              <a:rPr lang="en"/>
+              <a:t>Breast cancer is the most common type of cancer in women following skin cancer. </a:t>
+            </a:r>
+            <a:endParaRPr/>
           </a:p>
           <a:p>
             <a:pPr indent="0" lvl="0" marL="0" rtl="0" algn="l">
-              <a:lnSpc>
-                <a:spcPct val="95000"/>
-              </a:lnSpc>
-              <a:spcBef>
-                <a:spcPts val="0"/>
-              </a:spcBef>
-              <a:spcAft>
-                <a:spcPts val="0"/>
-              </a:spcAft>
-              <a:buClr>
-                <a:schemeClr val="dk1"/>
-              </a:buClr>
-              <a:buSzPts val="935"/>
-              <a:buFont typeface="Arial"/>
-              <a:buNone/>
-            </a:pPr>
-            <a:r>
-              <a:rPr lang="en" sz="1135">
-                <a:solidFill>
-                  <a:schemeClr val="dk1"/>
-                </a:solidFill>
-                <a:latin typeface="Lato"/>
-                <a:ea typeface="Lato"/>
-                <a:cs typeface="Lato"/>
-                <a:sym typeface="Lato"/>
-              </a:rPr>
-              <a:t>The image to the right shows how each sample would have been taken from each patient using this method.</a:t>
-            </a:r>
-            <a:endParaRPr sz="1135">
-              <a:solidFill>
-                <a:schemeClr val="dk1"/>
-              </a:solidFill>
-              <a:latin typeface="Lato"/>
-              <a:ea typeface="Lato"/>
-              <a:cs typeface="Lato"/>
-              <a:sym typeface="Lato"/>
-            </a:endParaRPr>
-          </a:p>
-          <a:p>
-            <a:pPr indent="0" lvl="0" marL="0" rtl="0" algn="l">
-              <a:lnSpc>
-                <a:spcPct val="95000"/>
-              </a:lnSpc>
-              <a:spcBef>
-                <a:spcPts val="0"/>
-              </a:spcBef>
-              <a:spcAft>
-                <a:spcPts val="0"/>
-              </a:spcAft>
-              <a:buClr>
-                <a:schemeClr val="dk1"/>
-              </a:buClr>
-              <a:buSzPts val="935"/>
-              <a:buFont typeface="Arial"/>
-              <a:buNone/>
-            </a:pPr>
-            <a:r>
-              <a:rPr lang="en" sz="1135">
-                <a:solidFill>
-                  <a:schemeClr val="dk1"/>
-                </a:solidFill>
-                <a:latin typeface="Lato"/>
-                <a:ea typeface="Lato"/>
-                <a:cs typeface="Lato"/>
-                <a:sym typeface="Lato"/>
-              </a:rPr>
-              <a:t>The ultrasound would locate the tumor within the breast tissue and then be used to guide the needle to the desired location to </a:t>
-            </a:r>
-            <a:r>
-              <a:rPr lang="en" sz="1135">
-                <a:solidFill>
-                  <a:schemeClr val="dk1"/>
-                </a:solidFill>
-                <a:latin typeface="Lato"/>
-                <a:ea typeface="Lato"/>
-                <a:cs typeface="Lato"/>
-                <a:sym typeface="Lato"/>
-              </a:rPr>
-              <a:t>acquire</a:t>
-            </a:r>
-            <a:r>
-              <a:rPr lang="en" sz="1135">
-                <a:solidFill>
-                  <a:schemeClr val="dk1"/>
-                </a:solidFill>
-                <a:latin typeface="Lato"/>
-                <a:ea typeface="Lato"/>
-                <a:cs typeface="Lato"/>
-                <a:sym typeface="Lato"/>
-              </a:rPr>
-              <a:t> the sample.</a:t>
-            </a:r>
-            <a:endParaRPr sz="1135">
-              <a:solidFill>
-                <a:schemeClr val="dk1"/>
-              </a:solidFill>
-              <a:latin typeface="Lato"/>
-              <a:ea typeface="Lato"/>
-              <a:cs typeface="Lato"/>
-              <a:sym typeface="Lato"/>
-            </a:endParaRPr>
-          </a:p>
-          <a:p>
-            <a:pPr indent="0" lvl="0" marL="0" rtl="0" algn="l">
-              <a:lnSpc>
-                <a:spcPct val="95000"/>
-              </a:lnSpc>
-              <a:spcBef>
-                <a:spcPts val="0"/>
-              </a:spcBef>
-              <a:spcAft>
-                <a:spcPts val="0"/>
-              </a:spcAft>
-              <a:buClr>
-                <a:schemeClr val="dk1"/>
-              </a:buClr>
-              <a:buSzPts val="935"/>
-              <a:buFont typeface="Arial"/>
-              <a:buNone/>
-            </a:pPr>
-            <a:r>
-              <a:t/>
-            </a:r>
-            <a:endParaRPr sz="1135">
-              <a:solidFill>
-                <a:schemeClr val="dk1"/>
-              </a:solidFill>
-              <a:latin typeface="Lato"/>
-              <a:ea typeface="Lato"/>
-              <a:cs typeface="Lato"/>
-              <a:sym typeface="Lato"/>
-            </a:endParaRPr>
-          </a:p>
-          <a:p>
-            <a:pPr indent="0" lvl="0" marL="0" rtl="0" algn="l">
-              <a:lnSpc>
-                <a:spcPct val="95000"/>
-              </a:lnSpc>
-              <a:spcBef>
-                <a:spcPts val="0"/>
-              </a:spcBef>
-              <a:spcAft>
-                <a:spcPts val="0"/>
-              </a:spcAft>
-              <a:buClr>
-                <a:schemeClr val="dk1"/>
-              </a:buClr>
-              <a:buSzPts val="935"/>
-              <a:buFont typeface="Arial"/>
-              <a:buNone/>
-            </a:pPr>
-            <a:r>
-              <a:rPr lang="en" sz="1135">
-                <a:solidFill>
-                  <a:schemeClr val="dk1"/>
-                </a:solidFill>
-                <a:latin typeface="Lato"/>
-                <a:ea typeface="Lato"/>
-                <a:cs typeface="Lato"/>
-                <a:sym typeface="Lato"/>
-              </a:rPr>
-              <a:t>The </a:t>
-            </a:r>
-            <a:r>
-              <a:rPr lang="en" sz="1135">
-                <a:solidFill>
-                  <a:schemeClr val="dk1"/>
-                </a:solidFill>
-                <a:latin typeface="Lato"/>
-                <a:ea typeface="Lato"/>
-                <a:cs typeface="Lato"/>
-                <a:sym typeface="Lato"/>
-              </a:rPr>
-              <a:t>measurements</a:t>
-            </a:r>
-            <a:r>
-              <a:rPr lang="en" sz="1135">
-                <a:solidFill>
-                  <a:schemeClr val="dk1"/>
-                </a:solidFill>
-                <a:latin typeface="Lato"/>
-                <a:ea typeface="Lato"/>
-                <a:cs typeface="Lato"/>
-                <a:sym typeface="Lato"/>
-              </a:rPr>
-              <a:t> that were focused on were</a:t>
+              <a:spcBef>
+                <a:spcPts val="0"/>
+              </a:spcBef>
+              <a:spcAft>
+                <a:spcPts val="0"/>
+              </a:spcAft>
+              <a:buNone/>
+            </a:pPr>
+            <a:r>
+              <a:rPr lang="en"/>
+              <a:t>About 30% or 1 in 3 women with new cases of cancer will be diagnosed with breast cancer. In the year 2022, 287,850 new cases of invasive breast cancer will be diagnosed </a:t>
             </a:r>
             <a:r>
               <a:rPr lang="en">
                 <a:solidFill>
                   <a:schemeClr val="dk1"/>
                 </a:solidFill>
-                <a:latin typeface="Lato"/>
-                <a:ea typeface="Lato"/>
-                <a:cs typeface="Lato"/>
-                <a:sym typeface="Lato"/>
               </a:rPr>
-              <a:t> </a:t>
-            </a:r>
-            <a:r>
-              <a:rPr lang="en">
-                <a:solidFill>
-                  <a:schemeClr val="dk1"/>
-                </a:solidFill>
-                <a:latin typeface="Lato"/>
-                <a:ea typeface="Lato"/>
-                <a:cs typeface="Lato"/>
-                <a:sym typeface="Lato"/>
-              </a:rPr>
-              <a:t>Radius, Texture, Perimeter, Area,  Smoothness, Compactness, Concavity, Concave Points, Symmetry, and Fractal Dimension</a:t>
-            </a:r>
-            <a:endParaRPr>
-              <a:solidFill>
-                <a:schemeClr val="dk1"/>
-              </a:solidFill>
-              <a:latin typeface="Lato"/>
-              <a:ea typeface="Lato"/>
-              <a:cs typeface="Lato"/>
-              <a:sym typeface="Lato"/>
-            </a:endParaRPr>
+              <a:t>in the United States</a:t>
+            </a:r>
+            <a:r>
+              <a:rPr lang="en"/>
+              <a:t>.</a:t>
+            </a:r>
+            <a:endParaRPr/>
           </a:p>
           <a:p>
             <a:pPr indent="0" lvl="0" marL="0" rtl="0" algn="l">
-              <a:lnSpc>
-                <a:spcPct val="95000"/>
-              </a:lnSpc>
-              <a:spcBef>
-                <a:spcPts val="0"/>
-              </a:spcBef>
-              <a:spcAft>
-                <a:spcPts val="0"/>
-              </a:spcAft>
-              <a:buClr>
-                <a:schemeClr val="dk1"/>
-              </a:buClr>
-              <a:buSzPts val="935"/>
-              <a:buFont typeface="Arial"/>
-              <a:buNone/>
-            </a:pPr>
-            <a:r>
-              <a:t/>
-            </a:r>
-            <a:endParaRPr>
-              <a:solidFill>
-                <a:schemeClr val="dk1"/>
-              </a:solidFill>
-              <a:latin typeface="Lato"/>
-              <a:ea typeface="Lato"/>
-              <a:cs typeface="Lato"/>
-              <a:sym typeface="Lato"/>
-            </a:endParaRPr>
-          </a:p>
-          <a:p>
-            <a:pPr indent="0" lvl="0" marL="0" rtl="0" algn="l">
-              <a:lnSpc>
-                <a:spcPct val="95000"/>
-              </a:lnSpc>
-              <a:spcBef>
-                <a:spcPts val="0"/>
-              </a:spcBef>
-              <a:spcAft>
-                <a:spcPts val="0"/>
-              </a:spcAft>
-              <a:buClr>
-                <a:schemeClr val="dk1"/>
-              </a:buClr>
-              <a:buSzPts val="935"/>
-              <a:buFont typeface="Arial"/>
-              <a:buNone/>
-            </a:pPr>
-            <a:r>
-              <a:rPr lang="en" sz="1135" u="sng">
-                <a:solidFill>
-                  <a:schemeClr val="dk1"/>
-                </a:solidFill>
-                <a:latin typeface="Lato"/>
-                <a:ea typeface="Lato"/>
-                <a:cs typeface="Lato"/>
-                <a:sym typeface="Lato"/>
-              </a:rPr>
-              <a:t>Radius</a:t>
-            </a:r>
-            <a:r>
-              <a:rPr lang="en" sz="1135">
-                <a:solidFill>
-                  <a:schemeClr val="dk1"/>
-                </a:solidFill>
-                <a:latin typeface="Lato"/>
-                <a:ea typeface="Lato"/>
-                <a:cs typeface="Lato"/>
-                <a:sym typeface="Lato"/>
-              </a:rPr>
-              <a:t> =  mean of distances from center to points on the perimeter</a:t>
-            </a:r>
-            <a:endParaRPr sz="1135">
-              <a:solidFill>
-                <a:schemeClr val="dk1"/>
-              </a:solidFill>
-              <a:latin typeface="Lato"/>
-              <a:ea typeface="Lato"/>
-              <a:cs typeface="Lato"/>
-              <a:sym typeface="Lato"/>
-            </a:endParaRPr>
-          </a:p>
-          <a:p>
-            <a:pPr indent="0" lvl="0" marL="0" rtl="0" algn="l">
-              <a:lnSpc>
-                <a:spcPct val="95000"/>
-              </a:lnSpc>
-              <a:spcBef>
-                <a:spcPts val="0"/>
-              </a:spcBef>
-              <a:spcAft>
-                <a:spcPts val="0"/>
-              </a:spcAft>
-              <a:buClr>
-                <a:schemeClr val="dk1"/>
-              </a:buClr>
-              <a:buSzPts val="935"/>
-              <a:buFont typeface="Arial"/>
-              <a:buNone/>
-            </a:pPr>
-            <a:r>
-              <a:rPr lang="en" sz="1135" u="sng">
-                <a:solidFill>
-                  <a:schemeClr val="dk1"/>
-                </a:solidFill>
-                <a:latin typeface="Lato"/>
-                <a:ea typeface="Lato"/>
-                <a:cs typeface="Lato"/>
-                <a:sym typeface="Lato"/>
-              </a:rPr>
-              <a:t>Texture</a:t>
-            </a:r>
-            <a:r>
-              <a:rPr lang="en" sz="1135">
-                <a:solidFill>
-                  <a:schemeClr val="dk1"/>
-                </a:solidFill>
-                <a:latin typeface="Lato"/>
-                <a:ea typeface="Lato"/>
-                <a:cs typeface="Lato"/>
-                <a:sym typeface="Lato"/>
-              </a:rPr>
-              <a:t> = standard deviation of gray-scale values</a:t>
-            </a:r>
-            <a:endParaRPr sz="1135">
-              <a:solidFill>
-                <a:schemeClr val="dk1"/>
-              </a:solidFill>
-              <a:latin typeface="Lato"/>
-              <a:ea typeface="Lato"/>
-              <a:cs typeface="Lato"/>
-              <a:sym typeface="Lato"/>
-            </a:endParaRPr>
-          </a:p>
-          <a:p>
-            <a:pPr indent="0" lvl="0" marL="0" rtl="0" algn="l">
-              <a:lnSpc>
-                <a:spcPct val="95000"/>
-              </a:lnSpc>
-              <a:spcBef>
-                <a:spcPts val="0"/>
-              </a:spcBef>
-              <a:spcAft>
-                <a:spcPts val="0"/>
-              </a:spcAft>
-              <a:buClr>
-                <a:schemeClr val="dk1"/>
-              </a:buClr>
-              <a:buSzPts val="935"/>
-              <a:buFont typeface="Arial"/>
-              <a:buNone/>
-            </a:pPr>
-            <a:r>
-              <a:rPr lang="en" sz="1135" u="sng">
-                <a:solidFill>
-                  <a:schemeClr val="dk1"/>
-                </a:solidFill>
-                <a:latin typeface="Lato"/>
-                <a:ea typeface="Lato"/>
-                <a:cs typeface="Lato"/>
-                <a:sym typeface="Lato"/>
-              </a:rPr>
-              <a:t>Perimeter</a:t>
-            </a:r>
-            <a:r>
-              <a:rPr lang="en" sz="1135">
-                <a:solidFill>
-                  <a:schemeClr val="dk1"/>
-                </a:solidFill>
-                <a:latin typeface="Lato"/>
-                <a:ea typeface="Lato"/>
-                <a:cs typeface="Lato"/>
-                <a:sym typeface="Lato"/>
-              </a:rPr>
-              <a:t> = the distance around the edge of a shape of the cell.</a:t>
-            </a:r>
-            <a:endParaRPr sz="1135">
-              <a:solidFill>
-                <a:schemeClr val="dk1"/>
-              </a:solidFill>
-              <a:latin typeface="Lato"/>
-              <a:ea typeface="Lato"/>
-              <a:cs typeface="Lato"/>
-              <a:sym typeface="Lato"/>
-            </a:endParaRPr>
-          </a:p>
-          <a:p>
-            <a:pPr indent="0" lvl="0" marL="0" rtl="0" algn="l">
-              <a:lnSpc>
-                <a:spcPct val="95000"/>
-              </a:lnSpc>
-              <a:spcBef>
-                <a:spcPts val="0"/>
-              </a:spcBef>
-              <a:spcAft>
-                <a:spcPts val="0"/>
-              </a:spcAft>
-              <a:buClr>
-                <a:schemeClr val="dk1"/>
-              </a:buClr>
-              <a:buSzPts val="935"/>
-              <a:buFont typeface="Arial"/>
-              <a:buNone/>
-            </a:pPr>
-            <a:r>
-              <a:rPr lang="en" sz="1135" u="sng">
-                <a:solidFill>
-                  <a:schemeClr val="dk1"/>
-                </a:solidFill>
-                <a:latin typeface="Lato"/>
-                <a:ea typeface="Lato"/>
-                <a:cs typeface="Lato"/>
-                <a:sym typeface="Lato"/>
-              </a:rPr>
-              <a:t>Area</a:t>
-            </a:r>
-            <a:r>
-              <a:rPr lang="en" sz="1135">
-                <a:solidFill>
-                  <a:schemeClr val="dk1"/>
-                </a:solidFill>
-                <a:latin typeface="Lato"/>
-                <a:ea typeface="Lato"/>
-                <a:cs typeface="Lato"/>
-                <a:sym typeface="Lato"/>
-              </a:rPr>
-              <a:t> =  area based on the cell’s perimeter</a:t>
-            </a:r>
-            <a:endParaRPr sz="1135">
-              <a:solidFill>
-                <a:schemeClr val="dk1"/>
-              </a:solidFill>
-              <a:latin typeface="Lato"/>
-              <a:ea typeface="Lato"/>
-              <a:cs typeface="Lato"/>
-              <a:sym typeface="Lato"/>
-            </a:endParaRPr>
-          </a:p>
-          <a:p>
-            <a:pPr indent="0" lvl="0" marL="0" rtl="0" algn="l">
-              <a:lnSpc>
-                <a:spcPct val="95000"/>
-              </a:lnSpc>
-              <a:spcBef>
-                <a:spcPts val="0"/>
-              </a:spcBef>
-              <a:spcAft>
-                <a:spcPts val="0"/>
-              </a:spcAft>
-              <a:buClr>
-                <a:schemeClr val="dk1"/>
-              </a:buClr>
-              <a:buSzPts val="935"/>
-              <a:buFont typeface="Arial"/>
-              <a:buNone/>
-            </a:pPr>
-            <a:r>
-              <a:rPr lang="en" sz="1135" u="sng">
-                <a:solidFill>
-                  <a:schemeClr val="dk1"/>
-                </a:solidFill>
-                <a:latin typeface="Lato"/>
-                <a:ea typeface="Lato"/>
-                <a:cs typeface="Lato"/>
-                <a:sym typeface="Lato"/>
-              </a:rPr>
-              <a:t>Smoothness</a:t>
-            </a:r>
-            <a:r>
-              <a:rPr lang="en" sz="1135">
-                <a:solidFill>
-                  <a:schemeClr val="dk1"/>
-                </a:solidFill>
-                <a:latin typeface="Lato"/>
-                <a:ea typeface="Lato"/>
-                <a:cs typeface="Lato"/>
-                <a:sym typeface="Lato"/>
-              </a:rPr>
-              <a:t> =  local variation in radius lengths</a:t>
-            </a:r>
-            <a:endParaRPr sz="1135">
-              <a:solidFill>
-                <a:schemeClr val="dk1"/>
-              </a:solidFill>
-              <a:latin typeface="Lato"/>
-              <a:ea typeface="Lato"/>
-              <a:cs typeface="Lato"/>
-              <a:sym typeface="Lato"/>
-            </a:endParaRPr>
-          </a:p>
-          <a:p>
-            <a:pPr indent="0" lvl="0" marL="0" rtl="0" algn="l">
-              <a:lnSpc>
-                <a:spcPct val="95000"/>
-              </a:lnSpc>
-              <a:spcBef>
-                <a:spcPts val="0"/>
-              </a:spcBef>
-              <a:spcAft>
-                <a:spcPts val="0"/>
-              </a:spcAft>
-              <a:buClr>
-                <a:schemeClr val="dk1"/>
-              </a:buClr>
-              <a:buSzPts val="935"/>
-              <a:buFont typeface="Arial"/>
-              <a:buNone/>
-            </a:pPr>
-            <a:r>
-              <a:rPr lang="en" sz="1135" u="sng">
-                <a:solidFill>
-                  <a:schemeClr val="dk1"/>
-                </a:solidFill>
-                <a:latin typeface="Lato"/>
-                <a:ea typeface="Lato"/>
-                <a:cs typeface="Lato"/>
-                <a:sym typeface="Lato"/>
-              </a:rPr>
-              <a:t>Compactness</a:t>
-            </a:r>
-            <a:r>
-              <a:rPr lang="en" sz="1135">
-                <a:solidFill>
-                  <a:schemeClr val="dk1"/>
-                </a:solidFill>
-                <a:latin typeface="Lato"/>
-                <a:ea typeface="Lato"/>
-                <a:cs typeface="Lato"/>
-                <a:sym typeface="Lato"/>
-              </a:rPr>
-              <a:t> = perimeter^2 / area - 1.0</a:t>
-            </a:r>
-            <a:endParaRPr sz="1135">
-              <a:solidFill>
-                <a:schemeClr val="dk1"/>
-              </a:solidFill>
-              <a:latin typeface="Lato"/>
-              <a:ea typeface="Lato"/>
-              <a:cs typeface="Lato"/>
-              <a:sym typeface="Lato"/>
-            </a:endParaRPr>
-          </a:p>
-          <a:p>
-            <a:pPr indent="0" lvl="0" marL="0" rtl="0" algn="l">
-              <a:lnSpc>
-                <a:spcPct val="95000"/>
-              </a:lnSpc>
-              <a:spcBef>
-                <a:spcPts val="0"/>
-              </a:spcBef>
-              <a:spcAft>
-                <a:spcPts val="0"/>
-              </a:spcAft>
-              <a:buClr>
-                <a:schemeClr val="dk1"/>
-              </a:buClr>
-              <a:buSzPts val="935"/>
-              <a:buFont typeface="Arial"/>
-              <a:buNone/>
-            </a:pPr>
-            <a:r>
-              <a:rPr lang="en" sz="1135" u="sng">
-                <a:solidFill>
-                  <a:schemeClr val="dk1"/>
-                </a:solidFill>
-                <a:latin typeface="Lato"/>
-                <a:ea typeface="Lato"/>
-                <a:cs typeface="Lato"/>
-                <a:sym typeface="Lato"/>
-              </a:rPr>
-              <a:t>Concavity</a:t>
-            </a:r>
-            <a:r>
-              <a:rPr lang="en" sz="1135">
-                <a:solidFill>
-                  <a:schemeClr val="dk1"/>
-                </a:solidFill>
-                <a:latin typeface="Lato"/>
-                <a:ea typeface="Lato"/>
-                <a:cs typeface="Lato"/>
-                <a:sym typeface="Lato"/>
-              </a:rPr>
-              <a:t> = severity of concave portions of the contour</a:t>
-            </a:r>
-            <a:endParaRPr sz="1135">
-              <a:solidFill>
-                <a:schemeClr val="dk1"/>
-              </a:solidFill>
-              <a:latin typeface="Lato"/>
-              <a:ea typeface="Lato"/>
-              <a:cs typeface="Lato"/>
-              <a:sym typeface="Lato"/>
-            </a:endParaRPr>
-          </a:p>
-          <a:p>
-            <a:pPr indent="0" lvl="0" marL="0" rtl="0" algn="l">
-              <a:lnSpc>
-                <a:spcPct val="95000"/>
-              </a:lnSpc>
-              <a:spcBef>
-                <a:spcPts val="0"/>
-              </a:spcBef>
-              <a:spcAft>
-                <a:spcPts val="0"/>
-              </a:spcAft>
-              <a:buClr>
-                <a:schemeClr val="dk1"/>
-              </a:buClr>
-              <a:buSzPts val="935"/>
-              <a:buFont typeface="Arial"/>
-              <a:buNone/>
-            </a:pPr>
-            <a:r>
-              <a:rPr lang="en" sz="1135" u="sng">
-                <a:solidFill>
-                  <a:schemeClr val="dk1"/>
-                </a:solidFill>
-                <a:latin typeface="Lato"/>
-                <a:ea typeface="Lato"/>
-                <a:cs typeface="Lato"/>
-                <a:sym typeface="Lato"/>
-              </a:rPr>
-              <a:t>concave points</a:t>
-            </a:r>
-            <a:r>
-              <a:rPr lang="en" sz="1135">
-                <a:solidFill>
-                  <a:schemeClr val="dk1"/>
-                </a:solidFill>
-                <a:latin typeface="Lato"/>
-                <a:ea typeface="Lato"/>
-                <a:cs typeface="Lato"/>
-                <a:sym typeface="Lato"/>
-              </a:rPr>
-              <a:t> = number of concave portions of the contour</a:t>
-            </a:r>
-            <a:endParaRPr sz="1135">
-              <a:solidFill>
-                <a:schemeClr val="dk1"/>
-              </a:solidFill>
-              <a:latin typeface="Lato"/>
-              <a:ea typeface="Lato"/>
-              <a:cs typeface="Lato"/>
-              <a:sym typeface="Lato"/>
-            </a:endParaRPr>
-          </a:p>
-          <a:p>
-            <a:pPr indent="0" lvl="0" marL="0" rtl="0" algn="l">
-              <a:lnSpc>
-                <a:spcPct val="95000"/>
-              </a:lnSpc>
-              <a:spcBef>
-                <a:spcPts val="0"/>
-              </a:spcBef>
-              <a:spcAft>
-                <a:spcPts val="0"/>
-              </a:spcAft>
-              <a:buClr>
-                <a:schemeClr val="dk1"/>
-              </a:buClr>
-              <a:buSzPts val="935"/>
-              <a:buFont typeface="Arial"/>
-              <a:buNone/>
-            </a:pPr>
-            <a:r>
-              <a:rPr lang="en" sz="1135" u="sng">
-                <a:solidFill>
-                  <a:schemeClr val="dk1"/>
-                </a:solidFill>
-                <a:latin typeface="Lato"/>
-                <a:ea typeface="Lato"/>
-                <a:cs typeface="Lato"/>
-                <a:sym typeface="Lato"/>
-              </a:rPr>
-              <a:t>Symmetry</a:t>
-            </a:r>
-            <a:r>
-              <a:rPr lang="en" sz="1135">
-                <a:solidFill>
-                  <a:schemeClr val="dk1"/>
-                </a:solidFill>
-                <a:latin typeface="Lato"/>
-                <a:ea typeface="Lato"/>
-                <a:cs typeface="Lato"/>
-                <a:sym typeface="Lato"/>
-              </a:rPr>
-              <a:t> = cell symmetry based on mean radius</a:t>
-            </a:r>
-            <a:endParaRPr sz="1135">
-              <a:solidFill>
-                <a:schemeClr val="dk1"/>
-              </a:solidFill>
-              <a:latin typeface="Lato"/>
-              <a:ea typeface="Lato"/>
-              <a:cs typeface="Lato"/>
-              <a:sym typeface="Lato"/>
-            </a:endParaRPr>
-          </a:p>
-          <a:p>
-            <a:pPr indent="0" lvl="0" marL="0" rtl="0" algn="l">
-              <a:lnSpc>
-                <a:spcPct val="95000"/>
-              </a:lnSpc>
-              <a:spcBef>
-                <a:spcPts val="0"/>
-              </a:spcBef>
-              <a:spcAft>
-                <a:spcPts val="0"/>
-              </a:spcAft>
-              <a:buClr>
-                <a:schemeClr val="dk1"/>
-              </a:buClr>
-              <a:buSzPts val="935"/>
-              <a:buFont typeface="Arial"/>
-              <a:buNone/>
-            </a:pPr>
-            <a:r>
-              <a:rPr lang="en" sz="1135" u="sng">
-                <a:solidFill>
-                  <a:schemeClr val="dk1"/>
-                </a:solidFill>
-                <a:latin typeface="Lato"/>
-                <a:ea typeface="Lato"/>
-                <a:cs typeface="Lato"/>
-                <a:sym typeface="Lato"/>
-              </a:rPr>
-              <a:t>fractal dimension</a:t>
-            </a:r>
-            <a:r>
-              <a:rPr lang="en" sz="1135">
-                <a:solidFill>
-                  <a:schemeClr val="dk1"/>
-                </a:solidFill>
-                <a:latin typeface="Lato"/>
-                <a:ea typeface="Lato"/>
-                <a:cs typeface="Lato"/>
-                <a:sym typeface="Lato"/>
-              </a:rPr>
-              <a:t> = ( a measure of the space-filling capacity of a pattern that tells how a fractal scales differently from the space it is embedded in.) “coastline approximation” - 1</a:t>
-            </a:r>
-            <a:endParaRPr sz="1135">
-              <a:solidFill>
-                <a:schemeClr val="dk1"/>
-              </a:solidFill>
-              <a:latin typeface="Lato"/>
-              <a:ea typeface="Lato"/>
-              <a:cs typeface="Lato"/>
-              <a:sym typeface="Lato"/>
-            </a:endParaRPr>
-          </a:p>
-          <a:p>
-            <a:pPr indent="0" lvl="0" marL="0" rtl="0" algn="l">
-              <a:lnSpc>
-                <a:spcPct val="80000"/>
-              </a:lnSpc>
-              <a:spcBef>
-                <a:spcPts val="0"/>
-              </a:spcBef>
-              <a:spcAft>
-                <a:spcPts val="0"/>
-              </a:spcAft>
-              <a:buClr>
-                <a:schemeClr val="dk1"/>
-              </a:buClr>
-              <a:buSzPts val="935"/>
-              <a:buFont typeface="Arial"/>
-              <a:buNone/>
-            </a:pPr>
-            <a:r>
-              <a:t/>
-            </a:r>
-            <a:endParaRPr>
-              <a:solidFill>
-                <a:schemeClr val="dk1"/>
-              </a:solidFill>
-              <a:latin typeface="Lato"/>
-              <a:ea typeface="Lato"/>
-              <a:cs typeface="Lato"/>
-              <a:sym typeface="Lato"/>
-            </a:endParaRPr>
-          </a:p>
-          <a:p>
-            <a:pPr indent="0" lvl="0" marL="0" rtl="0" algn="l">
-              <a:lnSpc>
-                <a:spcPct val="80000"/>
-              </a:lnSpc>
-              <a:spcBef>
-                <a:spcPts val="0"/>
-              </a:spcBef>
-              <a:spcAft>
-                <a:spcPts val="0"/>
-              </a:spcAft>
-              <a:buClr>
-                <a:schemeClr val="dk1"/>
-              </a:buClr>
-              <a:buSzPts val="935"/>
-              <a:buFont typeface="Arial"/>
-              <a:buNone/>
-            </a:pPr>
-            <a:r>
-              <a:rPr lang="en">
-                <a:solidFill>
-                  <a:schemeClr val="dk1"/>
-                </a:solidFill>
-                <a:latin typeface="Lato"/>
-                <a:ea typeface="Lato"/>
-                <a:cs typeface="Lato"/>
-                <a:sym typeface="Lato"/>
-              </a:rPr>
-              <a:t>These values were computed by the using the images from each sample. We inherited the data after it was manipulated to reflect the mean of each measure, the standard error, and the mean of the largest or “worst” of these features. This process was surely to create a standardization of the values since each measure would have a different standard of measurement.</a:t>
-            </a:r>
-            <a:endParaRPr>
-              <a:solidFill>
-                <a:schemeClr val="dk1"/>
-              </a:solidFill>
-              <a:latin typeface="Lato"/>
-              <a:ea typeface="Lato"/>
-              <a:cs typeface="Lato"/>
-              <a:sym typeface="Lato"/>
-            </a:endParaRPr>
+              <a:spcBef>
+                <a:spcPts val="0"/>
+              </a:spcBef>
+              <a:spcAft>
+                <a:spcPts val="0"/>
+              </a:spcAft>
+              <a:buNone/>
+            </a:pPr>
+            <a:r>
+              <a:rPr lang="en"/>
+              <a:t>The reason why breast cancer is deadly is the relative closeness to the lymph nodes found in the armpits. If the cancer cells spread to the lymph nodes, they can easily spread throughout the body using the lymphatic and </a:t>
+            </a:r>
+            <a:r>
+              <a:rPr lang="en"/>
+              <a:t>vascular</a:t>
+            </a:r>
+            <a:r>
+              <a:rPr lang="en"/>
+              <a:t> system.</a:t>
+            </a:r>
+            <a:endParaRPr/>
           </a:p>
         </p:txBody>
       </p:sp>
@@ -3356,12 +2610,12 @@
 </p:notes>
 </file>
 
-<file path=ppt/notesSlides/notesSlide5.xml><?xml version="1.0" encoding="utf-8"?>
+<file path=ppt/notesSlides/notesSlide3.xml><?xml version="1.0" encoding="utf-8"?>
 <p:notes xmlns:a="http://schemas.openxmlformats.org/drawingml/2006/main" xmlns:r="http://schemas.openxmlformats.org/officeDocument/2006/relationships" xmlns:mc="http://schemas.openxmlformats.org/markup-compatibility/2006" xmlns:mv="urn:schemas-microsoft-com:mac:vml" xmlns:p="http://schemas.openxmlformats.org/presentationml/2006/main" xmlns:c="http://schemas.openxmlformats.org/drawingml/2006/chart" xmlns:dgm="http://schemas.openxmlformats.org/drawingml/2006/diagram" xmlns:o="urn:schemas-microsoft-com:office:office" xmlns:v="urn:schemas-microsoft-com:vml" xmlns:pvml="urn:schemas-microsoft-com:office:powerpoint" xmlns:com="http://schemas.openxmlformats.org/drawingml/2006/compatibility" xmlns:p14="http://schemas.microsoft.com/office/powerpoint/2010/main" xmlns:p15="http://schemas.microsoft.com/office/powerpoint/2012/main" xmlns:ahyp="http://schemas.microsoft.com/office/drawing/2018/hyperlinkcolor" showMasterPhAnim="0" showMasterSp="0">
   <p:cSld>
     <p:spTree>
       <p:nvGrpSpPr>
-        <p:cNvPr id="164" name="Shape 164"/>
+        <p:cNvPr id="151" name="Shape 151"/>
         <p:cNvGrpSpPr/>
         <p:nvPr/>
       </p:nvGrpSpPr>
@@ -3375,7 +2629,7 @@
       </p:grpSpPr>
       <p:sp>
         <p:nvSpPr>
-          <p:cNvPr id="165" name="Google Shape;165;g12cae811305_0_5:notes"/>
+          <p:cNvPr id="152" name="Google Shape;152;g12cae811305_0_54:notes"/>
           <p:cNvSpPr/>
           <p:nvPr>
             <p:ph idx="2" type="sldImg"/>
@@ -3410,7 +2664,7 @@
       </p:sp>
       <p:sp>
         <p:nvSpPr>
-          <p:cNvPr id="166" name="Google Shape;166;g12cae811305_0_5:notes"/>
+          <p:cNvPr id="153" name="Google Shape;153;g12cae811305_0_54:notes"/>
           <p:cNvSpPr txBox="1"/>
           <p:nvPr>
             <p:ph idx="1" type="body"/>
@@ -3442,7 +2696,7 @@
             </a:pPr>
             <a:r>
               <a:rPr lang="en"/>
-              <a:t>Bryan</a:t>
+              <a:t>MacKenzie</a:t>
             </a:r>
             <a:endParaRPr/>
           </a:p>
@@ -3473,7 +2727,86 @@
             </a:pPr>
             <a:r>
               <a:rPr lang="en"/>
-              <a:t>Read the slide</a:t>
+              <a:t>Before we get into the analysis part, let’s discuss what would actually be considered cancer.</a:t>
+            </a:r>
+            <a:endParaRPr/>
+          </a:p>
+          <a:p>
+            <a:pPr indent="0" lvl="0" marL="0" rtl="0" algn="l">
+              <a:spcBef>
+                <a:spcPts val="0"/>
+              </a:spcBef>
+              <a:spcAft>
+                <a:spcPts val="0"/>
+              </a:spcAft>
+              <a:buNone/>
+            </a:pPr>
+            <a:r>
+              <a:rPr lang="en"/>
+              <a:t>A person can have a tumor, but it does not necessarily mean they have cancer; the tumor can either be benign or malignant. Benign </a:t>
+            </a:r>
+            <a:r>
+              <a:rPr lang="en"/>
+              <a:t>meaning</a:t>
+            </a:r>
+            <a:r>
+              <a:rPr lang="en"/>
+              <a:t> it is not cancerous and malignant meaning it is cancerous.</a:t>
+            </a:r>
+            <a:endParaRPr/>
+          </a:p>
+          <a:p>
+            <a:pPr indent="0" lvl="0" marL="0" rtl="0" algn="l">
+              <a:spcBef>
+                <a:spcPts val="0"/>
+              </a:spcBef>
+              <a:spcAft>
+                <a:spcPts val="0"/>
+              </a:spcAft>
+              <a:buNone/>
+            </a:pPr>
+            <a:r>
+              <a:rPr lang="en"/>
+              <a:t>A tumor are normal cells who have gone through several changes in order to </a:t>
+            </a:r>
+            <a:r>
+              <a:rPr lang="en"/>
+              <a:t>achieve</a:t>
+            </a:r>
+            <a:r>
+              <a:rPr lang="en"/>
+              <a:t> the ability to grow outside its normal restraints.</a:t>
+            </a:r>
+            <a:endParaRPr/>
+          </a:p>
+          <a:p>
+            <a:pPr indent="0" lvl="0" marL="0" rtl="0" algn="l">
+              <a:spcBef>
+                <a:spcPts val="0"/>
+              </a:spcBef>
+              <a:spcAft>
+                <a:spcPts val="0"/>
+              </a:spcAft>
+              <a:buNone/>
+            </a:pPr>
+            <a:r>
+              <a:rPr lang="en"/>
+              <a:t>Simply put, one mutated cell does not mean mean it is cancer; there are other factors involved in the cells mutation over several generations that would lead to the cell to grow into cancerous tissue.</a:t>
+            </a:r>
+            <a:endParaRPr/>
+          </a:p>
+          <a:p>
+            <a:pPr indent="0" lvl="0" marL="0" rtl="0" algn="l">
+              <a:spcBef>
+                <a:spcPts val="0"/>
+              </a:spcBef>
+              <a:spcAft>
+                <a:spcPts val="0"/>
+              </a:spcAft>
+              <a:buNone/>
+            </a:pPr>
+            <a:r>
+              <a:t/>
             </a:r>
             <a:endParaRPr/>
           </a:p>
@@ -3487,12 +2820,12 @@
 </p:notes>
 </file>
 
-<file path=ppt/notesSlides/notesSlide6.xml><?xml version="1.0" encoding="utf-8"?>
+<file path=ppt/notesSlides/notesSlide4.xml><?xml version="1.0" encoding="utf-8"?>
 <p:notes xmlns:a="http://schemas.openxmlformats.org/drawingml/2006/main" xmlns:r="http://schemas.openxmlformats.org/officeDocument/2006/relationships" xmlns:mc="http://schemas.openxmlformats.org/markup-compatibility/2006" xmlns:mv="urn:schemas-microsoft-com:mac:vml" xmlns:p="http://schemas.openxmlformats.org/presentationml/2006/main" xmlns:c="http://schemas.openxmlformats.org/drawingml/2006/chart" xmlns:dgm="http://schemas.openxmlformats.org/drawingml/2006/diagram" xmlns:o="urn:schemas-microsoft-com:office:office" xmlns:v="urn:schemas-microsoft-com:vml" xmlns:pvml="urn:schemas-microsoft-com:office:powerpoint" xmlns:com="http://schemas.openxmlformats.org/drawingml/2006/compatibility" xmlns:p14="http://schemas.microsoft.com/office/powerpoint/2010/main" xmlns:p15="http://schemas.microsoft.com/office/powerpoint/2012/main" xmlns:ahyp="http://schemas.microsoft.com/office/drawing/2018/hyperlinkcolor" showMasterPhAnim="0" showMasterSp="0">
   <p:cSld>
     <p:spTree>
       <p:nvGrpSpPr>
-        <p:cNvPr id="170" name="Shape 170"/>
+        <p:cNvPr id="161" name="Shape 161"/>
         <p:cNvGrpSpPr/>
         <p:nvPr/>
       </p:nvGrpSpPr>
@@ -3506,7 +2839,7 @@
       </p:grpSpPr>
       <p:sp>
         <p:nvSpPr>
-          <p:cNvPr id="171" name="Google Shape;171;g12cae811305_0_49:notes"/>
+          <p:cNvPr id="162" name="Google Shape;162;g12cae811305_0_0:notes"/>
           <p:cNvSpPr/>
           <p:nvPr>
             <p:ph idx="2" type="sldImg"/>
@@ -3541,7 +2874,7 @@
       </p:sp>
       <p:sp>
         <p:nvSpPr>
-          <p:cNvPr id="172" name="Google Shape;172;g12cae811305_0_49:notes"/>
+          <p:cNvPr id="163" name="Google Shape;163;g12cae811305_0_0:notes"/>
           <p:cNvSpPr txBox="1"/>
           <p:nvPr>
             <p:ph idx="1" type="body"/>
@@ -3563,250 +2896,959 @@
           <a:lstStyle/>
           <a:p>
             <a:pPr indent="0" lvl="0" marL="0" rtl="0" algn="l">
-              <a:spcBef>
-                <a:spcPts val="0"/>
-              </a:spcBef>
-              <a:spcAft>
-                <a:spcPts val="0"/>
-              </a:spcAft>
-              <a:buNone/>
-            </a:pPr>
-            <a:r>
-              <a:rPr lang="en"/>
-              <a:t>Bryan</a:t>
-            </a:r>
-            <a:endParaRPr/>
+              <a:lnSpc>
+                <a:spcPct val="95000"/>
+              </a:lnSpc>
+              <a:spcBef>
+                <a:spcPts val="0"/>
+              </a:spcBef>
+              <a:spcAft>
+                <a:spcPts val="0"/>
+              </a:spcAft>
+              <a:buClr>
+                <a:schemeClr val="dk1"/>
+              </a:buClr>
+              <a:buSzPts val="935"/>
+              <a:buFont typeface="Arial"/>
+              <a:buNone/>
+            </a:pPr>
+            <a:r>
+              <a:rPr lang="en" sz="1135">
+                <a:solidFill>
+                  <a:schemeClr val="dk1"/>
+                </a:solidFill>
+                <a:latin typeface="Lato"/>
+                <a:ea typeface="Lato"/>
+                <a:cs typeface="Lato"/>
+                <a:sym typeface="Lato"/>
+              </a:rPr>
+              <a:t>MacKenzie</a:t>
+            </a:r>
+            <a:endParaRPr sz="1135">
+              <a:solidFill>
+                <a:schemeClr val="dk1"/>
+              </a:solidFill>
+              <a:latin typeface="Lato"/>
+              <a:ea typeface="Lato"/>
+              <a:cs typeface="Lato"/>
+              <a:sym typeface="Lato"/>
+            </a:endParaRPr>
           </a:p>
           <a:p>
             <a:pPr indent="0" lvl="0" marL="0" rtl="0" algn="l">
-              <a:spcBef>
-                <a:spcPts val="0"/>
-              </a:spcBef>
-              <a:spcAft>
-                <a:spcPts val="0"/>
-              </a:spcAft>
+              <a:lnSpc>
+                <a:spcPct val="95000"/>
+              </a:lnSpc>
+              <a:spcBef>
+                <a:spcPts val="0"/>
+              </a:spcBef>
+              <a:spcAft>
+                <a:spcPts val="0"/>
+              </a:spcAft>
+              <a:buClr>
+                <a:schemeClr val="dk1"/>
+              </a:buClr>
+              <a:buSzPts val="935"/>
+              <a:buFont typeface="Arial"/>
               <a:buNone/>
             </a:pPr>
             <a:r>
               <a:t/>
             </a:r>
-            <a:endParaRPr/>
+            <a:endParaRPr sz="1135">
+              <a:solidFill>
+                <a:schemeClr val="dk1"/>
+              </a:solidFill>
+              <a:latin typeface="Lato"/>
+              <a:ea typeface="Lato"/>
+              <a:cs typeface="Lato"/>
+              <a:sym typeface="Lato"/>
+            </a:endParaRPr>
           </a:p>
           <a:p>
             <a:pPr indent="0" lvl="0" marL="0" rtl="0" algn="l">
-              <a:spcBef>
-                <a:spcPts val="0"/>
-              </a:spcBef>
-              <a:spcAft>
-                <a:spcPts val="0"/>
-              </a:spcAft>
-              <a:buNone/>
-            </a:pPr>
-            <a:r>
-              <a:rPr lang="en"/>
-              <a:t>Machine Learning Model:</a:t>
-            </a:r>
-            <a:endParaRPr/>
-          </a:p>
-          <a:p>
-            <a:pPr indent="-298450" lvl="0" marL="457200" rtl="0" algn="l">
-              <a:spcBef>
-                <a:spcPts val="0"/>
-              </a:spcBef>
-              <a:spcAft>
-                <a:spcPts val="0"/>
-              </a:spcAft>
-              <a:buSzPts val="1100"/>
-              <a:buChar char="●"/>
-            </a:pPr>
-            <a:r>
-              <a:rPr lang="en"/>
-              <a:t>For our machine learning model, we used Google Colab to write all our code so we can share it amongst all the people in our group since it uses the Cloud to save all our work and it allows us to load packages with ease.</a:t>
-            </a:r>
-            <a:endParaRPr/>
-          </a:p>
-          <a:p>
-            <a:pPr indent="-298450" lvl="1" marL="914400" rtl="0" algn="l">
-              <a:spcBef>
-                <a:spcPts val="0"/>
-              </a:spcBef>
-              <a:spcAft>
-                <a:spcPts val="0"/>
-              </a:spcAft>
-              <a:buSzPts val="1100"/>
-              <a:buChar char="○"/>
-            </a:pPr>
-            <a:r>
-              <a:rPr lang="en"/>
-              <a:t>Languages</a:t>
-            </a:r>
-            <a:endParaRPr/>
-          </a:p>
-          <a:p>
-            <a:pPr indent="-298450" lvl="2" marL="1371600" rtl="0" algn="l">
-              <a:spcBef>
-                <a:spcPts val="0"/>
-              </a:spcBef>
-              <a:spcAft>
-                <a:spcPts val="0"/>
-              </a:spcAft>
-              <a:buSzPts val="1100"/>
-              <a:buChar char="■"/>
-            </a:pPr>
-            <a:r>
-              <a:rPr lang="en"/>
-              <a:t>To build our </a:t>
-            </a:r>
-            <a:r>
-              <a:rPr lang="en"/>
-              <a:t>machine learning model, we used the language Python. Within Python, we used Pandas, PySpark, and Matplotlib.</a:t>
-            </a:r>
-            <a:endParaRPr/>
-          </a:p>
-          <a:p>
-            <a:pPr indent="-298450" lvl="3" marL="1828800" rtl="0" algn="l">
-              <a:spcBef>
-                <a:spcPts val="0"/>
-              </a:spcBef>
-              <a:spcAft>
-                <a:spcPts val="0"/>
-              </a:spcAft>
-              <a:buSzPts val="1100"/>
-              <a:buChar char="●"/>
-            </a:pPr>
-            <a:r>
-              <a:rPr lang="en"/>
-              <a:t>Pandas allows us to load a CSV file with all the data we are trying to analyze directly into our notebook. From there we can create tables and dataframes with our data to conduct our analysis.</a:t>
-            </a:r>
-            <a:endParaRPr/>
-          </a:p>
-          <a:p>
-            <a:pPr indent="-298450" lvl="3" marL="1828800" rtl="0" algn="l">
-              <a:spcBef>
-                <a:spcPts val="0"/>
-              </a:spcBef>
-              <a:spcAft>
-                <a:spcPts val="0"/>
-              </a:spcAft>
-              <a:buSzPts val="1100"/>
-              <a:buChar char="●"/>
-            </a:pPr>
-            <a:r>
-              <a:rPr lang="en"/>
-              <a:t>PySpark allows us to load our data from Amazon Web Services into our notebook over the cloud. Similarly to Pandas, we were able to create schemas to visualize the data in table formatting.</a:t>
-            </a:r>
-            <a:endParaRPr/>
-          </a:p>
-          <a:p>
-            <a:pPr indent="-298450" lvl="3" marL="1828800" rtl="0" algn="l">
-              <a:spcBef>
-                <a:spcPts val="0"/>
-              </a:spcBef>
-              <a:spcAft>
-                <a:spcPts val="0"/>
-              </a:spcAft>
-              <a:buSzPts val="1100"/>
-              <a:buChar char="●"/>
-            </a:pPr>
-            <a:r>
-              <a:rPr lang="en"/>
-              <a:t>Matplotlib and Seaborn are programs that allowed us to create visualizations of our analysis so we could further comprehend what the data is telling us. The visual graphs and charts used in our presentation were created using these programs.</a:t>
-            </a:r>
-            <a:endParaRPr/>
+              <a:lnSpc>
+                <a:spcPct val="95000"/>
+              </a:lnSpc>
+              <a:spcBef>
+                <a:spcPts val="0"/>
+              </a:spcBef>
+              <a:spcAft>
+                <a:spcPts val="0"/>
+              </a:spcAft>
+              <a:buClr>
+                <a:schemeClr val="dk1"/>
+              </a:buClr>
+              <a:buSzPts val="935"/>
+              <a:buFont typeface="Arial"/>
+              <a:buNone/>
+            </a:pPr>
+            <a:r>
+              <a:rPr lang="en" sz="1135">
+                <a:solidFill>
+                  <a:schemeClr val="dk1"/>
+                </a:solidFill>
+                <a:latin typeface="Lato"/>
+                <a:ea typeface="Lato"/>
+                <a:cs typeface="Lato"/>
+                <a:sym typeface="Lato"/>
+              </a:rPr>
+              <a:t>Our dataset consists of measurements taken of cells using FNA, or fine needle aspiration, from people with suspected tumors.</a:t>
+            </a:r>
+            <a:endParaRPr sz="1135">
+              <a:solidFill>
+                <a:schemeClr val="dk1"/>
+              </a:solidFill>
+              <a:latin typeface="Lato"/>
+              <a:ea typeface="Lato"/>
+              <a:cs typeface="Lato"/>
+              <a:sym typeface="Lato"/>
+            </a:endParaRPr>
           </a:p>
           <a:p>
             <a:pPr indent="0" lvl="0" marL="0" rtl="0" algn="l">
-              <a:spcBef>
-                <a:spcPts val="0"/>
-              </a:spcBef>
-              <a:spcAft>
-                <a:spcPts val="0"/>
-              </a:spcAft>
+              <a:lnSpc>
+                <a:spcPct val="95000"/>
+              </a:lnSpc>
+              <a:spcBef>
+                <a:spcPts val="0"/>
+              </a:spcBef>
+              <a:spcAft>
+                <a:spcPts val="0"/>
+              </a:spcAft>
+              <a:buClr>
+                <a:schemeClr val="dk1"/>
+              </a:buClr>
+              <a:buSzPts val="935"/>
+              <a:buFont typeface="Arial"/>
+              <a:buNone/>
+            </a:pPr>
+            <a:r>
+              <a:rPr lang="en" sz="1135">
+                <a:solidFill>
+                  <a:schemeClr val="dk1"/>
+                </a:solidFill>
+                <a:latin typeface="Lato"/>
+                <a:ea typeface="Lato"/>
+                <a:cs typeface="Lato"/>
+                <a:sym typeface="Lato"/>
+              </a:rPr>
+              <a:t>The image to the right shows how each sample would have been taken from each patient using this method.</a:t>
+            </a:r>
+            <a:endParaRPr sz="1135">
+              <a:solidFill>
+                <a:schemeClr val="dk1"/>
+              </a:solidFill>
+              <a:latin typeface="Lato"/>
+              <a:ea typeface="Lato"/>
+              <a:cs typeface="Lato"/>
+              <a:sym typeface="Lato"/>
+            </a:endParaRPr>
+          </a:p>
+          <a:p>
+            <a:pPr indent="0" lvl="0" marL="0" rtl="0" algn="l">
+              <a:lnSpc>
+                <a:spcPct val="95000"/>
+              </a:lnSpc>
+              <a:spcBef>
+                <a:spcPts val="0"/>
+              </a:spcBef>
+              <a:spcAft>
+                <a:spcPts val="0"/>
+              </a:spcAft>
+              <a:buClr>
+                <a:schemeClr val="dk1"/>
+              </a:buClr>
+              <a:buSzPts val="935"/>
+              <a:buFont typeface="Arial"/>
+              <a:buNone/>
+            </a:pPr>
+            <a:r>
+              <a:rPr lang="en" sz="1135">
+                <a:solidFill>
+                  <a:schemeClr val="dk1"/>
+                </a:solidFill>
+                <a:latin typeface="Lato"/>
+                <a:ea typeface="Lato"/>
+                <a:cs typeface="Lato"/>
+                <a:sym typeface="Lato"/>
+              </a:rPr>
+              <a:t>The ultrasound would locate the tumor within the breast tissue and then be used to guide the needle to the desired location to </a:t>
+            </a:r>
+            <a:r>
+              <a:rPr lang="en" sz="1135">
+                <a:solidFill>
+                  <a:schemeClr val="dk1"/>
+                </a:solidFill>
+                <a:latin typeface="Lato"/>
+                <a:ea typeface="Lato"/>
+                <a:cs typeface="Lato"/>
+                <a:sym typeface="Lato"/>
+              </a:rPr>
+              <a:t>acquire</a:t>
+            </a:r>
+            <a:r>
+              <a:rPr lang="en" sz="1135">
+                <a:solidFill>
+                  <a:schemeClr val="dk1"/>
+                </a:solidFill>
+                <a:latin typeface="Lato"/>
+                <a:ea typeface="Lato"/>
+                <a:cs typeface="Lato"/>
+                <a:sym typeface="Lato"/>
+              </a:rPr>
+              <a:t> the sample.</a:t>
+            </a:r>
+            <a:endParaRPr sz="1135">
+              <a:solidFill>
+                <a:schemeClr val="dk1"/>
+              </a:solidFill>
+              <a:latin typeface="Lato"/>
+              <a:ea typeface="Lato"/>
+              <a:cs typeface="Lato"/>
+              <a:sym typeface="Lato"/>
+            </a:endParaRPr>
+          </a:p>
+          <a:p>
+            <a:pPr indent="0" lvl="0" marL="0" rtl="0" algn="l">
+              <a:lnSpc>
+                <a:spcPct val="95000"/>
+              </a:lnSpc>
+              <a:spcBef>
+                <a:spcPts val="0"/>
+              </a:spcBef>
+              <a:spcAft>
+                <a:spcPts val="0"/>
+              </a:spcAft>
+              <a:buClr>
+                <a:schemeClr val="dk1"/>
+              </a:buClr>
+              <a:buSzPts val="935"/>
+              <a:buFont typeface="Arial"/>
               <a:buNone/>
             </a:pPr>
             <a:r>
               <a:t/>
             </a:r>
-            <a:endParaRPr/>
+            <a:endParaRPr sz="1135">
+              <a:solidFill>
+                <a:schemeClr val="dk1"/>
+              </a:solidFill>
+              <a:latin typeface="Lato"/>
+              <a:ea typeface="Lato"/>
+              <a:cs typeface="Lato"/>
+              <a:sym typeface="Lato"/>
+            </a:endParaRPr>
           </a:p>
           <a:p>
             <a:pPr indent="0" lvl="0" marL="0" rtl="0" algn="l">
-              <a:spcBef>
-                <a:spcPts val="0"/>
-              </a:spcBef>
-              <a:spcAft>
-                <a:spcPts val="0"/>
-              </a:spcAft>
-              <a:buNone/>
-            </a:pPr>
-            <a:r>
-              <a:rPr lang="en"/>
-              <a:t>DataBase:</a:t>
-            </a:r>
-            <a:endParaRPr/>
+              <a:lnSpc>
+                <a:spcPct val="95000"/>
+              </a:lnSpc>
+              <a:spcBef>
+                <a:spcPts val="0"/>
+              </a:spcBef>
+              <a:spcAft>
+                <a:spcPts val="0"/>
+              </a:spcAft>
+              <a:buClr>
+                <a:schemeClr val="dk1"/>
+              </a:buClr>
+              <a:buSzPts val="935"/>
+              <a:buFont typeface="Arial"/>
+              <a:buNone/>
+            </a:pPr>
+            <a:r>
+              <a:rPr lang="en" sz="1135">
+                <a:solidFill>
+                  <a:schemeClr val="dk1"/>
+                </a:solidFill>
+                <a:latin typeface="Lato"/>
+                <a:ea typeface="Lato"/>
+                <a:cs typeface="Lato"/>
+                <a:sym typeface="Lato"/>
+              </a:rPr>
+              <a:t>The </a:t>
+            </a:r>
+            <a:r>
+              <a:rPr lang="en" sz="1135">
+                <a:solidFill>
+                  <a:schemeClr val="dk1"/>
+                </a:solidFill>
+                <a:latin typeface="Lato"/>
+                <a:ea typeface="Lato"/>
+                <a:cs typeface="Lato"/>
+                <a:sym typeface="Lato"/>
+              </a:rPr>
+              <a:t>measurements</a:t>
+            </a:r>
+            <a:r>
+              <a:rPr lang="en" sz="1135">
+                <a:solidFill>
+                  <a:schemeClr val="dk1"/>
+                </a:solidFill>
+                <a:latin typeface="Lato"/>
+                <a:ea typeface="Lato"/>
+                <a:cs typeface="Lato"/>
+                <a:sym typeface="Lato"/>
+              </a:rPr>
+              <a:t> that were focused on were</a:t>
+            </a:r>
+            <a:r>
+              <a:rPr lang="en">
+                <a:solidFill>
+                  <a:schemeClr val="dk1"/>
+                </a:solidFill>
+                <a:latin typeface="Lato"/>
+                <a:ea typeface="Lato"/>
+                <a:cs typeface="Lato"/>
+                <a:sym typeface="Lato"/>
+              </a:rPr>
+              <a:t> </a:t>
+            </a:r>
+            <a:r>
+              <a:rPr lang="en">
+                <a:solidFill>
+                  <a:schemeClr val="dk1"/>
+                </a:solidFill>
+                <a:latin typeface="Lato"/>
+                <a:ea typeface="Lato"/>
+                <a:cs typeface="Lato"/>
+                <a:sym typeface="Lato"/>
+              </a:rPr>
+              <a:t>Radius, Texture, Perimeter, Area,  Smoothness, Compactness, Concavity, Concave Points, Symmetry, and Fractal Dimension</a:t>
+            </a:r>
+            <a:endParaRPr>
+              <a:solidFill>
+                <a:schemeClr val="dk1"/>
+              </a:solidFill>
+              <a:latin typeface="Lato"/>
+              <a:ea typeface="Lato"/>
+              <a:cs typeface="Lato"/>
+              <a:sym typeface="Lato"/>
+            </a:endParaRPr>
           </a:p>
           <a:p>
             <a:pPr indent="0" lvl="0" marL="0" rtl="0" algn="l">
-              <a:spcBef>
-                <a:spcPts val="0"/>
-              </a:spcBef>
-              <a:spcAft>
-                <a:spcPts val="0"/>
-              </a:spcAft>
-              <a:buNone/>
-            </a:pPr>
-            <a:r>
-              <a:rPr lang="en"/>
-              <a:t>Read from slide</a:t>
-            </a:r>
-            <a:endParaRPr/>
+              <a:lnSpc>
+                <a:spcPct val="95000"/>
+              </a:lnSpc>
+              <a:spcBef>
+                <a:spcPts val="0"/>
+              </a:spcBef>
+              <a:spcAft>
+                <a:spcPts val="0"/>
+              </a:spcAft>
+              <a:buClr>
+                <a:schemeClr val="dk1"/>
+              </a:buClr>
+              <a:buSzPts val="935"/>
+              <a:buFont typeface="Arial"/>
+              <a:buNone/>
+            </a:pPr>
+            <a:r>
+              <a:t/>
+            </a:r>
+            <a:endParaRPr>
+              <a:solidFill>
+                <a:schemeClr val="dk1"/>
+              </a:solidFill>
+              <a:latin typeface="Lato"/>
+              <a:ea typeface="Lato"/>
+              <a:cs typeface="Lato"/>
+              <a:sym typeface="Lato"/>
+            </a:endParaRPr>
           </a:p>
           <a:p>
             <a:pPr indent="0" lvl="0" marL="0" rtl="0" algn="l">
-              <a:spcBef>
-                <a:spcPts val="0"/>
-              </a:spcBef>
-              <a:spcAft>
-                <a:spcPts val="0"/>
-              </a:spcAft>
+              <a:lnSpc>
+                <a:spcPct val="95000"/>
+              </a:lnSpc>
+              <a:spcBef>
+                <a:spcPts val="0"/>
+              </a:spcBef>
+              <a:spcAft>
+                <a:spcPts val="0"/>
+              </a:spcAft>
+              <a:buClr>
+                <a:schemeClr val="dk1"/>
+              </a:buClr>
+              <a:buSzPts val="935"/>
+              <a:buFont typeface="Arial"/>
+              <a:buNone/>
+            </a:pPr>
+            <a:r>
+              <a:rPr lang="en" sz="1135" u="sng">
+                <a:solidFill>
+                  <a:schemeClr val="dk1"/>
+                </a:solidFill>
+                <a:latin typeface="Lato"/>
+                <a:ea typeface="Lato"/>
+                <a:cs typeface="Lato"/>
+                <a:sym typeface="Lato"/>
+              </a:rPr>
+              <a:t>Radius</a:t>
+            </a:r>
+            <a:r>
+              <a:rPr lang="en" sz="1135">
+                <a:solidFill>
+                  <a:schemeClr val="dk1"/>
+                </a:solidFill>
+                <a:latin typeface="Lato"/>
+                <a:ea typeface="Lato"/>
+                <a:cs typeface="Lato"/>
+                <a:sym typeface="Lato"/>
+              </a:rPr>
+              <a:t> =  mean of distances from center to points on the perimeter</a:t>
+            </a:r>
+            <a:endParaRPr sz="1135">
+              <a:solidFill>
+                <a:schemeClr val="dk1"/>
+              </a:solidFill>
+              <a:latin typeface="Lato"/>
+              <a:ea typeface="Lato"/>
+              <a:cs typeface="Lato"/>
+              <a:sym typeface="Lato"/>
+            </a:endParaRPr>
+          </a:p>
+          <a:p>
+            <a:pPr indent="0" lvl="0" marL="0" rtl="0" algn="l">
+              <a:lnSpc>
+                <a:spcPct val="95000"/>
+              </a:lnSpc>
+              <a:spcBef>
+                <a:spcPts val="0"/>
+              </a:spcBef>
+              <a:spcAft>
+                <a:spcPts val="0"/>
+              </a:spcAft>
+              <a:buClr>
+                <a:schemeClr val="dk1"/>
+              </a:buClr>
+              <a:buSzPts val="935"/>
+              <a:buFont typeface="Arial"/>
+              <a:buNone/>
+            </a:pPr>
+            <a:r>
+              <a:rPr lang="en" sz="1135" u="sng">
+                <a:solidFill>
+                  <a:schemeClr val="dk1"/>
+                </a:solidFill>
+                <a:latin typeface="Lato"/>
+                <a:ea typeface="Lato"/>
+                <a:cs typeface="Lato"/>
+                <a:sym typeface="Lato"/>
+              </a:rPr>
+              <a:t>Texture</a:t>
+            </a:r>
+            <a:r>
+              <a:rPr lang="en" sz="1135">
+                <a:solidFill>
+                  <a:schemeClr val="dk1"/>
+                </a:solidFill>
+                <a:latin typeface="Lato"/>
+                <a:ea typeface="Lato"/>
+                <a:cs typeface="Lato"/>
+                <a:sym typeface="Lato"/>
+              </a:rPr>
+              <a:t> = standard deviation of gray-scale values</a:t>
+            </a:r>
+            <a:endParaRPr sz="1135">
+              <a:solidFill>
+                <a:schemeClr val="dk1"/>
+              </a:solidFill>
+              <a:latin typeface="Lato"/>
+              <a:ea typeface="Lato"/>
+              <a:cs typeface="Lato"/>
+              <a:sym typeface="Lato"/>
+            </a:endParaRPr>
+          </a:p>
+          <a:p>
+            <a:pPr indent="0" lvl="0" marL="0" rtl="0" algn="l">
+              <a:lnSpc>
+                <a:spcPct val="95000"/>
+              </a:lnSpc>
+              <a:spcBef>
+                <a:spcPts val="0"/>
+              </a:spcBef>
+              <a:spcAft>
+                <a:spcPts val="0"/>
+              </a:spcAft>
+              <a:buClr>
+                <a:schemeClr val="dk1"/>
+              </a:buClr>
+              <a:buSzPts val="935"/>
+              <a:buFont typeface="Arial"/>
+              <a:buNone/>
+            </a:pPr>
+            <a:r>
+              <a:rPr lang="en" sz="1135" u="sng">
+                <a:solidFill>
+                  <a:schemeClr val="dk1"/>
+                </a:solidFill>
+                <a:latin typeface="Lato"/>
+                <a:ea typeface="Lato"/>
+                <a:cs typeface="Lato"/>
+                <a:sym typeface="Lato"/>
+              </a:rPr>
+              <a:t>Perimeter</a:t>
+            </a:r>
+            <a:r>
+              <a:rPr lang="en" sz="1135">
+                <a:solidFill>
+                  <a:schemeClr val="dk1"/>
+                </a:solidFill>
+                <a:latin typeface="Lato"/>
+                <a:ea typeface="Lato"/>
+                <a:cs typeface="Lato"/>
+                <a:sym typeface="Lato"/>
+              </a:rPr>
+              <a:t> = the distance around the edge of a shape of the cell.</a:t>
+            </a:r>
+            <a:endParaRPr sz="1135">
+              <a:solidFill>
+                <a:schemeClr val="dk1"/>
+              </a:solidFill>
+              <a:latin typeface="Lato"/>
+              <a:ea typeface="Lato"/>
+              <a:cs typeface="Lato"/>
+              <a:sym typeface="Lato"/>
+            </a:endParaRPr>
+          </a:p>
+          <a:p>
+            <a:pPr indent="0" lvl="0" marL="0" rtl="0" algn="l">
+              <a:lnSpc>
+                <a:spcPct val="95000"/>
+              </a:lnSpc>
+              <a:spcBef>
+                <a:spcPts val="0"/>
+              </a:spcBef>
+              <a:spcAft>
+                <a:spcPts val="0"/>
+              </a:spcAft>
+              <a:buClr>
+                <a:schemeClr val="dk1"/>
+              </a:buClr>
+              <a:buSzPts val="935"/>
+              <a:buFont typeface="Arial"/>
+              <a:buNone/>
+            </a:pPr>
+            <a:r>
+              <a:rPr lang="en" sz="1135" u="sng">
+                <a:solidFill>
+                  <a:schemeClr val="dk1"/>
+                </a:solidFill>
+                <a:latin typeface="Lato"/>
+                <a:ea typeface="Lato"/>
+                <a:cs typeface="Lato"/>
+                <a:sym typeface="Lato"/>
+              </a:rPr>
+              <a:t>Area</a:t>
+            </a:r>
+            <a:r>
+              <a:rPr lang="en" sz="1135">
+                <a:solidFill>
+                  <a:schemeClr val="dk1"/>
+                </a:solidFill>
+                <a:latin typeface="Lato"/>
+                <a:ea typeface="Lato"/>
+                <a:cs typeface="Lato"/>
+                <a:sym typeface="Lato"/>
+              </a:rPr>
+              <a:t> =  area based on the cell’s perimeter</a:t>
+            </a:r>
+            <a:endParaRPr sz="1135">
+              <a:solidFill>
+                <a:schemeClr val="dk1"/>
+              </a:solidFill>
+              <a:latin typeface="Lato"/>
+              <a:ea typeface="Lato"/>
+              <a:cs typeface="Lato"/>
+              <a:sym typeface="Lato"/>
+            </a:endParaRPr>
+          </a:p>
+          <a:p>
+            <a:pPr indent="0" lvl="0" marL="0" rtl="0" algn="l">
+              <a:lnSpc>
+                <a:spcPct val="95000"/>
+              </a:lnSpc>
+              <a:spcBef>
+                <a:spcPts val="0"/>
+              </a:spcBef>
+              <a:spcAft>
+                <a:spcPts val="0"/>
+              </a:spcAft>
+              <a:buClr>
+                <a:schemeClr val="dk1"/>
+              </a:buClr>
+              <a:buSzPts val="935"/>
+              <a:buFont typeface="Arial"/>
+              <a:buNone/>
+            </a:pPr>
+            <a:r>
+              <a:rPr lang="en" sz="1135" u="sng">
+                <a:solidFill>
+                  <a:schemeClr val="dk1"/>
+                </a:solidFill>
+                <a:latin typeface="Lato"/>
+                <a:ea typeface="Lato"/>
+                <a:cs typeface="Lato"/>
+                <a:sym typeface="Lato"/>
+              </a:rPr>
+              <a:t>Smoothness</a:t>
+            </a:r>
+            <a:r>
+              <a:rPr lang="en" sz="1135">
+                <a:solidFill>
+                  <a:schemeClr val="dk1"/>
+                </a:solidFill>
+                <a:latin typeface="Lato"/>
+                <a:ea typeface="Lato"/>
+                <a:cs typeface="Lato"/>
+                <a:sym typeface="Lato"/>
+              </a:rPr>
+              <a:t> =  local variation in radius lengths</a:t>
+            </a:r>
+            <a:endParaRPr sz="1135">
+              <a:solidFill>
+                <a:schemeClr val="dk1"/>
+              </a:solidFill>
+              <a:latin typeface="Lato"/>
+              <a:ea typeface="Lato"/>
+              <a:cs typeface="Lato"/>
+              <a:sym typeface="Lato"/>
+            </a:endParaRPr>
+          </a:p>
+          <a:p>
+            <a:pPr indent="0" lvl="0" marL="0" rtl="0" algn="l">
+              <a:lnSpc>
+                <a:spcPct val="95000"/>
+              </a:lnSpc>
+              <a:spcBef>
+                <a:spcPts val="0"/>
+              </a:spcBef>
+              <a:spcAft>
+                <a:spcPts val="0"/>
+              </a:spcAft>
+              <a:buClr>
+                <a:schemeClr val="dk1"/>
+              </a:buClr>
+              <a:buSzPts val="935"/>
+              <a:buFont typeface="Arial"/>
+              <a:buNone/>
+            </a:pPr>
+            <a:r>
+              <a:rPr lang="en" sz="1135" u="sng">
+                <a:solidFill>
+                  <a:schemeClr val="dk1"/>
+                </a:solidFill>
+                <a:latin typeface="Lato"/>
+                <a:ea typeface="Lato"/>
+                <a:cs typeface="Lato"/>
+                <a:sym typeface="Lato"/>
+              </a:rPr>
+              <a:t>Compactness</a:t>
+            </a:r>
+            <a:r>
+              <a:rPr lang="en" sz="1135">
+                <a:solidFill>
+                  <a:schemeClr val="dk1"/>
+                </a:solidFill>
+                <a:latin typeface="Lato"/>
+                <a:ea typeface="Lato"/>
+                <a:cs typeface="Lato"/>
+                <a:sym typeface="Lato"/>
+              </a:rPr>
+              <a:t> = perimeter^2 / area - 1.0</a:t>
+            </a:r>
+            <a:endParaRPr sz="1135">
+              <a:solidFill>
+                <a:schemeClr val="dk1"/>
+              </a:solidFill>
+              <a:latin typeface="Lato"/>
+              <a:ea typeface="Lato"/>
+              <a:cs typeface="Lato"/>
+              <a:sym typeface="Lato"/>
+            </a:endParaRPr>
+          </a:p>
+          <a:p>
+            <a:pPr indent="0" lvl="0" marL="0" rtl="0" algn="l">
+              <a:lnSpc>
+                <a:spcPct val="95000"/>
+              </a:lnSpc>
+              <a:spcBef>
+                <a:spcPts val="0"/>
+              </a:spcBef>
+              <a:spcAft>
+                <a:spcPts val="0"/>
+              </a:spcAft>
+              <a:buClr>
+                <a:schemeClr val="dk1"/>
+              </a:buClr>
+              <a:buSzPts val="935"/>
+              <a:buFont typeface="Arial"/>
+              <a:buNone/>
+            </a:pPr>
+            <a:r>
+              <a:rPr lang="en" sz="1135" u="sng">
+                <a:solidFill>
+                  <a:schemeClr val="dk1"/>
+                </a:solidFill>
+                <a:latin typeface="Lato"/>
+                <a:ea typeface="Lato"/>
+                <a:cs typeface="Lato"/>
+                <a:sym typeface="Lato"/>
+              </a:rPr>
+              <a:t>Concavity</a:t>
+            </a:r>
+            <a:r>
+              <a:rPr lang="en" sz="1135">
+                <a:solidFill>
+                  <a:schemeClr val="dk1"/>
+                </a:solidFill>
+                <a:latin typeface="Lato"/>
+                <a:ea typeface="Lato"/>
+                <a:cs typeface="Lato"/>
+                <a:sym typeface="Lato"/>
+              </a:rPr>
+              <a:t> = severity of concave portions of the contour</a:t>
+            </a:r>
+            <a:endParaRPr sz="1135">
+              <a:solidFill>
+                <a:schemeClr val="dk1"/>
+              </a:solidFill>
+              <a:latin typeface="Lato"/>
+              <a:ea typeface="Lato"/>
+              <a:cs typeface="Lato"/>
+              <a:sym typeface="Lato"/>
+            </a:endParaRPr>
+          </a:p>
+          <a:p>
+            <a:pPr indent="0" lvl="0" marL="0" rtl="0" algn="l">
+              <a:lnSpc>
+                <a:spcPct val="95000"/>
+              </a:lnSpc>
+              <a:spcBef>
+                <a:spcPts val="0"/>
+              </a:spcBef>
+              <a:spcAft>
+                <a:spcPts val="0"/>
+              </a:spcAft>
+              <a:buClr>
+                <a:schemeClr val="dk1"/>
+              </a:buClr>
+              <a:buSzPts val="935"/>
+              <a:buFont typeface="Arial"/>
+              <a:buNone/>
+            </a:pPr>
+            <a:r>
+              <a:rPr lang="en" sz="1135" u="sng">
+                <a:solidFill>
+                  <a:schemeClr val="dk1"/>
+                </a:solidFill>
+                <a:latin typeface="Lato"/>
+                <a:ea typeface="Lato"/>
+                <a:cs typeface="Lato"/>
+                <a:sym typeface="Lato"/>
+              </a:rPr>
+              <a:t>concave points</a:t>
+            </a:r>
+            <a:r>
+              <a:rPr lang="en" sz="1135">
+                <a:solidFill>
+                  <a:schemeClr val="dk1"/>
+                </a:solidFill>
+                <a:latin typeface="Lato"/>
+                <a:ea typeface="Lato"/>
+                <a:cs typeface="Lato"/>
+                <a:sym typeface="Lato"/>
+              </a:rPr>
+              <a:t> = number of concave portions of the contour</a:t>
+            </a:r>
+            <a:endParaRPr sz="1135">
+              <a:solidFill>
+                <a:schemeClr val="dk1"/>
+              </a:solidFill>
+              <a:latin typeface="Lato"/>
+              <a:ea typeface="Lato"/>
+              <a:cs typeface="Lato"/>
+              <a:sym typeface="Lato"/>
+            </a:endParaRPr>
+          </a:p>
+          <a:p>
+            <a:pPr indent="0" lvl="0" marL="0" rtl="0" algn="l">
+              <a:lnSpc>
+                <a:spcPct val="95000"/>
+              </a:lnSpc>
+              <a:spcBef>
+                <a:spcPts val="0"/>
+              </a:spcBef>
+              <a:spcAft>
+                <a:spcPts val="0"/>
+              </a:spcAft>
+              <a:buClr>
+                <a:schemeClr val="dk1"/>
+              </a:buClr>
+              <a:buSzPts val="935"/>
+              <a:buFont typeface="Arial"/>
+              <a:buNone/>
+            </a:pPr>
+            <a:r>
+              <a:rPr lang="en" sz="1135" u="sng">
+                <a:solidFill>
+                  <a:schemeClr val="dk1"/>
+                </a:solidFill>
+                <a:latin typeface="Lato"/>
+                <a:ea typeface="Lato"/>
+                <a:cs typeface="Lato"/>
+                <a:sym typeface="Lato"/>
+              </a:rPr>
+              <a:t>Symmetry</a:t>
+            </a:r>
+            <a:r>
+              <a:rPr lang="en" sz="1135">
+                <a:solidFill>
+                  <a:schemeClr val="dk1"/>
+                </a:solidFill>
+                <a:latin typeface="Lato"/>
+                <a:ea typeface="Lato"/>
+                <a:cs typeface="Lato"/>
+                <a:sym typeface="Lato"/>
+              </a:rPr>
+              <a:t> = cell symmetry based on mean radius</a:t>
+            </a:r>
+            <a:endParaRPr sz="1135">
+              <a:solidFill>
+                <a:schemeClr val="dk1"/>
+              </a:solidFill>
+              <a:latin typeface="Lato"/>
+              <a:ea typeface="Lato"/>
+              <a:cs typeface="Lato"/>
+              <a:sym typeface="Lato"/>
+            </a:endParaRPr>
+          </a:p>
+          <a:p>
+            <a:pPr indent="0" lvl="0" marL="0" rtl="0" algn="l">
+              <a:lnSpc>
+                <a:spcPct val="95000"/>
+              </a:lnSpc>
+              <a:spcBef>
+                <a:spcPts val="0"/>
+              </a:spcBef>
+              <a:spcAft>
+                <a:spcPts val="0"/>
+              </a:spcAft>
+              <a:buClr>
+                <a:schemeClr val="dk1"/>
+              </a:buClr>
+              <a:buSzPts val="935"/>
+              <a:buFont typeface="Arial"/>
+              <a:buNone/>
+            </a:pPr>
+            <a:r>
+              <a:rPr lang="en" sz="1135" u="sng">
+                <a:solidFill>
+                  <a:schemeClr val="dk1"/>
+                </a:solidFill>
+                <a:latin typeface="Lato"/>
+                <a:ea typeface="Lato"/>
+                <a:cs typeface="Lato"/>
+                <a:sym typeface="Lato"/>
+              </a:rPr>
+              <a:t>fractal dimension</a:t>
+            </a:r>
+            <a:r>
+              <a:rPr lang="en" sz="1135">
+                <a:solidFill>
+                  <a:schemeClr val="dk1"/>
+                </a:solidFill>
+                <a:latin typeface="Lato"/>
+                <a:ea typeface="Lato"/>
+                <a:cs typeface="Lato"/>
+                <a:sym typeface="Lato"/>
+              </a:rPr>
+              <a:t> = ( a measure of the space-filling capacity of a pattern that tells how a fractal scales differently from the space it is embedded in.) “coastline approximation” - 1</a:t>
+            </a:r>
+            <a:endParaRPr sz="1135">
+              <a:solidFill>
+                <a:schemeClr val="dk1"/>
+              </a:solidFill>
+              <a:latin typeface="Lato"/>
+              <a:ea typeface="Lato"/>
+              <a:cs typeface="Lato"/>
+              <a:sym typeface="Lato"/>
+            </a:endParaRPr>
+          </a:p>
+          <a:p>
+            <a:pPr indent="0" lvl="0" marL="0" rtl="0" algn="l">
+              <a:lnSpc>
+                <a:spcPct val="80000"/>
+              </a:lnSpc>
+              <a:spcBef>
+                <a:spcPts val="0"/>
+              </a:spcBef>
+              <a:spcAft>
+                <a:spcPts val="0"/>
+              </a:spcAft>
+              <a:buClr>
+                <a:schemeClr val="dk1"/>
+              </a:buClr>
+              <a:buSzPts val="935"/>
+              <a:buFont typeface="Arial"/>
               <a:buNone/>
             </a:pPr>
             <a:r>
               <a:t/>
             </a:r>
-            <a:endParaRPr/>
+            <a:endParaRPr>
+              <a:solidFill>
+                <a:schemeClr val="dk1"/>
+              </a:solidFill>
+              <a:latin typeface="Lato"/>
+              <a:ea typeface="Lato"/>
+              <a:cs typeface="Lato"/>
+              <a:sym typeface="Lato"/>
+            </a:endParaRPr>
           </a:p>
           <a:p>
             <a:pPr indent="0" lvl="0" marL="0" rtl="0" algn="l">
-              <a:spcBef>
-                <a:spcPts val="0"/>
-              </a:spcBef>
-              <a:spcAft>
-                <a:spcPts val="0"/>
-              </a:spcAft>
-              <a:buNone/>
-            </a:pPr>
-            <a:r>
-              <a:rPr lang="en"/>
-              <a:t>Interactive Visualization:</a:t>
-            </a:r>
-            <a:endParaRPr/>
-          </a:p>
-          <a:p>
-            <a:pPr indent="0" lvl="0" marL="0" rtl="0" algn="l">
-              <a:spcBef>
-                <a:spcPts val="0"/>
-              </a:spcBef>
-              <a:spcAft>
-                <a:spcPts val="0"/>
-              </a:spcAft>
-              <a:buNone/>
-            </a:pPr>
-            <a:r>
-              <a:rPr lang="en"/>
-              <a:t>Read from slide</a:t>
-            </a:r>
-            <a:endParaRPr/>
+              <a:lnSpc>
+                <a:spcPct val="80000"/>
+              </a:lnSpc>
+              <a:spcBef>
+                <a:spcPts val="0"/>
+              </a:spcBef>
+              <a:spcAft>
+                <a:spcPts val="0"/>
+              </a:spcAft>
+              <a:buClr>
+                <a:schemeClr val="dk1"/>
+              </a:buClr>
+              <a:buSzPts val="935"/>
+              <a:buFont typeface="Arial"/>
+              <a:buNone/>
+            </a:pPr>
+            <a:r>
+              <a:rPr lang="en">
+                <a:solidFill>
+                  <a:schemeClr val="dk1"/>
+                </a:solidFill>
+                <a:latin typeface="Lato"/>
+                <a:ea typeface="Lato"/>
+                <a:cs typeface="Lato"/>
+                <a:sym typeface="Lato"/>
+              </a:rPr>
+              <a:t>These values were computed by the using the images from each sample. We inherited the data after it was manipulated to reflect the mean of each measure, the standard error, and the mean of the largest or “worst” of these features. This process was surely to create a standardization of the values since each measure would have a different standard of measurement.</a:t>
+            </a:r>
+            <a:endParaRPr>
+              <a:solidFill>
+                <a:schemeClr val="dk1"/>
+              </a:solidFill>
+              <a:latin typeface="Lato"/>
+              <a:ea typeface="Lato"/>
+              <a:cs typeface="Lato"/>
+              <a:sym typeface="Lato"/>
+            </a:endParaRPr>
           </a:p>
         </p:txBody>
       </p:sp>
@@ -3818,12 +3860,12 @@
 </p:notes>
 </file>
 
-<file path=ppt/notesSlides/notesSlide7.xml><?xml version="1.0" encoding="utf-8"?>
+<file path=ppt/notesSlides/notesSlide5.xml><?xml version="1.0" encoding="utf-8"?>
 <p:notes xmlns:a="http://schemas.openxmlformats.org/drawingml/2006/main" xmlns:r="http://schemas.openxmlformats.org/officeDocument/2006/relationships" xmlns:mc="http://schemas.openxmlformats.org/markup-compatibility/2006" xmlns:mv="urn:schemas-microsoft-com:mac:vml" xmlns:p="http://schemas.openxmlformats.org/presentationml/2006/main" xmlns:c="http://schemas.openxmlformats.org/drawingml/2006/chart" xmlns:dgm="http://schemas.openxmlformats.org/drawingml/2006/diagram" xmlns:o="urn:schemas-microsoft-com:office:office" xmlns:v="urn:schemas-microsoft-com:vml" xmlns:pvml="urn:schemas-microsoft-com:office:powerpoint" xmlns:com="http://schemas.openxmlformats.org/drawingml/2006/compatibility" xmlns:p14="http://schemas.microsoft.com/office/powerpoint/2010/main" xmlns:p15="http://schemas.microsoft.com/office/powerpoint/2012/main" xmlns:ahyp="http://schemas.microsoft.com/office/drawing/2018/hyperlinkcolor" showMasterPhAnim="0" showMasterSp="0">
   <p:cSld>
     <p:spTree>
       <p:nvGrpSpPr>
-        <p:cNvPr id="176" name="Shape 176"/>
+        <p:cNvPr id="170" name="Shape 170"/>
         <p:cNvGrpSpPr/>
         <p:nvPr/>
       </p:nvGrpSpPr>
@@ -3837,7 +3879,7 @@
       </p:grpSpPr>
       <p:sp>
         <p:nvSpPr>
-          <p:cNvPr id="177" name="Google Shape;177;g12cae811305_0_10:notes"/>
+          <p:cNvPr id="171" name="Google Shape;171;g12cae811305_0_5:notes"/>
           <p:cNvSpPr/>
           <p:nvPr>
             <p:ph idx="2" type="sldImg"/>
@@ -3872,7 +3914,7 @@
       </p:sp>
       <p:sp>
         <p:nvSpPr>
-          <p:cNvPr id="178" name="Google Shape;178;g12cae811305_0_10:notes"/>
+          <p:cNvPr id="172" name="Google Shape;172;g12cae811305_0_5:notes"/>
           <p:cNvSpPr txBox="1"/>
           <p:nvPr>
             <p:ph idx="1" type="body"/>
@@ -3935,31 +3977,7 @@
             </a:pPr>
             <a:r>
               <a:rPr lang="en"/>
-              <a:t>Our initial exploratory of the data allowed us to find correlation between certain features within our dataset.</a:t>
-            </a:r>
-            <a:endParaRPr/>
-          </a:p>
-          <a:p>
-            <a:pPr indent="0" lvl="0" marL="0" rtl="0" algn="l">
-              <a:spcBef>
-                <a:spcPts val="0"/>
-              </a:spcBef>
-              <a:spcAft>
-                <a:spcPts val="0"/>
-              </a:spcAft>
-              <a:buNone/>
-            </a:pPr>
-            <a:r>
-              <a:rPr lang="en"/>
-              <a:t>From there we decided to run a linear regression model on those features and then we decided to run a </a:t>
-            </a:r>
-            <a:r>
-              <a:rPr lang="en"/>
-              <a:t>logistic</a:t>
-            </a:r>
-            <a:r>
-              <a:rPr lang="en"/>
-              <a:t> regression on all the features in our dataset.</a:t>
+              <a:t>Read the slide</a:t>
             </a:r>
             <a:endParaRPr/>
           </a:p>
@@ -3973,12 +3991,12 @@
 </p:notes>
 </file>
 
-<file path=ppt/notesSlides/notesSlide8.xml><?xml version="1.0" encoding="utf-8"?>
+<file path=ppt/notesSlides/notesSlide6.xml><?xml version="1.0" encoding="utf-8"?>
 <p:notes xmlns:a="http://schemas.openxmlformats.org/drawingml/2006/main" xmlns:r="http://schemas.openxmlformats.org/officeDocument/2006/relationships" xmlns:mc="http://schemas.openxmlformats.org/markup-compatibility/2006" xmlns:mv="urn:schemas-microsoft-com:mac:vml" xmlns:p="http://schemas.openxmlformats.org/presentationml/2006/main" xmlns:c="http://schemas.openxmlformats.org/drawingml/2006/chart" xmlns:dgm="http://schemas.openxmlformats.org/drawingml/2006/diagram" xmlns:o="urn:schemas-microsoft-com:office:office" xmlns:v="urn:schemas-microsoft-com:vml" xmlns:pvml="urn:schemas-microsoft-com:office:powerpoint" xmlns:com="http://schemas.openxmlformats.org/drawingml/2006/compatibility" xmlns:p14="http://schemas.microsoft.com/office/powerpoint/2010/main" xmlns:p15="http://schemas.microsoft.com/office/powerpoint/2012/main" xmlns:ahyp="http://schemas.microsoft.com/office/drawing/2018/hyperlinkcolor" showMasterPhAnim="0" showMasterSp="0">
   <p:cSld>
     <p:spTree>
       <p:nvGrpSpPr>
-        <p:cNvPr id="189" name="Shape 189"/>
+        <p:cNvPr id="177" name="Shape 177"/>
         <p:cNvGrpSpPr/>
         <p:nvPr/>
       </p:nvGrpSpPr>
@@ -3992,7 +4010,7 @@
       </p:grpSpPr>
       <p:sp>
         <p:nvSpPr>
-          <p:cNvPr id="190" name="Google Shape;190;g12cae811305_0_22:notes"/>
+          <p:cNvPr id="178" name="Google Shape;178;g12cae811305_0_49:notes"/>
           <p:cNvSpPr/>
           <p:nvPr>
             <p:ph idx="2" type="sldImg"/>
@@ -4027,7 +4045,7 @@
       </p:sp>
       <p:sp>
         <p:nvSpPr>
-          <p:cNvPr id="191" name="Google Shape;191;g12cae811305_0_22:notes"/>
+          <p:cNvPr id="179" name="Google Shape;179;g12cae811305_0_49:notes"/>
           <p:cNvSpPr txBox="1"/>
           <p:nvPr>
             <p:ph idx="1" type="body"/>
@@ -4058,26 +4076,10 @@
               <a:buNone/>
             </a:pPr>
             <a:r>
-              <a:rPr lang="en">
-                <a:solidFill>
-                  <a:schemeClr val="dk1"/>
-                </a:solidFill>
-                <a:latin typeface="Lato"/>
-                <a:ea typeface="Lato"/>
-                <a:cs typeface="Lato"/>
-                <a:sym typeface="Lato"/>
-              </a:rPr>
-              <a:t>Kenny </a:t>
-            </a:r>
-            <a:endParaRPr>
-              <a:solidFill>
-                <a:schemeClr val="dk1"/>
-              </a:solidFill>
-              <a:latin typeface="Lato"/>
-              <a:ea typeface="Lato"/>
-              <a:cs typeface="Lato"/>
-              <a:sym typeface="Lato"/>
-            </a:endParaRPr>
+              <a:rPr lang="en"/>
+              <a:t>Bryan</a:t>
+            </a:r>
+            <a:endParaRPr/>
           </a:p>
           <a:p>
             <a:pPr indent="0" lvl="0" marL="0" rtl="0" algn="l">
@@ -4092,52 +4094,15 @@
             <a:r>
               <a:t/>
             </a:r>
-            <a:endParaRPr>
-              <a:solidFill>
-                <a:schemeClr val="dk1"/>
-              </a:solidFill>
-              <a:latin typeface="Lato"/>
-              <a:ea typeface="Lato"/>
-              <a:cs typeface="Lato"/>
-              <a:sym typeface="Lato"/>
-            </a:endParaRPr>
+            <a:endParaRPr/>
           </a:p>
           <a:p>
             <a:pPr indent="0" lvl="0" marL="0" rtl="0" algn="l">
-              <a:spcBef>
-                <a:spcPts val="0"/>
-              </a:spcBef>
-              <a:spcAft>
-                <a:spcPts val="0"/>
-              </a:spcAft>
-              <a:buNone/>
-            </a:pPr>
-            <a:r>
-              <a:rPr lang="en">
-                <a:solidFill>
-                  <a:schemeClr val="dk1"/>
-                </a:solidFill>
-                <a:latin typeface="Lato"/>
-                <a:ea typeface="Lato"/>
-                <a:cs typeface="Lato"/>
-                <a:sym typeface="Lato"/>
-              </a:rPr>
-              <a:t>The figure to the right provides the correlation of all our features against themselves by shading does of high correlation closer to the color Purple and those with less correlation white or light red.</a:t>
-            </a:r>
-            <a:endParaRPr>
-              <a:solidFill>
-                <a:schemeClr val="dk1"/>
-              </a:solidFill>
-              <a:latin typeface="Lato"/>
-              <a:ea typeface="Lato"/>
-              <a:cs typeface="Lato"/>
-              <a:sym typeface="Lato"/>
-            </a:endParaRPr>
-          </a:p>
-          <a:p>
-            <a:pPr indent="0" lvl="0" marL="0" rtl="0" algn="l">
-              <a:spcBef>
-                <a:spcPts val="0"/>
+              <a:lnSpc>
+                <a:spcPct val="115000"/>
+              </a:lnSpc>
+              <a:spcBef>
+                <a:spcPts val="1200"/>
               </a:spcBef>
               <a:spcAft>
                 <a:spcPts val="0"/>
@@ -4154,22 +4119,296 @@
                 <a:solidFill>
                   <a:schemeClr val="dk1"/>
                 </a:solidFill>
-                <a:latin typeface="Lato"/>
-                <a:ea typeface="Lato"/>
-                <a:cs typeface="Lato"/>
-                <a:sym typeface="Lato"/>
               </a:rPr>
-              <a:t>From looking at the heat map, we created tables based off the features that have the features that correlate with each other the most</a:t>
+              <a:t>Machine Learning Model:</a:t>
             </a:r>
             <a:endParaRPr>
               <a:solidFill>
                 <a:schemeClr val="dk1"/>
               </a:solidFill>
-              <a:latin typeface="Lato"/>
-              <a:ea typeface="Lato"/>
-              <a:cs typeface="Lato"/>
-              <a:sym typeface="Lato"/>
             </a:endParaRPr>
+          </a:p>
+          <a:p>
+            <a:pPr indent="-298450" lvl="0" marL="457200" rtl="0" algn="l">
+              <a:lnSpc>
+                <a:spcPct val="115000"/>
+              </a:lnSpc>
+              <a:spcBef>
+                <a:spcPts val="0"/>
+              </a:spcBef>
+              <a:spcAft>
+                <a:spcPts val="0"/>
+              </a:spcAft>
+              <a:buClr>
+                <a:schemeClr val="dk1"/>
+              </a:buClr>
+              <a:buSzPts val="1100"/>
+              <a:buChar char="●"/>
+            </a:pPr>
+            <a:r>
+              <a:rPr lang="en">
+                <a:solidFill>
+                  <a:schemeClr val="dk1"/>
+                </a:solidFill>
+              </a:rPr>
+              <a:t>For our machine learning model, we used Google Colab. As you guys already know, you can share your Google Colab notebooks very easily. Additionally, there was no need to install any modules to run any code, as modules come </a:t>
+            </a:r>
+            <a:r>
+              <a:rPr lang="en">
+                <a:solidFill>
+                  <a:schemeClr val="dk1"/>
+                </a:solidFill>
+              </a:rPr>
+              <a:t>pre installed</a:t>
+            </a:r>
+            <a:r>
+              <a:rPr lang="en">
+                <a:solidFill>
+                  <a:schemeClr val="dk1"/>
+                </a:solidFill>
+              </a:rPr>
+              <a:t> within Google Colab. By using the computing power of the Google servers instead of our own machine we didn’t to worry about our local machine performance.</a:t>
+            </a:r>
+            <a:endParaRPr>
+              <a:solidFill>
+                <a:schemeClr val="dk1"/>
+              </a:solidFill>
+            </a:endParaRPr>
+          </a:p>
+          <a:p>
+            <a:pPr indent="0" lvl="0" marL="0" rtl="0" algn="l">
+              <a:lnSpc>
+                <a:spcPct val="115000"/>
+              </a:lnSpc>
+              <a:spcBef>
+                <a:spcPts val="1200"/>
+              </a:spcBef>
+              <a:spcAft>
+                <a:spcPts val="0"/>
+              </a:spcAft>
+              <a:buClr>
+                <a:schemeClr val="dk1"/>
+              </a:buClr>
+              <a:buSzPts val="1100"/>
+              <a:buFont typeface="Arial"/>
+              <a:buNone/>
+            </a:pPr>
+            <a:r>
+              <a:rPr lang="en">
+                <a:solidFill>
+                  <a:schemeClr val="dk1"/>
+                </a:solidFill>
+              </a:rPr>
+              <a:t>Languages</a:t>
+            </a:r>
+            <a:endParaRPr>
+              <a:solidFill>
+                <a:schemeClr val="dk1"/>
+              </a:solidFill>
+            </a:endParaRPr>
+          </a:p>
+          <a:p>
+            <a:pPr indent="0" lvl="0" marL="0" rtl="0" algn="l">
+              <a:lnSpc>
+                <a:spcPct val="115000"/>
+              </a:lnSpc>
+              <a:spcBef>
+                <a:spcPts val="1200"/>
+              </a:spcBef>
+              <a:spcAft>
+                <a:spcPts val="0"/>
+              </a:spcAft>
+              <a:buClr>
+                <a:schemeClr val="dk1"/>
+              </a:buClr>
+              <a:buSzPts val="1100"/>
+              <a:buFont typeface="Arial"/>
+              <a:buNone/>
+            </a:pPr>
+            <a:r>
+              <a:rPr lang="en">
+                <a:solidFill>
+                  <a:schemeClr val="dk1"/>
+                </a:solidFill>
+              </a:rPr>
+              <a:t>In order to build our machine learning model, we used Python. Within Python, we used Pandas, PySpark, and Matplotlib.</a:t>
+            </a:r>
+            <a:endParaRPr>
+              <a:solidFill>
+                <a:schemeClr val="dk1"/>
+              </a:solidFill>
+            </a:endParaRPr>
+          </a:p>
+          <a:p>
+            <a:pPr indent="0" lvl="0" marL="0" rtl="0" algn="l">
+              <a:lnSpc>
+                <a:spcPct val="115000"/>
+              </a:lnSpc>
+              <a:spcBef>
+                <a:spcPts val="1200"/>
+              </a:spcBef>
+              <a:spcAft>
+                <a:spcPts val="0"/>
+              </a:spcAft>
+              <a:buClr>
+                <a:schemeClr val="dk1"/>
+              </a:buClr>
+              <a:buSzPts val="1100"/>
+              <a:buFont typeface="Arial"/>
+              <a:buNone/>
+            </a:pPr>
+            <a:r>
+              <a:rPr lang="en">
+                <a:solidFill>
+                  <a:schemeClr val="dk1"/>
+                </a:solidFill>
+              </a:rPr>
+              <a:t>·</a:t>
+            </a:r>
+            <a:r>
+              <a:rPr lang="en" sz="700">
+                <a:solidFill>
+                  <a:schemeClr val="dk1"/>
+                </a:solidFill>
+                <a:latin typeface="Times New Roman"/>
+                <a:ea typeface="Times New Roman"/>
+                <a:cs typeface="Times New Roman"/>
+                <a:sym typeface="Times New Roman"/>
+              </a:rPr>
+              <a:t>        </a:t>
+            </a:r>
+            <a:r>
+              <a:rPr lang="en">
+                <a:solidFill>
+                  <a:schemeClr val="dk1"/>
+                </a:solidFill>
+              </a:rPr>
+              <a:t>Pandas is a software library written for the Python programming language for data manipulation and analysis. We used pandas to load a CSV file with all the data we were planning to analyze directly into our notebook. From there we were able to create tables and data frames to conduct our analysis.</a:t>
+            </a:r>
+            <a:endParaRPr>
+              <a:solidFill>
+                <a:schemeClr val="dk1"/>
+              </a:solidFill>
+            </a:endParaRPr>
+          </a:p>
+          <a:p>
+            <a:pPr indent="0" lvl="0" marL="0" rtl="0" algn="l">
+              <a:lnSpc>
+                <a:spcPct val="115000"/>
+              </a:lnSpc>
+              <a:spcBef>
+                <a:spcPts val="1200"/>
+              </a:spcBef>
+              <a:spcAft>
+                <a:spcPts val="0"/>
+              </a:spcAft>
+              <a:buClr>
+                <a:schemeClr val="dk1"/>
+              </a:buClr>
+              <a:buSzPts val="1100"/>
+              <a:buFont typeface="Arial"/>
+              <a:buNone/>
+            </a:pPr>
+            <a:r>
+              <a:rPr lang="en">
+                <a:solidFill>
+                  <a:schemeClr val="dk1"/>
+                </a:solidFill>
+              </a:rPr>
+              <a:t>·</a:t>
+            </a:r>
+            <a:r>
+              <a:rPr lang="en" sz="700">
+                <a:solidFill>
+                  <a:schemeClr val="dk1"/>
+                </a:solidFill>
+                <a:latin typeface="Times New Roman"/>
+                <a:ea typeface="Times New Roman"/>
+                <a:cs typeface="Times New Roman"/>
+                <a:sym typeface="Times New Roman"/>
+              </a:rPr>
+              <a:t>        </a:t>
+            </a:r>
+            <a:r>
+              <a:rPr lang="en">
+                <a:solidFill>
+                  <a:schemeClr val="dk1"/>
+                </a:solidFill>
+              </a:rPr>
+              <a:t>PySpark is a Python-based API for utilizing the Spark framework in combination with Python. PySpark is primarily used for processing structured and semi-structured datasets. We used PySpark to load data from Amazon Web Services into our notebook via the cloud. Very much like Pandas, we were able to create schemas to visualize the data in table formatting.</a:t>
+            </a:r>
+            <a:endParaRPr>
+              <a:solidFill>
+                <a:schemeClr val="dk1"/>
+              </a:solidFill>
+            </a:endParaRPr>
+          </a:p>
+          <a:p>
+            <a:pPr indent="0" lvl="0" marL="0" rtl="0" algn="l">
+              <a:lnSpc>
+                <a:spcPct val="115000"/>
+              </a:lnSpc>
+              <a:spcBef>
+                <a:spcPts val="1200"/>
+              </a:spcBef>
+              <a:spcAft>
+                <a:spcPts val="0"/>
+              </a:spcAft>
+              <a:buClr>
+                <a:schemeClr val="dk1"/>
+              </a:buClr>
+              <a:buSzPts val="1100"/>
+              <a:buFont typeface="Arial"/>
+              <a:buNone/>
+            </a:pPr>
+            <a:r>
+              <a:rPr lang="en">
+                <a:solidFill>
+                  <a:schemeClr val="dk1"/>
+                </a:solidFill>
+              </a:rPr>
+              <a:t>·</a:t>
+            </a:r>
+            <a:r>
+              <a:rPr lang="en" sz="700">
+                <a:solidFill>
+                  <a:schemeClr val="dk1"/>
+                </a:solidFill>
+                <a:latin typeface="Times New Roman"/>
+                <a:ea typeface="Times New Roman"/>
+                <a:cs typeface="Times New Roman"/>
+                <a:sym typeface="Times New Roman"/>
+              </a:rPr>
+              <a:t>        </a:t>
+            </a:r>
+            <a:r>
+              <a:rPr lang="en">
+                <a:solidFill>
+                  <a:schemeClr val="dk1"/>
+                </a:solidFill>
+              </a:rPr>
+              <a:t>Lastly, Matplotlib and Seaborn are programs that allowed us to create visualizations of our analysis so we could further comprehend what the data was telling us. The visual graphs and charts used in our presentation are on the next page. </a:t>
+            </a:r>
+            <a:endParaRPr>
+              <a:solidFill>
+                <a:schemeClr val="dk1"/>
+              </a:solidFill>
+            </a:endParaRPr>
+          </a:p>
+          <a:p>
+            <a:pPr indent="0" lvl="0" marL="0" rtl="0" algn="l">
+              <a:spcBef>
+                <a:spcPts val="0"/>
+              </a:spcBef>
+              <a:spcAft>
+                <a:spcPts val="0"/>
+              </a:spcAft>
+              <a:buNone/>
+            </a:pPr>
+            <a:r>
+              <a:t/>
+            </a:r>
+            <a:endParaRPr/>
           </a:p>
         </p:txBody>
       </p:sp>
@@ -4181,12 +4420,12 @@
 </p:notes>
 </file>
 
-<file path=ppt/notesSlides/notesSlide9.xml><?xml version="1.0" encoding="utf-8"?>
+<file path=ppt/notesSlides/notesSlide7.xml><?xml version="1.0" encoding="utf-8"?>
 <p:notes xmlns:a="http://schemas.openxmlformats.org/drawingml/2006/main" xmlns:r="http://schemas.openxmlformats.org/officeDocument/2006/relationships" xmlns:mc="http://schemas.openxmlformats.org/markup-compatibility/2006" xmlns:mv="urn:schemas-microsoft-com:mac:vml" xmlns:p="http://schemas.openxmlformats.org/presentationml/2006/main" xmlns:c="http://schemas.openxmlformats.org/drawingml/2006/chart" xmlns:dgm="http://schemas.openxmlformats.org/drawingml/2006/diagram" xmlns:o="urn:schemas-microsoft-com:office:office" xmlns:v="urn:schemas-microsoft-com:vml" xmlns:pvml="urn:schemas-microsoft-com:office:powerpoint" xmlns:com="http://schemas.openxmlformats.org/drawingml/2006/compatibility" xmlns:p14="http://schemas.microsoft.com/office/powerpoint/2010/main" xmlns:p15="http://schemas.microsoft.com/office/powerpoint/2012/main" xmlns:ahyp="http://schemas.microsoft.com/office/drawing/2018/hyperlinkcolor" showMasterPhAnim="0" showMasterSp="0">
   <p:cSld>
     <p:spTree>
       <p:nvGrpSpPr>
-        <p:cNvPr id="198" name="Shape 198"/>
+        <p:cNvPr id="183" name="Shape 183"/>
         <p:cNvGrpSpPr/>
         <p:nvPr/>
       </p:nvGrpSpPr>
@@ -4200,7 +4439,7 @@
       </p:grpSpPr>
       <p:sp>
         <p:nvSpPr>
-          <p:cNvPr id="199" name="Google Shape;199;g12cae811305_0_29:notes"/>
+          <p:cNvPr id="184" name="Google Shape;184;g12cae811305_0_10:notes"/>
           <p:cNvSpPr/>
           <p:nvPr>
             <p:ph idx="2" type="sldImg"/>
@@ -4235,7 +4474,7 @@
       </p:sp>
       <p:sp>
         <p:nvSpPr>
-          <p:cNvPr id="200" name="Google Shape;200;g12cae811305_0_29:notes"/>
+          <p:cNvPr id="185" name="Google Shape;185;g12cae811305_0_10:notes"/>
           <p:cNvSpPr txBox="1"/>
           <p:nvPr>
             <p:ph idx="1" type="body"/>
@@ -4267,7 +4506,7 @@
             </a:pPr>
             <a:r>
               <a:rPr lang="en"/>
-              <a:t>Kenny</a:t>
+              <a:t>Bryan</a:t>
             </a:r>
             <a:endParaRPr/>
           </a:p>
@@ -4288,25 +4527,140 @@
           </a:p>
           <a:p>
             <a:pPr indent="0" lvl="0" marL="0" rtl="0" algn="l">
-              <a:spcBef>
-                <a:spcPts val="0"/>
-              </a:spcBef>
-              <a:spcAft>
-                <a:spcPts val="0"/>
-              </a:spcAft>
+              <a:lnSpc>
+                <a:spcPct val="115000"/>
+              </a:lnSpc>
+              <a:spcBef>
+                <a:spcPts val="1200"/>
+              </a:spcBef>
+              <a:spcAft>
+                <a:spcPts val="0"/>
+              </a:spcAft>
+              <a:buClr>
+                <a:schemeClr val="dk1"/>
+              </a:buClr>
+              <a:buSzPts val="1100"/>
+              <a:buFont typeface="Arial"/>
               <a:buNone/>
             </a:pPr>
             <a:r>
               <a:rPr lang="en"/>
-              <a:t>Within the confusion matrix, the positive prediction, </a:t>
-            </a:r>
+              <a:t>Our initial exploratory analysis demonstrated a correlation between certain features within our dataset. By recognizing patterns in our dataset, we were able to identify what columns to test using a linear regression model. The linear regression model yielded promising results, therefore, the model evolved into a logistical regression model that would test all the features in our dataset. All of which are shown here. </a:t>
+            </a:r>
+            <a:endParaRPr/>
+          </a:p>
+          <a:p>
+            <a:pPr indent="0" lvl="0" marL="0" rtl="0" algn="l">
+              <a:spcBef>
+                <a:spcPts val="1200"/>
+              </a:spcBef>
+              <a:spcAft>
+                <a:spcPts val="0"/>
+              </a:spcAft>
+              <a:buNone/>
+            </a:pPr>
+            <a:r>
+              <a:t/>
+            </a:r>
+            <a:endParaRPr/>
+          </a:p>
+        </p:txBody>
+      </p:sp>
+    </p:spTree>
+  </p:cSld>
+  <p:clrMapOvr>
+    <a:masterClrMapping/>
+  </p:clrMapOvr>
+</p:notes>
+</file>
+
+<file path=ppt/notesSlides/notesSlide8.xml><?xml version="1.0" encoding="utf-8"?>
+<p:notes xmlns:a="http://schemas.openxmlformats.org/drawingml/2006/main" xmlns:r="http://schemas.openxmlformats.org/officeDocument/2006/relationships" xmlns:mc="http://schemas.openxmlformats.org/markup-compatibility/2006" xmlns:mv="urn:schemas-microsoft-com:mac:vml" xmlns:p="http://schemas.openxmlformats.org/presentationml/2006/main" xmlns:c="http://schemas.openxmlformats.org/drawingml/2006/chart" xmlns:dgm="http://schemas.openxmlformats.org/drawingml/2006/diagram" xmlns:o="urn:schemas-microsoft-com:office:office" xmlns:v="urn:schemas-microsoft-com:vml" xmlns:pvml="urn:schemas-microsoft-com:office:powerpoint" xmlns:com="http://schemas.openxmlformats.org/drawingml/2006/compatibility" xmlns:p14="http://schemas.microsoft.com/office/powerpoint/2010/main" xmlns:p15="http://schemas.microsoft.com/office/powerpoint/2012/main" xmlns:ahyp="http://schemas.microsoft.com/office/drawing/2018/hyperlinkcolor" showMasterPhAnim="0" showMasterSp="0">
+  <p:cSld>
+    <p:spTree>
+      <p:nvGrpSpPr>
+        <p:cNvPr id="189" name="Shape 189"/>
+        <p:cNvGrpSpPr/>
+        <p:nvPr/>
+      </p:nvGrpSpPr>
+      <p:grpSpPr>
+        <a:xfrm>
+          <a:off x="0" y="0"/>
+          <a:ext cx="0" cy="0"/>
+          <a:chOff x="0" y="0"/>
+          <a:chExt cx="0" cy="0"/>
+        </a:xfrm>
+      </p:grpSpPr>
+      <p:sp>
+        <p:nvSpPr>
+          <p:cNvPr id="190" name="Google Shape;190;g12f89b6231a_0_1:notes"/>
+          <p:cNvSpPr/>
+          <p:nvPr>
+            <p:ph idx="2" type="sldImg"/>
+          </p:nvPr>
+        </p:nvSpPr>
+        <p:spPr>
+          <a:xfrm>
+            <a:off x="381300" y="685800"/>
+            <a:ext cx="6096000" cy="3429000"/>
+          </a:xfrm>
+          <a:custGeom>
+            <a:rect b="b" l="l" r="r" t="t"/>
+            <a:pathLst>
+              <a:path extrusionOk="0" h="120000" w="120000">
+                <a:moveTo>
+                  <a:pt x="0" y="0"/>
+                </a:moveTo>
+                <a:lnTo>
+                  <a:pt x="120000" y="0"/>
+                </a:lnTo>
+                <a:lnTo>
+                  <a:pt x="120000" y="120000"/>
+                </a:lnTo>
+                <a:lnTo>
+                  <a:pt x="0" y="120000"/>
+                </a:lnTo>
+                <a:close/>
+              </a:path>
+            </a:pathLst>
+          </a:custGeom>
+        </p:spPr>
+      </p:sp>
+      <p:sp>
+        <p:nvSpPr>
+          <p:cNvPr id="191" name="Google Shape;191;g12f89b6231a_0_1:notes"/>
+          <p:cNvSpPr txBox="1"/>
+          <p:nvPr>
+            <p:ph idx="1" type="body"/>
+          </p:nvPr>
+        </p:nvSpPr>
+        <p:spPr>
+          <a:xfrm>
+            <a:off x="685800" y="4343400"/>
+            <a:ext cx="5486400" cy="4114800"/>
+          </a:xfrm>
+          <a:prstGeom prst="rect">
+            <a:avLst/>
+          </a:prstGeom>
+        </p:spPr>
+        <p:txBody>
+          <a:bodyPr anchorCtr="0" anchor="t" bIns="91425" lIns="91425" spcFirstLastPara="1" rIns="91425" wrap="square" tIns="91425">
+            <a:noAutofit/>
+          </a:bodyPr>
+          <a:lstStyle/>
+          <a:p>
+            <a:pPr indent="0" lvl="0" marL="0" rtl="0" algn="l">
+              <a:spcBef>
+                <a:spcPts val="0"/>
+              </a:spcBef>
+              <a:spcAft>
+                <a:spcPts val="0"/>
+              </a:spcAft>
+              <a:buNone/>
+            </a:pPr>
             <a:r>
               <a:rPr lang="en"/>
-              <a:t>labeled</a:t>
-            </a:r>
-            <a:r>
-              <a:rPr lang="en"/>
-              <a:t> 0, is malignant tumor and negative is a benign tumor, labeled 1.</a:t>
+              <a:t>Bryan</a:t>
             </a:r>
             <a:endParaRPr/>
           </a:p>
@@ -4336,26 +4690,217 @@
               <a:buNone/>
             </a:pPr>
             <a:r>
-              <a:rPr lang="en"/>
-              <a:t>After running the classification report and the confusion matrix, we can see that the model was </a:t>
-            </a:r>
-            <a:r>
-              <a:rPr lang="en"/>
-              <a:t>extremely</a:t>
-            </a:r>
-            <a:r>
-              <a:rPr lang="en"/>
-              <a:t> accurate </a:t>
-            </a:r>
-            <a:r>
-              <a:rPr lang="en"/>
-              <a:t>across</a:t>
-            </a:r>
-            <a:r>
-              <a:rPr lang="en"/>
-              <a:t> all the fields. From there, we ran our accuracy scores.</a:t>
+              <a:t/>
             </a:r>
             <a:endParaRPr/>
+          </a:p>
+        </p:txBody>
+      </p:sp>
+    </p:spTree>
+  </p:cSld>
+  <p:clrMapOvr>
+    <a:masterClrMapping/>
+  </p:clrMapOvr>
+</p:notes>
+</file>
+
+<file path=ppt/notesSlides/notesSlide9.xml><?xml version="1.0" encoding="utf-8"?>
+<p:notes xmlns:a="http://schemas.openxmlformats.org/drawingml/2006/main" xmlns:r="http://schemas.openxmlformats.org/officeDocument/2006/relationships" xmlns:mc="http://schemas.openxmlformats.org/markup-compatibility/2006" xmlns:mv="urn:schemas-microsoft-com:mac:vml" xmlns:p="http://schemas.openxmlformats.org/presentationml/2006/main" xmlns:c="http://schemas.openxmlformats.org/drawingml/2006/chart" xmlns:dgm="http://schemas.openxmlformats.org/drawingml/2006/diagram" xmlns:o="urn:schemas-microsoft-com:office:office" xmlns:v="urn:schemas-microsoft-com:vml" xmlns:pvml="urn:schemas-microsoft-com:office:powerpoint" xmlns:com="http://schemas.openxmlformats.org/drawingml/2006/compatibility" xmlns:p14="http://schemas.microsoft.com/office/powerpoint/2010/main" xmlns:p15="http://schemas.microsoft.com/office/powerpoint/2012/main" xmlns:ahyp="http://schemas.microsoft.com/office/drawing/2018/hyperlinkcolor" showMasterPhAnim="0" showMasterSp="0">
+  <p:cSld>
+    <p:spTree>
+      <p:nvGrpSpPr>
+        <p:cNvPr id="200" name="Shape 200"/>
+        <p:cNvGrpSpPr/>
+        <p:nvPr/>
+      </p:nvGrpSpPr>
+      <p:grpSpPr>
+        <a:xfrm>
+          <a:off x="0" y="0"/>
+          <a:ext cx="0" cy="0"/>
+          <a:chOff x="0" y="0"/>
+          <a:chExt cx="0" cy="0"/>
+        </a:xfrm>
+      </p:grpSpPr>
+      <p:sp>
+        <p:nvSpPr>
+          <p:cNvPr id="201" name="Google Shape;201;g12cae811305_0_22:notes"/>
+          <p:cNvSpPr/>
+          <p:nvPr>
+            <p:ph idx="2" type="sldImg"/>
+          </p:nvPr>
+        </p:nvSpPr>
+        <p:spPr>
+          <a:xfrm>
+            <a:off x="381300" y="685800"/>
+            <a:ext cx="6096000" cy="3429000"/>
+          </a:xfrm>
+          <a:custGeom>
+            <a:rect b="b" l="l" r="r" t="t"/>
+            <a:pathLst>
+              <a:path extrusionOk="0" h="120000" w="120000">
+                <a:moveTo>
+                  <a:pt x="0" y="0"/>
+                </a:moveTo>
+                <a:lnTo>
+                  <a:pt x="120000" y="0"/>
+                </a:lnTo>
+                <a:lnTo>
+                  <a:pt x="120000" y="120000"/>
+                </a:lnTo>
+                <a:lnTo>
+                  <a:pt x="0" y="120000"/>
+                </a:lnTo>
+                <a:close/>
+              </a:path>
+            </a:pathLst>
+          </a:custGeom>
+        </p:spPr>
+      </p:sp>
+      <p:sp>
+        <p:nvSpPr>
+          <p:cNvPr id="202" name="Google Shape;202;g12cae811305_0_22:notes"/>
+          <p:cNvSpPr txBox="1"/>
+          <p:nvPr>
+            <p:ph idx="1" type="body"/>
+          </p:nvPr>
+        </p:nvSpPr>
+        <p:spPr>
+          <a:xfrm>
+            <a:off x="685800" y="4343400"/>
+            <a:ext cx="5486400" cy="4114800"/>
+          </a:xfrm>
+          <a:prstGeom prst="rect">
+            <a:avLst/>
+          </a:prstGeom>
+        </p:spPr>
+        <p:txBody>
+          <a:bodyPr anchorCtr="0" anchor="t" bIns="91425" lIns="91425" spcFirstLastPara="1" rIns="91425" wrap="square" tIns="91425">
+            <a:noAutofit/>
+          </a:bodyPr>
+          <a:lstStyle/>
+          <a:p>
+            <a:pPr indent="0" lvl="0" marL="0" rtl="0" algn="l">
+              <a:spcBef>
+                <a:spcPts val="0"/>
+              </a:spcBef>
+              <a:spcAft>
+                <a:spcPts val="0"/>
+              </a:spcAft>
+              <a:buNone/>
+            </a:pPr>
+            <a:r>
+              <a:rPr lang="en">
+                <a:solidFill>
+                  <a:schemeClr val="dk1"/>
+                </a:solidFill>
+                <a:latin typeface="Lato"/>
+                <a:ea typeface="Lato"/>
+                <a:cs typeface="Lato"/>
+                <a:sym typeface="Lato"/>
+              </a:rPr>
+              <a:t>Kenny </a:t>
+            </a:r>
+            <a:endParaRPr>
+              <a:solidFill>
+                <a:schemeClr val="dk1"/>
+              </a:solidFill>
+              <a:latin typeface="Lato"/>
+              <a:ea typeface="Lato"/>
+              <a:cs typeface="Lato"/>
+              <a:sym typeface="Lato"/>
+            </a:endParaRPr>
+          </a:p>
+          <a:p>
+            <a:pPr indent="0" lvl="0" marL="0" rtl="0" algn="l">
+              <a:spcBef>
+                <a:spcPts val="0"/>
+              </a:spcBef>
+              <a:spcAft>
+                <a:spcPts val="0"/>
+              </a:spcAft>
+              <a:buNone/>
+            </a:pPr>
+            <a:r>
+              <a:t/>
+            </a:r>
+            <a:endParaRPr>
+              <a:solidFill>
+                <a:schemeClr val="dk1"/>
+              </a:solidFill>
+              <a:latin typeface="Lato"/>
+              <a:ea typeface="Lato"/>
+              <a:cs typeface="Lato"/>
+              <a:sym typeface="Lato"/>
+            </a:endParaRPr>
+          </a:p>
+          <a:p>
+            <a:pPr indent="0" lvl="0" marL="0" rtl="0" algn="l">
+              <a:spcBef>
+                <a:spcPts val="0"/>
+              </a:spcBef>
+              <a:spcAft>
+                <a:spcPts val="0"/>
+              </a:spcAft>
+              <a:buNone/>
+            </a:pPr>
+            <a:r>
+              <a:rPr lang="en">
+                <a:solidFill>
+                  <a:schemeClr val="dk1"/>
+                </a:solidFill>
+                <a:latin typeface="Lato"/>
+                <a:ea typeface="Lato"/>
+                <a:cs typeface="Lato"/>
+                <a:sym typeface="Lato"/>
+              </a:rPr>
+              <a:t>The figure to the right provides the correlation of all our features against themselves by shading does of high correlation closer to the color Purple and those with less correlation white or light red.</a:t>
+            </a:r>
+            <a:endParaRPr>
+              <a:solidFill>
+                <a:schemeClr val="dk1"/>
+              </a:solidFill>
+              <a:latin typeface="Lato"/>
+              <a:ea typeface="Lato"/>
+              <a:cs typeface="Lato"/>
+              <a:sym typeface="Lato"/>
+            </a:endParaRPr>
+          </a:p>
+          <a:p>
+            <a:pPr indent="0" lvl="0" marL="0" rtl="0" algn="l">
+              <a:spcBef>
+                <a:spcPts val="0"/>
+              </a:spcBef>
+              <a:spcAft>
+                <a:spcPts val="0"/>
+              </a:spcAft>
+              <a:buClr>
+                <a:schemeClr val="dk1"/>
+              </a:buClr>
+              <a:buSzPts val="1100"/>
+              <a:buFont typeface="Arial"/>
+              <a:buNone/>
+            </a:pPr>
+            <a:r>
+              <a:rPr lang="en">
+                <a:solidFill>
+                  <a:schemeClr val="dk1"/>
+                </a:solidFill>
+                <a:latin typeface="Lato"/>
+                <a:ea typeface="Lato"/>
+                <a:cs typeface="Lato"/>
+                <a:sym typeface="Lato"/>
+              </a:rPr>
+              <a:t>From looking at the heat map, we created tables based off the features that have the features that correlate with each other the most</a:t>
+            </a:r>
+            <a:endParaRPr>
+              <a:solidFill>
+                <a:schemeClr val="dk1"/>
+              </a:solidFill>
+              <a:latin typeface="Lato"/>
+              <a:ea typeface="Lato"/>
+              <a:cs typeface="Lato"/>
+              <a:sym typeface="Lato"/>
+            </a:endParaRPr>
           </a:p>
         </p:txBody>
       </p:sp>
@@ -6307,6 +6852,664 @@
 </p:sldLayout>
 </file>
 
+<file path=ppt/slideLayouts/slideLayout12.xml><?xml version="1.0" encoding="utf-8"?>
+<p:sldLayout xmlns:a="http://schemas.openxmlformats.org/drawingml/2006/main" xmlns:r="http://schemas.openxmlformats.org/officeDocument/2006/relationships" xmlns:mc="http://schemas.openxmlformats.org/markup-compatibility/2006" xmlns:mv="urn:schemas-microsoft-com:mac:vml" xmlns:p="http://schemas.openxmlformats.org/presentationml/2006/main" xmlns:c="http://schemas.openxmlformats.org/drawingml/2006/chart" xmlns:dgm="http://schemas.openxmlformats.org/drawingml/2006/diagram" xmlns:o="urn:schemas-microsoft-com:office:office" xmlns:v="urn:schemas-microsoft-com:vml" xmlns:pvml="urn:schemas-microsoft-com:office:powerpoint" xmlns:com="http://schemas.openxmlformats.org/drawingml/2006/compatibility" xmlns:p14="http://schemas.microsoft.com/office/powerpoint/2010/main" xmlns:p15="http://schemas.microsoft.com/office/powerpoint/2012/main" xmlns:ahyp="http://schemas.microsoft.com/office/drawing/2018/hyperlinkcolor" matchingName="Custom layout">
+  <p:cSld name="AUTOLAYOUT_2">
+    <p:spTree>
+      <p:nvGrpSpPr>
+        <p:cNvPr id="130" name="Shape 130"/>
+        <p:cNvGrpSpPr/>
+        <p:nvPr/>
+      </p:nvGrpSpPr>
+      <p:grpSpPr>
+        <a:xfrm>
+          <a:off x="0" y="0"/>
+          <a:ext cx="0" cy="0"/>
+          <a:chOff x="0" y="0"/>
+          <a:chExt cx="0" cy="0"/>
+        </a:xfrm>
+      </p:grpSpPr>
+      <p:sp>
+        <p:nvSpPr>
+          <p:cNvPr id="131" name="Google Shape;131;p13"/>
+          <p:cNvSpPr/>
+          <p:nvPr/>
+        </p:nvSpPr>
+        <p:spPr>
+          <a:xfrm>
+            <a:off x="0" y="0"/>
+            <a:ext cx="9144000" cy="5143500"/>
+          </a:xfrm>
+          <a:prstGeom prst="rect">
+            <a:avLst/>
+          </a:prstGeom>
+          <a:solidFill>
+            <a:schemeClr val="dk1"/>
+          </a:solidFill>
+          <a:ln>
+            <a:noFill/>
+          </a:ln>
+        </p:spPr>
+        <p:txBody>
+          <a:bodyPr anchorCtr="0" anchor="ctr" bIns="91425" lIns="91425" spcFirstLastPara="1" rIns="91425" wrap="square" tIns="91425">
+            <a:noAutofit/>
+          </a:bodyPr>
+          <a:lstStyle/>
+          <a:p>
+            <a:pPr indent="0" lvl="0" marL="0" rtl="0" algn="l">
+              <a:spcBef>
+                <a:spcPts val="0"/>
+              </a:spcBef>
+              <a:spcAft>
+                <a:spcPts val="0"/>
+              </a:spcAft>
+              <a:buNone/>
+            </a:pPr>
+            <a:r>
+              <a:t/>
+            </a:r>
+            <a:endParaRPr/>
+          </a:p>
+        </p:txBody>
+      </p:sp>
+      <p:cxnSp>
+        <p:nvCxnSpPr>
+          <p:cNvPr id="132" name="Google Shape;132;p13"/>
+          <p:cNvCxnSpPr/>
+          <p:nvPr/>
+        </p:nvCxnSpPr>
+        <p:spPr>
+          <a:xfrm rot="10800000">
+            <a:off x="398200" y="977175"/>
+            <a:ext cx="505800" cy="0"/>
+          </a:xfrm>
+          <a:prstGeom prst="straightConnector1">
+            <a:avLst/>
+          </a:prstGeom>
+          <a:noFill/>
+          <a:ln cap="flat" cmpd="sng" w="19050">
+            <a:solidFill>
+              <a:srgbClr val="FF5822"/>
+            </a:solidFill>
+            <a:prstDash val="solid"/>
+            <a:round/>
+            <a:headEnd len="sm" w="sm" type="none"/>
+            <a:tailEnd len="sm" w="sm" type="none"/>
+          </a:ln>
+        </p:spPr>
+      </p:cxnSp>
+      <p:sp>
+        <p:nvSpPr>
+          <p:cNvPr id="133" name="Google Shape;133;p13"/>
+          <p:cNvSpPr txBox="1"/>
+          <p:nvPr>
+            <p:ph type="title"/>
+          </p:nvPr>
+        </p:nvSpPr>
+        <p:spPr>
+          <a:xfrm>
+            <a:off x="311700" y="1153900"/>
+            <a:ext cx="2655000" cy="858900"/>
+          </a:xfrm>
+          <a:prstGeom prst="rect">
+            <a:avLst/>
+          </a:prstGeom>
+          <a:noFill/>
+        </p:spPr>
+        <p:txBody>
+          <a:bodyPr anchorCtr="0" anchor="ctr" bIns="91425" lIns="91425" spcFirstLastPara="1" rIns="91425" wrap="square" tIns="91425">
+            <a:normAutofit/>
+          </a:bodyPr>
+          <a:lstStyle>
+            <a:lvl1pPr lvl="0" algn="l">
+              <a:lnSpc>
+                <a:spcPct val="100000"/>
+              </a:lnSpc>
+              <a:spcBef>
+                <a:spcPts val="0"/>
+              </a:spcBef>
+              <a:spcAft>
+                <a:spcPts val="0"/>
+              </a:spcAft>
+              <a:buNone/>
+              <a:defRPr sz="2400">
+                <a:solidFill>
+                  <a:srgbClr val="000000"/>
+                </a:solidFill>
+              </a:defRPr>
+            </a:lvl1pPr>
+            <a:lvl2pPr lvl="1" algn="l">
+              <a:lnSpc>
+                <a:spcPct val="100000"/>
+              </a:lnSpc>
+              <a:spcBef>
+                <a:spcPts val="0"/>
+              </a:spcBef>
+              <a:spcAft>
+                <a:spcPts val="0"/>
+              </a:spcAft>
+              <a:buNone/>
+              <a:defRPr sz="2400">
+                <a:solidFill>
+                  <a:srgbClr val="000000"/>
+                </a:solidFill>
+              </a:defRPr>
+            </a:lvl2pPr>
+            <a:lvl3pPr lvl="2" algn="l">
+              <a:lnSpc>
+                <a:spcPct val="100000"/>
+              </a:lnSpc>
+              <a:spcBef>
+                <a:spcPts val="0"/>
+              </a:spcBef>
+              <a:spcAft>
+                <a:spcPts val="0"/>
+              </a:spcAft>
+              <a:buNone/>
+              <a:defRPr sz="2400">
+                <a:solidFill>
+                  <a:srgbClr val="000000"/>
+                </a:solidFill>
+              </a:defRPr>
+            </a:lvl3pPr>
+            <a:lvl4pPr lvl="3" algn="l">
+              <a:lnSpc>
+                <a:spcPct val="100000"/>
+              </a:lnSpc>
+              <a:spcBef>
+                <a:spcPts val="0"/>
+              </a:spcBef>
+              <a:spcAft>
+                <a:spcPts val="0"/>
+              </a:spcAft>
+              <a:buNone/>
+              <a:defRPr sz="2400">
+                <a:solidFill>
+                  <a:srgbClr val="000000"/>
+                </a:solidFill>
+              </a:defRPr>
+            </a:lvl4pPr>
+            <a:lvl5pPr lvl="4" algn="l">
+              <a:lnSpc>
+                <a:spcPct val="100000"/>
+              </a:lnSpc>
+              <a:spcBef>
+                <a:spcPts val="0"/>
+              </a:spcBef>
+              <a:spcAft>
+                <a:spcPts val="0"/>
+              </a:spcAft>
+              <a:buNone/>
+              <a:defRPr sz="2400">
+                <a:solidFill>
+                  <a:srgbClr val="000000"/>
+                </a:solidFill>
+              </a:defRPr>
+            </a:lvl5pPr>
+            <a:lvl6pPr lvl="5" algn="l">
+              <a:lnSpc>
+                <a:spcPct val="100000"/>
+              </a:lnSpc>
+              <a:spcBef>
+                <a:spcPts val="0"/>
+              </a:spcBef>
+              <a:spcAft>
+                <a:spcPts val="0"/>
+              </a:spcAft>
+              <a:buNone/>
+              <a:defRPr sz="2400">
+                <a:solidFill>
+                  <a:srgbClr val="000000"/>
+                </a:solidFill>
+              </a:defRPr>
+            </a:lvl6pPr>
+            <a:lvl7pPr lvl="6" algn="l">
+              <a:lnSpc>
+                <a:spcPct val="100000"/>
+              </a:lnSpc>
+              <a:spcBef>
+                <a:spcPts val="0"/>
+              </a:spcBef>
+              <a:spcAft>
+                <a:spcPts val="0"/>
+              </a:spcAft>
+              <a:buNone/>
+              <a:defRPr sz="2400">
+                <a:solidFill>
+                  <a:srgbClr val="000000"/>
+                </a:solidFill>
+              </a:defRPr>
+            </a:lvl7pPr>
+            <a:lvl8pPr lvl="7" algn="l">
+              <a:lnSpc>
+                <a:spcPct val="100000"/>
+              </a:lnSpc>
+              <a:spcBef>
+                <a:spcPts val="0"/>
+              </a:spcBef>
+              <a:spcAft>
+                <a:spcPts val="0"/>
+              </a:spcAft>
+              <a:buNone/>
+              <a:defRPr sz="2400">
+                <a:solidFill>
+                  <a:srgbClr val="000000"/>
+                </a:solidFill>
+              </a:defRPr>
+            </a:lvl8pPr>
+            <a:lvl9pPr lvl="8" algn="l">
+              <a:lnSpc>
+                <a:spcPct val="100000"/>
+              </a:lnSpc>
+              <a:spcBef>
+                <a:spcPts val="0"/>
+              </a:spcBef>
+              <a:spcAft>
+                <a:spcPts val="0"/>
+              </a:spcAft>
+              <a:buNone/>
+              <a:defRPr sz="2400">
+                <a:solidFill>
+                  <a:srgbClr val="000000"/>
+                </a:solidFill>
+              </a:defRPr>
+            </a:lvl9pPr>
+          </a:lstStyle>
+          <a:p/>
+        </p:txBody>
+      </p:sp>
+      <p:sp>
+        <p:nvSpPr>
+          <p:cNvPr id="134" name="Google Shape;134;p13"/>
+          <p:cNvSpPr txBox="1"/>
+          <p:nvPr>
+            <p:ph idx="1" type="body"/>
+          </p:nvPr>
+        </p:nvSpPr>
+        <p:spPr>
+          <a:xfrm>
+            <a:off x="311700" y="2022050"/>
+            <a:ext cx="2655000" cy="2928300"/>
+          </a:xfrm>
+          <a:prstGeom prst="rect">
+            <a:avLst/>
+          </a:prstGeom>
+          <a:noFill/>
+        </p:spPr>
+        <p:txBody>
+          <a:bodyPr anchorCtr="0" anchor="t" bIns="91425" lIns="91425" spcFirstLastPara="1" rIns="91425" wrap="square" tIns="91425">
+            <a:normAutofit/>
+          </a:bodyPr>
+          <a:lstStyle>
+            <a:lvl1pPr indent="-292100" lvl="0" marL="457200" algn="l">
+              <a:lnSpc>
+                <a:spcPct val="115000"/>
+              </a:lnSpc>
+              <a:spcBef>
+                <a:spcPts val="0"/>
+              </a:spcBef>
+              <a:spcAft>
+                <a:spcPts val="0"/>
+              </a:spcAft>
+              <a:buClr>
+                <a:srgbClr val="434343"/>
+              </a:buClr>
+              <a:buSzPts val="1000"/>
+              <a:buChar char="●"/>
+              <a:defRPr sz="1000">
+                <a:solidFill>
+                  <a:srgbClr val="434343"/>
+                </a:solidFill>
+              </a:defRPr>
+            </a:lvl1pPr>
+            <a:lvl2pPr indent="-292100" lvl="1" marL="914400" algn="l">
+              <a:lnSpc>
+                <a:spcPct val="115000"/>
+              </a:lnSpc>
+              <a:spcBef>
+                <a:spcPts val="0"/>
+              </a:spcBef>
+              <a:spcAft>
+                <a:spcPts val="0"/>
+              </a:spcAft>
+              <a:buClr>
+                <a:srgbClr val="434343"/>
+              </a:buClr>
+              <a:buSzPts val="1000"/>
+              <a:buChar char="○"/>
+              <a:defRPr sz="1000">
+                <a:solidFill>
+                  <a:srgbClr val="434343"/>
+                </a:solidFill>
+              </a:defRPr>
+            </a:lvl2pPr>
+            <a:lvl3pPr indent="-292100" lvl="2" marL="1371600" algn="l">
+              <a:lnSpc>
+                <a:spcPct val="115000"/>
+              </a:lnSpc>
+              <a:spcBef>
+                <a:spcPts val="0"/>
+              </a:spcBef>
+              <a:spcAft>
+                <a:spcPts val="0"/>
+              </a:spcAft>
+              <a:buClr>
+                <a:srgbClr val="434343"/>
+              </a:buClr>
+              <a:buSzPts val="1000"/>
+              <a:buChar char="■"/>
+              <a:defRPr sz="1000">
+                <a:solidFill>
+                  <a:srgbClr val="434343"/>
+                </a:solidFill>
+              </a:defRPr>
+            </a:lvl3pPr>
+            <a:lvl4pPr indent="-292100" lvl="3" marL="1828800" algn="l">
+              <a:lnSpc>
+                <a:spcPct val="115000"/>
+              </a:lnSpc>
+              <a:spcBef>
+                <a:spcPts val="0"/>
+              </a:spcBef>
+              <a:spcAft>
+                <a:spcPts val="0"/>
+              </a:spcAft>
+              <a:buClr>
+                <a:srgbClr val="434343"/>
+              </a:buClr>
+              <a:buSzPts val="1000"/>
+              <a:buChar char="●"/>
+              <a:defRPr sz="1000">
+                <a:solidFill>
+                  <a:srgbClr val="434343"/>
+                </a:solidFill>
+              </a:defRPr>
+            </a:lvl4pPr>
+            <a:lvl5pPr indent="-292100" lvl="4" marL="2286000" algn="l">
+              <a:lnSpc>
+                <a:spcPct val="115000"/>
+              </a:lnSpc>
+              <a:spcBef>
+                <a:spcPts val="0"/>
+              </a:spcBef>
+              <a:spcAft>
+                <a:spcPts val="0"/>
+              </a:spcAft>
+              <a:buClr>
+                <a:srgbClr val="434343"/>
+              </a:buClr>
+              <a:buSzPts val="1000"/>
+              <a:buChar char="○"/>
+              <a:defRPr sz="1000">
+                <a:solidFill>
+                  <a:srgbClr val="434343"/>
+                </a:solidFill>
+              </a:defRPr>
+            </a:lvl5pPr>
+            <a:lvl6pPr indent="-292100" lvl="5" marL="2743200" algn="l">
+              <a:lnSpc>
+                <a:spcPct val="115000"/>
+              </a:lnSpc>
+              <a:spcBef>
+                <a:spcPts val="0"/>
+              </a:spcBef>
+              <a:spcAft>
+                <a:spcPts val="0"/>
+              </a:spcAft>
+              <a:buClr>
+                <a:srgbClr val="434343"/>
+              </a:buClr>
+              <a:buSzPts val="1000"/>
+              <a:buChar char="■"/>
+              <a:defRPr sz="1000">
+                <a:solidFill>
+                  <a:srgbClr val="434343"/>
+                </a:solidFill>
+              </a:defRPr>
+            </a:lvl6pPr>
+            <a:lvl7pPr indent="-292100" lvl="6" marL="3200400" algn="l">
+              <a:lnSpc>
+                <a:spcPct val="115000"/>
+              </a:lnSpc>
+              <a:spcBef>
+                <a:spcPts val="0"/>
+              </a:spcBef>
+              <a:spcAft>
+                <a:spcPts val="0"/>
+              </a:spcAft>
+              <a:buClr>
+                <a:srgbClr val="434343"/>
+              </a:buClr>
+              <a:buSzPts val="1000"/>
+              <a:buChar char="●"/>
+              <a:defRPr sz="1000">
+                <a:solidFill>
+                  <a:srgbClr val="434343"/>
+                </a:solidFill>
+              </a:defRPr>
+            </a:lvl7pPr>
+            <a:lvl8pPr indent="-292100" lvl="7" marL="3657600" algn="l">
+              <a:lnSpc>
+                <a:spcPct val="115000"/>
+              </a:lnSpc>
+              <a:spcBef>
+                <a:spcPts val="0"/>
+              </a:spcBef>
+              <a:spcAft>
+                <a:spcPts val="0"/>
+              </a:spcAft>
+              <a:buClr>
+                <a:srgbClr val="434343"/>
+              </a:buClr>
+              <a:buSzPts val="1000"/>
+              <a:buChar char="○"/>
+              <a:defRPr sz="1000">
+                <a:solidFill>
+                  <a:srgbClr val="434343"/>
+                </a:solidFill>
+              </a:defRPr>
+            </a:lvl8pPr>
+            <a:lvl9pPr indent="-292100" lvl="8" marL="4114800" algn="l">
+              <a:lnSpc>
+                <a:spcPct val="115000"/>
+              </a:lnSpc>
+              <a:spcBef>
+                <a:spcPts val="0"/>
+              </a:spcBef>
+              <a:spcAft>
+                <a:spcPts val="0"/>
+              </a:spcAft>
+              <a:buClr>
+                <a:srgbClr val="434343"/>
+              </a:buClr>
+              <a:buSzPts val="1000"/>
+              <a:buChar char="■"/>
+              <a:defRPr sz="1000">
+                <a:solidFill>
+                  <a:srgbClr val="434343"/>
+                </a:solidFill>
+              </a:defRPr>
+            </a:lvl9pPr>
+          </a:lstStyle>
+          <a:p/>
+        </p:txBody>
+      </p:sp>
+      <p:sp>
+        <p:nvSpPr>
+          <p:cNvPr id="135" name="Google Shape;135;p13"/>
+          <p:cNvSpPr txBox="1"/>
+          <p:nvPr>
+            <p:ph idx="12" type="sldNum"/>
+          </p:nvPr>
+        </p:nvSpPr>
+        <p:spPr>
+          <a:xfrm>
+            <a:off x="8472458" y="4663217"/>
+            <a:ext cx="548700" cy="393600"/>
+          </a:xfrm>
+          <a:prstGeom prst="rect">
+            <a:avLst/>
+          </a:prstGeom>
+          <a:noFill/>
+        </p:spPr>
+        <p:txBody>
+          <a:bodyPr anchorCtr="0" anchor="ctr" bIns="91425" lIns="91425" spcFirstLastPara="1" rIns="91425" wrap="square" tIns="91425">
+            <a:normAutofit/>
+          </a:bodyPr>
+          <a:lstStyle>
+            <a:lvl1pPr lvl="0" algn="r">
+              <a:lnSpc>
+                <a:spcPct val="100000"/>
+              </a:lnSpc>
+              <a:spcAft>
+                <a:spcPts val="0"/>
+              </a:spcAft>
+              <a:buNone/>
+              <a:defRPr sz="1000">
+                <a:solidFill>
+                  <a:srgbClr val="616161"/>
+                </a:solidFill>
+              </a:defRPr>
+            </a:lvl1pPr>
+            <a:lvl2pPr lvl="1" algn="r">
+              <a:lnSpc>
+                <a:spcPct val="100000"/>
+              </a:lnSpc>
+              <a:spcAft>
+                <a:spcPts val="0"/>
+              </a:spcAft>
+              <a:buNone/>
+              <a:defRPr sz="1000">
+                <a:solidFill>
+                  <a:srgbClr val="616161"/>
+                </a:solidFill>
+              </a:defRPr>
+            </a:lvl2pPr>
+            <a:lvl3pPr lvl="2" algn="r">
+              <a:lnSpc>
+                <a:spcPct val="100000"/>
+              </a:lnSpc>
+              <a:spcAft>
+                <a:spcPts val="0"/>
+              </a:spcAft>
+              <a:buNone/>
+              <a:defRPr sz="1000">
+                <a:solidFill>
+                  <a:srgbClr val="616161"/>
+                </a:solidFill>
+              </a:defRPr>
+            </a:lvl3pPr>
+            <a:lvl4pPr lvl="3" algn="r">
+              <a:lnSpc>
+                <a:spcPct val="100000"/>
+              </a:lnSpc>
+              <a:spcAft>
+                <a:spcPts val="0"/>
+              </a:spcAft>
+              <a:buNone/>
+              <a:defRPr sz="1000">
+                <a:solidFill>
+                  <a:srgbClr val="616161"/>
+                </a:solidFill>
+              </a:defRPr>
+            </a:lvl4pPr>
+            <a:lvl5pPr lvl="4" algn="r">
+              <a:lnSpc>
+                <a:spcPct val="100000"/>
+              </a:lnSpc>
+              <a:spcAft>
+                <a:spcPts val="0"/>
+              </a:spcAft>
+              <a:buNone/>
+              <a:defRPr sz="1000">
+                <a:solidFill>
+                  <a:srgbClr val="616161"/>
+                </a:solidFill>
+              </a:defRPr>
+            </a:lvl5pPr>
+            <a:lvl6pPr lvl="5" algn="r">
+              <a:lnSpc>
+                <a:spcPct val="100000"/>
+              </a:lnSpc>
+              <a:spcAft>
+                <a:spcPts val="0"/>
+              </a:spcAft>
+              <a:buNone/>
+              <a:defRPr sz="1000">
+                <a:solidFill>
+                  <a:srgbClr val="616161"/>
+                </a:solidFill>
+              </a:defRPr>
+            </a:lvl6pPr>
+            <a:lvl7pPr lvl="6" algn="r">
+              <a:lnSpc>
+                <a:spcPct val="100000"/>
+              </a:lnSpc>
+              <a:spcAft>
+                <a:spcPts val="0"/>
+              </a:spcAft>
+              <a:buNone/>
+              <a:defRPr sz="1000">
+                <a:solidFill>
+                  <a:srgbClr val="616161"/>
+                </a:solidFill>
+              </a:defRPr>
+            </a:lvl7pPr>
+            <a:lvl8pPr lvl="7" algn="r">
+              <a:lnSpc>
+                <a:spcPct val="100000"/>
+              </a:lnSpc>
+              <a:spcAft>
+                <a:spcPts val="0"/>
+              </a:spcAft>
+              <a:buNone/>
+              <a:defRPr sz="1000">
+                <a:solidFill>
+                  <a:srgbClr val="616161"/>
+                </a:solidFill>
+              </a:defRPr>
+            </a:lvl8pPr>
+            <a:lvl9pPr lvl="8" algn="r">
+              <a:lnSpc>
+                <a:spcPct val="100000"/>
+              </a:lnSpc>
+              <a:spcAft>
+                <a:spcPts val="0"/>
+              </a:spcAft>
+              <a:buNone/>
+              <a:defRPr sz="1000">
+                <a:solidFill>
+                  <a:srgbClr val="616161"/>
+                </a:solidFill>
+              </a:defRPr>
+            </a:lvl9pPr>
+          </a:lstStyle>
+          <a:p>
+            <a:pPr indent="0" lvl="0" marL="0" rtl="0" algn="r">
+              <a:spcBef>
+                <a:spcPts val="0"/>
+              </a:spcBef>
+              <a:spcAft>
+                <a:spcPts val="0"/>
+              </a:spcAft>
+              <a:buNone/>
+            </a:pPr>
+            <a:fld id="{00000000-1234-1234-1234-123412341234}" type="slidenum">
+              <a:rPr lang="en"/>
+              <a:t>‹#›</a:t>
+            </a:fld>
+            <a:endParaRPr/>
+          </a:p>
+        </p:txBody>
+      </p:sp>
+    </p:spTree>
+  </p:cSld>
+  <p:clrMapOvr>
+    <a:masterClrMapping/>
+  </p:clrMapOvr>
+</p:sldLayout>
+</file>
+
 <file path=ppt/slideLayouts/slideLayout2.xml><?xml version="1.0" encoding="utf-8"?>
 <p:sldLayout xmlns:a="http://schemas.openxmlformats.org/drawingml/2006/main" xmlns:r="http://schemas.openxmlformats.org/officeDocument/2006/relationships" xmlns:mc="http://schemas.openxmlformats.org/markup-compatibility/2006" xmlns:mv="urn:schemas-microsoft-com:mac:vml" xmlns:p="http://schemas.openxmlformats.org/presentationml/2006/main" xmlns:c="http://schemas.openxmlformats.org/drawingml/2006/chart" xmlns:dgm="http://schemas.openxmlformats.org/drawingml/2006/diagram" xmlns:o="urn:schemas-microsoft-com:office:office" xmlns:v="urn:schemas-microsoft-com:vml" xmlns:pvml="urn:schemas-microsoft-com:office:powerpoint" xmlns:com="http://schemas.openxmlformats.org/drawingml/2006/compatibility" xmlns:p14="http://schemas.microsoft.com/office/powerpoint/2010/main" xmlns:p15="http://schemas.microsoft.com/office/powerpoint/2012/main" xmlns:ahyp="http://schemas.microsoft.com/office/drawing/2018/hyperlinkcolor" matchingName="Section header" type="secHead">
   <p:cSld name="SECTION_HEADER">
@@ -11856,6 +13059,7 @@
     <p:sldLayoutId id="2147483656" r:id="rId9"/>
     <p:sldLayoutId id="2147483657" r:id="rId10"/>
     <p:sldLayoutId id="2147483658" r:id="rId11"/>
+    <p:sldLayoutId id="2147483659" r:id="rId12"/>
   </p:sldLayoutIdLst>
   <p:hf dt="0" ftr="0" hdr="0" sldNum="0"/>
   <p:txStyles>
@@ -12555,7 +13759,7 @@
   <p:cSld>
     <p:spTree>
       <p:nvGrpSpPr>
-        <p:cNvPr id="133" name="Shape 133"/>
+        <p:cNvPr id="139" name="Shape 139"/>
         <p:cNvGrpSpPr/>
         <p:nvPr/>
       </p:nvGrpSpPr>
@@ -12569,7 +13773,7 @@
       </p:grpSpPr>
       <p:sp>
         <p:nvSpPr>
-          <p:cNvPr id="134" name="Google Shape;134;p13"/>
+          <p:cNvPr id="140" name="Google Shape;140;p14"/>
           <p:cNvSpPr txBox="1"/>
           <p:nvPr>
             <p:ph type="ctrTitle"/>
@@ -12617,7 +13821,7 @@
       </p:sp>
       <p:sp>
         <p:nvSpPr>
-          <p:cNvPr id="135" name="Google Shape;135;p13"/>
+          <p:cNvPr id="141" name="Google Shape;141;p14"/>
           <p:cNvSpPr txBox="1"/>
           <p:nvPr>
             <p:ph idx="1" type="subTitle"/>
@@ -12668,7 +13872,7 @@
   <p:cSld>
     <p:spTree>
       <p:nvGrpSpPr>
-        <p:cNvPr id="217" name="Shape 217"/>
+        <p:cNvPr id="212" name="Shape 212"/>
         <p:cNvGrpSpPr/>
         <p:nvPr/>
       </p:nvGrpSpPr>
@@ -12682,7 +13886,561 @@
       </p:grpSpPr>
       <p:sp>
         <p:nvSpPr>
-          <p:cNvPr id="218" name="Google Shape;218;p22"/>
+          <p:cNvPr id="213" name="Google Shape;213;p23"/>
+          <p:cNvSpPr txBox="1"/>
+          <p:nvPr>
+            <p:ph type="title"/>
+          </p:nvPr>
+        </p:nvSpPr>
+        <p:spPr>
+          <a:xfrm>
+            <a:off x="1297500" y="393750"/>
+            <a:ext cx="7038900" cy="914100"/>
+          </a:xfrm>
+          <a:prstGeom prst="rect">
+            <a:avLst/>
+          </a:prstGeom>
+        </p:spPr>
+        <p:txBody>
+          <a:bodyPr anchorCtr="0" anchor="t" bIns="91425" lIns="91425" spcFirstLastPara="1" rIns="91425" wrap="square" tIns="91425">
+            <a:normAutofit fontScale="90000"/>
+          </a:bodyPr>
+          <a:lstStyle/>
+          <a:p>
+            <a:pPr indent="0" lvl="0" marL="0" rtl="0" algn="l">
+              <a:spcBef>
+                <a:spcPts val="0"/>
+              </a:spcBef>
+              <a:spcAft>
+                <a:spcPts val="0"/>
+              </a:spcAft>
+              <a:buNone/>
+            </a:pPr>
+            <a:r>
+              <a:rPr lang="en"/>
+              <a:t>Exploratory of our Data</a:t>
+            </a:r>
+            <a:endParaRPr/>
+          </a:p>
+          <a:p>
+            <a:pPr indent="0" lvl="0" marL="0" rtl="0" algn="l">
+              <a:spcBef>
+                <a:spcPts val="0"/>
+              </a:spcBef>
+              <a:spcAft>
+                <a:spcPts val="0"/>
+              </a:spcAft>
+              <a:buNone/>
+            </a:pPr>
+            <a:r>
+              <a:t/>
+            </a:r>
+            <a:endParaRPr/>
+          </a:p>
+        </p:txBody>
+      </p:sp>
+      <p:sp>
+        <p:nvSpPr>
+          <p:cNvPr id="214" name="Google Shape;214;p23"/>
+          <p:cNvSpPr txBox="1"/>
+          <p:nvPr>
+            <p:ph idx="1" type="body"/>
+          </p:nvPr>
+        </p:nvSpPr>
+        <p:spPr>
+          <a:xfrm>
+            <a:off x="2924324" y="753450"/>
+            <a:ext cx="6244800" cy="2911200"/>
+          </a:xfrm>
+          <a:prstGeom prst="rect">
+            <a:avLst/>
+          </a:prstGeom>
+        </p:spPr>
+        <p:txBody>
+          <a:bodyPr anchorCtr="0" anchor="t" bIns="91425" lIns="91425" spcFirstLastPara="1" rIns="91425" wrap="square" tIns="91425">
+            <a:normAutofit/>
+          </a:bodyPr>
+          <a:lstStyle/>
+          <a:p>
+            <a:pPr indent="0" lvl="0" marL="0" rtl="0" algn="l">
+              <a:spcBef>
+                <a:spcPts val="0"/>
+              </a:spcBef>
+              <a:spcAft>
+                <a:spcPts val="0"/>
+              </a:spcAft>
+              <a:buNone/>
+            </a:pPr>
+            <a:r>
+              <a:rPr lang="en" sz="1100"/>
+              <a:t>The values we’ve measured have presented incredibly accurate results. Further evaluation of other features may need to performed to assess the sensitivity of the machine learning model. </a:t>
+            </a:r>
+            <a:endParaRPr sz="1100"/>
+          </a:p>
+          <a:p>
+            <a:pPr indent="0" lvl="0" marL="0" rtl="0" algn="l">
+              <a:spcBef>
+                <a:spcPts val="1200"/>
+              </a:spcBef>
+              <a:spcAft>
+                <a:spcPts val="1200"/>
+              </a:spcAft>
+              <a:buNone/>
+            </a:pPr>
+            <a:r>
+              <a:t/>
+            </a:r>
+            <a:endParaRPr/>
+          </a:p>
+        </p:txBody>
+      </p:sp>
+      <p:sp>
+        <p:nvSpPr>
+          <p:cNvPr id="215" name="Google Shape;215;p23"/>
+          <p:cNvSpPr txBox="1"/>
+          <p:nvPr/>
+        </p:nvSpPr>
+        <p:spPr>
+          <a:xfrm>
+            <a:off x="2959825" y="3708925"/>
+            <a:ext cx="5379600" cy="1293000"/>
+          </a:xfrm>
+          <a:prstGeom prst="rect">
+            <a:avLst/>
+          </a:prstGeom>
+          <a:noFill/>
+          <a:ln>
+            <a:noFill/>
+          </a:ln>
+        </p:spPr>
+        <p:txBody>
+          <a:bodyPr anchorCtr="0" anchor="t" bIns="91425" lIns="91425" spcFirstLastPara="1" rIns="91425" wrap="square" tIns="91425">
+            <a:spAutoFit/>
+          </a:bodyPr>
+          <a:lstStyle/>
+          <a:p>
+            <a:pPr indent="0" lvl="0" marL="0" rtl="0" algn="l">
+              <a:spcBef>
+                <a:spcPts val="0"/>
+              </a:spcBef>
+              <a:spcAft>
+                <a:spcPts val="0"/>
+              </a:spcAft>
+              <a:buNone/>
+            </a:pPr>
+            <a:r>
+              <a:rPr lang="en" sz="1200">
+                <a:solidFill>
+                  <a:srgbClr val="FFFFFF"/>
+                </a:solidFill>
+                <a:latin typeface="Lato"/>
+                <a:ea typeface="Lato"/>
+                <a:cs typeface="Lato"/>
+                <a:sym typeface="Lato"/>
+              </a:rPr>
+              <a:t>With the above results being so high in each field, our goal was to further test our model using some of the techniques covered during our machine learning module to assess the sensitivity, accuracy, and precision. </a:t>
+            </a:r>
+            <a:endParaRPr sz="1200">
+              <a:solidFill>
+                <a:srgbClr val="FFFFFF"/>
+              </a:solidFill>
+              <a:latin typeface="Lato"/>
+              <a:ea typeface="Lato"/>
+              <a:cs typeface="Lato"/>
+              <a:sym typeface="Lato"/>
+            </a:endParaRPr>
+          </a:p>
+          <a:p>
+            <a:pPr indent="0" lvl="0" marL="0" rtl="0" algn="l">
+              <a:spcBef>
+                <a:spcPts val="0"/>
+              </a:spcBef>
+              <a:spcAft>
+                <a:spcPts val="0"/>
+              </a:spcAft>
+              <a:buNone/>
+            </a:pPr>
+            <a:r>
+              <a:t/>
+            </a:r>
+            <a:endParaRPr sz="1200">
+              <a:solidFill>
+                <a:srgbClr val="FFFFFF"/>
+              </a:solidFill>
+              <a:latin typeface="Lato"/>
+              <a:ea typeface="Lato"/>
+              <a:cs typeface="Lato"/>
+              <a:sym typeface="Lato"/>
+            </a:endParaRPr>
+          </a:p>
+          <a:p>
+            <a:pPr indent="0" lvl="0" marL="0" rtl="0" algn="l">
+              <a:spcBef>
+                <a:spcPts val="0"/>
+              </a:spcBef>
+              <a:spcAft>
+                <a:spcPts val="0"/>
+              </a:spcAft>
+              <a:buNone/>
+            </a:pPr>
+            <a:r>
+              <a:rPr lang="en" sz="1200">
+                <a:solidFill>
+                  <a:srgbClr val="FFFFFF"/>
+                </a:solidFill>
+                <a:latin typeface="Lato"/>
+                <a:ea typeface="Lato"/>
+                <a:cs typeface="Lato"/>
+                <a:sym typeface="Lato"/>
+              </a:rPr>
+              <a:t>Also, the number of testing samples appears too small. We hope to address this by trying oversampling to see resilient our model is. </a:t>
+            </a:r>
+            <a:endParaRPr sz="1200">
+              <a:solidFill>
+                <a:srgbClr val="FFFFFF"/>
+              </a:solidFill>
+              <a:latin typeface="Lato"/>
+              <a:ea typeface="Lato"/>
+              <a:cs typeface="Lato"/>
+              <a:sym typeface="Lato"/>
+            </a:endParaRPr>
+          </a:p>
+        </p:txBody>
+      </p:sp>
+      <p:pic>
+        <p:nvPicPr>
+          <p:cNvPr id="216" name="Google Shape;216;p23"/>
+          <p:cNvPicPr preferRelativeResize="0"/>
+          <p:nvPr/>
+        </p:nvPicPr>
+        <p:blipFill rotWithShape="1">
+          <a:blip r:embed="rId3">
+            <a:alphaModFix amt="80000"/>
+          </a:blip>
+          <a:srcRect b="0" l="0" r="58682" t="0"/>
+          <a:stretch/>
+        </p:blipFill>
+        <p:spPr>
+          <a:xfrm>
+            <a:off x="35300" y="994825"/>
+            <a:ext cx="1347826" cy="1894175"/>
+          </a:xfrm>
+          <a:prstGeom prst="rect">
+            <a:avLst/>
+          </a:prstGeom>
+          <a:noFill/>
+          <a:ln>
+            <a:noFill/>
+          </a:ln>
+        </p:spPr>
+      </p:pic>
+      <p:pic>
+        <p:nvPicPr>
+          <p:cNvPr id="217" name="Google Shape;217;p23"/>
+          <p:cNvPicPr preferRelativeResize="0"/>
+          <p:nvPr/>
+        </p:nvPicPr>
+        <p:blipFill rotWithShape="1">
+          <a:blip r:embed="rId4">
+            <a:alphaModFix amt="80000"/>
+          </a:blip>
+          <a:srcRect b="0" l="4961" r="53313" t="0"/>
+          <a:stretch/>
+        </p:blipFill>
+        <p:spPr>
+          <a:xfrm>
+            <a:off x="1383125" y="918728"/>
+            <a:ext cx="1541199" cy="1970272"/>
+          </a:xfrm>
+          <a:prstGeom prst="rect">
+            <a:avLst/>
+          </a:prstGeom>
+          <a:noFill/>
+          <a:ln>
+            <a:noFill/>
+          </a:ln>
+        </p:spPr>
+      </p:pic>
+      <p:pic>
+        <p:nvPicPr>
+          <p:cNvPr id="218" name="Google Shape;218;p23"/>
+          <p:cNvPicPr preferRelativeResize="0"/>
+          <p:nvPr/>
+        </p:nvPicPr>
+        <p:blipFill rotWithShape="1">
+          <a:blip r:embed="rId5">
+            <a:alphaModFix amt="80000"/>
+          </a:blip>
+          <a:srcRect b="0" l="0" r="56913" t="0"/>
+          <a:stretch/>
+        </p:blipFill>
+        <p:spPr>
+          <a:xfrm>
+            <a:off x="35300" y="2855975"/>
+            <a:ext cx="1481674" cy="2091875"/>
+          </a:xfrm>
+          <a:prstGeom prst="rect">
+            <a:avLst/>
+          </a:prstGeom>
+          <a:noFill/>
+          <a:ln>
+            <a:noFill/>
+          </a:ln>
+        </p:spPr>
+      </p:pic>
+      <p:pic>
+        <p:nvPicPr>
+          <p:cNvPr id="219" name="Google Shape;219;p23"/>
+          <p:cNvPicPr preferRelativeResize="0"/>
+          <p:nvPr/>
+        </p:nvPicPr>
+        <p:blipFill rotWithShape="1">
+          <a:blip r:embed="rId6">
+            <a:alphaModFix amt="80000"/>
+          </a:blip>
+          <a:srcRect b="0" l="0" r="57663" t="0"/>
+          <a:stretch/>
+        </p:blipFill>
+        <p:spPr>
+          <a:xfrm>
+            <a:off x="1516975" y="2835925"/>
+            <a:ext cx="1347825" cy="2104781"/>
+          </a:xfrm>
+          <a:prstGeom prst="rect">
+            <a:avLst/>
+          </a:prstGeom>
+          <a:noFill/>
+          <a:ln>
+            <a:noFill/>
+          </a:ln>
+        </p:spPr>
+      </p:pic>
+      <p:pic>
+        <p:nvPicPr>
+          <p:cNvPr id="220" name="Google Shape;220;p23"/>
+          <p:cNvPicPr preferRelativeResize="0"/>
+          <p:nvPr/>
+        </p:nvPicPr>
+        <p:blipFill rotWithShape="1">
+          <a:blip r:embed="rId7">
+            <a:alphaModFix/>
+          </a:blip>
+          <a:srcRect b="49049" l="0" r="0" t="10167"/>
+          <a:stretch/>
+        </p:blipFill>
+        <p:spPr>
+          <a:xfrm>
+            <a:off x="2924325" y="1428875"/>
+            <a:ext cx="3200950" cy="1058325"/>
+          </a:xfrm>
+          <a:prstGeom prst="rect">
+            <a:avLst/>
+          </a:prstGeom>
+          <a:noFill/>
+          <a:ln>
+            <a:noFill/>
+          </a:ln>
+        </p:spPr>
+      </p:pic>
+      <p:pic>
+        <p:nvPicPr>
+          <p:cNvPr id="221" name="Google Shape;221;p23"/>
+          <p:cNvPicPr preferRelativeResize="0"/>
+          <p:nvPr/>
+        </p:nvPicPr>
+        <p:blipFill rotWithShape="1">
+          <a:blip r:embed="rId7">
+            <a:alphaModFix/>
+          </a:blip>
+          <a:srcRect b="0" l="0" r="0" t="86405"/>
+          <a:stretch/>
+        </p:blipFill>
+        <p:spPr>
+          <a:xfrm>
+            <a:off x="2927875" y="2771425"/>
+            <a:ext cx="3193850" cy="352775"/>
+          </a:xfrm>
+          <a:prstGeom prst="rect">
+            <a:avLst/>
+          </a:prstGeom>
+          <a:noFill/>
+          <a:ln>
+            <a:noFill/>
+          </a:ln>
+        </p:spPr>
+      </p:pic>
+      <p:pic>
+        <p:nvPicPr>
+          <p:cNvPr id="222" name="Google Shape;222;p23"/>
+          <p:cNvPicPr preferRelativeResize="0"/>
+          <p:nvPr/>
+        </p:nvPicPr>
+        <p:blipFill>
+          <a:blip r:embed="rId8">
+            <a:alphaModFix/>
+          </a:blip>
+          <a:stretch>
+            <a:fillRect/>
+          </a:stretch>
+        </p:blipFill>
+        <p:spPr>
+          <a:xfrm>
+            <a:off x="4345750" y="2588100"/>
+            <a:ext cx="1988475" cy="1120825"/>
+          </a:xfrm>
+          <a:prstGeom prst="rect">
+            <a:avLst/>
+          </a:prstGeom>
+          <a:noFill/>
+          <a:ln>
+            <a:noFill/>
+          </a:ln>
+        </p:spPr>
+      </p:pic>
+      <p:sp>
+        <p:nvSpPr>
+          <p:cNvPr id="223" name="Google Shape;223;p23"/>
+          <p:cNvSpPr txBox="1"/>
+          <p:nvPr/>
+        </p:nvSpPr>
+        <p:spPr>
+          <a:xfrm>
+            <a:off x="2959825" y="1141375"/>
+            <a:ext cx="2769300" cy="338700"/>
+          </a:xfrm>
+          <a:prstGeom prst="rect">
+            <a:avLst/>
+          </a:prstGeom>
+          <a:noFill/>
+          <a:ln>
+            <a:noFill/>
+          </a:ln>
+        </p:spPr>
+        <p:txBody>
+          <a:bodyPr anchorCtr="0" anchor="t" bIns="91425" lIns="91425" spcFirstLastPara="1" rIns="91425" wrap="square" tIns="91425">
+            <a:spAutoFit/>
+          </a:bodyPr>
+          <a:lstStyle/>
+          <a:p>
+            <a:pPr indent="0" lvl="0" marL="0" rtl="0" algn="l">
+              <a:spcBef>
+                <a:spcPts val="0"/>
+              </a:spcBef>
+              <a:spcAft>
+                <a:spcPts val="0"/>
+              </a:spcAft>
+              <a:buNone/>
+            </a:pPr>
+            <a:r>
+              <a:rPr lang="en" sz="1000" u="sng">
+                <a:solidFill>
+                  <a:srgbClr val="FFFFFF"/>
+                </a:solidFill>
+                <a:latin typeface="Lato"/>
+                <a:ea typeface="Lato"/>
+                <a:cs typeface="Lato"/>
+                <a:sym typeface="Lato"/>
+              </a:rPr>
+              <a:t>Classification Report</a:t>
+            </a:r>
+            <a:endParaRPr sz="1000" u="sng">
+              <a:solidFill>
+                <a:srgbClr val="FFFFFF"/>
+              </a:solidFill>
+              <a:latin typeface="Lato"/>
+              <a:ea typeface="Lato"/>
+              <a:cs typeface="Lato"/>
+              <a:sym typeface="Lato"/>
+            </a:endParaRPr>
+          </a:p>
+        </p:txBody>
+      </p:sp>
+      <p:sp>
+        <p:nvSpPr>
+          <p:cNvPr id="224" name="Google Shape;224;p23"/>
+          <p:cNvSpPr txBox="1"/>
+          <p:nvPr/>
+        </p:nvSpPr>
+        <p:spPr>
+          <a:xfrm>
+            <a:off x="2959825" y="2483675"/>
+            <a:ext cx="3090300" cy="338700"/>
+          </a:xfrm>
+          <a:prstGeom prst="rect">
+            <a:avLst/>
+          </a:prstGeom>
+          <a:noFill/>
+          <a:ln>
+            <a:noFill/>
+          </a:ln>
+        </p:spPr>
+        <p:txBody>
+          <a:bodyPr anchorCtr="0" anchor="t" bIns="91425" lIns="91425" spcFirstLastPara="1" rIns="91425" wrap="square" tIns="91425">
+            <a:spAutoFit/>
+          </a:bodyPr>
+          <a:lstStyle/>
+          <a:p>
+            <a:pPr indent="0" lvl="0" marL="0" rtl="0" algn="l">
+              <a:spcBef>
+                <a:spcPts val="0"/>
+              </a:spcBef>
+              <a:spcAft>
+                <a:spcPts val="0"/>
+              </a:spcAft>
+              <a:buNone/>
+            </a:pPr>
+            <a:r>
+              <a:rPr lang="en" sz="1000" u="sng">
+                <a:solidFill>
+                  <a:srgbClr val="F8F8F8"/>
+                </a:solidFill>
+                <a:latin typeface="Lato"/>
+                <a:ea typeface="Lato"/>
+                <a:cs typeface="Lato"/>
+                <a:sym typeface="Lato"/>
+              </a:rPr>
+              <a:t>Confusion Matrix</a:t>
+            </a:r>
+            <a:endParaRPr sz="1000" u="sng">
+              <a:solidFill>
+                <a:srgbClr val="F8F8F8"/>
+              </a:solidFill>
+              <a:latin typeface="Lato"/>
+              <a:ea typeface="Lato"/>
+              <a:cs typeface="Lato"/>
+              <a:sym typeface="Lato"/>
+            </a:endParaRPr>
+          </a:p>
+        </p:txBody>
+      </p:sp>
+    </p:spTree>
+  </p:cSld>
+  <p:clrMapOvr>
+    <a:masterClrMapping/>
+  </p:clrMapOvr>
+</p:sld>
+</file>
+
+<file path=ppt/slides/slide11.xml><?xml version="1.0" encoding="utf-8"?>
+<p:sld xmlns:a="http://schemas.openxmlformats.org/drawingml/2006/main" xmlns:r="http://schemas.openxmlformats.org/officeDocument/2006/relationships" xmlns:mc="http://schemas.openxmlformats.org/markup-compatibility/2006" xmlns:mv="urn:schemas-microsoft-com:mac:vml" xmlns:p="http://schemas.openxmlformats.org/presentationml/2006/main" xmlns:c="http://schemas.openxmlformats.org/drawingml/2006/chart" xmlns:dgm="http://schemas.openxmlformats.org/drawingml/2006/diagram" xmlns:o="urn:schemas-microsoft-com:office:office" xmlns:v="urn:schemas-microsoft-com:vml" xmlns:pvml="urn:schemas-microsoft-com:office:powerpoint" xmlns:com="http://schemas.openxmlformats.org/drawingml/2006/compatibility" xmlns:p14="http://schemas.microsoft.com/office/powerpoint/2010/main" xmlns:p15="http://schemas.microsoft.com/office/powerpoint/2012/main" xmlns:ahyp="http://schemas.microsoft.com/office/drawing/2018/hyperlinkcolor">
+  <p:cSld>
+    <p:spTree>
+      <p:nvGrpSpPr>
+        <p:cNvPr id="228" name="Shape 228"/>
+        <p:cNvGrpSpPr/>
+        <p:nvPr/>
+      </p:nvGrpSpPr>
+      <p:grpSpPr>
+        <a:xfrm>
+          <a:off x="0" y="0"/>
+          <a:ext cx="0" cy="0"/>
+          <a:chOff x="0" y="0"/>
+          <a:chExt cx="0" cy="0"/>
+        </a:xfrm>
+      </p:grpSpPr>
+      <p:sp>
+        <p:nvSpPr>
+          <p:cNvPr id="229" name="Google Shape;229;p24"/>
           <p:cNvSpPr txBox="1"/>
           <p:nvPr>
             <p:ph type="title"/>
@@ -12722,7 +14480,7 @@
       </p:sp>
       <p:sp>
         <p:nvSpPr>
-          <p:cNvPr id="219" name="Google Shape;219;p22"/>
+          <p:cNvPr id="230" name="Google Shape;230;p24"/>
           <p:cNvSpPr txBox="1"/>
           <p:nvPr>
             <p:ph idx="1" type="body"/>
@@ -12777,12 +14535,12 @@
 </p:sld>
 </file>
 
-<file path=ppt/slides/slide11.xml><?xml version="1.0" encoding="utf-8"?>
+<file path=ppt/slides/slide12.xml><?xml version="1.0" encoding="utf-8"?>
 <p:sld xmlns:a="http://schemas.openxmlformats.org/drawingml/2006/main" xmlns:r="http://schemas.openxmlformats.org/officeDocument/2006/relationships" xmlns:mc="http://schemas.openxmlformats.org/markup-compatibility/2006" xmlns:mv="urn:schemas-microsoft-com:mac:vml" xmlns:p="http://schemas.openxmlformats.org/presentationml/2006/main" xmlns:c="http://schemas.openxmlformats.org/drawingml/2006/chart" xmlns:dgm="http://schemas.openxmlformats.org/drawingml/2006/diagram" xmlns:o="urn:schemas-microsoft-com:office:office" xmlns:v="urn:schemas-microsoft-com:vml" xmlns:pvml="urn:schemas-microsoft-com:office:powerpoint" xmlns:com="http://schemas.openxmlformats.org/drawingml/2006/compatibility" xmlns:p14="http://schemas.microsoft.com/office/powerpoint/2010/main" xmlns:p15="http://schemas.microsoft.com/office/powerpoint/2012/main" xmlns:ahyp="http://schemas.microsoft.com/office/drawing/2018/hyperlinkcolor">
   <p:cSld>
     <p:spTree>
       <p:nvGrpSpPr>
-        <p:cNvPr id="223" name="Shape 223"/>
+        <p:cNvPr id="234" name="Shape 234"/>
         <p:cNvGrpSpPr/>
         <p:nvPr/>
       </p:nvGrpSpPr>
@@ -12796,7 +14554,7 @@
       </p:grpSpPr>
       <p:sp>
         <p:nvSpPr>
-          <p:cNvPr id="224" name="Google Shape;224;p23"/>
+          <p:cNvPr id="235" name="Google Shape;235;p25"/>
           <p:cNvSpPr txBox="1"/>
           <p:nvPr>
             <p:ph type="title"/>
@@ -12844,7 +14602,7 @@
       </p:sp>
       <p:sp>
         <p:nvSpPr>
-          <p:cNvPr id="225" name="Google Shape;225;p23"/>
+          <p:cNvPr id="236" name="Google Shape;236;p25"/>
           <p:cNvSpPr txBox="1"/>
           <p:nvPr>
             <p:ph idx="1" type="body"/>
@@ -12970,12 +14728,12 @@
 </p:sld>
 </file>
 
-<file path=ppt/slides/slide12.xml><?xml version="1.0" encoding="utf-8"?>
+<file path=ppt/slides/slide13.xml><?xml version="1.0" encoding="utf-8"?>
 <p:sld xmlns:a="http://schemas.openxmlformats.org/drawingml/2006/main" xmlns:r="http://schemas.openxmlformats.org/officeDocument/2006/relationships" xmlns:mc="http://schemas.openxmlformats.org/markup-compatibility/2006" xmlns:mv="urn:schemas-microsoft-com:mac:vml" xmlns:p="http://schemas.openxmlformats.org/presentationml/2006/main" xmlns:c="http://schemas.openxmlformats.org/drawingml/2006/chart" xmlns:dgm="http://schemas.openxmlformats.org/drawingml/2006/diagram" xmlns:o="urn:schemas-microsoft-com:office:office" xmlns:v="urn:schemas-microsoft-com:vml" xmlns:pvml="urn:schemas-microsoft-com:office:powerpoint" xmlns:com="http://schemas.openxmlformats.org/drawingml/2006/compatibility" xmlns:p14="http://schemas.microsoft.com/office/powerpoint/2010/main" xmlns:p15="http://schemas.microsoft.com/office/powerpoint/2012/main" xmlns:ahyp="http://schemas.microsoft.com/office/drawing/2018/hyperlinkcolor">
   <p:cSld>
     <p:spTree>
       <p:nvGrpSpPr>
-        <p:cNvPr id="229" name="Shape 229"/>
+        <p:cNvPr id="240" name="Shape 240"/>
         <p:cNvGrpSpPr/>
         <p:nvPr/>
       </p:nvGrpSpPr>
@@ -12989,7 +14747,502 @@
       </p:grpSpPr>
       <p:sp>
         <p:nvSpPr>
-          <p:cNvPr id="230" name="Google Shape;230;p24"/>
+          <p:cNvPr id="241" name="Google Shape;241;p26"/>
+          <p:cNvSpPr txBox="1"/>
+          <p:nvPr>
+            <p:ph type="title"/>
+          </p:nvPr>
+        </p:nvSpPr>
+        <p:spPr>
+          <a:xfrm>
+            <a:off x="1108575" y="0"/>
+            <a:ext cx="7038900" cy="914100"/>
+          </a:xfrm>
+          <a:prstGeom prst="rect">
+            <a:avLst/>
+          </a:prstGeom>
+        </p:spPr>
+        <p:txBody>
+          <a:bodyPr anchorCtr="0" anchor="t" bIns="91425" lIns="91425" spcFirstLastPara="1" rIns="91425" wrap="square" tIns="91425">
+            <a:normAutofit/>
+          </a:bodyPr>
+          <a:lstStyle/>
+          <a:p>
+            <a:pPr indent="0" lvl="0" marL="0" rtl="0" algn="l">
+              <a:spcBef>
+                <a:spcPts val="0"/>
+              </a:spcBef>
+              <a:spcAft>
+                <a:spcPts val="0"/>
+              </a:spcAft>
+              <a:buNone/>
+            </a:pPr>
+            <a:r>
+              <a:rPr lang="en"/>
+              <a:t>Understanding our Data</a:t>
+            </a:r>
+            <a:endParaRPr/>
+          </a:p>
+        </p:txBody>
+      </p:sp>
+      <p:sp>
+        <p:nvSpPr>
+          <p:cNvPr id="242" name="Google Shape;242;p26"/>
+          <p:cNvSpPr txBox="1"/>
+          <p:nvPr>
+            <p:ph idx="1" type="body"/>
+          </p:nvPr>
+        </p:nvSpPr>
+        <p:spPr>
+          <a:xfrm>
+            <a:off x="1026875" y="960625"/>
+            <a:ext cx="2104200" cy="812100"/>
+          </a:xfrm>
+          <a:prstGeom prst="rect">
+            <a:avLst/>
+          </a:prstGeom>
+        </p:spPr>
+        <p:txBody>
+          <a:bodyPr anchorCtr="0" anchor="t" bIns="91425" lIns="91425" spcFirstLastPara="1" rIns="91425" wrap="square" tIns="91425">
+            <a:normAutofit/>
+          </a:bodyPr>
+          <a:lstStyle/>
+          <a:p>
+            <a:pPr indent="0" lvl="0" marL="0" rtl="0" algn="l">
+              <a:lnSpc>
+                <a:spcPct val="95000"/>
+              </a:lnSpc>
+              <a:spcBef>
+                <a:spcPts val="0"/>
+              </a:spcBef>
+              <a:spcAft>
+                <a:spcPts val="0"/>
+              </a:spcAft>
+              <a:buNone/>
+            </a:pPr>
+            <a:r>
+              <a:rPr lang="en"/>
+              <a:t>Does size really matter? </a:t>
+            </a:r>
+            <a:endParaRPr/>
+          </a:p>
+          <a:p>
+            <a:pPr indent="0" lvl="0" marL="0" rtl="0" algn="l">
+              <a:lnSpc>
+                <a:spcPct val="95000"/>
+              </a:lnSpc>
+              <a:spcBef>
+                <a:spcPts val="0"/>
+              </a:spcBef>
+              <a:spcAft>
+                <a:spcPts val="0"/>
+              </a:spcAft>
+              <a:buNone/>
+            </a:pPr>
+            <a:r>
+              <a:t/>
+            </a:r>
+            <a:endParaRPr sz="1000"/>
+          </a:p>
+          <a:p>
+            <a:pPr indent="0" lvl="0" marL="0" rtl="0" algn="l">
+              <a:lnSpc>
+                <a:spcPct val="95000"/>
+              </a:lnSpc>
+              <a:spcBef>
+                <a:spcPts val="0"/>
+              </a:spcBef>
+              <a:spcAft>
+                <a:spcPts val="0"/>
+              </a:spcAft>
+              <a:buNone/>
+            </a:pPr>
+            <a:r>
+              <a:t/>
+            </a:r>
+            <a:endParaRPr sz="1000"/>
+          </a:p>
+        </p:txBody>
+      </p:sp>
+      <p:pic>
+        <p:nvPicPr>
+          <p:cNvPr id="243" name="Google Shape;243;p26"/>
+          <p:cNvPicPr preferRelativeResize="0"/>
+          <p:nvPr/>
+        </p:nvPicPr>
+        <p:blipFill>
+          <a:blip r:embed="rId3">
+            <a:alphaModFix/>
+          </a:blip>
+          <a:stretch>
+            <a:fillRect/>
+          </a:stretch>
+        </p:blipFill>
+        <p:spPr>
+          <a:xfrm>
+            <a:off x="2243275" y="1508760"/>
+            <a:ext cx="6900724" cy="3168700"/>
+          </a:xfrm>
+          <a:prstGeom prst="rect">
+            <a:avLst/>
+          </a:prstGeom>
+          <a:noFill/>
+          <a:ln>
+            <a:noFill/>
+          </a:ln>
+        </p:spPr>
+      </p:pic>
+      <p:pic>
+        <p:nvPicPr>
+          <p:cNvPr id="244" name="Google Shape;244;p26"/>
+          <p:cNvPicPr preferRelativeResize="0"/>
+          <p:nvPr/>
+        </p:nvPicPr>
+        <p:blipFill>
+          <a:blip r:embed="rId4">
+            <a:alphaModFix/>
+          </a:blip>
+          <a:stretch>
+            <a:fillRect/>
+          </a:stretch>
+        </p:blipFill>
+        <p:spPr>
+          <a:xfrm>
+            <a:off x="0" y="1379325"/>
+            <a:ext cx="3029574" cy="2920676"/>
+          </a:xfrm>
+          <a:prstGeom prst="rect">
+            <a:avLst/>
+          </a:prstGeom>
+          <a:noFill/>
+          <a:ln>
+            <a:noFill/>
+          </a:ln>
+        </p:spPr>
+      </p:pic>
+      <p:sp>
+        <p:nvSpPr>
+          <p:cNvPr id="245" name="Google Shape;245;p26"/>
+          <p:cNvSpPr txBox="1"/>
+          <p:nvPr/>
+        </p:nvSpPr>
+        <p:spPr>
+          <a:xfrm>
+            <a:off x="6556750" y="1772725"/>
+            <a:ext cx="1837500" cy="623400"/>
+          </a:xfrm>
+          <a:prstGeom prst="rect">
+            <a:avLst/>
+          </a:prstGeom>
+          <a:noFill/>
+          <a:ln>
+            <a:noFill/>
+          </a:ln>
+        </p:spPr>
+        <p:txBody>
+          <a:bodyPr anchorCtr="0" anchor="t" bIns="91425" lIns="91425" spcFirstLastPara="1" rIns="91425" wrap="square" tIns="91425">
+            <a:spAutoFit/>
+          </a:bodyPr>
+          <a:lstStyle/>
+          <a:p>
+            <a:pPr indent="0" lvl="0" marL="0" rtl="0" algn="l">
+              <a:lnSpc>
+                <a:spcPct val="95000"/>
+              </a:lnSpc>
+              <a:spcBef>
+                <a:spcPts val="0"/>
+              </a:spcBef>
+              <a:spcAft>
+                <a:spcPts val="0"/>
+              </a:spcAft>
+              <a:buNone/>
+            </a:pPr>
+            <a:r>
+              <a:rPr lang="en" sz="1000">
+                <a:solidFill>
+                  <a:schemeClr val="lt1"/>
+                </a:solidFill>
+                <a:latin typeface="Lato"/>
+                <a:ea typeface="Lato"/>
+                <a:cs typeface="Lato"/>
+                <a:sym typeface="Lato"/>
+              </a:rPr>
+              <a:t>X = Area_mean</a:t>
+            </a:r>
+            <a:endParaRPr sz="1000">
+              <a:solidFill>
+                <a:schemeClr val="lt1"/>
+              </a:solidFill>
+              <a:latin typeface="Lato"/>
+              <a:ea typeface="Lato"/>
+              <a:cs typeface="Lato"/>
+              <a:sym typeface="Lato"/>
+            </a:endParaRPr>
+          </a:p>
+          <a:p>
+            <a:pPr indent="0" lvl="0" marL="0" rtl="0" algn="l">
+              <a:lnSpc>
+                <a:spcPct val="95000"/>
+              </a:lnSpc>
+              <a:spcBef>
+                <a:spcPts val="0"/>
+              </a:spcBef>
+              <a:spcAft>
+                <a:spcPts val="0"/>
+              </a:spcAft>
+              <a:buNone/>
+            </a:pPr>
+            <a:r>
+              <a:rPr lang="en" sz="1000">
+                <a:solidFill>
+                  <a:schemeClr val="lt1"/>
+                </a:solidFill>
+                <a:latin typeface="Lato"/>
+                <a:ea typeface="Lato"/>
+                <a:cs typeface="Lato"/>
+                <a:sym typeface="Lato"/>
+              </a:rPr>
+              <a:t>Y = Concavity_worst</a:t>
+            </a:r>
+            <a:endParaRPr sz="1000">
+              <a:solidFill>
+                <a:schemeClr val="lt1"/>
+              </a:solidFill>
+              <a:latin typeface="Lato"/>
+              <a:ea typeface="Lato"/>
+              <a:cs typeface="Lato"/>
+              <a:sym typeface="Lato"/>
+            </a:endParaRPr>
+          </a:p>
+          <a:p>
+            <a:pPr indent="0" lvl="0" marL="0" rtl="0" algn="l">
+              <a:lnSpc>
+                <a:spcPct val="95000"/>
+              </a:lnSpc>
+              <a:spcBef>
+                <a:spcPts val="0"/>
+              </a:spcBef>
+              <a:spcAft>
+                <a:spcPts val="0"/>
+              </a:spcAft>
+              <a:buNone/>
+            </a:pPr>
+            <a:r>
+              <a:rPr lang="en" sz="1000">
+                <a:solidFill>
+                  <a:schemeClr val="lt1"/>
+                </a:solidFill>
+                <a:latin typeface="Lato"/>
+                <a:ea typeface="Lato"/>
+                <a:cs typeface="Lato"/>
+                <a:sym typeface="Lato"/>
+              </a:rPr>
+              <a:t>Z= Compactness_worst</a:t>
+            </a:r>
+            <a:endParaRPr>
+              <a:solidFill>
+                <a:schemeClr val="lt1"/>
+              </a:solidFill>
+              <a:latin typeface="Lato"/>
+              <a:ea typeface="Lato"/>
+              <a:cs typeface="Lato"/>
+              <a:sym typeface="Lato"/>
+            </a:endParaRPr>
+          </a:p>
+        </p:txBody>
+      </p:sp>
+    </p:spTree>
+  </p:cSld>
+  <p:clrMapOvr>
+    <a:masterClrMapping/>
+  </p:clrMapOvr>
+</p:sld>
+</file>
+
+<file path=ppt/slides/slide14.xml><?xml version="1.0" encoding="utf-8"?>
+<p:sld xmlns:a="http://schemas.openxmlformats.org/drawingml/2006/main" xmlns:r="http://schemas.openxmlformats.org/officeDocument/2006/relationships" xmlns:mc="http://schemas.openxmlformats.org/markup-compatibility/2006" xmlns:mv="urn:schemas-microsoft-com:mac:vml" xmlns:p="http://schemas.openxmlformats.org/presentationml/2006/main" xmlns:c="http://schemas.openxmlformats.org/drawingml/2006/chart" xmlns:dgm="http://schemas.openxmlformats.org/drawingml/2006/diagram" xmlns:o="urn:schemas-microsoft-com:office:office" xmlns:v="urn:schemas-microsoft-com:vml" xmlns:pvml="urn:schemas-microsoft-com:office:powerpoint" xmlns:com="http://schemas.openxmlformats.org/drawingml/2006/compatibility" xmlns:p14="http://schemas.microsoft.com/office/powerpoint/2010/main" xmlns:p15="http://schemas.microsoft.com/office/powerpoint/2012/main" xmlns:ahyp="http://schemas.microsoft.com/office/drawing/2018/hyperlinkcolor">
+  <p:cSld>
+    <p:spTree>
+      <p:nvGrpSpPr>
+        <p:cNvPr id="249" name="Shape 249"/>
+        <p:cNvGrpSpPr/>
+        <p:nvPr/>
+      </p:nvGrpSpPr>
+      <p:grpSpPr>
+        <a:xfrm>
+          <a:off x="0" y="0"/>
+          <a:ext cx="0" cy="0"/>
+          <a:chOff x="0" y="0"/>
+          <a:chExt cx="0" cy="0"/>
+        </a:xfrm>
+      </p:grpSpPr>
+      <p:sp>
+        <p:nvSpPr>
+          <p:cNvPr id="250" name="Google Shape;250;p27"/>
+          <p:cNvSpPr txBox="1"/>
+          <p:nvPr>
+            <p:ph type="title"/>
+          </p:nvPr>
+        </p:nvSpPr>
+        <p:spPr>
+          <a:xfrm>
+            <a:off x="1297450" y="412000"/>
+            <a:ext cx="7038900" cy="914100"/>
+          </a:xfrm>
+          <a:prstGeom prst="rect">
+            <a:avLst/>
+          </a:prstGeom>
+        </p:spPr>
+        <p:txBody>
+          <a:bodyPr anchorCtr="0" anchor="t" bIns="91425" lIns="91425" spcFirstLastPara="1" rIns="91425" wrap="square" tIns="91425">
+            <a:normAutofit/>
+          </a:bodyPr>
+          <a:lstStyle/>
+          <a:p>
+            <a:pPr indent="0" lvl="0" marL="0" rtl="0" algn="l">
+              <a:spcBef>
+                <a:spcPts val="0"/>
+              </a:spcBef>
+              <a:spcAft>
+                <a:spcPts val="0"/>
+              </a:spcAft>
+              <a:buNone/>
+            </a:pPr>
+            <a:r>
+              <a:rPr lang="en"/>
+              <a:t>Understanding our Data</a:t>
+            </a:r>
+            <a:endParaRPr/>
+          </a:p>
+        </p:txBody>
+      </p:sp>
+      <p:sp>
+        <p:nvSpPr>
+          <p:cNvPr id="251" name="Google Shape;251;p27"/>
+          <p:cNvSpPr txBox="1"/>
+          <p:nvPr>
+            <p:ph idx="1" type="body"/>
+          </p:nvPr>
+        </p:nvSpPr>
+        <p:spPr>
+          <a:xfrm>
+            <a:off x="95900" y="1326100"/>
+            <a:ext cx="4476000" cy="483600"/>
+          </a:xfrm>
+          <a:prstGeom prst="rect">
+            <a:avLst/>
+          </a:prstGeom>
+        </p:spPr>
+        <p:txBody>
+          <a:bodyPr anchorCtr="0" anchor="t" bIns="91425" lIns="91425" spcFirstLastPara="1" rIns="91425" wrap="square" tIns="91425">
+            <a:normAutofit/>
+          </a:bodyPr>
+          <a:lstStyle/>
+          <a:p>
+            <a:pPr indent="0" lvl="0" marL="0" rtl="0" algn="l">
+              <a:lnSpc>
+                <a:spcPct val="95000"/>
+              </a:lnSpc>
+              <a:spcBef>
+                <a:spcPts val="0"/>
+              </a:spcBef>
+              <a:spcAft>
+                <a:spcPts val="1200"/>
+              </a:spcAft>
+              <a:buNone/>
+            </a:pPr>
+            <a:r>
+              <a:rPr lang="en" sz="1200"/>
+              <a:t>Yes! Size very much matters.</a:t>
+            </a:r>
+            <a:endParaRPr sz="1200"/>
+          </a:p>
+        </p:txBody>
+      </p:sp>
+      <p:pic>
+        <p:nvPicPr>
+          <p:cNvPr id="252" name="Google Shape;252;p27"/>
+          <p:cNvPicPr preferRelativeResize="0"/>
+          <p:nvPr/>
+        </p:nvPicPr>
+        <p:blipFill>
+          <a:blip r:embed="rId3">
+            <a:alphaModFix/>
+          </a:blip>
+          <a:stretch>
+            <a:fillRect/>
+          </a:stretch>
+        </p:blipFill>
+        <p:spPr>
+          <a:xfrm>
+            <a:off x="95900" y="1809750"/>
+            <a:ext cx="5119421" cy="3108960"/>
+          </a:xfrm>
+          <a:prstGeom prst="rect">
+            <a:avLst/>
+          </a:prstGeom>
+          <a:noFill/>
+          <a:ln>
+            <a:noFill/>
+          </a:ln>
+        </p:spPr>
+      </p:pic>
+      <p:pic>
+        <p:nvPicPr>
+          <p:cNvPr id="253" name="Google Shape;253;p27"/>
+          <p:cNvPicPr preferRelativeResize="0"/>
+          <p:nvPr/>
+        </p:nvPicPr>
+        <p:blipFill>
+          <a:blip r:embed="rId4">
+            <a:alphaModFix/>
+          </a:blip>
+          <a:stretch>
+            <a:fillRect/>
+          </a:stretch>
+        </p:blipFill>
+        <p:spPr>
+          <a:xfrm>
+            <a:off x="4572000" y="1086950"/>
+            <a:ext cx="3623879" cy="3191177"/>
+          </a:xfrm>
+          <a:prstGeom prst="rect">
+            <a:avLst/>
+          </a:prstGeom>
+          <a:noFill/>
+          <a:ln>
+            <a:noFill/>
+          </a:ln>
+        </p:spPr>
+      </p:pic>
+    </p:spTree>
+  </p:cSld>
+  <p:clrMapOvr>
+    <a:masterClrMapping/>
+  </p:clrMapOvr>
+</p:sld>
+</file>
+
+<file path=ppt/slides/slide15.xml><?xml version="1.0" encoding="utf-8"?>
+<p:sld xmlns:a="http://schemas.openxmlformats.org/drawingml/2006/main" xmlns:r="http://schemas.openxmlformats.org/officeDocument/2006/relationships" xmlns:mc="http://schemas.openxmlformats.org/markup-compatibility/2006" xmlns:mv="urn:schemas-microsoft-com:mac:vml" xmlns:p="http://schemas.openxmlformats.org/presentationml/2006/main" xmlns:c="http://schemas.openxmlformats.org/drawingml/2006/chart" xmlns:dgm="http://schemas.openxmlformats.org/drawingml/2006/diagram" xmlns:o="urn:schemas-microsoft-com:office:office" xmlns:v="urn:schemas-microsoft-com:vml" xmlns:pvml="urn:schemas-microsoft-com:office:powerpoint" xmlns:com="http://schemas.openxmlformats.org/drawingml/2006/compatibility" xmlns:p14="http://schemas.microsoft.com/office/powerpoint/2010/main" xmlns:p15="http://schemas.microsoft.com/office/powerpoint/2012/main" xmlns:ahyp="http://schemas.microsoft.com/office/drawing/2018/hyperlinkcolor">
+  <p:cSld>
+    <p:spTree>
+      <p:nvGrpSpPr>
+        <p:cNvPr id="257" name="Shape 257"/>
+        <p:cNvGrpSpPr/>
+        <p:nvPr/>
+      </p:nvGrpSpPr>
+      <p:grpSpPr>
+        <a:xfrm>
+          <a:off x="0" y="0"/>
+          <a:ext cx="0" cy="0"/>
+          <a:chOff x="0" y="0"/>
+          <a:chExt cx="0" cy="0"/>
+        </a:xfrm>
+      </p:grpSpPr>
+      <p:sp>
+        <p:nvSpPr>
+          <p:cNvPr id="258" name="Google Shape;258;p28"/>
           <p:cNvSpPr txBox="1"/>
           <p:nvPr>
             <p:ph type="title"/>
@@ -13021,11 +15274,7 @@
             </a:pPr>
             <a:r>
               <a:rPr lang="en"/>
-              <a:t>Further</a:t>
-            </a:r>
-            <a:r>
-              <a:rPr lang="en"/>
-              <a:t> Exploratory</a:t>
+              <a:t>After our adjustments</a:t>
             </a:r>
             <a:endParaRPr/>
           </a:p>
@@ -13033,7 +15282,7 @@
       </p:sp>
       <p:sp>
         <p:nvSpPr>
-          <p:cNvPr id="231" name="Google Shape;231;p24"/>
+          <p:cNvPr id="259" name="Google Shape;259;p28"/>
           <p:cNvSpPr txBox="1"/>
           <p:nvPr>
             <p:ph idx="1" type="body"/>
@@ -13041,8 +15290,8 @@
         </p:nvSpPr>
         <p:spPr>
           <a:xfrm>
-            <a:off x="3777250" y="1567550"/>
-            <a:ext cx="4559100" cy="2911200"/>
+            <a:off x="1297500" y="1567550"/>
+            <a:ext cx="7038900" cy="2911200"/>
           </a:xfrm>
           <a:prstGeom prst="rect">
             <a:avLst/>
@@ -13064,106 +15313,28 @@
               <a:buNone/>
             </a:pPr>
             <a:r>
-              <a:rPr lang="en" sz="1400"/>
-              <a:t>We went back to our dataframe and dropped all the features that </a:t>
-            </a:r>
-            <a:r>
-              <a:rPr lang="en" sz="1400"/>
-              <a:t>involved</a:t>
-            </a:r>
-            <a:r>
-              <a:rPr lang="en" sz="1400"/>
-              <a:t> size.</a:t>
-            </a:r>
-            <a:endParaRPr sz="1400"/>
+              <a:rPr lang="en"/>
+              <a:t>The second time around, we ran another logistic regression. This time the accuracy score we achieved was__%, just a mere _ points less than the regression we ran with the size features. This leads us to believe there are other features that also have a strong indication of cancer besides just size.</a:t>
+            </a:r>
+            <a:endParaRPr/>
           </a:p>
           <a:p>
             <a:pPr indent="0" lvl="0" marL="0" rtl="0" algn="l">
-              <a:lnSpc>
-                <a:spcPct val="95000"/>
-              </a:lnSpc>
               <a:spcBef>
                 <a:spcPts val="1200"/>
               </a:spcBef>
               <a:spcAft>
-                <a:spcPts val="0"/>
-              </a:spcAft>
-              <a:buNone/>
-            </a:pPr>
-            <a:r>
-              <a:rPr lang="en" sz="1400"/>
-              <a:t>Those features include:</a:t>
-            </a:r>
-            <a:endParaRPr sz="1400"/>
-          </a:p>
-          <a:p>
-            <a:pPr indent="0" lvl="0" marL="0" rtl="0" algn="l">
-              <a:lnSpc>
-                <a:spcPct val="95000"/>
-              </a:lnSpc>
-              <a:spcBef>
                 <a:spcPts val="1200"/>
-              </a:spcBef>
-              <a:spcAft>
-                <a:spcPts val="0"/>
-              </a:spcAft>
-              <a:buNone/>
-            </a:pPr>
-            <a:r>
-              <a:rPr b="1" lang="en" sz="1500"/>
-              <a:t>radius_mean, radius_worst, area_mean, area_worst, perimeter_mean, perimeter_worst</a:t>
-            </a:r>
-            <a:endParaRPr b="1" sz="1500"/>
-          </a:p>
-          <a:p>
-            <a:pPr indent="0" lvl="0" marL="0" rtl="0" algn="l">
-              <a:lnSpc>
-                <a:spcPct val="95000"/>
-              </a:lnSpc>
-              <a:spcBef>
-                <a:spcPts val="1200"/>
-              </a:spcBef>
-              <a:spcAft>
-                <a:spcPts val="1200"/>
-              </a:spcAft>
-              <a:buNone/>
-            </a:pPr>
-            <a:r>
-              <a:rPr lang="en"/>
-              <a:t>This look the original 20 features we started with and brought it down to 14 total.</a:t>
+              </a:spcAft>
+              <a:buNone/>
+            </a:pPr>
+            <a:r>
+              <a:t/>
             </a:r>
             <a:endParaRPr/>
           </a:p>
         </p:txBody>
       </p:sp>
-      <p:pic>
-        <p:nvPicPr>
-          <p:cNvPr id="232" name="Google Shape;232;p24"/>
-          <p:cNvPicPr preferRelativeResize="0"/>
-          <p:nvPr/>
-        </p:nvPicPr>
-        <p:blipFill>
-          <a:blip r:embed="rId3">
-            <a:alphaModFix/>
-          </a:blip>
-          <a:stretch>
-            <a:fillRect/>
-          </a:stretch>
-        </p:blipFill>
-        <p:spPr>
-          <a:xfrm>
-            <a:off x="312550" y="1542524"/>
-            <a:ext cx="3342850" cy="2961249"/>
-          </a:xfrm>
-          <a:prstGeom prst="rect">
-            <a:avLst/>
-          </a:prstGeom>
-          <a:noFill/>
-          <a:ln>
-            <a:noFill/>
-          </a:ln>
-        </p:spPr>
-      </p:pic>
     </p:spTree>
   </p:cSld>
   <p:clrMapOvr>
@@ -13172,12 +15343,12 @@
 </p:sld>
 </file>
 
-<file path=ppt/slides/slide13.xml><?xml version="1.0" encoding="utf-8"?>
+<file path=ppt/slides/slide16.xml><?xml version="1.0" encoding="utf-8"?>
 <p:sld xmlns:a="http://schemas.openxmlformats.org/drawingml/2006/main" xmlns:r="http://schemas.openxmlformats.org/officeDocument/2006/relationships" xmlns:mc="http://schemas.openxmlformats.org/markup-compatibility/2006" xmlns:mv="urn:schemas-microsoft-com:mac:vml" xmlns:p="http://schemas.openxmlformats.org/presentationml/2006/main" xmlns:c="http://schemas.openxmlformats.org/drawingml/2006/chart" xmlns:dgm="http://schemas.openxmlformats.org/drawingml/2006/diagram" xmlns:o="urn:schemas-microsoft-com:office:office" xmlns:v="urn:schemas-microsoft-com:vml" xmlns:pvml="urn:schemas-microsoft-com:office:powerpoint" xmlns:com="http://schemas.openxmlformats.org/drawingml/2006/compatibility" xmlns:p14="http://schemas.microsoft.com/office/powerpoint/2010/main" xmlns:p15="http://schemas.microsoft.com/office/powerpoint/2012/main" xmlns:ahyp="http://schemas.microsoft.com/office/drawing/2018/hyperlinkcolor">
   <p:cSld>
     <p:spTree>
       <p:nvGrpSpPr>
-        <p:cNvPr id="236" name="Shape 236"/>
+        <p:cNvPr id="263" name="Shape 263"/>
         <p:cNvGrpSpPr/>
         <p:nvPr/>
       </p:nvGrpSpPr>
@@ -13191,7 +15362,7 @@
       </p:grpSpPr>
       <p:sp>
         <p:nvSpPr>
-          <p:cNvPr id="237" name="Google Shape;237;p25"/>
+          <p:cNvPr id="264" name="Google Shape;264;p29"/>
           <p:cNvSpPr txBox="1"/>
           <p:nvPr>
             <p:ph type="title"/>
@@ -13223,7 +15394,11 @@
             </a:pPr>
             <a:r>
               <a:rPr lang="en"/>
-              <a:t>After our adjustments</a:t>
+              <a:t>Recommendations</a:t>
+            </a:r>
+            <a:r>
+              <a:rPr lang="en"/>
+              <a:t> for the Future</a:t>
             </a:r>
             <a:endParaRPr/>
           </a:p>
@@ -13231,7 +15406,7 @@
       </p:sp>
       <p:sp>
         <p:nvSpPr>
-          <p:cNvPr id="238" name="Google Shape;238;p25"/>
+          <p:cNvPr id="265" name="Google Shape;265;p29"/>
           <p:cNvSpPr txBox="1"/>
           <p:nvPr>
             <p:ph idx="1" type="body"/>
@@ -13257,22 +15432,6 @@
                 <a:spcPts val="0"/>
               </a:spcBef>
               <a:spcAft>
-                <a:spcPts val="0"/>
-              </a:spcAft>
-              <a:buNone/>
-            </a:pPr>
-            <a:r>
-              <a:rPr lang="en"/>
-              <a:t>The second time around, we ran another logistic regression. This time the accuracy score we achieved was__%, just a mere _ points less than the regression we ran with the size features. This leads us to believe there are other features that also have a strong indication of cancer besides just size.</a:t>
-            </a:r>
-            <a:endParaRPr/>
-          </a:p>
-          <a:p>
-            <a:pPr indent="0" lvl="0" marL="0" rtl="0" algn="l">
-              <a:spcBef>
-                <a:spcPts val="1200"/>
-              </a:spcBef>
-              <a:spcAft>
                 <a:spcPts val="1200"/>
               </a:spcAft>
               <a:buNone/>
@@ -13292,12 +15451,12 @@
 </p:sld>
 </file>
 
-<file path=ppt/slides/slide14.xml><?xml version="1.0" encoding="utf-8"?>
+<file path=ppt/slides/slide17.xml><?xml version="1.0" encoding="utf-8"?>
 <p:sld xmlns:a="http://schemas.openxmlformats.org/drawingml/2006/main" xmlns:r="http://schemas.openxmlformats.org/officeDocument/2006/relationships" xmlns:mc="http://schemas.openxmlformats.org/markup-compatibility/2006" xmlns:mv="urn:schemas-microsoft-com:mac:vml" xmlns:p="http://schemas.openxmlformats.org/presentationml/2006/main" xmlns:c="http://schemas.openxmlformats.org/drawingml/2006/chart" xmlns:dgm="http://schemas.openxmlformats.org/drawingml/2006/diagram" xmlns:o="urn:schemas-microsoft-com:office:office" xmlns:v="urn:schemas-microsoft-com:vml" xmlns:pvml="urn:schemas-microsoft-com:office:powerpoint" xmlns:com="http://schemas.openxmlformats.org/drawingml/2006/compatibility" xmlns:p14="http://schemas.microsoft.com/office/powerpoint/2010/main" xmlns:p15="http://schemas.microsoft.com/office/powerpoint/2012/main" xmlns:ahyp="http://schemas.microsoft.com/office/drawing/2018/hyperlinkcolor">
   <p:cSld>
     <p:spTree>
       <p:nvGrpSpPr>
-        <p:cNvPr id="242" name="Shape 242"/>
+        <p:cNvPr id="269" name="Shape 269"/>
         <p:cNvGrpSpPr/>
         <p:nvPr/>
       </p:nvGrpSpPr>
@@ -13311,7 +15470,7 @@
       </p:grpSpPr>
       <p:sp>
         <p:nvSpPr>
-          <p:cNvPr id="243" name="Google Shape;243;p26"/>
+          <p:cNvPr id="270" name="Google Shape;270;p30"/>
           <p:cNvSpPr txBox="1"/>
           <p:nvPr>
             <p:ph type="title"/>
@@ -13343,11 +15502,11 @@
             </a:pPr>
             <a:r>
               <a:rPr lang="en"/>
-              <a:t>Recommendations</a:t>
+              <a:t>What we would have done </a:t>
             </a:r>
             <a:r>
               <a:rPr lang="en"/>
-              <a:t> for the Future</a:t>
+              <a:t>differently</a:t>
             </a:r>
             <a:endParaRPr/>
           </a:p>
@@ -13355,7 +15514,7 @@
       </p:sp>
       <p:sp>
         <p:nvSpPr>
-          <p:cNvPr id="244" name="Google Shape;244;p26"/>
+          <p:cNvPr id="271" name="Google Shape;271;p30"/>
           <p:cNvSpPr txBox="1"/>
           <p:nvPr>
             <p:ph idx="1" type="body"/>
@@ -13363,8 +15522,8 @@
         </p:nvSpPr>
         <p:spPr>
           <a:xfrm>
-            <a:off x="1297500" y="1567550"/>
-            <a:ext cx="7038900" cy="2911200"/>
+            <a:off x="1297500" y="1521700"/>
+            <a:ext cx="3470100" cy="2911200"/>
           </a:xfrm>
           <a:prstGeom prst="rect">
             <a:avLst/>
@@ -13381,17 +15540,66 @@
                 <a:spcPts val="0"/>
               </a:spcBef>
               <a:spcAft>
+                <a:spcPts val="0"/>
+              </a:spcAft>
+              <a:buNone/>
+            </a:pPr>
+            <a:r>
+              <a:rPr lang="en"/>
+              <a:t>If we could do anything differently, we would have gone an extra step into exploring our data to determine what features carried more weight in </a:t>
+            </a:r>
+            <a:r>
+              <a:rPr lang="en"/>
+              <a:t>determining if the sample of the cell is benign or malignant.</a:t>
+            </a:r>
+            <a:endParaRPr/>
+          </a:p>
+          <a:p>
+            <a:pPr indent="0" lvl="0" marL="0" rtl="0" algn="l">
+              <a:spcBef>
                 <a:spcPts val="1200"/>
-              </a:spcAft>
-              <a:buNone/>
-            </a:pPr>
-            <a:r>
-              <a:t/>
+              </a:spcBef>
+              <a:spcAft>
+                <a:spcPts val="1200"/>
+              </a:spcAft>
+              <a:buNone/>
+            </a:pPr>
+            <a:r>
+              <a:rPr lang="en"/>
+              <a:t>This is would have allowed us to have more time to dive into our data the second time around when we did away with the features that describe size; we could have found another significant feature or features.</a:t>
             </a:r>
             <a:endParaRPr/>
           </a:p>
         </p:txBody>
       </p:sp>
+      <p:pic>
+        <p:nvPicPr>
+          <p:cNvPr id="272" name="Google Shape;272;p30"/>
+          <p:cNvPicPr preferRelativeResize="0"/>
+          <p:nvPr/>
+        </p:nvPicPr>
+        <p:blipFill>
+          <a:blip r:embed="rId3">
+            <a:alphaModFix/>
+          </a:blip>
+          <a:stretch>
+            <a:fillRect/>
+          </a:stretch>
+        </p:blipFill>
+        <p:spPr>
+          <a:xfrm>
+            <a:off x="4834574" y="1793213"/>
+            <a:ext cx="4207176" cy="2368175"/>
+          </a:xfrm>
+          <a:prstGeom prst="rect">
+            <a:avLst/>
+          </a:prstGeom>
+          <a:noFill/>
+          <a:ln>
+            <a:noFill/>
+          </a:ln>
+        </p:spPr>
+      </p:pic>
     </p:spTree>
   </p:cSld>
   <p:clrMapOvr>
@@ -13400,12 +15608,12 @@
 </p:sld>
 </file>
 
-<file path=ppt/slides/slide15.xml><?xml version="1.0" encoding="utf-8"?>
+<file path=ppt/slides/slide18.xml><?xml version="1.0" encoding="utf-8"?>
 <p:sld xmlns:a="http://schemas.openxmlformats.org/drawingml/2006/main" xmlns:r="http://schemas.openxmlformats.org/officeDocument/2006/relationships" xmlns:mc="http://schemas.openxmlformats.org/markup-compatibility/2006" xmlns:mv="urn:schemas-microsoft-com:mac:vml" xmlns:p="http://schemas.openxmlformats.org/presentationml/2006/main" xmlns:c="http://schemas.openxmlformats.org/drawingml/2006/chart" xmlns:dgm="http://schemas.openxmlformats.org/drawingml/2006/diagram" xmlns:o="urn:schemas-microsoft-com:office:office" xmlns:v="urn:schemas-microsoft-com:vml" xmlns:pvml="urn:schemas-microsoft-com:office:powerpoint" xmlns:com="http://schemas.openxmlformats.org/drawingml/2006/compatibility" xmlns:p14="http://schemas.microsoft.com/office/powerpoint/2010/main" xmlns:p15="http://schemas.microsoft.com/office/powerpoint/2012/main" xmlns:ahyp="http://schemas.microsoft.com/office/drawing/2018/hyperlinkcolor">
   <p:cSld>
     <p:spTree>
       <p:nvGrpSpPr>
-        <p:cNvPr id="248" name="Shape 248"/>
+        <p:cNvPr id="276" name="Shape 276"/>
         <p:cNvGrpSpPr/>
         <p:nvPr/>
       </p:nvGrpSpPr>
@@ -13419,7 +15627,7 @@
       </p:grpSpPr>
       <p:sp>
         <p:nvSpPr>
-          <p:cNvPr id="249" name="Google Shape;249;p27"/>
+          <p:cNvPr id="277" name="Google Shape;277;p31"/>
           <p:cNvSpPr txBox="1"/>
           <p:nvPr>
             <p:ph type="title"/>
@@ -13451,114 +15659,6 @@
             </a:pPr>
             <a:r>
               <a:rPr lang="en"/>
-              <a:t>What we would have done </a:t>
-            </a:r>
-            <a:r>
-              <a:rPr lang="en"/>
-              <a:t>differently</a:t>
-            </a:r>
-            <a:endParaRPr/>
-          </a:p>
-        </p:txBody>
-      </p:sp>
-      <p:sp>
-        <p:nvSpPr>
-          <p:cNvPr id="250" name="Google Shape;250;p27"/>
-          <p:cNvSpPr txBox="1"/>
-          <p:nvPr>
-            <p:ph idx="1" type="body"/>
-          </p:nvPr>
-        </p:nvSpPr>
-        <p:spPr>
-          <a:xfrm>
-            <a:off x="1297500" y="1567550"/>
-            <a:ext cx="7038900" cy="2911200"/>
-          </a:xfrm>
-          <a:prstGeom prst="rect">
-            <a:avLst/>
-          </a:prstGeom>
-        </p:spPr>
-        <p:txBody>
-          <a:bodyPr anchorCtr="0" anchor="t" bIns="91425" lIns="91425" spcFirstLastPara="1" rIns="91425" wrap="square" tIns="91425">
-            <a:normAutofit/>
-          </a:bodyPr>
-          <a:lstStyle/>
-          <a:p>
-            <a:pPr indent="0" lvl="0" marL="0" rtl="0" algn="l">
-              <a:spcBef>
-                <a:spcPts val="0"/>
-              </a:spcBef>
-              <a:spcAft>
-                <a:spcPts val="1200"/>
-              </a:spcAft>
-              <a:buNone/>
-            </a:pPr>
-            <a:r>
-              <a:t/>
-            </a:r>
-            <a:endParaRPr/>
-          </a:p>
-        </p:txBody>
-      </p:sp>
-    </p:spTree>
-  </p:cSld>
-  <p:clrMapOvr>
-    <a:masterClrMapping/>
-  </p:clrMapOvr>
-</p:sld>
-</file>
-
-<file path=ppt/slides/slide16.xml><?xml version="1.0" encoding="utf-8"?>
-<p:sld xmlns:a="http://schemas.openxmlformats.org/drawingml/2006/main" xmlns:r="http://schemas.openxmlformats.org/officeDocument/2006/relationships" xmlns:mc="http://schemas.openxmlformats.org/markup-compatibility/2006" xmlns:mv="urn:schemas-microsoft-com:mac:vml" xmlns:p="http://schemas.openxmlformats.org/presentationml/2006/main" xmlns:c="http://schemas.openxmlformats.org/drawingml/2006/chart" xmlns:dgm="http://schemas.openxmlformats.org/drawingml/2006/diagram" xmlns:o="urn:schemas-microsoft-com:office:office" xmlns:v="urn:schemas-microsoft-com:vml" xmlns:pvml="urn:schemas-microsoft-com:office:powerpoint" xmlns:com="http://schemas.openxmlformats.org/drawingml/2006/compatibility" xmlns:p14="http://schemas.microsoft.com/office/powerpoint/2010/main" xmlns:p15="http://schemas.microsoft.com/office/powerpoint/2012/main" xmlns:ahyp="http://schemas.microsoft.com/office/drawing/2018/hyperlinkcolor">
-  <p:cSld>
-    <p:spTree>
-      <p:nvGrpSpPr>
-        <p:cNvPr id="254" name="Shape 254"/>
-        <p:cNvGrpSpPr/>
-        <p:nvPr/>
-      </p:nvGrpSpPr>
-      <p:grpSpPr>
-        <a:xfrm>
-          <a:off x="0" y="0"/>
-          <a:ext cx="0" cy="0"/>
-          <a:chOff x="0" y="0"/>
-          <a:chExt cx="0" cy="0"/>
-        </a:xfrm>
-      </p:grpSpPr>
-      <p:sp>
-        <p:nvSpPr>
-          <p:cNvPr id="255" name="Google Shape;255;p28"/>
-          <p:cNvSpPr txBox="1"/>
-          <p:nvPr>
-            <p:ph type="title"/>
-          </p:nvPr>
-        </p:nvSpPr>
-        <p:spPr>
-          <a:xfrm>
-            <a:off x="1297500" y="393750"/>
-            <a:ext cx="7038900" cy="914100"/>
-          </a:xfrm>
-          <a:prstGeom prst="rect">
-            <a:avLst/>
-          </a:prstGeom>
-        </p:spPr>
-        <p:txBody>
-          <a:bodyPr anchorCtr="0" anchor="t" bIns="91425" lIns="91425" spcFirstLastPara="1" rIns="91425" wrap="square" tIns="91425">
-            <a:normAutofit/>
-          </a:bodyPr>
-          <a:lstStyle/>
-          <a:p>
-            <a:pPr indent="0" lvl="0" marL="0" rtl="0" algn="l">
-              <a:spcBef>
-                <a:spcPts val="0"/>
-              </a:spcBef>
-              <a:spcAft>
-                <a:spcPts val="0"/>
-              </a:spcAft>
-              <a:buNone/>
-            </a:pPr>
-            <a:r>
-              <a:rPr lang="en"/>
               <a:t>Questions</a:t>
             </a:r>
             <a:endParaRPr/>
@@ -13578,7 +15678,7 @@
   <p:cSld>
     <p:spTree>
       <p:nvGrpSpPr>
-        <p:cNvPr id="139" name="Shape 139"/>
+        <p:cNvPr id="145" name="Shape 145"/>
         <p:cNvGrpSpPr/>
         <p:nvPr/>
       </p:nvGrpSpPr>
@@ -13592,7 +15692,7 @@
       </p:grpSpPr>
       <p:sp>
         <p:nvSpPr>
-          <p:cNvPr id="140" name="Google Shape;140;p14"/>
+          <p:cNvPr id="146" name="Google Shape;146;p15"/>
           <p:cNvSpPr txBox="1"/>
           <p:nvPr>
             <p:ph type="title"/>
@@ -13640,7 +15740,7 @@
       </p:sp>
       <p:sp>
         <p:nvSpPr>
-          <p:cNvPr id="141" name="Google Shape;141;p14"/>
+          <p:cNvPr id="147" name="Google Shape;147;p15"/>
           <p:cNvSpPr txBox="1"/>
           <p:nvPr>
             <p:ph idx="1" type="body"/>
@@ -13696,7 +15796,7 @@
       </p:sp>
       <p:pic>
         <p:nvPicPr>
-          <p:cNvPr id="142" name="Google Shape;142;p14"/>
+          <p:cNvPr id="148" name="Google Shape;148;p15"/>
           <p:cNvPicPr preferRelativeResize="0"/>
           <p:nvPr/>
         </p:nvPicPr>
@@ -13724,7 +15824,7 @@
       </p:pic>
       <p:sp>
         <p:nvSpPr>
-          <p:cNvPr id="143" name="Google Shape;143;p14"/>
+          <p:cNvPr id="149" name="Google Shape;149;p15"/>
           <p:cNvSpPr txBox="1"/>
           <p:nvPr/>
         </p:nvSpPr>
@@ -13782,7 +15882,7 @@
       </p:sp>
       <p:sp>
         <p:nvSpPr>
-          <p:cNvPr id="144" name="Google Shape;144;p14"/>
+          <p:cNvPr id="150" name="Google Shape;150;p15"/>
           <p:cNvSpPr txBox="1"/>
           <p:nvPr/>
         </p:nvSpPr>
@@ -13874,7 +15974,7 @@
   <p:cSld>
     <p:spTree>
       <p:nvGrpSpPr>
-        <p:cNvPr id="148" name="Shape 148"/>
+        <p:cNvPr id="154" name="Shape 154"/>
         <p:cNvGrpSpPr/>
         <p:nvPr/>
       </p:nvGrpSpPr>
@@ -13888,7 +15988,7 @@
       </p:grpSpPr>
       <p:sp>
         <p:nvSpPr>
-          <p:cNvPr id="149" name="Google Shape;149;p15"/>
+          <p:cNvPr id="155" name="Google Shape;155;p16"/>
           <p:cNvSpPr txBox="1"/>
           <p:nvPr>
             <p:ph type="title"/>
@@ -13928,7 +16028,7 @@
       </p:sp>
       <p:sp>
         <p:nvSpPr>
-          <p:cNvPr id="150" name="Google Shape;150;p15"/>
+          <p:cNvPr id="156" name="Google Shape;156;p16"/>
           <p:cNvSpPr txBox="1"/>
           <p:nvPr/>
         </p:nvSpPr>
@@ -13986,7 +16086,7 @@
       </p:sp>
       <p:sp>
         <p:nvSpPr>
-          <p:cNvPr id="151" name="Google Shape;151;p15"/>
+          <p:cNvPr id="157" name="Google Shape;157;p16"/>
           <p:cNvSpPr txBox="1"/>
           <p:nvPr/>
         </p:nvSpPr>
@@ -14047,7 +16147,7 @@
       </p:sp>
       <p:sp>
         <p:nvSpPr>
-          <p:cNvPr id="152" name="Google Shape;152;p15"/>
+          <p:cNvPr id="158" name="Google Shape;158;p16"/>
           <p:cNvSpPr txBox="1"/>
           <p:nvPr/>
         </p:nvSpPr>
@@ -14160,7 +16260,7 @@
       </p:sp>
       <p:sp>
         <p:nvSpPr>
-          <p:cNvPr id="153" name="Google Shape;153;p15"/>
+          <p:cNvPr id="159" name="Google Shape;159;p16"/>
           <p:cNvSpPr txBox="1"/>
           <p:nvPr/>
         </p:nvSpPr>
@@ -14218,7 +16318,7 @@
       </p:sp>
       <p:pic>
         <p:nvPicPr>
-          <p:cNvPr id="154" name="Google Shape;154;p15"/>
+          <p:cNvPr id="160" name="Google Shape;160;p16"/>
           <p:cNvPicPr preferRelativeResize="0"/>
           <p:nvPr/>
         </p:nvPicPr>
@@ -14257,7 +16357,7 @@
   <p:cSld>
     <p:spTree>
       <p:nvGrpSpPr>
-        <p:cNvPr id="158" name="Shape 158"/>
+        <p:cNvPr id="164" name="Shape 164"/>
         <p:cNvGrpSpPr/>
         <p:nvPr/>
       </p:nvGrpSpPr>
@@ -14271,7 +16371,7 @@
       </p:grpSpPr>
       <p:sp>
         <p:nvSpPr>
-          <p:cNvPr id="159" name="Google Shape;159;p16"/>
+          <p:cNvPr id="165" name="Google Shape;165;p17"/>
           <p:cNvSpPr txBox="1"/>
           <p:nvPr>
             <p:ph type="title"/>
@@ -14311,7 +16411,7 @@
       </p:sp>
       <p:sp>
         <p:nvSpPr>
-          <p:cNvPr id="160" name="Google Shape;160;p16"/>
+          <p:cNvPr id="166" name="Google Shape;166;p17"/>
           <p:cNvSpPr txBox="1"/>
           <p:nvPr>
             <p:ph idx="1" type="body"/>
@@ -14347,7 +16447,7 @@
             </a:pPr>
             <a:r>
               <a:rPr lang="en" sz="1704"/>
-              <a:t>The measures used to create our dataset were created through the use of FNA (fine needle aspiration) samples of individuals with suspected tumors.</a:t>
+              <a:t>Samples are collected using an FNA (fine needle aspiration) for individuals with suspected tumors.</a:t>
             </a:r>
             <a:endParaRPr sz="1704"/>
           </a:p>
@@ -14386,7 +16486,7 @@
             </a:pPr>
             <a:r>
               <a:rPr lang="en" sz="1704"/>
-              <a:t>The measures we used are as follows:</a:t>
+              <a:t>Measures of the cells from each sample are tested by collecting:</a:t>
             </a:r>
             <a:endParaRPr sz="1704"/>
           </a:p>
@@ -14433,7 +16533,7 @@
       </p:sp>
       <p:sp>
         <p:nvSpPr>
-          <p:cNvPr id="161" name="Google Shape;161;p16"/>
+          <p:cNvPr id="167" name="Google Shape;167;p17"/>
           <p:cNvSpPr txBox="1"/>
           <p:nvPr/>
         </p:nvSpPr>
@@ -14482,7 +16582,7 @@
       </p:sp>
       <p:pic>
         <p:nvPicPr>
-          <p:cNvPr id="162" name="Google Shape;162;p16"/>
+          <p:cNvPr id="168" name="Google Shape;168;p17"/>
           <p:cNvPicPr preferRelativeResize="0"/>
           <p:nvPr/>
         </p:nvPicPr>
@@ -14510,7 +16610,7 @@
       </p:pic>
       <p:sp>
         <p:nvSpPr>
-          <p:cNvPr id="163" name="Google Shape;163;p16"/>
+          <p:cNvPr id="169" name="Google Shape;169;p17"/>
           <p:cNvSpPr txBox="1"/>
           <p:nvPr/>
         </p:nvSpPr>
@@ -14571,7 +16671,7 @@
   <p:cSld>
     <p:spTree>
       <p:nvGrpSpPr>
-        <p:cNvPr id="167" name="Shape 167"/>
+        <p:cNvPr id="173" name="Shape 173"/>
         <p:cNvGrpSpPr/>
         <p:nvPr/>
       </p:nvGrpSpPr>
@@ -14583,9 +16683,36 @@
           <a:chExt cx="0" cy="0"/>
         </a:xfrm>
       </p:grpSpPr>
+      <p:pic>
+        <p:nvPicPr>
+          <p:cNvPr id="174" name="Google Shape;174;p18"/>
+          <p:cNvPicPr preferRelativeResize="0"/>
+          <p:nvPr/>
+        </p:nvPicPr>
+        <p:blipFill rotWithShape="1">
+          <a:blip r:embed="rId3">
+            <a:alphaModFix/>
+          </a:blip>
+          <a:srcRect b="8151" l="0" r="0" t="8151"/>
+          <a:stretch/>
+        </p:blipFill>
+        <p:spPr>
+          <a:xfrm>
+            <a:off x="4180975" y="588300"/>
+            <a:ext cx="4371475" cy="3833325"/>
+          </a:xfrm>
+          <a:prstGeom prst="rect">
+            <a:avLst/>
+          </a:prstGeom>
+          <a:noFill/>
+          <a:ln>
+            <a:noFill/>
+          </a:ln>
+        </p:spPr>
+      </p:pic>
       <p:sp>
         <p:nvSpPr>
-          <p:cNvPr id="168" name="Google Shape;168;p17"/>
+          <p:cNvPr id="175" name="Google Shape;175;p18"/>
           <p:cNvSpPr txBox="1"/>
           <p:nvPr>
             <p:ph type="title"/>
@@ -14593,8 +16720,56 @@
         </p:nvSpPr>
         <p:spPr>
           <a:xfrm>
-            <a:off x="1297500" y="393750"/>
-            <a:ext cx="7038900" cy="914100"/>
+            <a:off x="161300" y="121200"/>
+            <a:ext cx="2655000" cy="858900"/>
+          </a:xfrm>
+          <a:prstGeom prst="rect">
+            <a:avLst/>
+          </a:prstGeom>
+        </p:spPr>
+        <p:txBody>
+          <a:bodyPr anchorCtr="0" anchor="ctr" bIns="91425" lIns="91425" spcFirstLastPara="1" rIns="91425" wrap="square" tIns="91425">
+            <a:normAutofit/>
+          </a:bodyPr>
+          <a:lstStyle/>
+          <a:p>
+            <a:pPr indent="0" lvl="0" marL="0" rtl="0" algn="l">
+              <a:spcBef>
+                <a:spcPts val="0"/>
+              </a:spcBef>
+              <a:spcAft>
+                <a:spcPts val="0"/>
+              </a:spcAft>
+              <a:buNone/>
+            </a:pPr>
+            <a:r>
+              <a:rPr lang="en">
+                <a:solidFill>
+                  <a:schemeClr val="dk2"/>
+                </a:solidFill>
+              </a:rPr>
+              <a:t>Goals</a:t>
+            </a:r>
+            <a:endParaRPr>
+              <a:solidFill>
+                <a:schemeClr val="dk2"/>
+              </a:solidFill>
+            </a:endParaRPr>
+          </a:p>
+        </p:txBody>
+      </p:sp>
+      <p:sp>
+        <p:nvSpPr>
+          <p:cNvPr id="176" name="Google Shape;176;p18"/>
+          <p:cNvSpPr txBox="1"/>
+          <p:nvPr>
+            <p:ph idx="1" type="body"/>
+          </p:nvPr>
+        </p:nvSpPr>
+        <p:spPr>
+          <a:xfrm>
+            <a:off x="311700" y="1072825"/>
+            <a:ext cx="3708900" cy="3877500"/>
           </a:xfrm>
           <a:prstGeom prst="rect">
             <a:avLst/>
@@ -14602,7 +16777,7 @@
         </p:spPr>
         <p:txBody>
           <a:bodyPr anchorCtr="0" anchor="t" bIns="91425" lIns="91425" spcFirstLastPara="1" rIns="91425" wrap="square" tIns="91425">
-            <a:normAutofit/>
+            <a:normAutofit fontScale="92500" lnSpcReduction="20000"/>
           </a:bodyPr>
           <a:lstStyle/>
           <a:p>
@@ -14616,140 +16791,169 @@
               <a:buNone/>
             </a:pPr>
             <a:r>
-              <a:rPr lang="en" sz="2800"/>
-              <a:t>The Goal of our Analysis</a:t>
-            </a:r>
-            <a:endParaRPr sz="2800"/>
-          </a:p>
-        </p:txBody>
-      </p:sp>
-      <p:sp>
-        <p:nvSpPr>
-          <p:cNvPr id="169" name="Google Shape;169;p17"/>
-          <p:cNvSpPr txBox="1"/>
-          <p:nvPr>
-            <p:ph idx="1" type="body"/>
-          </p:nvPr>
-        </p:nvSpPr>
-        <p:spPr>
-          <a:xfrm>
-            <a:off x="1297500" y="1367725"/>
-            <a:ext cx="7038900" cy="3775800"/>
-          </a:xfrm>
-          <a:prstGeom prst="rect">
-            <a:avLst/>
-          </a:prstGeom>
-        </p:spPr>
-        <p:txBody>
-          <a:bodyPr anchorCtr="0" anchor="t" bIns="91425" lIns="91425" spcFirstLastPara="1" rIns="91425" wrap="square" tIns="91425">
-            <a:normAutofit/>
-          </a:bodyPr>
-          <a:lstStyle/>
+              <a:rPr lang="en" sz="1200">
+                <a:solidFill>
+                  <a:schemeClr val="dk2"/>
+                </a:solidFill>
+              </a:rPr>
+              <a:t>The goal of our analysis  is to apply the power of machine learning models to identify the likelihood that a tumor could either be benign or malignant. To accomplish this, we first need to answer the following questions:</a:t>
+            </a:r>
+            <a:endParaRPr sz="1200">
+              <a:solidFill>
+                <a:schemeClr val="dk2"/>
+              </a:solidFill>
+            </a:endParaRPr>
+          </a:p>
           <a:p>
             <a:pPr indent="0" lvl="0" marL="0" rtl="0" algn="l">
               <a:spcBef>
-                <a:spcPts val="0"/>
-              </a:spcBef>
-              <a:spcAft>
-                <a:spcPts val="0"/>
-              </a:spcAft>
-              <a:buNone/>
-            </a:pPr>
-            <a:r>
-              <a:rPr lang="en" sz="1700"/>
-              <a:t>Our goal is to apply the power of machine learning models to identify the likelihood that a tumor could either be benign or malignant. To accomplish this, we first need to answer the following questions:</a:t>
-            </a:r>
-            <a:endParaRPr sz="1700"/>
+                <a:spcPts val="1600"/>
+              </a:spcBef>
+              <a:spcAft>
+                <a:spcPts val="0"/>
+              </a:spcAft>
+              <a:buNone/>
+            </a:pPr>
+            <a:r>
+              <a:t/>
+            </a:r>
+            <a:endParaRPr sz="1200">
+              <a:solidFill>
+                <a:schemeClr val="dk2"/>
+              </a:solidFill>
+            </a:endParaRPr>
+          </a:p>
+          <a:p>
+            <a:pPr indent="-299085" lvl="0" marL="457200" rtl="0" algn="l">
+              <a:spcBef>
+                <a:spcPts val="1600"/>
+              </a:spcBef>
+              <a:spcAft>
+                <a:spcPts val="0"/>
+              </a:spcAft>
+              <a:buSzPct val="100000"/>
+              <a:buChar char="●"/>
+            </a:pPr>
+            <a:r>
+              <a:rPr lang="en" sz="1200">
+                <a:solidFill>
+                  <a:schemeClr val="dk2"/>
+                </a:solidFill>
+              </a:rPr>
+              <a:t>Which features have the greatest likelihood of predicting malignancy?</a:t>
+            </a:r>
+            <a:endParaRPr sz="1200">
+              <a:solidFill>
+                <a:schemeClr val="dk2"/>
+              </a:solidFill>
+            </a:endParaRPr>
+          </a:p>
+          <a:p>
+            <a:pPr indent="0" lvl="0" marL="457200" rtl="0" algn="l">
+              <a:spcBef>
+                <a:spcPts val="1600"/>
+              </a:spcBef>
+              <a:spcAft>
+                <a:spcPts val="0"/>
+              </a:spcAft>
+              <a:buNone/>
+            </a:pPr>
+            <a:r>
+              <a:t/>
+            </a:r>
+            <a:endParaRPr sz="1200">
+              <a:solidFill>
+                <a:schemeClr val="dk2"/>
+              </a:solidFill>
+            </a:endParaRPr>
+          </a:p>
+          <a:p>
+            <a:pPr indent="-299085" lvl="0" marL="457200" rtl="0" algn="l">
+              <a:spcBef>
+                <a:spcPts val="1600"/>
+              </a:spcBef>
+              <a:spcAft>
+                <a:spcPts val="0"/>
+              </a:spcAft>
+              <a:buSzPct val="100000"/>
+              <a:buChar char="●"/>
+            </a:pPr>
+            <a:r>
+              <a:rPr lang="en" sz="1200">
+                <a:solidFill>
+                  <a:schemeClr val="dk2"/>
+                </a:solidFill>
+              </a:rPr>
+              <a:t>How should the data be structured in order to test?</a:t>
+            </a:r>
+            <a:endParaRPr sz="1200">
+              <a:solidFill>
+                <a:schemeClr val="dk2"/>
+              </a:solidFill>
+            </a:endParaRPr>
+          </a:p>
+          <a:p>
+            <a:pPr indent="0" lvl="0" marL="457200" rtl="0" algn="l">
+              <a:spcBef>
+                <a:spcPts val="1600"/>
+              </a:spcBef>
+              <a:spcAft>
+                <a:spcPts val="0"/>
+              </a:spcAft>
+              <a:buNone/>
+            </a:pPr>
+            <a:r>
+              <a:t/>
+            </a:r>
+            <a:endParaRPr sz="1200">
+              <a:solidFill>
+                <a:schemeClr val="dk2"/>
+              </a:solidFill>
+            </a:endParaRPr>
+          </a:p>
+          <a:p>
+            <a:pPr indent="-299085" lvl="0" marL="457200" rtl="0" algn="l">
+              <a:spcBef>
+                <a:spcPts val="1600"/>
+              </a:spcBef>
+              <a:spcAft>
+                <a:spcPts val="0"/>
+              </a:spcAft>
+              <a:buSzPct val="100000"/>
+              <a:buChar char="●"/>
+            </a:pPr>
+            <a:r>
+              <a:rPr lang="en" sz="1200">
+                <a:solidFill>
+                  <a:schemeClr val="dk2"/>
+                </a:solidFill>
+              </a:rPr>
+              <a:t>What machine learning model would best predict breast cancer malignancy?</a:t>
+            </a:r>
+            <a:endParaRPr sz="1200">
+              <a:solidFill>
+                <a:schemeClr val="dk2"/>
+              </a:solidFill>
+            </a:endParaRPr>
           </a:p>
           <a:p>
             <a:pPr indent="0" lvl="0" marL="0" rtl="0" algn="l">
               <a:spcBef>
-                <a:spcPts val="1200"/>
-              </a:spcBef>
-              <a:spcAft>
-                <a:spcPts val="0"/>
+                <a:spcPts val="1600"/>
+              </a:spcBef>
+              <a:spcAft>
+                <a:spcPts val="1600"/>
               </a:spcAft>
               <a:buNone/>
             </a:pPr>
             <a:r>
               <a:t/>
             </a:r>
-            <a:endParaRPr sz="1700"/>
-          </a:p>
-          <a:p>
-            <a:pPr indent="-323850" lvl="0" marL="457200" rtl="0" algn="l">
-              <a:lnSpc>
-                <a:spcPct val="200000"/>
-              </a:lnSpc>
-              <a:spcBef>
-                <a:spcPts val="1200"/>
-              </a:spcBef>
-              <a:spcAft>
-                <a:spcPts val="0"/>
-              </a:spcAft>
-              <a:buSzPts val="1500"/>
-              <a:buChar char="●"/>
-            </a:pPr>
-            <a:r>
-              <a:rPr lang="en" sz="1500"/>
-              <a:t>Which features have the greatest likelihood of predicting malignancy?</a:t>
-            </a:r>
-            <a:endParaRPr sz="1500"/>
-          </a:p>
-          <a:p>
-            <a:pPr indent="-323850" lvl="0" marL="457200" rtl="0" algn="l">
-              <a:lnSpc>
-                <a:spcPct val="200000"/>
-              </a:lnSpc>
-              <a:spcBef>
-                <a:spcPts val="0"/>
-              </a:spcBef>
-              <a:spcAft>
-                <a:spcPts val="0"/>
-              </a:spcAft>
-              <a:buSzPts val="1500"/>
-              <a:buChar char="●"/>
-            </a:pPr>
-            <a:r>
-              <a:rPr lang="en" sz="1500"/>
-              <a:t>How should the data be structured in order to test?</a:t>
-            </a:r>
-            <a:endParaRPr sz="1500"/>
-          </a:p>
-          <a:p>
-            <a:pPr indent="-323850" lvl="0" marL="457200" rtl="0" algn="l">
-              <a:lnSpc>
-                <a:spcPct val="200000"/>
-              </a:lnSpc>
-              <a:spcBef>
-                <a:spcPts val="0"/>
-              </a:spcBef>
-              <a:spcAft>
-                <a:spcPts val="0"/>
-              </a:spcAft>
-              <a:buSzPts val="1500"/>
-              <a:buChar char="●"/>
-            </a:pPr>
-            <a:r>
-              <a:rPr lang="en" sz="1500"/>
-              <a:t>What machine learning model would best predict breast cancer malignancy?</a:t>
-            </a:r>
-            <a:endParaRPr sz="1500"/>
-          </a:p>
-          <a:p>
-            <a:pPr indent="0" lvl="0" marL="0" rtl="0" algn="l">
-              <a:spcBef>
-                <a:spcPts val="1200"/>
-              </a:spcBef>
-              <a:spcAft>
-                <a:spcPts val="1200"/>
-              </a:spcAft>
-              <a:buNone/>
-            </a:pPr>
-            <a:r>
-              <a:t/>
-            </a:r>
-            <a:endParaRPr/>
+            <a:endParaRPr>
+              <a:solidFill>
+                <a:schemeClr val="dk2"/>
+              </a:solidFill>
+            </a:endParaRPr>
           </a:p>
         </p:txBody>
       </p:sp>
@@ -14766,7 +16970,7 @@
   <p:cSld>
     <p:spTree>
       <p:nvGrpSpPr>
-        <p:cNvPr id="173" name="Shape 173"/>
+        <p:cNvPr id="180" name="Shape 180"/>
         <p:cNvGrpSpPr/>
         <p:nvPr/>
       </p:nvGrpSpPr>
@@ -14780,7 +16984,7 @@
       </p:grpSpPr>
       <p:sp>
         <p:nvSpPr>
-          <p:cNvPr id="174" name="Google Shape;174;p18"/>
+          <p:cNvPr id="181" name="Google Shape;181;p19"/>
           <p:cNvSpPr txBox="1"/>
           <p:nvPr>
             <p:ph type="title"/>
@@ -14833,7 +17037,7 @@
       </p:sp>
       <p:sp>
         <p:nvSpPr>
-          <p:cNvPr id="175" name="Google Shape;175;p18"/>
+          <p:cNvPr id="182" name="Google Shape;182;p19"/>
           <p:cNvSpPr txBox="1"/>
           <p:nvPr>
             <p:ph idx="1" type="body"/>
@@ -14841,8 +17045,8 @@
         </p:nvSpPr>
         <p:spPr>
           <a:xfrm>
-            <a:off x="1158525" y="1307850"/>
-            <a:ext cx="7720200" cy="3645900"/>
+            <a:off x="161750" y="1307850"/>
+            <a:ext cx="8717100" cy="3645900"/>
           </a:xfrm>
           <a:prstGeom prst="rect">
             <a:avLst/>
@@ -14850,7 +17054,7 @@
         </p:spPr>
         <p:txBody>
           <a:bodyPr anchorCtr="0" anchor="t" bIns="91425" lIns="91425" spcFirstLastPara="1" rIns="91425" wrap="square" tIns="91425">
-            <a:normAutofit fontScale="92500"/>
+            <a:normAutofit/>
           </a:bodyPr>
           <a:lstStyle/>
           <a:p>
@@ -14881,7 +17085,7 @@
             </a:pPr>
             <a:r>
               <a:rPr lang="en"/>
-              <a:t>For ease of sharing amongst all four members, we used Google Colab to write and build our Machine Learning Model. This would also allow us to easily upload the DataBase through the cloud easier with Amazon Web Services (AWS).</a:t>
+              <a:t>For ease of sharing amongst all four members, we used Google Colab to write and build our Machine Learning Model. This allowed us to easily upload the DataBase through the cloud easier with Amazon Web Services (AWS).</a:t>
             </a:r>
             <a:endParaRPr/>
           </a:p>
@@ -14917,7 +17121,7 @@
             </a:pPr>
             <a:r>
               <a:rPr lang="en"/>
-              <a:t>	As stated previously, AWS was used to </a:t>
+              <a:t>	The AWS was used to </a:t>
             </a:r>
             <a:r>
               <a:rPr lang="en"/>
@@ -14984,7 +17188,7 @@
   <p:cSld>
     <p:spTree>
       <p:nvGrpSpPr>
-        <p:cNvPr id="179" name="Shape 179"/>
+        <p:cNvPr id="186" name="Shape 186"/>
         <p:cNvGrpSpPr/>
         <p:nvPr/>
       </p:nvGrpSpPr>
@@ -14998,7 +17202,7 @@
       </p:grpSpPr>
       <p:sp>
         <p:nvSpPr>
-          <p:cNvPr id="180" name="Google Shape;180;p19"/>
+          <p:cNvPr id="187" name="Google Shape;187;p20"/>
           <p:cNvSpPr txBox="1"/>
           <p:nvPr>
             <p:ph type="title"/>
@@ -15006,8 +17210,8 @@
         </p:nvSpPr>
         <p:spPr>
           <a:xfrm>
-            <a:off x="1297500" y="393750"/>
-            <a:ext cx="7038900" cy="914100"/>
+            <a:off x="2869638" y="337350"/>
+            <a:ext cx="3404700" cy="914100"/>
           </a:xfrm>
           <a:prstGeom prst="rect">
             <a:avLst/>
@@ -15030,153 +17234,15 @@
             </a:pPr>
             <a:r>
               <a:rPr lang="en"/>
-              <a:t>Exploratory of our Data</a:t>
+              <a:t>Exploratory Analysis</a:t>
             </a:r>
             <a:endParaRPr/>
-          </a:p>
-        </p:txBody>
-      </p:sp>
-      <p:sp>
-        <p:nvSpPr>
-          <p:cNvPr id="181" name="Google Shape;181;p19"/>
-          <p:cNvSpPr txBox="1"/>
-          <p:nvPr>
-            <p:ph idx="1" type="body"/>
-          </p:nvPr>
-        </p:nvSpPr>
-        <p:spPr>
-          <a:xfrm>
-            <a:off x="6094625" y="64975"/>
-            <a:ext cx="2959800" cy="2911200"/>
-          </a:xfrm>
-          <a:prstGeom prst="rect">
-            <a:avLst/>
-          </a:prstGeom>
-        </p:spPr>
-        <p:txBody>
-          <a:bodyPr anchorCtr="0" anchor="t" bIns="91425" lIns="91425" spcFirstLastPara="1" rIns="91425" wrap="square" tIns="91425">
-            <a:normAutofit/>
-          </a:bodyPr>
-          <a:lstStyle/>
-          <a:p>
-            <a:pPr indent="0" lvl="0" marL="0" rtl="0" algn="l">
-              <a:spcBef>
-                <a:spcPts val="0"/>
-              </a:spcBef>
-              <a:spcAft>
-                <a:spcPts val="0"/>
-              </a:spcAft>
-              <a:buNone/>
-            </a:pPr>
-            <a:r>
-              <a:rPr lang="en"/>
-              <a:t>Our initial exploratory analysis provided insight to identify where to focus our model and provide a scaffolding for our work moving forward. </a:t>
-            </a:r>
-            <a:endParaRPr/>
-          </a:p>
-          <a:p>
-            <a:pPr indent="0" lvl="0" marL="0" rtl="0" algn="l">
-              <a:lnSpc>
-                <a:spcPct val="100000"/>
-              </a:lnSpc>
-              <a:spcBef>
-                <a:spcPts val="1200"/>
-              </a:spcBef>
-              <a:spcAft>
-                <a:spcPts val="0"/>
-              </a:spcAft>
-              <a:buNone/>
-            </a:pPr>
-            <a:r>
-              <a:rPr lang="en" sz="1000">
-                <a:solidFill>
-                  <a:srgbClr val="F8F8F8"/>
-                </a:solidFill>
-              </a:rPr>
-              <a:t>We began to identify patterns in our dataset. Correlations between features allowed us to identify a few columns to test with a linear regression model and test it. </a:t>
-            </a:r>
-            <a:endParaRPr sz="1000">
-              <a:solidFill>
-                <a:srgbClr val="F8F8F8"/>
-              </a:solidFill>
-            </a:endParaRPr>
-          </a:p>
-          <a:p>
-            <a:pPr indent="0" lvl="0" marL="0" rtl="0" algn="l">
-              <a:lnSpc>
-                <a:spcPct val="100000"/>
-              </a:lnSpc>
-              <a:spcBef>
-                <a:spcPts val="0"/>
-              </a:spcBef>
-              <a:spcAft>
-                <a:spcPts val="0"/>
-              </a:spcAft>
-              <a:buNone/>
-            </a:pPr>
-            <a:r>
-              <a:t/>
-            </a:r>
-            <a:endParaRPr sz="1000">
-              <a:solidFill>
-                <a:srgbClr val="F8F8F8"/>
-              </a:solidFill>
-            </a:endParaRPr>
-          </a:p>
-          <a:p>
-            <a:pPr indent="0" lvl="0" marL="0" rtl="0" algn="l">
-              <a:lnSpc>
-                <a:spcPct val="100000"/>
-              </a:lnSpc>
-              <a:spcBef>
-                <a:spcPts val="0"/>
-              </a:spcBef>
-              <a:spcAft>
-                <a:spcPts val="0"/>
-              </a:spcAft>
-              <a:buNone/>
-            </a:pPr>
-            <a:r>
-              <a:rPr lang="en" sz="1000">
-                <a:solidFill>
-                  <a:srgbClr val="F8F8F8"/>
-                </a:solidFill>
-              </a:rPr>
-              <a:t>The results were promising, so the model was evolved into a logistical regression model that could test all the features in our dataset.</a:t>
-            </a:r>
-            <a:endParaRPr sz="1000">
-              <a:solidFill>
-                <a:srgbClr val="F8F8F8"/>
-              </a:solidFill>
-            </a:endParaRPr>
-          </a:p>
-          <a:p>
-            <a:pPr indent="0" lvl="0" marL="0" rtl="0" algn="l">
-              <a:lnSpc>
-                <a:spcPct val="100000"/>
-              </a:lnSpc>
-              <a:spcBef>
-                <a:spcPts val="0"/>
-              </a:spcBef>
-              <a:spcAft>
-                <a:spcPts val="0"/>
-              </a:spcAft>
-              <a:buNone/>
-            </a:pPr>
-            <a:r>
-              <a:t/>
-            </a:r>
-            <a:endParaRPr sz="1000">
-              <a:solidFill>
-                <a:srgbClr val="F8F8F8"/>
-              </a:solidFill>
-            </a:endParaRPr>
           </a:p>
         </p:txBody>
       </p:sp>
       <p:pic>
         <p:nvPicPr>
-          <p:cNvPr id="182" name="Google Shape;182;p19"/>
+          <p:cNvPr id="188" name="Google Shape;188;p20"/>
           <p:cNvPicPr preferRelativeResize="0"/>
           <p:nvPr/>
         </p:nvPicPr>
@@ -15190,8 +17256,8 @@
         </p:blipFill>
         <p:spPr>
           <a:xfrm>
-            <a:off x="0" y="1252825"/>
-            <a:ext cx="5959249" cy="1791750"/>
+            <a:off x="185487" y="1575300"/>
+            <a:ext cx="8773024" cy="2637750"/>
           </a:xfrm>
           <a:prstGeom prst="rect">
             <a:avLst/>
@@ -15202,415 +17268,6 @@
           </a:ln>
         </p:spPr>
       </p:pic>
-      <p:pic>
-        <p:nvPicPr>
-          <p:cNvPr id="183" name="Google Shape;183;p19"/>
-          <p:cNvPicPr preferRelativeResize="0"/>
-          <p:nvPr/>
-        </p:nvPicPr>
-        <p:blipFill>
-          <a:blip r:embed="rId4">
-            <a:alphaModFix/>
-          </a:blip>
-          <a:stretch>
-            <a:fillRect/>
-          </a:stretch>
-        </p:blipFill>
-        <p:spPr>
-          <a:xfrm>
-            <a:off x="270376" y="3089350"/>
-            <a:ext cx="2122024" cy="2012750"/>
-          </a:xfrm>
-          <a:prstGeom prst="rect">
-            <a:avLst/>
-          </a:prstGeom>
-          <a:noFill/>
-          <a:ln>
-            <a:noFill/>
-          </a:ln>
-        </p:spPr>
-      </p:pic>
-      <p:pic>
-        <p:nvPicPr>
-          <p:cNvPr id="184" name="Google Shape;184;p19"/>
-          <p:cNvPicPr preferRelativeResize="0"/>
-          <p:nvPr/>
-        </p:nvPicPr>
-        <p:blipFill>
-          <a:blip r:embed="rId5">
-            <a:alphaModFix/>
-          </a:blip>
-          <a:stretch>
-            <a:fillRect/>
-          </a:stretch>
-        </p:blipFill>
-        <p:spPr>
-          <a:xfrm>
-            <a:off x="3403575" y="3089350"/>
-            <a:ext cx="2012750" cy="2012750"/>
-          </a:xfrm>
-          <a:prstGeom prst="rect">
-            <a:avLst/>
-          </a:prstGeom>
-          <a:noFill/>
-          <a:ln>
-            <a:noFill/>
-          </a:ln>
-        </p:spPr>
-      </p:pic>
-      <p:pic>
-        <p:nvPicPr>
-          <p:cNvPr id="185" name="Google Shape;185;p19"/>
-          <p:cNvPicPr preferRelativeResize="0"/>
-          <p:nvPr/>
-        </p:nvPicPr>
-        <p:blipFill>
-          <a:blip r:embed="rId6">
-            <a:alphaModFix/>
-          </a:blip>
-          <a:stretch>
-            <a:fillRect/>
-          </a:stretch>
-        </p:blipFill>
-        <p:spPr>
-          <a:xfrm>
-            <a:off x="6229625" y="3087190"/>
-            <a:ext cx="2012750" cy="2017085"/>
-          </a:xfrm>
-          <a:prstGeom prst="rect">
-            <a:avLst/>
-          </a:prstGeom>
-          <a:noFill/>
-          <a:ln>
-            <a:noFill/>
-          </a:ln>
-        </p:spPr>
-      </p:pic>
-      <p:sp>
-        <p:nvSpPr>
-          <p:cNvPr id="186" name="Google Shape;186;p19"/>
-          <p:cNvSpPr txBox="1"/>
-          <p:nvPr/>
-        </p:nvSpPr>
-        <p:spPr>
-          <a:xfrm>
-            <a:off x="2392400" y="2978350"/>
-            <a:ext cx="963300" cy="1046700"/>
-          </a:xfrm>
-          <a:prstGeom prst="rect">
-            <a:avLst/>
-          </a:prstGeom>
-          <a:noFill/>
-          <a:ln>
-            <a:noFill/>
-          </a:ln>
-        </p:spPr>
-        <p:txBody>
-          <a:bodyPr anchorCtr="0" anchor="t" bIns="91425" lIns="91425" spcFirstLastPara="1" rIns="91425" wrap="square" tIns="91425">
-            <a:spAutoFit/>
-          </a:bodyPr>
-          <a:lstStyle/>
-          <a:p>
-            <a:pPr indent="0" lvl="0" marL="0" rtl="0" algn="l">
-              <a:spcBef>
-                <a:spcPts val="0"/>
-              </a:spcBef>
-              <a:spcAft>
-                <a:spcPts val="0"/>
-              </a:spcAft>
-              <a:buNone/>
-            </a:pPr>
-            <a:r>
-              <a:rPr lang="en" sz="800">
-                <a:solidFill>
-                  <a:srgbClr val="FFFFFF"/>
-                </a:solidFill>
-                <a:latin typeface="Lato"/>
-                <a:ea typeface="Lato"/>
-                <a:cs typeface="Lato"/>
-                <a:sym typeface="Lato"/>
-              </a:rPr>
-              <a:t>Benign tumors vs</a:t>
-            </a:r>
-            <a:endParaRPr sz="800">
-              <a:solidFill>
-                <a:srgbClr val="FFFFFF"/>
-              </a:solidFill>
-              <a:latin typeface="Lato"/>
-              <a:ea typeface="Lato"/>
-              <a:cs typeface="Lato"/>
-              <a:sym typeface="Lato"/>
-            </a:endParaRPr>
-          </a:p>
-          <a:p>
-            <a:pPr indent="0" lvl="0" marL="0" rtl="0" algn="l">
-              <a:spcBef>
-                <a:spcPts val="0"/>
-              </a:spcBef>
-              <a:spcAft>
-                <a:spcPts val="0"/>
-              </a:spcAft>
-              <a:buNone/>
-            </a:pPr>
-            <a:r>
-              <a:rPr lang="en" sz="800">
-                <a:solidFill>
-                  <a:srgbClr val="FFFFFF"/>
-                </a:solidFill>
-                <a:latin typeface="Lato"/>
-                <a:ea typeface="Lato"/>
-                <a:cs typeface="Lato"/>
-                <a:sym typeface="Lato"/>
-              </a:rPr>
-              <a:t>Malignant tumors</a:t>
-            </a:r>
-            <a:endParaRPr sz="800">
-              <a:solidFill>
-                <a:srgbClr val="FFFFFF"/>
-              </a:solidFill>
-              <a:latin typeface="Lato"/>
-              <a:ea typeface="Lato"/>
-              <a:cs typeface="Lato"/>
-              <a:sym typeface="Lato"/>
-            </a:endParaRPr>
-          </a:p>
-          <a:p>
-            <a:pPr indent="0" lvl="0" marL="0" rtl="0" algn="l">
-              <a:spcBef>
-                <a:spcPts val="0"/>
-              </a:spcBef>
-              <a:spcAft>
-                <a:spcPts val="0"/>
-              </a:spcAft>
-              <a:buNone/>
-            </a:pPr>
-            <a:r>
-              <a:t/>
-            </a:r>
-            <a:endParaRPr sz="800">
-              <a:solidFill>
-                <a:srgbClr val="FFFFFF"/>
-              </a:solidFill>
-              <a:latin typeface="Lato"/>
-              <a:ea typeface="Lato"/>
-              <a:cs typeface="Lato"/>
-              <a:sym typeface="Lato"/>
-            </a:endParaRPr>
-          </a:p>
-          <a:p>
-            <a:pPr indent="0" lvl="0" marL="0" rtl="0" algn="l">
-              <a:spcBef>
-                <a:spcPts val="0"/>
-              </a:spcBef>
-              <a:spcAft>
-                <a:spcPts val="0"/>
-              </a:spcAft>
-              <a:buNone/>
-            </a:pPr>
-            <a:r>
-              <a:rPr lang="en" sz="800">
-                <a:solidFill>
-                  <a:srgbClr val="FFFFFF"/>
-                </a:solidFill>
-                <a:latin typeface="Lato"/>
-                <a:ea typeface="Lato"/>
-                <a:cs typeface="Lato"/>
-                <a:sym typeface="Lato"/>
-              </a:rPr>
-              <a:t>Total = 569</a:t>
-            </a:r>
-            <a:endParaRPr sz="800">
-              <a:solidFill>
-                <a:srgbClr val="FFFFFF"/>
-              </a:solidFill>
-              <a:latin typeface="Lato"/>
-              <a:ea typeface="Lato"/>
-              <a:cs typeface="Lato"/>
-              <a:sym typeface="Lato"/>
-            </a:endParaRPr>
-          </a:p>
-          <a:p>
-            <a:pPr indent="0" lvl="0" marL="0" rtl="0" algn="l">
-              <a:spcBef>
-                <a:spcPts val="0"/>
-              </a:spcBef>
-              <a:spcAft>
-                <a:spcPts val="0"/>
-              </a:spcAft>
-              <a:buNone/>
-            </a:pPr>
-            <a:r>
-              <a:rPr lang="en" sz="800">
-                <a:solidFill>
-                  <a:srgbClr val="FFFFFF"/>
-                </a:solidFill>
-                <a:latin typeface="Lato"/>
-                <a:ea typeface="Lato"/>
-                <a:cs typeface="Lato"/>
-                <a:sym typeface="Lato"/>
-              </a:rPr>
-              <a:t>Benign = 357</a:t>
-            </a:r>
-            <a:endParaRPr sz="1000">
-              <a:solidFill>
-                <a:srgbClr val="FFFFFF"/>
-              </a:solidFill>
-              <a:latin typeface="Lato"/>
-              <a:ea typeface="Lato"/>
-              <a:cs typeface="Lato"/>
-              <a:sym typeface="Lato"/>
-            </a:endParaRPr>
-          </a:p>
-          <a:p>
-            <a:pPr indent="0" lvl="0" marL="0" rtl="0" algn="l">
-              <a:spcBef>
-                <a:spcPts val="0"/>
-              </a:spcBef>
-              <a:spcAft>
-                <a:spcPts val="0"/>
-              </a:spcAft>
-              <a:buNone/>
-            </a:pPr>
-            <a:r>
-              <a:rPr lang="en" sz="800">
-                <a:solidFill>
-                  <a:srgbClr val="FFFFFF"/>
-                </a:solidFill>
-                <a:latin typeface="Lato"/>
-                <a:ea typeface="Lato"/>
-                <a:cs typeface="Lato"/>
-                <a:sym typeface="Lato"/>
-              </a:rPr>
-              <a:t>Malig. = 212</a:t>
-            </a:r>
-            <a:endParaRPr sz="800">
-              <a:solidFill>
-                <a:srgbClr val="FFFFFF"/>
-              </a:solidFill>
-              <a:latin typeface="Lato"/>
-              <a:ea typeface="Lato"/>
-              <a:cs typeface="Lato"/>
-              <a:sym typeface="Lato"/>
-            </a:endParaRPr>
-          </a:p>
-        </p:txBody>
-      </p:sp>
-      <p:sp>
-        <p:nvSpPr>
-          <p:cNvPr id="187" name="Google Shape;187;p19"/>
-          <p:cNvSpPr txBox="1"/>
-          <p:nvPr/>
-        </p:nvSpPr>
-        <p:spPr>
-          <a:xfrm>
-            <a:off x="5416325" y="2978350"/>
-            <a:ext cx="813300" cy="738900"/>
-          </a:xfrm>
-          <a:prstGeom prst="rect">
-            <a:avLst/>
-          </a:prstGeom>
-          <a:noFill/>
-          <a:ln>
-            <a:noFill/>
-          </a:ln>
-        </p:spPr>
-        <p:txBody>
-          <a:bodyPr anchorCtr="0" anchor="t" bIns="91425" lIns="91425" spcFirstLastPara="1" rIns="91425" wrap="square" tIns="91425">
-            <a:spAutoFit/>
-          </a:bodyPr>
-          <a:lstStyle/>
-          <a:p>
-            <a:pPr indent="0" lvl="0" marL="0" rtl="0" algn="l">
-              <a:spcBef>
-                <a:spcPts val="0"/>
-              </a:spcBef>
-              <a:spcAft>
-                <a:spcPts val="0"/>
-              </a:spcAft>
-              <a:buNone/>
-            </a:pPr>
-            <a:r>
-              <a:rPr lang="en" sz="900">
-                <a:solidFill>
-                  <a:srgbClr val="FFFFFF"/>
-                </a:solidFill>
-                <a:latin typeface="Lato"/>
-                <a:ea typeface="Lato"/>
-                <a:cs typeface="Lato"/>
-                <a:sym typeface="Lato"/>
-              </a:rPr>
-              <a:t>Perimeter mean vs Radius mean</a:t>
-            </a:r>
-            <a:endParaRPr sz="900">
-              <a:solidFill>
-                <a:srgbClr val="FFFFFF"/>
-              </a:solidFill>
-              <a:latin typeface="Lato"/>
-              <a:ea typeface="Lato"/>
-              <a:cs typeface="Lato"/>
-              <a:sym typeface="Lato"/>
-            </a:endParaRPr>
-          </a:p>
-        </p:txBody>
-      </p:sp>
-      <p:sp>
-        <p:nvSpPr>
-          <p:cNvPr id="188" name="Google Shape;188;p19"/>
-          <p:cNvSpPr txBox="1"/>
-          <p:nvPr/>
-        </p:nvSpPr>
-        <p:spPr>
-          <a:xfrm>
-            <a:off x="8242375" y="2978350"/>
-            <a:ext cx="813300" cy="738900"/>
-          </a:xfrm>
-          <a:prstGeom prst="rect">
-            <a:avLst/>
-          </a:prstGeom>
-          <a:noFill/>
-          <a:ln>
-            <a:noFill/>
-          </a:ln>
-        </p:spPr>
-        <p:txBody>
-          <a:bodyPr anchorCtr="0" anchor="t" bIns="91425" lIns="91425" spcFirstLastPara="1" rIns="91425" wrap="square" tIns="91425">
-            <a:spAutoFit/>
-          </a:bodyPr>
-          <a:lstStyle/>
-          <a:p>
-            <a:pPr indent="0" lvl="0" marL="0" rtl="0" algn="l">
-              <a:spcBef>
-                <a:spcPts val="0"/>
-              </a:spcBef>
-              <a:spcAft>
-                <a:spcPts val="0"/>
-              </a:spcAft>
-              <a:buNone/>
-            </a:pPr>
-            <a:r>
-              <a:rPr lang="en" sz="900">
-                <a:solidFill>
-                  <a:srgbClr val="FFFFFF"/>
-                </a:solidFill>
-                <a:latin typeface="Lato"/>
-                <a:ea typeface="Lato"/>
-                <a:cs typeface="Lato"/>
-                <a:sym typeface="Lato"/>
-              </a:rPr>
-              <a:t>Radius mean vs Radius worst</a:t>
-            </a:r>
-            <a:endParaRPr sz="900">
-              <a:solidFill>
-                <a:srgbClr val="FFFFFF"/>
-              </a:solidFill>
-              <a:latin typeface="Lato"/>
-              <a:ea typeface="Lato"/>
-              <a:cs typeface="Lato"/>
-              <a:sym typeface="Lato"/>
-            </a:endParaRPr>
-          </a:p>
-        </p:txBody>
-      </p:sp>
     </p:spTree>
   </p:cSld>
   <p:clrMapOvr>
@@ -15638,7 +17295,400 @@
       </p:grpSpPr>
       <p:sp>
         <p:nvSpPr>
-          <p:cNvPr id="193" name="Google Shape;193;p20"/>
+          <p:cNvPr id="193" name="Google Shape;193;p21"/>
+          <p:cNvSpPr txBox="1"/>
+          <p:nvPr>
+            <p:ph type="title"/>
+          </p:nvPr>
+        </p:nvSpPr>
+        <p:spPr>
+          <a:xfrm>
+            <a:off x="2526450" y="302150"/>
+            <a:ext cx="4091100" cy="914100"/>
+          </a:xfrm>
+          <a:prstGeom prst="rect">
+            <a:avLst/>
+          </a:prstGeom>
+        </p:spPr>
+        <p:txBody>
+          <a:bodyPr anchorCtr="0" anchor="t" bIns="91425" lIns="91425" spcFirstLastPara="1" rIns="91425" wrap="square" tIns="91425">
+            <a:normAutofit fontScale="90000"/>
+          </a:bodyPr>
+          <a:lstStyle/>
+          <a:p>
+            <a:pPr indent="0" lvl="0" marL="0" rtl="0" algn="l">
+              <a:spcBef>
+                <a:spcPts val="0"/>
+              </a:spcBef>
+              <a:spcAft>
+                <a:spcPts val="0"/>
+              </a:spcAft>
+              <a:buNone/>
+            </a:pPr>
+            <a:r>
+              <a:rPr lang="en"/>
+              <a:t>Exploratory Analysis Cont. </a:t>
+            </a:r>
+            <a:endParaRPr/>
+          </a:p>
+        </p:txBody>
+      </p:sp>
+      <p:pic>
+        <p:nvPicPr>
+          <p:cNvPr id="194" name="Google Shape;194;p21"/>
+          <p:cNvPicPr preferRelativeResize="0"/>
+          <p:nvPr/>
+        </p:nvPicPr>
+        <p:blipFill>
+          <a:blip r:embed="rId3">
+            <a:alphaModFix/>
+          </a:blip>
+          <a:stretch>
+            <a:fillRect/>
+          </a:stretch>
+        </p:blipFill>
+        <p:spPr>
+          <a:xfrm>
+            <a:off x="586001" y="2103400"/>
+            <a:ext cx="2122024" cy="2012750"/>
+          </a:xfrm>
+          <a:prstGeom prst="rect">
+            <a:avLst/>
+          </a:prstGeom>
+          <a:noFill/>
+          <a:ln>
+            <a:noFill/>
+          </a:ln>
+        </p:spPr>
+      </p:pic>
+      <p:pic>
+        <p:nvPicPr>
+          <p:cNvPr id="195" name="Google Shape;195;p21"/>
+          <p:cNvPicPr preferRelativeResize="0"/>
+          <p:nvPr/>
+        </p:nvPicPr>
+        <p:blipFill>
+          <a:blip r:embed="rId4">
+            <a:alphaModFix/>
+          </a:blip>
+          <a:stretch>
+            <a:fillRect/>
+          </a:stretch>
+        </p:blipFill>
+        <p:spPr>
+          <a:xfrm>
+            <a:off x="3719200" y="2103400"/>
+            <a:ext cx="2012750" cy="2012750"/>
+          </a:xfrm>
+          <a:prstGeom prst="rect">
+            <a:avLst/>
+          </a:prstGeom>
+          <a:noFill/>
+          <a:ln>
+            <a:noFill/>
+          </a:ln>
+        </p:spPr>
+      </p:pic>
+      <p:pic>
+        <p:nvPicPr>
+          <p:cNvPr id="196" name="Google Shape;196;p21"/>
+          <p:cNvPicPr preferRelativeResize="0"/>
+          <p:nvPr/>
+        </p:nvPicPr>
+        <p:blipFill>
+          <a:blip r:embed="rId5">
+            <a:alphaModFix/>
+          </a:blip>
+          <a:stretch>
+            <a:fillRect/>
+          </a:stretch>
+        </p:blipFill>
+        <p:spPr>
+          <a:xfrm>
+            <a:off x="6545250" y="2101240"/>
+            <a:ext cx="2012750" cy="2017085"/>
+          </a:xfrm>
+          <a:prstGeom prst="rect">
+            <a:avLst/>
+          </a:prstGeom>
+          <a:noFill/>
+          <a:ln>
+            <a:noFill/>
+          </a:ln>
+        </p:spPr>
+      </p:pic>
+      <p:sp>
+        <p:nvSpPr>
+          <p:cNvPr id="197" name="Google Shape;197;p21"/>
+          <p:cNvSpPr txBox="1"/>
+          <p:nvPr/>
+        </p:nvSpPr>
+        <p:spPr>
+          <a:xfrm>
+            <a:off x="586000" y="4118325"/>
+            <a:ext cx="2055000" cy="800400"/>
+          </a:xfrm>
+          <a:prstGeom prst="rect">
+            <a:avLst/>
+          </a:prstGeom>
+          <a:noFill/>
+          <a:ln>
+            <a:noFill/>
+          </a:ln>
+        </p:spPr>
+        <p:txBody>
+          <a:bodyPr anchorCtr="0" anchor="t" bIns="91425" lIns="91425" spcFirstLastPara="1" rIns="91425" wrap="square" tIns="91425">
+            <a:spAutoFit/>
+          </a:bodyPr>
+          <a:lstStyle/>
+          <a:p>
+            <a:pPr indent="0" lvl="0" marL="0" rtl="0" algn="ctr">
+              <a:spcBef>
+                <a:spcPts val="0"/>
+              </a:spcBef>
+              <a:spcAft>
+                <a:spcPts val="0"/>
+              </a:spcAft>
+              <a:buNone/>
+            </a:pPr>
+            <a:r>
+              <a:rPr lang="en" sz="1000">
+                <a:solidFill>
+                  <a:srgbClr val="FFFFFF"/>
+                </a:solidFill>
+                <a:latin typeface="Lato"/>
+                <a:ea typeface="Lato"/>
+                <a:cs typeface="Lato"/>
+                <a:sym typeface="Lato"/>
+              </a:rPr>
+              <a:t>Benign Tumors  vs  Malignant Tumors</a:t>
+            </a:r>
+            <a:endParaRPr sz="1000">
+              <a:solidFill>
+                <a:srgbClr val="FFFFFF"/>
+              </a:solidFill>
+              <a:latin typeface="Lato"/>
+              <a:ea typeface="Lato"/>
+              <a:cs typeface="Lato"/>
+              <a:sym typeface="Lato"/>
+            </a:endParaRPr>
+          </a:p>
+          <a:p>
+            <a:pPr indent="0" lvl="0" marL="0" rtl="0" algn="l">
+              <a:spcBef>
+                <a:spcPts val="0"/>
+              </a:spcBef>
+              <a:spcAft>
+                <a:spcPts val="0"/>
+              </a:spcAft>
+              <a:buNone/>
+            </a:pPr>
+            <a:r>
+              <a:t/>
+            </a:r>
+            <a:endParaRPr sz="1000">
+              <a:solidFill>
+                <a:srgbClr val="FFFFFF"/>
+              </a:solidFill>
+              <a:latin typeface="Lato"/>
+              <a:ea typeface="Lato"/>
+              <a:cs typeface="Lato"/>
+              <a:sym typeface="Lato"/>
+            </a:endParaRPr>
+          </a:p>
+          <a:p>
+            <a:pPr indent="0" lvl="0" marL="0" rtl="0" algn="l">
+              <a:spcBef>
+                <a:spcPts val="0"/>
+              </a:spcBef>
+              <a:spcAft>
+                <a:spcPts val="0"/>
+              </a:spcAft>
+              <a:buNone/>
+            </a:pPr>
+            <a:r>
+              <a:t/>
+            </a:r>
+            <a:endParaRPr sz="1000">
+              <a:solidFill>
+                <a:srgbClr val="FFFFFF"/>
+              </a:solidFill>
+              <a:latin typeface="Lato"/>
+              <a:ea typeface="Lato"/>
+              <a:cs typeface="Lato"/>
+              <a:sym typeface="Lato"/>
+            </a:endParaRPr>
+          </a:p>
+        </p:txBody>
+      </p:sp>
+      <p:sp>
+        <p:nvSpPr>
+          <p:cNvPr id="198" name="Google Shape;198;p21"/>
+          <p:cNvSpPr txBox="1"/>
+          <p:nvPr/>
+        </p:nvSpPr>
+        <p:spPr>
+          <a:xfrm>
+            <a:off x="3738875" y="1669300"/>
+            <a:ext cx="1973400" cy="492600"/>
+          </a:xfrm>
+          <a:prstGeom prst="rect">
+            <a:avLst/>
+          </a:prstGeom>
+          <a:noFill/>
+          <a:ln>
+            <a:noFill/>
+          </a:ln>
+        </p:spPr>
+        <p:txBody>
+          <a:bodyPr anchorCtr="0" anchor="t" bIns="91425" lIns="91425" spcFirstLastPara="1" rIns="91425" wrap="square" tIns="91425">
+            <a:spAutoFit/>
+          </a:bodyPr>
+          <a:lstStyle/>
+          <a:p>
+            <a:pPr indent="0" lvl="0" marL="0" rtl="0" algn="ctr">
+              <a:spcBef>
+                <a:spcPts val="0"/>
+              </a:spcBef>
+              <a:spcAft>
+                <a:spcPts val="0"/>
+              </a:spcAft>
+              <a:buNone/>
+            </a:pPr>
+            <a:r>
+              <a:rPr lang="en" sz="1000">
+                <a:solidFill>
+                  <a:srgbClr val="FFFFFF"/>
+                </a:solidFill>
+                <a:latin typeface="Lato"/>
+                <a:ea typeface="Lato"/>
+                <a:cs typeface="Lato"/>
+                <a:sym typeface="Lato"/>
+              </a:rPr>
+              <a:t>Perimeter Mean </a:t>
+            </a:r>
+            <a:r>
+              <a:rPr lang="en" sz="1000">
+                <a:solidFill>
+                  <a:srgbClr val="FFFFFF"/>
+                </a:solidFill>
+                <a:latin typeface="Lato"/>
+                <a:ea typeface="Lato"/>
+                <a:cs typeface="Lato"/>
+                <a:sym typeface="Lato"/>
+              </a:rPr>
+              <a:t>vs</a:t>
+            </a:r>
+            <a:r>
+              <a:rPr lang="en" sz="1000">
+                <a:solidFill>
+                  <a:srgbClr val="FFFFFF"/>
+                </a:solidFill>
+                <a:latin typeface="Lato"/>
+                <a:ea typeface="Lato"/>
+                <a:cs typeface="Lato"/>
+                <a:sym typeface="Lato"/>
+              </a:rPr>
+              <a:t> Radius Mean</a:t>
+            </a:r>
+            <a:endParaRPr sz="1000">
+              <a:solidFill>
+                <a:srgbClr val="FFFFFF"/>
+              </a:solidFill>
+              <a:latin typeface="Lato"/>
+              <a:ea typeface="Lato"/>
+              <a:cs typeface="Lato"/>
+              <a:sym typeface="Lato"/>
+            </a:endParaRPr>
+          </a:p>
+        </p:txBody>
+      </p:sp>
+      <p:sp>
+        <p:nvSpPr>
+          <p:cNvPr id="199" name="Google Shape;199;p21"/>
+          <p:cNvSpPr txBox="1"/>
+          <p:nvPr/>
+        </p:nvSpPr>
+        <p:spPr>
+          <a:xfrm>
+            <a:off x="6617550" y="4118325"/>
+            <a:ext cx="2012700" cy="354000"/>
+          </a:xfrm>
+          <a:prstGeom prst="rect">
+            <a:avLst/>
+          </a:prstGeom>
+          <a:noFill/>
+          <a:ln>
+            <a:noFill/>
+          </a:ln>
+        </p:spPr>
+        <p:txBody>
+          <a:bodyPr anchorCtr="0" anchor="t" bIns="91425" lIns="91425" spcFirstLastPara="1" rIns="91425" wrap="square" tIns="91425">
+            <a:spAutoFit/>
+          </a:bodyPr>
+          <a:lstStyle/>
+          <a:p>
+            <a:pPr indent="0" lvl="0" marL="0" rtl="0" algn="ctr">
+              <a:spcBef>
+                <a:spcPts val="0"/>
+              </a:spcBef>
+              <a:spcAft>
+                <a:spcPts val="0"/>
+              </a:spcAft>
+              <a:buNone/>
+            </a:pPr>
+            <a:r>
+              <a:rPr lang="en" sz="1100">
+                <a:solidFill>
+                  <a:srgbClr val="FFFFFF"/>
+                </a:solidFill>
+                <a:latin typeface="Lato"/>
+                <a:ea typeface="Lato"/>
+                <a:cs typeface="Lato"/>
+                <a:sym typeface="Lato"/>
+              </a:rPr>
+              <a:t>Radius Mean vs Radius Worst</a:t>
+            </a:r>
+            <a:endParaRPr sz="1100">
+              <a:solidFill>
+                <a:srgbClr val="FFFFFF"/>
+              </a:solidFill>
+              <a:latin typeface="Lato"/>
+              <a:ea typeface="Lato"/>
+              <a:cs typeface="Lato"/>
+              <a:sym typeface="Lato"/>
+            </a:endParaRPr>
+          </a:p>
+        </p:txBody>
+      </p:sp>
+    </p:spTree>
+  </p:cSld>
+  <p:clrMapOvr>
+    <a:masterClrMapping/>
+  </p:clrMapOvr>
+</p:sld>
+</file>
+
+<file path=ppt/slides/slide9.xml><?xml version="1.0" encoding="utf-8"?>
+<p:sld xmlns:a="http://schemas.openxmlformats.org/drawingml/2006/main" xmlns:r="http://schemas.openxmlformats.org/officeDocument/2006/relationships" xmlns:mc="http://schemas.openxmlformats.org/markup-compatibility/2006" xmlns:mv="urn:schemas-microsoft-com:mac:vml" xmlns:p="http://schemas.openxmlformats.org/presentationml/2006/main" xmlns:c="http://schemas.openxmlformats.org/drawingml/2006/chart" xmlns:dgm="http://schemas.openxmlformats.org/drawingml/2006/diagram" xmlns:o="urn:schemas-microsoft-com:office:office" xmlns:v="urn:schemas-microsoft-com:vml" xmlns:pvml="urn:schemas-microsoft-com:office:powerpoint" xmlns:com="http://schemas.openxmlformats.org/drawingml/2006/compatibility" xmlns:p14="http://schemas.microsoft.com/office/powerpoint/2010/main" xmlns:p15="http://schemas.microsoft.com/office/powerpoint/2012/main" xmlns:ahyp="http://schemas.microsoft.com/office/drawing/2018/hyperlinkcolor">
+  <p:cSld>
+    <p:spTree>
+      <p:nvGrpSpPr>
+        <p:cNvPr id="203" name="Shape 203"/>
+        <p:cNvGrpSpPr/>
+        <p:nvPr/>
+      </p:nvGrpSpPr>
+      <p:grpSpPr>
+        <a:xfrm>
+          <a:off x="0" y="0"/>
+          <a:ext cx="0" cy="0"/>
+          <a:chOff x="0" y="0"/>
+          <a:chExt cx="0" cy="0"/>
+        </a:xfrm>
+      </p:grpSpPr>
+      <p:sp>
+        <p:nvSpPr>
+          <p:cNvPr id="204" name="Google Shape;204;p22"/>
           <p:cNvSpPr txBox="1"/>
           <p:nvPr>
             <p:ph type="title"/>
@@ -15693,7 +17743,7 @@
       </p:sp>
       <p:sp>
         <p:nvSpPr>
-          <p:cNvPr id="194" name="Google Shape;194;p20"/>
+          <p:cNvPr id="205" name="Google Shape;205;p22"/>
           <p:cNvSpPr txBox="1"/>
           <p:nvPr>
             <p:ph idx="1" type="body"/>
@@ -15952,7 +18002,7 @@
       </p:sp>
       <p:pic>
         <p:nvPicPr>
-          <p:cNvPr id="195" name="Google Shape;195;p20"/>
+          <p:cNvPr id="206" name="Google Shape;206;p22"/>
           <p:cNvPicPr preferRelativeResize="0"/>
           <p:nvPr/>
         </p:nvPicPr>
@@ -15980,7 +18030,7 @@
       </p:pic>
       <p:sp>
         <p:nvSpPr>
-          <p:cNvPr id="196" name="Google Shape;196;p20"/>
+          <p:cNvPr id="207" name="Google Shape;207;p22"/>
           <p:cNvSpPr txBox="1"/>
           <p:nvPr/>
         </p:nvSpPr>
@@ -16038,7 +18088,7 @@
       </p:sp>
       <p:cxnSp>
         <p:nvCxnSpPr>
-          <p:cNvPr id="197" name="Google Shape;197;p20"/>
+          <p:cNvPr id="208" name="Google Shape;208;p22"/>
           <p:cNvCxnSpPr/>
           <p:nvPr/>
         </p:nvCxnSpPr>
@@ -16062,560 +18112,6 @@
           </a:ln>
         </p:spPr>
       </p:cxnSp>
-    </p:spTree>
-  </p:cSld>
-  <p:clrMapOvr>
-    <a:masterClrMapping/>
-  </p:clrMapOvr>
-</p:sld>
-</file>
-
-<file path=ppt/slides/slide9.xml><?xml version="1.0" encoding="utf-8"?>
-<p:sld xmlns:a="http://schemas.openxmlformats.org/drawingml/2006/main" xmlns:r="http://schemas.openxmlformats.org/officeDocument/2006/relationships" xmlns:mc="http://schemas.openxmlformats.org/markup-compatibility/2006" xmlns:mv="urn:schemas-microsoft-com:mac:vml" xmlns:p="http://schemas.openxmlformats.org/presentationml/2006/main" xmlns:c="http://schemas.openxmlformats.org/drawingml/2006/chart" xmlns:dgm="http://schemas.openxmlformats.org/drawingml/2006/diagram" xmlns:o="urn:schemas-microsoft-com:office:office" xmlns:v="urn:schemas-microsoft-com:vml" xmlns:pvml="urn:schemas-microsoft-com:office:powerpoint" xmlns:com="http://schemas.openxmlformats.org/drawingml/2006/compatibility" xmlns:p14="http://schemas.microsoft.com/office/powerpoint/2010/main" xmlns:p15="http://schemas.microsoft.com/office/powerpoint/2012/main" xmlns:ahyp="http://schemas.microsoft.com/office/drawing/2018/hyperlinkcolor">
-  <p:cSld>
-    <p:spTree>
-      <p:nvGrpSpPr>
-        <p:cNvPr id="201" name="Shape 201"/>
-        <p:cNvGrpSpPr/>
-        <p:nvPr/>
-      </p:nvGrpSpPr>
-      <p:grpSpPr>
-        <a:xfrm>
-          <a:off x="0" y="0"/>
-          <a:ext cx="0" cy="0"/>
-          <a:chOff x="0" y="0"/>
-          <a:chExt cx="0" cy="0"/>
-        </a:xfrm>
-      </p:grpSpPr>
-      <p:sp>
-        <p:nvSpPr>
-          <p:cNvPr id="202" name="Google Shape;202;p21"/>
-          <p:cNvSpPr txBox="1"/>
-          <p:nvPr>
-            <p:ph type="title"/>
-          </p:nvPr>
-        </p:nvSpPr>
-        <p:spPr>
-          <a:xfrm>
-            <a:off x="1297500" y="393750"/>
-            <a:ext cx="7038900" cy="914100"/>
-          </a:xfrm>
-          <a:prstGeom prst="rect">
-            <a:avLst/>
-          </a:prstGeom>
-        </p:spPr>
-        <p:txBody>
-          <a:bodyPr anchorCtr="0" anchor="t" bIns="91425" lIns="91425" spcFirstLastPara="1" rIns="91425" wrap="square" tIns="91425">
-            <a:normAutofit fontScale="90000"/>
-          </a:bodyPr>
-          <a:lstStyle/>
-          <a:p>
-            <a:pPr indent="0" lvl="0" marL="0" rtl="0" algn="l">
-              <a:spcBef>
-                <a:spcPts val="0"/>
-              </a:spcBef>
-              <a:spcAft>
-                <a:spcPts val="0"/>
-              </a:spcAft>
-              <a:buNone/>
-            </a:pPr>
-            <a:r>
-              <a:rPr lang="en"/>
-              <a:t>Exploratory of our Data</a:t>
-            </a:r>
-            <a:endParaRPr/>
-          </a:p>
-          <a:p>
-            <a:pPr indent="0" lvl="0" marL="0" rtl="0" algn="l">
-              <a:spcBef>
-                <a:spcPts val="0"/>
-              </a:spcBef>
-              <a:spcAft>
-                <a:spcPts val="0"/>
-              </a:spcAft>
-              <a:buNone/>
-            </a:pPr>
-            <a:r>
-              <a:t/>
-            </a:r>
-            <a:endParaRPr/>
-          </a:p>
-        </p:txBody>
-      </p:sp>
-      <p:sp>
-        <p:nvSpPr>
-          <p:cNvPr id="203" name="Google Shape;203;p21"/>
-          <p:cNvSpPr txBox="1"/>
-          <p:nvPr>
-            <p:ph idx="1" type="body"/>
-          </p:nvPr>
-        </p:nvSpPr>
-        <p:spPr>
-          <a:xfrm>
-            <a:off x="2924324" y="753450"/>
-            <a:ext cx="6244800" cy="2911200"/>
-          </a:xfrm>
-          <a:prstGeom prst="rect">
-            <a:avLst/>
-          </a:prstGeom>
-        </p:spPr>
-        <p:txBody>
-          <a:bodyPr anchorCtr="0" anchor="t" bIns="91425" lIns="91425" spcFirstLastPara="1" rIns="91425" wrap="square" tIns="91425">
-            <a:normAutofit/>
-          </a:bodyPr>
-          <a:lstStyle/>
-          <a:p>
-            <a:pPr indent="0" lvl="0" marL="0" rtl="0" algn="l">
-              <a:spcBef>
-                <a:spcPts val="0"/>
-              </a:spcBef>
-              <a:spcAft>
-                <a:spcPts val="0"/>
-              </a:spcAft>
-              <a:buNone/>
-            </a:pPr>
-            <a:r>
-              <a:rPr lang="en" sz="1100"/>
-              <a:t>The values we’ve measured have presented incredibly accurate results. Further evaluation of other features may need to performed to assess the sensitivity of the machine learning model. </a:t>
-            </a:r>
-            <a:endParaRPr sz="1100"/>
-          </a:p>
-          <a:p>
-            <a:pPr indent="0" lvl="0" marL="0" rtl="0" algn="l">
-              <a:spcBef>
-                <a:spcPts val="1200"/>
-              </a:spcBef>
-              <a:spcAft>
-                <a:spcPts val="1200"/>
-              </a:spcAft>
-              <a:buNone/>
-            </a:pPr>
-            <a:r>
-              <a:t/>
-            </a:r>
-            <a:endParaRPr/>
-          </a:p>
-        </p:txBody>
-      </p:sp>
-      <p:sp>
-        <p:nvSpPr>
-          <p:cNvPr id="204" name="Google Shape;204;p21"/>
-          <p:cNvSpPr txBox="1"/>
-          <p:nvPr/>
-        </p:nvSpPr>
-        <p:spPr>
-          <a:xfrm>
-            <a:off x="2959825" y="3708925"/>
-            <a:ext cx="5379600" cy="1293000"/>
-          </a:xfrm>
-          <a:prstGeom prst="rect">
-            <a:avLst/>
-          </a:prstGeom>
-          <a:noFill/>
-          <a:ln>
-            <a:noFill/>
-          </a:ln>
-        </p:spPr>
-        <p:txBody>
-          <a:bodyPr anchorCtr="0" anchor="t" bIns="91425" lIns="91425" spcFirstLastPara="1" rIns="91425" wrap="square" tIns="91425">
-            <a:spAutoFit/>
-          </a:bodyPr>
-          <a:lstStyle/>
-          <a:p>
-            <a:pPr indent="0" lvl="0" marL="0" rtl="0" algn="l">
-              <a:spcBef>
-                <a:spcPts val="0"/>
-              </a:spcBef>
-              <a:spcAft>
-                <a:spcPts val="0"/>
-              </a:spcAft>
-              <a:buNone/>
-            </a:pPr>
-            <a:r>
-              <a:rPr lang="en" sz="1200">
-                <a:solidFill>
-                  <a:srgbClr val="FFFFFF"/>
-                </a:solidFill>
-                <a:latin typeface="Lato"/>
-                <a:ea typeface="Lato"/>
-                <a:cs typeface="Lato"/>
-                <a:sym typeface="Lato"/>
-              </a:rPr>
-              <a:t>With the above results being so high in each field, our goal was to further test our model using some of the techniques covered during our machine learning module to assess the sensitivity, accuracy, and precision. </a:t>
-            </a:r>
-            <a:endParaRPr sz="1200">
-              <a:solidFill>
-                <a:srgbClr val="FFFFFF"/>
-              </a:solidFill>
-              <a:latin typeface="Lato"/>
-              <a:ea typeface="Lato"/>
-              <a:cs typeface="Lato"/>
-              <a:sym typeface="Lato"/>
-            </a:endParaRPr>
-          </a:p>
-          <a:p>
-            <a:pPr indent="0" lvl="0" marL="0" rtl="0" algn="l">
-              <a:spcBef>
-                <a:spcPts val="0"/>
-              </a:spcBef>
-              <a:spcAft>
-                <a:spcPts val="0"/>
-              </a:spcAft>
-              <a:buNone/>
-            </a:pPr>
-            <a:r>
-              <a:t/>
-            </a:r>
-            <a:endParaRPr sz="1200">
-              <a:solidFill>
-                <a:srgbClr val="FFFFFF"/>
-              </a:solidFill>
-              <a:latin typeface="Lato"/>
-              <a:ea typeface="Lato"/>
-              <a:cs typeface="Lato"/>
-              <a:sym typeface="Lato"/>
-            </a:endParaRPr>
-          </a:p>
-          <a:p>
-            <a:pPr indent="0" lvl="0" marL="0" rtl="0" algn="l">
-              <a:spcBef>
-                <a:spcPts val="0"/>
-              </a:spcBef>
-              <a:spcAft>
-                <a:spcPts val="0"/>
-              </a:spcAft>
-              <a:buNone/>
-            </a:pPr>
-            <a:r>
-              <a:rPr lang="en" sz="1200">
-                <a:solidFill>
-                  <a:srgbClr val="FFFFFF"/>
-                </a:solidFill>
-                <a:latin typeface="Lato"/>
-                <a:ea typeface="Lato"/>
-                <a:cs typeface="Lato"/>
-                <a:sym typeface="Lato"/>
-              </a:rPr>
-              <a:t>Also, the number of testing samples appears too small. We hope to address this by trying oversampling to see resilient our model is. </a:t>
-            </a:r>
-            <a:endParaRPr sz="1200">
-              <a:solidFill>
-                <a:srgbClr val="FFFFFF"/>
-              </a:solidFill>
-              <a:latin typeface="Lato"/>
-              <a:ea typeface="Lato"/>
-              <a:cs typeface="Lato"/>
-              <a:sym typeface="Lato"/>
-            </a:endParaRPr>
-          </a:p>
-        </p:txBody>
-      </p:sp>
-      <p:pic>
-        <p:nvPicPr>
-          <p:cNvPr id="205" name="Google Shape;205;p21"/>
-          <p:cNvPicPr preferRelativeResize="0"/>
-          <p:nvPr/>
-        </p:nvPicPr>
-        <p:blipFill rotWithShape="1">
-          <a:blip r:embed="rId3">
-            <a:alphaModFix amt="80000"/>
-          </a:blip>
-          <a:srcRect b="0" l="0" r="58682" t="0"/>
-          <a:stretch/>
-        </p:blipFill>
-        <p:spPr>
-          <a:xfrm>
-            <a:off x="35300" y="994825"/>
-            <a:ext cx="1347826" cy="1894175"/>
-          </a:xfrm>
-          <a:prstGeom prst="rect">
-            <a:avLst/>
-          </a:prstGeom>
-          <a:noFill/>
-          <a:ln>
-            <a:noFill/>
-          </a:ln>
-        </p:spPr>
-      </p:pic>
-      <p:pic>
-        <p:nvPicPr>
-          <p:cNvPr id="206" name="Google Shape;206;p21"/>
-          <p:cNvPicPr preferRelativeResize="0"/>
-          <p:nvPr/>
-        </p:nvPicPr>
-        <p:blipFill rotWithShape="1">
-          <a:blip r:embed="rId4">
-            <a:alphaModFix amt="80000"/>
-          </a:blip>
-          <a:srcRect b="0" l="4961" r="53313" t="0"/>
-          <a:stretch/>
-        </p:blipFill>
-        <p:spPr>
-          <a:xfrm>
-            <a:off x="1383125" y="918728"/>
-            <a:ext cx="1541199" cy="1970272"/>
-          </a:xfrm>
-          <a:prstGeom prst="rect">
-            <a:avLst/>
-          </a:prstGeom>
-          <a:noFill/>
-          <a:ln>
-            <a:noFill/>
-          </a:ln>
-        </p:spPr>
-      </p:pic>
-      <p:pic>
-        <p:nvPicPr>
-          <p:cNvPr id="207" name="Google Shape;207;p21"/>
-          <p:cNvPicPr preferRelativeResize="0"/>
-          <p:nvPr/>
-        </p:nvPicPr>
-        <p:blipFill rotWithShape="1">
-          <a:blip r:embed="rId5">
-            <a:alphaModFix amt="80000"/>
-          </a:blip>
-          <a:srcRect b="0" l="0" r="56913" t="0"/>
-          <a:stretch/>
-        </p:blipFill>
-        <p:spPr>
-          <a:xfrm>
-            <a:off x="35300" y="2855975"/>
-            <a:ext cx="1481674" cy="2091875"/>
-          </a:xfrm>
-          <a:prstGeom prst="rect">
-            <a:avLst/>
-          </a:prstGeom>
-          <a:noFill/>
-          <a:ln>
-            <a:noFill/>
-          </a:ln>
-        </p:spPr>
-      </p:pic>
-      <p:pic>
-        <p:nvPicPr>
-          <p:cNvPr id="208" name="Google Shape;208;p21"/>
-          <p:cNvPicPr preferRelativeResize="0"/>
-          <p:nvPr/>
-        </p:nvPicPr>
-        <p:blipFill rotWithShape="1">
-          <a:blip r:embed="rId6">
-            <a:alphaModFix amt="80000"/>
-          </a:blip>
-          <a:srcRect b="0" l="0" r="57663" t="0"/>
-          <a:stretch/>
-        </p:blipFill>
-        <p:spPr>
-          <a:xfrm>
-            <a:off x="1516975" y="2835925"/>
-            <a:ext cx="1347825" cy="2104781"/>
-          </a:xfrm>
-          <a:prstGeom prst="rect">
-            <a:avLst/>
-          </a:prstGeom>
-          <a:noFill/>
-          <a:ln>
-            <a:noFill/>
-          </a:ln>
-        </p:spPr>
-      </p:pic>
-      <p:pic>
-        <p:nvPicPr>
-          <p:cNvPr id="209" name="Google Shape;209;p21"/>
-          <p:cNvPicPr preferRelativeResize="0"/>
-          <p:nvPr/>
-        </p:nvPicPr>
-        <p:blipFill rotWithShape="1">
-          <a:blip r:embed="rId7">
-            <a:alphaModFix/>
-          </a:blip>
-          <a:srcRect b="49049" l="0" r="0" t="10167"/>
-          <a:stretch/>
-        </p:blipFill>
-        <p:spPr>
-          <a:xfrm>
-            <a:off x="2924325" y="1428875"/>
-            <a:ext cx="3200950" cy="1058325"/>
-          </a:xfrm>
-          <a:prstGeom prst="rect">
-            <a:avLst/>
-          </a:prstGeom>
-          <a:noFill/>
-          <a:ln>
-            <a:noFill/>
-          </a:ln>
-        </p:spPr>
-      </p:pic>
-      <p:pic>
-        <p:nvPicPr>
-          <p:cNvPr id="210" name="Google Shape;210;p21"/>
-          <p:cNvPicPr preferRelativeResize="0"/>
-          <p:nvPr/>
-        </p:nvPicPr>
-        <p:blipFill rotWithShape="1">
-          <a:blip r:embed="rId7">
-            <a:alphaModFix/>
-          </a:blip>
-          <a:srcRect b="0" l="0" r="0" t="86405"/>
-          <a:stretch/>
-        </p:blipFill>
-        <p:spPr>
-          <a:xfrm>
-            <a:off x="2927875" y="2771425"/>
-            <a:ext cx="3193850" cy="352775"/>
-          </a:xfrm>
-          <a:prstGeom prst="rect">
-            <a:avLst/>
-          </a:prstGeom>
-          <a:noFill/>
-          <a:ln>
-            <a:noFill/>
-          </a:ln>
-        </p:spPr>
-      </p:pic>
-      <p:pic>
-        <p:nvPicPr>
-          <p:cNvPr id="211" name="Google Shape;211;p21"/>
-          <p:cNvPicPr preferRelativeResize="0"/>
-          <p:nvPr/>
-        </p:nvPicPr>
-        <p:blipFill>
-          <a:blip r:embed="rId8">
-            <a:alphaModFix/>
-          </a:blip>
-          <a:stretch>
-            <a:fillRect/>
-          </a:stretch>
-        </p:blipFill>
-        <p:spPr>
-          <a:xfrm>
-            <a:off x="4345750" y="2588100"/>
-            <a:ext cx="1988475" cy="1120825"/>
-          </a:xfrm>
-          <a:prstGeom prst="rect">
-            <a:avLst/>
-          </a:prstGeom>
-          <a:noFill/>
-          <a:ln>
-            <a:noFill/>
-          </a:ln>
-        </p:spPr>
-      </p:pic>
-      <p:sp>
-        <p:nvSpPr>
-          <p:cNvPr id="212" name="Google Shape;212;p21"/>
-          <p:cNvSpPr txBox="1"/>
-          <p:nvPr/>
-        </p:nvSpPr>
-        <p:spPr>
-          <a:xfrm>
-            <a:off x="2959825" y="1141375"/>
-            <a:ext cx="2769300" cy="338700"/>
-          </a:xfrm>
-          <a:prstGeom prst="rect">
-            <a:avLst/>
-          </a:prstGeom>
-          <a:noFill/>
-          <a:ln>
-            <a:noFill/>
-          </a:ln>
-        </p:spPr>
-        <p:txBody>
-          <a:bodyPr anchorCtr="0" anchor="t" bIns="91425" lIns="91425" spcFirstLastPara="1" rIns="91425" wrap="square" tIns="91425">
-            <a:spAutoFit/>
-          </a:bodyPr>
-          <a:lstStyle/>
-          <a:p>
-            <a:pPr indent="0" lvl="0" marL="0" rtl="0" algn="l">
-              <a:spcBef>
-                <a:spcPts val="0"/>
-              </a:spcBef>
-              <a:spcAft>
-                <a:spcPts val="0"/>
-              </a:spcAft>
-              <a:buNone/>
-            </a:pPr>
-            <a:r>
-              <a:rPr lang="en" sz="1000" u="sng">
-                <a:solidFill>
-                  <a:srgbClr val="FFFFFF"/>
-                </a:solidFill>
-                <a:latin typeface="Lato"/>
-                <a:ea typeface="Lato"/>
-                <a:cs typeface="Lato"/>
-                <a:sym typeface="Lato"/>
-              </a:rPr>
-              <a:t>Classification Report</a:t>
-            </a:r>
-            <a:endParaRPr sz="1000" u="sng">
-              <a:solidFill>
-                <a:srgbClr val="FFFFFF"/>
-              </a:solidFill>
-              <a:latin typeface="Lato"/>
-              <a:ea typeface="Lato"/>
-              <a:cs typeface="Lato"/>
-              <a:sym typeface="Lato"/>
-            </a:endParaRPr>
-          </a:p>
-        </p:txBody>
-      </p:sp>
-      <p:sp>
-        <p:nvSpPr>
-          <p:cNvPr id="213" name="Google Shape;213;p21"/>
-          <p:cNvSpPr txBox="1"/>
-          <p:nvPr/>
-        </p:nvSpPr>
-        <p:spPr>
-          <a:xfrm>
-            <a:off x="2959825" y="2483675"/>
-            <a:ext cx="3090300" cy="338700"/>
-          </a:xfrm>
-          <a:prstGeom prst="rect">
-            <a:avLst/>
-          </a:prstGeom>
-          <a:noFill/>
-          <a:ln>
-            <a:noFill/>
-          </a:ln>
-        </p:spPr>
-        <p:txBody>
-          <a:bodyPr anchorCtr="0" anchor="t" bIns="91425" lIns="91425" spcFirstLastPara="1" rIns="91425" wrap="square" tIns="91425">
-            <a:spAutoFit/>
-          </a:bodyPr>
-          <a:lstStyle/>
-          <a:p>
-            <a:pPr indent="0" lvl="0" marL="0" rtl="0" algn="l">
-              <a:spcBef>
-                <a:spcPts val="0"/>
-              </a:spcBef>
-              <a:spcAft>
-                <a:spcPts val="0"/>
-              </a:spcAft>
-              <a:buNone/>
-            </a:pPr>
-            <a:r>
-              <a:rPr lang="en" sz="1000" u="sng">
-                <a:solidFill>
-                  <a:srgbClr val="F8F8F8"/>
-                </a:solidFill>
-                <a:latin typeface="Lato"/>
-                <a:ea typeface="Lato"/>
-                <a:cs typeface="Lato"/>
-                <a:sym typeface="Lato"/>
-              </a:rPr>
-              <a:t>Confusion Matrix</a:t>
-            </a:r>
-            <a:endParaRPr sz="1000" u="sng">
-              <a:solidFill>
-                <a:srgbClr val="F8F8F8"/>
-              </a:solidFill>
-              <a:latin typeface="Lato"/>
-              <a:ea typeface="Lato"/>
-              <a:cs typeface="Lato"/>
-              <a:sym typeface="Lato"/>
-            </a:endParaRPr>
-          </a:p>
-        </p:txBody>
-      </p:sp>
     </p:spTree>
   </p:cSld>
   <p:clrMapOvr>

--- a/Predicting the Presence of Cancer in Breast Cancer Cells.pptx
+++ b/Predicting the Presence of Cancer in Breast Cancer Cells.pptx
@@ -26,30 +26,31 @@
     <p:sldId id="271" r:id="rId21"/>
     <p:sldId id="272" r:id="rId22"/>
     <p:sldId id="273" r:id="rId23"/>
+    <p:sldId id="274" r:id="rId24"/>
   </p:sldIdLst>
   <p:sldSz cy="5143500" cx="9144000"/>
   <p:notesSz cx="6858000" cy="9144000"/>
   <p:embeddedFontLst>
     <p:embeddedFont>
       <p:font typeface="Roboto"/>
-      <p:regular r:id="rId24"/>
-      <p:bold r:id="rId25"/>
-      <p:italic r:id="rId26"/>
-      <p:boldItalic r:id="rId27"/>
+      <p:regular r:id="rId25"/>
+      <p:bold r:id="rId26"/>
+      <p:italic r:id="rId27"/>
+      <p:boldItalic r:id="rId28"/>
     </p:embeddedFont>
     <p:embeddedFont>
       <p:font typeface="Montserrat"/>
-      <p:regular r:id="rId28"/>
-      <p:bold r:id="rId29"/>
-      <p:italic r:id="rId30"/>
-      <p:boldItalic r:id="rId31"/>
+      <p:regular r:id="rId29"/>
+      <p:bold r:id="rId30"/>
+      <p:italic r:id="rId31"/>
+      <p:boldItalic r:id="rId32"/>
     </p:embeddedFont>
     <p:embeddedFont>
       <p:font typeface="Lato"/>
-      <p:regular r:id="rId32"/>
-      <p:bold r:id="rId33"/>
-      <p:italic r:id="rId34"/>
-      <p:boldItalic r:id="rId35"/>
+      <p:regular r:id="rId33"/>
+      <p:bold r:id="rId34"/>
+      <p:italic r:id="rId35"/>
+      <p:boldItalic r:id="rId36"/>
     </p:embeddedFont>
   </p:embeddedFontLst>
   <p:defaultTextStyle>
@@ -1301,7 +1302,7 @@
       </p:grpSpPr>
       <p:sp>
         <p:nvSpPr>
-          <p:cNvPr id="238" name="Google Shape;238;g12d9ec015e5_0_5:notes"/>
+          <p:cNvPr id="238" name="Google Shape;238;g1301070110c_0_14:notes"/>
           <p:cNvSpPr/>
           <p:nvPr>
             <p:ph idx="2" type="sldImg"/>
@@ -1336,7 +1337,7 @@
       </p:sp>
       <p:sp>
         <p:nvSpPr>
-          <p:cNvPr id="239" name="Google Shape;239;g12d9ec015e5_0_5:notes"/>
+          <p:cNvPr id="239" name="Google Shape;239;g1301070110c_0_14:notes"/>
           <p:cNvSpPr txBox="1"/>
           <p:nvPr>
             <p:ph idx="1" type="body"/>
@@ -1367,168 +1368,7 @@
               <a:buNone/>
             </a:pPr>
             <a:r>
-              <a:rPr lang="en"/>
-              <a:t>David</a:t>
-            </a:r>
-            <a:endParaRPr/>
-          </a:p>
-          <a:p>
-            <a:pPr indent="0" lvl="0" marL="0" rtl="0" algn="l">
-              <a:spcBef>
-                <a:spcPts val="0"/>
-              </a:spcBef>
-              <a:spcAft>
-                <a:spcPts val="0"/>
-              </a:spcAft>
-              <a:buNone/>
-            </a:pPr>
-            <a:r>
               <a:t/>
-            </a:r>
-            <a:endParaRPr/>
-          </a:p>
-          <a:p>
-            <a:pPr indent="0" lvl="0" marL="0" rtl="0" algn="l">
-              <a:spcBef>
-                <a:spcPts val="0"/>
-              </a:spcBef>
-              <a:spcAft>
-                <a:spcPts val="0"/>
-              </a:spcAft>
-              <a:buNone/>
-            </a:pPr>
-            <a:r>
-              <a:rPr lang="en"/>
-              <a:t>On our first run of our Machine learning models, we did not know what to expect nor did we anticipate the accuracy score to be so high. In part, we needed to understand the science and process of the procedure in order to understand our data better. Our second exploratory analysis revealed some obvious patterns that we missed on our first attempt. </a:t>
-            </a:r>
-            <a:endParaRPr/>
-          </a:p>
-          <a:p>
-            <a:pPr indent="0" lvl="0" marL="0" rtl="0" algn="l">
-              <a:spcBef>
-                <a:spcPts val="0"/>
-              </a:spcBef>
-              <a:spcAft>
-                <a:spcPts val="0"/>
-              </a:spcAft>
-              <a:buNone/>
-            </a:pPr>
-            <a:r>
-              <a:rPr lang="en"/>
-              <a:t>The 2D figure on the Left shows how the features of Concavity_worst and Compactness_worst are correlated to one another, however, in our heatmap these two feature rarely interact with other features compared to our cell size features.</a:t>
-            </a:r>
-            <a:endParaRPr/>
-          </a:p>
-          <a:p>
-            <a:pPr indent="0" lvl="0" marL="0" rtl="0" algn="l">
-              <a:spcBef>
-                <a:spcPts val="0"/>
-              </a:spcBef>
-              <a:spcAft>
-                <a:spcPts val="0"/>
-              </a:spcAft>
-              <a:buNone/>
-            </a:pPr>
-            <a:r>
-              <a:rPr lang="en"/>
-              <a:t>The 3D figure to the Right shows the same results but the Area_mean was added. Here we see the role that cell size plays in detecting benign tumors from malignant.</a:t>
-            </a:r>
-            <a:endParaRPr/>
-          </a:p>
-          <a:p>
-            <a:pPr indent="0" lvl="0" marL="0" rtl="0" algn="l">
-              <a:lnSpc>
-                <a:spcPct val="95000"/>
-              </a:lnSpc>
-              <a:spcBef>
-                <a:spcPts val="0"/>
-              </a:spcBef>
-              <a:spcAft>
-                <a:spcPts val="0"/>
-              </a:spcAft>
-              <a:buNone/>
-            </a:pPr>
-            <a:r>
-              <a:rPr lang="en" sz="1000">
-                <a:solidFill>
-                  <a:schemeClr val="dk1"/>
-                </a:solidFill>
-                <a:latin typeface="Lato"/>
-                <a:ea typeface="Lato"/>
-                <a:cs typeface="Lato"/>
-                <a:sym typeface="Lato"/>
-              </a:rPr>
-              <a:t>X = Area_mean</a:t>
-            </a:r>
-            <a:endParaRPr sz="1000">
-              <a:solidFill>
-                <a:schemeClr val="dk1"/>
-              </a:solidFill>
-              <a:latin typeface="Lato"/>
-              <a:ea typeface="Lato"/>
-              <a:cs typeface="Lato"/>
-              <a:sym typeface="Lato"/>
-            </a:endParaRPr>
-          </a:p>
-          <a:p>
-            <a:pPr indent="0" lvl="0" marL="0" rtl="0" algn="l">
-              <a:lnSpc>
-                <a:spcPct val="95000"/>
-              </a:lnSpc>
-              <a:spcBef>
-                <a:spcPts val="0"/>
-              </a:spcBef>
-              <a:spcAft>
-                <a:spcPts val="0"/>
-              </a:spcAft>
-              <a:buNone/>
-            </a:pPr>
-            <a:r>
-              <a:rPr lang="en" sz="1000">
-                <a:solidFill>
-                  <a:schemeClr val="dk1"/>
-                </a:solidFill>
-                <a:latin typeface="Lato"/>
-                <a:ea typeface="Lato"/>
-                <a:cs typeface="Lato"/>
-                <a:sym typeface="Lato"/>
-              </a:rPr>
-              <a:t>Y = Concavity_worst</a:t>
-            </a:r>
-            <a:endParaRPr sz="1000">
-              <a:solidFill>
-                <a:schemeClr val="dk1"/>
-              </a:solidFill>
-              <a:latin typeface="Lato"/>
-              <a:ea typeface="Lato"/>
-              <a:cs typeface="Lato"/>
-              <a:sym typeface="Lato"/>
-            </a:endParaRPr>
-          </a:p>
-          <a:p>
-            <a:pPr indent="0" lvl="0" marL="0" rtl="0" algn="l">
-              <a:lnSpc>
-                <a:spcPct val="95000"/>
-              </a:lnSpc>
-              <a:spcBef>
-                <a:spcPts val="0"/>
-              </a:spcBef>
-              <a:spcAft>
-                <a:spcPts val="0"/>
-              </a:spcAft>
-              <a:buNone/>
-            </a:pPr>
-            <a:r>
-              <a:rPr lang="en" sz="1000">
-                <a:solidFill>
-                  <a:schemeClr val="dk1"/>
-                </a:solidFill>
-                <a:latin typeface="Lato"/>
-                <a:ea typeface="Lato"/>
-                <a:cs typeface="Lato"/>
-                <a:sym typeface="Lato"/>
-              </a:rPr>
-              <a:t>Z= Compactness_worst</a:t>
             </a:r>
             <a:endParaRPr>
               <a:solidFill>
@@ -1547,14 +1387,138 @@
               <a:buNone/>
             </a:pPr>
             <a:r>
-              <a:rPr lang="en"/>
-              <a:t>Naturally,</a:t>
-            </a:r>
-            <a:r>
-              <a:rPr lang="en"/>
-              <a:t> we understand that as a cell mutates, or proteins denature and cause a cascade of unusual cell behavior, the growth of the cell becomes unstable. </a:t>
-            </a:r>
-            <a:endParaRPr/>
+              <a:rPr lang="en">
+                <a:solidFill>
+                  <a:schemeClr val="dk1"/>
+                </a:solidFill>
+              </a:rPr>
+              <a:t>David</a:t>
+            </a:r>
+            <a:endParaRPr>
+              <a:solidFill>
+                <a:schemeClr val="dk1"/>
+              </a:solidFill>
+            </a:endParaRPr>
+          </a:p>
+          <a:p>
+            <a:pPr indent="-298450" lvl="0" marL="457200" rtl="0" algn="l">
+              <a:spcBef>
+                <a:spcPts val="0"/>
+              </a:spcBef>
+              <a:spcAft>
+                <a:spcPts val="0"/>
+              </a:spcAft>
+              <a:buClr>
+                <a:schemeClr val="dk1"/>
+              </a:buClr>
+              <a:buSzPts val="1100"/>
+              <a:buChar char="●"/>
+            </a:pPr>
+            <a:r>
+              <a:rPr lang="en">
+                <a:solidFill>
+                  <a:schemeClr val="dk1"/>
+                </a:solidFill>
+              </a:rPr>
+              <a:t>I’ll be discussing our teams secondary exploratory analysis we performed along with the results of our second ML run through. </a:t>
+            </a:r>
+            <a:endParaRPr>
+              <a:solidFill>
+                <a:schemeClr val="dk1"/>
+              </a:solidFill>
+            </a:endParaRPr>
+          </a:p>
+          <a:p>
+            <a:pPr indent="-298450" lvl="0" marL="457200" rtl="0" algn="l">
+              <a:spcBef>
+                <a:spcPts val="0"/>
+              </a:spcBef>
+              <a:spcAft>
+                <a:spcPts val="0"/>
+              </a:spcAft>
+              <a:buClr>
+                <a:schemeClr val="dk1"/>
+              </a:buClr>
+              <a:buSzPts val="1100"/>
+              <a:buChar char="●"/>
+            </a:pPr>
+            <a:r>
+              <a:rPr lang="en">
+                <a:solidFill>
+                  <a:schemeClr val="dk1"/>
+                </a:solidFill>
+              </a:rPr>
+              <a:t>So f</a:t>
+            </a:r>
+            <a:r>
+              <a:rPr lang="en">
+                <a:solidFill>
+                  <a:schemeClr val="dk1"/>
+                </a:solidFill>
+              </a:rPr>
+              <a:t>irst, our initial Machine learning models did performed a lot better than we expected. We did not anticipate such a high accuracy score.</a:t>
+            </a:r>
+            <a:endParaRPr>
+              <a:solidFill>
+                <a:schemeClr val="dk1"/>
+              </a:solidFill>
+            </a:endParaRPr>
+          </a:p>
+          <a:p>
+            <a:pPr indent="-298450" lvl="0" marL="457200" rtl="0" algn="l">
+              <a:spcBef>
+                <a:spcPts val="0"/>
+              </a:spcBef>
+              <a:spcAft>
+                <a:spcPts val="0"/>
+              </a:spcAft>
+              <a:buClr>
+                <a:schemeClr val="dk1"/>
+              </a:buClr>
+              <a:buSzPts val="1100"/>
+              <a:buChar char="●"/>
+            </a:pPr>
+            <a:r>
+              <a:rPr lang="en">
+                <a:solidFill>
+                  <a:schemeClr val="dk1"/>
+                </a:solidFill>
+              </a:rPr>
+              <a:t>Reviewing our data, we began to address some patterns like the cell size features, which would have a strong correlation to one-another; i.e., Area can be derived from the perimeter, and the Radius can be derived from the Area of the cell. </a:t>
+            </a:r>
+            <a:endParaRPr>
+              <a:solidFill>
+                <a:schemeClr val="dk1"/>
+              </a:solidFill>
+            </a:endParaRPr>
+          </a:p>
+          <a:p>
+            <a:pPr indent="-298450" lvl="1" marL="914400" rtl="0" algn="l">
+              <a:spcBef>
+                <a:spcPts val="0"/>
+              </a:spcBef>
+              <a:spcAft>
+                <a:spcPts val="0"/>
+              </a:spcAft>
+              <a:buClr>
+                <a:schemeClr val="dk1"/>
+              </a:buClr>
+              <a:buSzPts val="1100"/>
+              <a:buChar char="○"/>
+            </a:pPr>
+            <a:r>
+              <a:rPr lang="en">
+                <a:solidFill>
+                  <a:schemeClr val="dk1"/>
+                </a:solidFill>
+              </a:rPr>
+              <a:t>Reference Slide ‘8’ where we had the two visualizations in the center and the right: they were created from those features.</a:t>
+            </a:r>
+            <a:endParaRPr>
+              <a:solidFill>
+                <a:schemeClr val="dk1"/>
+              </a:solidFill>
+            </a:endParaRPr>
           </a:p>
           <a:p>
             <a:pPr indent="0" lvl="0" marL="0" rtl="0" algn="l">
@@ -1567,10 +1531,66 @@
               <a:buNone/>
             </a:pPr>
             <a:r>
-              <a:rPr lang="en"/>
-              <a:t>Therefore, the size of a cell is a strong predictor for whether that tumor cell is malignant or benign. </a:t>
-            </a:r>
-            <a:endParaRPr/>
+              <a:rPr lang="en">
+                <a:solidFill>
+                  <a:schemeClr val="dk1"/>
+                </a:solidFill>
+              </a:rPr>
+              <a:t>Discuss Visualizations: </a:t>
+            </a:r>
+            <a:endParaRPr>
+              <a:solidFill>
+                <a:schemeClr val="dk1"/>
+              </a:solidFill>
+            </a:endParaRPr>
+          </a:p>
+          <a:p>
+            <a:pPr indent="0" lvl="0" marL="0" rtl="0" algn="l">
+              <a:spcBef>
+                <a:spcPts val="0"/>
+              </a:spcBef>
+              <a:spcAft>
+                <a:spcPts val="0"/>
+              </a:spcAft>
+              <a:buNone/>
+            </a:pPr>
+            <a:r>
+              <a:rPr lang="en">
+                <a:solidFill>
+                  <a:schemeClr val="dk1"/>
+                </a:solidFill>
+              </a:rPr>
+              <a:t>No-correlations or visible regression lines: Concave points vs Fractional dimension worst  and Texture mean vs Smoothness worst</a:t>
+            </a:r>
+            <a:endParaRPr>
+              <a:solidFill>
+                <a:schemeClr val="dk1"/>
+              </a:solidFill>
+            </a:endParaRPr>
+          </a:p>
+          <a:p>
+            <a:pPr indent="0" lvl="0" marL="0" rtl="0" algn="l">
+              <a:spcBef>
+                <a:spcPts val="0"/>
+              </a:spcBef>
+              <a:spcAft>
+                <a:spcPts val="0"/>
+              </a:spcAft>
+              <a:buNone/>
+            </a:pPr>
+            <a:r>
+              <a:rPr lang="en">
+                <a:solidFill>
+                  <a:schemeClr val="dk1"/>
+                </a:solidFill>
+              </a:rPr>
+              <a:t>Possible regression line but unknown pattern: Smoothness mean vs concave points worst</a:t>
+            </a:r>
+            <a:endParaRPr>
+              <a:solidFill>
+                <a:schemeClr val="dk1"/>
+              </a:solidFill>
+            </a:endParaRPr>
           </a:p>
         </p:txBody>
       </p:sp>
@@ -1601,7 +1621,7 @@
       </p:grpSpPr>
       <p:sp>
         <p:nvSpPr>
-          <p:cNvPr id="247" name="Google Shape;247;g1301070110c_0_2:notes"/>
+          <p:cNvPr id="247" name="Google Shape;247;g12d9ec015e5_0_5:notes"/>
           <p:cNvSpPr/>
           <p:nvPr>
             <p:ph idx="2" type="sldImg"/>
@@ -1636,7 +1656,7 @@
       </p:sp>
       <p:sp>
         <p:nvSpPr>
-          <p:cNvPr id="248" name="Google Shape;248;g1301070110c_0_2:notes"/>
+          <p:cNvPr id="248" name="Google Shape;248;g12d9ec015e5_0_5:notes"/>
           <p:cNvSpPr txBox="1"/>
           <p:nvPr>
             <p:ph idx="1" type="body"/>
@@ -1683,7 +1703,8 @@
               <a:buNone/>
             </a:pPr>
             <a:r>
-              <a:t/>
+              <a:rPr lang="en"/>
+              <a:t>Does Size really matter? </a:t>
             </a:r>
             <a:endParaRPr/>
           </a:p>
@@ -1699,55 +1720,76 @@
             </a:pPr>
             <a:r>
               <a:rPr lang="en"/>
-              <a:t>Here is another clear example of how the cell size measurement helps classify between malignant and benign tumor cells. </a:t>
+              <a:t>This is what our team began to ask as we began to look over our results.</a:t>
             </a:r>
             <a:endParaRPr/>
           </a:p>
           <a:p>
-            <a:pPr indent="0" lvl="0" marL="0" rtl="0" algn="l">
-              <a:spcBef>
-                <a:spcPts val="0"/>
-              </a:spcBef>
-              <a:spcAft>
-                <a:spcPts val="0"/>
-              </a:spcAft>
-              <a:buNone/>
+            <a:pPr indent="-298450" lvl="0" marL="457200" rtl="0" algn="l">
+              <a:spcBef>
+                <a:spcPts val="0"/>
+              </a:spcBef>
+              <a:spcAft>
+                <a:spcPts val="0"/>
+              </a:spcAft>
+              <a:buSzPts val="1100"/>
+              <a:buChar char="●"/>
             </a:pPr>
             <a:r>
               <a:rPr lang="en"/>
-              <a:t>Only, this time the 3D visual aid helps us make the distinction much more clearly than the 2D figure. </a:t>
+              <a:t>When cells mutates, or proteins denature, the growth of the cell becomes unstable. </a:t>
             </a:r>
             <a:endParaRPr/>
           </a:p>
           <a:p>
-            <a:pPr indent="0" lvl="0" marL="0" rtl="0" algn="l">
-              <a:spcBef>
-                <a:spcPts val="0"/>
-              </a:spcBef>
-              <a:spcAft>
-                <a:spcPts val="0"/>
-              </a:spcAft>
-              <a:buNone/>
-            </a:pPr>
-            <a:r>
-              <a:t/>
+            <a:pPr indent="-298450" lvl="1" marL="914400" rtl="0" algn="l">
+              <a:spcBef>
+                <a:spcPts val="0"/>
+              </a:spcBef>
+              <a:spcAft>
+                <a:spcPts val="0"/>
+              </a:spcAft>
+              <a:buSzPts val="1100"/>
+              <a:buChar char="○"/>
+            </a:pPr>
+            <a:r>
+              <a:rPr lang="en"/>
+              <a:t>Thus, the size of a cell is a strong predictor for malignancy.</a:t>
             </a:r>
             <a:endParaRPr/>
           </a:p>
           <a:p>
-            <a:pPr indent="0" lvl="0" marL="0" rtl="0" algn="l">
-              <a:spcBef>
-                <a:spcPts val="0"/>
-              </a:spcBef>
-              <a:spcAft>
-                <a:spcPts val="0"/>
-              </a:spcAft>
-              <a:buNone/>
-            </a:pPr>
-            <a:r>
-              <a:t/>
-            </a:r>
-            <a:endParaRPr/>
+            <a:pPr indent="-298450" lvl="0" marL="457200" rtl="0" algn="l">
+              <a:spcBef>
+                <a:spcPts val="0"/>
+              </a:spcBef>
+              <a:spcAft>
+                <a:spcPts val="0"/>
+              </a:spcAft>
+              <a:buSzPts val="1100"/>
+              <a:buChar char="●"/>
+            </a:pPr>
+            <a:r>
+              <a:rPr lang="en">
+                <a:solidFill>
+                  <a:schemeClr val="dk1"/>
+                </a:solidFill>
+              </a:rPr>
+              <a:t>The s</a:t>
+            </a:r>
+            <a:r>
+              <a:rPr lang="en">
+                <a:solidFill>
+                  <a:schemeClr val="dk1"/>
+                </a:solidFill>
+              </a:rPr>
+              <a:t>econd exploratory analysis focused on 3D visualizations that compared non-size related features and compared them to one size feature to compare to a 2D model. </a:t>
+            </a:r>
+            <a:endParaRPr>
+              <a:solidFill>
+                <a:schemeClr val="dk1"/>
+              </a:solidFill>
+            </a:endParaRPr>
           </a:p>
         </p:txBody>
       </p:sp>
@@ -1764,7 +1806,7 @@
   <p:cSld>
     <p:spTree>
       <p:nvGrpSpPr>
-        <p:cNvPr id="254" name="Shape 254"/>
+        <p:cNvPr id="259" name="Shape 259"/>
         <p:cNvGrpSpPr/>
         <p:nvPr/>
       </p:nvGrpSpPr>
@@ -1778,7 +1820,7 @@
       </p:grpSpPr>
       <p:sp>
         <p:nvSpPr>
-          <p:cNvPr id="255" name="Google Shape;255;g12d9ec015e5_0_10:notes"/>
+          <p:cNvPr id="260" name="Google Shape;260;g1301070110c_0_2:notes"/>
           <p:cNvSpPr/>
           <p:nvPr>
             <p:ph idx="2" type="sldImg"/>
@@ -1813,7 +1855,7 @@
       </p:sp>
       <p:sp>
         <p:nvSpPr>
-          <p:cNvPr id="256" name="Google Shape;256;g12d9ec015e5_0_10:notes"/>
+          <p:cNvPr id="261" name="Google Shape;261;g1301070110c_0_2:notes"/>
           <p:cNvSpPr txBox="1"/>
           <p:nvPr>
             <p:ph idx="1" type="body"/>
@@ -1841,26 +1883,13 @@
               <a:spcAft>
                 <a:spcPts val="0"/>
               </a:spcAft>
-              <a:buClr>
-                <a:schemeClr val="dk1"/>
-              </a:buClr>
-              <a:buSzPts val="1100"/>
-              <a:buFont typeface="Arial"/>
-              <a:buNone/>
-            </a:pPr>
-            <a:r>
-              <a:rPr lang="en">
-                <a:solidFill>
-                  <a:schemeClr val="dk1"/>
-                </a:solidFill>
-              </a:rPr>
+              <a:buNone/>
+            </a:pPr>
+            <a:r>
+              <a:rPr lang="en"/>
               <a:t>David</a:t>
             </a:r>
-            <a:endParaRPr>
-              <a:solidFill>
-                <a:schemeClr val="dk1"/>
-              </a:solidFill>
-            </a:endParaRPr>
+            <a:endParaRPr/>
           </a:p>
           <a:p>
             <a:pPr indent="0" lvl="0" marL="0" rtl="0" algn="l">
@@ -1870,21 +1899,12 @@
               <a:spcAft>
                 <a:spcPts val="0"/>
               </a:spcAft>
-              <a:buClr>
-                <a:schemeClr val="dk1"/>
-              </a:buClr>
-              <a:buSzPts val="1100"/>
-              <a:buFont typeface="Arial"/>
               <a:buNone/>
             </a:pPr>
             <a:r>
               <a:t/>
             </a:r>
-            <a:endParaRPr>
-              <a:solidFill>
-                <a:schemeClr val="dk1"/>
-              </a:solidFill>
-            </a:endParaRPr>
+            <a:endParaRPr/>
           </a:p>
           <a:p>
             <a:pPr indent="0" lvl="0" marL="0" rtl="0" algn="l">
@@ -1894,26 +1914,13 @@
               <a:spcAft>
                 <a:spcPts val="0"/>
               </a:spcAft>
-              <a:buClr>
-                <a:schemeClr val="dk1"/>
-              </a:buClr>
-              <a:buSzPts val="1100"/>
-              <a:buFont typeface="Arial"/>
-              <a:buNone/>
-            </a:pPr>
-            <a:r>
-              <a:rPr lang="en">
-                <a:solidFill>
-                  <a:schemeClr val="dk1"/>
-                </a:solidFill>
-              </a:rPr>
-              <a:t>After running the new regression, we achieved an accuracy score of 93% which is only 4 points less than the previous regression. This indicated to us that size was not as important as a factor in predicting whether the patient has a malignant or benign tumor. </a:t>
-            </a:r>
-            <a:endParaRPr>
-              <a:solidFill>
-                <a:schemeClr val="dk1"/>
-              </a:solidFill>
-            </a:endParaRPr>
+              <a:buNone/>
+            </a:pPr>
+            <a:r>
+              <a:rPr lang="en"/>
+              <a:t>3D visual vs 2D; here the clusters are less defined and therefore the perimeter_mean feature helps provide guidance between malignant tumors and benign.</a:t>
+            </a:r>
+            <a:endParaRPr/>
           </a:p>
           <a:p>
             <a:pPr indent="0" lvl="0" marL="0" rtl="0" algn="l">
@@ -1923,26 +1930,12 @@
               <a:spcAft>
                 <a:spcPts val="0"/>
               </a:spcAft>
-              <a:buClr>
-                <a:schemeClr val="dk1"/>
-              </a:buClr>
-              <a:buSzPts val="1100"/>
-              <a:buFont typeface="Arial"/>
-              <a:buNone/>
-            </a:pPr>
-            <a:r>
-              <a:rPr lang="en">
-                <a:solidFill>
-                  <a:schemeClr val="dk1"/>
-                </a:solidFill>
-              </a:rPr>
-              <a:t>There are other factors in the dataset that are significant indicators of cancer.</a:t>
-            </a:r>
-            <a:endParaRPr>
-              <a:solidFill>
-                <a:schemeClr val="dk1"/>
-              </a:solidFill>
-            </a:endParaRPr>
+              <a:buNone/>
+            </a:pPr>
+            <a:r>
+              <a:t/>
+            </a:r>
+            <a:endParaRPr/>
           </a:p>
           <a:p>
             <a:pPr indent="0" lvl="0" marL="0" rtl="0" algn="l">
@@ -1952,132 +1945,12 @@
               <a:spcAft>
                 <a:spcPts val="0"/>
               </a:spcAft>
-              <a:buClr>
-                <a:schemeClr val="dk1"/>
-              </a:buClr>
-              <a:buSzPts val="1100"/>
-              <a:buFont typeface="Arial"/>
-              <a:buNone/>
-            </a:pPr>
-            <a:r>
-              <a:rPr lang="en">
-                <a:solidFill>
-                  <a:schemeClr val="dk1"/>
-                </a:solidFill>
-              </a:rPr>
-              <a:t>A more in depth analysis would need to conducted to determine if using the majority of the features lead to the model being so accurate or if there just a few that are significant indicators of cancer.</a:t>
-            </a:r>
-            <a:endParaRPr>
-              <a:solidFill>
-                <a:schemeClr val="dk1"/>
-              </a:solidFill>
-            </a:endParaRPr>
-          </a:p>
-          <a:p>
-            <a:pPr indent="0" lvl="0" marL="0" rtl="0" algn="l">
-              <a:spcBef>
-                <a:spcPts val="0"/>
-              </a:spcBef>
-              <a:spcAft>
-                <a:spcPts val="0"/>
-              </a:spcAft>
-              <a:buClr>
-                <a:schemeClr val="dk1"/>
-              </a:buClr>
-              <a:buSzPts val="1100"/>
-              <a:buFont typeface="Arial"/>
               <a:buNone/>
             </a:pPr>
             <a:r>
               <a:t/>
             </a:r>
-            <a:endParaRPr>
-              <a:solidFill>
-                <a:schemeClr val="dk1"/>
-              </a:solidFill>
-            </a:endParaRPr>
-          </a:p>
-          <a:p>
-            <a:pPr indent="0" lvl="0" marL="0" rtl="0" algn="l">
-              <a:spcBef>
-                <a:spcPts val="0"/>
-              </a:spcBef>
-              <a:spcAft>
-                <a:spcPts val="0"/>
-              </a:spcAft>
-              <a:buClr>
-                <a:schemeClr val="dk1"/>
-              </a:buClr>
-              <a:buSzPts val="1100"/>
-              <a:buFont typeface="Arial"/>
-              <a:buNone/>
-            </a:pPr>
-            <a:r>
-              <a:rPr lang="en">
-                <a:solidFill>
-                  <a:schemeClr val="dk1"/>
-                </a:solidFill>
-              </a:rPr>
-              <a:t>79%</a:t>
-            </a:r>
-            <a:endParaRPr>
-              <a:solidFill>
-                <a:schemeClr val="dk1"/>
-              </a:solidFill>
-            </a:endParaRPr>
-          </a:p>
-          <a:p>
-            <a:pPr indent="0" lvl="0" marL="0" rtl="0" algn="l">
-              <a:spcBef>
-                <a:spcPts val="0"/>
-              </a:spcBef>
-              <a:spcAft>
-                <a:spcPts val="0"/>
-              </a:spcAft>
-              <a:buClr>
-                <a:schemeClr val="dk1"/>
-              </a:buClr>
-              <a:buSzPts val="1100"/>
-              <a:buFont typeface="Arial"/>
-              <a:buNone/>
-            </a:pPr>
-            <a:r>
-              <a:t/>
-            </a:r>
-            <a:endParaRPr>
-              <a:solidFill>
-                <a:schemeClr val="dk1"/>
-              </a:solidFill>
-            </a:endParaRPr>
-          </a:p>
-          <a:p>
-            <a:pPr indent="0" lvl="0" marL="0" rtl="0" algn="l">
-              <a:spcBef>
-                <a:spcPts val="0"/>
-              </a:spcBef>
-              <a:spcAft>
-                <a:spcPts val="0"/>
-              </a:spcAft>
-              <a:buClr>
-                <a:schemeClr val="dk1"/>
-              </a:buClr>
-              <a:buSzPts val="1100"/>
-              <a:buFont typeface="Arial"/>
-              <a:buNone/>
-            </a:pPr>
-            <a:r>
-              <a:rPr lang="en">
-                <a:solidFill>
-                  <a:schemeClr val="dk1"/>
-                </a:solidFill>
-              </a:rPr>
-              <a:t>Size have linear correlation</a:t>
-            </a:r>
-            <a:endParaRPr>
-              <a:solidFill>
-                <a:schemeClr val="dk1"/>
-              </a:solidFill>
-            </a:endParaRPr>
+            <a:endParaRPr/>
           </a:p>
         </p:txBody>
       </p:sp>
@@ -2094,7 +1967,7 @@
   <p:cSld>
     <p:spTree>
       <p:nvGrpSpPr>
-        <p:cNvPr id="260" name="Shape 260"/>
+        <p:cNvPr id="267" name="Shape 267"/>
         <p:cNvGrpSpPr/>
         <p:nvPr/>
       </p:nvGrpSpPr>
@@ -2108,7 +1981,7 @@
       </p:grpSpPr>
       <p:sp>
         <p:nvSpPr>
-          <p:cNvPr id="261" name="Google Shape;261;g12e5ee9067f_0_24:notes"/>
+          <p:cNvPr id="268" name="Google Shape;268;g12d9ec015e5_0_10:notes"/>
           <p:cNvSpPr/>
           <p:nvPr>
             <p:ph idx="2" type="sldImg"/>
@@ -2143,7 +2016,7 @@
       </p:sp>
       <p:sp>
         <p:nvSpPr>
-          <p:cNvPr id="262" name="Google Shape;262;g12e5ee9067f_0_24:notes"/>
+          <p:cNvPr id="269" name="Google Shape;269;g12d9ec015e5_0_10:notes"/>
           <p:cNvSpPr txBox="1"/>
           <p:nvPr>
             <p:ph idx="1" type="body"/>
@@ -2171,13 +2044,258 @@
               <a:spcAft>
                 <a:spcPts val="0"/>
               </a:spcAft>
-              <a:buNone/>
-            </a:pPr>
-            <a:r>
-              <a:rPr lang="en"/>
+              <a:buClr>
+                <a:schemeClr val="dk1"/>
+              </a:buClr>
+              <a:buSzPts val="1100"/>
+              <a:buFont typeface="Arial"/>
+              <a:buNone/>
+            </a:pPr>
+            <a:r>
+              <a:rPr lang="en">
+                <a:solidFill>
+                  <a:schemeClr val="dk1"/>
+                </a:solidFill>
+              </a:rPr>
               <a:t>David</a:t>
             </a:r>
-            <a:endParaRPr/>
+            <a:endParaRPr>
+              <a:solidFill>
+                <a:schemeClr val="dk1"/>
+              </a:solidFill>
+            </a:endParaRPr>
+          </a:p>
+          <a:p>
+            <a:pPr indent="0" lvl="0" marL="0" rtl="0" algn="l">
+              <a:spcBef>
+                <a:spcPts val="0"/>
+              </a:spcBef>
+              <a:spcAft>
+                <a:spcPts val="0"/>
+              </a:spcAft>
+              <a:buClr>
+                <a:schemeClr val="dk1"/>
+              </a:buClr>
+              <a:buSzPts val="1100"/>
+              <a:buFont typeface="Arial"/>
+              <a:buNone/>
+            </a:pPr>
+            <a:r>
+              <a:rPr lang="en" sz="900">
+                <a:solidFill>
+                  <a:schemeClr val="dk1"/>
+                </a:solidFill>
+                <a:latin typeface="Lato"/>
+                <a:ea typeface="Lato"/>
+                <a:cs typeface="Lato"/>
+                <a:sym typeface="Lato"/>
+              </a:rPr>
+              <a:t>Overall, a drop of 6% to our linear regression model and a drop of 4% to the logistic regression model’s accuracy. </a:t>
+            </a:r>
+            <a:endParaRPr sz="900">
+              <a:solidFill>
+                <a:schemeClr val="dk1"/>
+              </a:solidFill>
+              <a:latin typeface="Lato"/>
+              <a:ea typeface="Lato"/>
+              <a:cs typeface="Lato"/>
+              <a:sym typeface="Lato"/>
+            </a:endParaRPr>
+          </a:p>
+          <a:p>
+            <a:pPr indent="0" lvl="0" marL="0" rtl="0" algn="l">
+              <a:spcBef>
+                <a:spcPts val="0"/>
+              </a:spcBef>
+              <a:spcAft>
+                <a:spcPts val="0"/>
+              </a:spcAft>
+              <a:buClr>
+                <a:schemeClr val="dk1"/>
+              </a:buClr>
+              <a:buSzPts val="1100"/>
+              <a:buFont typeface="Arial"/>
+              <a:buNone/>
+            </a:pPr>
+            <a:r>
+              <a:t/>
+            </a:r>
+            <a:endParaRPr sz="900">
+              <a:solidFill>
+                <a:schemeClr val="dk1"/>
+              </a:solidFill>
+              <a:latin typeface="Lato"/>
+              <a:ea typeface="Lato"/>
+              <a:cs typeface="Lato"/>
+              <a:sym typeface="Lato"/>
+            </a:endParaRPr>
+          </a:p>
+          <a:p>
+            <a:pPr indent="0" lvl="0" marL="0" rtl="0" algn="l">
+              <a:spcBef>
+                <a:spcPts val="0"/>
+              </a:spcBef>
+              <a:spcAft>
+                <a:spcPts val="0"/>
+              </a:spcAft>
+              <a:buClr>
+                <a:schemeClr val="dk1"/>
+              </a:buClr>
+              <a:buSzPts val="1100"/>
+              <a:buFont typeface="Arial"/>
+              <a:buNone/>
+            </a:pPr>
+            <a:r>
+              <a:rPr lang="en" sz="900">
+                <a:solidFill>
+                  <a:schemeClr val="dk1"/>
+                </a:solidFill>
+                <a:latin typeface="Lato"/>
+                <a:ea typeface="Lato"/>
+                <a:cs typeface="Lato"/>
+                <a:sym typeface="Lato"/>
+              </a:rPr>
+              <a:t>The Logistic model had negligible changes to its precision and sensitivity, however..,</a:t>
+            </a:r>
+            <a:endParaRPr sz="900">
+              <a:solidFill>
+                <a:schemeClr val="dk1"/>
+              </a:solidFill>
+              <a:latin typeface="Lato"/>
+              <a:ea typeface="Lato"/>
+              <a:cs typeface="Lato"/>
+              <a:sym typeface="Lato"/>
+            </a:endParaRPr>
+          </a:p>
+          <a:p>
+            <a:pPr indent="0" lvl="0" marL="0" rtl="0" algn="l">
+              <a:spcBef>
+                <a:spcPts val="0"/>
+              </a:spcBef>
+              <a:spcAft>
+                <a:spcPts val="0"/>
+              </a:spcAft>
+              <a:buClr>
+                <a:schemeClr val="dk1"/>
+              </a:buClr>
+              <a:buSzPts val="1100"/>
+              <a:buFont typeface="Arial"/>
+              <a:buNone/>
+            </a:pPr>
+            <a:r>
+              <a:t/>
+            </a:r>
+            <a:endParaRPr sz="900">
+              <a:solidFill>
+                <a:schemeClr val="dk1"/>
+              </a:solidFill>
+              <a:latin typeface="Lato"/>
+              <a:ea typeface="Lato"/>
+              <a:cs typeface="Lato"/>
+              <a:sym typeface="Lato"/>
+            </a:endParaRPr>
+          </a:p>
+          <a:p>
+            <a:pPr indent="0" lvl="0" marL="0" rtl="0" algn="l">
+              <a:spcBef>
+                <a:spcPts val="0"/>
+              </a:spcBef>
+              <a:spcAft>
+                <a:spcPts val="0"/>
+              </a:spcAft>
+              <a:buClr>
+                <a:schemeClr val="dk1"/>
+              </a:buClr>
+              <a:buSzPts val="1100"/>
+              <a:buFont typeface="Arial"/>
+              <a:buNone/>
+            </a:pPr>
+            <a:r>
+              <a:rPr lang="en" sz="900">
+                <a:solidFill>
+                  <a:schemeClr val="dk1"/>
+                </a:solidFill>
+                <a:latin typeface="Lato"/>
+                <a:ea typeface="Lato"/>
+                <a:cs typeface="Lato"/>
+                <a:sym typeface="Lato"/>
+              </a:rPr>
+              <a:t>When comparing the confusion matrices, you can see 4 additional patients with false negatives (meaning they have a malignant tumor, but their results returned negative.)</a:t>
+            </a:r>
+            <a:endParaRPr sz="900">
+              <a:solidFill>
+                <a:schemeClr val="dk1"/>
+              </a:solidFill>
+              <a:latin typeface="Lato"/>
+              <a:ea typeface="Lato"/>
+              <a:cs typeface="Lato"/>
+              <a:sym typeface="Lato"/>
+            </a:endParaRPr>
+          </a:p>
+          <a:p>
+            <a:pPr indent="0" lvl="0" marL="0" rtl="0" algn="l">
+              <a:spcBef>
+                <a:spcPts val="0"/>
+              </a:spcBef>
+              <a:spcAft>
+                <a:spcPts val="0"/>
+              </a:spcAft>
+              <a:buClr>
+                <a:schemeClr val="dk1"/>
+              </a:buClr>
+              <a:buSzPts val="1100"/>
+              <a:buFont typeface="Arial"/>
+              <a:buNone/>
+            </a:pPr>
+            <a:r>
+              <a:t/>
+            </a:r>
+            <a:endParaRPr sz="900">
+              <a:solidFill>
+                <a:schemeClr val="dk1"/>
+              </a:solidFill>
+              <a:latin typeface="Lato"/>
+              <a:ea typeface="Lato"/>
+              <a:cs typeface="Lato"/>
+              <a:sym typeface="Lato"/>
+            </a:endParaRPr>
+          </a:p>
+          <a:p>
+            <a:pPr indent="0" lvl="0" marL="0" rtl="0" algn="l">
+              <a:spcBef>
+                <a:spcPts val="0"/>
+              </a:spcBef>
+              <a:spcAft>
+                <a:spcPts val="0"/>
+              </a:spcAft>
+              <a:buClr>
+                <a:schemeClr val="dk1"/>
+              </a:buClr>
+              <a:buSzPts val="1100"/>
+              <a:buFont typeface="Arial"/>
+              <a:buNone/>
+            </a:pPr>
+            <a:r>
+              <a:rPr lang="en" sz="900">
+                <a:solidFill>
+                  <a:schemeClr val="dk1"/>
+                </a:solidFill>
+                <a:latin typeface="Lato"/>
+                <a:ea typeface="Lato"/>
+                <a:cs typeface="Lato"/>
+                <a:sym typeface="Lato"/>
+              </a:rPr>
+              <a:t>And, 2 additional patients with false positives (meaning their results came back positive, but their tumor is benign.)</a:t>
+            </a:r>
+            <a:endParaRPr sz="900">
+              <a:solidFill>
+                <a:schemeClr val="dk1"/>
+              </a:solidFill>
+              <a:latin typeface="Lato"/>
+              <a:ea typeface="Lato"/>
+              <a:cs typeface="Lato"/>
+              <a:sym typeface="Lato"/>
+            </a:endParaRPr>
           </a:p>
         </p:txBody>
       </p:sp>
@@ -2194,7 +2312,7 @@
   <p:cSld>
     <p:spTree>
       <p:nvGrpSpPr>
-        <p:cNvPr id="266" name="Shape 266"/>
+        <p:cNvPr id="284" name="Shape 284"/>
         <p:cNvGrpSpPr/>
         <p:nvPr/>
       </p:nvGrpSpPr>
@@ -2208,7 +2326,7 @@
       </p:grpSpPr>
       <p:sp>
         <p:nvSpPr>
-          <p:cNvPr id="267" name="Google Shape;267;g12e5ee9067f_0_19:notes"/>
+          <p:cNvPr id="285" name="Google Shape;285;g12e5ee9067f_0_24:notes"/>
           <p:cNvSpPr/>
           <p:nvPr>
             <p:ph idx="2" type="sldImg"/>
@@ -2243,7 +2361,7 @@
       </p:sp>
       <p:sp>
         <p:nvSpPr>
-          <p:cNvPr id="268" name="Google Shape;268;g12e5ee9067f_0_19:notes"/>
+          <p:cNvPr id="286" name="Google Shape;286;g12e5ee9067f_0_24:notes"/>
           <p:cNvSpPr txBox="1"/>
           <p:nvPr>
             <p:ph idx="1" type="body"/>
@@ -2274,49 +2392,272 @@
               <a:buNone/>
             </a:pPr>
             <a:r>
-              <a:rPr lang="en"/>
-              <a:t>MacKenzie</a:t>
-            </a:r>
-            <a:endParaRPr/>
+              <a:rPr lang="en">
+                <a:solidFill>
+                  <a:schemeClr val="dk1"/>
+                </a:solidFill>
+              </a:rPr>
+              <a:t>David</a:t>
+            </a:r>
+            <a:endParaRPr>
+              <a:solidFill>
+                <a:schemeClr val="dk1"/>
+              </a:solidFill>
+            </a:endParaRPr>
           </a:p>
           <a:p>
             <a:pPr indent="0" lvl="0" marL="0" rtl="0" algn="l">
-              <a:spcBef>
-                <a:spcPts val="0"/>
-              </a:spcBef>
-              <a:spcAft>
-                <a:spcPts val="0"/>
-              </a:spcAft>
-              <a:buNone/>
-            </a:pPr>
-            <a:r>
-              <a:t/>
-            </a:r>
-            <a:endParaRPr/>
+              <a:lnSpc>
+                <a:spcPct val="150000"/>
+              </a:lnSpc>
+              <a:spcBef>
+                <a:spcPts val="0"/>
+              </a:spcBef>
+              <a:spcAft>
+                <a:spcPts val="0"/>
+              </a:spcAft>
+              <a:buNone/>
+            </a:pPr>
+            <a:r>
+              <a:rPr lang="en" sz="1300">
+                <a:solidFill>
+                  <a:schemeClr val="dk1"/>
+                </a:solidFill>
+                <a:latin typeface="Lato"/>
+                <a:ea typeface="Lato"/>
+                <a:cs typeface="Lato"/>
+                <a:sym typeface="Lato"/>
+              </a:rPr>
+              <a:t>To </a:t>
+            </a:r>
+            <a:r>
+              <a:rPr lang="en" sz="1300">
+                <a:solidFill>
+                  <a:schemeClr val="dk1"/>
+                </a:solidFill>
+                <a:latin typeface="Lato"/>
+                <a:ea typeface="Lato"/>
+                <a:cs typeface="Lato"/>
+                <a:sym typeface="Lato"/>
+              </a:rPr>
+              <a:t>summarize</a:t>
+            </a:r>
+            <a:r>
+              <a:rPr lang="en" sz="1300">
+                <a:solidFill>
+                  <a:schemeClr val="dk1"/>
+                </a:solidFill>
+                <a:latin typeface="Lato"/>
+                <a:ea typeface="Lato"/>
+                <a:cs typeface="Lato"/>
+                <a:sym typeface="Lato"/>
+              </a:rPr>
+              <a:t>: </a:t>
+            </a:r>
+            <a:endParaRPr sz="1300">
+              <a:solidFill>
+                <a:schemeClr val="dk1"/>
+              </a:solidFill>
+              <a:latin typeface="Lato"/>
+              <a:ea typeface="Lato"/>
+              <a:cs typeface="Lato"/>
+              <a:sym typeface="Lato"/>
+            </a:endParaRPr>
           </a:p>
           <a:p>
             <a:pPr indent="0" lvl="0" marL="0" rtl="0" algn="l">
-              <a:spcBef>
-                <a:spcPts val="0"/>
-              </a:spcBef>
-              <a:spcAft>
-                <a:spcPts val="0"/>
-              </a:spcAft>
-              <a:buNone/>
-            </a:pPr>
-            <a:r>
-              <a:rPr lang="en"/>
-              <a:t>For this project, we have all agreed that we </a:t>
-            </a:r>
-            <a:r>
-              <a:rPr lang="en"/>
-              <a:t>should</a:t>
-            </a:r>
-            <a:r>
-              <a:rPr lang="en"/>
-              <a:t> have gone the extra step in exploring the data even more, allowing us to find which feature or features were leading our Logistic Regression accuracy score to be so high for both the models we built out. This way, we could have informed people who look at our project in the future what types of measurements are the best at predicting whether someone has a benign or malignant tumor.</a:t>
-            </a:r>
-            <a:endParaRPr/>
+              <a:lnSpc>
+                <a:spcPct val="150000"/>
+              </a:lnSpc>
+              <a:spcBef>
+                <a:spcPts val="1200"/>
+              </a:spcBef>
+              <a:spcAft>
+                <a:spcPts val="0"/>
+              </a:spcAft>
+              <a:buNone/>
+            </a:pPr>
+            <a:r>
+              <a:rPr lang="en" sz="1300">
+                <a:solidFill>
+                  <a:schemeClr val="dk1"/>
+                </a:solidFill>
+                <a:latin typeface="Lato"/>
+                <a:ea typeface="Lato"/>
+                <a:cs typeface="Lato"/>
+                <a:sym typeface="Lato"/>
+              </a:rPr>
+              <a:t>Our ML models performed very well in both scenarios. These are our recommendations moving forward; </a:t>
+            </a:r>
+            <a:endParaRPr sz="1300">
+              <a:solidFill>
+                <a:schemeClr val="dk1"/>
+              </a:solidFill>
+              <a:latin typeface="Lato"/>
+              <a:ea typeface="Lato"/>
+              <a:cs typeface="Lato"/>
+              <a:sym typeface="Lato"/>
+            </a:endParaRPr>
+          </a:p>
+          <a:p>
+            <a:pPr indent="-311150" lvl="0" marL="457200" rtl="0" algn="l">
+              <a:lnSpc>
+                <a:spcPct val="150000"/>
+              </a:lnSpc>
+              <a:spcBef>
+                <a:spcPts val="1200"/>
+              </a:spcBef>
+              <a:spcAft>
+                <a:spcPts val="0"/>
+              </a:spcAft>
+              <a:buClr>
+                <a:schemeClr val="dk1"/>
+              </a:buClr>
+              <a:buSzPts val="1300"/>
+              <a:buFont typeface="Lato"/>
+              <a:buChar char="●"/>
+            </a:pPr>
+            <a:r>
+              <a:rPr lang="en" sz="1300">
+                <a:solidFill>
+                  <a:schemeClr val="dk1"/>
+                </a:solidFill>
+                <a:latin typeface="Lato"/>
+                <a:ea typeface="Lato"/>
+                <a:cs typeface="Lato"/>
+                <a:sym typeface="Lato"/>
+              </a:rPr>
+              <a:t>Remove scaling and/or oversampling and test dataset’s resilience.</a:t>
+            </a:r>
+            <a:endParaRPr sz="1300">
+              <a:solidFill>
+                <a:schemeClr val="dk1"/>
+              </a:solidFill>
+              <a:latin typeface="Lato"/>
+              <a:ea typeface="Lato"/>
+              <a:cs typeface="Lato"/>
+              <a:sym typeface="Lato"/>
+            </a:endParaRPr>
+          </a:p>
+          <a:p>
+            <a:pPr indent="-311150" lvl="0" marL="457200" rtl="0" algn="l">
+              <a:lnSpc>
+                <a:spcPct val="150000"/>
+              </a:lnSpc>
+              <a:spcBef>
+                <a:spcPts val="0"/>
+              </a:spcBef>
+              <a:spcAft>
+                <a:spcPts val="0"/>
+              </a:spcAft>
+              <a:buClr>
+                <a:schemeClr val="dk1"/>
+              </a:buClr>
+              <a:buSzPts val="1300"/>
+              <a:buFont typeface="Lato"/>
+              <a:buChar char="●"/>
+            </a:pPr>
+            <a:r>
+              <a:rPr lang="en" sz="1300">
+                <a:solidFill>
+                  <a:schemeClr val="dk1"/>
+                </a:solidFill>
+                <a:latin typeface="Lato"/>
+                <a:ea typeface="Lato"/>
+                <a:cs typeface="Lato"/>
+                <a:sym typeface="Lato"/>
+              </a:rPr>
+              <a:t>Change the ratio between test data vs training data.</a:t>
+            </a:r>
+            <a:endParaRPr sz="1300">
+              <a:solidFill>
+                <a:schemeClr val="dk1"/>
+              </a:solidFill>
+              <a:latin typeface="Lato"/>
+              <a:ea typeface="Lato"/>
+              <a:cs typeface="Lato"/>
+              <a:sym typeface="Lato"/>
+            </a:endParaRPr>
+          </a:p>
+          <a:p>
+            <a:pPr indent="-311150" lvl="0" marL="457200" rtl="0" algn="l">
+              <a:lnSpc>
+                <a:spcPct val="150000"/>
+              </a:lnSpc>
+              <a:spcBef>
+                <a:spcPts val="0"/>
+              </a:spcBef>
+              <a:spcAft>
+                <a:spcPts val="0"/>
+              </a:spcAft>
+              <a:buClr>
+                <a:schemeClr val="dk1"/>
+              </a:buClr>
+              <a:buSzPts val="1300"/>
+              <a:buFont typeface="Lato"/>
+              <a:buChar char="●"/>
+            </a:pPr>
+            <a:r>
+              <a:rPr lang="en" sz="1300">
+                <a:solidFill>
+                  <a:schemeClr val="dk1"/>
+                </a:solidFill>
+                <a:latin typeface="Lato"/>
+                <a:ea typeface="Lato"/>
+                <a:cs typeface="Lato"/>
+                <a:sym typeface="Lato"/>
+              </a:rPr>
+              <a:t>Try a different algorithm</a:t>
+            </a:r>
+            <a:endParaRPr sz="1300">
+              <a:solidFill>
+                <a:schemeClr val="dk1"/>
+              </a:solidFill>
+              <a:latin typeface="Lato"/>
+              <a:ea typeface="Lato"/>
+              <a:cs typeface="Lato"/>
+              <a:sym typeface="Lato"/>
+            </a:endParaRPr>
+          </a:p>
+          <a:p>
+            <a:pPr indent="-311150" lvl="0" marL="457200" rtl="0" algn="l">
+              <a:lnSpc>
+                <a:spcPct val="150000"/>
+              </a:lnSpc>
+              <a:spcBef>
+                <a:spcPts val="0"/>
+              </a:spcBef>
+              <a:spcAft>
+                <a:spcPts val="0"/>
+              </a:spcAft>
+              <a:buClr>
+                <a:schemeClr val="dk1"/>
+              </a:buClr>
+              <a:buSzPts val="1300"/>
+              <a:buFont typeface="Lato"/>
+              <a:buChar char="●"/>
+            </a:pPr>
+            <a:r>
+              <a:rPr lang="en" sz="1300">
+                <a:solidFill>
+                  <a:schemeClr val="dk1"/>
+                </a:solidFill>
+                <a:latin typeface="Lato"/>
+                <a:ea typeface="Lato"/>
+                <a:cs typeface="Lato"/>
+                <a:sym typeface="Lato"/>
+              </a:rPr>
+              <a:t>Try a different dataset</a:t>
+            </a:r>
+            <a:endParaRPr sz="1300">
+              <a:solidFill>
+                <a:schemeClr val="dk1"/>
+              </a:solidFill>
+              <a:latin typeface="Lato"/>
+              <a:ea typeface="Lato"/>
+              <a:cs typeface="Lato"/>
+              <a:sym typeface="Lato"/>
+            </a:endParaRPr>
           </a:p>
         </p:txBody>
       </p:sp>
@@ -2333,7 +2674,7 @@
   <p:cSld>
     <p:spTree>
       <p:nvGrpSpPr>
-        <p:cNvPr id="273" name="Shape 273"/>
+        <p:cNvPr id="291" name="Shape 291"/>
         <p:cNvGrpSpPr/>
         <p:nvPr/>
       </p:nvGrpSpPr>
@@ -2347,7 +2688,7 @@
       </p:grpSpPr>
       <p:sp>
         <p:nvSpPr>
-          <p:cNvPr id="274" name="Google Shape;274;g12e5ee9067f_0_14:notes"/>
+          <p:cNvPr id="292" name="Google Shape;292;g12e5ee9067f_0_19:notes"/>
           <p:cNvSpPr/>
           <p:nvPr>
             <p:ph idx="2" type="sldImg"/>
@@ -2382,7 +2723,162 @@
       </p:sp>
       <p:sp>
         <p:nvSpPr>
-          <p:cNvPr id="275" name="Google Shape;275;g12e5ee9067f_0_14:notes"/>
+          <p:cNvPr id="293" name="Google Shape;293;g12e5ee9067f_0_19:notes"/>
+          <p:cNvSpPr txBox="1"/>
+          <p:nvPr>
+            <p:ph idx="1" type="body"/>
+          </p:nvPr>
+        </p:nvSpPr>
+        <p:spPr>
+          <a:xfrm>
+            <a:off x="685800" y="4343400"/>
+            <a:ext cx="5486400" cy="4114800"/>
+          </a:xfrm>
+          <a:prstGeom prst="rect">
+            <a:avLst/>
+          </a:prstGeom>
+        </p:spPr>
+        <p:txBody>
+          <a:bodyPr anchorCtr="0" anchor="t" bIns="91425" lIns="91425" spcFirstLastPara="1" rIns="91425" wrap="square" tIns="91425">
+            <a:noAutofit/>
+          </a:bodyPr>
+          <a:lstStyle/>
+          <a:p>
+            <a:pPr indent="0" lvl="0" marL="0" rtl="0" algn="l">
+              <a:spcBef>
+                <a:spcPts val="0"/>
+              </a:spcBef>
+              <a:spcAft>
+                <a:spcPts val="0"/>
+              </a:spcAft>
+              <a:buNone/>
+            </a:pPr>
+            <a:r>
+              <a:rPr lang="en"/>
+              <a:t>MacKenzie</a:t>
+            </a:r>
+            <a:endParaRPr/>
+          </a:p>
+          <a:p>
+            <a:pPr indent="0" lvl="0" marL="0" rtl="0" algn="l">
+              <a:spcBef>
+                <a:spcPts val="0"/>
+              </a:spcBef>
+              <a:spcAft>
+                <a:spcPts val="0"/>
+              </a:spcAft>
+              <a:buNone/>
+            </a:pPr>
+            <a:r>
+              <a:t/>
+            </a:r>
+            <a:endParaRPr/>
+          </a:p>
+          <a:p>
+            <a:pPr indent="0" lvl="0" marL="0" rtl="0" algn="l">
+              <a:spcBef>
+                <a:spcPts val="0"/>
+              </a:spcBef>
+              <a:spcAft>
+                <a:spcPts val="0"/>
+              </a:spcAft>
+              <a:buNone/>
+            </a:pPr>
+            <a:r>
+              <a:rPr lang="en"/>
+              <a:t>For this project, we have all agreed that we </a:t>
+            </a:r>
+            <a:r>
+              <a:rPr lang="en"/>
+              <a:t>should</a:t>
+            </a:r>
+            <a:r>
+              <a:rPr lang="en"/>
+              <a:t> have gone the extra step in exploring the data even more, allowing us to find which feature or features were leading our Logistic Regression accuracy score to be so high for both the models we built out.</a:t>
+            </a:r>
+            <a:endParaRPr/>
+          </a:p>
+          <a:p>
+            <a:pPr indent="0" lvl="0" marL="0" rtl="0" algn="l">
+              <a:spcBef>
+                <a:spcPts val="0"/>
+              </a:spcBef>
+              <a:spcAft>
+                <a:spcPts val="0"/>
+              </a:spcAft>
+              <a:buNone/>
+            </a:pPr>
+            <a:r>
+              <a:rPr lang="en"/>
+              <a:t>This way, we could have informed people who look at our project in the future what types of measurements are the best at predicting whether someone has a benign or malignant tumor.</a:t>
+            </a:r>
+            <a:endParaRPr/>
+          </a:p>
+        </p:txBody>
+      </p:sp>
+    </p:spTree>
+  </p:cSld>
+  <p:clrMapOvr>
+    <a:masterClrMapping/>
+  </p:clrMapOvr>
+</p:notes>
+</file>
+
+<file path=ppt/notesSlides/notesSlide19.xml><?xml version="1.0" encoding="utf-8"?>
+<p:notes xmlns:a="http://schemas.openxmlformats.org/drawingml/2006/main" xmlns:r="http://schemas.openxmlformats.org/officeDocument/2006/relationships" xmlns:mc="http://schemas.openxmlformats.org/markup-compatibility/2006" xmlns:mv="urn:schemas-microsoft-com:mac:vml" xmlns:p="http://schemas.openxmlformats.org/presentationml/2006/main" xmlns:c="http://schemas.openxmlformats.org/drawingml/2006/chart" xmlns:dgm="http://schemas.openxmlformats.org/drawingml/2006/diagram" xmlns:o="urn:schemas-microsoft-com:office:office" xmlns:v="urn:schemas-microsoft-com:vml" xmlns:pvml="urn:schemas-microsoft-com:office:powerpoint" xmlns:com="http://schemas.openxmlformats.org/drawingml/2006/compatibility" xmlns:p14="http://schemas.microsoft.com/office/powerpoint/2010/main" xmlns:p15="http://schemas.microsoft.com/office/powerpoint/2012/main" xmlns:ahyp="http://schemas.microsoft.com/office/drawing/2018/hyperlinkcolor" showMasterPhAnim="0" showMasterSp="0">
+  <p:cSld>
+    <p:spTree>
+      <p:nvGrpSpPr>
+        <p:cNvPr id="298" name="Shape 298"/>
+        <p:cNvGrpSpPr/>
+        <p:nvPr/>
+      </p:nvGrpSpPr>
+      <p:grpSpPr>
+        <a:xfrm>
+          <a:off x="0" y="0"/>
+          <a:ext cx="0" cy="0"/>
+          <a:chOff x="0" y="0"/>
+          <a:chExt cx="0" cy="0"/>
+        </a:xfrm>
+      </p:grpSpPr>
+      <p:sp>
+        <p:nvSpPr>
+          <p:cNvPr id="299" name="Google Shape;299;g12e5ee9067f_0_14:notes"/>
+          <p:cNvSpPr/>
+          <p:nvPr>
+            <p:ph idx="2" type="sldImg"/>
+          </p:nvPr>
+        </p:nvSpPr>
+        <p:spPr>
+          <a:xfrm>
+            <a:off x="381300" y="685800"/>
+            <a:ext cx="6096000" cy="3429000"/>
+          </a:xfrm>
+          <a:custGeom>
+            <a:rect b="b" l="l" r="r" t="t"/>
+            <a:pathLst>
+              <a:path extrusionOk="0" h="120000" w="120000">
+                <a:moveTo>
+                  <a:pt x="0" y="0"/>
+                </a:moveTo>
+                <a:lnTo>
+                  <a:pt x="120000" y="0"/>
+                </a:lnTo>
+                <a:lnTo>
+                  <a:pt x="120000" y="120000"/>
+                </a:lnTo>
+                <a:lnTo>
+                  <a:pt x="0" y="120000"/>
+                </a:lnTo>
+                <a:close/>
+              </a:path>
+            </a:pathLst>
+          </a:custGeom>
+        </p:spPr>
+      </p:sp>
+      <p:sp>
+        <p:nvSpPr>
+          <p:cNvPr id="300" name="Google Shape;300;g12e5ee9067f_0_14:notes"/>
           <p:cNvSpPr txBox="1"/>
           <p:nvPr>
             <p:ph idx="1" type="body"/>
@@ -4439,7 +4935,7 @@
       </p:grpSpPr>
       <p:sp>
         <p:nvSpPr>
-          <p:cNvPr id="184" name="Google Shape;184;g12cae811305_0_10:notes"/>
+          <p:cNvPr id="184" name="Google Shape;184;g12f89b6231a_0_1:notes"/>
           <p:cNvSpPr/>
           <p:nvPr>
             <p:ph idx="2" type="sldImg"/>
@@ -4474,7 +4970,7 @@
       </p:sp>
       <p:sp>
         <p:nvSpPr>
-          <p:cNvPr id="185" name="Google Shape;185;g12cae811305_0_10:notes"/>
+          <p:cNvPr id="185" name="Google Shape;185;g12f89b6231a_0_1:notes"/>
           <p:cNvSpPr txBox="1"/>
           <p:nvPr>
             <p:ph idx="1" type="body"/>
@@ -4527,32 +5023,8 @@
           </a:p>
           <a:p>
             <a:pPr indent="0" lvl="0" marL="0" rtl="0" algn="l">
-              <a:lnSpc>
-                <a:spcPct val="115000"/>
-              </a:lnSpc>
-              <a:spcBef>
-                <a:spcPts val="1200"/>
-              </a:spcBef>
-              <a:spcAft>
-                <a:spcPts val="0"/>
-              </a:spcAft>
-              <a:buClr>
-                <a:schemeClr val="dk1"/>
-              </a:buClr>
-              <a:buSzPts val="1100"/>
-              <a:buFont typeface="Arial"/>
-              <a:buNone/>
-            </a:pPr>
-            <a:r>
-              <a:rPr lang="en"/>
-              <a:t>Our initial exploratory analysis demonstrated a correlation between certain features within our dataset. By recognizing patterns in our dataset, we were able to identify what columns to test using a linear regression model. The linear regression model yielded promising results, therefore, the model evolved into a logistical regression model that would test all the features in our dataset. All of which are shown here. </a:t>
-            </a:r>
-            <a:endParaRPr/>
-          </a:p>
-          <a:p>
-            <a:pPr indent="0" lvl="0" marL="0" rtl="0" algn="l">
-              <a:spcBef>
-                <a:spcPts val="1200"/>
+              <a:spcBef>
+                <a:spcPts val="0"/>
               </a:spcBef>
               <a:spcAft>
                 <a:spcPts val="0"/>
@@ -4579,7 +5051,7 @@
   <p:cSld>
     <p:spTree>
       <p:nvGrpSpPr>
-        <p:cNvPr id="189" name="Shape 189"/>
+        <p:cNvPr id="194" name="Shape 194"/>
         <p:cNvGrpSpPr/>
         <p:nvPr/>
       </p:nvGrpSpPr>
@@ -4593,7 +5065,7 @@
       </p:grpSpPr>
       <p:sp>
         <p:nvSpPr>
-          <p:cNvPr id="190" name="Google Shape;190;g12f89b6231a_0_1:notes"/>
+          <p:cNvPr id="195" name="Google Shape;195;g12cae811305_0_10:notes"/>
           <p:cNvSpPr/>
           <p:nvPr>
             <p:ph idx="2" type="sldImg"/>
@@ -4628,7 +5100,7 @@
       </p:sp>
       <p:sp>
         <p:nvSpPr>
-          <p:cNvPr id="191" name="Google Shape;191;g12f89b6231a_0_1:notes"/>
+          <p:cNvPr id="196" name="Google Shape;196;g12cae811305_0_10:notes"/>
           <p:cNvSpPr txBox="1"/>
           <p:nvPr>
             <p:ph idx="1" type="body"/>
@@ -4681,8 +5153,32 @@
           </a:p>
           <a:p>
             <a:pPr indent="0" lvl="0" marL="0" rtl="0" algn="l">
-              <a:spcBef>
-                <a:spcPts val="0"/>
+              <a:lnSpc>
+                <a:spcPct val="115000"/>
+              </a:lnSpc>
+              <a:spcBef>
+                <a:spcPts val="1200"/>
+              </a:spcBef>
+              <a:spcAft>
+                <a:spcPts val="0"/>
+              </a:spcAft>
+              <a:buClr>
+                <a:schemeClr val="dk1"/>
+              </a:buClr>
+              <a:buSzPts val="1100"/>
+              <a:buFont typeface="Arial"/>
+              <a:buNone/>
+            </a:pPr>
+            <a:r>
+              <a:rPr lang="en"/>
+              <a:t>Our initial exploratory analysis demonstrated a correlation between certain features within our dataset. By recognizing patterns in our dataset, we were able to identify what columns to test using a linear regression model. The linear regression model yielded promising results, therefore, the model evolved into a logistical regression model that would test all the features in our dataset. All of which are shown here. </a:t>
+            </a:r>
+            <a:endParaRPr/>
+          </a:p>
+          <a:p>
+            <a:pPr indent="0" lvl="0" marL="0" rtl="0" algn="l">
+              <a:spcBef>
+                <a:spcPts val="1200"/>
               </a:spcBef>
               <a:spcAft>
                 <a:spcPts val="0"/>
@@ -14755,8 +15251,8 @@
         </p:nvSpPr>
         <p:spPr>
           <a:xfrm>
-            <a:off x="1108575" y="0"/>
-            <a:ext cx="7038900" cy="914100"/>
+            <a:off x="1244275" y="253400"/>
+            <a:ext cx="7038900" cy="654300"/>
           </a:xfrm>
           <a:prstGeom prst="rect">
             <a:avLst/>
@@ -14779,7 +15275,7 @@
             </a:pPr>
             <a:r>
               <a:rPr lang="en"/>
-              <a:t>Understanding our Data</a:t>
+              <a:t>Inspecting the unexpected…</a:t>
             </a:r>
             <a:endParaRPr/>
           </a:p>
@@ -14795,8 +15291,8 @@
         </p:nvSpPr>
         <p:spPr>
           <a:xfrm>
-            <a:off x="1026875" y="960625"/>
-            <a:ext cx="2104200" cy="812100"/>
+            <a:off x="3094225" y="907700"/>
+            <a:ext cx="3229800" cy="1664100"/>
           </a:xfrm>
           <a:prstGeom prst="rect">
             <a:avLst/>
@@ -14808,9 +15304,9 @@
           </a:bodyPr>
           <a:lstStyle/>
           <a:p>
-            <a:pPr indent="0" lvl="0" marL="0" rtl="0" algn="l">
+            <a:pPr indent="0" lvl="0" marL="457200" marR="917728" rtl="0" algn="l">
               <a:lnSpc>
-                <a:spcPct val="95000"/>
+                <a:spcPct val="100000"/>
               </a:lnSpc>
               <a:spcBef>
                 <a:spcPts val="0"/>
@@ -14821,15 +15317,15 @@
               <a:buNone/>
             </a:pPr>
             <a:r>
-              <a:rPr lang="en"/>
-              <a:t>Does size really matter? </a:t>
-            </a:r>
-            <a:endParaRPr/>
-          </a:p>
-          <a:p>
-            <a:pPr indent="0" lvl="0" marL="0" rtl="0" algn="l">
+              <a:rPr lang="en" sz="1000"/>
+              <a:t>Linear Regression = 84.27%</a:t>
+            </a:r>
+            <a:endParaRPr sz="1000"/>
+          </a:p>
+          <a:p>
+            <a:pPr indent="0" lvl="0" marL="457200" marR="917728" rtl="0" algn="l">
               <a:lnSpc>
-                <a:spcPct val="95000"/>
+                <a:spcPct val="100000"/>
               </a:lnSpc>
               <a:spcBef>
                 <a:spcPts val="0"/>
@@ -14840,14 +15336,37 @@
               <a:buNone/>
             </a:pPr>
             <a:r>
+              <a:rPr lang="en" sz="1000"/>
+              <a:t>Logistic Regression = </a:t>
+            </a:r>
+            <a:r>
+              <a:rPr b="1" lang="en" sz="1000"/>
+              <a:t>97.09%</a:t>
+            </a:r>
+            <a:endParaRPr b="1" sz="1000"/>
+          </a:p>
+          <a:p>
+            <a:pPr indent="0" lvl="0" marL="457200" marR="917728" rtl="0" algn="l">
+              <a:lnSpc>
+                <a:spcPct val="100000"/>
+              </a:lnSpc>
+              <a:spcBef>
+                <a:spcPts val="0"/>
+              </a:spcBef>
+              <a:spcAft>
+                <a:spcPts val="0"/>
+              </a:spcAft>
+              <a:buNone/>
+            </a:pPr>
+            <a:r>
               <a:t/>
             </a:r>
-            <a:endParaRPr sz="1000"/>
-          </a:p>
-          <a:p>
-            <a:pPr indent="0" lvl="0" marL="0" rtl="0" algn="l">
+            <a:endParaRPr b="1" sz="1000"/>
+          </a:p>
+          <a:p>
+            <a:pPr indent="0" lvl="0" marL="457200" marR="917728" rtl="0" algn="l">
               <a:lnSpc>
-                <a:spcPct val="95000"/>
+                <a:spcPct val="100000"/>
               </a:lnSpc>
               <a:spcBef>
                 <a:spcPts val="0"/>
@@ -14858,7 +15377,8 @@
               <a:buNone/>
             </a:pPr>
             <a:r>
-              <a:t/>
+              <a:rPr lang="en" sz="1000"/>
+              <a:t>Where do we go from here?</a:t>
             </a:r>
             <a:endParaRPr sz="1000"/>
           </a:p>
@@ -14880,8 +15400,8 @@
         </p:blipFill>
         <p:spPr>
           <a:xfrm>
-            <a:off x="2243275" y="1508760"/>
-            <a:ext cx="6900724" cy="3168700"/>
+            <a:off x="59250" y="907700"/>
+            <a:ext cx="3034976" cy="2529150"/>
           </a:xfrm>
           <a:prstGeom prst="rect">
             <a:avLst/>
@@ -14908,8 +15428,8 @@
         </p:blipFill>
         <p:spPr>
           <a:xfrm>
-            <a:off x="0" y="1379325"/>
-            <a:ext cx="3029574" cy="2920676"/>
+            <a:off x="6324106" y="907700"/>
+            <a:ext cx="2756817" cy="2445900"/>
           </a:xfrm>
           <a:prstGeom prst="rect">
             <a:avLst/>
@@ -14920,16 +15440,24 @@
           </a:ln>
         </p:spPr>
       </p:pic>
-      <p:sp>
-        <p:nvSpPr>
+      <p:pic>
+        <p:nvPicPr>
           <p:cNvPr id="245" name="Google Shape;245;p26"/>
-          <p:cNvSpPr txBox="1"/>
+          <p:cNvPicPr preferRelativeResize="0"/>
           <p:nvPr/>
-        </p:nvSpPr>
+        </p:nvPicPr>
+        <p:blipFill>
+          <a:blip r:embed="rId5">
+            <a:alphaModFix/>
+          </a:blip>
+          <a:stretch>
+            <a:fillRect/>
+          </a:stretch>
+        </p:blipFill>
         <p:spPr>
           <a:xfrm>
-            <a:off x="6556750" y="1772725"/>
-            <a:ext cx="1837500" cy="623400"/>
+            <a:off x="3325525" y="2571800"/>
+            <a:ext cx="2697760" cy="2529150"/>
           </a:xfrm>
           <a:prstGeom prst="rect">
             <a:avLst/>
@@ -14939,118 +15467,7 @@
             <a:noFill/>
           </a:ln>
         </p:spPr>
-        <p:txBody>
-          <a:bodyPr anchorCtr="0" anchor="t" bIns="91425" lIns="91425" spcFirstLastPara="1" rIns="91425" wrap="square" tIns="91425">
-            <a:spAutoFit/>
-          </a:bodyPr>
-          <a:lstStyle/>
-          <a:p>
-            <a:pPr indent="0" lvl="0" marL="0" rtl="0" algn="l">
-              <a:lnSpc>
-                <a:spcPct val="95000"/>
-              </a:lnSpc>
-              <a:spcBef>
-                <a:spcPts val="0"/>
-              </a:spcBef>
-              <a:spcAft>
-                <a:spcPts val="0"/>
-              </a:spcAft>
-              <a:buNone/>
-            </a:pPr>
-            <a:r>
-              <a:rPr lang="en" sz="1000">
-                <a:solidFill>
-                  <a:schemeClr val="lt1"/>
-                </a:solidFill>
-                <a:latin typeface="Lato"/>
-                <a:ea typeface="Lato"/>
-                <a:cs typeface="Lato"/>
-                <a:sym typeface="Lato"/>
-              </a:rPr>
-              <a:t>X = Area_mean</a:t>
-            </a:r>
-            <a:endParaRPr sz="1000">
-              <a:solidFill>
-                <a:schemeClr val="lt1"/>
-              </a:solidFill>
-              <a:latin typeface="Lato"/>
-              <a:ea typeface="Lato"/>
-              <a:cs typeface="Lato"/>
-              <a:sym typeface="Lato"/>
-            </a:endParaRPr>
-          </a:p>
-          <a:p>
-            <a:pPr indent="0" lvl="0" marL="0" rtl="0" algn="l">
-              <a:lnSpc>
-                <a:spcPct val="95000"/>
-              </a:lnSpc>
-              <a:spcBef>
-                <a:spcPts val="0"/>
-              </a:spcBef>
-              <a:spcAft>
-                <a:spcPts val="0"/>
-              </a:spcAft>
-              <a:buNone/>
-            </a:pPr>
-            <a:r>
-              <a:rPr lang="en" sz="1000">
-                <a:solidFill>
-                  <a:schemeClr val="lt1"/>
-                </a:solidFill>
-                <a:latin typeface="Lato"/>
-                <a:ea typeface="Lato"/>
-                <a:cs typeface="Lato"/>
-                <a:sym typeface="Lato"/>
-              </a:rPr>
-              <a:t>Y = Concavity_worst</a:t>
-            </a:r>
-            <a:endParaRPr sz="1000">
-              <a:solidFill>
-                <a:schemeClr val="lt1"/>
-              </a:solidFill>
-              <a:latin typeface="Lato"/>
-              <a:ea typeface="Lato"/>
-              <a:cs typeface="Lato"/>
-              <a:sym typeface="Lato"/>
-            </a:endParaRPr>
-          </a:p>
-          <a:p>
-            <a:pPr indent="0" lvl="0" marL="0" rtl="0" algn="l">
-              <a:lnSpc>
-                <a:spcPct val="95000"/>
-              </a:lnSpc>
-              <a:spcBef>
-                <a:spcPts val="0"/>
-              </a:spcBef>
-              <a:spcAft>
-                <a:spcPts val="0"/>
-              </a:spcAft>
-              <a:buNone/>
-            </a:pPr>
-            <a:r>
-              <a:rPr lang="en" sz="1000">
-                <a:solidFill>
-                  <a:schemeClr val="lt1"/>
-                </a:solidFill>
-                <a:latin typeface="Lato"/>
-                <a:ea typeface="Lato"/>
-                <a:cs typeface="Lato"/>
-                <a:sym typeface="Lato"/>
-              </a:rPr>
-              <a:t>Z= Compactness_worst</a:t>
-            </a:r>
-            <a:endParaRPr>
-              <a:solidFill>
-                <a:schemeClr val="lt1"/>
-              </a:solidFill>
-              <a:latin typeface="Lato"/>
-              <a:ea typeface="Lato"/>
-              <a:cs typeface="Lato"/>
-              <a:sym typeface="Lato"/>
-            </a:endParaRPr>
-          </a:p>
-        </p:txBody>
-      </p:sp>
+      </p:pic>
     </p:spTree>
   </p:cSld>
   <p:clrMapOvr>
@@ -15086,6 +15503,466 @@
         </p:nvSpPr>
         <p:spPr>
           <a:xfrm>
+            <a:off x="768550" y="225325"/>
+            <a:ext cx="7038900" cy="914100"/>
+          </a:xfrm>
+          <a:prstGeom prst="rect">
+            <a:avLst/>
+          </a:prstGeom>
+        </p:spPr>
+        <p:txBody>
+          <a:bodyPr anchorCtr="0" anchor="t" bIns="91425" lIns="91425" spcFirstLastPara="1" rIns="91425" wrap="square" tIns="91425">
+            <a:normAutofit/>
+          </a:bodyPr>
+          <a:lstStyle/>
+          <a:p>
+            <a:pPr indent="0" lvl="0" marL="0" rtl="0" algn="l">
+              <a:spcBef>
+                <a:spcPts val="0"/>
+              </a:spcBef>
+              <a:spcAft>
+                <a:spcPts val="0"/>
+              </a:spcAft>
+              <a:buNone/>
+            </a:pPr>
+            <a:r>
+              <a:rPr lang="en" sz="1600"/>
+              <a:t>Understanding our Data: </a:t>
+            </a:r>
+            <a:r>
+              <a:rPr lang="en" sz="1600">
+                <a:latin typeface="Lato"/>
+                <a:ea typeface="Lato"/>
+                <a:cs typeface="Lato"/>
+                <a:sym typeface="Lato"/>
+              </a:rPr>
+              <a:t>Does size really matter? </a:t>
+            </a:r>
+            <a:endParaRPr sz="1600"/>
+          </a:p>
+        </p:txBody>
+      </p:sp>
+      <p:sp>
+        <p:nvSpPr>
+          <p:cNvPr id="251" name="Google Shape;251;p27"/>
+          <p:cNvSpPr txBox="1"/>
+          <p:nvPr>
+            <p:ph idx="1" type="body"/>
+          </p:nvPr>
+        </p:nvSpPr>
+        <p:spPr>
+          <a:xfrm>
+            <a:off x="7274325" y="66150"/>
+            <a:ext cx="1818000" cy="559500"/>
+          </a:xfrm>
+          <a:prstGeom prst="rect">
+            <a:avLst/>
+          </a:prstGeom>
+        </p:spPr>
+        <p:txBody>
+          <a:bodyPr anchorCtr="0" anchor="t" bIns="91425" lIns="91425" spcFirstLastPara="1" rIns="91425" wrap="square" tIns="91425">
+            <a:noAutofit/>
+          </a:bodyPr>
+          <a:lstStyle/>
+          <a:p>
+            <a:pPr indent="0" lvl="0" marL="0" rtl="0" algn="l">
+              <a:lnSpc>
+                <a:spcPct val="75000"/>
+              </a:lnSpc>
+              <a:spcBef>
+                <a:spcPts val="0"/>
+              </a:spcBef>
+              <a:spcAft>
+                <a:spcPts val="0"/>
+              </a:spcAft>
+              <a:buSzPts val="1018"/>
+              <a:buNone/>
+            </a:pPr>
+            <a:r>
+              <a:t/>
+            </a:r>
+            <a:endParaRPr sz="1302"/>
+          </a:p>
+          <a:p>
+            <a:pPr indent="0" lvl="0" marL="0" rtl="0" algn="l">
+              <a:lnSpc>
+                <a:spcPct val="75000"/>
+              </a:lnSpc>
+              <a:spcBef>
+                <a:spcPts val="0"/>
+              </a:spcBef>
+              <a:spcAft>
+                <a:spcPts val="0"/>
+              </a:spcAft>
+              <a:buSzPts val="1018"/>
+              <a:buNone/>
+            </a:pPr>
+            <a:r>
+              <a:t/>
+            </a:r>
+            <a:endParaRPr sz="1025"/>
+          </a:p>
+          <a:p>
+            <a:pPr indent="0" lvl="0" marL="0" rtl="0" algn="l">
+              <a:lnSpc>
+                <a:spcPct val="75000"/>
+              </a:lnSpc>
+              <a:spcBef>
+                <a:spcPts val="0"/>
+              </a:spcBef>
+              <a:spcAft>
+                <a:spcPts val="0"/>
+              </a:spcAft>
+              <a:buSzPts val="1018"/>
+              <a:buNone/>
+            </a:pPr>
+            <a:r>
+              <a:t/>
+            </a:r>
+            <a:endParaRPr sz="1025"/>
+          </a:p>
+        </p:txBody>
+      </p:sp>
+      <p:pic>
+        <p:nvPicPr>
+          <p:cNvPr id="252" name="Google Shape;252;p27"/>
+          <p:cNvPicPr preferRelativeResize="0"/>
+          <p:nvPr/>
+        </p:nvPicPr>
+        <p:blipFill>
+          <a:blip r:embed="rId3">
+            <a:alphaModFix/>
+          </a:blip>
+          <a:stretch>
+            <a:fillRect/>
+          </a:stretch>
+        </p:blipFill>
+        <p:spPr>
+          <a:xfrm>
+            <a:off x="2251400" y="1498750"/>
+            <a:ext cx="6840924" cy="3141225"/>
+          </a:xfrm>
+          <a:prstGeom prst="rect">
+            <a:avLst/>
+          </a:prstGeom>
+          <a:noFill/>
+          <a:ln>
+            <a:noFill/>
+          </a:ln>
+        </p:spPr>
+      </p:pic>
+      <p:pic>
+        <p:nvPicPr>
+          <p:cNvPr id="253" name="Google Shape;253;p27"/>
+          <p:cNvPicPr preferRelativeResize="0"/>
+          <p:nvPr/>
+        </p:nvPicPr>
+        <p:blipFill>
+          <a:blip r:embed="rId4">
+            <a:alphaModFix/>
+          </a:blip>
+          <a:stretch>
+            <a:fillRect/>
+          </a:stretch>
+        </p:blipFill>
+        <p:spPr>
+          <a:xfrm>
+            <a:off x="409619" y="1498750"/>
+            <a:ext cx="2852956" cy="2750400"/>
+          </a:xfrm>
+          <a:prstGeom prst="rect">
+            <a:avLst/>
+          </a:prstGeom>
+          <a:noFill/>
+          <a:ln>
+            <a:noFill/>
+          </a:ln>
+        </p:spPr>
+      </p:pic>
+      <p:sp>
+        <p:nvSpPr>
+          <p:cNvPr id="254" name="Google Shape;254;p27"/>
+          <p:cNvSpPr txBox="1"/>
+          <p:nvPr/>
+        </p:nvSpPr>
+        <p:spPr>
+          <a:xfrm rot="1502942">
+            <a:off x="4938521" y="3148561"/>
+            <a:ext cx="1130862" cy="287079"/>
+          </a:xfrm>
+          <a:prstGeom prst="rect">
+            <a:avLst/>
+          </a:prstGeom>
+          <a:noFill/>
+          <a:ln>
+            <a:noFill/>
+          </a:ln>
+        </p:spPr>
+        <p:txBody>
+          <a:bodyPr anchorCtr="0" anchor="t" bIns="91425" lIns="91425" spcFirstLastPara="1" rIns="91425" wrap="square" tIns="91425">
+            <a:spAutoFit/>
+          </a:bodyPr>
+          <a:lstStyle/>
+          <a:p>
+            <a:pPr indent="0" lvl="0" marL="0" rtl="0" algn="l">
+              <a:lnSpc>
+                <a:spcPct val="95000"/>
+              </a:lnSpc>
+              <a:spcBef>
+                <a:spcPts val="0"/>
+              </a:spcBef>
+              <a:spcAft>
+                <a:spcPts val="0"/>
+              </a:spcAft>
+              <a:buNone/>
+            </a:pPr>
+            <a:r>
+              <a:rPr lang="en" sz="700">
+                <a:solidFill>
+                  <a:schemeClr val="dk1"/>
+                </a:solidFill>
+                <a:latin typeface="Lato"/>
+                <a:ea typeface="Lato"/>
+                <a:cs typeface="Lato"/>
+                <a:sym typeface="Lato"/>
+              </a:rPr>
+              <a:t>Z=</a:t>
+            </a:r>
+            <a:r>
+              <a:rPr lang="en" sz="700">
+                <a:solidFill>
+                  <a:schemeClr val="dk1"/>
+                </a:solidFill>
+                <a:latin typeface="Lato"/>
+                <a:ea typeface="Lato"/>
+                <a:cs typeface="Lato"/>
+                <a:sym typeface="Lato"/>
+              </a:rPr>
+              <a:t>Compactness_worst</a:t>
+            </a:r>
+            <a:endParaRPr sz="700">
+              <a:solidFill>
+                <a:schemeClr val="dk1"/>
+              </a:solidFill>
+              <a:latin typeface="Lato"/>
+              <a:ea typeface="Lato"/>
+              <a:cs typeface="Lato"/>
+              <a:sym typeface="Lato"/>
+            </a:endParaRPr>
+          </a:p>
+        </p:txBody>
+      </p:sp>
+      <p:sp>
+        <p:nvSpPr>
+          <p:cNvPr id="255" name="Google Shape;255;p27"/>
+          <p:cNvSpPr txBox="1"/>
+          <p:nvPr/>
+        </p:nvSpPr>
+        <p:spPr>
+          <a:xfrm>
+            <a:off x="4149350" y="3722825"/>
+            <a:ext cx="1289700" cy="301800"/>
+          </a:xfrm>
+          <a:prstGeom prst="rect">
+            <a:avLst/>
+          </a:prstGeom>
+          <a:noFill/>
+          <a:ln>
+            <a:noFill/>
+          </a:ln>
+        </p:spPr>
+        <p:txBody>
+          <a:bodyPr anchorCtr="0" anchor="t" bIns="91425" lIns="91425" spcFirstLastPara="1" rIns="91425" wrap="square" tIns="91425">
+            <a:spAutoFit/>
+          </a:bodyPr>
+          <a:lstStyle/>
+          <a:p>
+            <a:pPr indent="0" lvl="0" marL="0" rtl="0" algn="l">
+              <a:lnSpc>
+                <a:spcPct val="95000"/>
+              </a:lnSpc>
+              <a:spcBef>
+                <a:spcPts val="0"/>
+              </a:spcBef>
+              <a:spcAft>
+                <a:spcPts val="0"/>
+              </a:spcAft>
+              <a:buNone/>
+            </a:pPr>
+            <a:r>
+              <a:rPr lang="en" sz="800">
+                <a:solidFill>
+                  <a:schemeClr val="dk1"/>
+                </a:solidFill>
+                <a:latin typeface="Lato"/>
+                <a:ea typeface="Lato"/>
+                <a:cs typeface="Lato"/>
+                <a:sym typeface="Lato"/>
+              </a:rPr>
+              <a:t>X = Area_mean</a:t>
+            </a:r>
+            <a:endParaRPr sz="1200">
+              <a:solidFill>
+                <a:schemeClr val="dk1"/>
+              </a:solidFill>
+              <a:latin typeface="Lato"/>
+              <a:ea typeface="Lato"/>
+              <a:cs typeface="Lato"/>
+              <a:sym typeface="Lato"/>
+            </a:endParaRPr>
+          </a:p>
+        </p:txBody>
+      </p:sp>
+      <p:sp>
+        <p:nvSpPr>
+          <p:cNvPr id="256" name="Google Shape;256;p27"/>
+          <p:cNvSpPr txBox="1"/>
+          <p:nvPr/>
+        </p:nvSpPr>
+        <p:spPr>
+          <a:xfrm rot="5400000">
+            <a:off x="2804790" y="2352360"/>
+            <a:ext cx="1472100" cy="301800"/>
+          </a:xfrm>
+          <a:prstGeom prst="rect">
+            <a:avLst/>
+          </a:prstGeom>
+          <a:noFill/>
+          <a:ln>
+            <a:noFill/>
+          </a:ln>
+        </p:spPr>
+        <p:txBody>
+          <a:bodyPr anchorCtr="0" anchor="t" bIns="91425" lIns="91425" spcFirstLastPara="1" rIns="91425" wrap="square" tIns="91425">
+            <a:spAutoFit/>
+          </a:bodyPr>
+          <a:lstStyle/>
+          <a:p>
+            <a:pPr indent="0" lvl="0" marL="0" rtl="0" algn="l">
+              <a:lnSpc>
+                <a:spcPct val="95000"/>
+              </a:lnSpc>
+              <a:spcBef>
+                <a:spcPts val="0"/>
+              </a:spcBef>
+              <a:spcAft>
+                <a:spcPts val="0"/>
+              </a:spcAft>
+              <a:buNone/>
+            </a:pPr>
+            <a:r>
+              <a:rPr lang="en" sz="800">
+                <a:solidFill>
+                  <a:schemeClr val="dk1"/>
+                </a:solidFill>
+                <a:latin typeface="Lato"/>
+                <a:ea typeface="Lato"/>
+                <a:cs typeface="Lato"/>
+                <a:sym typeface="Lato"/>
+              </a:rPr>
+              <a:t>Y = Concavity_worst</a:t>
+            </a:r>
+            <a:endParaRPr sz="1200">
+              <a:solidFill>
+                <a:schemeClr val="dk1"/>
+              </a:solidFill>
+              <a:latin typeface="Lato"/>
+              <a:ea typeface="Lato"/>
+              <a:cs typeface="Lato"/>
+              <a:sym typeface="Lato"/>
+            </a:endParaRPr>
+          </a:p>
+        </p:txBody>
+      </p:sp>
+      <p:pic>
+        <p:nvPicPr>
+          <p:cNvPr id="257" name="Google Shape;257;p27"/>
+          <p:cNvPicPr preferRelativeResize="0"/>
+          <p:nvPr/>
+        </p:nvPicPr>
+        <p:blipFill>
+          <a:blip r:embed="rId5">
+            <a:alphaModFix/>
+          </a:blip>
+          <a:stretch>
+            <a:fillRect/>
+          </a:stretch>
+        </p:blipFill>
+        <p:spPr>
+          <a:xfrm>
+            <a:off x="6691751" y="1496188"/>
+            <a:ext cx="2400573" cy="1752375"/>
+          </a:xfrm>
+          <a:prstGeom prst="rect">
+            <a:avLst/>
+          </a:prstGeom>
+          <a:noFill/>
+          <a:ln>
+            <a:noFill/>
+          </a:ln>
+        </p:spPr>
+      </p:pic>
+      <p:cxnSp>
+        <p:nvCxnSpPr>
+          <p:cNvPr id="258" name="Google Shape;258;p27"/>
+          <p:cNvCxnSpPr/>
+          <p:nvPr/>
+        </p:nvCxnSpPr>
+        <p:spPr>
+          <a:xfrm>
+            <a:off x="3262575" y="1498750"/>
+            <a:ext cx="0" cy="2770800"/>
+          </a:xfrm>
+          <a:prstGeom prst="straightConnector1">
+            <a:avLst/>
+          </a:prstGeom>
+          <a:noFill/>
+          <a:ln cap="flat" cmpd="sng" w="19050">
+            <a:solidFill>
+              <a:schemeClr val="dk1"/>
+            </a:solidFill>
+            <a:prstDash val="solid"/>
+            <a:round/>
+            <a:headEnd len="med" w="med" type="none"/>
+            <a:tailEnd len="med" w="med" type="none"/>
+          </a:ln>
+        </p:spPr>
+      </p:cxnSp>
+    </p:spTree>
+  </p:cSld>
+  <p:clrMapOvr>
+    <a:masterClrMapping/>
+  </p:clrMapOvr>
+</p:sld>
+</file>
+
+<file path=ppt/slides/slide15.xml><?xml version="1.0" encoding="utf-8"?>
+<p:sld xmlns:a="http://schemas.openxmlformats.org/drawingml/2006/main" xmlns:r="http://schemas.openxmlformats.org/officeDocument/2006/relationships" xmlns:mc="http://schemas.openxmlformats.org/markup-compatibility/2006" xmlns:mv="urn:schemas-microsoft-com:mac:vml" xmlns:p="http://schemas.openxmlformats.org/presentationml/2006/main" xmlns:c="http://schemas.openxmlformats.org/drawingml/2006/chart" xmlns:dgm="http://schemas.openxmlformats.org/drawingml/2006/diagram" xmlns:o="urn:schemas-microsoft-com:office:office" xmlns:v="urn:schemas-microsoft-com:vml" xmlns:pvml="urn:schemas-microsoft-com:office:powerpoint" xmlns:com="http://schemas.openxmlformats.org/drawingml/2006/compatibility" xmlns:p14="http://schemas.microsoft.com/office/powerpoint/2010/main" xmlns:p15="http://schemas.microsoft.com/office/powerpoint/2012/main" xmlns:ahyp="http://schemas.microsoft.com/office/drawing/2018/hyperlinkcolor">
+  <p:cSld>
+    <p:spTree>
+      <p:nvGrpSpPr>
+        <p:cNvPr id="262" name="Shape 262"/>
+        <p:cNvGrpSpPr/>
+        <p:nvPr/>
+      </p:nvGrpSpPr>
+      <p:grpSpPr>
+        <a:xfrm>
+          <a:off x="0" y="0"/>
+          <a:ext cx="0" cy="0"/>
+          <a:chOff x="0" y="0"/>
+          <a:chExt cx="0" cy="0"/>
+        </a:xfrm>
+      </p:grpSpPr>
+      <p:sp>
+        <p:nvSpPr>
+          <p:cNvPr id="263" name="Google Shape;263;p28"/>
+          <p:cNvSpPr txBox="1"/>
+          <p:nvPr>
+            <p:ph type="title"/>
+          </p:nvPr>
+        </p:nvSpPr>
+        <p:spPr>
+          <a:xfrm>
             <a:off x="1297450" y="412000"/>
             <a:ext cx="7038900" cy="914100"/>
           </a:xfrm>
@@ -15118,7 +15995,7 @@
       </p:sp>
       <p:sp>
         <p:nvSpPr>
-          <p:cNvPr id="251" name="Google Shape;251;p27"/>
+          <p:cNvPr id="264" name="Google Shape;264;p28"/>
           <p:cNvSpPr txBox="1"/>
           <p:nvPr>
             <p:ph idx="1" type="body"/>
@@ -15135,7 +16012,7 @@
         </p:spPr>
         <p:txBody>
           <a:bodyPr anchorCtr="0" anchor="t" bIns="91425" lIns="91425" spcFirstLastPara="1" rIns="91425" wrap="square" tIns="91425">
-            <a:normAutofit/>
+            <a:normAutofit lnSpcReduction="20000"/>
           </a:bodyPr>
           <a:lstStyle/>
           <a:p>
@@ -15153,7 +16030,7 @@
             </a:pPr>
             <a:r>
               <a:rPr lang="en" sz="1200"/>
-              <a:t>Yes! Size very much matters.</a:t>
+              <a:t>Size makes a difference; so what would happen if we removed them from our model?</a:t>
             </a:r>
             <a:endParaRPr sz="1200"/>
           </a:p>
@@ -15161,7 +16038,7 @@
       </p:sp>
       <p:pic>
         <p:nvPicPr>
-          <p:cNvPr id="252" name="Google Shape;252;p27"/>
+          <p:cNvPr id="265" name="Google Shape;265;p28"/>
           <p:cNvPicPr preferRelativeResize="0"/>
           <p:nvPr/>
         </p:nvPicPr>
@@ -15189,7 +16066,7 @@
       </p:pic>
       <p:pic>
         <p:nvPicPr>
-          <p:cNvPr id="253" name="Google Shape;253;p27"/>
+          <p:cNvPr id="266" name="Google Shape;266;p28"/>
           <p:cNvPicPr preferRelativeResize="0"/>
           <p:nvPr/>
         </p:nvPicPr>
@@ -15223,12 +16100,12 @@
 </p:sld>
 </file>
 
-<file path=ppt/slides/slide15.xml><?xml version="1.0" encoding="utf-8"?>
+<file path=ppt/slides/slide16.xml><?xml version="1.0" encoding="utf-8"?>
 <p:sld xmlns:a="http://schemas.openxmlformats.org/drawingml/2006/main" xmlns:r="http://schemas.openxmlformats.org/officeDocument/2006/relationships" xmlns:mc="http://schemas.openxmlformats.org/markup-compatibility/2006" xmlns:mv="urn:schemas-microsoft-com:mac:vml" xmlns:p="http://schemas.openxmlformats.org/presentationml/2006/main" xmlns:c="http://schemas.openxmlformats.org/drawingml/2006/chart" xmlns:dgm="http://schemas.openxmlformats.org/drawingml/2006/diagram" xmlns:o="urn:schemas-microsoft-com:office:office" xmlns:v="urn:schemas-microsoft-com:vml" xmlns:pvml="urn:schemas-microsoft-com:office:powerpoint" xmlns:com="http://schemas.openxmlformats.org/drawingml/2006/compatibility" xmlns:p14="http://schemas.microsoft.com/office/powerpoint/2010/main" xmlns:p15="http://schemas.microsoft.com/office/powerpoint/2012/main" xmlns:ahyp="http://schemas.microsoft.com/office/drawing/2018/hyperlinkcolor">
   <p:cSld>
     <p:spTree>
       <p:nvGrpSpPr>
-        <p:cNvPr id="257" name="Shape 257"/>
+        <p:cNvPr id="270" name="Shape 270"/>
         <p:cNvGrpSpPr/>
         <p:nvPr/>
       </p:nvGrpSpPr>
@@ -15242,7 +16119,1101 @@
       </p:grpSpPr>
       <p:sp>
         <p:nvSpPr>
-          <p:cNvPr id="258" name="Google Shape;258;p28"/>
+          <p:cNvPr id="271" name="Google Shape;271;p29"/>
+          <p:cNvSpPr txBox="1"/>
+          <p:nvPr>
+            <p:ph idx="1" type="body"/>
+          </p:nvPr>
+        </p:nvSpPr>
+        <p:spPr>
+          <a:xfrm>
+            <a:off x="1024650" y="587600"/>
+            <a:ext cx="7267500" cy="914100"/>
+          </a:xfrm>
+          <a:prstGeom prst="rect">
+            <a:avLst/>
+          </a:prstGeom>
+        </p:spPr>
+        <p:txBody>
+          <a:bodyPr anchorCtr="0" anchor="t" bIns="91425" lIns="91425" spcFirstLastPara="1" rIns="91425" wrap="square" tIns="91425">
+            <a:normAutofit lnSpcReduction="20000"/>
+          </a:bodyPr>
+          <a:lstStyle/>
+          <a:p>
+            <a:pPr indent="0" lvl="0" marL="0" rtl="0" algn="l">
+              <a:spcBef>
+                <a:spcPts val="0"/>
+              </a:spcBef>
+              <a:spcAft>
+                <a:spcPts val="0"/>
+              </a:spcAft>
+              <a:buNone/>
+            </a:pPr>
+            <a:r>
+              <a:rPr lang="en"/>
+              <a:t>Results of second run through with the size features removed; Perimeter_mean, Perimeter_se, Perimeter_worst, Area</a:t>
+            </a:r>
+            <a:r>
+              <a:rPr lang="en"/>
+              <a:t>_mean, Area_se, Area_worst, Radius_mean, Radius_se, and Radius_worst.</a:t>
+            </a:r>
+            <a:endParaRPr/>
+          </a:p>
+          <a:p>
+            <a:pPr indent="0" lvl="0" marL="0" rtl="0" algn="l">
+              <a:spcBef>
+                <a:spcPts val="1200"/>
+              </a:spcBef>
+              <a:spcAft>
+                <a:spcPts val="1200"/>
+              </a:spcAft>
+              <a:buNone/>
+            </a:pPr>
+            <a:r>
+              <a:t/>
+            </a:r>
+            <a:endParaRPr/>
+          </a:p>
+        </p:txBody>
+      </p:sp>
+      <p:sp>
+        <p:nvSpPr>
+          <p:cNvPr id="272" name="Google Shape;272;p29"/>
+          <p:cNvSpPr txBox="1"/>
+          <p:nvPr>
+            <p:ph type="title"/>
+          </p:nvPr>
+        </p:nvSpPr>
+        <p:spPr>
+          <a:xfrm>
+            <a:off x="896550" y="0"/>
+            <a:ext cx="7038900" cy="807000"/>
+          </a:xfrm>
+          <a:prstGeom prst="rect">
+            <a:avLst/>
+          </a:prstGeom>
+        </p:spPr>
+        <p:txBody>
+          <a:bodyPr anchorCtr="0" anchor="t" bIns="91425" lIns="91425" spcFirstLastPara="1" rIns="91425" wrap="square" tIns="91425">
+            <a:normAutofit/>
+          </a:bodyPr>
+          <a:lstStyle/>
+          <a:p>
+            <a:pPr indent="0" lvl="0" marL="0" rtl="0" algn="l">
+              <a:spcBef>
+                <a:spcPts val="0"/>
+              </a:spcBef>
+              <a:spcAft>
+                <a:spcPts val="0"/>
+              </a:spcAft>
+              <a:buNone/>
+            </a:pPr>
+            <a:r>
+              <a:rPr lang="en"/>
+              <a:t>Results from second run-through</a:t>
+            </a:r>
+            <a:endParaRPr/>
+          </a:p>
+        </p:txBody>
+      </p:sp>
+      <p:pic>
+        <p:nvPicPr>
+          <p:cNvPr id="273" name="Google Shape;273;p29"/>
+          <p:cNvPicPr preferRelativeResize="0"/>
+          <p:nvPr/>
+        </p:nvPicPr>
+        <p:blipFill rotWithShape="1">
+          <a:blip r:embed="rId3">
+            <a:alphaModFix/>
+          </a:blip>
+          <a:srcRect b="85690" l="670" r="680" t="1162"/>
+          <a:stretch/>
+        </p:blipFill>
+        <p:spPr>
+          <a:xfrm>
+            <a:off x="292625" y="1846025"/>
+            <a:ext cx="4604350" cy="397550"/>
+          </a:xfrm>
+          <a:prstGeom prst="rect">
+            <a:avLst/>
+          </a:prstGeom>
+          <a:noFill/>
+          <a:ln>
+            <a:noFill/>
+          </a:ln>
+        </p:spPr>
+      </p:pic>
+      <p:sp>
+        <p:nvSpPr>
+          <p:cNvPr id="274" name="Google Shape;274;p29"/>
+          <p:cNvSpPr txBox="1"/>
+          <p:nvPr/>
+        </p:nvSpPr>
+        <p:spPr>
+          <a:xfrm>
+            <a:off x="292625" y="1571175"/>
+            <a:ext cx="3000000" cy="354000"/>
+          </a:xfrm>
+          <a:prstGeom prst="rect">
+            <a:avLst/>
+          </a:prstGeom>
+          <a:noFill/>
+          <a:ln>
+            <a:noFill/>
+          </a:ln>
+        </p:spPr>
+        <p:txBody>
+          <a:bodyPr anchorCtr="0" anchor="t" bIns="91425" lIns="91425" spcFirstLastPara="1" rIns="91425" wrap="square" tIns="91425">
+            <a:spAutoFit/>
+          </a:bodyPr>
+          <a:lstStyle/>
+          <a:p>
+            <a:pPr indent="0" lvl="0" marL="0" rtl="0" algn="l">
+              <a:lnSpc>
+                <a:spcPct val="115000"/>
+              </a:lnSpc>
+              <a:spcBef>
+                <a:spcPts val="0"/>
+              </a:spcBef>
+              <a:spcAft>
+                <a:spcPts val="1200"/>
+              </a:spcAft>
+              <a:buNone/>
+            </a:pPr>
+            <a:r>
+              <a:rPr lang="en" sz="1100" u="sng">
+                <a:solidFill>
+                  <a:schemeClr val="lt1"/>
+                </a:solidFill>
+                <a:latin typeface="Lato"/>
+                <a:ea typeface="Lato"/>
+                <a:cs typeface="Lato"/>
+                <a:sym typeface="Lato"/>
+              </a:rPr>
+              <a:t>Linear Regression Results</a:t>
+            </a:r>
+            <a:endParaRPr sz="1200" u="sng"/>
+          </a:p>
+        </p:txBody>
+      </p:sp>
+      <p:pic>
+        <p:nvPicPr>
+          <p:cNvPr id="275" name="Google Shape;275;p29"/>
+          <p:cNvPicPr preferRelativeResize="0"/>
+          <p:nvPr/>
+        </p:nvPicPr>
+        <p:blipFill rotWithShape="1">
+          <a:blip r:embed="rId4">
+            <a:alphaModFix/>
+          </a:blip>
+          <a:srcRect b="27520" l="0" r="0" t="11567"/>
+          <a:stretch/>
+        </p:blipFill>
+        <p:spPr>
+          <a:xfrm>
+            <a:off x="292625" y="3013313"/>
+            <a:ext cx="3942226" cy="1555650"/>
+          </a:xfrm>
+          <a:prstGeom prst="rect">
+            <a:avLst/>
+          </a:prstGeom>
+          <a:noFill/>
+          <a:ln>
+            <a:noFill/>
+          </a:ln>
+        </p:spPr>
+      </p:pic>
+      <p:pic>
+        <p:nvPicPr>
+          <p:cNvPr id="276" name="Google Shape;276;p29"/>
+          <p:cNvPicPr preferRelativeResize="0"/>
+          <p:nvPr/>
+        </p:nvPicPr>
+        <p:blipFill rotWithShape="1">
+          <a:blip r:embed="rId4">
+            <a:alphaModFix/>
+          </a:blip>
+          <a:srcRect b="0" l="0" r="0" t="91687"/>
+          <a:stretch/>
+        </p:blipFill>
+        <p:spPr>
+          <a:xfrm>
+            <a:off x="292625" y="4775682"/>
+            <a:ext cx="3942226" cy="212300"/>
+          </a:xfrm>
+          <a:prstGeom prst="rect">
+            <a:avLst/>
+          </a:prstGeom>
+          <a:noFill/>
+          <a:ln>
+            <a:noFill/>
+          </a:ln>
+        </p:spPr>
+      </p:pic>
+      <p:sp>
+        <p:nvSpPr>
+          <p:cNvPr id="277" name="Google Shape;277;p29"/>
+          <p:cNvSpPr txBox="1"/>
+          <p:nvPr/>
+        </p:nvSpPr>
+        <p:spPr>
+          <a:xfrm>
+            <a:off x="292625" y="2696063"/>
+            <a:ext cx="3000000" cy="354000"/>
+          </a:xfrm>
+          <a:prstGeom prst="rect">
+            <a:avLst/>
+          </a:prstGeom>
+          <a:noFill/>
+          <a:ln>
+            <a:noFill/>
+          </a:ln>
+        </p:spPr>
+        <p:txBody>
+          <a:bodyPr anchorCtr="0" anchor="t" bIns="91425" lIns="91425" spcFirstLastPara="1" rIns="91425" wrap="square" tIns="91425">
+            <a:spAutoFit/>
+          </a:bodyPr>
+          <a:lstStyle/>
+          <a:p>
+            <a:pPr indent="0" lvl="0" marL="0" rtl="0" algn="l">
+              <a:lnSpc>
+                <a:spcPct val="115000"/>
+              </a:lnSpc>
+              <a:spcBef>
+                <a:spcPts val="0"/>
+              </a:spcBef>
+              <a:spcAft>
+                <a:spcPts val="1200"/>
+              </a:spcAft>
+              <a:buNone/>
+            </a:pPr>
+            <a:r>
+              <a:rPr lang="en" sz="1100" u="sng">
+                <a:solidFill>
+                  <a:schemeClr val="lt1"/>
+                </a:solidFill>
+                <a:latin typeface="Lato"/>
+                <a:ea typeface="Lato"/>
+                <a:cs typeface="Lato"/>
+                <a:sym typeface="Lato"/>
+              </a:rPr>
+              <a:t>Logistic</a:t>
+            </a:r>
+            <a:r>
+              <a:rPr lang="en" sz="1100" u="sng">
+                <a:solidFill>
+                  <a:schemeClr val="lt1"/>
+                </a:solidFill>
+                <a:latin typeface="Lato"/>
+                <a:ea typeface="Lato"/>
+                <a:cs typeface="Lato"/>
+                <a:sym typeface="Lato"/>
+              </a:rPr>
+              <a:t> Regression Results</a:t>
+            </a:r>
+            <a:endParaRPr sz="1200" u="sng"/>
+          </a:p>
+        </p:txBody>
+      </p:sp>
+      <p:sp>
+        <p:nvSpPr>
+          <p:cNvPr id="278" name="Google Shape;278;p29"/>
+          <p:cNvSpPr txBox="1"/>
+          <p:nvPr/>
+        </p:nvSpPr>
+        <p:spPr>
+          <a:xfrm>
+            <a:off x="292625" y="4503825"/>
+            <a:ext cx="3000000" cy="354000"/>
+          </a:xfrm>
+          <a:prstGeom prst="rect">
+            <a:avLst/>
+          </a:prstGeom>
+          <a:noFill/>
+          <a:ln>
+            <a:noFill/>
+          </a:ln>
+        </p:spPr>
+        <p:txBody>
+          <a:bodyPr anchorCtr="0" anchor="t" bIns="91425" lIns="91425" spcFirstLastPara="1" rIns="91425" wrap="square" tIns="91425">
+            <a:spAutoFit/>
+          </a:bodyPr>
+          <a:lstStyle/>
+          <a:p>
+            <a:pPr indent="0" lvl="0" marL="0" rtl="0" algn="l">
+              <a:lnSpc>
+                <a:spcPct val="115000"/>
+              </a:lnSpc>
+              <a:spcBef>
+                <a:spcPts val="0"/>
+              </a:spcBef>
+              <a:spcAft>
+                <a:spcPts val="1200"/>
+              </a:spcAft>
+              <a:buNone/>
+            </a:pPr>
+            <a:r>
+              <a:rPr lang="en" sz="1100" u="sng">
+                <a:solidFill>
+                  <a:schemeClr val="lt1"/>
+                </a:solidFill>
+                <a:latin typeface="Lato"/>
+                <a:ea typeface="Lato"/>
+                <a:cs typeface="Lato"/>
+                <a:sym typeface="Lato"/>
+              </a:rPr>
+              <a:t>Logistic</a:t>
+            </a:r>
+            <a:r>
+              <a:rPr lang="en" sz="1100" u="sng">
+                <a:solidFill>
+                  <a:schemeClr val="lt1"/>
+                </a:solidFill>
+                <a:latin typeface="Lato"/>
+                <a:ea typeface="Lato"/>
+                <a:cs typeface="Lato"/>
+                <a:sym typeface="Lato"/>
+              </a:rPr>
+              <a:t> Regression accuracy</a:t>
+            </a:r>
+            <a:endParaRPr sz="1200" u="sng"/>
+          </a:p>
+        </p:txBody>
+      </p:sp>
+      <p:sp>
+        <p:nvSpPr>
+          <p:cNvPr id="279" name="Google Shape;279;p29"/>
+          <p:cNvSpPr txBox="1"/>
+          <p:nvPr>
+            <p:ph idx="1" type="body"/>
+          </p:nvPr>
+        </p:nvSpPr>
+        <p:spPr>
+          <a:xfrm>
+            <a:off x="6372350" y="1171975"/>
+            <a:ext cx="2715000" cy="1596600"/>
+          </a:xfrm>
+          <a:prstGeom prst="rect">
+            <a:avLst/>
+          </a:prstGeom>
+        </p:spPr>
+        <p:txBody>
+          <a:bodyPr anchorCtr="0" anchor="t" bIns="91425" lIns="91425" spcFirstLastPara="1" rIns="91425" wrap="square" tIns="91425">
+            <a:normAutofit/>
+          </a:bodyPr>
+          <a:lstStyle/>
+          <a:p>
+            <a:pPr indent="0" lvl="0" marL="0" marR="917728" rtl="0" algn="l">
+              <a:lnSpc>
+                <a:spcPct val="100000"/>
+              </a:lnSpc>
+              <a:spcBef>
+                <a:spcPts val="0"/>
+              </a:spcBef>
+              <a:spcAft>
+                <a:spcPts val="0"/>
+              </a:spcAft>
+              <a:buNone/>
+            </a:pPr>
+            <a:r>
+              <a:rPr lang="en" sz="900" u="sng"/>
+              <a:t>Accuracy Results from first ML run through:</a:t>
+            </a:r>
+            <a:endParaRPr sz="900" u="sng"/>
+          </a:p>
+          <a:p>
+            <a:pPr indent="0" lvl="0" marL="0" marR="917728" rtl="0" algn="l">
+              <a:lnSpc>
+                <a:spcPct val="100000"/>
+              </a:lnSpc>
+              <a:spcBef>
+                <a:spcPts val="0"/>
+              </a:spcBef>
+              <a:spcAft>
+                <a:spcPts val="0"/>
+              </a:spcAft>
+              <a:buNone/>
+            </a:pPr>
+            <a:r>
+              <a:rPr lang="en" sz="900"/>
+              <a:t>Linear Regression = 84.27%</a:t>
+            </a:r>
+            <a:endParaRPr sz="900"/>
+          </a:p>
+          <a:p>
+            <a:pPr indent="0" lvl="0" marL="0" marR="917728" rtl="0" algn="l">
+              <a:lnSpc>
+                <a:spcPct val="100000"/>
+              </a:lnSpc>
+              <a:spcBef>
+                <a:spcPts val="0"/>
+              </a:spcBef>
+              <a:spcAft>
+                <a:spcPts val="0"/>
+              </a:spcAft>
+              <a:buNone/>
+            </a:pPr>
+            <a:r>
+              <a:rPr lang="en" sz="900"/>
+              <a:t>Logistic Regression = </a:t>
+            </a:r>
+            <a:r>
+              <a:rPr b="1" lang="en" sz="900"/>
+              <a:t>97.09</a:t>
+            </a:r>
+            <a:r>
+              <a:rPr b="1" lang="en" sz="900"/>
+              <a:t>%</a:t>
+            </a:r>
+            <a:endParaRPr b="1" sz="900"/>
+          </a:p>
+          <a:p>
+            <a:pPr indent="0" lvl="0" marL="0" marR="917728" rtl="0" algn="l">
+              <a:lnSpc>
+                <a:spcPct val="100000"/>
+              </a:lnSpc>
+              <a:spcBef>
+                <a:spcPts val="0"/>
+              </a:spcBef>
+              <a:spcAft>
+                <a:spcPts val="0"/>
+              </a:spcAft>
+              <a:buNone/>
+            </a:pPr>
+            <a:r>
+              <a:t/>
+            </a:r>
+            <a:endParaRPr b="1" sz="1000"/>
+          </a:p>
+          <a:p>
+            <a:pPr indent="0" lvl="0" marL="0" marR="917728" rtl="0" algn="l">
+              <a:lnSpc>
+                <a:spcPct val="100000"/>
+              </a:lnSpc>
+              <a:spcBef>
+                <a:spcPts val="0"/>
+              </a:spcBef>
+              <a:spcAft>
+                <a:spcPts val="0"/>
+              </a:spcAft>
+              <a:buNone/>
+            </a:pPr>
+            <a:r>
+              <a:t/>
+            </a:r>
+            <a:endParaRPr sz="1000"/>
+          </a:p>
+        </p:txBody>
+      </p:sp>
+      <p:sp>
+        <p:nvSpPr>
+          <p:cNvPr id="280" name="Google Shape;280;p29"/>
+          <p:cNvSpPr txBox="1"/>
+          <p:nvPr/>
+        </p:nvSpPr>
+        <p:spPr>
+          <a:xfrm>
+            <a:off x="4234850" y="3485750"/>
+            <a:ext cx="4852500" cy="1569900"/>
+          </a:xfrm>
+          <a:prstGeom prst="rect">
+            <a:avLst/>
+          </a:prstGeom>
+          <a:noFill/>
+          <a:ln>
+            <a:noFill/>
+          </a:ln>
+        </p:spPr>
+        <p:txBody>
+          <a:bodyPr anchorCtr="0" anchor="t" bIns="91425" lIns="91425" spcFirstLastPara="1" rIns="91425" wrap="square" tIns="91425">
+            <a:spAutoFit/>
+          </a:bodyPr>
+          <a:lstStyle/>
+          <a:p>
+            <a:pPr indent="0" lvl="0" marL="0" rtl="0" algn="l">
+              <a:spcBef>
+                <a:spcPts val="0"/>
+              </a:spcBef>
+              <a:spcAft>
+                <a:spcPts val="0"/>
+              </a:spcAft>
+              <a:buNone/>
+            </a:pPr>
+            <a:r>
+              <a:rPr lang="en" sz="900">
+                <a:solidFill>
+                  <a:schemeClr val="lt1"/>
+                </a:solidFill>
+                <a:latin typeface="Lato"/>
+                <a:ea typeface="Lato"/>
+                <a:cs typeface="Lato"/>
+                <a:sym typeface="Lato"/>
+              </a:rPr>
+              <a:t>Overall, a drop of 6% to our linear regression model and a drop of 4% to the logistic regression model’s accuracy. </a:t>
+            </a:r>
+            <a:endParaRPr sz="900">
+              <a:solidFill>
+                <a:schemeClr val="lt1"/>
+              </a:solidFill>
+              <a:latin typeface="Lato"/>
+              <a:ea typeface="Lato"/>
+              <a:cs typeface="Lato"/>
+              <a:sym typeface="Lato"/>
+            </a:endParaRPr>
+          </a:p>
+          <a:p>
+            <a:pPr indent="0" lvl="0" marL="0" rtl="0" algn="l">
+              <a:spcBef>
+                <a:spcPts val="0"/>
+              </a:spcBef>
+              <a:spcAft>
+                <a:spcPts val="0"/>
+              </a:spcAft>
+              <a:buNone/>
+            </a:pPr>
+            <a:r>
+              <a:t/>
+            </a:r>
+            <a:endParaRPr sz="900">
+              <a:solidFill>
+                <a:schemeClr val="lt1"/>
+              </a:solidFill>
+              <a:latin typeface="Lato"/>
+              <a:ea typeface="Lato"/>
+              <a:cs typeface="Lato"/>
+              <a:sym typeface="Lato"/>
+            </a:endParaRPr>
+          </a:p>
+          <a:p>
+            <a:pPr indent="0" lvl="0" marL="0" rtl="0" algn="l">
+              <a:spcBef>
+                <a:spcPts val="0"/>
+              </a:spcBef>
+              <a:spcAft>
+                <a:spcPts val="0"/>
+              </a:spcAft>
+              <a:buNone/>
+            </a:pPr>
+            <a:r>
+              <a:rPr lang="en" sz="900">
+                <a:solidFill>
+                  <a:schemeClr val="lt1"/>
+                </a:solidFill>
+                <a:latin typeface="Lato"/>
+                <a:ea typeface="Lato"/>
+                <a:cs typeface="Lato"/>
+                <a:sym typeface="Lato"/>
+              </a:rPr>
+              <a:t>The Logistic model had negligible changes to its precision and sensitivity, however..,</a:t>
+            </a:r>
+            <a:endParaRPr sz="900">
+              <a:solidFill>
+                <a:schemeClr val="lt1"/>
+              </a:solidFill>
+              <a:latin typeface="Lato"/>
+              <a:ea typeface="Lato"/>
+              <a:cs typeface="Lato"/>
+              <a:sym typeface="Lato"/>
+            </a:endParaRPr>
+          </a:p>
+          <a:p>
+            <a:pPr indent="0" lvl="0" marL="0" rtl="0" algn="l">
+              <a:spcBef>
+                <a:spcPts val="0"/>
+              </a:spcBef>
+              <a:spcAft>
+                <a:spcPts val="0"/>
+              </a:spcAft>
+              <a:buNone/>
+            </a:pPr>
+            <a:r>
+              <a:t/>
+            </a:r>
+            <a:endParaRPr sz="900">
+              <a:solidFill>
+                <a:schemeClr val="lt1"/>
+              </a:solidFill>
+              <a:latin typeface="Lato"/>
+              <a:ea typeface="Lato"/>
+              <a:cs typeface="Lato"/>
+              <a:sym typeface="Lato"/>
+            </a:endParaRPr>
+          </a:p>
+          <a:p>
+            <a:pPr indent="0" lvl="0" marL="0" rtl="0" algn="l">
+              <a:spcBef>
+                <a:spcPts val="0"/>
+              </a:spcBef>
+              <a:spcAft>
+                <a:spcPts val="0"/>
+              </a:spcAft>
+              <a:buNone/>
+            </a:pPr>
+            <a:r>
+              <a:rPr lang="en" sz="900">
+                <a:solidFill>
+                  <a:schemeClr val="lt1"/>
+                </a:solidFill>
+                <a:latin typeface="Lato"/>
+                <a:ea typeface="Lato"/>
+                <a:cs typeface="Lato"/>
+                <a:sym typeface="Lato"/>
+              </a:rPr>
+              <a:t>When comparing the confusion matrices, you can see 4 additional patients with false negatives (meaning they have a malignant tumor, but their </a:t>
+            </a:r>
+            <a:r>
+              <a:rPr lang="en" sz="900">
+                <a:solidFill>
+                  <a:schemeClr val="lt1"/>
+                </a:solidFill>
+                <a:latin typeface="Lato"/>
+                <a:ea typeface="Lato"/>
+                <a:cs typeface="Lato"/>
+                <a:sym typeface="Lato"/>
+              </a:rPr>
+              <a:t>results</a:t>
+            </a:r>
+            <a:r>
+              <a:rPr lang="en" sz="900">
+                <a:solidFill>
+                  <a:schemeClr val="lt1"/>
+                </a:solidFill>
+                <a:latin typeface="Lato"/>
+                <a:ea typeface="Lato"/>
+                <a:cs typeface="Lato"/>
+                <a:sym typeface="Lato"/>
+              </a:rPr>
+              <a:t> returned negative.)</a:t>
+            </a:r>
+            <a:endParaRPr sz="900">
+              <a:solidFill>
+                <a:schemeClr val="lt1"/>
+              </a:solidFill>
+              <a:latin typeface="Lato"/>
+              <a:ea typeface="Lato"/>
+              <a:cs typeface="Lato"/>
+              <a:sym typeface="Lato"/>
+            </a:endParaRPr>
+          </a:p>
+          <a:p>
+            <a:pPr indent="0" lvl="0" marL="0" rtl="0" algn="l">
+              <a:spcBef>
+                <a:spcPts val="0"/>
+              </a:spcBef>
+              <a:spcAft>
+                <a:spcPts val="0"/>
+              </a:spcAft>
+              <a:buNone/>
+            </a:pPr>
+            <a:r>
+              <a:t/>
+            </a:r>
+            <a:endParaRPr sz="900">
+              <a:solidFill>
+                <a:schemeClr val="lt1"/>
+              </a:solidFill>
+              <a:latin typeface="Lato"/>
+              <a:ea typeface="Lato"/>
+              <a:cs typeface="Lato"/>
+              <a:sym typeface="Lato"/>
+            </a:endParaRPr>
+          </a:p>
+          <a:p>
+            <a:pPr indent="0" lvl="0" marL="0" rtl="0" algn="l">
+              <a:spcBef>
+                <a:spcPts val="0"/>
+              </a:spcBef>
+              <a:spcAft>
+                <a:spcPts val="0"/>
+              </a:spcAft>
+              <a:buNone/>
+            </a:pPr>
+            <a:r>
+              <a:rPr lang="en" sz="900">
+                <a:solidFill>
+                  <a:schemeClr val="lt1"/>
+                </a:solidFill>
+                <a:latin typeface="Lato"/>
+                <a:ea typeface="Lato"/>
+                <a:cs typeface="Lato"/>
+                <a:sym typeface="Lato"/>
+              </a:rPr>
+              <a:t>And, 2 additional patients with false positives (meaning their results came back positive, but their tumor is benign.)</a:t>
+            </a:r>
+            <a:endParaRPr sz="900">
+              <a:solidFill>
+                <a:schemeClr val="lt1"/>
+              </a:solidFill>
+              <a:latin typeface="Lato"/>
+              <a:ea typeface="Lato"/>
+              <a:cs typeface="Lato"/>
+              <a:sym typeface="Lato"/>
+            </a:endParaRPr>
+          </a:p>
+        </p:txBody>
+      </p:sp>
+      <p:pic>
+        <p:nvPicPr>
+          <p:cNvPr id="281" name="Google Shape;281;p29"/>
+          <p:cNvPicPr preferRelativeResize="0"/>
+          <p:nvPr/>
+        </p:nvPicPr>
+        <p:blipFill rotWithShape="1">
+          <a:blip r:embed="rId5">
+            <a:alphaModFix/>
+          </a:blip>
+          <a:srcRect b="0" l="0" r="42571" t="86405"/>
+          <a:stretch/>
+        </p:blipFill>
+        <p:spPr>
+          <a:xfrm>
+            <a:off x="6440825" y="1824638"/>
+            <a:ext cx="2066933" cy="397550"/>
+          </a:xfrm>
+          <a:prstGeom prst="rect">
+            <a:avLst/>
+          </a:prstGeom>
+          <a:noFill/>
+          <a:ln>
+            <a:noFill/>
+          </a:ln>
+        </p:spPr>
+      </p:pic>
+      <p:pic>
+        <p:nvPicPr>
+          <p:cNvPr id="282" name="Google Shape;282;p29"/>
+          <p:cNvPicPr preferRelativeResize="0"/>
+          <p:nvPr/>
+        </p:nvPicPr>
+        <p:blipFill rotWithShape="1">
+          <a:blip r:embed="rId6">
+            <a:alphaModFix/>
+          </a:blip>
+          <a:srcRect b="4516" l="0" r="0" t="0"/>
+          <a:stretch/>
+        </p:blipFill>
+        <p:spPr>
+          <a:xfrm>
+            <a:off x="6440825" y="2222200"/>
+            <a:ext cx="1666875" cy="1129425"/>
+          </a:xfrm>
+          <a:prstGeom prst="rect">
+            <a:avLst/>
+          </a:prstGeom>
+          <a:noFill/>
+          <a:ln>
+            <a:noFill/>
+          </a:ln>
+        </p:spPr>
+      </p:pic>
+      <p:cxnSp>
+        <p:nvCxnSpPr>
+          <p:cNvPr id="283" name="Google Shape;283;p29"/>
+          <p:cNvCxnSpPr/>
+          <p:nvPr/>
+        </p:nvCxnSpPr>
+        <p:spPr>
+          <a:xfrm flipH="1" rot="10800000">
+            <a:off x="238950" y="2372275"/>
+            <a:ext cx="5097000" cy="6600"/>
+          </a:xfrm>
+          <a:prstGeom prst="straightConnector1">
+            <a:avLst/>
+          </a:prstGeom>
+          <a:noFill/>
+          <a:ln cap="flat" cmpd="sng" w="28575">
+            <a:solidFill>
+              <a:schemeClr val="dk2"/>
+            </a:solidFill>
+            <a:prstDash val="solid"/>
+            <a:round/>
+            <a:headEnd len="med" w="med" type="none"/>
+            <a:tailEnd len="med" w="med" type="none"/>
+          </a:ln>
+        </p:spPr>
+      </p:cxnSp>
+    </p:spTree>
+  </p:cSld>
+  <p:clrMapOvr>
+    <a:masterClrMapping/>
+  </p:clrMapOvr>
+</p:sld>
+</file>
+
+<file path=ppt/slides/slide17.xml><?xml version="1.0" encoding="utf-8"?>
+<p:sld xmlns:a="http://schemas.openxmlformats.org/drawingml/2006/main" xmlns:r="http://schemas.openxmlformats.org/officeDocument/2006/relationships" xmlns:mc="http://schemas.openxmlformats.org/markup-compatibility/2006" xmlns:mv="urn:schemas-microsoft-com:mac:vml" xmlns:p="http://schemas.openxmlformats.org/presentationml/2006/main" xmlns:c="http://schemas.openxmlformats.org/drawingml/2006/chart" xmlns:dgm="http://schemas.openxmlformats.org/drawingml/2006/diagram" xmlns:o="urn:schemas-microsoft-com:office:office" xmlns:v="urn:schemas-microsoft-com:vml" xmlns:pvml="urn:schemas-microsoft-com:office:powerpoint" xmlns:com="http://schemas.openxmlformats.org/drawingml/2006/compatibility" xmlns:p14="http://schemas.microsoft.com/office/powerpoint/2010/main" xmlns:p15="http://schemas.microsoft.com/office/powerpoint/2012/main" xmlns:ahyp="http://schemas.microsoft.com/office/drawing/2018/hyperlinkcolor">
+  <p:cSld>
+    <p:spTree>
+      <p:nvGrpSpPr>
+        <p:cNvPr id="287" name="Shape 287"/>
+        <p:cNvGrpSpPr/>
+        <p:nvPr/>
+      </p:nvGrpSpPr>
+      <p:grpSpPr>
+        <a:xfrm>
+          <a:off x="0" y="0"/>
+          <a:ext cx="0" cy="0"/>
+          <a:chOff x="0" y="0"/>
+          <a:chExt cx="0" cy="0"/>
+        </a:xfrm>
+      </p:grpSpPr>
+      <p:pic>
+        <p:nvPicPr>
+          <p:cNvPr id="288" name="Google Shape;288;p30"/>
+          <p:cNvPicPr preferRelativeResize="0"/>
+          <p:nvPr/>
+        </p:nvPicPr>
+        <p:blipFill>
+          <a:blip r:embed="rId3">
+            <a:alphaModFix amt="37000"/>
+          </a:blip>
+          <a:stretch>
+            <a:fillRect/>
+          </a:stretch>
+        </p:blipFill>
+        <p:spPr>
+          <a:xfrm>
+            <a:off x="3165300" y="1713000"/>
+            <a:ext cx="5575574" cy="3232200"/>
+          </a:xfrm>
+          <a:prstGeom prst="rect">
+            <a:avLst/>
+          </a:prstGeom>
+          <a:noFill/>
+          <a:ln>
+            <a:noFill/>
+          </a:ln>
+        </p:spPr>
+      </p:pic>
+      <p:sp>
+        <p:nvSpPr>
+          <p:cNvPr id="289" name="Google Shape;289;p30"/>
+          <p:cNvSpPr txBox="1"/>
+          <p:nvPr>
+            <p:ph type="title"/>
+          </p:nvPr>
+        </p:nvSpPr>
+        <p:spPr>
+          <a:xfrm>
+            <a:off x="1332975" y="393750"/>
+            <a:ext cx="7038900" cy="914100"/>
+          </a:xfrm>
+          <a:prstGeom prst="rect">
+            <a:avLst/>
+          </a:prstGeom>
+        </p:spPr>
+        <p:txBody>
+          <a:bodyPr anchorCtr="0" anchor="t" bIns="91425" lIns="91425" spcFirstLastPara="1" rIns="91425" wrap="square" tIns="91425">
+            <a:normAutofit/>
+          </a:bodyPr>
+          <a:lstStyle/>
+          <a:p>
+            <a:pPr indent="0" lvl="0" marL="0" rtl="0" algn="l">
+              <a:spcBef>
+                <a:spcPts val="0"/>
+              </a:spcBef>
+              <a:spcAft>
+                <a:spcPts val="0"/>
+              </a:spcAft>
+              <a:buNone/>
+            </a:pPr>
+            <a:r>
+              <a:rPr lang="en"/>
+              <a:t>Future </a:t>
+            </a:r>
+            <a:r>
+              <a:rPr lang="en"/>
+              <a:t>Recommendations:</a:t>
+            </a:r>
+            <a:endParaRPr/>
+          </a:p>
+        </p:txBody>
+      </p:sp>
+      <p:sp>
+        <p:nvSpPr>
+          <p:cNvPr id="290" name="Google Shape;290;p30"/>
+          <p:cNvSpPr txBox="1"/>
+          <p:nvPr>
+            <p:ph idx="1" type="body"/>
+          </p:nvPr>
+        </p:nvSpPr>
+        <p:spPr>
+          <a:xfrm>
+            <a:off x="469675" y="1439425"/>
+            <a:ext cx="6408900" cy="2821800"/>
+          </a:xfrm>
+          <a:prstGeom prst="rect">
+            <a:avLst/>
+          </a:prstGeom>
+        </p:spPr>
+        <p:txBody>
+          <a:bodyPr anchorCtr="0" anchor="t" bIns="91425" lIns="91425" spcFirstLastPara="1" rIns="91425" wrap="square" tIns="91425">
+            <a:normAutofit/>
+          </a:bodyPr>
+          <a:lstStyle/>
+          <a:p>
+            <a:pPr indent="0" lvl="0" marL="0" rtl="0" algn="l">
+              <a:lnSpc>
+                <a:spcPct val="150000"/>
+              </a:lnSpc>
+              <a:spcBef>
+                <a:spcPts val="0"/>
+              </a:spcBef>
+              <a:spcAft>
+                <a:spcPts val="0"/>
+              </a:spcAft>
+              <a:buNone/>
+            </a:pPr>
+            <a:r>
+              <a:rPr lang="en"/>
+              <a:t>Our ML models </a:t>
+            </a:r>
+            <a:r>
+              <a:rPr lang="en"/>
+              <a:t>performed</a:t>
+            </a:r>
+            <a:r>
+              <a:rPr lang="en"/>
+              <a:t> very well in both </a:t>
+            </a:r>
+            <a:r>
+              <a:rPr lang="en"/>
+              <a:t>scenarios. These are our recommendations moving forward</a:t>
+            </a:r>
+            <a:r>
+              <a:rPr lang="en"/>
+              <a:t>; </a:t>
+            </a:r>
+            <a:endParaRPr/>
+          </a:p>
+          <a:p>
+            <a:pPr indent="-311150" lvl="0" marL="457200" rtl="0" algn="l">
+              <a:lnSpc>
+                <a:spcPct val="150000"/>
+              </a:lnSpc>
+              <a:spcBef>
+                <a:spcPts val="1200"/>
+              </a:spcBef>
+              <a:spcAft>
+                <a:spcPts val="0"/>
+              </a:spcAft>
+              <a:buSzPts val="1300"/>
+              <a:buChar char="●"/>
+            </a:pPr>
+            <a:r>
+              <a:rPr lang="en"/>
+              <a:t>Remove scaling and/or oversampling and test dataset’s resilience.</a:t>
+            </a:r>
+            <a:endParaRPr/>
+          </a:p>
+          <a:p>
+            <a:pPr indent="-311150" lvl="0" marL="457200" rtl="0" algn="l">
+              <a:lnSpc>
+                <a:spcPct val="150000"/>
+              </a:lnSpc>
+              <a:spcBef>
+                <a:spcPts val="0"/>
+              </a:spcBef>
+              <a:spcAft>
+                <a:spcPts val="0"/>
+              </a:spcAft>
+              <a:buSzPts val="1300"/>
+              <a:buChar char="●"/>
+            </a:pPr>
+            <a:r>
+              <a:rPr lang="en"/>
+              <a:t>Change the ratio between test data vs training data.</a:t>
+            </a:r>
+            <a:endParaRPr/>
+          </a:p>
+          <a:p>
+            <a:pPr indent="-311150" lvl="0" marL="457200" rtl="0" algn="l">
+              <a:lnSpc>
+                <a:spcPct val="150000"/>
+              </a:lnSpc>
+              <a:spcBef>
+                <a:spcPts val="0"/>
+              </a:spcBef>
+              <a:spcAft>
+                <a:spcPts val="0"/>
+              </a:spcAft>
+              <a:buSzPts val="1300"/>
+              <a:buChar char="●"/>
+            </a:pPr>
+            <a:r>
+              <a:rPr lang="en"/>
+              <a:t>Try a different algorithm</a:t>
+            </a:r>
+            <a:endParaRPr/>
+          </a:p>
+          <a:p>
+            <a:pPr indent="-311150" lvl="0" marL="457200" rtl="0" algn="l">
+              <a:lnSpc>
+                <a:spcPct val="150000"/>
+              </a:lnSpc>
+              <a:spcBef>
+                <a:spcPts val="0"/>
+              </a:spcBef>
+              <a:spcAft>
+                <a:spcPts val="0"/>
+              </a:spcAft>
+              <a:buSzPts val="1300"/>
+              <a:buChar char="●"/>
+            </a:pPr>
+            <a:r>
+              <a:rPr lang="en"/>
+              <a:t>Try a different dataset</a:t>
+            </a:r>
+            <a:endParaRPr/>
+          </a:p>
+          <a:p>
+            <a:pPr indent="0" lvl="0" marL="0" rtl="0" algn="l">
+              <a:lnSpc>
+                <a:spcPct val="150000"/>
+              </a:lnSpc>
+              <a:spcBef>
+                <a:spcPts val="1200"/>
+              </a:spcBef>
+              <a:spcAft>
+                <a:spcPts val="1200"/>
+              </a:spcAft>
+              <a:buNone/>
+            </a:pPr>
+            <a:r>
+              <a:t/>
+            </a:r>
+            <a:endParaRPr/>
+          </a:p>
+        </p:txBody>
+      </p:sp>
+    </p:spTree>
+  </p:cSld>
+  <p:clrMapOvr>
+    <a:masterClrMapping/>
+  </p:clrMapOvr>
+</p:sld>
+</file>
+
+<file path=ppt/slides/slide18.xml><?xml version="1.0" encoding="utf-8"?>
+<p:sld xmlns:a="http://schemas.openxmlformats.org/drawingml/2006/main" xmlns:r="http://schemas.openxmlformats.org/officeDocument/2006/relationships" xmlns:mc="http://schemas.openxmlformats.org/markup-compatibility/2006" xmlns:mv="urn:schemas-microsoft-com:mac:vml" xmlns:p="http://schemas.openxmlformats.org/presentationml/2006/main" xmlns:c="http://schemas.openxmlformats.org/drawingml/2006/chart" xmlns:dgm="http://schemas.openxmlformats.org/drawingml/2006/diagram" xmlns:o="urn:schemas-microsoft-com:office:office" xmlns:v="urn:schemas-microsoft-com:vml" xmlns:pvml="urn:schemas-microsoft-com:office:powerpoint" xmlns:com="http://schemas.openxmlformats.org/drawingml/2006/compatibility" xmlns:p14="http://schemas.microsoft.com/office/powerpoint/2010/main" xmlns:p15="http://schemas.microsoft.com/office/powerpoint/2012/main" xmlns:ahyp="http://schemas.microsoft.com/office/drawing/2018/hyperlinkcolor">
+  <p:cSld>
+    <p:spTree>
+      <p:nvGrpSpPr>
+        <p:cNvPr id="294" name="Shape 294"/>
+        <p:cNvGrpSpPr/>
+        <p:nvPr/>
+      </p:nvGrpSpPr>
+      <p:grpSpPr>
+        <a:xfrm>
+          <a:off x="0" y="0"/>
+          <a:ext cx="0" cy="0"/>
+          <a:chOff x="0" y="0"/>
+          <a:chExt cx="0" cy="0"/>
+        </a:xfrm>
+      </p:grpSpPr>
+      <p:sp>
+        <p:nvSpPr>
+          <p:cNvPr id="295" name="Google Shape;295;p31"/>
           <p:cNvSpPr txBox="1"/>
           <p:nvPr>
             <p:ph type="title"/>
@@ -15274,7 +17245,11 @@
             </a:pPr>
             <a:r>
               <a:rPr lang="en"/>
-              <a:t>After our adjustments</a:t>
+              <a:t>What we would have done </a:t>
+            </a:r>
+            <a:r>
+              <a:rPr lang="en"/>
+              <a:t>differently</a:t>
             </a:r>
             <a:endParaRPr/>
           </a:p>
@@ -15282,239 +17257,7 @@
       </p:sp>
       <p:sp>
         <p:nvSpPr>
-          <p:cNvPr id="259" name="Google Shape;259;p28"/>
-          <p:cNvSpPr txBox="1"/>
-          <p:nvPr>
-            <p:ph idx="1" type="body"/>
-          </p:nvPr>
-        </p:nvSpPr>
-        <p:spPr>
-          <a:xfrm>
-            <a:off x="1297500" y="1567550"/>
-            <a:ext cx="7038900" cy="2911200"/>
-          </a:xfrm>
-          <a:prstGeom prst="rect">
-            <a:avLst/>
-          </a:prstGeom>
-        </p:spPr>
-        <p:txBody>
-          <a:bodyPr anchorCtr="0" anchor="t" bIns="91425" lIns="91425" spcFirstLastPara="1" rIns="91425" wrap="square" tIns="91425">
-            <a:normAutofit/>
-          </a:bodyPr>
-          <a:lstStyle/>
-          <a:p>
-            <a:pPr indent="0" lvl="0" marL="0" rtl="0" algn="l">
-              <a:spcBef>
-                <a:spcPts val="0"/>
-              </a:spcBef>
-              <a:spcAft>
-                <a:spcPts val="0"/>
-              </a:spcAft>
-              <a:buNone/>
-            </a:pPr>
-            <a:r>
-              <a:rPr lang="en"/>
-              <a:t>The second time around, we ran another logistic regression. This time the accuracy score we achieved was__%, just a mere _ points less than the regression we ran with the size features. This leads us to believe there are other features that also have a strong indication of cancer besides just size.</a:t>
-            </a:r>
-            <a:endParaRPr/>
-          </a:p>
-          <a:p>
-            <a:pPr indent="0" lvl="0" marL="0" rtl="0" algn="l">
-              <a:spcBef>
-                <a:spcPts val="1200"/>
-              </a:spcBef>
-              <a:spcAft>
-                <a:spcPts val="1200"/>
-              </a:spcAft>
-              <a:buNone/>
-            </a:pPr>
-            <a:r>
-              <a:t/>
-            </a:r>
-            <a:endParaRPr/>
-          </a:p>
-        </p:txBody>
-      </p:sp>
-    </p:spTree>
-  </p:cSld>
-  <p:clrMapOvr>
-    <a:masterClrMapping/>
-  </p:clrMapOvr>
-</p:sld>
-</file>
-
-<file path=ppt/slides/slide16.xml><?xml version="1.0" encoding="utf-8"?>
-<p:sld xmlns:a="http://schemas.openxmlformats.org/drawingml/2006/main" xmlns:r="http://schemas.openxmlformats.org/officeDocument/2006/relationships" xmlns:mc="http://schemas.openxmlformats.org/markup-compatibility/2006" xmlns:mv="urn:schemas-microsoft-com:mac:vml" xmlns:p="http://schemas.openxmlformats.org/presentationml/2006/main" xmlns:c="http://schemas.openxmlformats.org/drawingml/2006/chart" xmlns:dgm="http://schemas.openxmlformats.org/drawingml/2006/diagram" xmlns:o="urn:schemas-microsoft-com:office:office" xmlns:v="urn:schemas-microsoft-com:vml" xmlns:pvml="urn:schemas-microsoft-com:office:powerpoint" xmlns:com="http://schemas.openxmlformats.org/drawingml/2006/compatibility" xmlns:p14="http://schemas.microsoft.com/office/powerpoint/2010/main" xmlns:p15="http://schemas.microsoft.com/office/powerpoint/2012/main" xmlns:ahyp="http://schemas.microsoft.com/office/drawing/2018/hyperlinkcolor">
-  <p:cSld>
-    <p:spTree>
-      <p:nvGrpSpPr>
-        <p:cNvPr id="263" name="Shape 263"/>
-        <p:cNvGrpSpPr/>
-        <p:nvPr/>
-      </p:nvGrpSpPr>
-      <p:grpSpPr>
-        <a:xfrm>
-          <a:off x="0" y="0"/>
-          <a:ext cx="0" cy="0"/>
-          <a:chOff x="0" y="0"/>
-          <a:chExt cx="0" cy="0"/>
-        </a:xfrm>
-      </p:grpSpPr>
-      <p:sp>
-        <p:nvSpPr>
-          <p:cNvPr id="264" name="Google Shape;264;p29"/>
-          <p:cNvSpPr txBox="1"/>
-          <p:nvPr>
-            <p:ph type="title"/>
-          </p:nvPr>
-        </p:nvSpPr>
-        <p:spPr>
-          <a:xfrm>
-            <a:off x="1297500" y="393750"/>
-            <a:ext cx="7038900" cy="914100"/>
-          </a:xfrm>
-          <a:prstGeom prst="rect">
-            <a:avLst/>
-          </a:prstGeom>
-        </p:spPr>
-        <p:txBody>
-          <a:bodyPr anchorCtr="0" anchor="t" bIns="91425" lIns="91425" spcFirstLastPara="1" rIns="91425" wrap="square" tIns="91425">
-            <a:normAutofit/>
-          </a:bodyPr>
-          <a:lstStyle/>
-          <a:p>
-            <a:pPr indent="0" lvl="0" marL="0" rtl="0" algn="l">
-              <a:spcBef>
-                <a:spcPts val="0"/>
-              </a:spcBef>
-              <a:spcAft>
-                <a:spcPts val="0"/>
-              </a:spcAft>
-              <a:buNone/>
-            </a:pPr>
-            <a:r>
-              <a:rPr lang="en"/>
-              <a:t>Recommendations</a:t>
-            </a:r>
-            <a:r>
-              <a:rPr lang="en"/>
-              <a:t> for the Future</a:t>
-            </a:r>
-            <a:endParaRPr/>
-          </a:p>
-        </p:txBody>
-      </p:sp>
-      <p:sp>
-        <p:nvSpPr>
-          <p:cNvPr id="265" name="Google Shape;265;p29"/>
-          <p:cNvSpPr txBox="1"/>
-          <p:nvPr>
-            <p:ph idx="1" type="body"/>
-          </p:nvPr>
-        </p:nvSpPr>
-        <p:spPr>
-          <a:xfrm>
-            <a:off x="1297500" y="1567550"/>
-            <a:ext cx="7038900" cy="2911200"/>
-          </a:xfrm>
-          <a:prstGeom prst="rect">
-            <a:avLst/>
-          </a:prstGeom>
-        </p:spPr>
-        <p:txBody>
-          <a:bodyPr anchorCtr="0" anchor="t" bIns="91425" lIns="91425" spcFirstLastPara="1" rIns="91425" wrap="square" tIns="91425">
-            <a:normAutofit/>
-          </a:bodyPr>
-          <a:lstStyle/>
-          <a:p>
-            <a:pPr indent="0" lvl="0" marL="0" rtl="0" algn="l">
-              <a:spcBef>
-                <a:spcPts val="0"/>
-              </a:spcBef>
-              <a:spcAft>
-                <a:spcPts val="1200"/>
-              </a:spcAft>
-              <a:buNone/>
-            </a:pPr>
-            <a:r>
-              <a:t/>
-            </a:r>
-            <a:endParaRPr/>
-          </a:p>
-        </p:txBody>
-      </p:sp>
-    </p:spTree>
-  </p:cSld>
-  <p:clrMapOvr>
-    <a:masterClrMapping/>
-  </p:clrMapOvr>
-</p:sld>
-</file>
-
-<file path=ppt/slides/slide17.xml><?xml version="1.0" encoding="utf-8"?>
-<p:sld xmlns:a="http://schemas.openxmlformats.org/drawingml/2006/main" xmlns:r="http://schemas.openxmlformats.org/officeDocument/2006/relationships" xmlns:mc="http://schemas.openxmlformats.org/markup-compatibility/2006" xmlns:mv="urn:schemas-microsoft-com:mac:vml" xmlns:p="http://schemas.openxmlformats.org/presentationml/2006/main" xmlns:c="http://schemas.openxmlformats.org/drawingml/2006/chart" xmlns:dgm="http://schemas.openxmlformats.org/drawingml/2006/diagram" xmlns:o="urn:schemas-microsoft-com:office:office" xmlns:v="urn:schemas-microsoft-com:vml" xmlns:pvml="urn:schemas-microsoft-com:office:powerpoint" xmlns:com="http://schemas.openxmlformats.org/drawingml/2006/compatibility" xmlns:p14="http://schemas.microsoft.com/office/powerpoint/2010/main" xmlns:p15="http://schemas.microsoft.com/office/powerpoint/2012/main" xmlns:ahyp="http://schemas.microsoft.com/office/drawing/2018/hyperlinkcolor">
-  <p:cSld>
-    <p:spTree>
-      <p:nvGrpSpPr>
-        <p:cNvPr id="269" name="Shape 269"/>
-        <p:cNvGrpSpPr/>
-        <p:nvPr/>
-      </p:nvGrpSpPr>
-      <p:grpSpPr>
-        <a:xfrm>
-          <a:off x="0" y="0"/>
-          <a:ext cx="0" cy="0"/>
-          <a:chOff x="0" y="0"/>
-          <a:chExt cx="0" cy="0"/>
-        </a:xfrm>
-      </p:grpSpPr>
-      <p:sp>
-        <p:nvSpPr>
-          <p:cNvPr id="270" name="Google Shape;270;p30"/>
-          <p:cNvSpPr txBox="1"/>
-          <p:nvPr>
-            <p:ph type="title"/>
-          </p:nvPr>
-        </p:nvSpPr>
-        <p:spPr>
-          <a:xfrm>
-            <a:off x="1297500" y="393750"/>
-            <a:ext cx="7038900" cy="914100"/>
-          </a:xfrm>
-          <a:prstGeom prst="rect">
-            <a:avLst/>
-          </a:prstGeom>
-        </p:spPr>
-        <p:txBody>
-          <a:bodyPr anchorCtr="0" anchor="t" bIns="91425" lIns="91425" spcFirstLastPara="1" rIns="91425" wrap="square" tIns="91425">
-            <a:normAutofit/>
-          </a:bodyPr>
-          <a:lstStyle/>
-          <a:p>
-            <a:pPr indent="0" lvl="0" marL="0" rtl="0" algn="l">
-              <a:spcBef>
-                <a:spcPts val="0"/>
-              </a:spcBef>
-              <a:spcAft>
-                <a:spcPts val="0"/>
-              </a:spcAft>
-              <a:buNone/>
-            </a:pPr>
-            <a:r>
-              <a:rPr lang="en"/>
-              <a:t>What we would have done </a:t>
-            </a:r>
-            <a:r>
-              <a:rPr lang="en"/>
-              <a:t>differently</a:t>
-            </a:r>
-            <a:endParaRPr/>
-          </a:p>
-        </p:txBody>
-      </p:sp>
-      <p:sp>
-        <p:nvSpPr>
-          <p:cNvPr id="271" name="Google Shape;271;p30"/>
+          <p:cNvPr id="296" name="Google Shape;296;p31"/>
           <p:cNvSpPr txBox="1"/>
           <p:nvPr>
             <p:ph idx="1" type="body"/>
@@ -15566,7 +17309,7 @@
             </a:pPr>
             <a:r>
               <a:rPr lang="en"/>
-              <a:t>This is would have allowed us to have more time to dive into our data the second time around when we did away with the features that describe size; we could have found another significant feature or features.</a:t>
+              <a:t>This would have allowed us to have more time to dive into our data the second time around when we did away with the features that describe size; we could have found another significant feature or features.</a:t>
             </a:r>
             <a:endParaRPr/>
           </a:p>
@@ -15574,7 +17317,7 @@
       </p:sp>
       <p:pic>
         <p:nvPicPr>
-          <p:cNvPr id="272" name="Google Shape;272;p30"/>
+          <p:cNvPr id="297" name="Google Shape;297;p31"/>
           <p:cNvPicPr preferRelativeResize="0"/>
           <p:nvPr/>
         </p:nvPicPr>
@@ -15608,12 +17351,12 @@
 </p:sld>
 </file>
 
-<file path=ppt/slides/slide18.xml><?xml version="1.0" encoding="utf-8"?>
+<file path=ppt/slides/slide19.xml><?xml version="1.0" encoding="utf-8"?>
 <p:sld xmlns:a="http://schemas.openxmlformats.org/drawingml/2006/main" xmlns:r="http://schemas.openxmlformats.org/officeDocument/2006/relationships" xmlns:mc="http://schemas.openxmlformats.org/markup-compatibility/2006" xmlns:mv="urn:schemas-microsoft-com:mac:vml" xmlns:p="http://schemas.openxmlformats.org/presentationml/2006/main" xmlns:c="http://schemas.openxmlformats.org/drawingml/2006/chart" xmlns:dgm="http://schemas.openxmlformats.org/drawingml/2006/diagram" xmlns:o="urn:schemas-microsoft-com:office:office" xmlns:v="urn:schemas-microsoft-com:vml" xmlns:pvml="urn:schemas-microsoft-com:office:powerpoint" xmlns:com="http://schemas.openxmlformats.org/drawingml/2006/compatibility" xmlns:p14="http://schemas.microsoft.com/office/powerpoint/2010/main" xmlns:p15="http://schemas.microsoft.com/office/powerpoint/2012/main" xmlns:ahyp="http://schemas.microsoft.com/office/drawing/2018/hyperlinkcolor">
   <p:cSld>
     <p:spTree>
       <p:nvGrpSpPr>
-        <p:cNvPr id="276" name="Shape 276"/>
+        <p:cNvPr id="301" name="Shape 301"/>
         <p:cNvGrpSpPr/>
         <p:nvPr/>
       </p:nvGrpSpPr>
@@ -15627,7 +17370,7 @@
       </p:grpSpPr>
       <p:sp>
         <p:nvSpPr>
-          <p:cNvPr id="277" name="Google Shape;277;p31"/>
+          <p:cNvPr id="302" name="Google Shape;302;p32"/>
           <p:cNvSpPr txBox="1"/>
           <p:nvPr>
             <p:ph type="title"/>
@@ -17210,99 +18953,6 @@
         </p:nvSpPr>
         <p:spPr>
           <a:xfrm>
-            <a:off x="2869638" y="337350"/>
-            <a:ext cx="3404700" cy="914100"/>
-          </a:xfrm>
-          <a:prstGeom prst="rect">
-            <a:avLst/>
-          </a:prstGeom>
-        </p:spPr>
-        <p:txBody>
-          <a:bodyPr anchorCtr="0" anchor="t" bIns="91425" lIns="91425" spcFirstLastPara="1" rIns="91425" wrap="square" tIns="91425">
-            <a:normAutofit/>
-          </a:bodyPr>
-          <a:lstStyle/>
-          <a:p>
-            <a:pPr indent="0" lvl="0" marL="0" rtl="0" algn="l">
-              <a:spcBef>
-                <a:spcPts val="0"/>
-              </a:spcBef>
-              <a:spcAft>
-                <a:spcPts val="0"/>
-              </a:spcAft>
-              <a:buNone/>
-            </a:pPr>
-            <a:r>
-              <a:rPr lang="en"/>
-              <a:t>Exploratory Analysis</a:t>
-            </a:r>
-            <a:endParaRPr/>
-          </a:p>
-        </p:txBody>
-      </p:sp>
-      <p:pic>
-        <p:nvPicPr>
-          <p:cNvPr id="188" name="Google Shape;188;p20"/>
-          <p:cNvPicPr preferRelativeResize="0"/>
-          <p:nvPr/>
-        </p:nvPicPr>
-        <p:blipFill>
-          <a:blip r:embed="rId3">
-            <a:alphaModFix/>
-          </a:blip>
-          <a:stretch>
-            <a:fillRect/>
-          </a:stretch>
-        </p:blipFill>
-        <p:spPr>
-          <a:xfrm>
-            <a:off x="185487" y="1575300"/>
-            <a:ext cx="8773024" cy="2637750"/>
-          </a:xfrm>
-          <a:prstGeom prst="rect">
-            <a:avLst/>
-          </a:prstGeom>
-          <a:noFill/>
-          <a:ln>
-            <a:noFill/>
-          </a:ln>
-        </p:spPr>
-      </p:pic>
-    </p:spTree>
-  </p:cSld>
-  <p:clrMapOvr>
-    <a:masterClrMapping/>
-  </p:clrMapOvr>
-</p:sld>
-</file>
-
-<file path=ppt/slides/slide8.xml><?xml version="1.0" encoding="utf-8"?>
-<p:sld xmlns:a="http://schemas.openxmlformats.org/drawingml/2006/main" xmlns:r="http://schemas.openxmlformats.org/officeDocument/2006/relationships" xmlns:mc="http://schemas.openxmlformats.org/markup-compatibility/2006" xmlns:mv="urn:schemas-microsoft-com:mac:vml" xmlns:p="http://schemas.openxmlformats.org/presentationml/2006/main" xmlns:c="http://schemas.openxmlformats.org/drawingml/2006/chart" xmlns:dgm="http://schemas.openxmlformats.org/drawingml/2006/diagram" xmlns:o="urn:schemas-microsoft-com:office:office" xmlns:v="urn:schemas-microsoft-com:vml" xmlns:pvml="urn:schemas-microsoft-com:office:powerpoint" xmlns:com="http://schemas.openxmlformats.org/drawingml/2006/compatibility" xmlns:p14="http://schemas.microsoft.com/office/powerpoint/2010/main" xmlns:p15="http://schemas.microsoft.com/office/powerpoint/2012/main" xmlns:ahyp="http://schemas.microsoft.com/office/drawing/2018/hyperlinkcolor">
-  <p:cSld>
-    <p:spTree>
-      <p:nvGrpSpPr>
-        <p:cNvPr id="192" name="Shape 192"/>
-        <p:cNvGrpSpPr/>
-        <p:nvPr/>
-      </p:nvGrpSpPr>
-      <p:grpSpPr>
-        <a:xfrm>
-          <a:off x="0" y="0"/>
-          <a:ext cx="0" cy="0"/>
-          <a:chOff x="0" y="0"/>
-          <a:chExt cx="0" cy="0"/>
-        </a:xfrm>
-      </p:grpSpPr>
-      <p:sp>
-        <p:nvSpPr>
-          <p:cNvPr id="193" name="Google Shape;193;p21"/>
-          <p:cNvSpPr txBox="1"/>
-          <p:nvPr>
-            <p:ph type="title"/>
-          </p:nvPr>
-        </p:nvSpPr>
-        <p:spPr>
-          <a:xfrm>
             <a:off x="2526450" y="302150"/>
             <a:ext cx="4091100" cy="914100"/>
           </a:xfrm>
@@ -17335,7 +18985,7 @@
       </p:sp>
       <p:pic>
         <p:nvPicPr>
-          <p:cNvPr id="194" name="Google Shape;194;p21"/>
+          <p:cNvPr id="188" name="Google Shape;188;p20"/>
           <p:cNvPicPr preferRelativeResize="0"/>
           <p:nvPr/>
         </p:nvPicPr>
@@ -17363,7 +19013,7 @@
       </p:pic>
       <p:pic>
         <p:nvPicPr>
-          <p:cNvPr id="195" name="Google Shape;195;p21"/>
+          <p:cNvPr id="189" name="Google Shape;189;p20"/>
           <p:cNvPicPr preferRelativeResize="0"/>
           <p:nvPr/>
         </p:nvPicPr>
@@ -17391,7 +19041,7 @@
       </p:pic>
       <p:pic>
         <p:nvPicPr>
-          <p:cNvPr id="196" name="Google Shape;196;p21"/>
+          <p:cNvPr id="190" name="Google Shape;190;p20"/>
           <p:cNvPicPr preferRelativeResize="0"/>
           <p:nvPr/>
         </p:nvPicPr>
@@ -17419,7 +19069,7 @@
       </p:pic>
       <p:sp>
         <p:nvSpPr>
-          <p:cNvPr id="197" name="Google Shape;197;p21"/>
+          <p:cNvPr id="191" name="Google Shape;191;p20"/>
           <p:cNvSpPr txBox="1"/>
           <p:nvPr/>
         </p:nvSpPr>
@@ -17523,7 +19173,7 @@
       </p:sp>
       <p:sp>
         <p:nvSpPr>
-          <p:cNvPr id="198" name="Google Shape;198;p21"/>
+          <p:cNvPr id="192" name="Google Shape;192;p20"/>
           <p:cNvSpPr txBox="1"/>
           <p:nvPr/>
         </p:nvSpPr>
@@ -17605,7 +19255,7 @@
       </p:sp>
       <p:sp>
         <p:nvSpPr>
-          <p:cNvPr id="199" name="Google Shape;199;p21"/>
+          <p:cNvPr id="193" name="Google Shape;193;p20"/>
           <p:cNvSpPr txBox="1"/>
           <p:nvPr/>
         </p:nvSpPr>
@@ -17661,6 +19311,99 @@
           </a:p>
         </p:txBody>
       </p:sp>
+    </p:spTree>
+  </p:cSld>
+  <p:clrMapOvr>
+    <a:masterClrMapping/>
+  </p:clrMapOvr>
+</p:sld>
+</file>
+
+<file path=ppt/slides/slide8.xml><?xml version="1.0" encoding="utf-8"?>
+<p:sld xmlns:a="http://schemas.openxmlformats.org/drawingml/2006/main" xmlns:r="http://schemas.openxmlformats.org/officeDocument/2006/relationships" xmlns:mc="http://schemas.openxmlformats.org/markup-compatibility/2006" xmlns:mv="urn:schemas-microsoft-com:mac:vml" xmlns:p="http://schemas.openxmlformats.org/presentationml/2006/main" xmlns:c="http://schemas.openxmlformats.org/drawingml/2006/chart" xmlns:dgm="http://schemas.openxmlformats.org/drawingml/2006/diagram" xmlns:o="urn:schemas-microsoft-com:office:office" xmlns:v="urn:schemas-microsoft-com:vml" xmlns:pvml="urn:schemas-microsoft-com:office:powerpoint" xmlns:com="http://schemas.openxmlformats.org/drawingml/2006/compatibility" xmlns:p14="http://schemas.microsoft.com/office/powerpoint/2010/main" xmlns:p15="http://schemas.microsoft.com/office/powerpoint/2012/main" xmlns:ahyp="http://schemas.microsoft.com/office/drawing/2018/hyperlinkcolor">
+  <p:cSld>
+    <p:spTree>
+      <p:nvGrpSpPr>
+        <p:cNvPr id="197" name="Shape 197"/>
+        <p:cNvGrpSpPr/>
+        <p:nvPr/>
+      </p:nvGrpSpPr>
+      <p:grpSpPr>
+        <a:xfrm>
+          <a:off x="0" y="0"/>
+          <a:ext cx="0" cy="0"/>
+          <a:chOff x="0" y="0"/>
+          <a:chExt cx="0" cy="0"/>
+        </a:xfrm>
+      </p:grpSpPr>
+      <p:sp>
+        <p:nvSpPr>
+          <p:cNvPr id="198" name="Google Shape;198;p21"/>
+          <p:cNvSpPr txBox="1"/>
+          <p:nvPr>
+            <p:ph type="title"/>
+          </p:nvPr>
+        </p:nvSpPr>
+        <p:spPr>
+          <a:xfrm>
+            <a:off x="2869638" y="337350"/>
+            <a:ext cx="3404700" cy="914100"/>
+          </a:xfrm>
+          <a:prstGeom prst="rect">
+            <a:avLst/>
+          </a:prstGeom>
+        </p:spPr>
+        <p:txBody>
+          <a:bodyPr anchorCtr="0" anchor="t" bIns="91425" lIns="91425" spcFirstLastPara="1" rIns="91425" wrap="square" tIns="91425">
+            <a:normAutofit/>
+          </a:bodyPr>
+          <a:lstStyle/>
+          <a:p>
+            <a:pPr indent="0" lvl="0" marL="0" rtl="0" algn="l">
+              <a:spcBef>
+                <a:spcPts val="0"/>
+              </a:spcBef>
+              <a:spcAft>
+                <a:spcPts val="0"/>
+              </a:spcAft>
+              <a:buNone/>
+            </a:pPr>
+            <a:r>
+              <a:rPr lang="en"/>
+              <a:t>Exploratory Analysis</a:t>
+            </a:r>
+            <a:endParaRPr/>
+          </a:p>
+        </p:txBody>
+      </p:sp>
+      <p:pic>
+        <p:nvPicPr>
+          <p:cNvPr id="199" name="Google Shape;199;p21"/>
+          <p:cNvPicPr preferRelativeResize="0"/>
+          <p:nvPr/>
+        </p:nvPicPr>
+        <p:blipFill>
+          <a:blip r:embed="rId3">
+            <a:alphaModFix/>
+          </a:blip>
+          <a:stretch>
+            <a:fillRect/>
+          </a:stretch>
+        </p:blipFill>
+        <p:spPr>
+          <a:xfrm>
+            <a:off x="185487" y="1575300"/>
+            <a:ext cx="8773024" cy="2637750"/>
+          </a:xfrm>
+          <a:prstGeom prst="rect">
+            <a:avLst/>
+          </a:prstGeom>
+          <a:noFill/>
+          <a:ln>
+            <a:noFill/>
+          </a:ln>
+        </p:spPr>
+      </p:pic>
     </p:spTree>
   </p:cSld>
   <p:clrMapOvr>
